--- a/Real-time Speaker Recognizer - Oral Examination.pptx
+++ b/Real-time Speaker Recognizer - Oral Examination.pptx
@@ -1,11 +1,11 @@
 
 <file path=ppt/presentation.xml><?xml version="1.0" encoding="utf-8"?>
-<p:presentation xmlns:a="http://schemas.openxmlformats.org/drawingml/2006/main" xmlns:r="http://schemas.openxmlformats.org/officeDocument/2006/relationships" xmlns:p="http://schemas.openxmlformats.org/presentationml/2006/main" saveSubsetFonts="1">
+<p:presentation xmlns:a="http://schemas.openxmlformats.org/drawingml/2006/main" xmlns:r="http://schemas.openxmlformats.org/officeDocument/2006/relationships" xmlns:p="http://schemas.openxmlformats.org/presentationml/2006/main" showSpecialPlsOnTitleSld="0" saveSubsetFonts="1">
   <p:sldMasterIdLst>
     <p:sldMasterId id="2147483720" r:id="rId1"/>
   </p:sldMasterIdLst>
   <p:notesMasterIdLst>
-    <p:notesMasterId r:id="rId12"/>
+    <p:notesMasterId r:id="rId18"/>
   </p:notesMasterIdLst>
   <p:sldIdLst>
     <p:sldId id="256" r:id="rId2"/>
@@ -14,10 +14,16 @@
     <p:sldId id="259" r:id="rId5"/>
     <p:sldId id="260" r:id="rId6"/>
     <p:sldId id="261" r:id="rId7"/>
-    <p:sldId id="262" r:id="rId8"/>
-    <p:sldId id="263" r:id="rId9"/>
-    <p:sldId id="264" r:id="rId10"/>
-    <p:sldId id="265" r:id="rId11"/>
+    <p:sldId id="266" r:id="rId8"/>
+    <p:sldId id="262" r:id="rId9"/>
+    <p:sldId id="263" r:id="rId10"/>
+    <p:sldId id="271" r:id="rId11"/>
+    <p:sldId id="267" r:id="rId12"/>
+    <p:sldId id="268" r:id="rId13"/>
+    <p:sldId id="264" r:id="rId14"/>
+    <p:sldId id="270" r:id="rId15"/>
+    <p:sldId id="265" r:id="rId16"/>
+    <p:sldId id="272" r:id="rId17"/>
   </p:sldIdLst>
   <p:sldSz cx="9144000" cy="6858000" type="screen4x3"/>
   <p:notesSz cx="6858000" cy="9144000"/>
@@ -119,6 +125,518 @@
 </p:presentation>
 </file>
 
+<file path=ppt/charts/chart1.xml><?xml version="1.0" encoding="utf-8"?>
+<c:chartSpace xmlns:c="http://schemas.openxmlformats.org/drawingml/2006/chart" xmlns:a="http://schemas.openxmlformats.org/drawingml/2006/main" xmlns:r="http://schemas.openxmlformats.org/officeDocument/2006/relationships">
+  <c:date1904 val="0"/>
+  <c:lang val="en-US"/>
+  <c:roundedCorners val="0"/>
+  <mc:AlternateContent xmlns:mc="http://schemas.openxmlformats.org/markup-compatibility/2006">
+    <mc:Choice xmlns:c14="http://schemas.microsoft.com/office/drawing/2007/8/2/chart" Requires="c14">
+      <c14:style val="102"/>
+    </mc:Choice>
+    <mc:Fallback>
+      <c:style val="2"/>
+    </mc:Fallback>
+  </mc:AlternateContent>
+  <c:chart>
+    <c:title>
+      <c:tx>
+        <c:rich>
+          <a:bodyPr/>
+          <a:lstStyle/>
+          <a:p>
+            <a:pPr>
+              <a:defRPr/>
+            </a:pPr>
+            <a:r>
+              <a:rPr lang="en-US"/>
+              <a:t>Real-time Factor</a:t>
+            </a:r>
+          </a:p>
+        </c:rich>
+      </c:tx>
+      <c:layout/>
+      <c:overlay val="0"/>
+    </c:title>
+    <c:autoTitleDeleted val="0"/>
+    <c:plotArea>
+      <c:layout/>
+      <c:lineChart>
+        <c:grouping val="standard"/>
+        <c:varyColors val="0"/>
+        <c:ser>
+          <c:idx val="1"/>
+          <c:order val="0"/>
+          <c:tx>
+            <c:strRef>
+              <c:f>Sheet2!$S$1</c:f>
+              <c:strCache>
+                <c:ptCount val="1"/>
+                <c:pt idx="0">
+                  <c:v>RF</c:v>
+                </c:pt>
+              </c:strCache>
+            </c:strRef>
+          </c:tx>
+          <c:marker>
+            <c:symbol val="none"/>
+          </c:marker>
+          <c:cat>
+            <c:numRef>
+              <c:f>Sheet2!$K$2:$K$51</c:f>
+              <c:numCache>
+                <c:formatCode>General</c:formatCode>
+                <c:ptCount val="50"/>
+                <c:pt idx="0">
+                  <c:v>1</c:v>
+                </c:pt>
+                <c:pt idx="1">
+                  <c:v>2</c:v>
+                </c:pt>
+                <c:pt idx="2">
+                  <c:v>3</c:v>
+                </c:pt>
+                <c:pt idx="3">
+                  <c:v>4</c:v>
+                </c:pt>
+                <c:pt idx="4">
+                  <c:v>5</c:v>
+                </c:pt>
+                <c:pt idx="5">
+                  <c:v>6</c:v>
+                </c:pt>
+                <c:pt idx="6">
+                  <c:v>7</c:v>
+                </c:pt>
+                <c:pt idx="7">
+                  <c:v>8</c:v>
+                </c:pt>
+                <c:pt idx="8">
+                  <c:v>9</c:v>
+                </c:pt>
+                <c:pt idx="9">
+                  <c:v>10</c:v>
+                </c:pt>
+                <c:pt idx="10">
+                  <c:v>11</c:v>
+                </c:pt>
+                <c:pt idx="11">
+                  <c:v>12</c:v>
+                </c:pt>
+                <c:pt idx="12">
+                  <c:v>13</c:v>
+                </c:pt>
+                <c:pt idx="13">
+                  <c:v>14</c:v>
+                </c:pt>
+                <c:pt idx="14">
+                  <c:v>15</c:v>
+                </c:pt>
+                <c:pt idx="15">
+                  <c:v>16</c:v>
+                </c:pt>
+                <c:pt idx="16">
+                  <c:v>17</c:v>
+                </c:pt>
+                <c:pt idx="17">
+                  <c:v>18</c:v>
+                </c:pt>
+                <c:pt idx="18">
+                  <c:v>19</c:v>
+                </c:pt>
+                <c:pt idx="19">
+                  <c:v>20</c:v>
+                </c:pt>
+                <c:pt idx="20">
+                  <c:v>21</c:v>
+                </c:pt>
+                <c:pt idx="21">
+                  <c:v>22</c:v>
+                </c:pt>
+                <c:pt idx="22">
+                  <c:v>23</c:v>
+                </c:pt>
+                <c:pt idx="23">
+                  <c:v>24</c:v>
+                </c:pt>
+                <c:pt idx="24">
+                  <c:v>25</c:v>
+                </c:pt>
+                <c:pt idx="25">
+                  <c:v>26</c:v>
+                </c:pt>
+                <c:pt idx="26">
+                  <c:v>27</c:v>
+                </c:pt>
+                <c:pt idx="27">
+                  <c:v>28</c:v>
+                </c:pt>
+                <c:pt idx="28">
+                  <c:v>29</c:v>
+                </c:pt>
+                <c:pt idx="29">
+                  <c:v>30</c:v>
+                </c:pt>
+                <c:pt idx="30">
+                  <c:v>31</c:v>
+                </c:pt>
+                <c:pt idx="31">
+                  <c:v>32</c:v>
+                </c:pt>
+                <c:pt idx="32">
+                  <c:v>33</c:v>
+                </c:pt>
+                <c:pt idx="33">
+                  <c:v>34</c:v>
+                </c:pt>
+                <c:pt idx="34">
+                  <c:v>35</c:v>
+                </c:pt>
+                <c:pt idx="35">
+                  <c:v>36</c:v>
+                </c:pt>
+                <c:pt idx="36">
+                  <c:v>37</c:v>
+                </c:pt>
+                <c:pt idx="37">
+                  <c:v>38</c:v>
+                </c:pt>
+                <c:pt idx="38">
+                  <c:v>39</c:v>
+                </c:pt>
+                <c:pt idx="39">
+                  <c:v>40</c:v>
+                </c:pt>
+                <c:pt idx="40">
+                  <c:v>41</c:v>
+                </c:pt>
+                <c:pt idx="41">
+                  <c:v>42</c:v>
+                </c:pt>
+                <c:pt idx="42">
+                  <c:v>43</c:v>
+                </c:pt>
+                <c:pt idx="43">
+                  <c:v>44</c:v>
+                </c:pt>
+                <c:pt idx="44">
+                  <c:v>45</c:v>
+                </c:pt>
+                <c:pt idx="45">
+                  <c:v>46</c:v>
+                </c:pt>
+                <c:pt idx="46">
+                  <c:v>47</c:v>
+                </c:pt>
+                <c:pt idx="47">
+                  <c:v>48</c:v>
+                </c:pt>
+                <c:pt idx="48">
+                  <c:v>49</c:v>
+                </c:pt>
+                <c:pt idx="49">
+                  <c:v>50</c:v>
+                </c:pt>
+              </c:numCache>
+            </c:numRef>
+          </c:cat>
+          <c:val>
+            <c:numRef>
+              <c:f>Sheet2!$S$2:$S$52</c:f>
+              <c:numCache>
+                <c:formatCode>General</c:formatCode>
+                <c:ptCount val="51"/>
+                <c:pt idx="0">
+                  <c:v>2.547E-2</c:v>
+                </c:pt>
+                <c:pt idx="1">
+                  <c:v>2.479E-2</c:v>
+                </c:pt>
+                <c:pt idx="2">
+                  <c:v>2.325E-2</c:v>
+                </c:pt>
+                <c:pt idx="3">
+                  <c:v>2.2200000000000001E-2</c:v>
+                </c:pt>
+                <c:pt idx="4">
+                  <c:v>2.2349999999999998E-2</c:v>
+                </c:pt>
+                <c:pt idx="5">
+                  <c:v>2.1399999999999999E-2</c:v>
+                </c:pt>
+                <c:pt idx="6">
+                  <c:v>1.9990000000000001E-2</c:v>
+                </c:pt>
+                <c:pt idx="7">
+                  <c:v>2.2020000000000001E-2</c:v>
+                </c:pt>
+                <c:pt idx="8">
+                  <c:v>2.2069999999999999E-2</c:v>
+                </c:pt>
+                <c:pt idx="9">
+                  <c:v>2.2159999999999999E-2</c:v>
+                </c:pt>
+                <c:pt idx="10">
+                  <c:v>2.146E-2</c:v>
+                </c:pt>
+                <c:pt idx="11">
+                  <c:v>2.3550000000000001E-2</c:v>
+                </c:pt>
+                <c:pt idx="12">
+                  <c:v>2.3800000000000002E-2</c:v>
+                </c:pt>
+                <c:pt idx="13">
+                  <c:v>2.2759999999999999E-2</c:v>
+                </c:pt>
+                <c:pt idx="14">
+                  <c:v>2.265E-2</c:v>
+                </c:pt>
+                <c:pt idx="15">
+                  <c:v>2.3550000000000001E-2</c:v>
+                </c:pt>
+                <c:pt idx="16">
+                  <c:v>2.316E-2</c:v>
+                </c:pt>
+                <c:pt idx="17">
+                  <c:v>2.1999999999999999E-2</c:v>
+                </c:pt>
+                <c:pt idx="18">
+                  <c:v>2.087E-2</c:v>
+                </c:pt>
+                <c:pt idx="19">
+                  <c:v>2.1010000000000001E-2</c:v>
+                </c:pt>
+                <c:pt idx="20">
+                  <c:v>2.2290000000000001E-2</c:v>
+                </c:pt>
+                <c:pt idx="21">
+                  <c:v>2.2009999999999998E-2</c:v>
+                </c:pt>
+                <c:pt idx="22">
+                  <c:v>2.317E-2</c:v>
+                </c:pt>
+                <c:pt idx="23">
+                  <c:v>2.2769999999999999E-2</c:v>
+                </c:pt>
+                <c:pt idx="24">
+                  <c:v>2.3130000000000001E-2</c:v>
+                </c:pt>
+                <c:pt idx="25">
+                  <c:v>2.3980000000000001E-2</c:v>
+                </c:pt>
+                <c:pt idx="26">
+                  <c:v>2.2429999999999999E-2</c:v>
+                </c:pt>
+                <c:pt idx="27">
+                  <c:v>2.181E-2</c:v>
+                </c:pt>
+                <c:pt idx="28">
+                  <c:v>2.206E-2</c:v>
+                </c:pt>
+                <c:pt idx="29">
+                  <c:v>2.2610000000000002E-2</c:v>
+                </c:pt>
+                <c:pt idx="30">
+                  <c:v>2.2249999999999999E-2</c:v>
+                </c:pt>
+                <c:pt idx="31">
+                  <c:v>2.351E-2</c:v>
+                </c:pt>
+                <c:pt idx="32">
+                  <c:v>2.308E-2</c:v>
+                </c:pt>
+                <c:pt idx="33">
+                  <c:v>2.3259999999999999E-2</c:v>
+                </c:pt>
+                <c:pt idx="34">
+                  <c:v>2.4729999999999999E-2</c:v>
+                </c:pt>
+                <c:pt idx="35">
+                  <c:v>2.299E-2</c:v>
+                </c:pt>
+                <c:pt idx="36">
+                  <c:v>2.4629999999999999E-2</c:v>
+                </c:pt>
+                <c:pt idx="37">
+                  <c:v>2.4029999999999999E-2</c:v>
+                </c:pt>
+                <c:pt idx="38">
+                  <c:v>2.3609999999999999E-2</c:v>
+                </c:pt>
+                <c:pt idx="39">
+                  <c:v>2.393E-2</c:v>
+                </c:pt>
+                <c:pt idx="40">
+                  <c:v>2.349E-2</c:v>
+                </c:pt>
+                <c:pt idx="41">
+                  <c:v>2.4680000000000001E-2</c:v>
+                </c:pt>
+                <c:pt idx="42">
+                  <c:v>2.3400000000000001E-2</c:v>
+                </c:pt>
+                <c:pt idx="43">
+                  <c:v>2.5270000000000001E-2</c:v>
+                </c:pt>
+                <c:pt idx="44">
+                  <c:v>2.4709999999999999E-2</c:v>
+                </c:pt>
+                <c:pt idx="45">
+                  <c:v>2.5010000000000001E-2</c:v>
+                </c:pt>
+                <c:pt idx="46">
+                  <c:v>2.5270000000000001E-2</c:v>
+                </c:pt>
+                <c:pt idx="47">
+                  <c:v>2.426E-2</c:v>
+                </c:pt>
+                <c:pt idx="48">
+                  <c:v>2.3480000000000001E-2</c:v>
+                </c:pt>
+                <c:pt idx="49">
+                  <c:v>2.512E-2</c:v>
+                </c:pt>
+                <c:pt idx="50">
+                  <c:v>2.4680000000000001E-2</c:v>
+                </c:pt>
+              </c:numCache>
+            </c:numRef>
+          </c:val>
+          <c:smooth val="0"/>
+        </c:ser>
+        <c:dLbls>
+          <c:showLegendKey val="0"/>
+          <c:showVal val="0"/>
+          <c:showCatName val="0"/>
+          <c:showSerName val="0"/>
+          <c:showPercent val="0"/>
+          <c:showBubbleSize val="0"/>
+        </c:dLbls>
+        <c:marker val="1"/>
+        <c:smooth val="0"/>
+        <c:axId val="238128512"/>
+        <c:axId val="256711296"/>
+      </c:lineChart>
+      <c:catAx>
+        <c:axId val="238128512"/>
+        <c:scaling>
+          <c:orientation val="minMax"/>
+        </c:scaling>
+        <c:delete val="0"/>
+        <c:axPos val="b"/>
+        <c:title>
+          <c:tx>
+            <c:rich>
+              <a:bodyPr/>
+              <a:lstStyle/>
+              <a:p>
+                <a:pPr>
+                  <a:defRPr/>
+                </a:pPr>
+                <a:r>
+                  <a:rPr lang="en-US" dirty="0" smtClean="0"/>
+                  <a:t>Audio</a:t>
+                </a:r>
+                <a:r>
+                  <a:rPr lang="en-US" baseline="0" dirty="0" smtClean="0"/>
+                  <a:t> d</a:t>
+                </a:r>
+                <a:r>
+                  <a:rPr lang="en-US" dirty="0" smtClean="0"/>
+                  <a:t>uration </a:t>
+                </a:r>
+                <a:r>
+                  <a:rPr lang="en-US" dirty="0"/>
+                  <a:t>(</a:t>
+                </a:r>
+                <a:r>
+                  <a:rPr lang="en-US" dirty="0" err="1"/>
+                  <a:t>mins</a:t>
+                </a:r>
+                <a:r>
+                  <a:rPr lang="en-US" dirty="0"/>
+                  <a:t>)</a:t>
+                </a:r>
+              </a:p>
+            </c:rich>
+          </c:tx>
+          <c:layout/>
+          <c:overlay val="0"/>
+        </c:title>
+        <c:numFmt formatCode="General" sourceLinked="1"/>
+        <c:majorTickMark val="out"/>
+        <c:minorTickMark val="none"/>
+        <c:tickLblPos val="nextTo"/>
+        <c:crossAx val="256711296"/>
+        <c:crosses val="autoZero"/>
+        <c:auto val="1"/>
+        <c:lblAlgn val="ctr"/>
+        <c:lblOffset val="100"/>
+        <c:tickLblSkip val="5"/>
+        <c:tickMarkSkip val="2"/>
+        <c:noMultiLvlLbl val="0"/>
+      </c:catAx>
+      <c:valAx>
+        <c:axId val="256711296"/>
+        <c:scaling>
+          <c:orientation val="minMax"/>
+        </c:scaling>
+        <c:delete val="0"/>
+        <c:axPos val="l"/>
+        <c:majorGridlines/>
+        <c:title>
+          <c:tx>
+            <c:rich>
+              <a:bodyPr rot="-5400000" vert="horz"/>
+              <a:lstStyle/>
+              <a:p>
+                <a:pPr>
+                  <a:defRPr/>
+                </a:pPr>
+                <a:r>
+                  <a:rPr lang="en-US"/>
+                  <a:t>Real-time factor</a:t>
+                </a:r>
+              </a:p>
+            </c:rich>
+          </c:tx>
+          <c:layout/>
+          <c:overlay val="0"/>
+        </c:title>
+        <c:numFmt formatCode="General" sourceLinked="1"/>
+        <c:majorTickMark val="out"/>
+        <c:minorTickMark val="none"/>
+        <c:tickLblPos val="nextTo"/>
+        <c:crossAx val="238128512"/>
+        <c:crosses val="autoZero"/>
+        <c:crossBetween val="between"/>
+      </c:valAx>
+    </c:plotArea>
+    <c:legend>
+      <c:legendPos val="r"/>
+      <c:layout/>
+      <c:overlay val="0"/>
+    </c:legend>
+    <c:plotVisOnly val="1"/>
+    <c:dispBlanksAs val="gap"/>
+    <c:showDLblsOverMax val="0"/>
+  </c:chart>
+  <c:txPr>
+    <a:bodyPr/>
+    <a:lstStyle/>
+    <a:p>
+      <a:pPr>
+        <a:defRPr sz="1800"/>
+      </a:pPr>
+      <a:endParaRPr lang="en-US"/>
+    </a:p>
+  </c:txPr>
+  <c:externalData r:id="rId1">
+    <c:autoUpdate val="0"/>
+  </c:externalData>
+</c:chartSpace>
+</file>
+
 <file path=ppt/notesMasters/notesMaster1.xml><?xml version="1.0" encoding="utf-8"?>
 <p:notesMaster xmlns:a="http://schemas.openxmlformats.org/drawingml/2006/main" xmlns:r="http://schemas.openxmlformats.org/officeDocument/2006/relationships" xmlns:p="http://schemas.openxmlformats.org/presentationml/2006/main">
   <p:cSld>
@@ -201,7 +719,7 @@
           <a:p>
             <a:fld id="{0572248B-88FF-4E8B-A680-85216B74AABA}" type="datetimeFigureOut">
               <a:rPr lang="en-US" smtClean="0"/>
-              <a:t>7/15/2019</a:t>
+              <a:t>7/16/2019</a:t>
             </a:fld>
             <a:endParaRPr lang="en-US"/>
           </a:p>
@@ -745,9 +1263,9 @@
           <a:bodyPr/>
           <a:lstStyle/>
           <a:p>
-            <a:fld id="{701F522E-B953-4D9B-8217-C24781AE0E0D}" type="datetimeFigureOut">
+            <a:fld id="{EB9598DE-C241-4125-9C71-02C92E0D4256}" type="datetime1">
               <a:rPr lang="en-US" smtClean="0"/>
-              <a:t>7/15/2019</a:t>
+              <a:t>7/16/2019</a:t>
             </a:fld>
             <a:endParaRPr lang="en-US"/>
           </a:p>
@@ -910,9 +1428,9 @@
           <a:bodyPr/>
           <a:lstStyle/>
           <a:p>
-            <a:fld id="{701F522E-B953-4D9B-8217-C24781AE0E0D}" type="datetimeFigureOut">
+            <a:fld id="{4D1473DA-9EE8-441B-A109-3787F7F7C780}" type="datetime1">
               <a:rPr lang="en-US" smtClean="0"/>
-              <a:t>7/15/2019</a:t>
+              <a:t>7/16/2019</a:t>
             </a:fld>
             <a:endParaRPr lang="en-US"/>
           </a:p>
@@ -1085,9 +1603,9 @@
           <a:bodyPr/>
           <a:lstStyle/>
           <a:p>
-            <a:fld id="{701F522E-B953-4D9B-8217-C24781AE0E0D}" type="datetimeFigureOut">
+            <a:fld id="{15E7ADB2-6FB1-4B3E-9531-07DE93FF3EC7}" type="datetime1">
               <a:rPr lang="en-US" smtClean="0"/>
-              <a:t>7/15/2019</a:t>
+              <a:t>7/16/2019</a:t>
             </a:fld>
             <a:endParaRPr lang="en-US"/>
           </a:p>
@@ -1250,9 +1768,9 @@
           <a:bodyPr/>
           <a:lstStyle/>
           <a:p>
-            <a:fld id="{701F522E-B953-4D9B-8217-C24781AE0E0D}" type="datetimeFigureOut">
+            <a:fld id="{49EC7B83-1FFF-4420-9DA4-CA86233D0905}" type="datetime1">
               <a:rPr lang="en-US" smtClean="0"/>
-              <a:t>7/15/2019</a:t>
+              <a:t>7/16/2019</a:t>
             </a:fld>
             <a:endParaRPr lang="en-US"/>
           </a:p>
@@ -1491,9 +2009,9 @@
           <a:bodyPr/>
           <a:lstStyle/>
           <a:p>
-            <a:fld id="{701F522E-B953-4D9B-8217-C24781AE0E0D}" type="datetimeFigureOut">
+            <a:fld id="{891D4948-1F20-472D-A4B3-9B31296086B0}" type="datetime1">
               <a:rPr lang="en-US" smtClean="0"/>
-              <a:t>7/15/2019</a:t>
+              <a:t>7/16/2019</a:t>
             </a:fld>
             <a:endParaRPr lang="en-US"/>
           </a:p>
@@ -1774,9 +2292,9 @@
           <a:bodyPr/>
           <a:lstStyle/>
           <a:p>
-            <a:fld id="{701F522E-B953-4D9B-8217-C24781AE0E0D}" type="datetimeFigureOut">
+            <a:fld id="{792A755E-C072-4B22-94F2-C8388C96187A}" type="datetime1">
               <a:rPr lang="en-US" smtClean="0"/>
-              <a:t>7/15/2019</a:t>
+              <a:t>7/16/2019</a:t>
             </a:fld>
             <a:endParaRPr lang="en-US"/>
           </a:p>
@@ -2203,9 +2721,9 @@
           <a:bodyPr/>
           <a:lstStyle/>
           <a:p>
-            <a:fld id="{701F522E-B953-4D9B-8217-C24781AE0E0D}" type="datetimeFigureOut">
+            <a:fld id="{5EFDE890-AC38-47A9-9EEB-1D69427143D6}" type="datetime1">
               <a:rPr lang="en-US" smtClean="0"/>
-              <a:t>7/15/2019</a:t>
+              <a:t>7/16/2019</a:t>
             </a:fld>
             <a:endParaRPr lang="en-US"/>
           </a:p>
@@ -2316,9 +2834,9 @@
           <a:bodyPr/>
           <a:lstStyle/>
           <a:p>
-            <a:fld id="{701F522E-B953-4D9B-8217-C24781AE0E0D}" type="datetimeFigureOut">
+            <a:fld id="{8F9D6FF3-0FF0-43A3-8F4B-CA3011187C63}" type="datetime1">
               <a:rPr lang="en-US" smtClean="0"/>
-              <a:t>7/15/2019</a:t>
+              <a:t>7/16/2019</a:t>
             </a:fld>
             <a:endParaRPr lang="en-US"/>
           </a:p>
@@ -2406,9 +2924,9 @@
           <a:bodyPr/>
           <a:lstStyle/>
           <a:p>
-            <a:fld id="{701F522E-B953-4D9B-8217-C24781AE0E0D}" type="datetimeFigureOut">
+            <a:fld id="{B807BB1A-98ED-44C7-8FF9-3CB7E28BF76D}" type="datetime1">
               <a:rPr lang="en-US" smtClean="0"/>
-              <a:t>7/15/2019</a:t>
+              <a:t>7/16/2019</a:t>
             </a:fld>
             <a:endParaRPr lang="en-US"/>
           </a:p>
@@ -2595,9 +3113,9 @@
           <a:bodyPr/>
           <a:lstStyle/>
           <a:p>
-            <a:fld id="{701F522E-B953-4D9B-8217-C24781AE0E0D}" type="datetimeFigureOut">
+            <a:fld id="{25ED97BE-5F2E-4947-817D-F7F39B32E898}" type="datetime1">
               <a:rPr lang="en-US" smtClean="0"/>
-              <a:t>7/15/2019</a:t>
+              <a:t>7/16/2019</a:t>
             </a:fld>
             <a:endParaRPr lang="en-US"/>
           </a:p>
@@ -2913,9 +3431,9 @@
           <a:bodyPr/>
           <a:lstStyle/>
           <a:p>
-            <a:fld id="{701F522E-B953-4D9B-8217-C24781AE0E0D}" type="datetimeFigureOut">
+            <a:fld id="{8A84CEF1-2F32-4494-8A3B-469C0AAD382C}" type="datetime1">
               <a:rPr lang="en-US" smtClean="0"/>
-              <a:t>7/15/2019</a:t>
+              <a:t>7/16/2019</a:t>
             </a:fld>
             <a:endParaRPr lang="en-US"/>
           </a:p>
@@ -3292,9 +3810,9 @@
             </a:lvl1pPr>
           </a:lstStyle>
           <a:p>
-            <a:fld id="{701F522E-B953-4D9B-8217-C24781AE0E0D}" type="datetimeFigureOut">
+            <a:fld id="{535641D2-FA51-4AB4-9FAB-5F16E0F098CA}" type="datetime1">
               <a:rPr lang="en-US" smtClean="0"/>
-              <a:t>7/15/2019</a:t>
+              <a:t>7/16/2019</a:t>
             </a:fld>
             <a:endParaRPr lang="en-US"/>
           </a:p>
@@ -3316,6 +3834,7 @@
     <p:sldLayoutId id="2147483730" r:id="rId10"/>
     <p:sldLayoutId id="2147483731" r:id="rId11"/>
   </p:sldLayoutIdLst>
+  <p:hf hdr="0" dt="0"/>
   <p:txStyles>
     <p:titleStyle>
       <a:lvl1pPr algn="l" defTabSz="914400" rtl="0" eaLnBrk="1" latinLnBrk="0" hangingPunct="1">
@@ -3632,6 +4151,7 @@
           <a:bodyPr/>
           <a:lstStyle/>
           <a:p>
+            <a:pPr algn="r"/>
             <a:r>
               <a:rPr lang="en-US" sz="6000" dirty="0" smtClean="0"/>
               <a:t>Real-time speaker Recognizer</a:t>
@@ -3652,22 +4172,39 @@
         </p:nvSpPr>
         <p:spPr>
           <a:xfrm>
-            <a:off x="838200" y="4419600"/>
+            <a:off x="1844040" y="4495800"/>
             <a:ext cx="6461760" cy="838200"/>
           </a:xfrm>
         </p:spPr>
         <p:txBody>
           <a:bodyPr>
-            <a:normAutofit/>
+            <a:normAutofit lnSpcReduction="10000"/>
           </a:bodyPr>
           <a:lstStyle/>
           <a:p>
+            <a:pPr algn="r"/>
             <a:r>
               <a:rPr lang="en-US" sz="2400" dirty="0" smtClean="0"/>
-              <a:t>Offline and real-time speaker diarization system </a:t>
+              <a:t>Offline and </a:t>
             </a:r>
-          </a:p>
-          <a:p>
+            <a:r>
+              <a:rPr lang="en-US" sz="2400" dirty="0" smtClean="0"/>
+              <a:t>real-time</a:t>
+            </a:r>
+          </a:p>
+          <a:p>
+            <a:pPr algn="r"/>
+            <a:r>
+              <a:rPr lang="en-US" sz="2400" dirty="0" smtClean="0"/>
+              <a:t> </a:t>
+            </a:r>
+            <a:r>
+              <a:rPr lang="en-US" sz="2400" dirty="0" smtClean="0"/>
+              <a:t>speaker diarization system </a:t>
+            </a:r>
+          </a:p>
+          <a:p>
+            <a:pPr algn="r"/>
             <a:endParaRPr lang="en-US" dirty="0"/>
           </a:p>
         </p:txBody>
@@ -3694,6 +4231,7 @@
           </a:bodyPr>
           <a:lstStyle/>
           <a:p>
+            <a:pPr algn="r"/>
             <a:r>
               <a:rPr lang="en-US" dirty="0" smtClean="0"/>
               <a:t>Author: </a:t>
@@ -3708,6 +4246,7 @@
             </a:r>
           </a:p>
           <a:p>
+            <a:pPr algn="r"/>
             <a:endParaRPr lang="en-US" dirty="0"/>
           </a:p>
         </p:txBody>
@@ -3759,12 +4298,21 @@
             <p:ph type="title"/>
           </p:nvPr>
         </p:nvSpPr>
-        <p:spPr/>
+        <p:spPr>
+          <a:xfrm>
+            <a:off x="457200" y="685800"/>
+            <a:ext cx="7620000" cy="1143000"/>
+          </a:xfrm>
+        </p:spPr>
         <p:txBody>
           <a:bodyPr/>
           <a:lstStyle/>
           <a:p>
-            <a:endParaRPr lang="en-US"/>
+            <a:r>
+              <a:rPr lang="en-US" sz="2800" dirty="0" smtClean="0"/>
+              <a:t>Advantages of the system</a:t>
+            </a:r>
+            <a:endParaRPr lang="en-US" sz="2800" dirty="0"/>
           </a:p>
         </p:txBody>
       </p:sp>
@@ -3783,7 +4331,4433 @@
           <a:bodyPr/>
           <a:lstStyle/>
           <a:p>
+            <a:r>
+              <a:rPr lang="en-US" sz="2400" dirty="0" smtClean="0"/>
+              <a:t>Fast </a:t>
+            </a:r>
+          </a:p>
+          <a:p>
+            <a:r>
+              <a:rPr lang="en-US" sz="2400" dirty="0" smtClean="0"/>
+              <a:t>Require no training data</a:t>
+            </a:r>
+          </a:p>
+          <a:p>
+            <a:r>
+              <a:rPr lang="en-US" sz="2400" dirty="0" smtClean="0"/>
+              <a:t>Domain-robust </a:t>
+            </a:r>
+          </a:p>
+          <a:p>
+            <a:endParaRPr lang="en-US" dirty="0" smtClean="0"/>
+          </a:p>
+          <a:p>
+            <a:endParaRPr lang="en-US" dirty="0"/>
+          </a:p>
+          <a:p>
+            <a:endParaRPr lang="en-US" dirty="0" smtClean="0"/>
+          </a:p>
+          <a:p>
+            <a:r>
+              <a:rPr lang="en-US" dirty="0" smtClean="0"/>
+              <a:t>Offline</a:t>
+            </a:r>
+          </a:p>
+          <a:p>
+            <a:endParaRPr lang="en-US" dirty="0"/>
+          </a:p>
+        </p:txBody>
+      </p:sp>
+      <p:sp>
+        <p:nvSpPr>
+          <p:cNvPr id="4" name="Footer Placeholder 3"/>
+          <p:cNvSpPr>
+            <a:spLocks noGrp="1"/>
+          </p:cNvSpPr>
+          <p:nvPr>
+            <p:ph type="ftr" sz="quarter" idx="11"/>
+          </p:nvPr>
+        </p:nvSpPr>
+        <p:spPr/>
+        <p:txBody>
+          <a:bodyPr/>
+          <a:lstStyle/>
+          <a:p>
             <a:endParaRPr lang="en-US"/>
+          </a:p>
+        </p:txBody>
+      </p:sp>
+      <p:sp>
+        <p:nvSpPr>
+          <p:cNvPr id="5" name="Slide Number Placeholder 4"/>
+          <p:cNvSpPr>
+            <a:spLocks noGrp="1"/>
+          </p:cNvSpPr>
+          <p:nvPr>
+            <p:ph type="sldNum" sz="quarter" idx="12"/>
+          </p:nvPr>
+        </p:nvSpPr>
+        <p:spPr/>
+        <p:txBody>
+          <a:bodyPr/>
+          <a:lstStyle/>
+          <a:p>
+            <a:fld id="{0E0E5D40-17DD-4190-869C-D3EB7431A77E}" type="slidenum">
+              <a:rPr lang="en-US" smtClean="0"/>
+              <a:t>10</a:t>
+            </a:fld>
+            <a:endParaRPr lang="en-US"/>
+          </a:p>
+        </p:txBody>
+      </p:sp>
+      <p:sp>
+        <p:nvSpPr>
+          <p:cNvPr id="6" name="Title 1"/>
+          <p:cNvSpPr txBox="1">
+            <a:spLocks/>
+          </p:cNvSpPr>
+          <p:nvPr/>
+        </p:nvSpPr>
+        <p:spPr>
+          <a:xfrm>
+            <a:off x="609600" y="3200400"/>
+            <a:ext cx="7620000" cy="1143000"/>
+          </a:xfrm>
+          <a:prstGeom prst="rect">
+            <a:avLst/>
+          </a:prstGeom>
+        </p:spPr>
+        <p:txBody>
+          <a:bodyPr vert="horz" lIns="91440" tIns="45720" rIns="91440" bIns="45720" rtlCol="0" anchor="ctr">
+            <a:noAutofit/>
+          </a:bodyPr>
+          <a:lstStyle>
+            <a:lvl1pPr algn="l" defTabSz="914400" rtl="0" eaLnBrk="1" latinLnBrk="0" hangingPunct="1">
+              <a:spcBef>
+                <a:spcPct val="0"/>
+              </a:spcBef>
+              <a:buNone/>
+              <a:defRPr sz="4600" kern="1200" cap="none" spc="-100" baseline="0">
+                <a:ln>
+                  <a:noFill/>
+                </a:ln>
+                <a:solidFill>
+                  <a:schemeClr val="tx2"/>
+                </a:solidFill>
+                <a:effectLst/>
+                <a:latin typeface="+mj-lt"/>
+                <a:ea typeface="+mj-ea"/>
+                <a:cs typeface="+mj-cs"/>
+              </a:defRPr>
+            </a:lvl1pPr>
+          </a:lstStyle>
+          <a:p>
+            <a:r>
+              <a:rPr lang="en-US" sz="2800" dirty="0" smtClean="0"/>
+              <a:t>Disadvantage </a:t>
+            </a:r>
+            <a:endParaRPr lang="en-US" sz="2800" dirty="0"/>
+          </a:p>
+        </p:txBody>
+      </p:sp>
+    </p:spTree>
+    <p:extLst>
+      <p:ext uri="{BB962C8B-B14F-4D97-AF65-F5344CB8AC3E}">
+        <p14:creationId xmlns:p14="http://schemas.microsoft.com/office/powerpoint/2010/main" val="2300007140"/>
+      </p:ext>
+    </p:extLst>
+  </p:cSld>
+  <p:clrMapOvr>
+    <a:masterClrMapping/>
+  </p:clrMapOvr>
+  <p:timing>
+    <p:tnLst>
+      <p:par>
+        <p:cTn id="1" dur="indefinite" restart="never" nodeType="tmRoot"/>
+      </p:par>
+    </p:tnLst>
+  </p:timing>
+</p:sld>
+</file>
+
+<file path=ppt/slides/slide11.xml><?xml version="1.0" encoding="utf-8"?>
+<p:sld xmlns:a="http://schemas.openxmlformats.org/drawingml/2006/main" xmlns:r="http://schemas.openxmlformats.org/officeDocument/2006/relationships" xmlns:p="http://schemas.openxmlformats.org/presentationml/2006/main">
+  <p:cSld>
+    <p:spTree>
+      <p:nvGrpSpPr>
+        <p:cNvPr id="1" name=""/>
+        <p:cNvGrpSpPr/>
+        <p:nvPr/>
+      </p:nvGrpSpPr>
+      <p:grpSpPr>
+        <a:xfrm>
+          <a:off x="0" y="0"/>
+          <a:ext cx="0" cy="0"/>
+          <a:chOff x="0" y="0"/>
+          <a:chExt cx="0" cy="0"/>
+        </a:xfrm>
+      </p:grpSpPr>
+      <p:sp>
+        <p:nvSpPr>
+          <p:cNvPr id="2" name="Title 1"/>
+          <p:cNvSpPr>
+            <a:spLocks noGrp="1"/>
+          </p:cNvSpPr>
+          <p:nvPr>
+            <p:ph type="title"/>
+          </p:nvPr>
+        </p:nvSpPr>
+        <p:spPr>
+          <a:xfrm>
+            <a:off x="304800" y="190500"/>
+            <a:ext cx="7620000" cy="1143000"/>
+          </a:xfrm>
+        </p:spPr>
+        <p:txBody>
+          <a:bodyPr/>
+          <a:lstStyle/>
+          <a:p>
+            <a:r>
+              <a:rPr lang="en-US" sz="3600" dirty="0" smtClean="0"/>
+              <a:t>Runtime analysis: offline system</a:t>
+            </a:r>
+            <a:endParaRPr lang="en-US" sz="3600" dirty="0"/>
+          </a:p>
+        </p:txBody>
+      </p:sp>
+      <p:sp>
+        <p:nvSpPr>
+          <p:cNvPr id="4" name="Footer Placeholder 3"/>
+          <p:cNvSpPr>
+            <a:spLocks noGrp="1"/>
+          </p:cNvSpPr>
+          <p:nvPr>
+            <p:ph type="ftr" sz="quarter" idx="11"/>
+          </p:nvPr>
+        </p:nvSpPr>
+        <p:spPr/>
+        <p:txBody>
+          <a:bodyPr/>
+          <a:lstStyle/>
+          <a:p>
+            <a:endParaRPr lang="en-US" dirty="0"/>
+          </a:p>
+        </p:txBody>
+      </p:sp>
+      <p:sp>
+        <p:nvSpPr>
+          <p:cNvPr id="5" name="Slide Number Placeholder 4"/>
+          <p:cNvSpPr>
+            <a:spLocks noGrp="1"/>
+          </p:cNvSpPr>
+          <p:nvPr>
+            <p:ph type="sldNum" sz="quarter" idx="12"/>
+          </p:nvPr>
+        </p:nvSpPr>
+        <p:spPr/>
+        <p:txBody>
+          <a:bodyPr/>
+          <a:lstStyle/>
+          <a:p>
+            <a:fld id="{0E0E5D40-17DD-4190-869C-D3EB7431A77E}" type="slidenum">
+              <a:rPr lang="en-US" smtClean="0"/>
+              <a:t>11</a:t>
+            </a:fld>
+            <a:endParaRPr lang="en-US"/>
+          </a:p>
+        </p:txBody>
+      </p:sp>
+      <p:sp>
+        <p:nvSpPr>
+          <p:cNvPr id="7" name="Rectangle 6"/>
+          <p:cNvSpPr/>
+          <p:nvPr/>
+        </p:nvSpPr>
+        <p:spPr>
+          <a:xfrm>
+            <a:off x="685800" y="1295400"/>
+            <a:ext cx="7086600" cy="1446550"/>
+          </a:xfrm>
+          <a:prstGeom prst="rect">
+            <a:avLst/>
+          </a:prstGeom>
+        </p:spPr>
+        <p:txBody>
+          <a:bodyPr wrap="square">
+            <a:spAutoFit/>
+          </a:bodyPr>
+          <a:lstStyle/>
+          <a:p>
+            <a:pPr marL="285750" indent="-285750">
+              <a:buFont typeface="Arial" panose="020B0604020202020204" pitchFamily="34" charset="0"/>
+              <a:buChar char="•"/>
+            </a:pPr>
+            <a:r>
+              <a:rPr lang="en-US" dirty="0"/>
+              <a:t>Intel® Core™ i5-4200U CPU @ 1.60GHz 2.30GHz </a:t>
+            </a:r>
+            <a:r>
+              <a:rPr lang="en-US" dirty="0" smtClean="0"/>
+              <a:t>&amp; Windows 8.1</a:t>
+            </a:r>
+            <a:endParaRPr lang="en-US" dirty="0"/>
+          </a:p>
+          <a:p>
+            <a:pPr marL="285750" indent="-285750">
+              <a:buFont typeface="Arial" panose="020B0604020202020204" pitchFamily="34" charset="0"/>
+              <a:buChar char="•"/>
+            </a:pPr>
+            <a:r>
+              <a:rPr lang="en-US" dirty="0" smtClean="0"/>
+              <a:t>Audio from 1 min – 50 min (with 1 min resolution)</a:t>
+            </a:r>
+          </a:p>
+          <a:p>
+            <a:endParaRPr lang="en-US" dirty="0"/>
+          </a:p>
+          <a:p>
+            <a:r>
+              <a:rPr lang="en-US" sz="1600" i="1" dirty="0"/>
+              <a:t>Real-time factor  = runtime / audio duration </a:t>
+            </a:r>
+          </a:p>
+          <a:p>
+            <a:endParaRPr lang="en-US" dirty="0"/>
+          </a:p>
+        </p:txBody>
+      </p:sp>
+      <p:graphicFrame>
+        <p:nvGraphicFramePr>
+          <p:cNvPr id="9" name="Content Placeholder 5"/>
+          <p:cNvGraphicFramePr>
+            <a:graphicFrameLocks noGrp="1"/>
+          </p:cNvGraphicFramePr>
+          <p:nvPr>
+            <p:ph idx="1"/>
+            <p:extLst>
+              <p:ext uri="{D42A27DB-BD31-4B8C-83A1-F6EECF244321}">
+                <p14:modId xmlns:p14="http://schemas.microsoft.com/office/powerpoint/2010/main" val="676549615"/>
+              </p:ext>
+            </p:extLst>
+          </p:nvPr>
+        </p:nvGraphicFramePr>
+        <p:xfrm>
+          <a:off x="990600" y="2741950"/>
+          <a:ext cx="5943600" cy="3810000"/>
+        </p:xfrm>
+        <a:graphic>
+          <a:graphicData uri="http://schemas.openxmlformats.org/drawingml/2006/chart">
+            <c:chart xmlns:c="http://schemas.openxmlformats.org/drawingml/2006/chart" xmlns:r="http://schemas.openxmlformats.org/officeDocument/2006/relationships" r:id="rId2"/>
+          </a:graphicData>
+        </a:graphic>
+      </p:graphicFrame>
+    </p:spTree>
+    <p:extLst>
+      <p:ext uri="{BB962C8B-B14F-4D97-AF65-F5344CB8AC3E}">
+        <p14:creationId xmlns:p14="http://schemas.microsoft.com/office/powerpoint/2010/main" val="1838985210"/>
+      </p:ext>
+    </p:extLst>
+  </p:cSld>
+  <p:clrMapOvr>
+    <a:masterClrMapping/>
+  </p:clrMapOvr>
+  <p:timing>
+    <p:tnLst>
+      <p:par>
+        <p:cTn id="1" dur="indefinite" restart="never" nodeType="tmRoot"/>
+      </p:par>
+    </p:tnLst>
+  </p:timing>
+</p:sld>
+</file>
+
+<file path=ppt/slides/slide12.xml><?xml version="1.0" encoding="utf-8"?>
+<p:sld xmlns:a="http://schemas.openxmlformats.org/drawingml/2006/main" xmlns:r="http://schemas.openxmlformats.org/officeDocument/2006/relationships" xmlns:p="http://schemas.openxmlformats.org/presentationml/2006/main">
+  <p:cSld>
+    <p:spTree>
+      <p:nvGrpSpPr>
+        <p:cNvPr id="1" name=""/>
+        <p:cNvGrpSpPr/>
+        <p:nvPr/>
+      </p:nvGrpSpPr>
+      <p:grpSpPr>
+        <a:xfrm>
+          <a:off x="0" y="0"/>
+          <a:ext cx="0" cy="0"/>
+          <a:chOff x="0" y="0"/>
+          <a:chExt cx="0" cy="0"/>
+        </a:xfrm>
+      </p:grpSpPr>
+      <p:sp>
+        <p:nvSpPr>
+          <p:cNvPr id="2" name="Title 1"/>
+          <p:cNvSpPr>
+            <a:spLocks noGrp="1"/>
+          </p:cNvSpPr>
+          <p:nvPr>
+            <p:ph type="title"/>
+          </p:nvPr>
+        </p:nvSpPr>
+        <p:spPr/>
+        <p:txBody>
+          <a:bodyPr/>
+          <a:lstStyle/>
+          <a:p>
+            <a:r>
+              <a:rPr lang="en-US" sz="3600" dirty="0"/>
+              <a:t>Runtime analysis: offline system</a:t>
+            </a:r>
+          </a:p>
+        </p:txBody>
+      </p:sp>
+      <p:sp>
+        <p:nvSpPr>
+          <p:cNvPr id="4" name="Footer Placeholder 3"/>
+          <p:cNvSpPr>
+            <a:spLocks noGrp="1"/>
+          </p:cNvSpPr>
+          <p:nvPr>
+            <p:ph type="ftr" sz="quarter" idx="11"/>
+          </p:nvPr>
+        </p:nvSpPr>
+        <p:spPr/>
+        <p:txBody>
+          <a:bodyPr/>
+          <a:lstStyle/>
+          <a:p>
+            <a:endParaRPr lang="en-US"/>
+          </a:p>
+        </p:txBody>
+      </p:sp>
+      <p:sp>
+        <p:nvSpPr>
+          <p:cNvPr id="5" name="Slide Number Placeholder 4"/>
+          <p:cNvSpPr>
+            <a:spLocks noGrp="1"/>
+          </p:cNvSpPr>
+          <p:nvPr>
+            <p:ph type="sldNum" sz="quarter" idx="12"/>
+          </p:nvPr>
+        </p:nvSpPr>
+        <p:spPr/>
+        <p:txBody>
+          <a:bodyPr/>
+          <a:lstStyle/>
+          <a:p>
+            <a:fld id="{0E0E5D40-17DD-4190-869C-D3EB7431A77E}" type="slidenum">
+              <a:rPr lang="en-US" smtClean="0"/>
+              <a:t>12</a:t>
+            </a:fld>
+            <a:endParaRPr lang="en-US"/>
+          </a:p>
+        </p:txBody>
+      </p:sp>
+      <p:graphicFrame>
+        <p:nvGraphicFramePr>
+          <p:cNvPr id="7" name="Content Placeholder 5"/>
+          <p:cNvGraphicFramePr>
+            <a:graphicFrameLocks/>
+          </p:cNvGraphicFramePr>
+          <p:nvPr>
+            <p:extLst>
+              <p:ext uri="{D42A27DB-BD31-4B8C-83A1-F6EECF244321}">
+                <p14:modId xmlns:p14="http://schemas.microsoft.com/office/powerpoint/2010/main" val="1779983307"/>
+              </p:ext>
+            </p:extLst>
+          </p:nvPr>
+        </p:nvGraphicFramePr>
+        <p:xfrm>
+          <a:off x="304800" y="1676400"/>
+          <a:ext cx="7696200" cy="3787931"/>
+        </p:xfrm>
+        <a:graphic>
+          <a:graphicData uri="http://schemas.openxmlformats.org/drawingml/2006/table">
+            <a:tbl>
+              <a:tblPr firstRow="1" lastRow="1" bandRow="1">
+                <a:tableStyleId>{00A15C55-8517-42AA-B614-E9B94910E393}</a:tableStyleId>
+              </a:tblPr>
+              <a:tblGrid>
+                <a:gridCol w="2531886"/>
+                <a:gridCol w="2582157"/>
+                <a:gridCol w="2582157"/>
+              </a:tblGrid>
+              <a:tr h="587531">
+                <a:tc>
+                  <a:txBody>
+                    <a:bodyPr/>
+                    <a:lstStyle/>
+                    <a:p>
+                      <a:r>
+                        <a:rPr lang="en-US" dirty="0" smtClean="0"/>
+                        <a:t>Components</a:t>
+                      </a:r>
+                      <a:endParaRPr lang="en-US" dirty="0"/>
+                    </a:p>
+                  </a:txBody>
+                  <a:tcPr/>
+                </a:tc>
+                <a:tc>
+                  <a:txBody>
+                    <a:bodyPr/>
+                    <a:lstStyle/>
+                    <a:p>
+                      <a:r>
+                        <a:rPr lang="en-US" dirty="0" smtClean="0"/>
+                        <a:t>Average Real-time</a:t>
+                      </a:r>
+                      <a:r>
+                        <a:rPr lang="en-US" baseline="0" dirty="0" smtClean="0"/>
+                        <a:t> factor</a:t>
+                      </a:r>
+                      <a:endParaRPr lang="en-US" dirty="0"/>
+                    </a:p>
+                  </a:txBody>
+                  <a:tcPr/>
+                </a:tc>
+                <a:tc>
+                  <a:txBody>
+                    <a:bodyPr/>
+                    <a:lstStyle/>
+                    <a:p>
+                      <a:r>
+                        <a:rPr lang="en-US" dirty="0" smtClean="0"/>
+                        <a:t>Runtime </a:t>
+                      </a:r>
+                      <a:r>
+                        <a:rPr lang="en-US" dirty="0" smtClean="0"/>
+                        <a:t>of 10 </a:t>
+                      </a:r>
+                      <a:r>
+                        <a:rPr lang="en-US" dirty="0" smtClean="0"/>
+                        <a:t>min </a:t>
+                      </a:r>
+                      <a:r>
+                        <a:rPr lang="en-US" dirty="0" smtClean="0"/>
+                        <a:t>audio</a:t>
+                      </a:r>
+                      <a:endParaRPr lang="en-US" dirty="0"/>
+                    </a:p>
+                  </a:txBody>
+                  <a:tcPr/>
+                </a:tc>
+              </a:tr>
+              <a:tr h="363472">
+                <a:tc>
+                  <a:txBody>
+                    <a:bodyPr/>
+                    <a:lstStyle/>
+                    <a:p>
+                      <a:r>
+                        <a:rPr lang="en-US" dirty="0" smtClean="0"/>
+                        <a:t>VAD</a:t>
+                      </a:r>
+                      <a:endParaRPr lang="en-US" dirty="0"/>
+                    </a:p>
+                  </a:txBody>
+                  <a:tcPr/>
+                </a:tc>
+                <a:tc>
+                  <a:txBody>
+                    <a:bodyPr/>
+                    <a:lstStyle/>
+                    <a:p>
+                      <a:r>
+                        <a:rPr lang="en-US" dirty="0" smtClean="0"/>
+                        <a:t>0.0013</a:t>
+                      </a:r>
+                      <a:endParaRPr lang="en-US" dirty="0"/>
+                    </a:p>
+                  </a:txBody>
+                  <a:tcPr/>
+                </a:tc>
+                <a:tc>
+                  <a:txBody>
+                    <a:bodyPr/>
+                    <a:lstStyle/>
+                    <a:p>
+                      <a:r>
+                        <a:rPr lang="en-US" dirty="0" smtClean="0"/>
+                        <a:t>0.750s</a:t>
+                      </a:r>
+                      <a:endParaRPr lang="en-US" dirty="0"/>
+                    </a:p>
+                  </a:txBody>
+                  <a:tcPr/>
+                </a:tc>
+              </a:tr>
+              <a:tr h="363472">
+                <a:tc>
+                  <a:txBody>
+                    <a:bodyPr/>
+                    <a:lstStyle/>
+                    <a:p>
+                      <a:r>
+                        <a:rPr lang="en-US" dirty="0" smtClean="0"/>
+                        <a:t>Feature</a:t>
+                      </a:r>
+                      <a:r>
+                        <a:rPr lang="en-US" baseline="0" dirty="0" smtClean="0"/>
+                        <a:t> extraction</a:t>
+                      </a:r>
+                      <a:endParaRPr lang="en-US" dirty="0"/>
+                    </a:p>
+                  </a:txBody>
+                  <a:tcPr/>
+                </a:tc>
+                <a:tc>
+                  <a:txBody>
+                    <a:bodyPr/>
+                    <a:lstStyle/>
+                    <a:p>
+                      <a:r>
+                        <a:rPr lang="en-US" dirty="0" smtClean="0"/>
+                        <a:t>0.0015</a:t>
+                      </a:r>
+                      <a:endParaRPr lang="en-US" dirty="0"/>
+                    </a:p>
+                  </a:txBody>
+                  <a:tcPr/>
+                </a:tc>
+                <a:tc>
+                  <a:txBody>
+                    <a:bodyPr/>
+                    <a:lstStyle/>
+                    <a:p>
+                      <a:r>
+                        <a:rPr lang="en-US" dirty="0" smtClean="0"/>
+                        <a:t>1.016s</a:t>
+                      </a:r>
+                      <a:endParaRPr lang="en-US" dirty="0"/>
+                    </a:p>
+                  </a:txBody>
+                  <a:tcPr/>
+                </a:tc>
+              </a:tr>
+              <a:tr h="363472">
+                <a:tc>
+                  <a:txBody>
+                    <a:bodyPr/>
+                    <a:lstStyle/>
+                    <a:p>
+                      <a:r>
+                        <a:rPr lang="en-US" dirty="0" smtClean="0"/>
+                        <a:t>Segmentation</a:t>
+                      </a:r>
+                      <a:endParaRPr lang="en-US" dirty="0"/>
+                    </a:p>
+                  </a:txBody>
+                  <a:tcPr/>
+                </a:tc>
+                <a:tc>
+                  <a:txBody>
+                    <a:bodyPr/>
+                    <a:lstStyle/>
+                    <a:p>
+                      <a:r>
+                        <a:rPr lang="en-US" dirty="0" smtClean="0"/>
+                        <a:t>&lt; 1e-5</a:t>
+                      </a:r>
+                      <a:endParaRPr lang="en-US" dirty="0"/>
+                    </a:p>
+                  </a:txBody>
+                  <a:tcPr/>
+                </a:tc>
+                <a:tc>
+                  <a:txBody>
+                    <a:bodyPr/>
+                    <a:lstStyle/>
+                    <a:p>
+                      <a:r>
+                        <a:rPr lang="en-US" dirty="0" smtClean="0"/>
+                        <a:t>0.016s</a:t>
+                      </a:r>
+                      <a:endParaRPr lang="en-US" dirty="0"/>
+                    </a:p>
+                  </a:txBody>
+                  <a:tcPr/>
+                </a:tc>
+              </a:tr>
+              <a:tr h="363472">
+                <a:tc>
+                  <a:txBody>
+                    <a:bodyPr/>
+                    <a:lstStyle/>
+                    <a:p>
+                      <a:r>
+                        <a:rPr lang="en-US" dirty="0" smtClean="0"/>
+                        <a:t>KBM Training </a:t>
+                      </a:r>
+                      <a:endParaRPr lang="en-US" dirty="0"/>
+                    </a:p>
+                  </a:txBody>
+                  <a:tcPr/>
+                </a:tc>
+                <a:tc>
+                  <a:txBody>
+                    <a:bodyPr/>
+                    <a:lstStyle/>
+                    <a:p>
+                      <a:r>
+                        <a:rPr lang="en-US" dirty="0" smtClean="0"/>
+                        <a:t>0.0014</a:t>
+                      </a:r>
+                      <a:endParaRPr lang="en-US" dirty="0"/>
+                    </a:p>
+                  </a:txBody>
+                  <a:tcPr/>
+                </a:tc>
+                <a:tc>
+                  <a:txBody>
+                    <a:bodyPr/>
+                    <a:lstStyle/>
+                    <a:p>
+                      <a:r>
+                        <a:rPr lang="en-US" dirty="0" smtClean="0"/>
+                        <a:t>0.622s</a:t>
+                      </a:r>
+                      <a:endParaRPr lang="en-US" dirty="0"/>
+                    </a:p>
+                  </a:txBody>
+                  <a:tcPr/>
+                </a:tc>
+              </a:tr>
+              <a:tr h="627363">
+                <a:tc>
+                  <a:txBody>
+                    <a:bodyPr/>
+                    <a:lstStyle/>
+                    <a:p>
+                      <a:pPr algn="l"/>
+                      <a:r>
+                        <a:rPr lang="en-US" sz="1800" dirty="0" smtClean="0">
+                          <a:solidFill>
+                            <a:schemeClr val="tx1"/>
+                          </a:solidFill>
+                        </a:rPr>
+                        <a:t>Compute representation for all features</a:t>
+                      </a:r>
+                      <a:endParaRPr lang="en-US" sz="1800" dirty="0">
+                        <a:solidFill>
+                          <a:schemeClr val="tx1"/>
+                        </a:solidFill>
+                      </a:endParaRPr>
+                    </a:p>
+                  </a:txBody>
+                  <a:tcPr/>
+                </a:tc>
+                <a:tc>
+                  <a:txBody>
+                    <a:bodyPr/>
+                    <a:lstStyle/>
+                    <a:p>
+                      <a:r>
+                        <a:rPr lang="en-US" dirty="0" smtClean="0"/>
+                        <a:t>0.013</a:t>
+                      </a:r>
+                      <a:endParaRPr lang="en-US" dirty="0"/>
+                    </a:p>
+                  </a:txBody>
+                  <a:tcPr/>
+                </a:tc>
+                <a:tc>
+                  <a:txBody>
+                    <a:bodyPr/>
+                    <a:lstStyle/>
+                    <a:p>
+                      <a:r>
+                        <a:rPr lang="en-US" dirty="0" smtClean="0"/>
+                        <a:t>7.614s</a:t>
+                      </a:r>
+                      <a:endParaRPr lang="en-US" dirty="0"/>
+                    </a:p>
+                  </a:txBody>
+                  <a:tcPr/>
+                </a:tc>
+              </a:tr>
+              <a:tr h="363472">
+                <a:tc>
+                  <a:txBody>
+                    <a:bodyPr/>
+                    <a:lstStyle/>
+                    <a:p>
+                      <a:r>
+                        <a:rPr lang="en-US" dirty="0" smtClean="0"/>
+                        <a:t>Offline Clustering</a:t>
+                      </a:r>
+                      <a:endParaRPr lang="en-US" dirty="0"/>
+                    </a:p>
+                  </a:txBody>
+                  <a:tcPr/>
+                </a:tc>
+                <a:tc>
+                  <a:txBody>
+                    <a:bodyPr/>
+                    <a:lstStyle/>
+                    <a:p>
+                      <a:r>
+                        <a:rPr lang="en-US" dirty="0" smtClean="0"/>
+                        <a:t>0.0015</a:t>
+                      </a:r>
+                      <a:endParaRPr lang="en-US" dirty="0"/>
+                    </a:p>
+                  </a:txBody>
+                  <a:tcPr/>
+                </a:tc>
+                <a:tc>
+                  <a:txBody>
+                    <a:bodyPr/>
+                    <a:lstStyle/>
+                    <a:p>
+                      <a:r>
+                        <a:rPr lang="en-US" dirty="0" smtClean="0"/>
+                        <a:t>0.578s</a:t>
+                      </a:r>
+                      <a:endParaRPr lang="en-US" dirty="0"/>
+                    </a:p>
+                  </a:txBody>
+                  <a:tcPr/>
+                </a:tc>
+              </a:tr>
+              <a:tr h="363472">
+                <a:tc>
+                  <a:txBody>
+                    <a:bodyPr/>
+                    <a:lstStyle/>
+                    <a:p>
+                      <a:r>
+                        <a:rPr lang="en-US" dirty="0" smtClean="0"/>
+                        <a:t>Resegmentation </a:t>
+                      </a:r>
+                      <a:endParaRPr lang="en-US" dirty="0"/>
+                    </a:p>
+                  </a:txBody>
+                  <a:tcPr/>
+                </a:tc>
+                <a:tc>
+                  <a:txBody>
+                    <a:bodyPr/>
+                    <a:lstStyle/>
+                    <a:p>
+                      <a:r>
+                        <a:rPr lang="en-US" dirty="0" smtClean="0"/>
+                        <a:t>0.0046</a:t>
+                      </a:r>
+                      <a:endParaRPr lang="en-US" dirty="0"/>
+                    </a:p>
+                  </a:txBody>
+                  <a:tcPr/>
+                </a:tc>
+                <a:tc>
+                  <a:txBody>
+                    <a:bodyPr/>
+                    <a:lstStyle/>
+                    <a:p>
+                      <a:r>
+                        <a:rPr lang="en-US" dirty="0" smtClean="0"/>
+                        <a:t>2.70s</a:t>
+                      </a:r>
+                      <a:endParaRPr lang="en-US" dirty="0"/>
+                    </a:p>
+                  </a:txBody>
+                  <a:tcPr/>
+                </a:tc>
+              </a:tr>
+              <a:tr h="363472">
+                <a:tc>
+                  <a:txBody>
+                    <a:bodyPr/>
+                    <a:lstStyle/>
+                    <a:p>
+                      <a:r>
+                        <a:rPr lang="en-US" dirty="0" smtClean="0"/>
+                        <a:t>Total</a:t>
+                      </a:r>
+                      <a:endParaRPr lang="en-US" dirty="0"/>
+                    </a:p>
+                  </a:txBody>
+                  <a:tcPr/>
+                </a:tc>
+                <a:tc>
+                  <a:txBody>
+                    <a:bodyPr/>
+                    <a:lstStyle/>
+                    <a:p>
+                      <a:r>
+                        <a:rPr lang="en-US" dirty="0" smtClean="0"/>
+                        <a:t>0.023</a:t>
+                      </a:r>
+                      <a:endParaRPr lang="en-US" dirty="0"/>
+                    </a:p>
+                  </a:txBody>
+                  <a:tcPr/>
+                </a:tc>
+                <a:tc>
+                  <a:txBody>
+                    <a:bodyPr/>
+                    <a:lstStyle/>
+                    <a:p>
+                      <a:r>
+                        <a:rPr lang="en-US" dirty="0" smtClean="0"/>
+                        <a:t>13.30s</a:t>
+                      </a:r>
+                      <a:endParaRPr lang="en-US" dirty="0"/>
+                    </a:p>
+                  </a:txBody>
+                  <a:tcPr/>
+                </a:tc>
+              </a:tr>
+            </a:tbl>
+          </a:graphicData>
+        </a:graphic>
+      </p:graphicFrame>
+    </p:spTree>
+    <p:extLst>
+      <p:ext uri="{BB962C8B-B14F-4D97-AF65-F5344CB8AC3E}">
+        <p14:creationId xmlns:p14="http://schemas.microsoft.com/office/powerpoint/2010/main" val="1962690554"/>
+      </p:ext>
+    </p:extLst>
+  </p:cSld>
+  <p:clrMapOvr>
+    <a:masterClrMapping/>
+  </p:clrMapOvr>
+  <p:timing>
+    <p:tnLst>
+      <p:par>
+        <p:cTn id="1" dur="indefinite" restart="never" nodeType="tmRoot"/>
+      </p:par>
+    </p:tnLst>
+  </p:timing>
+</p:sld>
+</file>
+
+<file path=ppt/slides/slide13.xml><?xml version="1.0" encoding="utf-8"?>
+<p:sld xmlns:a="http://schemas.openxmlformats.org/drawingml/2006/main" xmlns:r="http://schemas.openxmlformats.org/officeDocument/2006/relationships" xmlns:p="http://schemas.openxmlformats.org/presentationml/2006/main">
+  <p:cSld>
+    <p:spTree>
+      <p:nvGrpSpPr>
+        <p:cNvPr id="1" name=""/>
+        <p:cNvGrpSpPr/>
+        <p:nvPr/>
+      </p:nvGrpSpPr>
+      <p:grpSpPr>
+        <a:xfrm>
+          <a:off x="0" y="0"/>
+          <a:ext cx="0" cy="0"/>
+          <a:chOff x="0" y="0"/>
+          <a:chExt cx="0" cy="0"/>
+        </a:xfrm>
+      </p:grpSpPr>
+      <p:sp>
+        <p:nvSpPr>
+          <p:cNvPr id="2" name="Title 1"/>
+          <p:cNvSpPr>
+            <a:spLocks noGrp="1"/>
+          </p:cNvSpPr>
+          <p:nvPr>
+            <p:ph type="title"/>
+          </p:nvPr>
+        </p:nvSpPr>
+        <p:spPr>
+          <a:xfrm>
+            <a:off x="304800" y="-76200"/>
+            <a:ext cx="7620000" cy="1143000"/>
+          </a:xfrm>
+        </p:spPr>
+        <p:txBody>
+          <a:bodyPr/>
+          <a:lstStyle/>
+          <a:p>
+            <a:r>
+              <a:rPr lang="en-US" sz="3600" dirty="0" smtClean="0"/>
+              <a:t>Design of real-time </a:t>
+            </a:r>
+            <a:r>
+              <a:rPr lang="en-US" sz="3600" dirty="0" smtClean="0"/>
+              <a:t>system</a:t>
+            </a:r>
+            <a:endParaRPr lang="en-US" sz="3600" dirty="0"/>
+          </a:p>
+        </p:txBody>
+      </p:sp>
+      <p:pic>
+        <p:nvPicPr>
+          <p:cNvPr id="4" name="图片 5"/>
+          <p:cNvPicPr>
+            <a:picLocks noChangeAspect="1"/>
+          </p:cNvPicPr>
+          <p:nvPr/>
+        </p:nvPicPr>
+        <p:blipFill rotWithShape="1">
+          <a:blip r:embed="rId2">
+            <a:extLst>
+              <a:ext uri="{28A0092B-C50C-407E-A947-70E740481C1C}">
+                <a14:useLocalDpi xmlns:a14="http://schemas.microsoft.com/office/drawing/2010/main" val="0"/>
+              </a:ext>
+            </a:extLst>
+          </a:blip>
+          <a:srcRect r="52245"/>
+          <a:stretch/>
+        </p:blipFill>
+        <p:spPr>
+          <a:xfrm>
+            <a:off x="404082" y="2901371"/>
+            <a:ext cx="1135755" cy="874837"/>
+          </a:xfrm>
+          <a:prstGeom prst="rect">
+            <a:avLst/>
+          </a:prstGeom>
+        </p:spPr>
+      </p:pic>
+      <p:grpSp>
+        <p:nvGrpSpPr>
+          <p:cNvPr id="8" name="Group 7"/>
+          <p:cNvGrpSpPr/>
+          <p:nvPr/>
+        </p:nvGrpSpPr>
+        <p:grpSpPr>
+          <a:xfrm>
+            <a:off x="408525" y="3945978"/>
+            <a:ext cx="1233410" cy="874837"/>
+            <a:chOff x="684167" y="3401436"/>
+            <a:chExt cx="1233410" cy="874837"/>
+          </a:xfrm>
+        </p:grpSpPr>
+        <p:pic>
+          <p:nvPicPr>
+            <p:cNvPr id="6" name="图片 5"/>
+            <p:cNvPicPr>
+              <a:picLocks noChangeAspect="1"/>
+            </p:cNvPicPr>
+            <p:nvPr/>
+          </p:nvPicPr>
+          <p:blipFill rotWithShape="1">
+            <a:blip r:embed="rId2">
+              <a:lum bright="70000" contrast="-70000"/>
+              <a:extLst>
+                <a:ext uri="{28A0092B-C50C-407E-A947-70E740481C1C}">
+                  <a14:useLocalDpi xmlns:a14="http://schemas.microsoft.com/office/drawing/2010/main" val="0"/>
+                </a:ext>
+              </a:extLst>
+            </a:blip>
+            <a:srcRect r="52245"/>
+            <a:stretch/>
+          </p:blipFill>
+          <p:spPr>
+            <a:xfrm>
+              <a:off x="684167" y="3401436"/>
+              <a:ext cx="1135755" cy="874837"/>
+            </a:xfrm>
+            <a:prstGeom prst="rect">
+              <a:avLst/>
+            </a:prstGeom>
+          </p:spPr>
+        </p:pic>
+        <p:pic>
+          <p:nvPicPr>
+            <p:cNvPr id="7" name="图片 5"/>
+            <p:cNvPicPr>
+              <a:picLocks noChangeAspect="1"/>
+            </p:cNvPicPr>
+            <p:nvPr/>
+          </p:nvPicPr>
+          <p:blipFill rotWithShape="1">
+            <a:blip r:embed="rId2">
+              <a:extLst>
+                <a:ext uri="{28A0092B-C50C-407E-A947-70E740481C1C}">
+                  <a14:useLocalDpi xmlns:a14="http://schemas.microsoft.com/office/drawing/2010/main" val="0"/>
+                </a:ext>
+              </a:extLst>
+            </a:blip>
+            <a:srcRect l="47755" r="48139"/>
+            <a:stretch/>
+          </p:blipFill>
+          <p:spPr>
+            <a:xfrm>
+              <a:off x="1819922" y="3401436"/>
+              <a:ext cx="97655" cy="874837"/>
+            </a:xfrm>
+            <a:prstGeom prst="rect">
+              <a:avLst/>
+            </a:prstGeom>
+          </p:spPr>
+        </p:pic>
+      </p:grpSp>
+      <p:sp>
+        <p:nvSpPr>
+          <p:cNvPr id="9" name="Rectangle 8"/>
+          <p:cNvSpPr/>
+          <p:nvPr/>
+        </p:nvSpPr>
+        <p:spPr>
+          <a:xfrm>
+            <a:off x="2008725" y="4205631"/>
+            <a:ext cx="1137820" cy="861807"/>
+          </a:xfrm>
+          <a:prstGeom prst="rect">
+            <a:avLst/>
+          </a:prstGeom>
+          <a:noFill/>
+          <a:ln w="12700">
+            <a:solidFill>
+              <a:schemeClr val="tx1"/>
+            </a:solidFill>
+          </a:ln>
+        </p:spPr>
+        <p:style>
+          <a:lnRef idx="2">
+            <a:schemeClr val="accent1">
+              <a:shade val="50000"/>
+            </a:schemeClr>
+          </a:lnRef>
+          <a:fillRef idx="1">
+            <a:schemeClr val="accent1"/>
+          </a:fillRef>
+          <a:effectRef idx="0">
+            <a:schemeClr val="accent1"/>
+          </a:effectRef>
+          <a:fontRef idx="minor">
+            <a:schemeClr val="lt1"/>
+          </a:fontRef>
+        </p:style>
+        <p:txBody>
+          <a:bodyPr rtlCol="0" anchor="ctr"/>
+          <a:lstStyle>
+            <a:defPPr>
+              <a:defRPr lang="en-US"/>
+            </a:defPPr>
+            <a:lvl1pPr marL="0" algn="l" defTabSz="3291279" rtl="0" eaLnBrk="1" latinLnBrk="0" hangingPunct="1">
+              <a:defRPr sz="6400" kern="1200">
+                <a:solidFill>
+                  <a:schemeClr val="lt1"/>
+                </a:solidFill>
+                <a:latin typeface="+mn-lt"/>
+                <a:ea typeface="+mn-ea"/>
+                <a:cs typeface="+mn-cs"/>
+              </a:defRPr>
+            </a:lvl1pPr>
+            <a:lvl2pPr marL="1645640" algn="l" defTabSz="3291279" rtl="0" eaLnBrk="1" latinLnBrk="0" hangingPunct="1">
+              <a:defRPr sz="6400" kern="1200">
+                <a:solidFill>
+                  <a:schemeClr val="lt1"/>
+                </a:solidFill>
+                <a:latin typeface="+mn-lt"/>
+                <a:ea typeface="+mn-ea"/>
+                <a:cs typeface="+mn-cs"/>
+              </a:defRPr>
+            </a:lvl2pPr>
+            <a:lvl3pPr marL="3291279" algn="l" defTabSz="3291279" rtl="0" eaLnBrk="1" latinLnBrk="0" hangingPunct="1">
+              <a:defRPr sz="6400" kern="1200">
+                <a:solidFill>
+                  <a:schemeClr val="lt1"/>
+                </a:solidFill>
+                <a:latin typeface="+mn-lt"/>
+                <a:ea typeface="+mn-ea"/>
+                <a:cs typeface="+mn-cs"/>
+              </a:defRPr>
+            </a:lvl3pPr>
+            <a:lvl4pPr marL="4936919" algn="l" defTabSz="3291279" rtl="0" eaLnBrk="1" latinLnBrk="0" hangingPunct="1">
+              <a:defRPr sz="6400" kern="1200">
+                <a:solidFill>
+                  <a:schemeClr val="lt1"/>
+                </a:solidFill>
+                <a:latin typeface="+mn-lt"/>
+                <a:ea typeface="+mn-ea"/>
+                <a:cs typeface="+mn-cs"/>
+              </a:defRPr>
+            </a:lvl4pPr>
+            <a:lvl5pPr marL="6582559" algn="l" defTabSz="3291279" rtl="0" eaLnBrk="1" latinLnBrk="0" hangingPunct="1">
+              <a:defRPr sz="6400" kern="1200">
+                <a:solidFill>
+                  <a:schemeClr val="lt1"/>
+                </a:solidFill>
+                <a:latin typeface="+mn-lt"/>
+                <a:ea typeface="+mn-ea"/>
+                <a:cs typeface="+mn-cs"/>
+              </a:defRPr>
+            </a:lvl5pPr>
+            <a:lvl6pPr marL="8228198" algn="l" defTabSz="3291279" rtl="0" eaLnBrk="1" latinLnBrk="0" hangingPunct="1">
+              <a:defRPr sz="6400" kern="1200">
+                <a:solidFill>
+                  <a:schemeClr val="lt1"/>
+                </a:solidFill>
+                <a:latin typeface="+mn-lt"/>
+                <a:ea typeface="+mn-ea"/>
+                <a:cs typeface="+mn-cs"/>
+              </a:defRPr>
+            </a:lvl6pPr>
+            <a:lvl7pPr marL="9873837" algn="l" defTabSz="3291279" rtl="0" eaLnBrk="1" latinLnBrk="0" hangingPunct="1">
+              <a:defRPr sz="6400" kern="1200">
+                <a:solidFill>
+                  <a:schemeClr val="lt1"/>
+                </a:solidFill>
+                <a:latin typeface="+mn-lt"/>
+                <a:ea typeface="+mn-ea"/>
+                <a:cs typeface="+mn-cs"/>
+              </a:defRPr>
+            </a:lvl7pPr>
+            <a:lvl8pPr marL="11519478" algn="l" defTabSz="3291279" rtl="0" eaLnBrk="1" latinLnBrk="0" hangingPunct="1">
+              <a:defRPr sz="6400" kern="1200">
+                <a:solidFill>
+                  <a:schemeClr val="lt1"/>
+                </a:solidFill>
+                <a:latin typeface="+mn-lt"/>
+                <a:ea typeface="+mn-ea"/>
+                <a:cs typeface="+mn-cs"/>
+              </a:defRPr>
+            </a:lvl8pPr>
+            <a:lvl9pPr marL="13165118" algn="l" defTabSz="3291279" rtl="0" eaLnBrk="1" latinLnBrk="0" hangingPunct="1">
+              <a:defRPr sz="6400" kern="1200">
+                <a:solidFill>
+                  <a:schemeClr val="lt1"/>
+                </a:solidFill>
+                <a:latin typeface="+mn-lt"/>
+                <a:ea typeface="+mn-ea"/>
+                <a:cs typeface="+mn-cs"/>
+              </a:defRPr>
+            </a:lvl9pPr>
+          </a:lstStyle>
+          <a:p>
+            <a:pPr algn="ctr"/>
+            <a:r>
+              <a:rPr lang="en-US" sz="1800" dirty="0" smtClean="0">
+                <a:solidFill>
+                  <a:schemeClr val="tx1"/>
+                </a:solidFill>
+              </a:rPr>
+              <a:t>VAD,  </a:t>
+            </a:r>
+          </a:p>
+          <a:p>
+            <a:pPr algn="ctr"/>
+            <a:r>
+              <a:rPr lang="en-US" sz="1800" dirty="0" smtClean="0">
+                <a:solidFill>
+                  <a:schemeClr val="tx1"/>
+                </a:solidFill>
+              </a:rPr>
+              <a:t>Feature </a:t>
+            </a:r>
+            <a:r>
+              <a:rPr lang="en-US" sz="1800" dirty="0">
+                <a:solidFill>
+                  <a:schemeClr val="tx1"/>
+                </a:solidFill>
+              </a:rPr>
+              <a:t>extraction</a:t>
+            </a:r>
+          </a:p>
+        </p:txBody>
+      </p:sp>
+      <p:sp>
+        <p:nvSpPr>
+          <p:cNvPr id="10" name="TextBox 9"/>
+          <p:cNvSpPr txBox="1"/>
+          <p:nvPr/>
+        </p:nvSpPr>
+        <p:spPr>
+          <a:xfrm>
+            <a:off x="404082" y="2778279"/>
+            <a:ext cx="1103939" cy="369332"/>
+          </a:xfrm>
+          <a:prstGeom prst="rect">
+            <a:avLst/>
+          </a:prstGeom>
+          <a:noFill/>
+        </p:spPr>
+        <p:txBody>
+          <a:bodyPr wrap="square" rtlCol="0">
+            <a:spAutoFit/>
+          </a:bodyPr>
+          <a:lstStyle/>
+          <a:p>
+            <a:r>
+              <a:rPr lang="en-US" dirty="0" smtClean="0"/>
+              <a:t>All Data</a:t>
+            </a:r>
+            <a:endParaRPr lang="en-US" dirty="0"/>
+          </a:p>
+        </p:txBody>
+      </p:sp>
+      <p:sp>
+        <p:nvSpPr>
+          <p:cNvPr id="11" name="TextBox 10"/>
+          <p:cNvSpPr txBox="1"/>
+          <p:nvPr/>
+        </p:nvSpPr>
+        <p:spPr>
+          <a:xfrm>
+            <a:off x="440341" y="4663713"/>
+            <a:ext cx="1103939" cy="369332"/>
+          </a:xfrm>
+          <a:prstGeom prst="rect">
+            <a:avLst/>
+          </a:prstGeom>
+          <a:noFill/>
+        </p:spPr>
+        <p:txBody>
+          <a:bodyPr wrap="square" rtlCol="0">
+            <a:spAutoFit/>
+          </a:bodyPr>
+          <a:lstStyle/>
+          <a:p>
+            <a:r>
+              <a:rPr lang="en-US" dirty="0" smtClean="0"/>
+              <a:t>New Data</a:t>
+            </a:r>
+            <a:endParaRPr lang="en-US" dirty="0"/>
+          </a:p>
+        </p:txBody>
+      </p:sp>
+      <p:sp>
+        <p:nvSpPr>
+          <p:cNvPr id="12" name="Rectangle 11"/>
+          <p:cNvSpPr/>
+          <p:nvPr/>
+        </p:nvSpPr>
+        <p:spPr>
+          <a:xfrm>
+            <a:off x="2063471" y="2470467"/>
+            <a:ext cx="1012054" cy="861807"/>
+          </a:xfrm>
+          <a:prstGeom prst="rect">
+            <a:avLst/>
+          </a:prstGeom>
+          <a:noFill/>
+          <a:ln w="12700">
+            <a:solidFill>
+              <a:schemeClr val="tx1"/>
+            </a:solidFill>
+          </a:ln>
+        </p:spPr>
+        <p:style>
+          <a:lnRef idx="2">
+            <a:schemeClr val="accent1">
+              <a:shade val="50000"/>
+            </a:schemeClr>
+          </a:lnRef>
+          <a:fillRef idx="1">
+            <a:schemeClr val="accent1"/>
+          </a:fillRef>
+          <a:effectRef idx="0">
+            <a:schemeClr val="accent1"/>
+          </a:effectRef>
+          <a:fontRef idx="minor">
+            <a:schemeClr val="lt1"/>
+          </a:fontRef>
+        </p:style>
+        <p:txBody>
+          <a:bodyPr rtlCol="0" anchor="ctr"/>
+          <a:lstStyle>
+            <a:defPPr>
+              <a:defRPr lang="en-US"/>
+            </a:defPPr>
+            <a:lvl1pPr marL="0" algn="l" defTabSz="3291279" rtl="0" eaLnBrk="1" latinLnBrk="0" hangingPunct="1">
+              <a:defRPr sz="6400" kern="1200">
+                <a:solidFill>
+                  <a:schemeClr val="lt1"/>
+                </a:solidFill>
+                <a:latin typeface="+mn-lt"/>
+                <a:ea typeface="+mn-ea"/>
+                <a:cs typeface="+mn-cs"/>
+              </a:defRPr>
+            </a:lvl1pPr>
+            <a:lvl2pPr marL="1645640" algn="l" defTabSz="3291279" rtl="0" eaLnBrk="1" latinLnBrk="0" hangingPunct="1">
+              <a:defRPr sz="6400" kern="1200">
+                <a:solidFill>
+                  <a:schemeClr val="lt1"/>
+                </a:solidFill>
+                <a:latin typeface="+mn-lt"/>
+                <a:ea typeface="+mn-ea"/>
+                <a:cs typeface="+mn-cs"/>
+              </a:defRPr>
+            </a:lvl2pPr>
+            <a:lvl3pPr marL="3291279" algn="l" defTabSz="3291279" rtl="0" eaLnBrk="1" latinLnBrk="0" hangingPunct="1">
+              <a:defRPr sz="6400" kern="1200">
+                <a:solidFill>
+                  <a:schemeClr val="lt1"/>
+                </a:solidFill>
+                <a:latin typeface="+mn-lt"/>
+                <a:ea typeface="+mn-ea"/>
+                <a:cs typeface="+mn-cs"/>
+              </a:defRPr>
+            </a:lvl3pPr>
+            <a:lvl4pPr marL="4936919" algn="l" defTabSz="3291279" rtl="0" eaLnBrk="1" latinLnBrk="0" hangingPunct="1">
+              <a:defRPr sz="6400" kern="1200">
+                <a:solidFill>
+                  <a:schemeClr val="lt1"/>
+                </a:solidFill>
+                <a:latin typeface="+mn-lt"/>
+                <a:ea typeface="+mn-ea"/>
+                <a:cs typeface="+mn-cs"/>
+              </a:defRPr>
+            </a:lvl4pPr>
+            <a:lvl5pPr marL="6582559" algn="l" defTabSz="3291279" rtl="0" eaLnBrk="1" latinLnBrk="0" hangingPunct="1">
+              <a:defRPr sz="6400" kern="1200">
+                <a:solidFill>
+                  <a:schemeClr val="lt1"/>
+                </a:solidFill>
+                <a:latin typeface="+mn-lt"/>
+                <a:ea typeface="+mn-ea"/>
+                <a:cs typeface="+mn-cs"/>
+              </a:defRPr>
+            </a:lvl5pPr>
+            <a:lvl6pPr marL="8228198" algn="l" defTabSz="3291279" rtl="0" eaLnBrk="1" latinLnBrk="0" hangingPunct="1">
+              <a:defRPr sz="6400" kern="1200">
+                <a:solidFill>
+                  <a:schemeClr val="lt1"/>
+                </a:solidFill>
+                <a:latin typeface="+mn-lt"/>
+                <a:ea typeface="+mn-ea"/>
+                <a:cs typeface="+mn-cs"/>
+              </a:defRPr>
+            </a:lvl6pPr>
+            <a:lvl7pPr marL="9873837" algn="l" defTabSz="3291279" rtl="0" eaLnBrk="1" latinLnBrk="0" hangingPunct="1">
+              <a:defRPr sz="6400" kern="1200">
+                <a:solidFill>
+                  <a:schemeClr val="lt1"/>
+                </a:solidFill>
+                <a:latin typeface="+mn-lt"/>
+                <a:ea typeface="+mn-ea"/>
+                <a:cs typeface="+mn-cs"/>
+              </a:defRPr>
+            </a:lvl7pPr>
+            <a:lvl8pPr marL="11519478" algn="l" defTabSz="3291279" rtl="0" eaLnBrk="1" latinLnBrk="0" hangingPunct="1">
+              <a:defRPr sz="6400" kern="1200">
+                <a:solidFill>
+                  <a:schemeClr val="lt1"/>
+                </a:solidFill>
+                <a:latin typeface="+mn-lt"/>
+                <a:ea typeface="+mn-ea"/>
+                <a:cs typeface="+mn-cs"/>
+              </a:defRPr>
+            </a:lvl8pPr>
+            <a:lvl9pPr marL="13165118" algn="l" defTabSz="3291279" rtl="0" eaLnBrk="1" latinLnBrk="0" hangingPunct="1">
+              <a:defRPr sz="6400" kern="1200">
+                <a:solidFill>
+                  <a:schemeClr val="lt1"/>
+                </a:solidFill>
+                <a:latin typeface="+mn-lt"/>
+                <a:ea typeface="+mn-ea"/>
+                <a:cs typeface="+mn-cs"/>
+              </a:defRPr>
+            </a:lvl9pPr>
+          </a:lstStyle>
+          <a:p>
+            <a:pPr algn="ctr"/>
+            <a:r>
+              <a:rPr lang="en-US" sz="1800" dirty="0" smtClean="0">
+                <a:solidFill>
+                  <a:schemeClr val="tx1"/>
+                </a:solidFill>
+              </a:rPr>
+              <a:t>KBM Training</a:t>
+            </a:r>
+            <a:endParaRPr lang="en-US" sz="1800" dirty="0">
+              <a:solidFill>
+                <a:schemeClr val="tx1"/>
+              </a:solidFill>
+            </a:endParaRPr>
+          </a:p>
+        </p:txBody>
+      </p:sp>
+      <p:sp>
+        <p:nvSpPr>
+          <p:cNvPr id="13" name="Rectangle 12"/>
+          <p:cNvSpPr/>
+          <p:nvPr/>
+        </p:nvSpPr>
+        <p:spPr>
+          <a:xfrm>
+            <a:off x="3591909" y="2499647"/>
+            <a:ext cx="1676400" cy="861807"/>
+          </a:xfrm>
+          <a:prstGeom prst="rect">
+            <a:avLst/>
+          </a:prstGeom>
+          <a:noFill/>
+          <a:ln w="12700">
+            <a:solidFill>
+              <a:schemeClr val="tx1"/>
+            </a:solidFill>
+          </a:ln>
+        </p:spPr>
+        <p:style>
+          <a:lnRef idx="2">
+            <a:schemeClr val="accent1">
+              <a:shade val="50000"/>
+            </a:schemeClr>
+          </a:lnRef>
+          <a:fillRef idx="1">
+            <a:schemeClr val="accent1"/>
+          </a:fillRef>
+          <a:effectRef idx="0">
+            <a:schemeClr val="accent1"/>
+          </a:effectRef>
+          <a:fontRef idx="minor">
+            <a:schemeClr val="lt1"/>
+          </a:fontRef>
+        </p:style>
+        <p:txBody>
+          <a:bodyPr rtlCol="0" anchor="ctr"/>
+          <a:lstStyle>
+            <a:defPPr>
+              <a:defRPr lang="en-US"/>
+            </a:defPPr>
+            <a:lvl1pPr marL="0" algn="l" defTabSz="3291279" rtl="0" eaLnBrk="1" latinLnBrk="0" hangingPunct="1">
+              <a:defRPr sz="6400" kern="1200">
+                <a:solidFill>
+                  <a:schemeClr val="lt1"/>
+                </a:solidFill>
+                <a:latin typeface="+mn-lt"/>
+                <a:ea typeface="+mn-ea"/>
+                <a:cs typeface="+mn-cs"/>
+              </a:defRPr>
+            </a:lvl1pPr>
+            <a:lvl2pPr marL="1645640" algn="l" defTabSz="3291279" rtl="0" eaLnBrk="1" latinLnBrk="0" hangingPunct="1">
+              <a:defRPr sz="6400" kern="1200">
+                <a:solidFill>
+                  <a:schemeClr val="lt1"/>
+                </a:solidFill>
+                <a:latin typeface="+mn-lt"/>
+                <a:ea typeface="+mn-ea"/>
+                <a:cs typeface="+mn-cs"/>
+              </a:defRPr>
+            </a:lvl2pPr>
+            <a:lvl3pPr marL="3291279" algn="l" defTabSz="3291279" rtl="0" eaLnBrk="1" latinLnBrk="0" hangingPunct="1">
+              <a:defRPr sz="6400" kern="1200">
+                <a:solidFill>
+                  <a:schemeClr val="lt1"/>
+                </a:solidFill>
+                <a:latin typeface="+mn-lt"/>
+                <a:ea typeface="+mn-ea"/>
+                <a:cs typeface="+mn-cs"/>
+              </a:defRPr>
+            </a:lvl3pPr>
+            <a:lvl4pPr marL="4936919" algn="l" defTabSz="3291279" rtl="0" eaLnBrk="1" latinLnBrk="0" hangingPunct="1">
+              <a:defRPr sz="6400" kern="1200">
+                <a:solidFill>
+                  <a:schemeClr val="lt1"/>
+                </a:solidFill>
+                <a:latin typeface="+mn-lt"/>
+                <a:ea typeface="+mn-ea"/>
+                <a:cs typeface="+mn-cs"/>
+              </a:defRPr>
+            </a:lvl4pPr>
+            <a:lvl5pPr marL="6582559" algn="l" defTabSz="3291279" rtl="0" eaLnBrk="1" latinLnBrk="0" hangingPunct="1">
+              <a:defRPr sz="6400" kern="1200">
+                <a:solidFill>
+                  <a:schemeClr val="lt1"/>
+                </a:solidFill>
+                <a:latin typeface="+mn-lt"/>
+                <a:ea typeface="+mn-ea"/>
+                <a:cs typeface="+mn-cs"/>
+              </a:defRPr>
+            </a:lvl5pPr>
+            <a:lvl6pPr marL="8228198" algn="l" defTabSz="3291279" rtl="0" eaLnBrk="1" latinLnBrk="0" hangingPunct="1">
+              <a:defRPr sz="6400" kern="1200">
+                <a:solidFill>
+                  <a:schemeClr val="lt1"/>
+                </a:solidFill>
+                <a:latin typeface="+mn-lt"/>
+                <a:ea typeface="+mn-ea"/>
+                <a:cs typeface="+mn-cs"/>
+              </a:defRPr>
+            </a:lvl6pPr>
+            <a:lvl7pPr marL="9873837" algn="l" defTabSz="3291279" rtl="0" eaLnBrk="1" latinLnBrk="0" hangingPunct="1">
+              <a:defRPr sz="6400" kern="1200">
+                <a:solidFill>
+                  <a:schemeClr val="lt1"/>
+                </a:solidFill>
+                <a:latin typeface="+mn-lt"/>
+                <a:ea typeface="+mn-ea"/>
+                <a:cs typeface="+mn-cs"/>
+              </a:defRPr>
+            </a:lvl7pPr>
+            <a:lvl8pPr marL="11519478" algn="l" defTabSz="3291279" rtl="0" eaLnBrk="1" latinLnBrk="0" hangingPunct="1">
+              <a:defRPr sz="6400" kern="1200">
+                <a:solidFill>
+                  <a:schemeClr val="lt1"/>
+                </a:solidFill>
+                <a:latin typeface="+mn-lt"/>
+                <a:ea typeface="+mn-ea"/>
+                <a:cs typeface="+mn-cs"/>
+              </a:defRPr>
+            </a:lvl8pPr>
+            <a:lvl9pPr marL="13165118" algn="l" defTabSz="3291279" rtl="0" eaLnBrk="1" latinLnBrk="0" hangingPunct="1">
+              <a:defRPr sz="6400" kern="1200">
+                <a:solidFill>
+                  <a:schemeClr val="lt1"/>
+                </a:solidFill>
+                <a:latin typeface="+mn-lt"/>
+                <a:ea typeface="+mn-ea"/>
+                <a:cs typeface="+mn-cs"/>
+              </a:defRPr>
+            </a:lvl9pPr>
+          </a:lstStyle>
+          <a:p>
+            <a:pPr algn="ctr"/>
+            <a:r>
+              <a:rPr lang="en-US" sz="1800" dirty="0" smtClean="0">
+                <a:solidFill>
+                  <a:schemeClr val="tx1"/>
+                </a:solidFill>
+              </a:rPr>
+              <a:t>Compute representation for all features</a:t>
+            </a:r>
+            <a:endParaRPr lang="en-US" sz="1800" dirty="0">
+              <a:solidFill>
+                <a:schemeClr val="tx1"/>
+              </a:solidFill>
+            </a:endParaRPr>
+          </a:p>
+        </p:txBody>
+      </p:sp>
+      <p:sp>
+        <p:nvSpPr>
+          <p:cNvPr id="14" name="Rectangle 13"/>
+          <p:cNvSpPr/>
+          <p:nvPr/>
+        </p:nvSpPr>
+        <p:spPr>
+          <a:xfrm>
+            <a:off x="3608925" y="4174578"/>
+            <a:ext cx="1752600" cy="861807"/>
+          </a:xfrm>
+          <a:prstGeom prst="rect">
+            <a:avLst/>
+          </a:prstGeom>
+          <a:noFill/>
+          <a:ln w="12700">
+            <a:solidFill>
+              <a:schemeClr val="tx1"/>
+            </a:solidFill>
+          </a:ln>
+        </p:spPr>
+        <p:style>
+          <a:lnRef idx="2">
+            <a:schemeClr val="accent1">
+              <a:shade val="50000"/>
+            </a:schemeClr>
+          </a:lnRef>
+          <a:fillRef idx="1">
+            <a:schemeClr val="accent1"/>
+          </a:fillRef>
+          <a:effectRef idx="0">
+            <a:schemeClr val="accent1"/>
+          </a:effectRef>
+          <a:fontRef idx="minor">
+            <a:schemeClr val="lt1"/>
+          </a:fontRef>
+        </p:style>
+        <p:txBody>
+          <a:bodyPr rtlCol="0" anchor="ctr"/>
+          <a:lstStyle>
+            <a:defPPr>
+              <a:defRPr lang="en-US"/>
+            </a:defPPr>
+            <a:lvl1pPr marL="0" algn="l" defTabSz="3291279" rtl="0" eaLnBrk="1" latinLnBrk="0" hangingPunct="1">
+              <a:defRPr sz="6400" kern="1200">
+                <a:solidFill>
+                  <a:schemeClr val="lt1"/>
+                </a:solidFill>
+                <a:latin typeface="+mn-lt"/>
+                <a:ea typeface="+mn-ea"/>
+                <a:cs typeface="+mn-cs"/>
+              </a:defRPr>
+            </a:lvl1pPr>
+            <a:lvl2pPr marL="1645640" algn="l" defTabSz="3291279" rtl="0" eaLnBrk="1" latinLnBrk="0" hangingPunct="1">
+              <a:defRPr sz="6400" kern="1200">
+                <a:solidFill>
+                  <a:schemeClr val="lt1"/>
+                </a:solidFill>
+                <a:latin typeface="+mn-lt"/>
+                <a:ea typeface="+mn-ea"/>
+                <a:cs typeface="+mn-cs"/>
+              </a:defRPr>
+            </a:lvl2pPr>
+            <a:lvl3pPr marL="3291279" algn="l" defTabSz="3291279" rtl="0" eaLnBrk="1" latinLnBrk="0" hangingPunct="1">
+              <a:defRPr sz="6400" kern="1200">
+                <a:solidFill>
+                  <a:schemeClr val="lt1"/>
+                </a:solidFill>
+                <a:latin typeface="+mn-lt"/>
+                <a:ea typeface="+mn-ea"/>
+                <a:cs typeface="+mn-cs"/>
+              </a:defRPr>
+            </a:lvl3pPr>
+            <a:lvl4pPr marL="4936919" algn="l" defTabSz="3291279" rtl="0" eaLnBrk="1" latinLnBrk="0" hangingPunct="1">
+              <a:defRPr sz="6400" kern="1200">
+                <a:solidFill>
+                  <a:schemeClr val="lt1"/>
+                </a:solidFill>
+                <a:latin typeface="+mn-lt"/>
+                <a:ea typeface="+mn-ea"/>
+                <a:cs typeface="+mn-cs"/>
+              </a:defRPr>
+            </a:lvl4pPr>
+            <a:lvl5pPr marL="6582559" algn="l" defTabSz="3291279" rtl="0" eaLnBrk="1" latinLnBrk="0" hangingPunct="1">
+              <a:defRPr sz="6400" kern="1200">
+                <a:solidFill>
+                  <a:schemeClr val="lt1"/>
+                </a:solidFill>
+                <a:latin typeface="+mn-lt"/>
+                <a:ea typeface="+mn-ea"/>
+                <a:cs typeface="+mn-cs"/>
+              </a:defRPr>
+            </a:lvl5pPr>
+            <a:lvl6pPr marL="8228198" algn="l" defTabSz="3291279" rtl="0" eaLnBrk="1" latinLnBrk="0" hangingPunct="1">
+              <a:defRPr sz="6400" kern="1200">
+                <a:solidFill>
+                  <a:schemeClr val="lt1"/>
+                </a:solidFill>
+                <a:latin typeface="+mn-lt"/>
+                <a:ea typeface="+mn-ea"/>
+                <a:cs typeface="+mn-cs"/>
+              </a:defRPr>
+            </a:lvl6pPr>
+            <a:lvl7pPr marL="9873837" algn="l" defTabSz="3291279" rtl="0" eaLnBrk="1" latinLnBrk="0" hangingPunct="1">
+              <a:defRPr sz="6400" kern="1200">
+                <a:solidFill>
+                  <a:schemeClr val="lt1"/>
+                </a:solidFill>
+                <a:latin typeface="+mn-lt"/>
+                <a:ea typeface="+mn-ea"/>
+                <a:cs typeface="+mn-cs"/>
+              </a:defRPr>
+            </a:lvl7pPr>
+            <a:lvl8pPr marL="11519478" algn="l" defTabSz="3291279" rtl="0" eaLnBrk="1" latinLnBrk="0" hangingPunct="1">
+              <a:defRPr sz="6400" kern="1200">
+                <a:solidFill>
+                  <a:schemeClr val="lt1"/>
+                </a:solidFill>
+                <a:latin typeface="+mn-lt"/>
+                <a:ea typeface="+mn-ea"/>
+                <a:cs typeface="+mn-cs"/>
+              </a:defRPr>
+            </a:lvl8pPr>
+            <a:lvl9pPr marL="13165118" algn="l" defTabSz="3291279" rtl="0" eaLnBrk="1" latinLnBrk="0" hangingPunct="1">
+              <a:defRPr sz="6400" kern="1200">
+                <a:solidFill>
+                  <a:schemeClr val="lt1"/>
+                </a:solidFill>
+                <a:latin typeface="+mn-lt"/>
+                <a:ea typeface="+mn-ea"/>
+                <a:cs typeface="+mn-cs"/>
+              </a:defRPr>
+            </a:lvl9pPr>
+          </a:lstStyle>
+          <a:p>
+            <a:pPr algn="ctr"/>
+            <a:r>
+              <a:rPr lang="en-US" sz="1800" dirty="0" smtClean="0">
+                <a:solidFill>
+                  <a:schemeClr val="tx1"/>
+                </a:solidFill>
+              </a:rPr>
+              <a:t>Compute representation for new features</a:t>
+            </a:r>
+            <a:endParaRPr lang="en-US" sz="1800" dirty="0">
+              <a:solidFill>
+                <a:schemeClr val="tx1"/>
+              </a:solidFill>
+            </a:endParaRPr>
+          </a:p>
+        </p:txBody>
+      </p:sp>
+      <p:sp>
+        <p:nvSpPr>
+          <p:cNvPr id="15" name="Rectangle 14"/>
+          <p:cNvSpPr/>
+          <p:nvPr/>
+        </p:nvSpPr>
+        <p:spPr>
+          <a:xfrm>
+            <a:off x="5648570" y="2474571"/>
+            <a:ext cx="1100831" cy="861807"/>
+          </a:xfrm>
+          <a:prstGeom prst="rect">
+            <a:avLst/>
+          </a:prstGeom>
+          <a:noFill/>
+          <a:ln w="12700">
+            <a:solidFill>
+              <a:schemeClr val="tx1"/>
+            </a:solidFill>
+          </a:ln>
+        </p:spPr>
+        <p:style>
+          <a:lnRef idx="2">
+            <a:schemeClr val="accent1">
+              <a:shade val="50000"/>
+            </a:schemeClr>
+          </a:lnRef>
+          <a:fillRef idx="1">
+            <a:schemeClr val="accent1"/>
+          </a:fillRef>
+          <a:effectRef idx="0">
+            <a:schemeClr val="accent1"/>
+          </a:effectRef>
+          <a:fontRef idx="minor">
+            <a:schemeClr val="lt1"/>
+          </a:fontRef>
+        </p:style>
+        <p:txBody>
+          <a:bodyPr rtlCol="0" anchor="ctr"/>
+          <a:lstStyle>
+            <a:defPPr>
+              <a:defRPr lang="en-US"/>
+            </a:defPPr>
+            <a:lvl1pPr marL="0" algn="l" defTabSz="3291279" rtl="0" eaLnBrk="1" latinLnBrk="0" hangingPunct="1">
+              <a:defRPr sz="6400" kern="1200">
+                <a:solidFill>
+                  <a:schemeClr val="lt1"/>
+                </a:solidFill>
+                <a:latin typeface="+mn-lt"/>
+                <a:ea typeface="+mn-ea"/>
+                <a:cs typeface="+mn-cs"/>
+              </a:defRPr>
+            </a:lvl1pPr>
+            <a:lvl2pPr marL="1645640" algn="l" defTabSz="3291279" rtl="0" eaLnBrk="1" latinLnBrk="0" hangingPunct="1">
+              <a:defRPr sz="6400" kern="1200">
+                <a:solidFill>
+                  <a:schemeClr val="lt1"/>
+                </a:solidFill>
+                <a:latin typeface="+mn-lt"/>
+                <a:ea typeface="+mn-ea"/>
+                <a:cs typeface="+mn-cs"/>
+              </a:defRPr>
+            </a:lvl2pPr>
+            <a:lvl3pPr marL="3291279" algn="l" defTabSz="3291279" rtl="0" eaLnBrk="1" latinLnBrk="0" hangingPunct="1">
+              <a:defRPr sz="6400" kern="1200">
+                <a:solidFill>
+                  <a:schemeClr val="lt1"/>
+                </a:solidFill>
+                <a:latin typeface="+mn-lt"/>
+                <a:ea typeface="+mn-ea"/>
+                <a:cs typeface="+mn-cs"/>
+              </a:defRPr>
+            </a:lvl3pPr>
+            <a:lvl4pPr marL="4936919" algn="l" defTabSz="3291279" rtl="0" eaLnBrk="1" latinLnBrk="0" hangingPunct="1">
+              <a:defRPr sz="6400" kern="1200">
+                <a:solidFill>
+                  <a:schemeClr val="lt1"/>
+                </a:solidFill>
+                <a:latin typeface="+mn-lt"/>
+                <a:ea typeface="+mn-ea"/>
+                <a:cs typeface="+mn-cs"/>
+              </a:defRPr>
+            </a:lvl4pPr>
+            <a:lvl5pPr marL="6582559" algn="l" defTabSz="3291279" rtl="0" eaLnBrk="1" latinLnBrk="0" hangingPunct="1">
+              <a:defRPr sz="6400" kern="1200">
+                <a:solidFill>
+                  <a:schemeClr val="lt1"/>
+                </a:solidFill>
+                <a:latin typeface="+mn-lt"/>
+                <a:ea typeface="+mn-ea"/>
+                <a:cs typeface="+mn-cs"/>
+              </a:defRPr>
+            </a:lvl5pPr>
+            <a:lvl6pPr marL="8228198" algn="l" defTabSz="3291279" rtl="0" eaLnBrk="1" latinLnBrk="0" hangingPunct="1">
+              <a:defRPr sz="6400" kern="1200">
+                <a:solidFill>
+                  <a:schemeClr val="lt1"/>
+                </a:solidFill>
+                <a:latin typeface="+mn-lt"/>
+                <a:ea typeface="+mn-ea"/>
+                <a:cs typeface="+mn-cs"/>
+              </a:defRPr>
+            </a:lvl6pPr>
+            <a:lvl7pPr marL="9873837" algn="l" defTabSz="3291279" rtl="0" eaLnBrk="1" latinLnBrk="0" hangingPunct="1">
+              <a:defRPr sz="6400" kern="1200">
+                <a:solidFill>
+                  <a:schemeClr val="lt1"/>
+                </a:solidFill>
+                <a:latin typeface="+mn-lt"/>
+                <a:ea typeface="+mn-ea"/>
+                <a:cs typeface="+mn-cs"/>
+              </a:defRPr>
+            </a:lvl7pPr>
+            <a:lvl8pPr marL="11519478" algn="l" defTabSz="3291279" rtl="0" eaLnBrk="1" latinLnBrk="0" hangingPunct="1">
+              <a:defRPr sz="6400" kern="1200">
+                <a:solidFill>
+                  <a:schemeClr val="lt1"/>
+                </a:solidFill>
+                <a:latin typeface="+mn-lt"/>
+                <a:ea typeface="+mn-ea"/>
+                <a:cs typeface="+mn-cs"/>
+              </a:defRPr>
+            </a:lvl8pPr>
+            <a:lvl9pPr marL="13165118" algn="l" defTabSz="3291279" rtl="0" eaLnBrk="1" latinLnBrk="0" hangingPunct="1">
+              <a:defRPr sz="6400" kern="1200">
+                <a:solidFill>
+                  <a:schemeClr val="lt1"/>
+                </a:solidFill>
+                <a:latin typeface="+mn-lt"/>
+                <a:ea typeface="+mn-ea"/>
+                <a:cs typeface="+mn-cs"/>
+              </a:defRPr>
+            </a:lvl9pPr>
+          </a:lstStyle>
+          <a:p>
+            <a:pPr algn="ctr"/>
+            <a:r>
+              <a:rPr lang="en-US" sz="1800" dirty="0" smtClean="0">
+                <a:solidFill>
+                  <a:schemeClr val="tx1"/>
+                </a:solidFill>
+              </a:rPr>
+              <a:t>Offline clustering</a:t>
+            </a:r>
+            <a:endParaRPr lang="en-US" sz="1800" dirty="0">
+              <a:solidFill>
+                <a:schemeClr val="tx1"/>
+              </a:solidFill>
+            </a:endParaRPr>
+          </a:p>
+        </p:txBody>
+      </p:sp>
+      <p:sp>
+        <p:nvSpPr>
+          <p:cNvPr id="16" name="Rectangle 15"/>
+          <p:cNvSpPr/>
+          <p:nvPr/>
+        </p:nvSpPr>
+        <p:spPr>
+          <a:xfrm>
+            <a:off x="5632294" y="4150971"/>
+            <a:ext cx="1100831" cy="861807"/>
+          </a:xfrm>
+          <a:prstGeom prst="rect">
+            <a:avLst/>
+          </a:prstGeom>
+          <a:noFill/>
+          <a:ln w="12700">
+            <a:solidFill>
+              <a:schemeClr val="tx1"/>
+            </a:solidFill>
+          </a:ln>
+        </p:spPr>
+        <p:style>
+          <a:lnRef idx="2">
+            <a:schemeClr val="accent1">
+              <a:shade val="50000"/>
+            </a:schemeClr>
+          </a:lnRef>
+          <a:fillRef idx="1">
+            <a:schemeClr val="accent1"/>
+          </a:fillRef>
+          <a:effectRef idx="0">
+            <a:schemeClr val="accent1"/>
+          </a:effectRef>
+          <a:fontRef idx="minor">
+            <a:schemeClr val="lt1"/>
+          </a:fontRef>
+        </p:style>
+        <p:txBody>
+          <a:bodyPr rtlCol="0" anchor="ctr"/>
+          <a:lstStyle>
+            <a:defPPr>
+              <a:defRPr lang="en-US"/>
+            </a:defPPr>
+            <a:lvl1pPr marL="0" algn="l" defTabSz="3291279" rtl="0" eaLnBrk="1" latinLnBrk="0" hangingPunct="1">
+              <a:defRPr sz="6400" kern="1200">
+                <a:solidFill>
+                  <a:schemeClr val="lt1"/>
+                </a:solidFill>
+                <a:latin typeface="+mn-lt"/>
+                <a:ea typeface="+mn-ea"/>
+                <a:cs typeface="+mn-cs"/>
+              </a:defRPr>
+            </a:lvl1pPr>
+            <a:lvl2pPr marL="1645640" algn="l" defTabSz="3291279" rtl="0" eaLnBrk="1" latinLnBrk="0" hangingPunct="1">
+              <a:defRPr sz="6400" kern="1200">
+                <a:solidFill>
+                  <a:schemeClr val="lt1"/>
+                </a:solidFill>
+                <a:latin typeface="+mn-lt"/>
+                <a:ea typeface="+mn-ea"/>
+                <a:cs typeface="+mn-cs"/>
+              </a:defRPr>
+            </a:lvl2pPr>
+            <a:lvl3pPr marL="3291279" algn="l" defTabSz="3291279" rtl="0" eaLnBrk="1" latinLnBrk="0" hangingPunct="1">
+              <a:defRPr sz="6400" kern="1200">
+                <a:solidFill>
+                  <a:schemeClr val="lt1"/>
+                </a:solidFill>
+                <a:latin typeface="+mn-lt"/>
+                <a:ea typeface="+mn-ea"/>
+                <a:cs typeface="+mn-cs"/>
+              </a:defRPr>
+            </a:lvl3pPr>
+            <a:lvl4pPr marL="4936919" algn="l" defTabSz="3291279" rtl="0" eaLnBrk="1" latinLnBrk="0" hangingPunct="1">
+              <a:defRPr sz="6400" kern="1200">
+                <a:solidFill>
+                  <a:schemeClr val="lt1"/>
+                </a:solidFill>
+                <a:latin typeface="+mn-lt"/>
+                <a:ea typeface="+mn-ea"/>
+                <a:cs typeface="+mn-cs"/>
+              </a:defRPr>
+            </a:lvl4pPr>
+            <a:lvl5pPr marL="6582559" algn="l" defTabSz="3291279" rtl="0" eaLnBrk="1" latinLnBrk="0" hangingPunct="1">
+              <a:defRPr sz="6400" kern="1200">
+                <a:solidFill>
+                  <a:schemeClr val="lt1"/>
+                </a:solidFill>
+                <a:latin typeface="+mn-lt"/>
+                <a:ea typeface="+mn-ea"/>
+                <a:cs typeface="+mn-cs"/>
+              </a:defRPr>
+            </a:lvl5pPr>
+            <a:lvl6pPr marL="8228198" algn="l" defTabSz="3291279" rtl="0" eaLnBrk="1" latinLnBrk="0" hangingPunct="1">
+              <a:defRPr sz="6400" kern="1200">
+                <a:solidFill>
+                  <a:schemeClr val="lt1"/>
+                </a:solidFill>
+                <a:latin typeface="+mn-lt"/>
+                <a:ea typeface="+mn-ea"/>
+                <a:cs typeface="+mn-cs"/>
+              </a:defRPr>
+            </a:lvl6pPr>
+            <a:lvl7pPr marL="9873837" algn="l" defTabSz="3291279" rtl="0" eaLnBrk="1" latinLnBrk="0" hangingPunct="1">
+              <a:defRPr sz="6400" kern="1200">
+                <a:solidFill>
+                  <a:schemeClr val="lt1"/>
+                </a:solidFill>
+                <a:latin typeface="+mn-lt"/>
+                <a:ea typeface="+mn-ea"/>
+                <a:cs typeface="+mn-cs"/>
+              </a:defRPr>
+            </a:lvl7pPr>
+            <a:lvl8pPr marL="11519478" algn="l" defTabSz="3291279" rtl="0" eaLnBrk="1" latinLnBrk="0" hangingPunct="1">
+              <a:defRPr sz="6400" kern="1200">
+                <a:solidFill>
+                  <a:schemeClr val="lt1"/>
+                </a:solidFill>
+                <a:latin typeface="+mn-lt"/>
+                <a:ea typeface="+mn-ea"/>
+                <a:cs typeface="+mn-cs"/>
+              </a:defRPr>
+            </a:lvl8pPr>
+            <a:lvl9pPr marL="13165118" algn="l" defTabSz="3291279" rtl="0" eaLnBrk="1" latinLnBrk="0" hangingPunct="1">
+              <a:defRPr sz="6400" kern="1200">
+                <a:solidFill>
+                  <a:schemeClr val="lt1"/>
+                </a:solidFill>
+                <a:latin typeface="+mn-lt"/>
+                <a:ea typeface="+mn-ea"/>
+                <a:cs typeface="+mn-cs"/>
+              </a:defRPr>
+            </a:lvl9pPr>
+          </a:lstStyle>
+          <a:p>
+            <a:pPr algn="ctr"/>
+            <a:r>
+              <a:rPr lang="en-US" sz="1800" dirty="0" smtClean="0">
+                <a:solidFill>
+                  <a:schemeClr val="tx1"/>
+                </a:solidFill>
+              </a:rPr>
+              <a:t>Online clustering</a:t>
+            </a:r>
+            <a:endParaRPr lang="en-US" sz="1800" dirty="0">
+              <a:solidFill>
+                <a:schemeClr val="tx1"/>
+              </a:solidFill>
+            </a:endParaRPr>
+          </a:p>
+        </p:txBody>
+      </p:sp>
+      <p:sp>
+        <p:nvSpPr>
+          <p:cNvPr id="17" name="Rectangle 16"/>
+          <p:cNvSpPr/>
+          <p:nvPr/>
+        </p:nvSpPr>
+        <p:spPr>
+          <a:xfrm>
+            <a:off x="7266525" y="3498329"/>
+            <a:ext cx="914400" cy="596547"/>
+          </a:xfrm>
+          <a:prstGeom prst="rect">
+            <a:avLst/>
+          </a:prstGeom>
+          <a:noFill/>
+          <a:ln w="12700">
+            <a:solidFill>
+              <a:schemeClr val="tx1"/>
+            </a:solidFill>
+          </a:ln>
+        </p:spPr>
+        <p:style>
+          <a:lnRef idx="2">
+            <a:schemeClr val="accent1">
+              <a:shade val="50000"/>
+            </a:schemeClr>
+          </a:lnRef>
+          <a:fillRef idx="1">
+            <a:schemeClr val="accent1"/>
+          </a:fillRef>
+          <a:effectRef idx="0">
+            <a:schemeClr val="accent1"/>
+          </a:effectRef>
+          <a:fontRef idx="minor">
+            <a:schemeClr val="lt1"/>
+          </a:fontRef>
+        </p:style>
+        <p:txBody>
+          <a:bodyPr rtlCol="0" anchor="ctr"/>
+          <a:lstStyle>
+            <a:defPPr>
+              <a:defRPr lang="en-US"/>
+            </a:defPPr>
+            <a:lvl1pPr marL="0" algn="l" defTabSz="3291279" rtl="0" eaLnBrk="1" latinLnBrk="0" hangingPunct="1">
+              <a:defRPr sz="6400" kern="1200">
+                <a:solidFill>
+                  <a:schemeClr val="lt1"/>
+                </a:solidFill>
+                <a:latin typeface="+mn-lt"/>
+                <a:ea typeface="+mn-ea"/>
+                <a:cs typeface="+mn-cs"/>
+              </a:defRPr>
+            </a:lvl1pPr>
+            <a:lvl2pPr marL="1645640" algn="l" defTabSz="3291279" rtl="0" eaLnBrk="1" latinLnBrk="0" hangingPunct="1">
+              <a:defRPr sz="6400" kern="1200">
+                <a:solidFill>
+                  <a:schemeClr val="lt1"/>
+                </a:solidFill>
+                <a:latin typeface="+mn-lt"/>
+                <a:ea typeface="+mn-ea"/>
+                <a:cs typeface="+mn-cs"/>
+              </a:defRPr>
+            </a:lvl2pPr>
+            <a:lvl3pPr marL="3291279" algn="l" defTabSz="3291279" rtl="0" eaLnBrk="1" latinLnBrk="0" hangingPunct="1">
+              <a:defRPr sz="6400" kern="1200">
+                <a:solidFill>
+                  <a:schemeClr val="lt1"/>
+                </a:solidFill>
+                <a:latin typeface="+mn-lt"/>
+                <a:ea typeface="+mn-ea"/>
+                <a:cs typeface="+mn-cs"/>
+              </a:defRPr>
+            </a:lvl3pPr>
+            <a:lvl4pPr marL="4936919" algn="l" defTabSz="3291279" rtl="0" eaLnBrk="1" latinLnBrk="0" hangingPunct="1">
+              <a:defRPr sz="6400" kern="1200">
+                <a:solidFill>
+                  <a:schemeClr val="lt1"/>
+                </a:solidFill>
+                <a:latin typeface="+mn-lt"/>
+                <a:ea typeface="+mn-ea"/>
+                <a:cs typeface="+mn-cs"/>
+              </a:defRPr>
+            </a:lvl4pPr>
+            <a:lvl5pPr marL="6582559" algn="l" defTabSz="3291279" rtl="0" eaLnBrk="1" latinLnBrk="0" hangingPunct="1">
+              <a:defRPr sz="6400" kern="1200">
+                <a:solidFill>
+                  <a:schemeClr val="lt1"/>
+                </a:solidFill>
+                <a:latin typeface="+mn-lt"/>
+                <a:ea typeface="+mn-ea"/>
+                <a:cs typeface="+mn-cs"/>
+              </a:defRPr>
+            </a:lvl5pPr>
+            <a:lvl6pPr marL="8228198" algn="l" defTabSz="3291279" rtl="0" eaLnBrk="1" latinLnBrk="0" hangingPunct="1">
+              <a:defRPr sz="6400" kern="1200">
+                <a:solidFill>
+                  <a:schemeClr val="lt1"/>
+                </a:solidFill>
+                <a:latin typeface="+mn-lt"/>
+                <a:ea typeface="+mn-ea"/>
+                <a:cs typeface="+mn-cs"/>
+              </a:defRPr>
+            </a:lvl6pPr>
+            <a:lvl7pPr marL="9873837" algn="l" defTabSz="3291279" rtl="0" eaLnBrk="1" latinLnBrk="0" hangingPunct="1">
+              <a:defRPr sz="6400" kern="1200">
+                <a:solidFill>
+                  <a:schemeClr val="lt1"/>
+                </a:solidFill>
+                <a:latin typeface="+mn-lt"/>
+                <a:ea typeface="+mn-ea"/>
+                <a:cs typeface="+mn-cs"/>
+              </a:defRPr>
+            </a:lvl7pPr>
+            <a:lvl8pPr marL="11519478" algn="l" defTabSz="3291279" rtl="0" eaLnBrk="1" latinLnBrk="0" hangingPunct="1">
+              <a:defRPr sz="6400" kern="1200">
+                <a:solidFill>
+                  <a:schemeClr val="lt1"/>
+                </a:solidFill>
+                <a:latin typeface="+mn-lt"/>
+                <a:ea typeface="+mn-ea"/>
+                <a:cs typeface="+mn-cs"/>
+              </a:defRPr>
+            </a:lvl8pPr>
+            <a:lvl9pPr marL="13165118" algn="l" defTabSz="3291279" rtl="0" eaLnBrk="1" latinLnBrk="0" hangingPunct="1">
+              <a:defRPr sz="6400" kern="1200">
+                <a:solidFill>
+                  <a:schemeClr val="lt1"/>
+                </a:solidFill>
+                <a:latin typeface="+mn-lt"/>
+                <a:ea typeface="+mn-ea"/>
+                <a:cs typeface="+mn-cs"/>
+              </a:defRPr>
+            </a:lvl9pPr>
+          </a:lstStyle>
+          <a:p>
+            <a:pPr algn="ctr"/>
+            <a:r>
+              <a:rPr lang="en-US" sz="1800" dirty="0" smtClean="0">
+                <a:solidFill>
+                  <a:schemeClr val="tx1"/>
+                </a:solidFill>
+              </a:rPr>
+              <a:t>Results</a:t>
+            </a:r>
+            <a:endParaRPr lang="en-US" sz="1800" dirty="0">
+              <a:solidFill>
+                <a:schemeClr val="tx1"/>
+              </a:solidFill>
+            </a:endParaRPr>
+          </a:p>
+        </p:txBody>
+      </p:sp>
+      <p:cxnSp>
+        <p:nvCxnSpPr>
+          <p:cNvPr id="18" name="Straight Arrow Connector 17"/>
+          <p:cNvCxnSpPr>
+            <a:cxnSpLocks/>
+            <a:stCxn id="12" idx="3"/>
+            <a:endCxn id="13" idx="1"/>
+          </p:cNvCxnSpPr>
+          <p:nvPr/>
+        </p:nvCxnSpPr>
+        <p:spPr>
+          <a:xfrm>
+            <a:off x="3075525" y="2901371"/>
+            <a:ext cx="516384" cy="29180"/>
+          </a:xfrm>
+          <a:prstGeom prst="straightConnector1">
+            <a:avLst/>
+          </a:prstGeom>
+          <a:ln w="12700">
+            <a:solidFill>
+              <a:schemeClr val="tx1"/>
+            </a:solidFill>
+            <a:tailEnd type="arrow"/>
+          </a:ln>
+        </p:spPr>
+        <p:style>
+          <a:lnRef idx="1">
+            <a:schemeClr val="accent1"/>
+          </a:lnRef>
+          <a:fillRef idx="0">
+            <a:schemeClr val="accent1"/>
+          </a:fillRef>
+          <a:effectRef idx="0">
+            <a:schemeClr val="accent1"/>
+          </a:effectRef>
+          <a:fontRef idx="minor">
+            <a:schemeClr val="tx1"/>
+          </a:fontRef>
+        </p:style>
+      </p:cxnSp>
+      <p:cxnSp>
+        <p:nvCxnSpPr>
+          <p:cNvPr id="21" name="Straight Arrow Connector 20"/>
+          <p:cNvCxnSpPr>
+            <a:cxnSpLocks/>
+            <a:stCxn id="9" idx="0"/>
+            <a:endCxn id="12" idx="2"/>
+          </p:cNvCxnSpPr>
+          <p:nvPr/>
+        </p:nvCxnSpPr>
+        <p:spPr>
+          <a:xfrm flipH="1" flipV="1">
+            <a:off x="2569498" y="3332274"/>
+            <a:ext cx="8137" cy="873357"/>
+          </a:xfrm>
+          <a:prstGeom prst="straightConnector1">
+            <a:avLst/>
+          </a:prstGeom>
+          <a:ln w="12700">
+            <a:solidFill>
+              <a:schemeClr val="tx1"/>
+            </a:solidFill>
+            <a:tailEnd type="arrow"/>
+          </a:ln>
+        </p:spPr>
+        <p:style>
+          <a:lnRef idx="1">
+            <a:schemeClr val="accent1"/>
+          </a:lnRef>
+          <a:fillRef idx="0">
+            <a:schemeClr val="accent1"/>
+          </a:fillRef>
+          <a:effectRef idx="0">
+            <a:schemeClr val="accent1"/>
+          </a:effectRef>
+          <a:fontRef idx="minor">
+            <a:schemeClr val="tx1"/>
+          </a:fontRef>
+        </p:style>
+      </p:cxnSp>
+      <p:cxnSp>
+        <p:nvCxnSpPr>
+          <p:cNvPr id="24" name="Straight Arrow Connector 23"/>
+          <p:cNvCxnSpPr>
+            <a:cxnSpLocks/>
+            <a:stCxn id="13" idx="3"/>
+            <a:endCxn id="15" idx="1"/>
+          </p:cNvCxnSpPr>
+          <p:nvPr/>
+        </p:nvCxnSpPr>
+        <p:spPr>
+          <a:xfrm flipV="1">
+            <a:off x="5268309" y="2905475"/>
+            <a:ext cx="380261" cy="25076"/>
+          </a:xfrm>
+          <a:prstGeom prst="straightConnector1">
+            <a:avLst/>
+          </a:prstGeom>
+          <a:ln w="12700">
+            <a:solidFill>
+              <a:schemeClr val="tx1"/>
+            </a:solidFill>
+            <a:tailEnd type="arrow"/>
+          </a:ln>
+        </p:spPr>
+        <p:style>
+          <a:lnRef idx="1">
+            <a:schemeClr val="accent1"/>
+          </a:lnRef>
+          <a:fillRef idx="0">
+            <a:schemeClr val="accent1"/>
+          </a:fillRef>
+          <a:effectRef idx="0">
+            <a:schemeClr val="accent1"/>
+          </a:effectRef>
+          <a:fontRef idx="minor">
+            <a:schemeClr val="tx1"/>
+          </a:fontRef>
+        </p:style>
+      </p:cxnSp>
+      <p:cxnSp>
+        <p:nvCxnSpPr>
+          <p:cNvPr id="28" name="Straight Arrow Connector 27"/>
+          <p:cNvCxnSpPr>
+            <a:cxnSpLocks/>
+            <a:stCxn id="15" idx="3"/>
+            <a:endCxn id="17" idx="0"/>
+          </p:cNvCxnSpPr>
+          <p:nvPr/>
+        </p:nvCxnSpPr>
+        <p:spPr>
+          <a:xfrm>
+            <a:off x="6749401" y="2905475"/>
+            <a:ext cx="974324" cy="592854"/>
+          </a:xfrm>
+          <a:prstGeom prst="straightConnector1">
+            <a:avLst/>
+          </a:prstGeom>
+          <a:ln w="12700">
+            <a:solidFill>
+              <a:schemeClr val="tx1"/>
+            </a:solidFill>
+            <a:tailEnd type="arrow"/>
+          </a:ln>
+        </p:spPr>
+        <p:style>
+          <a:lnRef idx="1">
+            <a:schemeClr val="accent1"/>
+          </a:lnRef>
+          <a:fillRef idx="0">
+            <a:schemeClr val="accent1"/>
+          </a:fillRef>
+          <a:effectRef idx="0">
+            <a:schemeClr val="accent1"/>
+          </a:effectRef>
+          <a:fontRef idx="minor">
+            <a:schemeClr val="tx1"/>
+          </a:fontRef>
+        </p:style>
+      </p:cxnSp>
+      <p:cxnSp>
+        <p:nvCxnSpPr>
+          <p:cNvPr id="32" name="Straight Arrow Connector 31"/>
+          <p:cNvCxnSpPr>
+            <a:cxnSpLocks/>
+            <a:stCxn id="14" idx="3"/>
+            <a:endCxn id="16" idx="1"/>
+          </p:cNvCxnSpPr>
+          <p:nvPr/>
+        </p:nvCxnSpPr>
+        <p:spPr>
+          <a:xfrm flipV="1">
+            <a:off x="5361525" y="4581875"/>
+            <a:ext cx="270769" cy="23607"/>
+          </a:xfrm>
+          <a:prstGeom prst="straightConnector1">
+            <a:avLst/>
+          </a:prstGeom>
+          <a:ln w="12700">
+            <a:solidFill>
+              <a:schemeClr val="tx1"/>
+            </a:solidFill>
+            <a:tailEnd type="arrow"/>
+          </a:ln>
+        </p:spPr>
+        <p:style>
+          <a:lnRef idx="1">
+            <a:schemeClr val="accent1"/>
+          </a:lnRef>
+          <a:fillRef idx="0">
+            <a:schemeClr val="accent1"/>
+          </a:fillRef>
+          <a:effectRef idx="0">
+            <a:schemeClr val="accent1"/>
+          </a:effectRef>
+          <a:fontRef idx="minor">
+            <a:schemeClr val="tx1"/>
+          </a:fontRef>
+        </p:style>
+      </p:cxnSp>
+      <p:cxnSp>
+        <p:nvCxnSpPr>
+          <p:cNvPr id="35" name="Straight Arrow Connector 34"/>
+          <p:cNvCxnSpPr>
+            <a:cxnSpLocks/>
+            <a:stCxn id="9" idx="3"/>
+            <a:endCxn id="14" idx="1"/>
+          </p:cNvCxnSpPr>
+          <p:nvPr/>
+        </p:nvCxnSpPr>
+        <p:spPr>
+          <a:xfrm flipV="1">
+            <a:off x="3146545" y="4605482"/>
+            <a:ext cx="462380" cy="31053"/>
+          </a:xfrm>
+          <a:prstGeom prst="straightConnector1">
+            <a:avLst/>
+          </a:prstGeom>
+          <a:ln w="12700">
+            <a:solidFill>
+              <a:schemeClr val="tx1"/>
+            </a:solidFill>
+            <a:tailEnd type="arrow"/>
+          </a:ln>
+        </p:spPr>
+        <p:style>
+          <a:lnRef idx="1">
+            <a:schemeClr val="accent1"/>
+          </a:lnRef>
+          <a:fillRef idx="0">
+            <a:schemeClr val="accent1"/>
+          </a:fillRef>
+          <a:effectRef idx="0">
+            <a:schemeClr val="accent1"/>
+          </a:effectRef>
+          <a:fontRef idx="minor">
+            <a:schemeClr val="tx1"/>
+          </a:fontRef>
+        </p:style>
+      </p:cxnSp>
+      <p:cxnSp>
+        <p:nvCxnSpPr>
+          <p:cNvPr id="38" name="Straight Arrow Connector 37"/>
+          <p:cNvCxnSpPr>
+            <a:cxnSpLocks/>
+            <a:stCxn id="16" idx="3"/>
+            <a:endCxn id="17" idx="2"/>
+          </p:cNvCxnSpPr>
+          <p:nvPr/>
+        </p:nvCxnSpPr>
+        <p:spPr>
+          <a:xfrm flipV="1">
+            <a:off x="6733125" y="4094876"/>
+            <a:ext cx="990600" cy="486999"/>
+          </a:xfrm>
+          <a:prstGeom prst="straightConnector1">
+            <a:avLst/>
+          </a:prstGeom>
+          <a:ln w="12700">
+            <a:solidFill>
+              <a:schemeClr val="tx1"/>
+            </a:solidFill>
+            <a:tailEnd type="arrow"/>
+          </a:ln>
+        </p:spPr>
+        <p:style>
+          <a:lnRef idx="1">
+            <a:schemeClr val="accent1"/>
+          </a:lnRef>
+          <a:fillRef idx="0">
+            <a:schemeClr val="accent1"/>
+          </a:fillRef>
+          <a:effectRef idx="0">
+            <a:schemeClr val="accent1"/>
+          </a:effectRef>
+          <a:fontRef idx="minor">
+            <a:schemeClr val="tx1"/>
+          </a:fontRef>
+        </p:style>
+      </p:cxnSp>
+      <p:cxnSp>
+        <p:nvCxnSpPr>
+          <p:cNvPr id="41" name="Straight Arrow Connector 40"/>
+          <p:cNvCxnSpPr>
+            <a:cxnSpLocks/>
+          </p:cNvCxnSpPr>
+          <p:nvPr/>
+        </p:nvCxnSpPr>
+        <p:spPr>
+          <a:xfrm>
+            <a:off x="3075525" y="3338789"/>
+            <a:ext cx="762000" cy="910871"/>
+          </a:xfrm>
+          <a:prstGeom prst="straightConnector1">
+            <a:avLst/>
+          </a:prstGeom>
+          <a:ln w="12700">
+            <a:solidFill>
+              <a:schemeClr val="tx1"/>
+            </a:solidFill>
+            <a:tailEnd type="arrow"/>
+          </a:ln>
+        </p:spPr>
+        <p:style>
+          <a:lnRef idx="1">
+            <a:schemeClr val="accent1"/>
+          </a:lnRef>
+          <a:fillRef idx="0">
+            <a:schemeClr val="accent1"/>
+          </a:fillRef>
+          <a:effectRef idx="0">
+            <a:schemeClr val="accent1"/>
+          </a:effectRef>
+          <a:fontRef idx="minor">
+            <a:schemeClr val="tx1"/>
+          </a:fontRef>
+        </p:style>
+      </p:cxnSp>
+      <p:sp>
+        <p:nvSpPr>
+          <p:cNvPr id="52" name="TextBox 51"/>
+          <p:cNvSpPr txBox="1"/>
+          <p:nvPr/>
+        </p:nvSpPr>
+        <p:spPr>
+          <a:xfrm>
+            <a:off x="2826580" y="2084119"/>
+            <a:ext cx="1259890" cy="369332"/>
+          </a:xfrm>
+          <a:prstGeom prst="rect">
+            <a:avLst/>
+          </a:prstGeom>
+          <a:noFill/>
+        </p:spPr>
+        <p:txBody>
+          <a:bodyPr wrap="square" rtlCol="0">
+            <a:spAutoFit/>
+          </a:bodyPr>
+          <a:lstStyle/>
+          <a:p>
+            <a:r>
+              <a:rPr lang="en-US" i="1" dirty="0" smtClean="0">
+                <a:solidFill>
+                  <a:schemeClr val="accent6">
+                    <a:lumMod val="75000"/>
+                  </a:schemeClr>
+                </a:solidFill>
+              </a:rPr>
+              <a:t>Thread 1 </a:t>
+            </a:r>
+            <a:endParaRPr lang="en-US" i="1" dirty="0">
+              <a:solidFill>
+                <a:schemeClr val="accent6">
+                  <a:lumMod val="75000"/>
+                </a:schemeClr>
+              </a:solidFill>
+            </a:endParaRPr>
+          </a:p>
+        </p:txBody>
+      </p:sp>
+      <p:sp>
+        <p:nvSpPr>
+          <p:cNvPr id="53" name="TextBox 52"/>
+          <p:cNvSpPr txBox="1"/>
+          <p:nvPr/>
+        </p:nvSpPr>
+        <p:spPr>
+          <a:xfrm>
+            <a:off x="5652421" y="2084119"/>
+            <a:ext cx="1259890" cy="369332"/>
+          </a:xfrm>
+          <a:prstGeom prst="rect">
+            <a:avLst/>
+          </a:prstGeom>
+          <a:noFill/>
+        </p:spPr>
+        <p:txBody>
+          <a:bodyPr wrap="square" rtlCol="0">
+            <a:spAutoFit/>
+          </a:bodyPr>
+          <a:lstStyle/>
+          <a:p>
+            <a:r>
+              <a:rPr lang="en-US" i="1" dirty="0">
+                <a:solidFill>
+                  <a:schemeClr val="accent6">
+                    <a:lumMod val="75000"/>
+                  </a:schemeClr>
+                </a:solidFill>
+              </a:rPr>
+              <a:t>Thread 2 </a:t>
+            </a:r>
+          </a:p>
+        </p:txBody>
+      </p:sp>
+      <p:sp>
+        <p:nvSpPr>
+          <p:cNvPr id="54" name="TextBox 53"/>
+          <p:cNvSpPr txBox="1"/>
+          <p:nvPr/>
+        </p:nvSpPr>
+        <p:spPr>
+          <a:xfrm>
+            <a:off x="4025435" y="1583778"/>
+            <a:ext cx="1259890" cy="400110"/>
+          </a:xfrm>
+          <a:prstGeom prst="rect">
+            <a:avLst/>
+          </a:prstGeom>
+          <a:noFill/>
+        </p:spPr>
+        <p:txBody>
+          <a:bodyPr wrap="square" rtlCol="0">
+            <a:spAutoFit/>
+          </a:bodyPr>
+          <a:lstStyle/>
+          <a:p>
+            <a:r>
+              <a:rPr lang="en-US" sz="2000" b="1" dirty="0" smtClean="0">
+                <a:solidFill>
+                  <a:schemeClr val="accent2">
+                    <a:lumMod val="75000"/>
+                  </a:schemeClr>
+                </a:solidFill>
+              </a:rPr>
+              <a:t>Offline</a:t>
+            </a:r>
+            <a:endParaRPr lang="en-US" sz="2000" b="1" dirty="0">
+              <a:solidFill>
+                <a:schemeClr val="accent2">
+                  <a:lumMod val="75000"/>
+                </a:schemeClr>
+              </a:solidFill>
+            </a:endParaRPr>
+          </a:p>
+        </p:txBody>
+      </p:sp>
+      <p:sp>
+        <p:nvSpPr>
+          <p:cNvPr id="55" name="TextBox 54"/>
+          <p:cNvSpPr txBox="1"/>
+          <p:nvPr/>
+        </p:nvSpPr>
+        <p:spPr>
+          <a:xfrm>
+            <a:off x="3989925" y="5317578"/>
+            <a:ext cx="1259890" cy="400110"/>
+          </a:xfrm>
+          <a:prstGeom prst="rect">
+            <a:avLst/>
+          </a:prstGeom>
+          <a:noFill/>
+        </p:spPr>
+        <p:txBody>
+          <a:bodyPr wrap="square" rtlCol="0">
+            <a:spAutoFit/>
+          </a:bodyPr>
+          <a:lstStyle/>
+          <a:p>
+            <a:r>
+              <a:rPr lang="en-US" sz="2000" b="1" dirty="0" smtClean="0">
+                <a:solidFill>
+                  <a:schemeClr val="accent2">
+                    <a:lumMod val="75000"/>
+                  </a:schemeClr>
+                </a:solidFill>
+              </a:rPr>
+              <a:t>Online</a:t>
+            </a:r>
+            <a:endParaRPr lang="en-US" sz="2000" b="1" dirty="0">
+              <a:solidFill>
+                <a:schemeClr val="accent2">
+                  <a:lumMod val="75000"/>
+                </a:schemeClr>
+              </a:solidFill>
+            </a:endParaRPr>
+          </a:p>
+        </p:txBody>
+      </p:sp>
+      <p:sp>
+        <p:nvSpPr>
+          <p:cNvPr id="56" name="Rounded Rectangle 55"/>
+          <p:cNvSpPr/>
+          <p:nvPr/>
+        </p:nvSpPr>
+        <p:spPr>
+          <a:xfrm>
+            <a:off x="1780125" y="1561411"/>
+            <a:ext cx="5334000" cy="1936917"/>
+          </a:xfrm>
+          <a:prstGeom prst="roundRect">
+            <a:avLst/>
+          </a:prstGeom>
+          <a:noFill/>
+          <a:ln>
+            <a:solidFill>
+              <a:schemeClr val="accent2"/>
+            </a:solidFill>
+          </a:ln>
+        </p:spPr>
+        <p:style>
+          <a:lnRef idx="2">
+            <a:schemeClr val="accent1">
+              <a:shade val="50000"/>
+            </a:schemeClr>
+          </a:lnRef>
+          <a:fillRef idx="1">
+            <a:schemeClr val="accent1"/>
+          </a:fillRef>
+          <a:effectRef idx="0">
+            <a:schemeClr val="accent1"/>
+          </a:effectRef>
+          <a:fontRef idx="minor">
+            <a:schemeClr val="lt1"/>
+          </a:fontRef>
+        </p:style>
+        <p:txBody>
+          <a:bodyPr rtlCol="0" anchor="ctr"/>
+          <a:lstStyle>
+            <a:defPPr>
+              <a:defRPr lang="en-US"/>
+            </a:defPPr>
+            <a:lvl1pPr marL="0" algn="l" defTabSz="3291279" rtl="0" eaLnBrk="1" latinLnBrk="0" hangingPunct="1">
+              <a:defRPr sz="6400" kern="1200">
+                <a:solidFill>
+                  <a:schemeClr val="lt1"/>
+                </a:solidFill>
+                <a:latin typeface="+mn-lt"/>
+                <a:ea typeface="+mn-ea"/>
+                <a:cs typeface="+mn-cs"/>
+              </a:defRPr>
+            </a:lvl1pPr>
+            <a:lvl2pPr marL="1645640" algn="l" defTabSz="3291279" rtl="0" eaLnBrk="1" latinLnBrk="0" hangingPunct="1">
+              <a:defRPr sz="6400" kern="1200">
+                <a:solidFill>
+                  <a:schemeClr val="lt1"/>
+                </a:solidFill>
+                <a:latin typeface="+mn-lt"/>
+                <a:ea typeface="+mn-ea"/>
+                <a:cs typeface="+mn-cs"/>
+              </a:defRPr>
+            </a:lvl2pPr>
+            <a:lvl3pPr marL="3291279" algn="l" defTabSz="3291279" rtl="0" eaLnBrk="1" latinLnBrk="0" hangingPunct="1">
+              <a:defRPr sz="6400" kern="1200">
+                <a:solidFill>
+                  <a:schemeClr val="lt1"/>
+                </a:solidFill>
+                <a:latin typeface="+mn-lt"/>
+                <a:ea typeface="+mn-ea"/>
+                <a:cs typeface="+mn-cs"/>
+              </a:defRPr>
+            </a:lvl3pPr>
+            <a:lvl4pPr marL="4936919" algn="l" defTabSz="3291279" rtl="0" eaLnBrk="1" latinLnBrk="0" hangingPunct="1">
+              <a:defRPr sz="6400" kern="1200">
+                <a:solidFill>
+                  <a:schemeClr val="lt1"/>
+                </a:solidFill>
+                <a:latin typeface="+mn-lt"/>
+                <a:ea typeface="+mn-ea"/>
+                <a:cs typeface="+mn-cs"/>
+              </a:defRPr>
+            </a:lvl4pPr>
+            <a:lvl5pPr marL="6582559" algn="l" defTabSz="3291279" rtl="0" eaLnBrk="1" latinLnBrk="0" hangingPunct="1">
+              <a:defRPr sz="6400" kern="1200">
+                <a:solidFill>
+                  <a:schemeClr val="lt1"/>
+                </a:solidFill>
+                <a:latin typeface="+mn-lt"/>
+                <a:ea typeface="+mn-ea"/>
+                <a:cs typeface="+mn-cs"/>
+              </a:defRPr>
+            </a:lvl5pPr>
+            <a:lvl6pPr marL="8228198" algn="l" defTabSz="3291279" rtl="0" eaLnBrk="1" latinLnBrk="0" hangingPunct="1">
+              <a:defRPr sz="6400" kern="1200">
+                <a:solidFill>
+                  <a:schemeClr val="lt1"/>
+                </a:solidFill>
+                <a:latin typeface="+mn-lt"/>
+                <a:ea typeface="+mn-ea"/>
+                <a:cs typeface="+mn-cs"/>
+              </a:defRPr>
+            </a:lvl6pPr>
+            <a:lvl7pPr marL="9873837" algn="l" defTabSz="3291279" rtl="0" eaLnBrk="1" latinLnBrk="0" hangingPunct="1">
+              <a:defRPr sz="6400" kern="1200">
+                <a:solidFill>
+                  <a:schemeClr val="lt1"/>
+                </a:solidFill>
+                <a:latin typeface="+mn-lt"/>
+                <a:ea typeface="+mn-ea"/>
+                <a:cs typeface="+mn-cs"/>
+              </a:defRPr>
+            </a:lvl7pPr>
+            <a:lvl8pPr marL="11519478" algn="l" defTabSz="3291279" rtl="0" eaLnBrk="1" latinLnBrk="0" hangingPunct="1">
+              <a:defRPr sz="6400" kern="1200">
+                <a:solidFill>
+                  <a:schemeClr val="lt1"/>
+                </a:solidFill>
+                <a:latin typeface="+mn-lt"/>
+                <a:ea typeface="+mn-ea"/>
+                <a:cs typeface="+mn-cs"/>
+              </a:defRPr>
+            </a:lvl8pPr>
+            <a:lvl9pPr marL="13165118" algn="l" defTabSz="3291279" rtl="0" eaLnBrk="1" latinLnBrk="0" hangingPunct="1">
+              <a:defRPr sz="6400" kern="1200">
+                <a:solidFill>
+                  <a:schemeClr val="lt1"/>
+                </a:solidFill>
+                <a:latin typeface="+mn-lt"/>
+                <a:ea typeface="+mn-ea"/>
+                <a:cs typeface="+mn-cs"/>
+              </a:defRPr>
+            </a:lvl9pPr>
+          </a:lstStyle>
+          <a:p>
+            <a:pPr algn="ctr"/>
+            <a:endParaRPr lang="en-US" sz="1800"/>
+          </a:p>
+        </p:txBody>
+      </p:sp>
+      <p:sp>
+        <p:nvSpPr>
+          <p:cNvPr id="59" name="Rounded Rectangle 58"/>
+          <p:cNvSpPr/>
+          <p:nvPr/>
+        </p:nvSpPr>
+        <p:spPr>
+          <a:xfrm>
+            <a:off x="1780126" y="3988696"/>
+            <a:ext cx="5334000" cy="1936917"/>
+          </a:xfrm>
+          <a:prstGeom prst="roundRect">
+            <a:avLst/>
+          </a:prstGeom>
+          <a:noFill/>
+          <a:ln>
+            <a:solidFill>
+              <a:schemeClr val="accent2"/>
+            </a:solidFill>
+          </a:ln>
+        </p:spPr>
+        <p:style>
+          <a:lnRef idx="2">
+            <a:schemeClr val="accent1">
+              <a:shade val="50000"/>
+            </a:schemeClr>
+          </a:lnRef>
+          <a:fillRef idx="1">
+            <a:schemeClr val="accent1"/>
+          </a:fillRef>
+          <a:effectRef idx="0">
+            <a:schemeClr val="accent1"/>
+          </a:effectRef>
+          <a:fontRef idx="minor">
+            <a:schemeClr val="lt1"/>
+          </a:fontRef>
+        </p:style>
+        <p:txBody>
+          <a:bodyPr rtlCol="0" anchor="ctr"/>
+          <a:lstStyle>
+            <a:defPPr>
+              <a:defRPr lang="en-US"/>
+            </a:defPPr>
+            <a:lvl1pPr marL="0" algn="l" defTabSz="3291279" rtl="0" eaLnBrk="1" latinLnBrk="0" hangingPunct="1">
+              <a:defRPr sz="6400" kern="1200">
+                <a:solidFill>
+                  <a:schemeClr val="lt1"/>
+                </a:solidFill>
+                <a:latin typeface="+mn-lt"/>
+                <a:ea typeface="+mn-ea"/>
+                <a:cs typeface="+mn-cs"/>
+              </a:defRPr>
+            </a:lvl1pPr>
+            <a:lvl2pPr marL="1645640" algn="l" defTabSz="3291279" rtl="0" eaLnBrk="1" latinLnBrk="0" hangingPunct="1">
+              <a:defRPr sz="6400" kern="1200">
+                <a:solidFill>
+                  <a:schemeClr val="lt1"/>
+                </a:solidFill>
+                <a:latin typeface="+mn-lt"/>
+                <a:ea typeface="+mn-ea"/>
+                <a:cs typeface="+mn-cs"/>
+              </a:defRPr>
+            </a:lvl2pPr>
+            <a:lvl3pPr marL="3291279" algn="l" defTabSz="3291279" rtl="0" eaLnBrk="1" latinLnBrk="0" hangingPunct="1">
+              <a:defRPr sz="6400" kern="1200">
+                <a:solidFill>
+                  <a:schemeClr val="lt1"/>
+                </a:solidFill>
+                <a:latin typeface="+mn-lt"/>
+                <a:ea typeface="+mn-ea"/>
+                <a:cs typeface="+mn-cs"/>
+              </a:defRPr>
+            </a:lvl3pPr>
+            <a:lvl4pPr marL="4936919" algn="l" defTabSz="3291279" rtl="0" eaLnBrk="1" latinLnBrk="0" hangingPunct="1">
+              <a:defRPr sz="6400" kern="1200">
+                <a:solidFill>
+                  <a:schemeClr val="lt1"/>
+                </a:solidFill>
+                <a:latin typeface="+mn-lt"/>
+                <a:ea typeface="+mn-ea"/>
+                <a:cs typeface="+mn-cs"/>
+              </a:defRPr>
+            </a:lvl4pPr>
+            <a:lvl5pPr marL="6582559" algn="l" defTabSz="3291279" rtl="0" eaLnBrk="1" latinLnBrk="0" hangingPunct="1">
+              <a:defRPr sz="6400" kern="1200">
+                <a:solidFill>
+                  <a:schemeClr val="lt1"/>
+                </a:solidFill>
+                <a:latin typeface="+mn-lt"/>
+                <a:ea typeface="+mn-ea"/>
+                <a:cs typeface="+mn-cs"/>
+              </a:defRPr>
+            </a:lvl5pPr>
+            <a:lvl6pPr marL="8228198" algn="l" defTabSz="3291279" rtl="0" eaLnBrk="1" latinLnBrk="0" hangingPunct="1">
+              <a:defRPr sz="6400" kern="1200">
+                <a:solidFill>
+                  <a:schemeClr val="lt1"/>
+                </a:solidFill>
+                <a:latin typeface="+mn-lt"/>
+                <a:ea typeface="+mn-ea"/>
+                <a:cs typeface="+mn-cs"/>
+              </a:defRPr>
+            </a:lvl6pPr>
+            <a:lvl7pPr marL="9873837" algn="l" defTabSz="3291279" rtl="0" eaLnBrk="1" latinLnBrk="0" hangingPunct="1">
+              <a:defRPr sz="6400" kern="1200">
+                <a:solidFill>
+                  <a:schemeClr val="lt1"/>
+                </a:solidFill>
+                <a:latin typeface="+mn-lt"/>
+                <a:ea typeface="+mn-ea"/>
+                <a:cs typeface="+mn-cs"/>
+              </a:defRPr>
+            </a:lvl7pPr>
+            <a:lvl8pPr marL="11519478" algn="l" defTabSz="3291279" rtl="0" eaLnBrk="1" latinLnBrk="0" hangingPunct="1">
+              <a:defRPr sz="6400" kern="1200">
+                <a:solidFill>
+                  <a:schemeClr val="lt1"/>
+                </a:solidFill>
+                <a:latin typeface="+mn-lt"/>
+                <a:ea typeface="+mn-ea"/>
+                <a:cs typeface="+mn-cs"/>
+              </a:defRPr>
+            </a:lvl8pPr>
+            <a:lvl9pPr marL="13165118" algn="l" defTabSz="3291279" rtl="0" eaLnBrk="1" latinLnBrk="0" hangingPunct="1">
+              <a:defRPr sz="6400" kern="1200">
+                <a:solidFill>
+                  <a:schemeClr val="lt1"/>
+                </a:solidFill>
+                <a:latin typeface="+mn-lt"/>
+                <a:ea typeface="+mn-ea"/>
+                <a:cs typeface="+mn-cs"/>
+              </a:defRPr>
+            </a:lvl9pPr>
+          </a:lstStyle>
+          <a:p>
+            <a:pPr algn="ctr"/>
+            <a:endParaRPr lang="en-US" sz="1800"/>
+          </a:p>
+        </p:txBody>
+      </p:sp>
+      <p:sp>
+        <p:nvSpPr>
+          <p:cNvPr id="3" name="Slide Number Placeholder 2"/>
+          <p:cNvSpPr>
+            <a:spLocks noGrp="1"/>
+          </p:cNvSpPr>
+          <p:nvPr>
+            <p:ph type="sldNum" sz="quarter" idx="12"/>
+          </p:nvPr>
+        </p:nvSpPr>
+        <p:spPr/>
+        <p:txBody>
+          <a:bodyPr/>
+          <a:lstStyle/>
+          <a:p>
+            <a:fld id="{0E0E5D40-17DD-4190-869C-D3EB7431A77E}" type="slidenum">
+              <a:rPr lang="en-US" smtClean="0"/>
+              <a:t>13</a:t>
+            </a:fld>
+            <a:endParaRPr lang="en-US"/>
+          </a:p>
+        </p:txBody>
+      </p:sp>
+      <p:sp>
+        <p:nvSpPr>
+          <p:cNvPr id="5" name="Footer Placeholder 4"/>
+          <p:cNvSpPr>
+            <a:spLocks noGrp="1"/>
+          </p:cNvSpPr>
+          <p:nvPr>
+            <p:ph type="ftr" sz="quarter" idx="11"/>
+          </p:nvPr>
+        </p:nvSpPr>
+        <p:spPr/>
+        <p:txBody>
+          <a:bodyPr/>
+          <a:lstStyle/>
+          <a:p>
+            <a:endParaRPr lang="en-US"/>
+          </a:p>
+        </p:txBody>
+      </p:sp>
+    </p:spTree>
+    <p:extLst>
+      <p:ext uri="{BB962C8B-B14F-4D97-AF65-F5344CB8AC3E}">
+        <p14:creationId xmlns:p14="http://schemas.microsoft.com/office/powerpoint/2010/main" val="528962051"/>
+      </p:ext>
+    </p:extLst>
+  </p:cSld>
+  <p:clrMapOvr>
+    <a:masterClrMapping/>
+  </p:clrMapOvr>
+  <p:timing>
+    <p:tnLst>
+      <p:par>
+        <p:cTn id="1" dur="indefinite" restart="never" nodeType="tmRoot"/>
+      </p:par>
+    </p:tnLst>
+  </p:timing>
+</p:sld>
+</file>
+
+<file path=ppt/slides/slide14.xml><?xml version="1.0" encoding="utf-8"?>
+<p:sld xmlns:a="http://schemas.openxmlformats.org/drawingml/2006/main" xmlns:r="http://schemas.openxmlformats.org/officeDocument/2006/relationships" xmlns:p="http://schemas.openxmlformats.org/presentationml/2006/main">
+  <p:cSld>
+    <p:spTree>
+      <p:nvGrpSpPr>
+        <p:cNvPr id="1" name=""/>
+        <p:cNvGrpSpPr/>
+        <p:nvPr/>
+      </p:nvGrpSpPr>
+      <p:grpSpPr>
+        <a:xfrm>
+          <a:off x="0" y="0"/>
+          <a:ext cx="0" cy="0"/>
+          <a:chOff x="0" y="0"/>
+          <a:chExt cx="0" cy="0"/>
+        </a:xfrm>
+      </p:grpSpPr>
+      <p:sp>
+        <p:nvSpPr>
+          <p:cNvPr id="2" name="Title 1"/>
+          <p:cNvSpPr>
+            <a:spLocks noGrp="1"/>
+          </p:cNvSpPr>
+          <p:nvPr>
+            <p:ph type="title"/>
+          </p:nvPr>
+        </p:nvSpPr>
+        <p:spPr/>
+        <p:txBody>
+          <a:bodyPr/>
+          <a:lstStyle/>
+          <a:p>
+            <a:r>
+              <a:rPr lang="en-US" sz="3600" dirty="0" smtClean="0"/>
+              <a:t>Experiment on real-time system</a:t>
+            </a:r>
+            <a:endParaRPr lang="en-US" sz="3600" dirty="0"/>
+          </a:p>
+        </p:txBody>
+      </p:sp>
+      <p:sp>
+        <p:nvSpPr>
+          <p:cNvPr id="3" name="Content Placeholder 2"/>
+          <p:cNvSpPr>
+            <a:spLocks noGrp="1"/>
+          </p:cNvSpPr>
+          <p:nvPr>
+            <p:ph idx="1"/>
+          </p:nvPr>
+        </p:nvSpPr>
+        <p:spPr>
+          <a:xfrm>
+            <a:off x="421224" y="1535804"/>
+            <a:ext cx="7620000" cy="4800600"/>
+          </a:xfrm>
+        </p:spPr>
+        <p:txBody>
+          <a:bodyPr/>
+          <a:lstStyle/>
+          <a:p>
+            <a:r>
+              <a:rPr lang="en-US" dirty="0" smtClean="0"/>
+              <a:t>Data is fed to the system every 1s</a:t>
+            </a:r>
+          </a:p>
+          <a:p>
+            <a:r>
+              <a:rPr lang="en-US" dirty="0" smtClean="0"/>
+              <a:t>Diarization result is generated (and visualized) for every 1s</a:t>
+            </a:r>
+          </a:p>
+          <a:p>
+            <a:endParaRPr lang="en-US" dirty="0" smtClean="0"/>
+          </a:p>
+          <a:p>
+            <a:endParaRPr lang="en-US" dirty="0"/>
+          </a:p>
+          <a:p>
+            <a:endParaRPr lang="en-US" dirty="0" smtClean="0"/>
+          </a:p>
+          <a:p>
+            <a:endParaRPr lang="en-US" dirty="0"/>
+          </a:p>
+          <a:p>
+            <a:endParaRPr lang="en-US" dirty="0" smtClean="0"/>
+          </a:p>
+          <a:p>
+            <a:endParaRPr lang="en-US" dirty="0"/>
+          </a:p>
+          <a:p>
+            <a:r>
+              <a:rPr lang="en-US" dirty="0" smtClean="0"/>
+              <a:t>At time t, the system can only access the data of the audio up to time t and is required to generate diarization result within 1s </a:t>
+            </a:r>
+          </a:p>
+          <a:p>
+            <a:pPr marL="114300" indent="0">
+              <a:buNone/>
+            </a:pPr>
+            <a:endParaRPr lang="en-US" b="1" dirty="0"/>
+          </a:p>
+        </p:txBody>
+      </p:sp>
+      <p:sp>
+        <p:nvSpPr>
+          <p:cNvPr id="4" name="Footer Placeholder 3"/>
+          <p:cNvSpPr>
+            <a:spLocks noGrp="1"/>
+          </p:cNvSpPr>
+          <p:nvPr>
+            <p:ph type="ftr" sz="quarter" idx="11"/>
+          </p:nvPr>
+        </p:nvSpPr>
+        <p:spPr/>
+        <p:txBody>
+          <a:bodyPr/>
+          <a:lstStyle/>
+          <a:p>
+            <a:endParaRPr lang="en-US"/>
+          </a:p>
+        </p:txBody>
+      </p:sp>
+      <p:sp>
+        <p:nvSpPr>
+          <p:cNvPr id="5" name="Slide Number Placeholder 4"/>
+          <p:cNvSpPr>
+            <a:spLocks noGrp="1"/>
+          </p:cNvSpPr>
+          <p:nvPr>
+            <p:ph type="sldNum" sz="quarter" idx="12"/>
+          </p:nvPr>
+        </p:nvSpPr>
+        <p:spPr/>
+        <p:txBody>
+          <a:bodyPr/>
+          <a:lstStyle/>
+          <a:p>
+            <a:fld id="{0E0E5D40-17DD-4190-869C-D3EB7431A77E}" type="slidenum">
+              <a:rPr lang="en-US" smtClean="0"/>
+              <a:t>14</a:t>
+            </a:fld>
+            <a:endParaRPr lang="en-US"/>
+          </a:p>
+        </p:txBody>
+      </p:sp>
+      <p:sp>
+        <p:nvSpPr>
+          <p:cNvPr id="6" name="Rectangle 5"/>
+          <p:cNvSpPr/>
+          <p:nvPr/>
+        </p:nvSpPr>
+        <p:spPr>
+          <a:xfrm>
+            <a:off x="2468760" y="3285296"/>
+            <a:ext cx="1012054" cy="861807"/>
+          </a:xfrm>
+          <a:prstGeom prst="rect">
+            <a:avLst/>
+          </a:prstGeom>
+          <a:noFill/>
+          <a:ln w="12700">
+            <a:solidFill>
+              <a:schemeClr val="tx1"/>
+            </a:solidFill>
+          </a:ln>
+        </p:spPr>
+        <p:style>
+          <a:lnRef idx="2">
+            <a:schemeClr val="accent1">
+              <a:shade val="50000"/>
+            </a:schemeClr>
+          </a:lnRef>
+          <a:fillRef idx="1">
+            <a:schemeClr val="accent1"/>
+          </a:fillRef>
+          <a:effectRef idx="0">
+            <a:schemeClr val="accent1"/>
+          </a:effectRef>
+          <a:fontRef idx="minor">
+            <a:schemeClr val="lt1"/>
+          </a:fontRef>
+        </p:style>
+        <p:txBody>
+          <a:bodyPr rtlCol="0" anchor="ctr"/>
+          <a:lstStyle>
+            <a:defPPr>
+              <a:defRPr lang="en-US"/>
+            </a:defPPr>
+            <a:lvl1pPr marL="0" algn="l" defTabSz="3291279" rtl="0" eaLnBrk="1" latinLnBrk="0" hangingPunct="1">
+              <a:defRPr sz="6400" kern="1200">
+                <a:solidFill>
+                  <a:schemeClr val="lt1"/>
+                </a:solidFill>
+                <a:latin typeface="+mn-lt"/>
+                <a:ea typeface="+mn-ea"/>
+                <a:cs typeface="+mn-cs"/>
+              </a:defRPr>
+            </a:lvl1pPr>
+            <a:lvl2pPr marL="1645640" algn="l" defTabSz="3291279" rtl="0" eaLnBrk="1" latinLnBrk="0" hangingPunct="1">
+              <a:defRPr sz="6400" kern="1200">
+                <a:solidFill>
+                  <a:schemeClr val="lt1"/>
+                </a:solidFill>
+                <a:latin typeface="+mn-lt"/>
+                <a:ea typeface="+mn-ea"/>
+                <a:cs typeface="+mn-cs"/>
+              </a:defRPr>
+            </a:lvl2pPr>
+            <a:lvl3pPr marL="3291279" algn="l" defTabSz="3291279" rtl="0" eaLnBrk="1" latinLnBrk="0" hangingPunct="1">
+              <a:defRPr sz="6400" kern="1200">
+                <a:solidFill>
+                  <a:schemeClr val="lt1"/>
+                </a:solidFill>
+                <a:latin typeface="+mn-lt"/>
+                <a:ea typeface="+mn-ea"/>
+                <a:cs typeface="+mn-cs"/>
+              </a:defRPr>
+            </a:lvl3pPr>
+            <a:lvl4pPr marL="4936919" algn="l" defTabSz="3291279" rtl="0" eaLnBrk="1" latinLnBrk="0" hangingPunct="1">
+              <a:defRPr sz="6400" kern="1200">
+                <a:solidFill>
+                  <a:schemeClr val="lt1"/>
+                </a:solidFill>
+                <a:latin typeface="+mn-lt"/>
+                <a:ea typeface="+mn-ea"/>
+                <a:cs typeface="+mn-cs"/>
+              </a:defRPr>
+            </a:lvl4pPr>
+            <a:lvl5pPr marL="6582559" algn="l" defTabSz="3291279" rtl="0" eaLnBrk="1" latinLnBrk="0" hangingPunct="1">
+              <a:defRPr sz="6400" kern="1200">
+                <a:solidFill>
+                  <a:schemeClr val="lt1"/>
+                </a:solidFill>
+                <a:latin typeface="+mn-lt"/>
+                <a:ea typeface="+mn-ea"/>
+                <a:cs typeface="+mn-cs"/>
+              </a:defRPr>
+            </a:lvl5pPr>
+            <a:lvl6pPr marL="8228198" algn="l" defTabSz="3291279" rtl="0" eaLnBrk="1" latinLnBrk="0" hangingPunct="1">
+              <a:defRPr sz="6400" kern="1200">
+                <a:solidFill>
+                  <a:schemeClr val="lt1"/>
+                </a:solidFill>
+                <a:latin typeface="+mn-lt"/>
+                <a:ea typeface="+mn-ea"/>
+                <a:cs typeface="+mn-cs"/>
+              </a:defRPr>
+            </a:lvl6pPr>
+            <a:lvl7pPr marL="9873837" algn="l" defTabSz="3291279" rtl="0" eaLnBrk="1" latinLnBrk="0" hangingPunct="1">
+              <a:defRPr sz="6400" kern="1200">
+                <a:solidFill>
+                  <a:schemeClr val="lt1"/>
+                </a:solidFill>
+                <a:latin typeface="+mn-lt"/>
+                <a:ea typeface="+mn-ea"/>
+                <a:cs typeface="+mn-cs"/>
+              </a:defRPr>
+            </a:lvl7pPr>
+            <a:lvl8pPr marL="11519478" algn="l" defTabSz="3291279" rtl="0" eaLnBrk="1" latinLnBrk="0" hangingPunct="1">
+              <a:defRPr sz="6400" kern="1200">
+                <a:solidFill>
+                  <a:schemeClr val="lt1"/>
+                </a:solidFill>
+                <a:latin typeface="+mn-lt"/>
+                <a:ea typeface="+mn-ea"/>
+                <a:cs typeface="+mn-cs"/>
+              </a:defRPr>
+            </a:lvl8pPr>
+            <a:lvl9pPr marL="13165118" algn="l" defTabSz="3291279" rtl="0" eaLnBrk="1" latinLnBrk="0" hangingPunct="1">
+              <a:defRPr sz="6400" kern="1200">
+                <a:solidFill>
+                  <a:schemeClr val="lt1"/>
+                </a:solidFill>
+                <a:latin typeface="+mn-lt"/>
+                <a:ea typeface="+mn-ea"/>
+                <a:cs typeface="+mn-cs"/>
+              </a:defRPr>
+            </a:lvl9pPr>
+          </a:lstStyle>
+          <a:p>
+            <a:pPr algn="ctr"/>
+            <a:r>
+              <a:rPr lang="en-US" sz="1800" dirty="0" smtClean="0">
+                <a:solidFill>
+                  <a:schemeClr val="tx1"/>
+                </a:solidFill>
+              </a:rPr>
+              <a:t>1s Data</a:t>
+            </a:r>
+            <a:endParaRPr lang="en-US" sz="1800" dirty="0">
+              <a:solidFill>
+                <a:schemeClr val="tx1"/>
+              </a:solidFill>
+            </a:endParaRPr>
+          </a:p>
+        </p:txBody>
+      </p:sp>
+      <p:sp>
+        <p:nvSpPr>
+          <p:cNvPr id="7" name="Rectangle 6"/>
+          <p:cNvSpPr/>
+          <p:nvPr/>
+        </p:nvSpPr>
+        <p:spPr>
+          <a:xfrm>
+            <a:off x="3997198" y="3285295"/>
+            <a:ext cx="1676400" cy="861807"/>
+          </a:xfrm>
+          <a:prstGeom prst="rect">
+            <a:avLst/>
+          </a:prstGeom>
+          <a:noFill/>
+          <a:ln w="12700">
+            <a:solidFill>
+              <a:schemeClr val="tx1"/>
+            </a:solidFill>
+          </a:ln>
+        </p:spPr>
+        <p:style>
+          <a:lnRef idx="2">
+            <a:schemeClr val="accent1">
+              <a:shade val="50000"/>
+            </a:schemeClr>
+          </a:lnRef>
+          <a:fillRef idx="1">
+            <a:schemeClr val="accent1"/>
+          </a:fillRef>
+          <a:effectRef idx="0">
+            <a:schemeClr val="accent1"/>
+          </a:effectRef>
+          <a:fontRef idx="minor">
+            <a:schemeClr val="lt1"/>
+          </a:fontRef>
+        </p:style>
+        <p:txBody>
+          <a:bodyPr rtlCol="0" anchor="ctr"/>
+          <a:lstStyle>
+            <a:defPPr>
+              <a:defRPr lang="en-US"/>
+            </a:defPPr>
+            <a:lvl1pPr marL="0" algn="l" defTabSz="3291279" rtl="0" eaLnBrk="1" latinLnBrk="0" hangingPunct="1">
+              <a:defRPr sz="6400" kern="1200">
+                <a:solidFill>
+                  <a:schemeClr val="lt1"/>
+                </a:solidFill>
+                <a:latin typeface="+mn-lt"/>
+                <a:ea typeface="+mn-ea"/>
+                <a:cs typeface="+mn-cs"/>
+              </a:defRPr>
+            </a:lvl1pPr>
+            <a:lvl2pPr marL="1645640" algn="l" defTabSz="3291279" rtl="0" eaLnBrk="1" latinLnBrk="0" hangingPunct="1">
+              <a:defRPr sz="6400" kern="1200">
+                <a:solidFill>
+                  <a:schemeClr val="lt1"/>
+                </a:solidFill>
+                <a:latin typeface="+mn-lt"/>
+                <a:ea typeface="+mn-ea"/>
+                <a:cs typeface="+mn-cs"/>
+              </a:defRPr>
+            </a:lvl2pPr>
+            <a:lvl3pPr marL="3291279" algn="l" defTabSz="3291279" rtl="0" eaLnBrk="1" latinLnBrk="0" hangingPunct="1">
+              <a:defRPr sz="6400" kern="1200">
+                <a:solidFill>
+                  <a:schemeClr val="lt1"/>
+                </a:solidFill>
+                <a:latin typeface="+mn-lt"/>
+                <a:ea typeface="+mn-ea"/>
+                <a:cs typeface="+mn-cs"/>
+              </a:defRPr>
+            </a:lvl3pPr>
+            <a:lvl4pPr marL="4936919" algn="l" defTabSz="3291279" rtl="0" eaLnBrk="1" latinLnBrk="0" hangingPunct="1">
+              <a:defRPr sz="6400" kern="1200">
+                <a:solidFill>
+                  <a:schemeClr val="lt1"/>
+                </a:solidFill>
+                <a:latin typeface="+mn-lt"/>
+                <a:ea typeface="+mn-ea"/>
+                <a:cs typeface="+mn-cs"/>
+              </a:defRPr>
+            </a:lvl4pPr>
+            <a:lvl5pPr marL="6582559" algn="l" defTabSz="3291279" rtl="0" eaLnBrk="1" latinLnBrk="0" hangingPunct="1">
+              <a:defRPr sz="6400" kern="1200">
+                <a:solidFill>
+                  <a:schemeClr val="lt1"/>
+                </a:solidFill>
+                <a:latin typeface="+mn-lt"/>
+                <a:ea typeface="+mn-ea"/>
+                <a:cs typeface="+mn-cs"/>
+              </a:defRPr>
+            </a:lvl5pPr>
+            <a:lvl6pPr marL="8228198" algn="l" defTabSz="3291279" rtl="0" eaLnBrk="1" latinLnBrk="0" hangingPunct="1">
+              <a:defRPr sz="6400" kern="1200">
+                <a:solidFill>
+                  <a:schemeClr val="lt1"/>
+                </a:solidFill>
+                <a:latin typeface="+mn-lt"/>
+                <a:ea typeface="+mn-ea"/>
+                <a:cs typeface="+mn-cs"/>
+              </a:defRPr>
+            </a:lvl6pPr>
+            <a:lvl7pPr marL="9873837" algn="l" defTabSz="3291279" rtl="0" eaLnBrk="1" latinLnBrk="0" hangingPunct="1">
+              <a:defRPr sz="6400" kern="1200">
+                <a:solidFill>
+                  <a:schemeClr val="lt1"/>
+                </a:solidFill>
+                <a:latin typeface="+mn-lt"/>
+                <a:ea typeface="+mn-ea"/>
+                <a:cs typeface="+mn-cs"/>
+              </a:defRPr>
+            </a:lvl7pPr>
+            <a:lvl8pPr marL="11519478" algn="l" defTabSz="3291279" rtl="0" eaLnBrk="1" latinLnBrk="0" hangingPunct="1">
+              <a:defRPr sz="6400" kern="1200">
+                <a:solidFill>
+                  <a:schemeClr val="lt1"/>
+                </a:solidFill>
+                <a:latin typeface="+mn-lt"/>
+                <a:ea typeface="+mn-ea"/>
+                <a:cs typeface="+mn-cs"/>
+              </a:defRPr>
+            </a:lvl8pPr>
+            <a:lvl9pPr marL="13165118" algn="l" defTabSz="3291279" rtl="0" eaLnBrk="1" latinLnBrk="0" hangingPunct="1">
+              <a:defRPr sz="6400" kern="1200">
+                <a:solidFill>
+                  <a:schemeClr val="lt1"/>
+                </a:solidFill>
+                <a:latin typeface="+mn-lt"/>
+                <a:ea typeface="+mn-ea"/>
+                <a:cs typeface="+mn-cs"/>
+              </a:defRPr>
+            </a:lvl9pPr>
+          </a:lstStyle>
+          <a:p>
+            <a:pPr algn="ctr"/>
+            <a:r>
+              <a:rPr lang="en-US" sz="1800" dirty="0" smtClean="0">
+                <a:solidFill>
+                  <a:schemeClr val="tx1"/>
+                </a:solidFill>
+              </a:rPr>
+              <a:t>Diarization system</a:t>
+            </a:r>
+            <a:endParaRPr lang="en-US" sz="1800" dirty="0">
+              <a:solidFill>
+                <a:schemeClr val="tx1"/>
+              </a:solidFill>
+            </a:endParaRPr>
+          </a:p>
+        </p:txBody>
+      </p:sp>
+      <p:sp>
+        <p:nvSpPr>
+          <p:cNvPr id="8" name="Rectangle 7"/>
+          <p:cNvSpPr/>
+          <p:nvPr/>
+        </p:nvSpPr>
+        <p:spPr>
+          <a:xfrm>
+            <a:off x="6197229" y="3285294"/>
+            <a:ext cx="1100831" cy="861807"/>
+          </a:xfrm>
+          <a:prstGeom prst="rect">
+            <a:avLst/>
+          </a:prstGeom>
+          <a:noFill/>
+          <a:ln w="12700">
+            <a:solidFill>
+              <a:schemeClr val="tx1"/>
+            </a:solidFill>
+          </a:ln>
+        </p:spPr>
+        <p:style>
+          <a:lnRef idx="2">
+            <a:schemeClr val="accent1">
+              <a:shade val="50000"/>
+            </a:schemeClr>
+          </a:lnRef>
+          <a:fillRef idx="1">
+            <a:schemeClr val="accent1"/>
+          </a:fillRef>
+          <a:effectRef idx="0">
+            <a:schemeClr val="accent1"/>
+          </a:effectRef>
+          <a:fontRef idx="minor">
+            <a:schemeClr val="lt1"/>
+          </a:fontRef>
+        </p:style>
+        <p:txBody>
+          <a:bodyPr rtlCol="0" anchor="ctr"/>
+          <a:lstStyle>
+            <a:defPPr>
+              <a:defRPr lang="en-US"/>
+            </a:defPPr>
+            <a:lvl1pPr marL="0" algn="l" defTabSz="3291279" rtl="0" eaLnBrk="1" latinLnBrk="0" hangingPunct="1">
+              <a:defRPr sz="6400" kern="1200">
+                <a:solidFill>
+                  <a:schemeClr val="lt1"/>
+                </a:solidFill>
+                <a:latin typeface="+mn-lt"/>
+                <a:ea typeface="+mn-ea"/>
+                <a:cs typeface="+mn-cs"/>
+              </a:defRPr>
+            </a:lvl1pPr>
+            <a:lvl2pPr marL="1645640" algn="l" defTabSz="3291279" rtl="0" eaLnBrk="1" latinLnBrk="0" hangingPunct="1">
+              <a:defRPr sz="6400" kern="1200">
+                <a:solidFill>
+                  <a:schemeClr val="lt1"/>
+                </a:solidFill>
+                <a:latin typeface="+mn-lt"/>
+                <a:ea typeface="+mn-ea"/>
+                <a:cs typeface="+mn-cs"/>
+              </a:defRPr>
+            </a:lvl2pPr>
+            <a:lvl3pPr marL="3291279" algn="l" defTabSz="3291279" rtl="0" eaLnBrk="1" latinLnBrk="0" hangingPunct="1">
+              <a:defRPr sz="6400" kern="1200">
+                <a:solidFill>
+                  <a:schemeClr val="lt1"/>
+                </a:solidFill>
+                <a:latin typeface="+mn-lt"/>
+                <a:ea typeface="+mn-ea"/>
+                <a:cs typeface="+mn-cs"/>
+              </a:defRPr>
+            </a:lvl3pPr>
+            <a:lvl4pPr marL="4936919" algn="l" defTabSz="3291279" rtl="0" eaLnBrk="1" latinLnBrk="0" hangingPunct="1">
+              <a:defRPr sz="6400" kern="1200">
+                <a:solidFill>
+                  <a:schemeClr val="lt1"/>
+                </a:solidFill>
+                <a:latin typeface="+mn-lt"/>
+                <a:ea typeface="+mn-ea"/>
+                <a:cs typeface="+mn-cs"/>
+              </a:defRPr>
+            </a:lvl4pPr>
+            <a:lvl5pPr marL="6582559" algn="l" defTabSz="3291279" rtl="0" eaLnBrk="1" latinLnBrk="0" hangingPunct="1">
+              <a:defRPr sz="6400" kern="1200">
+                <a:solidFill>
+                  <a:schemeClr val="lt1"/>
+                </a:solidFill>
+                <a:latin typeface="+mn-lt"/>
+                <a:ea typeface="+mn-ea"/>
+                <a:cs typeface="+mn-cs"/>
+              </a:defRPr>
+            </a:lvl5pPr>
+            <a:lvl6pPr marL="8228198" algn="l" defTabSz="3291279" rtl="0" eaLnBrk="1" latinLnBrk="0" hangingPunct="1">
+              <a:defRPr sz="6400" kern="1200">
+                <a:solidFill>
+                  <a:schemeClr val="lt1"/>
+                </a:solidFill>
+                <a:latin typeface="+mn-lt"/>
+                <a:ea typeface="+mn-ea"/>
+                <a:cs typeface="+mn-cs"/>
+              </a:defRPr>
+            </a:lvl6pPr>
+            <a:lvl7pPr marL="9873837" algn="l" defTabSz="3291279" rtl="0" eaLnBrk="1" latinLnBrk="0" hangingPunct="1">
+              <a:defRPr sz="6400" kern="1200">
+                <a:solidFill>
+                  <a:schemeClr val="lt1"/>
+                </a:solidFill>
+                <a:latin typeface="+mn-lt"/>
+                <a:ea typeface="+mn-ea"/>
+                <a:cs typeface="+mn-cs"/>
+              </a:defRPr>
+            </a:lvl7pPr>
+            <a:lvl8pPr marL="11519478" algn="l" defTabSz="3291279" rtl="0" eaLnBrk="1" latinLnBrk="0" hangingPunct="1">
+              <a:defRPr sz="6400" kern="1200">
+                <a:solidFill>
+                  <a:schemeClr val="lt1"/>
+                </a:solidFill>
+                <a:latin typeface="+mn-lt"/>
+                <a:ea typeface="+mn-ea"/>
+                <a:cs typeface="+mn-cs"/>
+              </a:defRPr>
+            </a:lvl8pPr>
+            <a:lvl9pPr marL="13165118" algn="l" defTabSz="3291279" rtl="0" eaLnBrk="1" latinLnBrk="0" hangingPunct="1">
+              <a:defRPr sz="6400" kern="1200">
+                <a:solidFill>
+                  <a:schemeClr val="lt1"/>
+                </a:solidFill>
+                <a:latin typeface="+mn-lt"/>
+                <a:ea typeface="+mn-ea"/>
+                <a:cs typeface="+mn-cs"/>
+              </a:defRPr>
+            </a:lvl9pPr>
+          </a:lstStyle>
+          <a:p>
+            <a:pPr algn="ctr"/>
+            <a:r>
+              <a:rPr lang="en-US" sz="1800" dirty="0" smtClean="0">
+                <a:solidFill>
+                  <a:schemeClr val="tx1"/>
+                </a:solidFill>
+              </a:rPr>
+              <a:t>Result</a:t>
+            </a:r>
+            <a:endParaRPr lang="en-US" sz="1800" dirty="0">
+              <a:solidFill>
+                <a:schemeClr val="tx1"/>
+              </a:solidFill>
+            </a:endParaRPr>
+          </a:p>
+        </p:txBody>
+      </p:sp>
+      <p:cxnSp>
+        <p:nvCxnSpPr>
+          <p:cNvPr id="9" name="Straight Arrow Connector 8"/>
+          <p:cNvCxnSpPr>
+            <a:cxnSpLocks/>
+            <a:stCxn id="6" idx="3"/>
+            <a:endCxn id="7" idx="1"/>
+          </p:cNvCxnSpPr>
+          <p:nvPr/>
+        </p:nvCxnSpPr>
+        <p:spPr>
+          <a:xfrm flipV="1">
+            <a:off x="3480814" y="3716199"/>
+            <a:ext cx="516384" cy="1"/>
+          </a:xfrm>
+          <a:prstGeom prst="straightConnector1">
+            <a:avLst/>
+          </a:prstGeom>
+          <a:ln w="12700">
+            <a:solidFill>
+              <a:schemeClr val="tx1"/>
+            </a:solidFill>
+            <a:tailEnd type="arrow"/>
+          </a:ln>
+        </p:spPr>
+        <p:style>
+          <a:lnRef idx="1">
+            <a:schemeClr val="accent1"/>
+          </a:lnRef>
+          <a:fillRef idx="0">
+            <a:schemeClr val="accent1"/>
+          </a:fillRef>
+          <a:effectRef idx="0">
+            <a:schemeClr val="accent1"/>
+          </a:effectRef>
+          <a:fontRef idx="minor">
+            <a:schemeClr val="tx1"/>
+          </a:fontRef>
+        </p:style>
+      </p:cxnSp>
+      <p:cxnSp>
+        <p:nvCxnSpPr>
+          <p:cNvPr id="10" name="Straight Arrow Connector 9"/>
+          <p:cNvCxnSpPr>
+            <a:cxnSpLocks/>
+            <a:stCxn id="7" idx="3"/>
+            <a:endCxn id="8" idx="1"/>
+          </p:cNvCxnSpPr>
+          <p:nvPr/>
+        </p:nvCxnSpPr>
+        <p:spPr>
+          <a:xfrm flipV="1">
+            <a:off x="5673598" y="3716198"/>
+            <a:ext cx="523631" cy="1"/>
+          </a:xfrm>
+          <a:prstGeom prst="straightConnector1">
+            <a:avLst/>
+          </a:prstGeom>
+          <a:ln w="12700">
+            <a:solidFill>
+              <a:schemeClr val="tx1"/>
+            </a:solidFill>
+            <a:tailEnd type="arrow"/>
+          </a:ln>
+        </p:spPr>
+        <p:style>
+          <a:lnRef idx="1">
+            <a:schemeClr val="accent1"/>
+          </a:lnRef>
+          <a:fillRef idx="0">
+            <a:schemeClr val="accent1"/>
+          </a:fillRef>
+          <a:effectRef idx="0">
+            <a:schemeClr val="accent1"/>
+          </a:effectRef>
+          <a:fontRef idx="minor">
+            <a:schemeClr val="tx1"/>
+          </a:fontRef>
+        </p:style>
+      </p:cxnSp>
+      <p:sp>
+        <p:nvSpPr>
+          <p:cNvPr id="13" name="TextBox 12"/>
+          <p:cNvSpPr txBox="1"/>
+          <p:nvPr/>
+        </p:nvSpPr>
+        <p:spPr>
+          <a:xfrm>
+            <a:off x="4388308" y="2772150"/>
+            <a:ext cx="1259890" cy="400110"/>
+          </a:xfrm>
+          <a:prstGeom prst="rect">
+            <a:avLst/>
+          </a:prstGeom>
+          <a:noFill/>
+        </p:spPr>
+        <p:txBody>
+          <a:bodyPr wrap="square" rtlCol="0">
+            <a:spAutoFit/>
+          </a:bodyPr>
+          <a:lstStyle/>
+          <a:p>
+            <a:r>
+              <a:rPr lang="en-US" sz="2000" b="1" dirty="0" smtClean="0">
+                <a:solidFill>
+                  <a:schemeClr val="accent2">
+                    <a:lumMod val="75000"/>
+                  </a:schemeClr>
+                </a:solidFill>
+              </a:rPr>
+              <a:t>Every 1s</a:t>
+            </a:r>
+            <a:endParaRPr lang="en-US" sz="2000" b="1" dirty="0">
+              <a:solidFill>
+                <a:schemeClr val="accent2">
+                  <a:lumMod val="75000"/>
+                </a:schemeClr>
+              </a:solidFill>
+            </a:endParaRPr>
+          </a:p>
+        </p:txBody>
+      </p:sp>
+      <p:sp>
+        <p:nvSpPr>
+          <p:cNvPr id="14" name="Rounded Rectangle 13"/>
+          <p:cNvSpPr/>
+          <p:nvPr/>
+        </p:nvSpPr>
+        <p:spPr>
+          <a:xfrm>
+            <a:off x="2185414" y="2587082"/>
+            <a:ext cx="5334000" cy="1733373"/>
+          </a:xfrm>
+          <a:prstGeom prst="roundRect">
+            <a:avLst/>
+          </a:prstGeom>
+          <a:noFill/>
+          <a:ln>
+            <a:solidFill>
+              <a:schemeClr val="accent2"/>
+            </a:solidFill>
+          </a:ln>
+        </p:spPr>
+        <p:style>
+          <a:lnRef idx="2">
+            <a:schemeClr val="accent1">
+              <a:shade val="50000"/>
+            </a:schemeClr>
+          </a:lnRef>
+          <a:fillRef idx="1">
+            <a:schemeClr val="accent1"/>
+          </a:fillRef>
+          <a:effectRef idx="0">
+            <a:schemeClr val="accent1"/>
+          </a:effectRef>
+          <a:fontRef idx="minor">
+            <a:schemeClr val="lt1"/>
+          </a:fontRef>
+        </p:style>
+        <p:txBody>
+          <a:bodyPr rtlCol="0" anchor="ctr"/>
+          <a:lstStyle>
+            <a:defPPr>
+              <a:defRPr lang="en-US"/>
+            </a:defPPr>
+            <a:lvl1pPr marL="0" algn="l" defTabSz="3291279" rtl="0" eaLnBrk="1" latinLnBrk="0" hangingPunct="1">
+              <a:defRPr sz="6400" kern="1200">
+                <a:solidFill>
+                  <a:schemeClr val="lt1"/>
+                </a:solidFill>
+                <a:latin typeface="+mn-lt"/>
+                <a:ea typeface="+mn-ea"/>
+                <a:cs typeface="+mn-cs"/>
+              </a:defRPr>
+            </a:lvl1pPr>
+            <a:lvl2pPr marL="1645640" algn="l" defTabSz="3291279" rtl="0" eaLnBrk="1" latinLnBrk="0" hangingPunct="1">
+              <a:defRPr sz="6400" kern="1200">
+                <a:solidFill>
+                  <a:schemeClr val="lt1"/>
+                </a:solidFill>
+                <a:latin typeface="+mn-lt"/>
+                <a:ea typeface="+mn-ea"/>
+                <a:cs typeface="+mn-cs"/>
+              </a:defRPr>
+            </a:lvl2pPr>
+            <a:lvl3pPr marL="3291279" algn="l" defTabSz="3291279" rtl="0" eaLnBrk="1" latinLnBrk="0" hangingPunct="1">
+              <a:defRPr sz="6400" kern="1200">
+                <a:solidFill>
+                  <a:schemeClr val="lt1"/>
+                </a:solidFill>
+                <a:latin typeface="+mn-lt"/>
+                <a:ea typeface="+mn-ea"/>
+                <a:cs typeface="+mn-cs"/>
+              </a:defRPr>
+            </a:lvl3pPr>
+            <a:lvl4pPr marL="4936919" algn="l" defTabSz="3291279" rtl="0" eaLnBrk="1" latinLnBrk="0" hangingPunct="1">
+              <a:defRPr sz="6400" kern="1200">
+                <a:solidFill>
+                  <a:schemeClr val="lt1"/>
+                </a:solidFill>
+                <a:latin typeface="+mn-lt"/>
+                <a:ea typeface="+mn-ea"/>
+                <a:cs typeface="+mn-cs"/>
+              </a:defRPr>
+            </a:lvl4pPr>
+            <a:lvl5pPr marL="6582559" algn="l" defTabSz="3291279" rtl="0" eaLnBrk="1" latinLnBrk="0" hangingPunct="1">
+              <a:defRPr sz="6400" kern="1200">
+                <a:solidFill>
+                  <a:schemeClr val="lt1"/>
+                </a:solidFill>
+                <a:latin typeface="+mn-lt"/>
+                <a:ea typeface="+mn-ea"/>
+                <a:cs typeface="+mn-cs"/>
+              </a:defRPr>
+            </a:lvl5pPr>
+            <a:lvl6pPr marL="8228198" algn="l" defTabSz="3291279" rtl="0" eaLnBrk="1" latinLnBrk="0" hangingPunct="1">
+              <a:defRPr sz="6400" kern="1200">
+                <a:solidFill>
+                  <a:schemeClr val="lt1"/>
+                </a:solidFill>
+                <a:latin typeface="+mn-lt"/>
+                <a:ea typeface="+mn-ea"/>
+                <a:cs typeface="+mn-cs"/>
+              </a:defRPr>
+            </a:lvl6pPr>
+            <a:lvl7pPr marL="9873837" algn="l" defTabSz="3291279" rtl="0" eaLnBrk="1" latinLnBrk="0" hangingPunct="1">
+              <a:defRPr sz="6400" kern="1200">
+                <a:solidFill>
+                  <a:schemeClr val="lt1"/>
+                </a:solidFill>
+                <a:latin typeface="+mn-lt"/>
+                <a:ea typeface="+mn-ea"/>
+                <a:cs typeface="+mn-cs"/>
+              </a:defRPr>
+            </a:lvl7pPr>
+            <a:lvl8pPr marL="11519478" algn="l" defTabSz="3291279" rtl="0" eaLnBrk="1" latinLnBrk="0" hangingPunct="1">
+              <a:defRPr sz="6400" kern="1200">
+                <a:solidFill>
+                  <a:schemeClr val="lt1"/>
+                </a:solidFill>
+                <a:latin typeface="+mn-lt"/>
+                <a:ea typeface="+mn-ea"/>
+                <a:cs typeface="+mn-cs"/>
+              </a:defRPr>
+            </a:lvl8pPr>
+            <a:lvl9pPr marL="13165118" algn="l" defTabSz="3291279" rtl="0" eaLnBrk="1" latinLnBrk="0" hangingPunct="1">
+              <a:defRPr sz="6400" kern="1200">
+                <a:solidFill>
+                  <a:schemeClr val="lt1"/>
+                </a:solidFill>
+                <a:latin typeface="+mn-lt"/>
+                <a:ea typeface="+mn-ea"/>
+                <a:cs typeface="+mn-cs"/>
+              </a:defRPr>
+            </a:lvl9pPr>
+          </a:lstStyle>
+          <a:p>
+            <a:pPr algn="ctr"/>
+            <a:endParaRPr lang="en-US" sz="1800"/>
+          </a:p>
+        </p:txBody>
+      </p:sp>
+      <p:sp>
+        <p:nvSpPr>
+          <p:cNvPr id="20" name="Rectangle 19"/>
+          <p:cNvSpPr/>
+          <p:nvPr/>
+        </p:nvSpPr>
+        <p:spPr>
+          <a:xfrm>
+            <a:off x="571130" y="3277900"/>
+            <a:ext cx="1143000" cy="861807"/>
+          </a:xfrm>
+          <a:prstGeom prst="rect">
+            <a:avLst/>
+          </a:prstGeom>
+          <a:noFill/>
+          <a:ln w="12700">
+            <a:solidFill>
+              <a:schemeClr val="tx1"/>
+            </a:solidFill>
+          </a:ln>
+        </p:spPr>
+        <p:style>
+          <a:lnRef idx="2">
+            <a:schemeClr val="accent1">
+              <a:shade val="50000"/>
+            </a:schemeClr>
+          </a:lnRef>
+          <a:fillRef idx="1">
+            <a:schemeClr val="accent1"/>
+          </a:fillRef>
+          <a:effectRef idx="0">
+            <a:schemeClr val="accent1"/>
+          </a:effectRef>
+          <a:fontRef idx="minor">
+            <a:schemeClr val="lt1"/>
+          </a:fontRef>
+        </p:style>
+        <p:txBody>
+          <a:bodyPr rtlCol="0" anchor="ctr"/>
+          <a:lstStyle>
+            <a:defPPr>
+              <a:defRPr lang="en-US"/>
+            </a:defPPr>
+            <a:lvl1pPr marL="0" algn="l" defTabSz="3291279" rtl="0" eaLnBrk="1" latinLnBrk="0" hangingPunct="1">
+              <a:defRPr sz="6400" kern="1200">
+                <a:solidFill>
+                  <a:schemeClr val="lt1"/>
+                </a:solidFill>
+                <a:latin typeface="+mn-lt"/>
+                <a:ea typeface="+mn-ea"/>
+                <a:cs typeface="+mn-cs"/>
+              </a:defRPr>
+            </a:lvl1pPr>
+            <a:lvl2pPr marL="1645640" algn="l" defTabSz="3291279" rtl="0" eaLnBrk="1" latinLnBrk="0" hangingPunct="1">
+              <a:defRPr sz="6400" kern="1200">
+                <a:solidFill>
+                  <a:schemeClr val="lt1"/>
+                </a:solidFill>
+                <a:latin typeface="+mn-lt"/>
+                <a:ea typeface="+mn-ea"/>
+                <a:cs typeface="+mn-cs"/>
+              </a:defRPr>
+            </a:lvl2pPr>
+            <a:lvl3pPr marL="3291279" algn="l" defTabSz="3291279" rtl="0" eaLnBrk="1" latinLnBrk="0" hangingPunct="1">
+              <a:defRPr sz="6400" kern="1200">
+                <a:solidFill>
+                  <a:schemeClr val="lt1"/>
+                </a:solidFill>
+                <a:latin typeface="+mn-lt"/>
+                <a:ea typeface="+mn-ea"/>
+                <a:cs typeface="+mn-cs"/>
+              </a:defRPr>
+            </a:lvl3pPr>
+            <a:lvl4pPr marL="4936919" algn="l" defTabSz="3291279" rtl="0" eaLnBrk="1" latinLnBrk="0" hangingPunct="1">
+              <a:defRPr sz="6400" kern="1200">
+                <a:solidFill>
+                  <a:schemeClr val="lt1"/>
+                </a:solidFill>
+                <a:latin typeface="+mn-lt"/>
+                <a:ea typeface="+mn-ea"/>
+                <a:cs typeface="+mn-cs"/>
+              </a:defRPr>
+            </a:lvl4pPr>
+            <a:lvl5pPr marL="6582559" algn="l" defTabSz="3291279" rtl="0" eaLnBrk="1" latinLnBrk="0" hangingPunct="1">
+              <a:defRPr sz="6400" kern="1200">
+                <a:solidFill>
+                  <a:schemeClr val="lt1"/>
+                </a:solidFill>
+                <a:latin typeface="+mn-lt"/>
+                <a:ea typeface="+mn-ea"/>
+                <a:cs typeface="+mn-cs"/>
+              </a:defRPr>
+            </a:lvl5pPr>
+            <a:lvl6pPr marL="8228198" algn="l" defTabSz="3291279" rtl="0" eaLnBrk="1" latinLnBrk="0" hangingPunct="1">
+              <a:defRPr sz="6400" kern="1200">
+                <a:solidFill>
+                  <a:schemeClr val="lt1"/>
+                </a:solidFill>
+                <a:latin typeface="+mn-lt"/>
+                <a:ea typeface="+mn-ea"/>
+                <a:cs typeface="+mn-cs"/>
+              </a:defRPr>
+            </a:lvl6pPr>
+            <a:lvl7pPr marL="9873837" algn="l" defTabSz="3291279" rtl="0" eaLnBrk="1" latinLnBrk="0" hangingPunct="1">
+              <a:defRPr sz="6400" kern="1200">
+                <a:solidFill>
+                  <a:schemeClr val="lt1"/>
+                </a:solidFill>
+                <a:latin typeface="+mn-lt"/>
+                <a:ea typeface="+mn-ea"/>
+                <a:cs typeface="+mn-cs"/>
+              </a:defRPr>
+            </a:lvl7pPr>
+            <a:lvl8pPr marL="11519478" algn="l" defTabSz="3291279" rtl="0" eaLnBrk="1" latinLnBrk="0" hangingPunct="1">
+              <a:defRPr sz="6400" kern="1200">
+                <a:solidFill>
+                  <a:schemeClr val="lt1"/>
+                </a:solidFill>
+                <a:latin typeface="+mn-lt"/>
+                <a:ea typeface="+mn-ea"/>
+                <a:cs typeface="+mn-cs"/>
+              </a:defRPr>
+            </a:lvl8pPr>
+            <a:lvl9pPr marL="13165118" algn="l" defTabSz="3291279" rtl="0" eaLnBrk="1" latinLnBrk="0" hangingPunct="1">
+              <a:defRPr sz="6400" kern="1200">
+                <a:solidFill>
+                  <a:schemeClr val="lt1"/>
+                </a:solidFill>
+                <a:latin typeface="+mn-lt"/>
+                <a:ea typeface="+mn-ea"/>
+                <a:cs typeface="+mn-cs"/>
+              </a:defRPr>
+            </a:lvl9pPr>
+          </a:lstStyle>
+          <a:p>
+            <a:pPr algn="ctr"/>
+            <a:r>
+              <a:rPr lang="en-US" sz="1800" dirty="0" smtClean="0">
+                <a:solidFill>
+                  <a:schemeClr val="tx1"/>
+                </a:solidFill>
+              </a:rPr>
+              <a:t>Recorded audio</a:t>
+            </a:r>
+            <a:endParaRPr lang="en-US" sz="1800" dirty="0">
+              <a:solidFill>
+                <a:schemeClr val="tx1"/>
+              </a:solidFill>
+            </a:endParaRPr>
+          </a:p>
+        </p:txBody>
+      </p:sp>
+    </p:spTree>
+    <p:extLst>
+      <p:ext uri="{BB962C8B-B14F-4D97-AF65-F5344CB8AC3E}">
+        <p14:creationId xmlns:p14="http://schemas.microsoft.com/office/powerpoint/2010/main" val="243914794"/>
+      </p:ext>
+    </p:extLst>
+  </p:cSld>
+  <p:clrMapOvr>
+    <a:masterClrMapping/>
+  </p:clrMapOvr>
+  <p:timing>
+    <p:tnLst>
+      <p:par>
+        <p:cTn id="1" dur="indefinite" restart="never" nodeType="tmRoot"/>
+      </p:par>
+    </p:tnLst>
+  </p:timing>
+</p:sld>
+</file>
+
+<file path=ppt/slides/slide15.xml><?xml version="1.0" encoding="utf-8"?>
+<p:sld xmlns:a="http://schemas.openxmlformats.org/drawingml/2006/main" xmlns:r="http://schemas.openxmlformats.org/officeDocument/2006/relationships" xmlns:p="http://schemas.openxmlformats.org/presentationml/2006/main">
+  <p:cSld>
+    <p:spTree>
+      <p:nvGrpSpPr>
+        <p:cNvPr id="1" name=""/>
+        <p:cNvGrpSpPr/>
+        <p:nvPr/>
+      </p:nvGrpSpPr>
+      <p:grpSpPr>
+        <a:xfrm>
+          <a:off x="0" y="0"/>
+          <a:ext cx="0" cy="0"/>
+          <a:chOff x="0" y="0"/>
+          <a:chExt cx="0" cy="0"/>
+        </a:xfrm>
+      </p:grpSpPr>
+      <p:sp>
+        <p:nvSpPr>
+          <p:cNvPr id="2" name="Title 1"/>
+          <p:cNvSpPr>
+            <a:spLocks noGrp="1"/>
+          </p:cNvSpPr>
+          <p:nvPr>
+            <p:ph type="title"/>
+          </p:nvPr>
+        </p:nvSpPr>
+        <p:spPr/>
+        <p:txBody>
+          <a:bodyPr/>
+          <a:lstStyle/>
+          <a:p>
+            <a:r>
+              <a:rPr lang="en-US" sz="2800" dirty="0" smtClean="0"/>
+              <a:t>Main contribution</a:t>
+            </a:r>
+            <a:endParaRPr lang="en-US" sz="2800" dirty="0"/>
+          </a:p>
+        </p:txBody>
+      </p:sp>
+      <p:sp>
+        <p:nvSpPr>
+          <p:cNvPr id="3" name="Content Placeholder 2"/>
+          <p:cNvSpPr>
+            <a:spLocks noGrp="1"/>
+          </p:cNvSpPr>
+          <p:nvPr>
+            <p:ph idx="1"/>
+          </p:nvPr>
+        </p:nvSpPr>
+        <p:spPr>
+          <a:xfrm>
+            <a:off x="381000" y="1219200"/>
+            <a:ext cx="7620000" cy="1676400"/>
+          </a:xfrm>
+        </p:spPr>
+        <p:txBody>
+          <a:bodyPr/>
+          <a:lstStyle/>
+          <a:p>
+            <a:r>
+              <a:rPr lang="en-US" smtClean="0"/>
+              <a:t>Build a </a:t>
+            </a:r>
+            <a:r>
+              <a:rPr lang="en-US" dirty="0" smtClean="0"/>
+              <a:t>speaker diarization system with visualization and audio player panel </a:t>
+            </a:r>
+          </a:p>
+          <a:p>
+            <a:r>
+              <a:rPr lang="en-US" dirty="0" smtClean="0"/>
+              <a:t>Design and develop a real-time speaker diarization system on the basis of the offline system</a:t>
+            </a:r>
+            <a:endParaRPr lang="en-US" dirty="0" smtClean="0"/>
+          </a:p>
+          <a:p>
+            <a:endParaRPr lang="en-US" dirty="0"/>
+          </a:p>
+        </p:txBody>
+      </p:sp>
+      <p:sp>
+        <p:nvSpPr>
+          <p:cNvPr id="4" name="Slide Number Placeholder 3"/>
+          <p:cNvSpPr>
+            <a:spLocks noGrp="1"/>
+          </p:cNvSpPr>
+          <p:nvPr>
+            <p:ph type="sldNum" sz="quarter" idx="12"/>
+          </p:nvPr>
+        </p:nvSpPr>
+        <p:spPr/>
+        <p:txBody>
+          <a:bodyPr/>
+          <a:lstStyle/>
+          <a:p>
+            <a:fld id="{0E0E5D40-17DD-4190-869C-D3EB7431A77E}" type="slidenum">
+              <a:rPr lang="en-US" smtClean="0"/>
+              <a:t>15</a:t>
+            </a:fld>
+            <a:endParaRPr lang="en-US"/>
+          </a:p>
+        </p:txBody>
+      </p:sp>
+      <p:sp>
+        <p:nvSpPr>
+          <p:cNvPr id="5" name="Footer Placeholder 4"/>
+          <p:cNvSpPr>
+            <a:spLocks noGrp="1"/>
+          </p:cNvSpPr>
+          <p:nvPr>
+            <p:ph type="ftr" sz="quarter" idx="11"/>
+          </p:nvPr>
+        </p:nvSpPr>
+        <p:spPr/>
+        <p:txBody>
+          <a:bodyPr/>
+          <a:lstStyle/>
+          <a:p>
+            <a:endParaRPr lang="en-US"/>
+          </a:p>
+        </p:txBody>
+      </p:sp>
+      <p:sp>
+        <p:nvSpPr>
+          <p:cNvPr id="6" name="Title 1"/>
+          <p:cNvSpPr txBox="1">
+            <a:spLocks/>
+          </p:cNvSpPr>
+          <p:nvPr/>
+        </p:nvSpPr>
+        <p:spPr>
+          <a:xfrm>
+            <a:off x="457200" y="3035300"/>
+            <a:ext cx="7620000" cy="1143000"/>
+          </a:xfrm>
+          <a:prstGeom prst="rect">
+            <a:avLst/>
+          </a:prstGeom>
+        </p:spPr>
+        <p:txBody>
+          <a:bodyPr vert="horz" lIns="91440" tIns="45720" rIns="91440" bIns="45720" rtlCol="0" anchor="ctr">
+            <a:noAutofit/>
+          </a:bodyPr>
+          <a:lstStyle>
+            <a:lvl1pPr algn="l" defTabSz="914400" rtl="0" eaLnBrk="1" latinLnBrk="0" hangingPunct="1">
+              <a:spcBef>
+                <a:spcPct val="0"/>
+              </a:spcBef>
+              <a:buNone/>
+              <a:defRPr sz="4600" kern="1200" cap="none" spc="-100" baseline="0">
+                <a:ln>
+                  <a:noFill/>
+                </a:ln>
+                <a:solidFill>
+                  <a:schemeClr val="tx2"/>
+                </a:solidFill>
+                <a:effectLst/>
+                <a:latin typeface="+mj-lt"/>
+                <a:ea typeface="+mj-ea"/>
+                <a:cs typeface="+mj-cs"/>
+              </a:defRPr>
+            </a:lvl1pPr>
+          </a:lstStyle>
+          <a:p>
+            <a:r>
+              <a:rPr lang="en-US" sz="2800" dirty="0" smtClean="0"/>
+              <a:t>Future works</a:t>
+            </a:r>
+            <a:endParaRPr lang="en-US" sz="2800" dirty="0"/>
+          </a:p>
+        </p:txBody>
+      </p:sp>
+      <p:sp>
+        <p:nvSpPr>
+          <p:cNvPr id="7" name="Content Placeholder 2"/>
+          <p:cNvSpPr txBox="1">
+            <a:spLocks/>
+          </p:cNvSpPr>
+          <p:nvPr/>
+        </p:nvSpPr>
+        <p:spPr>
+          <a:xfrm>
+            <a:off x="558800" y="3962400"/>
+            <a:ext cx="7620000" cy="2209800"/>
+          </a:xfrm>
+          <a:prstGeom prst="rect">
+            <a:avLst/>
+          </a:prstGeom>
+        </p:spPr>
+        <p:txBody>
+          <a:bodyPr vert="horz" lIns="91440" tIns="45720" rIns="91440" bIns="45720" rtlCol="0">
+            <a:normAutofit lnSpcReduction="10000"/>
+          </a:bodyPr>
+          <a:lstStyle>
+            <a:lvl1pPr marL="342900" indent="-228600" algn="l" defTabSz="914400" rtl="0" eaLnBrk="1" latinLnBrk="0" hangingPunct="1">
+              <a:spcBef>
+                <a:spcPct val="20000"/>
+              </a:spcBef>
+              <a:buClr>
+                <a:schemeClr val="accent1"/>
+              </a:buClr>
+              <a:buFont typeface="Arial" pitchFamily="34" charset="0"/>
+              <a:buChar char="•"/>
+              <a:defRPr sz="2200" kern="1200">
+                <a:solidFill>
+                  <a:schemeClr val="tx1"/>
+                </a:solidFill>
+                <a:latin typeface="+mn-lt"/>
+                <a:ea typeface="+mn-ea"/>
+                <a:cs typeface="+mn-cs"/>
+              </a:defRPr>
+            </a:lvl1pPr>
+            <a:lvl2pPr marL="640080" indent="-228600" algn="l" defTabSz="914400" rtl="0" eaLnBrk="1" latinLnBrk="0" hangingPunct="1">
+              <a:spcBef>
+                <a:spcPct val="20000"/>
+              </a:spcBef>
+              <a:buClr>
+                <a:schemeClr val="accent2"/>
+              </a:buClr>
+              <a:buFont typeface="Arial" pitchFamily="34" charset="0"/>
+              <a:buChar char="•"/>
+              <a:defRPr sz="2000" kern="1200">
+                <a:solidFill>
+                  <a:schemeClr val="tx1"/>
+                </a:solidFill>
+                <a:latin typeface="+mn-lt"/>
+                <a:ea typeface="+mn-ea"/>
+                <a:cs typeface="+mn-cs"/>
+              </a:defRPr>
+            </a:lvl2pPr>
+            <a:lvl3pPr marL="1005840" indent="-228600" algn="l" defTabSz="914400" rtl="0" eaLnBrk="1" latinLnBrk="0" hangingPunct="1">
+              <a:spcBef>
+                <a:spcPct val="20000"/>
+              </a:spcBef>
+              <a:buClr>
+                <a:schemeClr val="accent3"/>
+              </a:buClr>
+              <a:buFont typeface="Arial" pitchFamily="34" charset="0"/>
+              <a:buChar char="•"/>
+              <a:defRPr sz="1800" kern="1200">
+                <a:solidFill>
+                  <a:schemeClr val="tx1"/>
+                </a:solidFill>
+                <a:latin typeface="+mn-lt"/>
+                <a:ea typeface="+mn-ea"/>
+                <a:cs typeface="+mn-cs"/>
+              </a:defRPr>
+            </a:lvl3pPr>
+            <a:lvl4pPr marL="1280160" indent="-228600" algn="l" defTabSz="914400" rtl="0" eaLnBrk="1" latinLnBrk="0" hangingPunct="1">
+              <a:spcBef>
+                <a:spcPct val="20000"/>
+              </a:spcBef>
+              <a:buClr>
+                <a:schemeClr val="accent4"/>
+              </a:buClr>
+              <a:buFont typeface="Arial" pitchFamily="34" charset="0"/>
+              <a:buChar char="•"/>
+              <a:defRPr sz="1600" kern="1200">
+                <a:solidFill>
+                  <a:schemeClr val="tx1"/>
+                </a:solidFill>
+                <a:latin typeface="+mn-lt"/>
+                <a:ea typeface="+mn-ea"/>
+                <a:cs typeface="+mn-cs"/>
+              </a:defRPr>
+            </a:lvl4pPr>
+            <a:lvl5pPr marL="1554480" indent="-228600" algn="l" defTabSz="914400" rtl="0" eaLnBrk="1" latinLnBrk="0" hangingPunct="1">
+              <a:spcBef>
+                <a:spcPct val="20000"/>
+              </a:spcBef>
+              <a:buClr>
+                <a:schemeClr val="accent5"/>
+              </a:buClr>
+              <a:buFont typeface="Arial" pitchFamily="34" charset="0"/>
+              <a:buChar char="•"/>
+              <a:defRPr sz="1400" kern="1200" baseline="0">
+                <a:solidFill>
+                  <a:schemeClr val="tx1"/>
+                </a:solidFill>
+                <a:latin typeface="+mn-lt"/>
+                <a:ea typeface="+mn-ea"/>
+                <a:cs typeface="+mn-cs"/>
+              </a:defRPr>
+            </a:lvl5pPr>
+            <a:lvl6pPr marL="1737360" indent="-182880" algn="l" defTabSz="914400" rtl="0" eaLnBrk="1" latinLnBrk="0" hangingPunct="1">
+              <a:spcBef>
+                <a:spcPct val="20000"/>
+              </a:spcBef>
+              <a:buClr>
+                <a:schemeClr val="accent1"/>
+              </a:buClr>
+              <a:buFont typeface="Arial" pitchFamily="34" charset="0"/>
+              <a:buChar char="•"/>
+              <a:defRPr sz="1400" kern="1200" baseline="0">
+                <a:solidFill>
+                  <a:schemeClr val="tx1"/>
+                </a:solidFill>
+                <a:latin typeface="+mn-lt"/>
+                <a:ea typeface="+mn-ea"/>
+                <a:cs typeface="+mn-cs"/>
+              </a:defRPr>
+            </a:lvl6pPr>
+            <a:lvl7pPr marL="1920240" indent="-182880" algn="l" defTabSz="914400" rtl="0" eaLnBrk="1" latinLnBrk="0" hangingPunct="1">
+              <a:spcBef>
+                <a:spcPct val="20000"/>
+              </a:spcBef>
+              <a:buClr>
+                <a:schemeClr val="accent2"/>
+              </a:buClr>
+              <a:buFont typeface="Arial" pitchFamily="34" charset="0"/>
+              <a:buChar char="•"/>
+              <a:defRPr sz="1400" kern="1200">
+                <a:solidFill>
+                  <a:schemeClr val="tx1"/>
+                </a:solidFill>
+                <a:latin typeface="+mn-lt"/>
+                <a:ea typeface="+mn-ea"/>
+                <a:cs typeface="+mn-cs"/>
+              </a:defRPr>
+            </a:lvl7pPr>
+            <a:lvl8pPr marL="2103120" indent="-182880" algn="l" defTabSz="914400" rtl="0" eaLnBrk="1" latinLnBrk="0" hangingPunct="1">
+              <a:spcBef>
+                <a:spcPct val="20000"/>
+              </a:spcBef>
+              <a:buClr>
+                <a:schemeClr val="accent3"/>
+              </a:buClr>
+              <a:buFont typeface="Arial" pitchFamily="34" charset="0"/>
+              <a:buChar char="•"/>
+              <a:defRPr sz="1400" kern="1200">
+                <a:solidFill>
+                  <a:schemeClr val="tx1"/>
+                </a:solidFill>
+                <a:latin typeface="+mn-lt"/>
+                <a:ea typeface="+mn-ea"/>
+                <a:cs typeface="+mn-cs"/>
+              </a:defRPr>
+            </a:lvl8pPr>
+            <a:lvl9pPr marL="2286000" indent="-182880" algn="l" defTabSz="914400" rtl="0" eaLnBrk="1" latinLnBrk="0" hangingPunct="1">
+              <a:spcBef>
+                <a:spcPct val="20000"/>
+              </a:spcBef>
+              <a:buClr>
+                <a:schemeClr val="accent4"/>
+              </a:buClr>
+              <a:buFont typeface="Arial" pitchFamily="34" charset="0"/>
+              <a:buChar char="•"/>
+              <a:defRPr sz="1400" kern="1200">
+                <a:solidFill>
+                  <a:schemeClr val="tx1"/>
+                </a:solidFill>
+                <a:latin typeface="+mn-lt"/>
+                <a:ea typeface="+mn-ea"/>
+                <a:cs typeface="+mn-cs"/>
+              </a:defRPr>
+            </a:lvl9pPr>
+          </a:lstStyle>
+          <a:p>
+            <a:r>
+              <a:rPr lang="en-US" dirty="0" smtClean="0"/>
+              <a:t>The problem of frequent change of the number of speakers in real time system need to be further solved</a:t>
+            </a:r>
+          </a:p>
+          <a:p>
+            <a:r>
+              <a:rPr lang="en-US" dirty="0" smtClean="0"/>
+              <a:t>KBM training </a:t>
+            </a:r>
+          </a:p>
+          <a:p>
+            <a:endParaRPr lang="en-US" dirty="0" smtClean="0"/>
+          </a:p>
+          <a:p>
+            <a:pPr lvl="0"/>
+            <a:r>
+              <a:rPr lang="en-US" dirty="0"/>
+              <a:t>The system need to be further improved in terms of speed and audio processing for real-time streaming data</a:t>
+            </a:r>
+          </a:p>
+          <a:p>
+            <a:endParaRPr lang="en-US" dirty="0"/>
           </a:p>
         </p:txBody>
       </p:sp>
@@ -3791,6 +8765,149 @@
     <p:extLst>
       <p:ext uri="{BB962C8B-B14F-4D97-AF65-F5344CB8AC3E}">
         <p14:creationId xmlns:p14="http://schemas.microsoft.com/office/powerpoint/2010/main" val="3999635633"/>
+      </p:ext>
+    </p:extLst>
+  </p:cSld>
+  <p:clrMapOvr>
+    <a:masterClrMapping/>
+  </p:clrMapOvr>
+  <p:timing>
+    <p:tnLst>
+      <p:par>
+        <p:cTn id="1" dur="indefinite" restart="never" nodeType="tmRoot"/>
+      </p:par>
+    </p:tnLst>
+  </p:timing>
+</p:sld>
+</file>
+
+<file path=ppt/slides/slide16.xml><?xml version="1.0" encoding="utf-8"?>
+<p:sld xmlns:a="http://schemas.openxmlformats.org/drawingml/2006/main" xmlns:r="http://schemas.openxmlformats.org/officeDocument/2006/relationships" xmlns:p="http://schemas.openxmlformats.org/presentationml/2006/main">
+  <p:cSld>
+    <p:spTree>
+      <p:nvGrpSpPr>
+        <p:cNvPr id="1" name=""/>
+        <p:cNvGrpSpPr/>
+        <p:nvPr/>
+      </p:nvGrpSpPr>
+      <p:grpSpPr>
+        <a:xfrm>
+          <a:off x="0" y="0"/>
+          <a:ext cx="0" cy="0"/>
+          <a:chOff x="0" y="0"/>
+          <a:chExt cx="0" cy="0"/>
+        </a:xfrm>
+      </p:grpSpPr>
+      <p:sp>
+        <p:nvSpPr>
+          <p:cNvPr id="2" name="Title 1"/>
+          <p:cNvSpPr>
+            <a:spLocks noGrp="1"/>
+          </p:cNvSpPr>
+          <p:nvPr>
+            <p:ph type="title"/>
+          </p:nvPr>
+        </p:nvSpPr>
+        <p:spPr>
+          <a:xfrm>
+            <a:off x="457200" y="152400"/>
+            <a:ext cx="7620000" cy="1143000"/>
+          </a:xfrm>
+        </p:spPr>
+        <p:txBody>
+          <a:bodyPr/>
+          <a:lstStyle/>
+          <a:p>
+            <a:r>
+              <a:rPr lang="en-US" sz="3000" dirty="0"/>
+              <a:t>agglomerative hierarchical </a:t>
+            </a:r>
+            <a:r>
+              <a:rPr lang="en-US" sz="3000" dirty="0" smtClean="0"/>
+              <a:t>clustering (AHC)</a:t>
+            </a:r>
+            <a:endParaRPr lang="en-US" sz="3000" dirty="0"/>
+          </a:p>
+        </p:txBody>
+      </p:sp>
+      <p:sp>
+        <p:nvSpPr>
+          <p:cNvPr id="4" name="Footer Placeholder 3"/>
+          <p:cNvSpPr>
+            <a:spLocks noGrp="1"/>
+          </p:cNvSpPr>
+          <p:nvPr>
+            <p:ph type="ftr" sz="quarter" idx="11"/>
+          </p:nvPr>
+        </p:nvSpPr>
+        <p:spPr/>
+        <p:txBody>
+          <a:bodyPr/>
+          <a:lstStyle/>
+          <a:p>
+            <a:endParaRPr lang="en-US"/>
+          </a:p>
+        </p:txBody>
+      </p:sp>
+      <p:sp>
+        <p:nvSpPr>
+          <p:cNvPr id="5" name="Slide Number Placeholder 4"/>
+          <p:cNvSpPr>
+            <a:spLocks noGrp="1"/>
+          </p:cNvSpPr>
+          <p:nvPr>
+            <p:ph type="sldNum" sz="quarter" idx="12"/>
+          </p:nvPr>
+        </p:nvSpPr>
+        <p:spPr/>
+        <p:txBody>
+          <a:bodyPr/>
+          <a:lstStyle/>
+          <a:p>
+            <a:fld id="{0E0E5D40-17DD-4190-869C-D3EB7431A77E}" type="slidenum">
+              <a:rPr lang="en-US" smtClean="0"/>
+              <a:t>16</a:t>
+            </a:fld>
+            <a:endParaRPr lang="en-US"/>
+          </a:p>
+        </p:txBody>
+      </p:sp>
+      <p:pic>
+        <p:nvPicPr>
+          <p:cNvPr id="6" name="图片 8"/>
+          <p:cNvPicPr>
+            <a:picLocks noGrp="1"/>
+          </p:cNvPicPr>
+          <p:nvPr>
+            <p:ph idx="1"/>
+          </p:nvPr>
+        </p:nvPicPr>
+        <p:blipFill>
+          <a:blip r:embed="rId2" cstate="print">
+            <a:extLst>
+              <a:ext uri="{28A0092B-C50C-407E-A947-70E740481C1C}">
+                <a14:useLocalDpi xmlns:a14="http://schemas.microsoft.com/office/drawing/2010/main" val="0"/>
+              </a:ext>
+            </a:extLst>
+          </a:blip>
+          <a:stretch>
+            <a:fillRect/>
+          </a:stretch>
+        </p:blipFill>
+        <p:spPr>
+          <a:xfrm>
+            <a:off x="1219200" y="1143000"/>
+            <a:ext cx="4042138" cy="5230030"/>
+          </a:xfrm>
+          <a:prstGeom prst="rect">
+            <a:avLst/>
+          </a:prstGeom>
+        </p:spPr>
+      </p:pic>
+    </p:spTree>
+    <p:extLst>
+      <p:ext uri="{BB962C8B-B14F-4D97-AF65-F5344CB8AC3E}">
+        <p14:creationId xmlns:p14="http://schemas.microsoft.com/office/powerpoint/2010/main" val="1714634155"/>
       </p:ext>
     </p:extLst>
   </p:cSld>
@@ -3866,6 +8983,13 @@
           <a:p>
             <a:r>
               <a:rPr lang="en-US" dirty="0" smtClean="0"/>
+              <a:t>Problems in existing system</a:t>
+            </a:r>
+            <a:endParaRPr lang="en-US" dirty="0" smtClean="0"/>
+          </a:p>
+          <a:p>
+            <a:r>
+              <a:rPr lang="en-US" dirty="0" smtClean="0"/>
               <a:t>Objectives</a:t>
             </a:r>
           </a:p>
@@ -3877,6 +9001,48 @@
           </a:p>
           <a:p>
             <a:endParaRPr lang="en-US" dirty="0"/>
+          </a:p>
+        </p:txBody>
+      </p:sp>
+      <p:sp>
+        <p:nvSpPr>
+          <p:cNvPr id="4" name="Slide Number Placeholder 3"/>
+          <p:cNvSpPr>
+            <a:spLocks noGrp="1"/>
+          </p:cNvSpPr>
+          <p:nvPr>
+            <p:ph type="sldNum" sz="quarter" idx="12"/>
+          </p:nvPr>
+        </p:nvSpPr>
+        <p:spPr/>
+        <p:txBody>
+          <a:bodyPr/>
+          <a:lstStyle/>
+          <a:p>
+            <a:fld id="{0E0E5D40-17DD-4190-869C-D3EB7431A77E}" type="slidenum">
+              <a:rPr lang="en-US" smtClean="0"/>
+              <a:t>2</a:t>
+            </a:fld>
+            <a:endParaRPr lang="en-US"/>
+          </a:p>
+        </p:txBody>
+      </p:sp>
+      <p:sp>
+        <p:nvSpPr>
+          <p:cNvPr id="5" name="Footer Placeholder 4"/>
+          <p:cNvSpPr>
+            <a:spLocks noGrp="1"/>
+          </p:cNvSpPr>
+          <p:nvPr>
+            <p:ph type="ftr" sz="quarter" idx="11"/>
+          </p:nvPr>
+        </p:nvSpPr>
+        <p:spPr/>
+        <p:txBody>
+          <a:bodyPr/>
+          <a:lstStyle/>
+          <a:p>
+            <a:endParaRPr lang="en-US"/>
           </a:p>
         </p:txBody>
       </p:sp>
@@ -3957,12 +9123,12 @@
         <p:spPr>
           <a:xfrm>
             <a:off x="381000" y="1295400"/>
-            <a:ext cx="7620000" cy="4800600"/>
+            <a:ext cx="7620000" cy="5257800"/>
           </a:xfrm>
         </p:spPr>
         <p:txBody>
           <a:bodyPr>
-            <a:normAutofit lnSpcReduction="10000"/>
+            <a:normAutofit/>
           </a:bodyPr>
           <a:lstStyle/>
           <a:p>
@@ -3994,9 +9160,9 @@
             </a:r>
           </a:p>
           <a:p>
-            <a:endParaRPr lang="en-US" altLang="zh-CN" dirty="0"/>
-          </a:p>
-          <a:p>
+            <a:pPr marL="114300" indent="0">
+              <a:buNone/>
+            </a:pPr>
             <a:endParaRPr lang="en-US" altLang="zh-CN" dirty="0" smtClean="0"/>
           </a:p>
           <a:p>
@@ -4025,7 +9191,15 @@
             <a:pPr lvl="2"/>
             <a:r>
               <a:rPr lang="en-US" altLang="zh-CN" dirty="0" smtClean="0"/>
-              <a:t>Access to whole audio; </a:t>
+              <a:t>Access </a:t>
+            </a:r>
+            <a:r>
+              <a:rPr lang="en-US" altLang="zh-CN" dirty="0" smtClean="0"/>
+              <a:t>the </a:t>
+            </a:r>
+            <a:r>
+              <a:rPr lang="en-US" altLang="zh-CN" dirty="0" smtClean="0"/>
+              <a:t>whole audio; </a:t>
             </a:r>
           </a:p>
           <a:p>
@@ -4041,12 +9215,17 @@
               <a:rPr lang="en-US" altLang="zh-CN" dirty="0" smtClean="0"/>
               <a:t>Online: </a:t>
             </a:r>
+            <a:endParaRPr lang="en-US" altLang="zh-CN" dirty="0" smtClean="0"/>
           </a:p>
           <a:p>
             <a:pPr lvl="2"/>
             <a:r>
               <a:rPr lang="en-US" altLang="zh-CN" dirty="0" smtClean="0"/>
-              <a:t>Strict left-to-right fashion</a:t>
+              <a:t>Strict </a:t>
+            </a:r>
+            <a:r>
+              <a:rPr lang="en-US" altLang="zh-CN" dirty="0" smtClean="0"/>
+              <a:t>left-to-right fashion</a:t>
             </a:r>
           </a:p>
           <a:p>
@@ -4083,7 +9262,7 @@
         </p:blipFill>
         <p:spPr>
           <a:xfrm>
-            <a:off x="533400" y="2764338"/>
+            <a:off x="533400" y="2572277"/>
             <a:ext cx="2514600" cy="1276719"/>
           </a:xfrm>
           <a:prstGeom prst="rect">
@@ -4099,7 +9278,7 @@
         </p:nvGrpSpPr>
         <p:grpSpPr>
           <a:xfrm>
-            <a:off x="4346483" y="2867239"/>
+            <a:off x="4406012" y="2614965"/>
             <a:ext cx="3445314" cy="1262392"/>
             <a:chOff x="3200400" y="8910022"/>
             <a:chExt cx="5796813" cy="2124000"/>
@@ -4871,7 +10050,7 @@
         </p:nvSpPr>
         <p:spPr>
           <a:xfrm rot="16200000">
-            <a:off x="3701746" y="3262812"/>
+            <a:off x="3701745" y="3088067"/>
             <a:ext cx="191477" cy="279769"/>
           </a:xfrm>
           <a:prstGeom prst="downArrow">
@@ -4998,6 +10177,48 @@
           </a:p>
         </p:txBody>
       </p:sp>
+      <p:sp>
+        <p:nvSpPr>
+          <p:cNvPr id="14" name="Slide Number Placeholder 13"/>
+          <p:cNvSpPr>
+            <a:spLocks noGrp="1"/>
+          </p:cNvSpPr>
+          <p:nvPr>
+            <p:ph type="sldNum" sz="quarter" idx="12"/>
+          </p:nvPr>
+        </p:nvSpPr>
+        <p:spPr/>
+        <p:txBody>
+          <a:bodyPr/>
+          <a:lstStyle/>
+          <a:p>
+            <a:fld id="{0E0E5D40-17DD-4190-869C-D3EB7431A77E}" type="slidenum">
+              <a:rPr lang="en-US" smtClean="0"/>
+              <a:t>3</a:t>
+            </a:fld>
+            <a:endParaRPr lang="en-US"/>
+          </a:p>
+        </p:txBody>
+      </p:sp>
+      <p:sp>
+        <p:nvSpPr>
+          <p:cNvPr id="15" name="Footer Placeholder 14"/>
+          <p:cNvSpPr>
+            <a:spLocks noGrp="1"/>
+          </p:cNvSpPr>
+          <p:nvPr>
+            <p:ph type="ftr" sz="quarter" idx="11"/>
+          </p:nvPr>
+        </p:nvSpPr>
+        <p:spPr/>
+        <p:txBody>
+          <a:bodyPr/>
+          <a:lstStyle/>
+          <a:p>
+            <a:endParaRPr lang="en-US"/>
+          </a:p>
+        </p:txBody>
+      </p:sp>
     </p:spTree>
     <p:extLst>
       <p:ext uri="{BB962C8B-B14F-4D97-AF65-F5344CB8AC3E}">
@@ -5114,6 +10335,48 @@
           </a:p>
           <a:p>
             <a:endParaRPr lang="en-US" dirty="0"/>
+          </a:p>
+        </p:txBody>
+      </p:sp>
+      <p:sp>
+        <p:nvSpPr>
+          <p:cNvPr id="4" name="Slide Number Placeholder 3"/>
+          <p:cNvSpPr>
+            <a:spLocks noGrp="1"/>
+          </p:cNvSpPr>
+          <p:nvPr>
+            <p:ph type="sldNum" sz="quarter" idx="12"/>
+          </p:nvPr>
+        </p:nvSpPr>
+        <p:spPr/>
+        <p:txBody>
+          <a:bodyPr/>
+          <a:lstStyle/>
+          <a:p>
+            <a:fld id="{0E0E5D40-17DD-4190-869C-D3EB7431A77E}" type="slidenum">
+              <a:rPr lang="en-US" smtClean="0"/>
+              <a:t>4</a:t>
+            </a:fld>
+            <a:endParaRPr lang="en-US"/>
+          </a:p>
+        </p:txBody>
+      </p:sp>
+      <p:sp>
+        <p:nvSpPr>
+          <p:cNvPr id="5" name="Footer Placeholder 4"/>
+          <p:cNvSpPr>
+            <a:spLocks noGrp="1"/>
+          </p:cNvSpPr>
+          <p:nvPr>
+            <p:ph type="ftr" sz="quarter" idx="11"/>
+          </p:nvPr>
+        </p:nvSpPr>
+        <p:spPr/>
+        <p:txBody>
+          <a:bodyPr/>
+          <a:lstStyle/>
+          <a:p>
+            <a:endParaRPr lang="en-US"/>
           </a:p>
         </p:txBody>
       </p:sp>
@@ -5249,16 +10512,16 @@
               <a:t>[</a:t>
             </a:r>
             <a:r>
-              <a:rPr lang="en-US" sz="2400" b="1" dirty="0" err="1" smtClean="0">
+              <a:rPr lang="en-US" sz="2400" b="1" dirty="0" smtClean="0">
                 <a:latin typeface="Calibri" pitchFamily="34" charset="0"/>
               </a:rPr>
-              <a:t>Realtime</a:t>
+              <a:t>Real-time </a:t>
             </a:r>
             <a:r>
               <a:rPr lang="en-US" sz="2400" b="1" dirty="0" smtClean="0">
                 <a:latin typeface="Calibri" pitchFamily="34" charset="0"/>
               </a:rPr>
-              <a:t> Version]: </a:t>
+              <a:t>Version]: </a:t>
             </a:r>
             <a:r>
               <a:rPr lang="en-US" sz="2400" dirty="0" smtClean="0">
@@ -5295,7 +10558,7 @@
               </a:buClr>
             </a:pPr>
             <a:r>
-              <a:rPr lang="en-US" dirty="0" smtClean="0">
+              <a:rPr lang="en-US" sz="2000" dirty="0" smtClean="0">
                 <a:latin typeface="Calibri" pitchFamily="34" charset="0"/>
               </a:rPr>
               <a:t>Language-independent;</a:t>
@@ -5308,7 +10571,7 @@
               </a:buClr>
             </a:pPr>
             <a:r>
-              <a:rPr lang="en-US" dirty="0" smtClean="0">
+              <a:rPr lang="en-US" sz="2000" dirty="0" smtClean="0">
                 <a:latin typeface="Calibri" pitchFamily="34" charset="0"/>
               </a:rPr>
               <a:t>domain-robust;</a:t>
@@ -5321,12 +10584,12 @@
               </a:buClr>
             </a:pPr>
             <a:r>
-              <a:rPr lang="en-US" dirty="0" smtClean="0">
+              <a:rPr lang="en-US" sz="2000" dirty="0" smtClean="0">
                 <a:latin typeface="Calibri" pitchFamily="34" charset="0"/>
               </a:rPr>
               <a:t>Platform-independent;</a:t>
             </a:r>
-            <a:endParaRPr lang="en-US" altLang="zh-CN" dirty="0" smtClean="0">
+            <a:endParaRPr lang="en-US" altLang="zh-CN" sz="2000" dirty="0" smtClean="0">
               <a:latin typeface="Calibri" pitchFamily="34" charset="0"/>
             </a:endParaRPr>
           </a:p>
@@ -5337,18 +10600,18 @@
               </a:buClr>
             </a:pPr>
             <a:r>
-              <a:rPr lang="en-US" altLang="zh-CN" dirty="0" smtClean="0">
+              <a:rPr lang="en-US" altLang="zh-CN" sz="2000" dirty="0" smtClean="0">
                 <a:latin typeface="Calibri" pitchFamily="34" charset="0"/>
               </a:rPr>
               <a:t>Do </a:t>
             </a:r>
             <a:r>
-              <a:rPr lang="en-US" altLang="zh-CN" dirty="0">
+              <a:rPr lang="en-US" altLang="zh-CN" sz="2000" dirty="0">
                 <a:latin typeface="Calibri" pitchFamily="34" charset="0"/>
               </a:rPr>
               <a:t>not need prior training</a:t>
             </a:r>
-            <a:endParaRPr lang="en-US" dirty="0">
+            <a:endParaRPr lang="en-US" sz="2000" dirty="0">
               <a:latin typeface="Calibri" pitchFamily="34" charset="0"/>
             </a:endParaRPr>
           </a:p>
@@ -5360,6 +10623,48 @@
           </a:p>
           <a:p>
             <a:endParaRPr lang="en-US" dirty="0"/>
+          </a:p>
+        </p:txBody>
+      </p:sp>
+      <p:sp>
+        <p:nvSpPr>
+          <p:cNvPr id="4" name="Slide Number Placeholder 3"/>
+          <p:cNvSpPr>
+            <a:spLocks noGrp="1"/>
+          </p:cNvSpPr>
+          <p:nvPr>
+            <p:ph type="sldNum" sz="quarter" idx="12"/>
+          </p:nvPr>
+        </p:nvSpPr>
+        <p:spPr/>
+        <p:txBody>
+          <a:bodyPr/>
+          <a:lstStyle/>
+          <a:p>
+            <a:fld id="{0E0E5D40-17DD-4190-869C-D3EB7431A77E}" type="slidenum">
+              <a:rPr lang="en-US" smtClean="0"/>
+              <a:t>5</a:t>
+            </a:fld>
+            <a:endParaRPr lang="en-US"/>
+          </a:p>
+        </p:txBody>
+      </p:sp>
+      <p:sp>
+        <p:nvSpPr>
+          <p:cNvPr id="5" name="Footer Placeholder 4"/>
+          <p:cNvSpPr>
+            <a:spLocks noGrp="1"/>
+          </p:cNvSpPr>
+          <p:nvPr>
+            <p:ph type="ftr" sz="quarter" idx="11"/>
+          </p:nvPr>
+        </p:nvSpPr>
+        <p:spPr/>
+        <p:txBody>
+          <a:bodyPr/>
+          <a:lstStyle/>
+          <a:p>
+            <a:endParaRPr lang="en-US"/>
           </a:p>
         </p:txBody>
       </p:sp>
@@ -6677,6 +11982,48 @@
           </a:prstGeom>
         </p:spPr>
       </p:pic>
+      <p:sp>
+        <p:nvSpPr>
+          <p:cNvPr id="3" name="Slide Number Placeholder 2"/>
+          <p:cNvSpPr>
+            <a:spLocks noGrp="1"/>
+          </p:cNvSpPr>
+          <p:nvPr>
+            <p:ph type="sldNum" sz="quarter" idx="12"/>
+          </p:nvPr>
+        </p:nvSpPr>
+        <p:spPr/>
+        <p:txBody>
+          <a:bodyPr/>
+          <a:lstStyle/>
+          <a:p>
+            <a:fld id="{0E0E5D40-17DD-4190-869C-D3EB7431A77E}" type="slidenum">
+              <a:rPr lang="en-US" smtClean="0"/>
+              <a:t>6</a:t>
+            </a:fld>
+            <a:endParaRPr lang="en-US"/>
+          </a:p>
+        </p:txBody>
+      </p:sp>
+      <p:sp>
+        <p:nvSpPr>
+          <p:cNvPr id="10" name="Footer Placeholder 9"/>
+          <p:cNvSpPr>
+            <a:spLocks noGrp="1"/>
+          </p:cNvSpPr>
+          <p:nvPr>
+            <p:ph type="ftr" sz="quarter" idx="11"/>
+          </p:nvPr>
+        </p:nvSpPr>
+        <p:spPr/>
+        <p:txBody>
+          <a:bodyPr/>
+          <a:lstStyle/>
+          <a:p>
+            <a:endParaRPr lang="en-US"/>
+          </a:p>
+        </p:txBody>
+      </p:sp>
     </p:spTree>
     <p:extLst>
       <p:ext uri="{BB962C8B-B14F-4D97-AF65-F5344CB8AC3E}">
@@ -6724,6 +12071,237 @@
             <p:ph type="title"/>
           </p:nvPr>
         </p:nvSpPr>
+        <p:spPr>
+          <a:xfrm>
+            <a:off x="381000" y="152400"/>
+            <a:ext cx="7620000" cy="1143000"/>
+          </a:xfrm>
+        </p:spPr>
+        <p:txBody>
+          <a:bodyPr/>
+          <a:lstStyle/>
+          <a:p>
+            <a:r>
+              <a:rPr lang="en-US" sz="3600" dirty="0" smtClean="0"/>
+              <a:t>System workflow (offline)</a:t>
+            </a:r>
+            <a:r>
+              <a:rPr lang="en-US" sz="4000" dirty="0" smtClean="0"/>
+              <a:t/>
+            </a:r>
+            <a:br>
+              <a:rPr lang="en-US" sz="4000" dirty="0" smtClean="0"/>
+            </a:br>
+            <a:r>
+              <a:rPr lang="en-US" sz="3600" dirty="0"/>
+              <a:t>	</a:t>
+            </a:r>
+            <a:r>
+              <a:rPr lang="en-US" sz="2400" dirty="0" smtClean="0"/>
+              <a:t>adopt binary key speaker modelling</a:t>
+            </a:r>
+            <a:endParaRPr lang="en-US" sz="2400" dirty="0"/>
+          </a:p>
+        </p:txBody>
+      </p:sp>
+      <p:pic>
+        <p:nvPicPr>
+          <p:cNvPr id="4" name="图片 7"/>
+          <p:cNvPicPr>
+            <a:picLocks noGrp="1"/>
+          </p:cNvPicPr>
+          <p:nvPr>
+            <p:ph idx="1"/>
+          </p:nvPr>
+        </p:nvPicPr>
+        <p:blipFill>
+          <a:blip r:embed="rId2" cstate="print">
+            <a:extLst>
+              <a:ext uri="{28A0092B-C50C-407E-A947-70E740481C1C}">
+                <a14:useLocalDpi xmlns:a14="http://schemas.microsoft.com/office/drawing/2010/main" val="0"/>
+              </a:ext>
+            </a:extLst>
+          </a:blip>
+          <a:stretch>
+            <a:fillRect/>
+          </a:stretch>
+        </p:blipFill>
+        <p:spPr>
+          <a:xfrm>
+            <a:off x="304800" y="1409700"/>
+            <a:ext cx="4419600" cy="5257800"/>
+          </a:xfrm>
+          <a:prstGeom prst="rect">
+            <a:avLst/>
+          </a:prstGeom>
+        </p:spPr>
+      </p:pic>
+      <p:sp>
+        <p:nvSpPr>
+          <p:cNvPr id="5" name="TextBox 4"/>
+          <p:cNvSpPr txBox="1"/>
+          <p:nvPr/>
+        </p:nvSpPr>
+        <p:spPr>
+          <a:xfrm>
+            <a:off x="4876800" y="2209800"/>
+            <a:ext cx="3886200" cy="584775"/>
+          </a:xfrm>
+          <a:prstGeom prst="rect">
+            <a:avLst/>
+          </a:prstGeom>
+          <a:noFill/>
+        </p:spPr>
+        <p:txBody>
+          <a:bodyPr wrap="square" rtlCol="0">
+            <a:spAutoFit/>
+          </a:bodyPr>
+          <a:lstStyle/>
+          <a:p>
+            <a:r>
+              <a:rPr lang="en-US" sz="1600" dirty="0" smtClean="0">
+                <a:ea typeface="Tahoma" panose="020B0604030504040204" pitchFamily="34" charset="0"/>
+                <a:cs typeface="Times New Roman" panose="02020603050405020304" pitchFamily="18" charset="0"/>
+              </a:rPr>
+              <a:t>Train MFCC to obtain KBM that model the acoustic space of the audio</a:t>
+            </a:r>
+          </a:p>
+        </p:txBody>
+      </p:sp>
+      <p:sp>
+        <p:nvSpPr>
+          <p:cNvPr id="6" name="TextBox 5"/>
+          <p:cNvSpPr txBox="1"/>
+          <p:nvPr/>
+        </p:nvSpPr>
+        <p:spPr>
+          <a:xfrm>
+            <a:off x="4191000" y="4038600"/>
+            <a:ext cx="3886200" cy="1354217"/>
+          </a:xfrm>
+          <a:prstGeom prst="rect">
+            <a:avLst/>
+          </a:prstGeom>
+          <a:noFill/>
+        </p:spPr>
+        <p:txBody>
+          <a:bodyPr wrap="square" rtlCol="0">
+            <a:spAutoFit/>
+          </a:bodyPr>
+          <a:lstStyle/>
+          <a:p>
+            <a:pPr lvl="0"/>
+            <a:r>
+              <a:rPr lang="en-US" sz="1600" dirty="0" smtClean="0"/>
+              <a:t>Transform </a:t>
+            </a:r>
+            <a:r>
+              <a:rPr lang="en-US" sz="1600" dirty="0"/>
+              <a:t>the vector of features of segments or clusters into Cumulative Vector (CV) </a:t>
+            </a:r>
+            <a:r>
+              <a:rPr lang="en-US" sz="1600" dirty="0" smtClean="0"/>
+              <a:t>which </a:t>
+            </a:r>
+            <a:r>
+              <a:rPr lang="en-US" sz="1600" dirty="0"/>
+              <a:t>is used as the representation of segments or clusters</a:t>
+            </a:r>
+          </a:p>
+          <a:p>
+            <a:endParaRPr lang="en-US" sz="1600" dirty="0" smtClean="0"/>
+          </a:p>
+        </p:txBody>
+      </p:sp>
+      <p:sp>
+        <p:nvSpPr>
+          <p:cNvPr id="7" name="Slide Number Placeholder 6"/>
+          <p:cNvSpPr>
+            <a:spLocks noGrp="1"/>
+          </p:cNvSpPr>
+          <p:nvPr>
+            <p:ph type="sldNum" sz="quarter" idx="12"/>
+          </p:nvPr>
+        </p:nvSpPr>
+        <p:spPr/>
+        <p:txBody>
+          <a:bodyPr/>
+          <a:lstStyle/>
+          <a:p>
+            <a:fld id="{0E0E5D40-17DD-4190-869C-D3EB7431A77E}" type="slidenum">
+              <a:rPr lang="en-US" smtClean="0"/>
+              <a:t>7</a:t>
+            </a:fld>
+            <a:endParaRPr lang="en-US"/>
+          </a:p>
+        </p:txBody>
+      </p:sp>
+      <p:sp>
+        <p:nvSpPr>
+          <p:cNvPr id="8" name="Footer Placeholder 7"/>
+          <p:cNvSpPr>
+            <a:spLocks noGrp="1"/>
+          </p:cNvSpPr>
+          <p:nvPr>
+            <p:ph type="ftr" sz="quarter" idx="11"/>
+          </p:nvPr>
+        </p:nvSpPr>
+        <p:spPr/>
+        <p:txBody>
+          <a:bodyPr/>
+          <a:lstStyle/>
+          <a:p>
+            <a:endParaRPr lang="en-US"/>
+          </a:p>
+        </p:txBody>
+      </p:sp>
+    </p:spTree>
+    <p:extLst>
+      <p:ext uri="{BB962C8B-B14F-4D97-AF65-F5344CB8AC3E}">
+        <p14:creationId xmlns:p14="http://schemas.microsoft.com/office/powerpoint/2010/main" val="3051720727"/>
+      </p:ext>
+    </p:extLst>
+  </p:cSld>
+  <p:clrMapOvr>
+    <a:masterClrMapping/>
+  </p:clrMapOvr>
+  <p:timing>
+    <p:tnLst>
+      <p:par>
+        <p:cTn id="1" dur="indefinite" restart="never" nodeType="tmRoot"/>
+      </p:par>
+    </p:tnLst>
+  </p:timing>
+</p:sld>
+</file>
+
+<file path=ppt/slides/slide8.xml><?xml version="1.0" encoding="utf-8"?>
+<p:sld xmlns:a="http://schemas.openxmlformats.org/drawingml/2006/main" xmlns:r="http://schemas.openxmlformats.org/officeDocument/2006/relationships" xmlns:p="http://schemas.openxmlformats.org/presentationml/2006/main">
+  <p:cSld>
+    <p:spTree>
+      <p:nvGrpSpPr>
+        <p:cNvPr id="1" name=""/>
+        <p:cNvGrpSpPr/>
+        <p:nvPr/>
+      </p:nvGrpSpPr>
+      <p:grpSpPr>
+        <a:xfrm>
+          <a:off x="0" y="0"/>
+          <a:ext cx="0" cy="0"/>
+          <a:chOff x="0" y="0"/>
+          <a:chExt cx="0" cy="0"/>
+        </a:xfrm>
+      </p:grpSpPr>
+      <p:sp>
+        <p:nvSpPr>
+          <p:cNvPr id="2" name="Title 1"/>
+          <p:cNvSpPr>
+            <a:spLocks noGrp="1"/>
+          </p:cNvSpPr>
+          <p:nvPr>
+            <p:ph type="title"/>
+          </p:nvPr>
+        </p:nvSpPr>
         <p:spPr/>
         <p:txBody>
           <a:bodyPr/>
@@ -6745,10 +12323,10 @@
         </p:nvGrpSpPr>
         <p:grpSpPr>
           <a:xfrm>
-            <a:off x="304800" y="1708844"/>
-            <a:ext cx="8866094" cy="4822943"/>
-            <a:chOff x="18391801" y="6400066"/>
-            <a:chExt cx="10978630" cy="5972112"/>
+            <a:off x="304800" y="1662767"/>
+            <a:ext cx="8875536" cy="4869020"/>
+            <a:chOff x="18391801" y="6343010"/>
+            <a:chExt cx="10990322" cy="6029168"/>
           </a:xfrm>
         </p:grpSpPr>
         <p:grpSp>
@@ -9376,8 +14954,8 @@
                 </a:p>
               </p:txBody>
             </p:sp>
-            <mc:AlternateContent xmlns:mc="http://schemas.openxmlformats.org/markup-compatibility/2006">
-              <mc:Choice xmlns:a14="http://schemas.microsoft.com/office/drawing/2010/main" Requires="a14">
+            <mc:AlternateContent xmlns:mc="http://schemas.openxmlformats.org/markup-compatibility/2006" xmlns:a14="http://schemas.microsoft.com/office/drawing/2010/main">
+              <mc:Choice Requires="a14">
                 <p:sp>
                   <p:nvSpPr>
                     <p:cNvPr id="16" name="Rectangle 15"/>
@@ -9584,7 +15162,7 @@
                   </p:txBody>
                 </p:sp>
               </mc:Choice>
-              <mc:Fallback>
+              <mc:Fallback xmlns="">
                 <p:sp>
                   <p:nvSpPr>
                     <p:cNvPr id="16" name="Rectangle 15"/>
@@ -9623,8 +15201,8 @@
                 </p:sp>
               </mc:Fallback>
             </mc:AlternateContent>
-            <mc:AlternateContent xmlns:mc="http://schemas.openxmlformats.org/markup-compatibility/2006">
-              <mc:Choice xmlns:a14="http://schemas.microsoft.com/office/drawing/2010/main" Requires="a14">
+            <mc:AlternateContent xmlns:mc="http://schemas.openxmlformats.org/markup-compatibility/2006" xmlns:a14="http://schemas.microsoft.com/office/drawing/2010/main">
+              <mc:Choice Requires="a14">
                 <p:sp>
                   <p:nvSpPr>
                     <p:cNvPr id="17" name="Rectangle 16"/>
@@ -9820,7 +15398,7 @@
                   </p:txBody>
                 </p:sp>
               </mc:Choice>
-              <mc:Fallback>
+              <mc:Fallback xmlns="">
                 <p:sp>
                   <p:nvSpPr>
                     <p:cNvPr id="17" name="Rectangle 16"/>
@@ -10138,7 +15716,7 @@
           </p:nvSpPr>
           <p:spPr>
             <a:xfrm>
-              <a:off x="25438688" y="9225468"/>
+              <a:off x="25450380" y="8798588"/>
               <a:ext cx="3931743" cy="800333"/>
             </a:xfrm>
             <a:prstGeom prst="rect">
@@ -10261,7 +15839,7 @@
           </p:nvSpPr>
           <p:spPr>
             <a:xfrm>
-              <a:off x="25243804" y="6400066"/>
+              <a:off x="25243804" y="6343010"/>
               <a:ext cx="1403981" cy="1143333"/>
             </a:xfrm>
             <a:prstGeom prst="rect">
@@ -10387,9 +15965,9 @@
             <p:nvPr/>
           </p:nvCxnSpPr>
           <p:spPr>
-            <a:xfrm>
-              <a:off x="24498965" y="6971733"/>
-              <a:ext cx="744839" cy="0"/>
+            <a:xfrm flipV="1">
+              <a:off x="24498965" y="6914677"/>
+              <a:ext cx="744839" cy="57056"/>
             </a:xfrm>
             <a:prstGeom prst="straightConnector1">
               <a:avLst/>
@@ -10420,9 +15998,9 @@
             <p:nvPr/>
           </p:nvSpPr>
           <p:spPr>
-            <a:xfrm rot="4185865">
-              <a:off x="25967050" y="7771453"/>
-              <a:ext cx="1201105" cy="972175"/>
+            <a:xfrm rot="2851959">
+              <a:off x="25967050" y="7654171"/>
+              <a:ext cx="1201105" cy="972176"/>
             </a:xfrm>
             <a:prstGeom prst="rightArrow">
               <a:avLst/>
@@ -10556,6 +16134,48 @@
           </p:txBody>
         </p:sp>
       </p:grpSp>
+      <p:sp>
+        <p:nvSpPr>
+          <p:cNvPr id="3" name="Slide Number Placeholder 2"/>
+          <p:cNvSpPr>
+            <a:spLocks noGrp="1"/>
+          </p:cNvSpPr>
+          <p:nvPr>
+            <p:ph type="sldNum" sz="quarter" idx="12"/>
+          </p:nvPr>
+        </p:nvSpPr>
+        <p:spPr/>
+        <p:txBody>
+          <a:bodyPr/>
+          <a:lstStyle/>
+          <a:p>
+            <a:fld id="{0E0E5D40-17DD-4190-869C-D3EB7431A77E}" type="slidenum">
+              <a:rPr lang="en-US" smtClean="0"/>
+              <a:t>8</a:t>
+            </a:fld>
+            <a:endParaRPr lang="en-US"/>
+          </a:p>
+        </p:txBody>
+      </p:sp>
+      <p:sp>
+        <p:nvSpPr>
+          <p:cNvPr id="4" name="Footer Placeholder 3"/>
+          <p:cNvSpPr>
+            <a:spLocks noGrp="1"/>
+          </p:cNvSpPr>
+          <p:nvPr>
+            <p:ph type="ftr" sz="quarter" idx="11"/>
+          </p:nvPr>
+        </p:nvSpPr>
+        <p:spPr/>
+        <p:txBody>
+          <a:bodyPr/>
+          <a:lstStyle/>
+          <a:p>
+            <a:endParaRPr lang="en-US"/>
+          </a:p>
+        </p:txBody>
+      </p:sp>
     </p:spTree>
     <p:extLst>
       <p:ext uri="{BB962C8B-B14F-4D97-AF65-F5344CB8AC3E}">
@@ -10576,7 +16196,7 @@
 </p:sld>
 </file>
 
-<file path=ppt/slides/slide8.xml><?xml version="1.0" encoding="utf-8"?>
+<file path=ppt/slides/slide9.xml><?xml version="1.0" encoding="utf-8"?>
 <p:sld xmlns:a="http://schemas.openxmlformats.org/drawingml/2006/main" xmlns:r="http://schemas.openxmlformats.org/officeDocument/2006/relationships" xmlns:p="http://schemas.openxmlformats.org/presentationml/2006/main">
   <p:cSld>
     <p:spTree>
@@ -11267,8 +16887,8 @@
                     </a:p>
                   </p:txBody>
                 </p:sp>
-                <mc:AlternateContent xmlns:mc="http://schemas.openxmlformats.org/markup-compatibility/2006">
-                  <mc:Choice xmlns:a14="http://schemas.microsoft.com/office/drawing/2010/main" Requires="a14">
+                <mc:AlternateContent xmlns:mc="http://schemas.openxmlformats.org/markup-compatibility/2006" xmlns:a14="http://schemas.microsoft.com/office/drawing/2010/main">
+                  <mc:Choice Requires="a14">
                     <p:sp>
                       <p:nvSpPr>
                         <p:cNvPr id="114" name="TextBox 174"/>
@@ -11451,7 +17071,7 @@
                       </p:txBody>
                     </p:sp>
                   </mc:Choice>
-                  <mc:Fallback>
+                  <mc:Fallback xmlns="">
                     <p:sp>
                       <p:nvSpPr>
                         <p:cNvPr id="114" name="TextBox 174"/>
@@ -18325,8 +23945,8 @@
               </p:nvSpPr>
               <p:spPr>
                 <a:xfrm>
-                  <a:off x="28784024" y="9637281"/>
-                  <a:ext cx="1422077" cy="835444"/>
+                  <a:off x="28948425" y="9637282"/>
+                  <a:ext cx="1422077" cy="848917"/>
                 </a:xfrm>
                 <a:prstGeom prst="rect">
                   <a:avLst/>
@@ -18434,10 +24054,10 @@
                 </a:lstStyle>
                 <a:p>
                   <a:r>
-                    <a:rPr lang="en-US" altLang="zh-CN" sz="1800" b="1" dirty="0"/>
+                    <a:rPr lang="en-US" altLang="zh-CN" sz="1800" dirty="0"/>
                     <a:t>Binary Key (BK)</a:t>
                   </a:r>
-                  <a:endParaRPr lang="en-US" sz="1800" b="1" dirty="0"/>
+                  <a:endParaRPr lang="en-US" sz="1800" dirty="0"/>
                 </a:p>
               </p:txBody>
             </p:sp>
@@ -18883,350 +24503,58 @@
           </a:fontRef>
         </p:style>
       </p:cxnSp>
-    </p:spTree>
-    <p:extLst>
-      <p:ext uri="{BB962C8B-B14F-4D97-AF65-F5344CB8AC3E}">
-        <p14:creationId xmlns:p14="http://schemas.microsoft.com/office/powerpoint/2010/main" val="2259790792"/>
-      </p:ext>
-    </p:extLst>
-  </p:cSld>
-  <p:clrMapOvr>
-    <a:masterClrMapping/>
-  </p:clrMapOvr>
-  <p:timing>
-    <p:tnLst>
-      <p:par>
-        <p:cTn id="1" dur="indefinite" restart="never" nodeType="tmRoot"/>
-      </p:par>
-    </p:tnLst>
-  </p:timing>
-</p:sld>
-</file>
-
-<file path=ppt/slides/slide9.xml><?xml version="1.0" encoding="utf-8"?>
-<p:sld xmlns:a="http://schemas.openxmlformats.org/drawingml/2006/main" xmlns:r="http://schemas.openxmlformats.org/officeDocument/2006/relationships" xmlns:p="http://schemas.openxmlformats.org/presentationml/2006/main">
-  <p:cSld>
-    <p:spTree>
-      <p:nvGrpSpPr>
-        <p:cNvPr id="1" name=""/>
-        <p:cNvGrpSpPr/>
-        <p:nvPr/>
-      </p:nvGrpSpPr>
-      <p:grpSpPr>
-        <a:xfrm>
-          <a:off x="0" y="0"/>
-          <a:ext cx="0" cy="0"/>
-          <a:chOff x="0" y="0"/>
-          <a:chExt cx="0" cy="0"/>
-        </a:xfrm>
-      </p:grpSpPr>
       <p:sp>
         <p:nvSpPr>
-          <p:cNvPr id="2" name="Title 1"/>
+          <p:cNvPr id="3" name="Slide Number Placeholder 2"/>
           <p:cNvSpPr>
             <a:spLocks noGrp="1"/>
           </p:cNvSpPr>
           <p:nvPr>
-            <p:ph type="title"/>
+            <p:ph type="sldNum" sz="quarter" idx="12"/>
           </p:nvPr>
         </p:nvSpPr>
-        <p:spPr>
-          <a:xfrm>
-            <a:off x="304800" y="-76200"/>
-            <a:ext cx="7620000" cy="1143000"/>
-          </a:xfrm>
-        </p:spPr>
+        <p:spPr/>
         <p:txBody>
           <a:bodyPr/>
           <a:lstStyle/>
           <a:p>
-            <a:r>
-              <a:rPr lang="en-US" dirty="0" smtClean="0"/>
-              <a:t>Real-time system</a:t>
-            </a:r>
-            <a:endParaRPr lang="en-US" dirty="0"/>
-          </a:p>
-        </p:txBody>
-      </p:sp>
-      <p:pic>
-        <p:nvPicPr>
-          <p:cNvPr id="4" name="图片 5"/>
-          <p:cNvPicPr>
-            <a:picLocks noChangeAspect="1"/>
-          </p:cNvPicPr>
-          <p:nvPr/>
-        </p:nvPicPr>
-        <p:blipFill rotWithShape="1">
-          <a:blip r:embed="rId2">
-            <a:extLst>
-              <a:ext uri="{28A0092B-C50C-407E-A947-70E740481C1C}">
-                <a14:useLocalDpi xmlns:a14="http://schemas.microsoft.com/office/drawing/2010/main" val="0"/>
-              </a:ext>
-            </a:extLst>
-          </a:blip>
-          <a:srcRect r="52245"/>
-          <a:stretch/>
-        </p:blipFill>
-        <p:spPr>
-          <a:xfrm>
-            <a:off x="404082" y="2901371"/>
-            <a:ext cx="1135755" cy="874837"/>
-          </a:xfrm>
-          <a:prstGeom prst="rect">
-            <a:avLst/>
-          </a:prstGeom>
-        </p:spPr>
-      </p:pic>
-      <p:grpSp>
-        <p:nvGrpSpPr>
-          <p:cNvPr id="8" name="Group 7"/>
-          <p:cNvGrpSpPr/>
-          <p:nvPr/>
-        </p:nvGrpSpPr>
-        <p:grpSpPr>
-          <a:xfrm>
-            <a:off x="408525" y="3945978"/>
-            <a:ext cx="1233410" cy="874837"/>
-            <a:chOff x="684167" y="3401436"/>
-            <a:chExt cx="1233410" cy="874837"/>
-          </a:xfrm>
-        </p:grpSpPr>
-        <p:pic>
-          <p:nvPicPr>
-            <p:cNvPr id="6" name="图片 5"/>
-            <p:cNvPicPr>
-              <a:picLocks noChangeAspect="1"/>
-            </p:cNvPicPr>
-            <p:nvPr/>
-          </p:nvPicPr>
-          <p:blipFill rotWithShape="1">
-            <a:blip r:embed="rId2">
-              <a:lum bright="70000" contrast="-70000"/>
-              <a:extLst>
-                <a:ext uri="{28A0092B-C50C-407E-A947-70E740481C1C}">
-                  <a14:useLocalDpi xmlns:a14="http://schemas.microsoft.com/office/drawing/2010/main" val="0"/>
-                </a:ext>
-              </a:extLst>
-            </a:blip>
-            <a:srcRect r="52245"/>
-            <a:stretch/>
-          </p:blipFill>
-          <p:spPr>
-            <a:xfrm>
-              <a:off x="684167" y="3401436"/>
-              <a:ext cx="1135755" cy="874837"/>
-            </a:xfrm>
-            <a:prstGeom prst="rect">
-              <a:avLst/>
-            </a:prstGeom>
-          </p:spPr>
-        </p:pic>
-        <p:pic>
-          <p:nvPicPr>
-            <p:cNvPr id="7" name="图片 5"/>
-            <p:cNvPicPr>
-              <a:picLocks noChangeAspect="1"/>
-            </p:cNvPicPr>
-            <p:nvPr/>
-          </p:nvPicPr>
-          <p:blipFill rotWithShape="1">
-            <a:blip r:embed="rId2">
-              <a:extLst>
-                <a:ext uri="{28A0092B-C50C-407E-A947-70E740481C1C}">
-                  <a14:useLocalDpi xmlns:a14="http://schemas.microsoft.com/office/drawing/2010/main" val="0"/>
-                </a:ext>
-              </a:extLst>
-            </a:blip>
-            <a:srcRect l="47755" r="48139"/>
-            <a:stretch/>
-          </p:blipFill>
-          <p:spPr>
-            <a:xfrm>
-              <a:off x="1819922" y="3401436"/>
-              <a:ext cx="97655" cy="874837"/>
-            </a:xfrm>
-            <a:prstGeom prst="rect">
-              <a:avLst/>
-            </a:prstGeom>
-          </p:spPr>
-        </p:pic>
-      </p:grpSp>
-      <p:sp>
-        <p:nvSpPr>
-          <p:cNvPr id="9" name="Rectangle 8"/>
-          <p:cNvSpPr/>
-          <p:nvPr/>
-        </p:nvSpPr>
-        <p:spPr>
-          <a:xfrm>
-            <a:off x="2008725" y="4205631"/>
-            <a:ext cx="1137820" cy="861807"/>
-          </a:xfrm>
-          <a:prstGeom prst="rect">
-            <a:avLst/>
-          </a:prstGeom>
-          <a:noFill/>
-          <a:ln w="12700">
-            <a:solidFill>
-              <a:schemeClr val="tx1"/>
-            </a:solidFill>
-          </a:ln>
-        </p:spPr>
-        <p:style>
-          <a:lnRef idx="2">
-            <a:schemeClr val="accent1">
-              <a:shade val="50000"/>
-            </a:schemeClr>
-          </a:lnRef>
-          <a:fillRef idx="1">
-            <a:schemeClr val="accent1"/>
-          </a:fillRef>
-          <a:effectRef idx="0">
-            <a:schemeClr val="accent1"/>
-          </a:effectRef>
-          <a:fontRef idx="minor">
-            <a:schemeClr val="lt1"/>
-          </a:fontRef>
-        </p:style>
-        <p:txBody>
-          <a:bodyPr rtlCol="0" anchor="ctr"/>
-          <a:lstStyle>
-            <a:defPPr>
-              <a:defRPr lang="en-US"/>
-            </a:defPPr>
-            <a:lvl1pPr marL="0" algn="l" defTabSz="3291279" rtl="0" eaLnBrk="1" latinLnBrk="0" hangingPunct="1">
-              <a:defRPr sz="6400" kern="1200">
-                <a:solidFill>
-                  <a:schemeClr val="lt1"/>
-                </a:solidFill>
-                <a:latin typeface="+mn-lt"/>
-                <a:ea typeface="+mn-ea"/>
-                <a:cs typeface="+mn-cs"/>
-              </a:defRPr>
-            </a:lvl1pPr>
-            <a:lvl2pPr marL="1645640" algn="l" defTabSz="3291279" rtl="0" eaLnBrk="1" latinLnBrk="0" hangingPunct="1">
-              <a:defRPr sz="6400" kern="1200">
-                <a:solidFill>
-                  <a:schemeClr val="lt1"/>
-                </a:solidFill>
-                <a:latin typeface="+mn-lt"/>
-                <a:ea typeface="+mn-ea"/>
-                <a:cs typeface="+mn-cs"/>
-              </a:defRPr>
-            </a:lvl2pPr>
-            <a:lvl3pPr marL="3291279" algn="l" defTabSz="3291279" rtl="0" eaLnBrk="1" latinLnBrk="0" hangingPunct="1">
-              <a:defRPr sz="6400" kern="1200">
-                <a:solidFill>
-                  <a:schemeClr val="lt1"/>
-                </a:solidFill>
-                <a:latin typeface="+mn-lt"/>
-                <a:ea typeface="+mn-ea"/>
-                <a:cs typeface="+mn-cs"/>
-              </a:defRPr>
-            </a:lvl3pPr>
-            <a:lvl4pPr marL="4936919" algn="l" defTabSz="3291279" rtl="0" eaLnBrk="1" latinLnBrk="0" hangingPunct="1">
-              <a:defRPr sz="6400" kern="1200">
-                <a:solidFill>
-                  <a:schemeClr val="lt1"/>
-                </a:solidFill>
-                <a:latin typeface="+mn-lt"/>
-                <a:ea typeface="+mn-ea"/>
-                <a:cs typeface="+mn-cs"/>
-              </a:defRPr>
-            </a:lvl4pPr>
-            <a:lvl5pPr marL="6582559" algn="l" defTabSz="3291279" rtl="0" eaLnBrk="1" latinLnBrk="0" hangingPunct="1">
-              <a:defRPr sz="6400" kern="1200">
-                <a:solidFill>
-                  <a:schemeClr val="lt1"/>
-                </a:solidFill>
-                <a:latin typeface="+mn-lt"/>
-                <a:ea typeface="+mn-ea"/>
-                <a:cs typeface="+mn-cs"/>
-              </a:defRPr>
-            </a:lvl5pPr>
-            <a:lvl6pPr marL="8228198" algn="l" defTabSz="3291279" rtl="0" eaLnBrk="1" latinLnBrk="0" hangingPunct="1">
-              <a:defRPr sz="6400" kern="1200">
-                <a:solidFill>
-                  <a:schemeClr val="lt1"/>
-                </a:solidFill>
-                <a:latin typeface="+mn-lt"/>
-                <a:ea typeface="+mn-ea"/>
-                <a:cs typeface="+mn-cs"/>
-              </a:defRPr>
-            </a:lvl6pPr>
-            <a:lvl7pPr marL="9873837" algn="l" defTabSz="3291279" rtl="0" eaLnBrk="1" latinLnBrk="0" hangingPunct="1">
-              <a:defRPr sz="6400" kern="1200">
-                <a:solidFill>
-                  <a:schemeClr val="lt1"/>
-                </a:solidFill>
-                <a:latin typeface="+mn-lt"/>
-                <a:ea typeface="+mn-ea"/>
-                <a:cs typeface="+mn-cs"/>
-              </a:defRPr>
-            </a:lvl7pPr>
-            <a:lvl8pPr marL="11519478" algn="l" defTabSz="3291279" rtl="0" eaLnBrk="1" latinLnBrk="0" hangingPunct="1">
-              <a:defRPr sz="6400" kern="1200">
-                <a:solidFill>
-                  <a:schemeClr val="lt1"/>
-                </a:solidFill>
-                <a:latin typeface="+mn-lt"/>
-                <a:ea typeface="+mn-ea"/>
-                <a:cs typeface="+mn-cs"/>
-              </a:defRPr>
-            </a:lvl8pPr>
-            <a:lvl9pPr marL="13165118" algn="l" defTabSz="3291279" rtl="0" eaLnBrk="1" latinLnBrk="0" hangingPunct="1">
-              <a:defRPr sz="6400" kern="1200">
-                <a:solidFill>
-                  <a:schemeClr val="lt1"/>
-                </a:solidFill>
-                <a:latin typeface="+mn-lt"/>
-                <a:ea typeface="+mn-ea"/>
-                <a:cs typeface="+mn-cs"/>
-              </a:defRPr>
-            </a:lvl9pPr>
-          </a:lstStyle>
-          <a:p>
-            <a:pPr algn="ctr"/>
-            <a:r>
-              <a:rPr lang="en-US" sz="1800" dirty="0" smtClean="0">
-                <a:solidFill>
-                  <a:schemeClr val="tx1"/>
-                </a:solidFill>
-              </a:rPr>
-              <a:t>VAD,  </a:t>
-            </a:r>
-          </a:p>
-          <a:p>
-            <a:pPr algn="ctr"/>
-            <a:r>
-              <a:rPr lang="en-US" sz="1800" dirty="0" smtClean="0">
-                <a:solidFill>
-                  <a:schemeClr val="tx1"/>
-                </a:solidFill>
-              </a:rPr>
-              <a:t>Feature </a:t>
-            </a:r>
-            <a:r>
-              <a:rPr lang="en-US" sz="1800" dirty="0">
-                <a:solidFill>
-                  <a:schemeClr val="tx1"/>
-                </a:solidFill>
-              </a:rPr>
-              <a:t>extraction</a:t>
-            </a:r>
+            <a:fld id="{0E0E5D40-17DD-4190-869C-D3EB7431A77E}" type="slidenum">
+              <a:rPr lang="en-US" smtClean="0"/>
+              <a:t>9</a:t>
+            </a:fld>
+            <a:endParaRPr lang="en-US"/>
           </a:p>
         </p:txBody>
       </p:sp>
       <p:sp>
         <p:nvSpPr>
-          <p:cNvPr id="10" name="TextBox 9"/>
+          <p:cNvPr id="4" name="Footer Placeholder 3"/>
+          <p:cNvSpPr>
+            <a:spLocks noGrp="1"/>
+          </p:cNvSpPr>
+          <p:nvPr>
+            <p:ph type="ftr" sz="quarter" idx="11"/>
+          </p:nvPr>
+        </p:nvSpPr>
+        <p:spPr/>
+        <p:txBody>
+          <a:bodyPr/>
+          <a:lstStyle/>
+          <a:p>
+            <a:endParaRPr lang="en-US"/>
+          </a:p>
+        </p:txBody>
+      </p:sp>
+      <p:sp>
+        <p:nvSpPr>
+          <p:cNvPr id="5" name="TextBox 4"/>
           <p:cNvSpPr txBox="1"/>
           <p:nvPr/>
         </p:nvSpPr>
         <p:spPr>
           <a:xfrm>
-            <a:off x="404082" y="2778279"/>
-            <a:ext cx="1103939" cy="369332"/>
+            <a:off x="6019800" y="609600"/>
+            <a:ext cx="1408477" cy="369332"/>
           </a:xfrm>
           <a:prstGeom prst="rect">
             <a:avLst/>
@@ -19239,1719 +24567,14 @@
           </a:bodyPr>
           <a:lstStyle/>
           <a:p>
-            <a:r>
-              <a:rPr lang="en-US" dirty="0" smtClean="0"/>
-              <a:t>All Data</a:t>
-            </a:r>
             <a:endParaRPr lang="en-US" dirty="0"/>
-          </a:p>
-        </p:txBody>
-      </p:sp>
-      <p:sp>
-        <p:nvSpPr>
-          <p:cNvPr id="11" name="TextBox 10"/>
-          <p:cNvSpPr txBox="1"/>
-          <p:nvPr/>
-        </p:nvSpPr>
-        <p:spPr>
-          <a:xfrm>
-            <a:off x="440341" y="4663713"/>
-            <a:ext cx="1103939" cy="369332"/>
-          </a:xfrm>
-          <a:prstGeom prst="rect">
-            <a:avLst/>
-          </a:prstGeom>
-          <a:noFill/>
-        </p:spPr>
-        <p:txBody>
-          <a:bodyPr wrap="square" rtlCol="0">
-            <a:spAutoFit/>
-          </a:bodyPr>
-          <a:lstStyle/>
-          <a:p>
-            <a:r>
-              <a:rPr lang="en-US" dirty="0" smtClean="0"/>
-              <a:t>New Data</a:t>
-            </a:r>
-            <a:endParaRPr lang="en-US" dirty="0"/>
-          </a:p>
-        </p:txBody>
-      </p:sp>
-      <p:sp>
-        <p:nvSpPr>
-          <p:cNvPr id="12" name="Rectangle 11"/>
-          <p:cNvSpPr/>
-          <p:nvPr/>
-        </p:nvSpPr>
-        <p:spPr>
-          <a:xfrm>
-            <a:off x="2063471" y="2470467"/>
-            <a:ext cx="1012054" cy="861807"/>
-          </a:xfrm>
-          <a:prstGeom prst="rect">
-            <a:avLst/>
-          </a:prstGeom>
-          <a:noFill/>
-          <a:ln w="12700">
-            <a:solidFill>
-              <a:schemeClr val="tx1"/>
-            </a:solidFill>
-          </a:ln>
-        </p:spPr>
-        <p:style>
-          <a:lnRef idx="2">
-            <a:schemeClr val="accent1">
-              <a:shade val="50000"/>
-            </a:schemeClr>
-          </a:lnRef>
-          <a:fillRef idx="1">
-            <a:schemeClr val="accent1"/>
-          </a:fillRef>
-          <a:effectRef idx="0">
-            <a:schemeClr val="accent1"/>
-          </a:effectRef>
-          <a:fontRef idx="minor">
-            <a:schemeClr val="lt1"/>
-          </a:fontRef>
-        </p:style>
-        <p:txBody>
-          <a:bodyPr rtlCol="0" anchor="ctr"/>
-          <a:lstStyle>
-            <a:defPPr>
-              <a:defRPr lang="en-US"/>
-            </a:defPPr>
-            <a:lvl1pPr marL="0" algn="l" defTabSz="3291279" rtl="0" eaLnBrk="1" latinLnBrk="0" hangingPunct="1">
-              <a:defRPr sz="6400" kern="1200">
-                <a:solidFill>
-                  <a:schemeClr val="lt1"/>
-                </a:solidFill>
-                <a:latin typeface="+mn-lt"/>
-                <a:ea typeface="+mn-ea"/>
-                <a:cs typeface="+mn-cs"/>
-              </a:defRPr>
-            </a:lvl1pPr>
-            <a:lvl2pPr marL="1645640" algn="l" defTabSz="3291279" rtl="0" eaLnBrk="1" latinLnBrk="0" hangingPunct="1">
-              <a:defRPr sz="6400" kern="1200">
-                <a:solidFill>
-                  <a:schemeClr val="lt1"/>
-                </a:solidFill>
-                <a:latin typeface="+mn-lt"/>
-                <a:ea typeface="+mn-ea"/>
-                <a:cs typeface="+mn-cs"/>
-              </a:defRPr>
-            </a:lvl2pPr>
-            <a:lvl3pPr marL="3291279" algn="l" defTabSz="3291279" rtl="0" eaLnBrk="1" latinLnBrk="0" hangingPunct="1">
-              <a:defRPr sz="6400" kern="1200">
-                <a:solidFill>
-                  <a:schemeClr val="lt1"/>
-                </a:solidFill>
-                <a:latin typeface="+mn-lt"/>
-                <a:ea typeface="+mn-ea"/>
-                <a:cs typeface="+mn-cs"/>
-              </a:defRPr>
-            </a:lvl3pPr>
-            <a:lvl4pPr marL="4936919" algn="l" defTabSz="3291279" rtl="0" eaLnBrk="1" latinLnBrk="0" hangingPunct="1">
-              <a:defRPr sz="6400" kern="1200">
-                <a:solidFill>
-                  <a:schemeClr val="lt1"/>
-                </a:solidFill>
-                <a:latin typeface="+mn-lt"/>
-                <a:ea typeface="+mn-ea"/>
-                <a:cs typeface="+mn-cs"/>
-              </a:defRPr>
-            </a:lvl4pPr>
-            <a:lvl5pPr marL="6582559" algn="l" defTabSz="3291279" rtl="0" eaLnBrk="1" latinLnBrk="0" hangingPunct="1">
-              <a:defRPr sz="6400" kern="1200">
-                <a:solidFill>
-                  <a:schemeClr val="lt1"/>
-                </a:solidFill>
-                <a:latin typeface="+mn-lt"/>
-                <a:ea typeface="+mn-ea"/>
-                <a:cs typeface="+mn-cs"/>
-              </a:defRPr>
-            </a:lvl5pPr>
-            <a:lvl6pPr marL="8228198" algn="l" defTabSz="3291279" rtl="0" eaLnBrk="1" latinLnBrk="0" hangingPunct="1">
-              <a:defRPr sz="6400" kern="1200">
-                <a:solidFill>
-                  <a:schemeClr val="lt1"/>
-                </a:solidFill>
-                <a:latin typeface="+mn-lt"/>
-                <a:ea typeface="+mn-ea"/>
-                <a:cs typeface="+mn-cs"/>
-              </a:defRPr>
-            </a:lvl6pPr>
-            <a:lvl7pPr marL="9873837" algn="l" defTabSz="3291279" rtl="0" eaLnBrk="1" latinLnBrk="0" hangingPunct="1">
-              <a:defRPr sz="6400" kern="1200">
-                <a:solidFill>
-                  <a:schemeClr val="lt1"/>
-                </a:solidFill>
-                <a:latin typeface="+mn-lt"/>
-                <a:ea typeface="+mn-ea"/>
-                <a:cs typeface="+mn-cs"/>
-              </a:defRPr>
-            </a:lvl7pPr>
-            <a:lvl8pPr marL="11519478" algn="l" defTabSz="3291279" rtl="0" eaLnBrk="1" latinLnBrk="0" hangingPunct="1">
-              <a:defRPr sz="6400" kern="1200">
-                <a:solidFill>
-                  <a:schemeClr val="lt1"/>
-                </a:solidFill>
-                <a:latin typeface="+mn-lt"/>
-                <a:ea typeface="+mn-ea"/>
-                <a:cs typeface="+mn-cs"/>
-              </a:defRPr>
-            </a:lvl8pPr>
-            <a:lvl9pPr marL="13165118" algn="l" defTabSz="3291279" rtl="0" eaLnBrk="1" latinLnBrk="0" hangingPunct="1">
-              <a:defRPr sz="6400" kern="1200">
-                <a:solidFill>
-                  <a:schemeClr val="lt1"/>
-                </a:solidFill>
-                <a:latin typeface="+mn-lt"/>
-                <a:ea typeface="+mn-ea"/>
-                <a:cs typeface="+mn-cs"/>
-              </a:defRPr>
-            </a:lvl9pPr>
-          </a:lstStyle>
-          <a:p>
-            <a:pPr algn="ctr"/>
-            <a:r>
-              <a:rPr lang="en-US" sz="1800" dirty="0" smtClean="0">
-                <a:solidFill>
-                  <a:schemeClr val="tx1"/>
-                </a:solidFill>
-              </a:rPr>
-              <a:t>KBM Training</a:t>
-            </a:r>
-            <a:endParaRPr lang="en-US" sz="1800" dirty="0">
-              <a:solidFill>
-                <a:schemeClr val="tx1"/>
-              </a:solidFill>
-            </a:endParaRPr>
-          </a:p>
-        </p:txBody>
-      </p:sp>
-      <p:sp>
-        <p:nvSpPr>
-          <p:cNvPr id="13" name="Rectangle 12"/>
-          <p:cNvSpPr/>
-          <p:nvPr/>
-        </p:nvSpPr>
-        <p:spPr>
-          <a:xfrm>
-            <a:off x="3591909" y="2499647"/>
-            <a:ext cx="1676400" cy="861807"/>
-          </a:xfrm>
-          <a:prstGeom prst="rect">
-            <a:avLst/>
-          </a:prstGeom>
-          <a:noFill/>
-          <a:ln w="12700">
-            <a:solidFill>
-              <a:schemeClr val="tx1"/>
-            </a:solidFill>
-          </a:ln>
-        </p:spPr>
-        <p:style>
-          <a:lnRef idx="2">
-            <a:schemeClr val="accent1">
-              <a:shade val="50000"/>
-            </a:schemeClr>
-          </a:lnRef>
-          <a:fillRef idx="1">
-            <a:schemeClr val="accent1"/>
-          </a:fillRef>
-          <a:effectRef idx="0">
-            <a:schemeClr val="accent1"/>
-          </a:effectRef>
-          <a:fontRef idx="minor">
-            <a:schemeClr val="lt1"/>
-          </a:fontRef>
-        </p:style>
-        <p:txBody>
-          <a:bodyPr rtlCol="0" anchor="ctr"/>
-          <a:lstStyle>
-            <a:defPPr>
-              <a:defRPr lang="en-US"/>
-            </a:defPPr>
-            <a:lvl1pPr marL="0" algn="l" defTabSz="3291279" rtl="0" eaLnBrk="1" latinLnBrk="0" hangingPunct="1">
-              <a:defRPr sz="6400" kern="1200">
-                <a:solidFill>
-                  <a:schemeClr val="lt1"/>
-                </a:solidFill>
-                <a:latin typeface="+mn-lt"/>
-                <a:ea typeface="+mn-ea"/>
-                <a:cs typeface="+mn-cs"/>
-              </a:defRPr>
-            </a:lvl1pPr>
-            <a:lvl2pPr marL="1645640" algn="l" defTabSz="3291279" rtl="0" eaLnBrk="1" latinLnBrk="0" hangingPunct="1">
-              <a:defRPr sz="6400" kern="1200">
-                <a:solidFill>
-                  <a:schemeClr val="lt1"/>
-                </a:solidFill>
-                <a:latin typeface="+mn-lt"/>
-                <a:ea typeface="+mn-ea"/>
-                <a:cs typeface="+mn-cs"/>
-              </a:defRPr>
-            </a:lvl2pPr>
-            <a:lvl3pPr marL="3291279" algn="l" defTabSz="3291279" rtl="0" eaLnBrk="1" latinLnBrk="0" hangingPunct="1">
-              <a:defRPr sz="6400" kern="1200">
-                <a:solidFill>
-                  <a:schemeClr val="lt1"/>
-                </a:solidFill>
-                <a:latin typeface="+mn-lt"/>
-                <a:ea typeface="+mn-ea"/>
-                <a:cs typeface="+mn-cs"/>
-              </a:defRPr>
-            </a:lvl3pPr>
-            <a:lvl4pPr marL="4936919" algn="l" defTabSz="3291279" rtl="0" eaLnBrk="1" latinLnBrk="0" hangingPunct="1">
-              <a:defRPr sz="6400" kern="1200">
-                <a:solidFill>
-                  <a:schemeClr val="lt1"/>
-                </a:solidFill>
-                <a:latin typeface="+mn-lt"/>
-                <a:ea typeface="+mn-ea"/>
-                <a:cs typeface="+mn-cs"/>
-              </a:defRPr>
-            </a:lvl4pPr>
-            <a:lvl5pPr marL="6582559" algn="l" defTabSz="3291279" rtl="0" eaLnBrk="1" latinLnBrk="0" hangingPunct="1">
-              <a:defRPr sz="6400" kern="1200">
-                <a:solidFill>
-                  <a:schemeClr val="lt1"/>
-                </a:solidFill>
-                <a:latin typeface="+mn-lt"/>
-                <a:ea typeface="+mn-ea"/>
-                <a:cs typeface="+mn-cs"/>
-              </a:defRPr>
-            </a:lvl5pPr>
-            <a:lvl6pPr marL="8228198" algn="l" defTabSz="3291279" rtl="0" eaLnBrk="1" latinLnBrk="0" hangingPunct="1">
-              <a:defRPr sz="6400" kern="1200">
-                <a:solidFill>
-                  <a:schemeClr val="lt1"/>
-                </a:solidFill>
-                <a:latin typeface="+mn-lt"/>
-                <a:ea typeface="+mn-ea"/>
-                <a:cs typeface="+mn-cs"/>
-              </a:defRPr>
-            </a:lvl6pPr>
-            <a:lvl7pPr marL="9873837" algn="l" defTabSz="3291279" rtl="0" eaLnBrk="1" latinLnBrk="0" hangingPunct="1">
-              <a:defRPr sz="6400" kern="1200">
-                <a:solidFill>
-                  <a:schemeClr val="lt1"/>
-                </a:solidFill>
-                <a:latin typeface="+mn-lt"/>
-                <a:ea typeface="+mn-ea"/>
-                <a:cs typeface="+mn-cs"/>
-              </a:defRPr>
-            </a:lvl7pPr>
-            <a:lvl8pPr marL="11519478" algn="l" defTabSz="3291279" rtl="0" eaLnBrk="1" latinLnBrk="0" hangingPunct="1">
-              <a:defRPr sz="6400" kern="1200">
-                <a:solidFill>
-                  <a:schemeClr val="lt1"/>
-                </a:solidFill>
-                <a:latin typeface="+mn-lt"/>
-                <a:ea typeface="+mn-ea"/>
-                <a:cs typeface="+mn-cs"/>
-              </a:defRPr>
-            </a:lvl8pPr>
-            <a:lvl9pPr marL="13165118" algn="l" defTabSz="3291279" rtl="0" eaLnBrk="1" latinLnBrk="0" hangingPunct="1">
-              <a:defRPr sz="6400" kern="1200">
-                <a:solidFill>
-                  <a:schemeClr val="lt1"/>
-                </a:solidFill>
-                <a:latin typeface="+mn-lt"/>
-                <a:ea typeface="+mn-ea"/>
-                <a:cs typeface="+mn-cs"/>
-              </a:defRPr>
-            </a:lvl9pPr>
-          </a:lstStyle>
-          <a:p>
-            <a:pPr algn="ctr"/>
-            <a:r>
-              <a:rPr lang="en-US" sz="1800" dirty="0" smtClean="0">
-                <a:solidFill>
-                  <a:schemeClr val="tx1"/>
-                </a:solidFill>
-              </a:rPr>
-              <a:t>Compute representation for all features</a:t>
-            </a:r>
-            <a:endParaRPr lang="en-US" sz="1800" dirty="0">
-              <a:solidFill>
-                <a:schemeClr val="tx1"/>
-              </a:solidFill>
-            </a:endParaRPr>
-          </a:p>
-        </p:txBody>
-      </p:sp>
-      <p:sp>
-        <p:nvSpPr>
-          <p:cNvPr id="14" name="Rectangle 13"/>
-          <p:cNvSpPr/>
-          <p:nvPr/>
-        </p:nvSpPr>
-        <p:spPr>
-          <a:xfrm>
-            <a:off x="3608925" y="4174578"/>
-            <a:ext cx="1752600" cy="861807"/>
-          </a:xfrm>
-          <a:prstGeom prst="rect">
-            <a:avLst/>
-          </a:prstGeom>
-          <a:noFill/>
-          <a:ln w="12700">
-            <a:solidFill>
-              <a:schemeClr val="tx1"/>
-            </a:solidFill>
-          </a:ln>
-        </p:spPr>
-        <p:style>
-          <a:lnRef idx="2">
-            <a:schemeClr val="accent1">
-              <a:shade val="50000"/>
-            </a:schemeClr>
-          </a:lnRef>
-          <a:fillRef idx="1">
-            <a:schemeClr val="accent1"/>
-          </a:fillRef>
-          <a:effectRef idx="0">
-            <a:schemeClr val="accent1"/>
-          </a:effectRef>
-          <a:fontRef idx="minor">
-            <a:schemeClr val="lt1"/>
-          </a:fontRef>
-        </p:style>
-        <p:txBody>
-          <a:bodyPr rtlCol="0" anchor="ctr"/>
-          <a:lstStyle>
-            <a:defPPr>
-              <a:defRPr lang="en-US"/>
-            </a:defPPr>
-            <a:lvl1pPr marL="0" algn="l" defTabSz="3291279" rtl="0" eaLnBrk="1" latinLnBrk="0" hangingPunct="1">
-              <a:defRPr sz="6400" kern="1200">
-                <a:solidFill>
-                  <a:schemeClr val="lt1"/>
-                </a:solidFill>
-                <a:latin typeface="+mn-lt"/>
-                <a:ea typeface="+mn-ea"/>
-                <a:cs typeface="+mn-cs"/>
-              </a:defRPr>
-            </a:lvl1pPr>
-            <a:lvl2pPr marL="1645640" algn="l" defTabSz="3291279" rtl="0" eaLnBrk="1" latinLnBrk="0" hangingPunct="1">
-              <a:defRPr sz="6400" kern="1200">
-                <a:solidFill>
-                  <a:schemeClr val="lt1"/>
-                </a:solidFill>
-                <a:latin typeface="+mn-lt"/>
-                <a:ea typeface="+mn-ea"/>
-                <a:cs typeface="+mn-cs"/>
-              </a:defRPr>
-            </a:lvl2pPr>
-            <a:lvl3pPr marL="3291279" algn="l" defTabSz="3291279" rtl="0" eaLnBrk="1" latinLnBrk="0" hangingPunct="1">
-              <a:defRPr sz="6400" kern="1200">
-                <a:solidFill>
-                  <a:schemeClr val="lt1"/>
-                </a:solidFill>
-                <a:latin typeface="+mn-lt"/>
-                <a:ea typeface="+mn-ea"/>
-                <a:cs typeface="+mn-cs"/>
-              </a:defRPr>
-            </a:lvl3pPr>
-            <a:lvl4pPr marL="4936919" algn="l" defTabSz="3291279" rtl="0" eaLnBrk="1" latinLnBrk="0" hangingPunct="1">
-              <a:defRPr sz="6400" kern="1200">
-                <a:solidFill>
-                  <a:schemeClr val="lt1"/>
-                </a:solidFill>
-                <a:latin typeface="+mn-lt"/>
-                <a:ea typeface="+mn-ea"/>
-                <a:cs typeface="+mn-cs"/>
-              </a:defRPr>
-            </a:lvl4pPr>
-            <a:lvl5pPr marL="6582559" algn="l" defTabSz="3291279" rtl="0" eaLnBrk="1" latinLnBrk="0" hangingPunct="1">
-              <a:defRPr sz="6400" kern="1200">
-                <a:solidFill>
-                  <a:schemeClr val="lt1"/>
-                </a:solidFill>
-                <a:latin typeface="+mn-lt"/>
-                <a:ea typeface="+mn-ea"/>
-                <a:cs typeface="+mn-cs"/>
-              </a:defRPr>
-            </a:lvl5pPr>
-            <a:lvl6pPr marL="8228198" algn="l" defTabSz="3291279" rtl="0" eaLnBrk="1" latinLnBrk="0" hangingPunct="1">
-              <a:defRPr sz="6400" kern="1200">
-                <a:solidFill>
-                  <a:schemeClr val="lt1"/>
-                </a:solidFill>
-                <a:latin typeface="+mn-lt"/>
-                <a:ea typeface="+mn-ea"/>
-                <a:cs typeface="+mn-cs"/>
-              </a:defRPr>
-            </a:lvl6pPr>
-            <a:lvl7pPr marL="9873837" algn="l" defTabSz="3291279" rtl="0" eaLnBrk="1" latinLnBrk="0" hangingPunct="1">
-              <a:defRPr sz="6400" kern="1200">
-                <a:solidFill>
-                  <a:schemeClr val="lt1"/>
-                </a:solidFill>
-                <a:latin typeface="+mn-lt"/>
-                <a:ea typeface="+mn-ea"/>
-                <a:cs typeface="+mn-cs"/>
-              </a:defRPr>
-            </a:lvl7pPr>
-            <a:lvl8pPr marL="11519478" algn="l" defTabSz="3291279" rtl="0" eaLnBrk="1" latinLnBrk="0" hangingPunct="1">
-              <a:defRPr sz="6400" kern="1200">
-                <a:solidFill>
-                  <a:schemeClr val="lt1"/>
-                </a:solidFill>
-                <a:latin typeface="+mn-lt"/>
-                <a:ea typeface="+mn-ea"/>
-                <a:cs typeface="+mn-cs"/>
-              </a:defRPr>
-            </a:lvl8pPr>
-            <a:lvl9pPr marL="13165118" algn="l" defTabSz="3291279" rtl="0" eaLnBrk="1" latinLnBrk="0" hangingPunct="1">
-              <a:defRPr sz="6400" kern="1200">
-                <a:solidFill>
-                  <a:schemeClr val="lt1"/>
-                </a:solidFill>
-                <a:latin typeface="+mn-lt"/>
-                <a:ea typeface="+mn-ea"/>
-                <a:cs typeface="+mn-cs"/>
-              </a:defRPr>
-            </a:lvl9pPr>
-          </a:lstStyle>
-          <a:p>
-            <a:pPr algn="ctr"/>
-            <a:r>
-              <a:rPr lang="en-US" sz="1800" dirty="0" smtClean="0">
-                <a:solidFill>
-                  <a:schemeClr val="tx1"/>
-                </a:solidFill>
-              </a:rPr>
-              <a:t>Compute representation for new features</a:t>
-            </a:r>
-            <a:endParaRPr lang="en-US" sz="1800" dirty="0">
-              <a:solidFill>
-                <a:schemeClr val="tx1"/>
-              </a:solidFill>
-            </a:endParaRPr>
-          </a:p>
-        </p:txBody>
-      </p:sp>
-      <p:sp>
-        <p:nvSpPr>
-          <p:cNvPr id="15" name="Rectangle 14"/>
-          <p:cNvSpPr/>
-          <p:nvPr/>
-        </p:nvSpPr>
-        <p:spPr>
-          <a:xfrm>
-            <a:off x="5648570" y="2474571"/>
-            <a:ext cx="1100831" cy="861807"/>
-          </a:xfrm>
-          <a:prstGeom prst="rect">
-            <a:avLst/>
-          </a:prstGeom>
-          <a:noFill/>
-          <a:ln w="12700">
-            <a:solidFill>
-              <a:schemeClr val="tx1"/>
-            </a:solidFill>
-          </a:ln>
-        </p:spPr>
-        <p:style>
-          <a:lnRef idx="2">
-            <a:schemeClr val="accent1">
-              <a:shade val="50000"/>
-            </a:schemeClr>
-          </a:lnRef>
-          <a:fillRef idx="1">
-            <a:schemeClr val="accent1"/>
-          </a:fillRef>
-          <a:effectRef idx="0">
-            <a:schemeClr val="accent1"/>
-          </a:effectRef>
-          <a:fontRef idx="minor">
-            <a:schemeClr val="lt1"/>
-          </a:fontRef>
-        </p:style>
-        <p:txBody>
-          <a:bodyPr rtlCol="0" anchor="ctr"/>
-          <a:lstStyle>
-            <a:defPPr>
-              <a:defRPr lang="en-US"/>
-            </a:defPPr>
-            <a:lvl1pPr marL="0" algn="l" defTabSz="3291279" rtl="0" eaLnBrk="1" latinLnBrk="0" hangingPunct="1">
-              <a:defRPr sz="6400" kern="1200">
-                <a:solidFill>
-                  <a:schemeClr val="lt1"/>
-                </a:solidFill>
-                <a:latin typeface="+mn-lt"/>
-                <a:ea typeface="+mn-ea"/>
-                <a:cs typeface="+mn-cs"/>
-              </a:defRPr>
-            </a:lvl1pPr>
-            <a:lvl2pPr marL="1645640" algn="l" defTabSz="3291279" rtl="0" eaLnBrk="1" latinLnBrk="0" hangingPunct="1">
-              <a:defRPr sz="6400" kern="1200">
-                <a:solidFill>
-                  <a:schemeClr val="lt1"/>
-                </a:solidFill>
-                <a:latin typeface="+mn-lt"/>
-                <a:ea typeface="+mn-ea"/>
-                <a:cs typeface="+mn-cs"/>
-              </a:defRPr>
-            </a:lvl2pPr>
-            <a:lvl3pPr marL="3291279" algn="l" defTabSz="3291279" rtl="0" eaLnBrk="1" latinLnBrk="0" hangingPunct="1">
-              <a:defRPr sz="6400" kern="1200">
-                <a:solidFill>
-                  <a:schemeClr val="lt1"/>
-                </a:solidFill>
-                <a:latin typeface="+mn-lt"/>
-                <a:ea typeface="+mn-ea"/>
-                <a:cs typeface="+mn-cs"/>
-              </a:defRPr>
-            </a:lvl3pPr>
-            <a:lvl4pPr marL="4936919" algn="l" defTabSz="3291279" rtl="0" eaLnBrk="1" latinLnBrk="0" hangingPunct="1">
-              <a:defRPr sz="6400" kern="1200">
-                <a:solidFill>
-                  <a:schemeClr val="lt1"/>
-                </a:solidFill>
-                <a:latin typeface="+mn-lt"/>
-                <a:ea typeface="+mn-ea"/>
-                <a:cs typeface="+mn-cs"/>
-              </a:defRPr>
-            </a:lvl4pPr>
-            <a:lvl5pPr marL="6582559" algn="l" defTabSz="3291279" rtl="0" eaLnBrk="1" latinLnBrk="0" hangingPunct="1">
-              <a:defRPr sz="6400" kern="1200">
-                <a:solidFill>
-                  <a:schemeClr val="lt1"/>
-                </a:solidFill>
-                <a:latin typeface="+mn-lt"/>
-                <a:ea typeface="+mn-ea"/>
-                <a:cs typeface="+mn-cs"/>
-              </a:defRPr>
-            </a:lvl5pPr>
-            <a:lvl6pPr marL="8228198" algn="l" defTabSz="3291279" rtl="0" eaLnBrk="1" latinLnBrk="0" hangingPunct="1">
-              <a:defRPr sz="6400" kern="1200">
-                <a:solidFill>
-                  <a:schemeClr val="lt1"/>
-                </a:solidFill>
-                <a:latin typeface="+mn-lt"/>
-                <a:ea typeface="+mn-ea"/>
-                <a:cs typeface="+mn-cs"/>
-              </a:defRPr>
-            </a:lvl6pPr>
-            <a:lvl7pPr marL="9873837" algn="l" defTabSz="3291279" rtl="0" eaLnBrk="1" latinLnBrk="0" hangingPunct="1">
-              <a:defRPr sz="6400" kern="1200">
-                <a:solidFill>
-                  <a:schemeClr val="lt1"/>
-                </a:solidFill>
-                <a:latin typeface="+mn-lt"/>
-                <a:ea typeface="+mn-ea"/>
-                <a:cs typeface="+mn-cs"/>
-              </a:defRPr>
-            </a:lvl7pPr>
-            <a:lvl8pPr marL="11519478" algn="l" defTabSz="3291279" rtl="0" eaLnBrk="1" latinLnBrk="0" hangingPunct="1">
-              <a:defRPr sz="6400" kern="1200">
-                <a:solidFill>
-                  <a:schemeClr val="lt1"/>
-                </a:solidFill>
-                <a:latin typeface="+mn-lt"/>
-                <a:ea typeface="+mn-ea"/>
-                <a:cs typeface="+mn-cs"/>
-              </a:defRPr>
-            </a:lvl8pPr>
-            <a:lvl9pPr marL="13165118" algn="l" defTabSz="3291279" rtl="0" eaLnBrk="1" latinLnBrk="0" hangingPunct="1">
-              <a:defRPr sz="6400" kern="1200">
-                <a:solidFill>
-                  <a:schemeClr val="lt1"/>
-                </a:solidFill>
-                <a:latin typeface="+mn-lt"/>
-                <a:ea typeface="+mn-ea"/>
-                <a:cs typeface="+mn-cs"/>
-              </a:defRPr>
-            </a:lvl9pPr>
-          </a:lstStyle>
-          <a:p>
-            <a:pPr algn="ctr"/>
-            <a:r>
-              <a:rPr lang="en-US" sz="1800" dirty="0" smtClean="0">
-                <a:solidFill>
-                  <a:schemeClr val="tx1"/>
-                </a:solidFill>
-              </a:rPr>
-              <a:t>Offline clustering</a:t>
-            </a:r>
-            <a:endParaRPr lang="en-US" sz="1800" dirty="0">
-              <a:solidFill>
-                <a:schemeClr val="tx1"/>
-              </a:solidFill>
-            </a:endParaRPr>
-          </a:p>
-        </p:txBody>
-      </p:sp>
-      <p:sp>
-        <p:nvSpPr>
-          <p:cNvPr id="16" name="Rectangle 15"/>
-          <p:cNvSpPr/>
-          <p:nvPr/>
-        </p:nvSpPr>
-        <p:spPr>
-          <a:xfrm>
-            <a:off x="5632294" y="4150971"/>
-            <a:ext cx="1100831" cy="861807"/>
-          </a:xfrm>
-          <a:prstGeom prst="rect">
-            <a:avLst/>
-          </a:prstGeom>
-          <a:noFill/>
-          <a:ln w="12700">
-            <a:solidFill>
-              <a:schemeClr val="tx1"/>
-            </a:solidFill>
-          </a:ln>
-        </p:spPr>
-        <p:style>
-          <a:lnRef idx="2">
-            <a:schemeClr val="accent1">
-              <a:shade val="50000"/>
-            </a:schemeClr>
-          </a:lnRef>
-          <a:fillRef idx="1">
-            <a:schemeClr val="accent1"/>
-          </a:fillRef>
-          <a:effectRef idx="0">
-            <a:schemeClr val="accent1"/>
-          </a:effectRef>
-          <a:fontRef idx="minor">
-            <a:schemeClr val="lt1"/>
-          </a:fontRef>
-        </p:style>
-        <p:txBody>
-          <a:bodyPr rtlCol="0" anchor="ctr"/>
-          <a:lstStyle>
-            <a:defPPr>
-              <a:defRPr lang="en-US"/>
-            </a:defPPr>
-            <a:lvl1pPr marL="0" algn="l" defTabSz="3291279" rtl="0" eaLnBrk="1" latinLnBrk="0" hangingPunct="1">
-              <a:defRPr sz="6400" kern="1200">
-                <a:solidFill>
-                  <a:schemeClr val="lt1"/>
-                </a:solidFill>
-                <a:latin typeface="+mn-lt"/>
-                <a:ea typeface="+mn-ea"/>
-                <a:cs typeface="+mn-cs"/>
-              </a:defRPr>
-            </a:lvl1pPr>
-            <a:lvl2pPr marL="1645640" algn="l" defTabSz="3291279" rtl="0" eaLnBrk="1" latinLnBrk="0" hangingPunct="1">
-              <a:defRPr sz="6400" kern="1200">
-                <a:solidFill>
-                  <a:schemeClr val="lt1"/>
-                </a:solidFill>
-                <a:latin typeface="+mn-lt"/>
-                <a:ea typeface="+mn-ea"/>
-                <a:cs typeface="+mn-cs"/>
-              </a:defRPr>
-            </a:lvl2pPr>
-            <a:lvl3pPr marL="3291279" algn="l" defTabSz="3291279" rtl="0" eaLnBrk="1" latinLnBrk="0" hangingPunct="1">
-              <a:defRPr sz="6400" kern="1200">
-                <a:solidFill>
-                  <a:schemeClr val="lt1"/>
-                </a:solidFill>
-                <a:latin typeface="+mn-lt"/>
-                <a:ea typeface="+mn-ea"/>
-                <a:cs typeface="+mn-cs"/>
-              </a:defRPr>
-            </a:lvl3pPr>
-            <a:lvl4pPr marL="4936919" algn="l" defTabSz="3291279" rtl="0" eaLnBrk="1" latinLnBrk="0" hangingPunct="1">
-              <a:defRPr sz="6400" kern="1200">
-                <a:solidFill>
-                  <a:schemeClr val="lt1"/>
-                </a:solidFill>
-                <a:latin typeface="+mn-lt"/>
-                <a:ea typeface="+mn-ea"/>
-                <a:cs typeface="+mn-cs"/>
-              </a:defRPr>
-            </a:lvl4pPr>
-            <a:lvl5pPr marL="6582559" algn="l" defTabSz="3291279" rtl="0" eaLnBrk="1" latinLnBrk="0" hangingPunct="1">
-              <a:defRPr sz="6400" kern="1200">
-                <a:solidFill>
-                  <a:schemeClr val="lt1"/>
-                </a:solidFill>
-                <a:latin typeface="+mn-lt"/>
-                <a:ea typeface="+mn-ea"/>
-                <a:cs typeface="+mn-cs"/>
-              </a:defRPr>
-            </a:lvl5pPr>
-            <a:lvl6pPr marL="8228198" algn="l" defTabSz="3291279" rtl="0" eaLnBrk="1" latinLnBrk="0" hangingPunct="1">
-              <a:defRPr sz="6400" kern="1200">
-                <a:solidFill>
-                  <a:schemeClr val="lt1"/>
-                </a:solidFill>
-                <a:latin typeface="+mn-lt"/>
-                <a:ea typeface="+mn-ea"/>
-                <a:cs typeface="+mn-cs"/>
-              </a:defRPr>
-            </a:lvl6pPr>
-            <a:lvl7pPr marL="9873837" algn="l" defTabSz="3291279" rtl="0" eaLnBrk="1" latinLnBrk="0" hangingPunct="1">
-              <a:defRPr sz="6400" kern="1200">
-                <a:solidFill>
-                  <a:schemeClr val="lt1"/>
-                </a:solidFill>
-                <a:latin typeface="+mn-lt"/>
-                <a:ea typeface="+mn-ea"/>
-                <a:cs typeface="+mn-cs"/>
-              </a:defRPr>
-            </a:lvl7pPr>
-            <a:lvl8pPr marL="11519478" algn="l" defTabSz="3291279" rtl="0" eaLnBrk="1" latinLnBrk="0" hangingPunct="1">
-              <a:defRPr sz="6400" kern="1200">
-                <a:solidFill>
-                  <a:schemeClr val="lt1"/>
-                </a:solidFill>
-                <a:latin typeface="+mn-lt"/>
-                <a:ea typeface="+mn-ea"/>
-                <a:cs typeface="+mn-cs"/>
-              </a:defRPr>
-            </a:lvl8pPr>
-            <a:lvl9pPr marL="13165118" algn="l" defTabSz="3291279" rtl="0" eaLnBrk="1" latinLnBrk="0" hangingPunct="1">
-              <a:defRPr sz="6400" kern="1200">
-                <a:solidFill>
-                  <a:schemeClr val="lt1"/>
-                </a:solidFill>
-                <a:latin typeface="+mn-lt"/>
-                <a:ea typeface="+mn-ea"/>
-                <a:cs typeface="+mn-cs"/>
-              </a:defRPr>
-            </a:lvl9pPr>
-          </a:lstStyle>
-          <a:p>
-            <a:pPr algn="ctr"/>
-            <a:r>
-              <a:rPr lang="en-US" sz="1800" dirty="0" smtClean="0">
-                <a:solidFill>
-                  <a:schemeClr val="tx1"/>
-                </a:solidFill>
-              </a:rPr>
-              <a:t>Online clustering</a:t>
-            </a:r>
-            <a:endParaRPr lang="en-US" sz="1800" dirty="0">
-              <a:solidFill>
-                <a:schemeClr val="tx1"/>
-              </a:solidFill>
-            </a:endParaRPr>
-          </a:p>
-        </p:txBody>
-      </p:sp>
-      <p:sp>
-        <p:nvSpPr>
-          <p:cNvPr id="17" name="Rectangle 16"/>
-          <p:cNvSpPr/>
-          <p:nvPr/>
-        </p:nvSpPr>
-        <p:spPr>
-          <a:xfrm>
-            <a:off x="7266525" y="3498329"/>
-            <a:ext cx="914400" cy="596547"/>
-          </a:xfrm>
-          <a:prstGeom prst="rect">
-            <a:avLst/>
-          </a:prstGeom>
-          <a:noFill/>
-          <a:ln w="12700">
-            <a:solidFill>
-              <a:schemeClr val="tx1"/>
-            </a:solidFill>
-          </a:ln>
-        </p:spPr>
-        <p:style>
-          <a:lnRef idx="2">
-            <a:schemeClr val="accent1">
-              <a:shade val="50000"/>
-            </a:schemeClr>
-          </a:lnRef>
-          <a:fillRef idx="1">
-            <a:schemeClr val="accent1"/>
-          </a:fillRef>
-          <a:effectRef idx="0">
-            <a:schemeClr val="accent1"/>
-          </a:effectRef>
-          <a:fontRef idx="minor">
-            <a:schemeClr val="lt1"/>
-          </a:fontRef>
-        </p:style>
-        <p:txBody>
-          <a:bodyPr rtlCol="0" anchor="ctr"/>
-          <a:lstStyle>
-            <a:defPPr>
-              <a:defRPr lang="en-US"/>
-            </a:defPPr>
-            <a:lvl1pPr marL="0" algn="l" defTabSz="3291279" rtl="0" eaLnBrk="1" latinLnBrk="0" hangingPunct="1">
-              <a:defRPr sz="6400" kern="1200">
-                <a:solidFill>
-                  <a:schemeClr val="lt1"/>
-                </a:solidFill>
-                <a:latin typeface="+mn-lt"/>
-                <a:ea typeface="+mn-ea"/>
-                <a:cs typeface="+mn-cs"/>
-              </a:defRPr>
-            </a:lvl1pPr>
-            <a:lvl2pPr marL="1645640" algn="l" defTabSz="3291279" rtl="0" eaLnBrk="1" latinLnBrk="0" hangingPunct="1">
-              <a:defRPr sz="6400" kern="1200">
-                <a:solidFill>
-                  <a:schemeClr val="lt1"/>
-                </a:solidFill>
-                <a:latin typeface="+mn-lt"/>
-                <a:ea typeface="+mn-ea"/>
-                <a:cs typeface="+mn-cs"/>
-              </a:defRPr>
-            </a:lvl2pPr>
-            <a:lvl3pPr marL="3291279" algn="l" defTabSz="3291279" rtl="0" eaLnBrk="1" latinLnBrk="0" hangingPunct="1">
-              <a:defRPr sz="6400" kern="1200">
-                <a:solidFill>
-                  <a:schemeClr val="lt1"/>
-                </a:solidFill>
-                <a:latin typeface="+mn-lt"/>
-                <a:ea typeface="+mn-ea"/>
-                <a:cs typeface="+mn-cs"/>
-              </a:defRPr>
-            </a:lvl3pPr>
-            <a:lvl4pPr marL="4936919" algn="l" defTabSz="3291279" rtl="0" eaLnBrk="1" latinLnBrk="0" hangingPunct="1">
-              <a:defRPr sz="6400" kern="1200">
-                <a:solidFill>
-                  <a:schemeClr val="lt1"/>
-                </a:solidFill>
-                <a:latin typeface="+mn-lt"/>
-                <a:ea typeface="+mn-ea"/>
-                <a:cs typeface="+mn-cs"/>
-              </a:defRPr>
-            </a:lvl4pPr>
-            <a:lvl5pPr marL="6582559" algn="l" defTabSz="3291279" rtl="0" eaLnBrk="1" latinLnBrk="0" hangingPunct="1">
-              <a:defRPr sz="6400" kern="1200">
-                <a:solidFill>
-                  <a:schemeClr val="lt1"/>
-                </a:solidFill>
-                <a:latin typeface="+mn-lt"/>
-                <a:ea typeface="+mn-ea"/>
-                <a:cs typeface="+mn-cs"/>
-              </a:defRPr>
-            </a:lvl5pPr>
-            <a:lvl6pPr marL="8228198" algn="l" defTabSz="3291279" rtl="0" eaLnBrk="1" latinLnBrk="0" hangingPunct="1">
-              <a:defRPr sz="6400" kern="1200">
-                <a:solidFill>
-                  <a:schemeClr val="lt1"/>
-                </a:solidFill>
-                <a:latin typeface="+mn-lt"/>
-                <a:ea typeface="+mn-ea"/>
-                <a:cs typeface="+mn-cs"/>
-              </a:defRPr>
-            </a:lvl6pPr>
-            <a:lvl7pPr marL="9873837" algn="l" defTabSz="3291279" rtl="0" eaLnBrk="1" latinLnBrk="0" hangingPunct="1">
-              <a:defRPr sz="6400" kern="1200">
-                <a:solidFill>
-                  <a:schemeClr val="lt1"/>
-                </a:solidFill>
-                <a:latin typeface="+mn-lt"/>
-                <a:ea typeface="+mn-ea"/>
-                <a:cs typeface="+mn-cs"/>
-              </a:defRPr>
-            </a:lvl7pPr>
-            <a:lvl8pPr marL="11519478" algn="l" defTabSz="3291279" rtl="0" eaLnBrk="1" latinLnBrk="0" hangingPunct="1">
-              <a:defRPr sz="6400" kern="1200">
-                <a:solidFill>
-                  <a:schemeClr val="lt1"/>
-                </a:solidFill>
-                <a:latin typeface="+mn-lt"/>
-                <a:ea typeface="+mn-ea"/>
-                <a:cs typeface="+mn-cs"/>
-              </a:defRPr>
-            </a:lvl8pPr>
-            <a:lvl9pPr marL="13165118" algn="l" defTabSz="3291279" rtl="0" eaLnBrk="1" latinLnBrk="0" hangingPunct="1">
-              <a:defRPr sz="6400" kern="1200">
-                <a:solidFill>
-                  <a:schemeClr val="lt1"/>
-                </a:solidFill>
-                <a:latin typeface="+mn-lt"/>
-                <a:ea typeface="+mn-ea"/>
-                <a:cs typeface="+mn-cs"/>
-              </a:defRPr>
-            </a:lvl9pPr>
-          </a:lstStyle>
-          <a:p>
-            <a:pPr algn="ctr"/>
-            <a:r>
-              <a:rPr lang="en-US" sz="1800" dirty="0" smtClean="0">
-                <a:solidFill>
-                  <a:schemeClr val="tx1"/>
-                </a:solidFill>
-              </a:rPr>
-              <a:t>Results</a:t>
-            </a:r>
-            <a:endParaRPr lang="en-US" sz="1800" dirty="0">
-              <a:solidFill>
-                <a:schemeClr val="tx1"/>
-              </a:solidFill>
-            </a:endParaRPr>
-          </a:p>
-        </p:txBody>
-      </p:sp>
-      <p:cxnSp>
-        <p:nvCxnSpPr>
-          <p:cNvPr id="18" name="Straight Arrow Connector 17"/>
-          <p:cNvCxnSpPr>
-            <a:cxnSpLocks/>
-            <a:stCxn id="12" idx="3"/>
-            <a:endCxn id="13" idx="1"/>
-          </p:cNvCxnSpPr>
-          <p:nvPr/>
-        </p:nvCxnSpPr>
-        <p:spPr>
-          <a:xfrm>
-            <a:off x="3075525" y="2901371"/>
-            <a:ext cx="516384" cy="29180"/>
-          </a:xfrm>
-          <a:prstGeom prst="straightConnector1">
-            <a:avLst/>
-          </a:prstGeom>
-          <a:ln w="12700">
-            <a:solidFill>
-              <a:schemeClr val="tx1"/>
-            </a:solidFill>
-            <a:tailEnd type="arrow"/>
-          </a:ln>
-        </p:spPr>
-        <p:style>
-          <a:lnRef idx="1">
-            <a:schemeClr val="accent1"/>
-          </a:lnRef>
-          <a:fillRef idx="0">
-            <a:schemeClr val="accent1"/>
-          </a:fillRef>
-          <a:effectRef idx="0">
-            <a:schemeClr val="accent1"/>
-          </a:effectRef>
-          <a:fontRef idx="minor">
-            <a:schemeClr val="tx1"/>
-          </a:fontRef>
-        </p:style>
-      </p:cxnSp>
-      <p:cxnSp>
-        <p:nvCxnSpPr>
-          <p:cNvPr id="21" name="Straight Arrow Connector 20"/>
-          <p:cNvCxnSpPr>
-            <a:cxnSpLocks/>
-            <a:stCxn id="9" idx="0"/>
-            <a:endCxn id="12" idx="2"/>
-          </p:cNvCxnSpPr>
-          <p:nvPr/>
-        </p:nvCxnSpPr>
-        <p:spPr>
-          <a:xfrm flipH="1" flipV="1">
-            <a:off x="2569498" y="3332274"/>
-            <a:ext cx="8137" cy="873357"/>
-          </a:xfrm>
-          <a:prstGeom prst="straightConnector1">
-            <a:avLst/>
-          </a:prstGeom>
-          <a:ln w="12700">
-            <a:solidFill>
-              <a:schemeClr val="tx1"/>
-            </a:solidFill>
-            <a:tailEnd type="arrow"/>
-          </a:ln>
-        </p:spPr>
-        <p:style>
-          <a:lnRef idx="1">
-            <a:schemeClr val="accent1"/>
-          </a:lnRef>
-          <a:fillRef idx="0">
-            <a:schemeClr val="accent1"/>
-          </a:fillRef>
-          <a:effectRef idx="0">
-            <a:schemeClr val="accent1"/>
-          </a:effectRef>
-          <a:fontRef idx="minor">
-            <a:schemeClr val="tx1"/>
-          </a:fontRef>
-        </p:style>
-      </p:cxnSp>
-      <p:cxnSp>
-        <p:nvCxnSpPr>
-          <p:cNvPr id="24" name="Straight Arrow Connector 23"/>
-          <p:cNvCxnSpPr>
-            <a:cxnSpLocks/>
-            <a:stCxn id="13" idx="3"/>
-            <a:endCxn id="15" idx="1"/>
-          </p:cNvCxnSpPr>
-          <p:nvPr/>
-        </p:nvCxnSpPr>
-        <p:spPr>
-          <a:xfrm flipV="1">
-            <a:off x="5268309" y="2905475"/>
-            <a:ext cx="380261" cy="25076"/>
-          </a:xfrm>
-          <a:prstGeom prst="straightConnector1">
-            <a:avLst/>
-          </a:prstGeom>
-          <a:ln w="12700">
-            <a:solidFill>
-              <a:schemeClr val="tx1"/>
-            </a:solidFill>
-            <a:tailEnd type="arrow"/>
-          </a:ln>
-        </p:spPr>
-        <p:style>
-          <a:lnRef idx="1">
-            <a:schemeClr val="accent1"/>
-          </a:lnRef>
-          <a:fillRef idx="0">
-            <a:schemeClr val="accent1"/>
-          </a:fillRef>
-          <a:effectRef idx="0">
-            <a:schemeClr val="accent1"/>
-          </a:effectRef>
-          <a:fontRef idx="minor">
-            <a:schemeClr val="tx1"/>
-          </a:fontRef>
-        </p:style>
-      </p:cxnSp>
-      <p:cxnSp>
-        <p:nvCxnSpPr>
-          <p:cNvPr id="28" name="Straight Arrow Connector 27"/>
-          <p:cNvCxnSpPr>
-            <a:cxnSpLocks/>
-            <a:stCxn id="15" idx="3"/>
-            <a:endCxn id="17" idx="0"/>
-          </p:cNvCxnSpPr>
-          <p:nvPr/>
-        </p:nvCxnSpPr>
-        <p:spPr>
-          <a:xfrm>
-            <a:off x="6749401" y="2905475"/>
-            <a:ext cx="974324" cy="592854"/>
-          </a:xfrm>
-          <a:prstGeom prst="straightConnector1">
-            <a:avLst/>
-          </a:prstGeom>
-          <a:ln w="12700">
-            <a:solidFill>
-              <a:schemeClr val="tx1"/>
-            </a:solidFill>
-            <a:tailEnd type="arrow"/>
-          </a:ln>
-        </p:spPr>
-        <p:style>
-          <a:lnRef idx="1">
-            <a:schemeClr val="accent1"/>
-          </a:lnRef>
-          <a:fillRef idx="0">
-            <a:schemeClr val="accent1"/>
-          </a:fillRef>
-          <a:effectRef idx="0">
-            <a:schemeClr val="accent1"/>
-          </a:effectRef>
-          <a:fontRef idx="minor">
-            <a:schemeClr val="tx1"/>
-          </a:fontRef>
-        </p:style>
-      </p:cxnSp>
-      <p:cxnSp>
-        <p:nvCxnSpPr>
-          <p:cNvPr id="32" name="Straight Arrow Connector 31"/>
-          <p:cNvCxnSpPr>
-            <a:cxnSpLocks/>
-            <a:stCxn id="14" idx="3"/>
-            <a:endCxn id="16" idx="1"/>
-          </p:cNvCxnSpPr>
-          <p:nvPr/>
-        </p:nvCxnSpPr>
-        <p:spPr>
-          <a:xfrm flipV="1">
-            <a:off x="5361525" y="4581875"/>
-            <a:ext cx="270769" cy="23607"/>
-          </a:xfrm>
-          <a:prstGeom prst="straightConnector1">
-            <a:avLst/>
-          </a:prstGeom>
-          <a:ln w="12700">
-            <a:solidFill>
-              <a:schemeClr val="tx1"/>
-            </a:solidFill>
-            <a:tailEnd type="arrow"/>
-          </a:ln>
-        </p:spPr>
-        <p:style>
-          <a:lnRef idx="1">
-            <a:schemeClr val="accent1"/>
-          </a:lnRef>
-          <a:fillRef idx="0">
-            <a:schemeClr val="accent1"/>
-          </a:fillRef>
-          <a:effectRef idx="0">
-            <a:schemeClr val="accent1"/>
-          </a:effectRef>
-          <a:fontRef idx="minor">
-            <a:schemeClr val="tx1"/>
-          </a:fontRef>
-        </p:style>
-      </p:cxnSp>
-      <p:cxnSp>
-        <p:nvCxnSpPr>
-          <p:cNvPr id="35" name="Straight Arrow Connector 34"/>
-          <p:cNvCxnSpPr>
-            <a:cxnSpLocks/>
-            <a:stCxn id="9" idx="3"/>
-            <a:endCxn id="14" idx="1"/>
-          </p:cNvCxnSpPr>
-          <p:nvPr/>
-        </p:nvCxnSpPr>
-        <p:spPr>
-          <a:xfrm flipV="1">
-            <a:off x="3146545" y="4605482"/>
-            <a:ext cx="462380" cy="31053"/>
-          </a:xfrm>
-          <a:prstGeom prst="straightConnector1">
-            <a:avLst/>
-          </a:prstGeom>
-          <a:ln w="12700">
-            <a:solidFill>
-              <a:schemeClr val="tx1"/>
-            </a:solidFill>
-            <a:tailEnd type="arrow"/>
-          </a:ln>
-        </p:spPr>
-        <p:style>
-          <a:lnRef idx="1">
-            <a:schemeClr val="accent1"/>
-          </a:lnRef>
-          <a:fillRef idx="0">
-            <a:schemeClr val="accent1"/>
-          </a:fillRef>
-          <a:effectRef idx="0">
-            <a:schemeClr val="accent1"/>
-          </a:effectRef>
-          <a:fontRef idx="minor">
-            <a:schemeClr val="tx1"/>
-          </a:fontRef>
-        </p:style>
-      </p:cxnSp>
-      <p:cxnSp>
-        <p:nvCxnSpPr>
-          <p:cNvPr id="38" name="Straight Arrow Connector 37"/>
-          <p:cNvCxnSpPr>
-            <a:cxnSpLocks/>
-            <a:stCxn id="16" idx="3"/>
-            <a:endCxn id="17" idx="2"/>
-          </p:cNvCxnSpPr>
-          <p:nvPr/>
-        </p:nvCxnSpPr>
-        <p:spPr>
-          <a:xfrm flipV="1">
-            <a:off x="6733125" y="4094876"/>
-            <a:ext cx="990600" cy="486999"/>
-          </a:xfrm>
-          <a:prstGeom prst="straightConnector1">
-            <a:avLst/>
-          </a:prstGeom>
-          <a:ln w="12700">
-            <a:solidFill>
-              <a:schemeClr val="tx1"/>
-            </a:solidFill>
-            <a:tailEnd type="arrow"/>
-          </a:ln>
-        </p:spPr>
-        <p:style>
-          <a:lnRef idx="1">
-            <a:schemeClr val="accent1"/>
-          </a:lnRef>
-          <a:fillRef idx="0">
-            <a:schemeClr val="accent1"/>
-          </a:fillRef>
-          <a:effectRef idx="0">
-            <a:schemeClr val="accent1"/>
-          </a:effectRef>
-          <a:fontRef idx="minor">
-            <a:schemeClr val="tx1"/>
-          </a:fontRef>
-        </p:style>
-      </p:cxnSp>
-      <p:cxnSp>
-        <p:nvCxnSpPr>
-          <p:cNvPr id="41" name="Straight Arrow Connector 40"/>
-          <p:cNvCxnSpPr>
-            <a:cxnSpLocks/>
-          </p:cNvCxnSpPr>
-          <p:nvPr/>
-        </p:nvCxnSpPr>
-        <p:spPr>
-          <a:xfrm>
-            <a:off x="3075525" y="3338789"/>
-            <a:ext cx="762000" cy="910871"/>
-          </a:xfrm>
-          <a:prstGeom prst="straightConnector1">
-            <a:avLst/>
-          </a:prstGeom>
-          <a:ln w="12700">
-            <a:solidFill>
-              <a:schemeClr val="tx1"/>
-            </a:solidFill>
-            <a:tailEnd type="arrow"/>
-          </a:ln>
-        </p:spPr>
-        <p:style>
-          <a:lnRef idx="1">
-            <a:schemeClr val="accent1"/>
-          </a:lnRef>
-          <a:fillRef idx="0">
-            <a:schemeClr val="accent1"/>
-          </a:fillRef>
-          <a:effectRef idx="0">
-            <a:schemeClr val="accent1"/>
-          </a:effectRef>
-          <a:fontRef idx="minor">
-            <a:schemeClr val="tx1"/>
-          </a:fontRef>
-        </p:style>
-      </p:cxnSp>
-      <p:sp>
-        <p:nvSpPr>
-          <p:cNvPr id="52" name="TextBox 51"/>
-          <p:cNvSpPr txBox="1"/>
-          <p:nvPr/>
-        </p:nvSpPr>
-        <p:spPr>
-          <a:xfrm>
-            <a:off x="2826580" y="2084119"/>
-            <a:ext cx="1259890" cy="369332"/>
-          </a:xfrm>
-          <a:prstGeom prst="rect">
-            <a:avLst/>
-          </a:prstGeom>
-          <a:noFill/>
-        </p:spPr>
-        <p:txBody>
-          <a:bodyPr wrap="square" rtlCol="0">
-            <a:spAutoFit/>
-          </a:bodyPr>
-          <a:lstStyle/>
-          <a:p>
-            <a:r>
-              <a:rPr lang="en-US" i="1" dirty="0" smtClean="0">
-                <a:solidFill>
-                  <a:schemeClr val="accent6">
-                    <a:lumMod val="75000"/>
-                  </a:schemeClr>
-                </a:solidFill>
-              </a:rPr>
-              <a:t>Thread 1 </a:t>
-            </a:r>
-            <a:endParaRPr lang="en-US" i="1" dirty="0">
-              <a:solidFill>
-                <a:schemeClr val="accent6">
-                  <a:lumMod val="75000"/>
-                </a:schemeClr>
-              </a:solidFill>
-            </a:endParaRPr>
-          </a:p>
-        </p:txBody>
-      </p:sp>
-      <p:sp>
-        <p:nvSpPr>
-          <p:cNvPr id="53" name="TextBox 52"/>
-          <p:cNvSpPr txBox="1"/>
-          <p:nvPr/>
-        </p:nvSpPr>
-        <p:spPr>
-          <a:xfrm>
-            <a:off x="5648570" y="2040978"/>
-            <a:ext cx="1259890" cy="369332"/>
-          </a:xfrm>
-          <a:prstGeom prst="rect">
-            <a:avLst/>
-          </a:prstGeom>
-          <a:noFill/>
-        </p:spPr>
-        <p:txBody>
-          <a:bodyPr wrap="square" rtlCol="0">
-            <a:spAutoFit/>
-          </a:bodyPr>
-          <a:lstStyle/>
-          <a:p>
-            <a:r>
-              <a:rPr lang="en-US" i="1" dirty="0">
-                <a:solidFill>
-                  <a:schemeClr val="accent6">
-                    <a:lumMod val="75000"/>
-                  </a:schemeClr>
-                </a:solidFill>
-              </a:rPr>
-              <a:t>Thread 2 </a:t>
-            </a:r>
-          </a:p>
-        </p:txBody>
-      </p:sp>
-      <p:sp>
-        <p:nvSpPr>
-          <p:cNvPr id="54" name="TextBox 53"/>
-          <p:cNvSpPr txBox="1"/>
-          <p:nvPr/>
-        </p:nvSpPr>
-        <p:spPr>
-          <a:xfrm>
-            <a:off x="4025435" y="1583778"/>
-            <a:ext cx="1259890" cy="400110"/>
-          </a:xfrm>
-          <a:prstGeom prst="rect">
-            <a:avLst/>
-          </a:prstGeom>
-          <a:noFill/>
-        </p:spPr>
-        <p:txBody>
-          <a:bodyPr wrap="square" rtlCol="0">
-            <a:spAutoFit/>
-          </a:bodyPr>
-          <a:lstStyle/>
-          <a:p>
-            <a:r>
-              <a:rPr lang="en-US" sz="2000" b="1" dirty="0" smtClean="0">
-                <a:solidFill>
-                  <a:schemeClr val="accent2">
-                    <a:lumMod val="75000"/>
-                  </a:schemeClr>
-                </a:solidFill>
-              </a:rPr>
-              <a:t>Offline</a:t>
-            </a:r>
-            <a:endParaRPr lang="en-US" sz="2000" b="1" dirty="0">
-              <a:solidFill>
-                <a:schemeClr val="accent2">
-                  <a:lumMod val="75000"/>
-                </a:schemeClr>
-              </a:solidFill>
-            </a:endParaRPr>
-          </a:p>
-        </p:txBody>
-      </p:sp>
-      <p:sp>
-        <p:nvSpPr>
-          <p:cNvPr id="55" name="TextBox 54"/>
-          <p:cNvSpPr txBox="1"/>
-          <p:nvPr/>
-        </p:nvSpPr>
-        <p:spPr>
-          <a:xfrm>
-            <a:off x="3989925" y="5317578"/>
-            <a:ext cx="1259890" cy="400110"/>
-          </a:xfrm>
-          <a:prstGeom prst="rect">
-            <a:avLst/>
-          </a:prstGeom>
-          <a:noFill/>
-        </p:spPr>
-        <p:txBody>
-          <a:bodyPr wrap="square" rtlCol="0">
-            <a:spAutoFit/>
-          </a:bodyPr>
-          <a:lstStyle/>
-          <a:p>
-            <a:r>
-              <a:rPr lang="en-US" sz="2000" b="1" dirty="0" smtClean="0">
-                <a:solidFill>
-                  <a:schemeClr val="accent2">
-                    <a:lumMod val="75000"/>
-                  </a:schemeClr>
-                </a:solidFill>
-              </a:rPr>
-              <a:t>Online</a:t>
-            </a:r>
-            <a:endParaRPr lang="en-US" sz="2000" b="1" dirty="0">
-              <a:solidFill>
-                <a:schemeClr val="accent2">
-                  <a:lumMod val="75000"/>
-                </a:schemeClr>
-              </a:solidFill>
-            </a:endParaRPr>
-          </a:p>
-        </p:txBody>
-      </p:sp>
-      <p:sp>
-        <p:nvSpPr>
-          <p:cNvPr id="56" name="Rounded Rectangle 55"/>
-          <p:cNvSpPr/>
-          <p:nvPr/>
-        </p:nvSpPr>
-        <p:spPr>
-          <a:xfrm>
-            <a:off x="1780125" y="1561411"/>
-            <a:ext cx="5334000" cy="1936917"/>
-          </a:xfrm>
-          <a:prstGeom prst="roundRect">
-            <a:avLst/>
-          </a:prstGeom>
-          <a:noFill/>
-          <a:ln>
-            <a:solidFill>
-              <a:schemeClr val="accent2"/>
-            </a:solidFill>
-          </a:ln>
-        </p:spPr>
-        <p:style>
-          <a:lnRef idx="2">
-            <a:schemeClr val="accent1">
-              <a:shade val="50000"/>
-            </a:schemeClr>
-          </a:lnRef>
-          <a:fillRef idx="1">
-            <a:schemeClr val="accent1"/>
-          </a:fillRef>
-          <a:effectRef idx="0">
-            <a:schemeClr val="accent1"/>
-          </a:effectRef>
-          <a:fontRef idx="minor">
-            <a:schemeClr val="lt1"/>
-          </a:fontRef>
-        </p:style>
-        <p:txBody>
-          <a:bodyPr rtlCol="0" anchor="ctr"/>
-          <a:lstStyle>
-            <a:defPPr>
-              <a:defRPr lang="en-US"/>
-            </a:defPPr>
-            <a:lvl1pPr marL="0" algn="l" defTabSz="3291279" rtl="0" eaLnBrk="1" latinLnBrk="0" hangingPunct="1">
-              <a:defRPr sz="6400" kern="1200">
-                <a:solidFill>
-                  <a:schemeClr val="lt1"/>
-                </a:solidFill>
-                <a:latin typeface="+mn-lt"/>
-                <a:ea typeface="+mn-ea"/>
-                <a:cs typeface="+mn-cs"/>
-              </a:defRPr>
-            </a:lvl1pPr>
-            <a:lvl2pPr marL="1645640" algn="l" defTabSz="3291279" rtl="0" eaLnBrk="1" latinLnBrk="0" hangingPunct="1">
-              <a:defRPr sz="6400" kern="1200">
-                <a:solidFill>
-                  <a:schemeClr val="lt1"/>
-                </a:solidFill>
-                <a:latin typeface="+mn-lt"/>
-                <a:ea typeface="+mn-ea"/>
-                <a:cs typeface="+mn-cs"/>
-              </a:defRPr>
-            </a:lvl2pPr>
-            <a:lvl3pPr marL="3291279" algn="l" defTabSz="3291279" rtl="0" eaLnBrk="1" latinLnBrk="0" hangingPunct="1">
-              <a:defRPr sz="6400" kern="1200">
-                <a:solidFill>
-                  <a:schemeClr val="lt1"/>
-                </a:solidFill>
-                <a:latin typeface="+mn-lt"/>
-                <a:ea typeface="+mn-ea"/>
-                <a:cs typeface="+mn-cs"/>
-              </a:defRPr>
-            </a:lvl3pPr>
-            <a:lvl4pPr marL="4936919" algn="l" defTabSz="3291279" rtl="0" eaLnBrk="1" latinLnBrk="0" hangingPunct="1">
-              <a:defRPr sz="6400" kern="1200">
-                <a:solidFill>
-                  <a:schemeClr val="lt1"/>
-                </a:solidFill>
-                <a:latin typeface="+mn-lt"/>
-                <a:ea typeface="+mn-ea"/>
-                <a:cs typeface="+mn-cs"/>
-              </a:defRPr>
-            </a:lvl4pPr>
-            <a:lvl5pPr marL="6582559" algn="l" defTabSz="3291279" rtl="0" eaLnBrk="1" latinLnBrk="0" hangingPunct="1">
-              <a:defRPr sz="6400" kern="1200">
-                <a:solidFill>
-                  <a:schemeClr val="lt1"/>
-                </a:solidFill>
-                <a:latin typeface="+mn-lt"/>
-                <a:ea typeface="+mn-ea"/>
-                <a:cs typeface="+mn-cs"/>
-              </a:defRPr>
-            </a:lvl5pPr>
-            <a:lvl6pPr marL="8228198" algn="l" defTabSz="3291279" rtl="0" eaLnBrk="1" latinLnBrk="0" hangingPunct="1">
-              <a:defRPr sz="6400" kern="1200">
-                <a:solidFill>
-                  <a:schemeClr val="lt1"/>
-                </a:solidFill>
-                <a:latin typeface="+mn-lt"/>
-                <a:ea typeface="+mn-ea"/>
-                <a:cs typeface="+mn-cs"/>
-              </a:defRPr>
-            </a:lvl6pPr>
-            <a:lvl7pPr marL="9873837" algn="l" defTabSz="3291279" rtl="0" eaLnBrk="1" latinLnBrk="0" hangingPunct="1">
-              <a:defRPr sz="6400" kern="1200">
-                <a:solidFill>
-                  <a:schemeClr val="lt1"/>
-                </a:solidFill>
-                <a:latin typeface="+mn-lt"/>
-                <a:ea typeface="+mn-ea"/>
-                <a:cs typeface="+mn-cs"/>
-              </a:defRPr>
-            </a:lvl7pPr>
-            <a:lvl8pPr marL="11519478" algn="l" defTabSz="3291279" rtl="0" eaLnBrk="1" latinLnBrk="0" hangingPunct="1">
-              <a:defRPr sz="6400" kern="1200">
-                <a:solidFill>
-                  <a:schemeClr val="lt1"/>
-                </a:solidFill>
-                <a:latin typeface="+mn-lt"/>
-                <a:ea typeface="+mn-ea"/>
-                <a:cs typeface="+mn-cs"/>
-              </a:defRPr>
-            </a:lvl8pPr>
-            <a:lvl9pPr marL="13165118" algn="l" defTabSz="3291279" rtl="0" eaLnBrk="1" latinLnBrk="0" hangingPunct="1">
-              <a:defRPr sz="6400" kern="1200">
-                <a:solidFill>
-                  <a:schemeClr val="lt1"/>
-                </a:solidFill>
-                <a:latin typeface="+mn-lt"/>
-                <a:ea typeface="+mn-ea"/>
-                <a:cs typeface="+mn-cs"/>
-              </a:defRPr>
-            </a:lvl9pPr>
-          </a:lstStyle>
-          <a:p>
-            <a:pPr algn="ctr"/>
-            <a:endParaRPr lang="en-US" sz="1800"/>
-          </a:p>
-        </p:txBody>
-      </p:sp>
-      <p:sp>
-        <p:nvSpPr>
-          <p:cNvPr id="59" name="Rounded Rectangle 58"/>
-          <p:cNvSpPr/>
-          <p:nvPr/>
-        </p:nvSpPr>
-        <p:spPr>
-          <a:xfrm>
-            <a:off x="1780126" y="3988696"/>
-            <a:ext cx="5334000" cy="1936917"/>
-          </a:xfrm>
-          <a:prstGeom prst="roundRect">
-            <a:avLst/>
-          </a:prstGeom>
-          <a:noFill/>
-          <a:ln>
-            <a:solidFill>
-              <a:schemeClr val="accent2"/>
-            </a:solidFill>
-          </a:ln>
-        </p:spPr>
-        <p:style>
-          <a:lnRef idx="2">
-            <a:schemeClr val="accent1">
-              <a:shade val="50000"/>
-            </a:schemeClr>
-          </a:lnRef>
-          <a:fillRef idx="1">
-            <a:schemeClr val="accent1"/>
-          </a:fillRef>
-          <a:effectRef idx="0">
-            <a:schemeClr val="accent1"/>
-          </a:effectRef>
-          <a:fontRef idx="minor">
-            <a:schemeClr val="lt1"/>
-          </a:fontRef>
-        </p:style>
-        <p:txBody>
-          <a:bodyPr rtlCol="0" anchor="ctr"/>
-          <a:lstStyle>
-            <a:defPPr>
-              <a:defRPr lang="en-US"/>
-            </a:defPPr>
-            <a:lvl1pPr marL="0" algn="l" defTabSz="3291279" rtl="0" eaLnBrk="1" latinLnBrk="0" hangingPunct="1">
-              <a:defRPr sz="6400" kern="1200">
-                <a:solidFill>
-                  <a:schemeClr val="lt1"/>
-                </a:solidFill>
-                <a:latin typeface="+mn-lt"/>
-                <a:ea typeface="+mn-ea"/>
-                <a:cs typeface="+mn-cs"/>
-              </a:defRPr>
-            </a:lvl1pPr>
-            <a:lvl2pPr marL="1645640" algn="l" defTabSz="3291279" rtl="0" eaLnBrk="1" latinLnBrk="0" hangingPunct="1">
-              <a:defRPr sz="6400" kern="1200">
-                <a:solidFill>
-                  <a:schemeClr val="lt1"/>
-                </a:solidFill>
-                <a:latin typeface="+mn-lt"/>
-                <a:ea typeface="+mn-ea"/>
-                <a:cs typeface="+mn-cs"/>
-              </a:defRPr>
-            </a:lvl2pPr>
-            <a:lvl3pPr marL="3291279" algn="l" defTabSz="3291279" rtl="0" eaLnBrk="1" latinLnBrk="0" hangingPunct="1">
-              <a:defRPr sz="6400" kern="1200">
-                <a:solidFill>
-                  <a:schemeClr val="lt1"/>
-                </a:solidFill>
-                <a:latin typeface="+mn-lt"/>
-                <a:ea typeface="+mn-ea"/>
-                <a:cs typeface="+mn-cs"/>
-              </a:defRPr>
-            </a:lvl3pPr>
-            <a:lvl4pPr marL="4936919" algn="l" defTabSz="3291279" rtl="0" eaLnBrk="1" latinLnBrk="0" hangingPunct="1">
-              <a:defRPr sz="6400" kern="1200">
-                <a:solidFill>
-                  <a:schemeClr val="lt1"/>
-                </a:solidFill>
-                <a:latin typeface="+mn-lt"/>
-                <a:ea typeface="+mn-ea"/>
-                <a:cs typeface="+mn-cs"/>
-              </a:defRPr>
-            </a:lvl4pPr>
-            <a:lvl5pPr marL="6582559" algn="l" defTabSz="3291279" rtl="0" eaLnBrk="1" latinLnBrk="0" hangingPunct="1">
-              <a:defRPr sz="6400" kern="1200">
-                <a:solidFill>
-                  <a:schemeClr val="lt1"/>
-                </a:solidFill>
-                <a:latin typeface="+mn-lt"/>
-                <a:ea typeface="+mn-ea"/>
-                <a:cs typeface="+mn-cs"/>
-              </a:defRPr>
-            </a:lvl5pPr>
-            <a:lvl6pPr marL="8228198" algn="l" defTabSz="3291279" rtl="0" eaLnBrk="1" latinLnBrk="0" hangingPunct="1">
-              <a:defRPr sz="6400" kern="1200">
-                <a:solidFill>
-                  <a:schemeClr val="lt1"/>
-                </a:solidFill>
-                <a:latin typeface="+mn-lt"/>
-                <a:ea typeface="+mn-ea"/>
-                <a:cs typeface="+mn-cs"/>
-              </a:defRPr>
-            </a:lvl6pPr>
-            <a:lvl7pPr marL="9873837" algn="l" defTabSz="3291279" rtl="0" eaLnBrk="1" latinLnBrk="0" hangingPunct="1">
-              <a:defRPr sz="6400" kern="1200">
-                <a:solidFill>
-                  <a:schemeClr val="lt1"/>
-                </a:solidFill>
-                <a:latin typeface="+mn-lt"/>
-                <a:ea typeface="+mn-ea"/>
-                <a:cs typeface="+mn-cs"/>
-              </a:defRPr>
-            </a:lvl7pPr>
-            <a:lvl8pPr marL="11519478" algn="l" defTabSz="3291279" rtl="0" eaLnBrk="1" latinLnBrk="0" hangingPunct="1">
-              <a:defRPr sz="6400" kern="1200">
-                <a:solidFill>
-                  <a:schemeClr val="lt1"/>
-                </a:solidFill>
-                <a:latin typeface="+mn-lt"/>
-                <a:ea typeface="+mn-ea"/>
-                <a:cs typeface="+mn-cs"/>
-              </a:defRPr>
-            </a:lvl8pPr>
-            <a:lvl9pPr marL="13165118" algn="l" defTabSz="3291279" rtl="0" eaLnBrk="1" latinLnBrk="0" hangingPunct="1">
-              <a:defRPr sz="6400" kern="1200">
-                <a:solidFill>
-                  <a:schemeClr val="lt1"/>
-                </a:solidFill>
-                <a:latin typeface="+mn-lt"/>
-                <a:ea typeface="+mn-ea"/>
-                <a:cs typeface="+mn-cs"/>
-              </a:defRPr>
-            </a:lvl9pPr>
-          </a:lstStyle>
-          <a:p>
-            <a:pPr algn="ctr"/>
-            <a:endParaRPr lang="en-US" sz="1800"/>
           </a:p>
         </p:txBody>
       </p:sp>
     </p:spTree>
     <p:extLst>
       <p:ext uri="{BB962C8B-B14F-4D97-AF65-F5344CB8AC3E}">
-        <p14:creationId xmlns:p14="http://schemas.microsoft.com/office/powerpoint/2010/main" val="528962051"/>
+        <p14:creationId xmlns:p14="http://schemas.microsoft.com/office/powerpoint/2010/main" val="2259790792"/>
       </p:ext>
     </p:extLst>
   </p:cSld>

--- a/Real-time Speaker Recognizer - Oral Examination.pptx
+++ b/Real-time Speaker Recognizer - Oral Examination.pptx
@@ -5,7 +5,7 @@
     <p:sldMasterId id="2147483720" r:id="rId1"/>
   </p:sldMasterIdLst>
   <p:notesMasterIdLst>
-    <p:notesMasterId r:id="rId18"/>
+    <p:notesMasterId r:id="rId20"/>
   </p:notesMasterIdLst>
   <p:sldIdLst>
     <p:sldId id="256" r:id="rId2"/>
@@ -13,17 +13,19 @@
     <p:sldId id="258" r:id="rId4"/>
     <p:sldId id="259" r:id="rId5"/>
     <p:sldId id="260" r:id="rId6"/>
-    <p:sldId id="261" r:id="rId7"/>
-    <p:sldId id="266" r:id="rId8"/>
-    <p:sldId id="262" r:id="rId9"/>
-    <p:sldId id="263" r:id="rId10"/>
-    <p:sldId id="271" r:id="rId11"/>
-    <p:sldId id="267" r:id="rId12"/>
-    <p:sldId id="268" r:id="rId13"/>
-    <p:sldId id="264" r:id="rId14"/>
+    <p:sldId id="266" r:id="rId7"/>
+    <p:sldId id="262" r:id="rId8"/>
+    <p:sldId id="263" r:id="rId9"/>
+    <p:sldId id="271" r:id="rId10"/>
+    <p:sldId id="267" r:id="rId11"/>
+    <p:sldId id="268" r:id="rId12"/>
+    <p:sldId id="264" r:id="rId13"/>
+    <p:sldId id="275" r:id="rId14"/>
     <p:sldId id="270" r:id="rId15"/>
-    <p:sldId id="265" r:id="rId16"/>
-    <p:sldId id="272" r:id="rId17"/>
+    <p:sldId id="276" r:id="rId16"/>
+    <p:sldId id="277" r:id="rId17"/>
+    <p:sldId id="265" r:id="rId18"/>
+    <p:sldId id="272" r:id="rId19"/>
   </p:sldIdLst>
   <p:sldSz cx="9144000" cy="6858000" type="screen4x3"/>
   <p:notesSz cx="6858000" cy="9144000"/>
@@ -122,13 +124,29 @@
       </a:defRPr>
     </a:lvl9pPr>
   </p:defaultTextStyle>
+  <p:extLst>
+    <p:ext uri="{EFAFB233-063F-42B5-8137-9DF3F51BA10A}">
+      <p15:sldGuideLst xmlns:p15="http://schemas.microsoft.com/office/powerpoint/2012/main">
+        <p15:guide id="1" orient="horz" pos="2160">
+          <p15:clr>
+            <a:srgbClr val="A4A3A4"/>
+          </p15:clr>
+        </p15:guide>
+        <p15:guide id="2" pos="2880">
+          <p15:clr>
+            <a:srgbClr val="A4A3A4"/>
+          </p15:clr>
+        </p15:guide>
+      </p15:sldGuideLst>
+    </p:ext>
+  </p:extLst>
 </p:presentation>
 </file>
 
 <file path=ppt/charts/chart1.xml><?xml version="1.0" encoding="utf-8"?>
 <c:chartSpace xmlns:c="http://schemas.openxmlformats.org/drawingml/2006/chart" xmlns:a="http://schemas.openxmlformats.org/drawingml/2006/main" xmlns:r="http://schemas.openxmlformats.org/officeDocument/2006/relationships">
   <c:date1904 val="0"/>
-  <c:lang val="en-US"/>
+  <c:lang val="zh-CN"/>
   <c:roundedCorners val="0"/>
   <mc:AlternateContent xmlns:mc="http://schemas.openxmlformats.org/markup-compatibility/2006">
     <mc:Choice xmlns:c14="http://schemas.microsoft.com/office/drawing/2007/8/2/chart" Requires="c14">
@@ -149,9 +167,14 @@
               <a:defRPr/>
             </a:pPr>
             <a:r>
-              <a:rPr lang="en-US"/>
-              <a:t>Real-time Factor</a:t>
+              <a:rPr lang="en-US" dirty="0" smtClean="0"/>
+              <a:t>Real-time</a:t>
             </a:r>
+            <a:r>
+              <a:rPr lang="en-US" baseline="0" dirty="0" smtClean="0"/>
+              <a:t> factor</a:t>
+            </a:r>
+            <a:endParaRPr lang="en-US" dirty="0"/>
           </a:p>
         </c:rich>
       </c:tx>
@@ -512,13 +535,12 @@
           <c:showPercent val="0"/>
           <c:showBubbleSize val="0"/>
         </c:dLbls>
-        <c:marker val="1"/>
         <c:smooth val="0"/>
-        <c:axId val="238128512"/>
-        <c:axId val="256711296"/>
+        <c:axId val="1142934528"/>
+        <c:axId val="1142930176"/>
       </c:lineChart>
       <c:catAx>
-        <c:axId val="238128512"/>
+        <c:axId val="1142934528"/>
         <c:scaling>
           <c:orientation val="minMax"/>
         </c:scaling>
@@ -567,7 +589,7 @@
         <c:majorTickMark val="out"/>
         <c:minorTickMark val="none"/>
         <c:tickLblPos val="nextTo"/>
-        <c:crossAx val="256711296"/>
+        <c:crossAx val="1142930176"/>
         <c:crosses val="autoZero"/>
         <c:auto val="1"/>
         <c:lblAlgn val="ctr"/>
@@ -577,7 +599,7 @@
         <c:noMultiLvlLbl val="0"/>
       </c:catAx>
       <c:valAx>
-        <c:axId val="256711296"/>
+        <c:axId val="1142930176"/>
         <c:scaling>
           <c:orientation val="minMax"/>
         </c:scaling>
@@ -607,7 +629,7 @@
         <c:majorTickMark val="out"/>
         <c:minorTickMark val="none"/>
         <c:tickLblPos val="nextTo"/>
-        <c:crossAx val="238128512"/>
+        <c:crossAx val="1142934528"/>
         <c:crosses val="autoZero"/>
         <c:crossBetween val="between"/>
       </c:valAx>
@@ -628,13 +650,3419 @@
       <a:pPr>
         <a:defRPr sz="1800"/>
       </a:pPr>
-      <a:endParaRPr lang="en-US"/>
+      <a:endParaRPr lang="zh-CN"/>
     </a:p>
   </c:txPr>
   <c:externalData r:id="rId1">
     <c:autoUpdate val="0"/>
   </c:externalData>
 </c:chartSpace>
+</file>
+
+<file path=ppt/charts/chart2.xml><?xml version="1.0" encoding="utf-8"?>
+<c:chartSpace xmlns:c="http://schemas.openxmlformats.org/drawingml/2006/chart" xmlns:a="http://schemas.openxmlformats.org/drawingml/2006/main" xmlns:r="http://schemas.openxmlformats.org/officeDocument/2006/relationships">
+  <c:date1904 val="0"/>
+  <c:lang val="zh-CN"/>
+  <c:roundedCorners val="0"/>
+  <mc:AlternateContent xmlns:mc="http://schemas.openxmlformats.org/markup-compatibility/2006">
+    <mc:Choice xmlns:c14="http://schemas.microsoft.com/office/drawing/2007/8/2/chart" Requires="c14">
+      <c14:style val="102"/>
+    </mc:Choice>
+    <mc:Fallback>
+      <c:style val="2"/>
+    </mc:Fallback>
+  </mc:AlternateContent>
+  <c:chart>
+    <c:title>
+      <c:tx>
+        <c:rich>
+          <a:bodyPr rot="0" spcFirstLastPara="1" vertOverflow="ellipsis" vert="horz" wrap="square" anchor="ctr" anchorCtr="1"/>
+          <a:lstStyle/>
+          <a:p>
+            <a:pPr>
+              <a:defRPr sz="1600" b="0" i="0" u="none" strike="noStrike" kern="1200" spc="0" baseline="0">
+                <a:solidFill>
+                  <a:schemeClr val="tx1">
+                    <a:lumMod val="65000"/>
+                    <a:lumOff val="35000"/>
+                  </a:schemeClr>
+                </a:solidFill>
+                <a:latin typeface="+mn-lt"/>
+                <a:ea typeface="+mn-ea"/>
+                <a:cs typeface="+mn-cs"/>
+              </a:defRPr>
+            </a:pPr>
+            <a:r>
+              <a:rPr lang="en-US" altLang="zh-CN" sz="1600" b="1" dirty="0"/>
+              <a:t>KBM</a:t>
+            </a:r>
+            <a:r>
+              <a:rPr lang="en-US" altLang="zh-CN" sz="1600" b="1" baseline="0" dirty="0"/>
+              <a:t> delay vs audio duration</a:t>
+            </a:r>
+            <a:endParaRPr lang="zh-CN" altLang="en-US" sz="1600" b="1" dirty="0"/>
+          </a:p>
+        </c:rich>
+      </c:tx>
+      <c:layout>
+        <c:manualLayout>
+          <c:xMode val="edge"/>
+          <c:yMode val="edge"/>
+          <c:x val="0.2942881181169586"/>
+          <c:y val="2.6315789473684209E-2"/>
+        </c:manualLayout>
+      </c:layout>
+      <c:overlay val="0"/>
+      <c:spPr>
+        <a:noFill/>
+        <a:ln>
+          <a:noFill/>
+        </a:ln>
+        <a:effectLst/>
+      </c:spPr>
+      <c:txPr>
+        <a:bodyPr rot="0" spcFirstLastPara="1" vertOverflow="ellipsis" vert="horz" wrap="square" anchor="ctr" anchorCtr="1"/>
+        <a:lstStyle/>
+        <a:p>
+          <a:pPr>
+            <a:defRPr sz="1600" b="0" i="0" u="none" strike="noStrike" kern="1200" spc="0" baseline="0">
+              <a:solidFill>
+                <a:schemeClr val="tx1">
+                  <a:lumMod val="65000"/>
+                  <a:lumOff val="35000"/>
+                </a:schemeClr>
+              </a:solidFill>
+              <a:latin typeface="+mn-lt"/>
+              <a:ea typeface="+mn-ea"/>
+              <a:cs typeface="+mn-cs"/>
+            </a:defRPr>
+          </a:pPr>
+          <a:endParaRPr lang="zh-CN"/>
+        </a:p>
+      </c:txPr>
+    </c:title>
+    <c:autoTitleDeleted val="0"/>
+    <c:plotArea>
+      <c:layout/>
+      <c:scatterChart>
+        <c:scatterStyle val="lineMarker"/>
+        <c:varyColors val="0"/>
+        <c:ser>
+          <c:idx val="0"/>
+          <c:order val="0"/>
+          <c:spPr>
+            <a:ln w="28575" cap="rnd">
+              <a:noFill/>
+              <a:round/>
+            </a:ln>
+            <a:effectLst/>
+          </c:spPr>
+          <c:marker>
+            <c:symbol val="circle"/>
+            <c:size val="5"/>
+            <c:spPr>
+              <a:solidFill>
+                <a:schemeClr val="accent1"/>
+              </a:solidFill>
+              <a:ln w="9525">
+                <a:solidFill>
+                  <a:schemeClr val="accent1"/>
+                </a:solidFill>
+              </a:ln>
+              <a:effectLst/>
+            </c:spPr>
+          </c:marker>
+          <c:xVal>
+            <c:numRef>
+              <c:f>'[runtime final.xlsx]Sheet3'!$A$1:$A$120</c:f>
+              <c:numCache>
+                <c:formatCode>General</c:formatCode>
+                <c:ptCount val="120"/>
+                <c:pt idx="0">
+                  <c:v>10</c:v>
+                </c:pt>
+                <c:pt idx="1">
+                  <c:v>20</c:v>
+                </c:pt>
+                <c:pt idx="2">
+                  <c:v>30</c:v>
+                </c:pt>
+                <c:pt idx="3">
+                  <c:v>40</c:v>
+                </c:pt>
+                <c:pt idx="4">
+                  <c:v>50</c:v>
+                </c:pt>
+                <c:pt idx="5">
+                  <c:v>60</c:v>
+                </c:pt>
+                <c:pt idx="6">
+                  <c:v>70</c:v>
+                </c:pt>
+                <c:pt idx="7">
+                  <c:v>80</c:v>
+                </c:pt>
+                <c:pt idx="8">
+                  <c:v>90</c:v>
+                </c:pt>
+                <c:pt idx="9">
+                  <c:v>100</c:v>
+                </c:pt>
+                <c:pt idx="10">
+                  <c:v>110</c:v>
+                </c:pt>
+                <c:pt idx="11">
+                  <c:v>120</c:v>
+                </c:pt>
+                <c:pt idx="12">
+                  <c:v>130</c:v>
+                </c:pt>
+                <c:pt idx="13">
+                  <c:v>140</c:v>
+                </c:pt>
+                <c:pt idx="14">
+                  <c:v>150</c:v>
+                </c:pt>
+                <c:pt idx="15">
+                  <c:v>160</c:v>
+                </c:pt>
+                <c:pt idx="16">
+                  <c:v>170</c:v>
+                </c:pt>
+                <c:pt idx="17">
+                  <c:v>180</c:v>
+                </c:pt>
+                <c:pt idx="18">
+                  <c:v>190</c:v>
+                </c:pt>
+                <c:pt idx="19">
+                  <c:v>200</c:v>
+                </c:pt>
+                <c:pt idx="20">
+                  <c:v>210</c:v>
+                </c:pt>
+                <c:pt idx="21">
+                  <c:v>220</c:v>
+                </c:pt>
+                <c:pt idx="22">
+                  <c:v>230</c:v>
+                </c:pt>
+                <c:pt idx="23">
+                  <c:v>240</c:v>
+                </c:pt>
+                <c:pt idx="24">
+                  <c:v>250</c:v>
+                </c:pt>
+                <c:pt idx="25">
+                  <c:v>260</c:v>
+                </c:pt>
+                <c:pt idx="26">
+                  <c:v>270</c:v>
+                </c:pt>
+                <c:pt idx="27">
+                  <c:v>280</c:v>
+                </c:pt>
+                <c:pt idx="28">
+                  <c:v>290</c:v>
+                </c:pt>
+                <c:pt idx="29">
+                  <c:v>300</c:v>
+                </c:pt>
+                <c:pt idx="30">
+                  <c:v>310</c:v>
+                </c:pt>
+                <c:pt idx="31">
+                  <c:v>320</c:v>
+                </c:pt>
+                <c:pt idx="32">
+                  <c:v>330</c:v>
+                </c:pt>
+                <c:pt idx="33">
+                  <c:v>340</c:v>
+                </c:pt>
+                <c:pt idx="34">
+                  <c:v>350</c:v>
+                </c:pt>
+                <c:pt idx="35">
+                  <c:v>360</c:v>
+                </c:pt>
+                <c:pt idx="36">
+                  <c:v>370</c:v>
+                </c:pt>
+                <c:pt idx="37">
+                  <c:v>380</c:v>
+                </c:pt>
+                <c:pt idx="38">
+                  <c:v>390</c:v>
+                </c:pt>
+                <c:pt idx="39">
+                  <c:v>400</c:v>
+                </c:pt>
+                <c:pt idx="40">
+                  <c:v>410</c:v>
+                </c:pt>
+                <c:pt idx="41">
+                  <c:v>420</c:v>
+                </c:pt>
+                <c:pt idx="42">
+                  <c:v>430</c:v>
+                </c:pt>
+                <c:pt idx="43">
+                  <c:v>440</c:v>
+                </c:pt>
+                <c:pt idx="44">
+                  <c:v>450</c:v>
+                </c:pt>
+                <c:pt idx="45">
+                  <c:v>460</c:v>
+                </c:pt>
+                <c:pt idx="46">
+                  <c:v>470</c:v>
+                </c:pt>
+                <c:pt idx="47">
+                  <c:v>480</c:v>
+                </c:pt>
+                <c:pt idx="48">
+                  <c:v>490</c:v>
+                </c:pt>
+                <c:pt idx="49">
+                  <c:v>500</c:v>
+                </c:pt>
+                <c:pt idx="50">
+                  <c:v>510</c:v>
+                </c:pt>
+                <c:pt idx="51">
+                  <c:v>520</c:v>
+                </c:pt>
+                <c:pt idx="52">
+                  <c:v>530</c:v>
+                </c:pt>
+                <c:pt idx="53">
+                  <c:v>540</c:v>
+                </c:pt>
+                <c:pt idx="54">
+                  <c:v>550</c:v>
+                </c:pt>
+                <c:pt idx="55">
+                  <c:v>560</c:v>
+                </c:pt>
+                <c:pt idx="56">
+                  <c:v>570</c:v>
+                </c:pt>
+                <c:pt idx="57">
+                  <c:v>580</c:v>
+                </c:pt>
+                <c:pt idx="58">
+                  <c:v>590</c:v>
+                </c:pt>
+                <c:pt idx="59">
+                  <c:v>600</c:v>
+                </c:pt>
+                <c:pt idx="60">
+                  <c:v>610</c:v>
+                </c:pt>
+                <c:pt idx="61">
+                  <c:v>620</c:v>
+                </c:pt>
+                <c:pt idx="62">
+                  <c:v>630</c:v>
+                </c:pt>
+                <c:pt idx="63">
+                  <c:v>640</c:v>
+                </c:pt>
+                <c:pt idx="64">
+                  <c:v>650</c:v>
+                </c:pt>
+                <c:pt idx="65">
+                  <c:v>660</c:v>
+                </c:pt>
+                <c:pt idx="66">
+                  <c:v>670</c:v>
+                </c:pt>
+                <c:pt idx="67">
+                  <c:v>680</c:v>
+                </c:pt>
+                <c:pt idx="68">
+                  <c:v>690</c:v>
+                </c:pt>
+                <c:pt idx="69">
+                  <c:v>700</c:v>
+                </c:pt>
+                <c:pt idx="70">
+                  <c:v>710</c:v>
+                </c:pt>
+                <c:pt idx="71">
+                  <c:v>720</c:v>
+                </c:pt>
+                <c:pt idx="72">
+                  <c:v>730</c:v>
+                </c:pt>
+                <c:pt idx="73">
+                  <c:v>740</c:v>
+                </c:pt>
+                <c:pt idx="74">
+                  <c:v>750</c:v>
+                </c:pt>
+                <c:pt idx="75">
+                  <c:v>760</c:v>
+                </c:pt>
+                <c:pt idx="76">
+                  <c:v>770</c:v>
+                </c:pt>
+                <c:pt idx="77">
+                  <c:v>780</c:v>
+                </c:pt>
+                <c:pt idx="78">
+                  <c:v>790</c:v>
+                </c:pt>
+                <c:pt idx="79">
+                  <c:v>800</c:v>
+                </c:pt>
+                <c:pt idx="80">
+                  <c:v>810</c:v>
+                </c:pt>
+                <c:pt idx="81">
+                  <c:v>820</c:v>
+                </c:pt>
+                <c:pt idx="82">
+                  <c:v>830</c:v>
+                </c:pt>
+                <c:pt idx="83">
+                  <c:v>840</c:v>
+                </c:pt>
+                <c:pt idx="84">
+                  <c:v>850</c:v>
+                </c:pt>
+                <c:pt idx="85">
+                  <c:v>860</c:v>
+                </c:pt>
+                <c:pt idx="86">
+                  <c:v>870</c:v>
+                </c:pt>
+                <c:pt idx="87">
+                  <c:v>880</c:v>
+                </c:pt>
+                <c:pt idx="88">
+                  <c:v>890</c:v>
+                </c:pt>
+                <c:pt idx="89">
+                  <c:v>900</c:v>
+                </c:pt>
+                <c:pt idx="90">
+                  <c:v>910</c:v>
+                </c:pt>
+                <c:pt idx="91">
+                  <c:v>920</c:v>
+                </c:pt>
+                <c:pt idx="92">
+                  <c:v>930</c:v>
+                </c:pt>
+                <c:pt idx="93">
+                  <c:v>940</c:v>
+                </c:pt>
+                <c:pt idx="94">
+                  <c:v>950</c:v>
+                </c:pt>
+                <c:pt idx="95">
+                  <c:v>960</c:v>
+                </c:pt>
+                <c:pt idx="96">
+                  <c:v>970</c:v>
+                </c:pt>
+                <c:pt idx="97">
+                  <c:v>980</c:v>
+                </c:pt>
+                <c:pt idx="98">
+                  <c:v>990</c:v>
+                </c:pt>
+                <c:pt idx="99">
+                  <c:v>1000</c:v>
+                </c:pt>
+                <c:pt idx="100">
+                  <c:v>1010</c:v>
+                </c:pt>
+                <c:pt idx="101">
+                  <c:v>1020</c:v>
+                </c:pt>
+                <c:pt idx="102">
+                  <c:v>1030</c:v>
+                </c:pt>
+                <c:pt idx="103">
+                  <c:v>1040</c:v>
+                </c:pt>
+                <c:pt idx="104">
+                  <c:v>1050</c:v>
+                </c:pt>
+                <c:pt idx="105">
+                  <c:v>1060</c:v>
+                </c:pt>
+                <c:pt idx="106">
+                  <c:v>1070</c:v>
+                </c:pt>
+                <c:pt idx="107">
+                  <c:v>1080</c:v>
+                </c:pt>
+                <c:pt idx="108">
+                  <c:v>1090</c:v>
+                </c:pt>
+                <c:pt idx="109">
+                  <c:v>1100</c:v>
+                </c:pt>
+                <c:pt idx="110">
+                  <c:v>1110</c:v>
+                </c:pt>
+                <c:pt idx="111">
+                  <c:v>1120</c:v>
+                </c:pt>
+                <c:pt idx="112">
+                  <c:v>1130</c:v>
+                </c:pt>
+                <c:pt idx="113">
+                  <c:v>1140</c:v>
+                </c:pt>
+                <c:pt idx="114">
+                  <c:v>1150</c:v>
+                </c:pt>
+                <c:pt idx="115">
+                  <c:v>1160</c:v>
+                </c:pt>
+                <c:pt idx="116">
+                  <c:v>1170</c:v>
+                </c:pt>
+                <c:pt idx="117">
+                  <c:v>1180</c:v>
+                </c:pt>
+                <c:pt idx="118">
+                  <c:v>1190</c:v>
+                </c:pt>
+                <c:pt idx="119">
+                  <c:v>1200</c:v>
+                </c:pt>
+              </c:numCache>
+            </c:numRef>
+          </c:xVal>
+          <c:yVal>
+            <c:numRef>
+              <c:f>'[runtime final.xlsx]Sheet3'!$B$1:$B$120</c:f>
+              <c:numCache>
+                <c:formatCode>General</c:formatCode>
+                <c:ptCount val="120"/>
+                <c:pt idx="0">
+                  <c:v>0</c:v>
+                </c:pt>
+                <c:pt idx="1">
+                  <c:v>0.9</c:v>
+                </c:pt>
+                <c:pt idx="2">
+                  <c:v>1.3</c:v>
+                </c:pt>
+                <c:pt idx="3">
+                  <c:v>1.5</c:v>
+                </c:pt>
+                <c:pt idx="4">
+                  <c:v>1.7</c:v>
+                </c:pt>
+                <c:pt idx="5">
+                  <c:v>1.2</c:v>
+                </c:pt>
+                <c:pt idx="6">
+                  <c:v>1.3</c:v>
+                </c:pt>
+                <c:pt idx="7">
+                  <c:v>1.3</c:v>
+                </c:pt>
+                <c:pt idx="8">
+                  <c:v>1.4</c:v>
+                </c:pt>
+                <c:pt idx="9">
+                  <c:v>1.3</c:v>
+                </c:pt>
+                <c:pt idx="10">
+                  <c:v>1.4</c:v>
+                </c:pt>
+                <c:pt idx="11">
+                  <c:v>1.6</c:v>
+                </c:pt>
+                <c:pt idx="12">
+                  <c:v>2</c:v>
+                </c:pt>
+                <c:pt idx="13">
+                  <c:v>1.8</c:v>
+                </c:pt>
+                <c:pt idx="14">
+                  <c:v>1.9</c:v>
+                </c:pt>
+                <c:pt idx="15">
+                  <c:v>1.7</c:v>
+                </c:pt>
+                <c:pt idx="16">
+                  <c:v>1.8</c:v>
+                </c:pt>
+                <c:pt idx="17">
+                  <c:v>1.7</c:v>
+                </c:pt>
+                <c:pt idx="18">
+                  <c:v>1.7</c:v>
+                </c:pt>
+                <c:pt idx="19">
+                  <c:v>2.1</c:v>
+                </c:pt>
+                <c:pt idx="20">
+                  <c:v>2.5</c:v>
+                </c:pt>
+                <c:pt idx="21">
+                  <c:v>2.5</c:v>
+                </c:pt>
+                <c:pt idx="22">
+                  <c:v>2.5</c:v>
+                </c:pt>
+                <c:pt idx="23">
+                  <c:v>2.4</c:v>
+                </c:pt>
+                <c:pt idx="24">
+                  <c:v>2.1</c:v>
+                </c:pt>
+                <c:pt idx="25">
+                  <c:v>1.6</c:v>
+                </c:pt>
+                <c:pt idx="26">
+                  <c:v>2.5</c:v>
+                </c:pt>
+                <c:pt idx="27">
+                  <c:v>2.5</c:v>
+                </c:pt>
+                <c:pt idx="28">
+                  <c:v>3</c:v>
+                </c:pt>
+                <c:pt idx="29">
+                  <c:v>3</c:v>
+                </c:pt>
+                <c:pt idx="30">
+                  <c:v>2.9</c:v>
+                </c:pt>
+                <c:pt idx="31">
+                  <c:v>3.1</c:v>
+                </c:pt>
+                <c:pt idx="32">
+                  <c:v>2.6</c:v>
+                </c:pt>
+                <c:pt idx="33">
+                  <c:v>3.1</c:v>
+                </c:pt>
+                <c:pt idx="34">
+                  <c:v>2.9</c:v>
+                </c:pt>
+                <c:pt idx="35">
+                  <c:v>3.3</c:v>
+                </c:pt>
+                <c:pt idx="36">
+                  <c:v>3.7</c:v>
+                </c:pt>
+                <c:pt idx="37">
+                  <c:v>3.5</c:v>
+                </c:pt>
+                <c:pt idx="38">
+                  <c:v>3</c:v>
+                </c:pt>
+                <c:pt idx="39">
+                  <c:v>3.9</c:v>
+                </c:pt>
+                <c:pt idx="40">
+                  <c:v>3.1</c:v>
+                </c:pt>
+                <c:pt idx="41">
+                  <c:v>4</c:v>
+                </c:pt>
+                <c:pt idx="42">
+                  <c:v>4.2</c:v>
+                </c:pt>
+                <c:pt idx="43">
+                  <c:v>3.7</c:v>
+                </c:pt>
+                <c:pt idx="44">
+                  <c:v>4.5999999999999996</c:v>
+                </c:pt>
+                <c:pt idx="45">
+                  <c:v>3.4</c:v>
+                </c:pt>
+                <c:pt idx="46">
+                  <c:v>3.7</c:v>
+                </c:pt>
+                <c:pt idx="47">
+                  <c:v>4.9000000000000004</c:v>
+                </c:pt>
+                <c:pt idx="48">
+                  <c:v>3.1</c:v>
+                </c:pt>
+                <c:pt idx="49">
+                  <c:v>4.3</c:v>
+                </c:pt>
+                <c:pt idx="50">
+                  <c:v>4.7</c:v>
+                </c:pt>
+                <c:pt idx="51">
+                  <c:v>5.0999999999999996</c:v>
+                </c:pt>
+                <c:pt idx="52">
+                  <c:v>3.7</c:v>
+                </c:pt>
+                <c:pt idx="53">
+                  <c:v>3.8</c:v>
+                </c:pt>
+                <c:pt idx="54">
+                  <c:v>3.9</c:v>
+                </c:pt>
+                <c:pt idx="55">
+                  <c:v>4.9000000000000004</c:v>
+                </c:pt>
+                <c:pt idx="56">
+                  <c:v>5</c:v>
+                </c:pt>
+                <c:pt idx="57">
+                  <c:v>4.5</c:v>
+                </c:pt>
+                <c:pt idx="58">
+                  <c:v>4.5</c:v>
+                </c:pt>
+                <c:pt idx="59">
+                  <c:v>4.5</c:v>
+                </c:pt>
+                <c:pt idx="60">
+                  <c:v>4.5</c:v>
+                </c:pt>
+                <c:pt idx="61">
+                  <c:v>5.5</c:v>
+                </c:pt>
+                <c:pt idx="62">
+                  <c:v>5.5</c:v>
+                </c:pt>
+                <c:pt idx="63">
+                  <c:v>5.5</c:v>
+                </c:pt>
+                <c:pt idx="64">
+                  <c:v>5.5</c:v>
+                </c:pt>
+                <c:pt idx="65">
+                  <c:v>5.5</c:v>
+                </c:pt>
+                <c:pt idx="66">
+                  <c:v>6.1</c:v>
+                </c:pt>
+                <c:pt idx="67">
+                  <c:v>6.2</c:v>
+                </c:pt>
+                <c:pt idx="68">
+                  <c:v>5.5</c:v>
+                </c:pt>
+                <c:pt idx="69">
+                  <c:v>6.1</c:v>
+                </c:pt>
+                <c:pt idx="70">
+                  <c:v>6.5</c:v>
+                </c:pt>
+                <c:pt idx="71">
+                  <c:v>5.5</c:v>
+                </c:pt>
+                <c:pt idx="72">
+                  <c:v>5.9</c:v>
+                </c:pt>
+                <c:pt idx="73">
+                  <c:v>5.0999999999999996</c:v>
+                </c:pt>
+                <c:pt idx="74">
+                  <c:v>6.7</c:v>
+                </c:pt>
+                <c:pt idx="75">
+                  <c:v>7.1</c:v>
+                </c:pt>
+                <c:pt idx="76">
+                  <c:v>7.5</c:v>
+                </c:pt>
+                <c:pt idx="77">
+                  <c:v>5.5</c:v>
+                </c:pt>
+                <c:pt idx="78">
+                  <c:v>5.9</c:v>
+                </c:pt>
+                <c:pt idx="79">
+                  <c:v>7</c:v>
+                </c:pt>
+                <c:pt idx="80">
+                  <c:v>7.9</c:v>
+                </c:pt>
+                <c:pt idx="81">
+                  <c:v>7.5</c:v>
+                </c:pt>
+                <c:pt idx="82">
+                  <c:v>5.8</c:v>
+                </c:pt>
+                <c:pt idx="83">
+                  <c:v>6.7</c:v>
+                </c:pt>
+                <c:pt idx="84">
+                  <c:v>7.6</c:v>
+                </c:pt>
+                <c:pt idx="85">
+                  <c:v>8.5</c:v>
+                </c:pt>
+                <c:pt idx="86">
+                  <c:v>4.5</c:v>
+                </c:pt>
+                <c:pt idx="87">
+                  <c:v>7.5</c:v>
+                </c:pt>
+                <c:pt idx="88">
+                  <c:v>9.1</c:v>
+                </c:pt>
+                <c:pt idx="89">
+                  <c:v>6.5</c:v>
+                </c:pt>
+                <c:pt idx="90">
+                  <c:v>6.7</c:v>
+                </c:pt>
+                <c:pt idx="91">
+                  <c:v>9.5</c:v>
+                </c:pt>
+                <c:pt idx="92">
+                  <c:v>7.5</c:v>
+                </c:pt>
+                <c:pt idx="93">
+                  <c:v>7</c:v>
+                </c:pt>
+                <c:pt idx="94">
+                  <c:v>9.5</c:v>
+                </c:pt>
+                <c:pt idx="95">
+                  <c:v>7.5</c:v>
+                </c:pt>
+                <c:pt idx="96">
+                  <c:v>7</c:v>
+                </c:pt>
+                <c:pt idx="97">
+                  <c:v>9.3000000000000007</c:v>
+                </c:pt>
+                <c:pt idx="98">
+                  <c:v>6.5</c:v>
+                </c:pt>
+                <c:pt idx="99">
+                  <c:v>8.5</c:v>
+                </c:pt>
+                <c:pt idx="100">
+                  <c:v>10.5</c:v>
+                </c:pt>
+                <c:pt idx="101">
+                  <c:v>6.1</c:v>
+                </c:pt>
+                <c:pt idx="102">
+                  <c:v>9.6999999999999993</c:v>
+                </c:pt>
+                <c:pt idx="103">
+                  <c:v>8.5</c:v>
+                </c:pt>
+                <c:pt idx="104">
+                  <c:v>7.3</c:v>
+                </c:pt>
+                <c:pt idx="105">
+                  <c:v>10.9</c:v>
+                </c:pt>
+                <c:pt idx="106">
+                  <c:v>6.5</c:v>
+                </c:pt>
+                <c:pt idx="107">
+                  <c:v>8.5</c:v>
+                </c:pt>
+                <c:pt idx="108">
+                  <c:v>10.5</c:v>
+                </c:pt>
+                <c:pt idx="109">
+                  <c:v>6.1</c:v>
+                </c:pt>
+                <c:pt idx="110">
+                  <c:v>9.6999999999999993</c:v>
+                </c:pt>
+                <c:pt idx="111">
+                  <c:v>8.5</c:v>
+                </c:pt>
+                <c:pt idx="112">
+                  <c:v>7.3</c:v>
+                </c:pt>
+                <c:pt idx="113">
+                  <c:v>10.9</c:v>
+                </c:pt>
+                <c:pt idx="114">
+                  <c:v>6.5</c:v>
+                </c:pt>
+                <c:pt idx="115">
+                  <c:v>9.6999999999999993</c:v>
+                </c:pt>
+                <c:pt idx="116">
+                  <c:v>9.5</c:v>
+                </c:pt>
+                <c:pt idx="117">
+                  <c:v>6.7</c:v>
+                </c:pt>
+                <c:pt idx="118">
+                  <c:v>11.8</c:v>
+                </c:pt>
+                <c:pt idx="119">
+                  <c:v>6.5</c:v>
+                </c:pt>
+              </c:numCache>
+            </c:numRef>
+          </c:yVal>
+          <c:smooth val="0"/>
+        </c:ser>
+        <c:dLbls>
+          <c:showLegendKey val="0"/>
+          <c:showVal val="0"/>
+          <c:showCatName val="0"/>
+          <c:showSerName val="0"/>
+          <c:showPercent val="0"/>
+          <c:showBubbleSize val="0"/>
+        </c:dLbls>
+        <c:axId val="1406286880"/>
+        <c:axId val="1406283072"/>
+      </c:scatterChart>
+      <c:valAx>
+        <c:axId val="1406286880"/>
+        <c:scaling>
+          <c:orientation val="minMax"/>
+        </c:scaling>
+        <c:delete val="0"/>
+        <c:axPos val="b"/>
+        <c:title>
+          <c:tx>
+            <c:rich>
+              <a:bodyPr rot="0" spcFirstLastPara="1" vertOverflow="ellipsis" vert="horz" wrap="square" anchor="ctr" anchorCtr="1"/>
+              <a:lstStyle/>
+              <a:p>
+                <a:pPr>
+                  <a:defRPr sz="1600" b="0" i="0" u="none" strike="noStrike" kern="1200" baseline="0">
+                    <a:solidFill>
+                      <a:schemeClr val="tx1">
+                        <a:lumMod val="65000"/>
+                        <a:lumOff val="35000"/>
+                      </a:schemeClr>
+                    </a:solidFill>
+                    <a:latin typeface="+mn-lt"/>
+                    <a:ea typeface="+mn-ea"/>
+                    <a:cs typeface="+mn-cs"/>
+                  </a:defRPr>
+                </a:pPr>
+                <a:r>
+                  <a:rPr lang="en-US" altLang="zh-CN" sz="1600" dirty="0"/>
+                  <a:t>audio </a:t>
+                </a:r>
+                <a:r>
+                  <a:rPr lang="en-US" altLang="zh-CN" sz="1600" dirty="0" smtClean="0"/>
+                  <a:t>duration (seconds)</a:t>
+                </a:r>
+                <a:endParaRPr lang="zh-CN" altLang="en-US" sz="1600" dirty="0"/>
+              </a:p>
+            </c:rich>
+          </c:tx>
+          <c:layout/>
+          <c:overlay val="0"/>
+          <c:spPr>
+            <a:noFill/>
+            <a:ln>
+              <a:noFill/>
+            </a:ln>
+            <a:effectLst/>
+          </c:spPr>
+          <c:txPr>
+            <a:bodyPr rot="0" spcFirstLastPara="1" vertOverflow="ellipsis" vert="horz" wrap="square" anchor="ctr" anchorCtr="1"/>
+            <a:lstStyle/>
+            <a:p>
+              <a:pPr>
+                <a:defRPr sz="1600" b="0" i="0" u="none" strike="noStrike" kern="1200" baseline="0">
+                  <a:solidFill>
+                    <a:schemeClr val="tx1">
+                      <a:lumMod val="65000"/>
+                      <a:lumOff val="35000"/>
+                    </a:schemeClr>
+                  </a:solidFill>
+                  <a:latin typeface="+mn-lt"/>
+                  <a:ea typeface="+mn-ea"/>
+                  <a:cs typeface="+mn-cs"/>
+                </a:defRPr>
+              </a:pPr>
+              <a:endParaRPr lang="zh-CN"/>
+            </a:p>
+          </c:txPr>
+        </c:title>
+        <c:numFmt formatCode="General" sourceLinked="1"/>
+        <c:majorTickMark val="none"/>
+        <c:minorTickMark val="none"/>
+        <c:tickLblPos val="nextTo"/>
+        <c:spPr>
+          <a:noFill/>
+          <a:ln w="9525" cap="flat" cmpd="sng" algn="ctr">
+            <a:solidFill>
+              <a:schemeClr val="tx1">
+                <a:lumMod val="25000"/>
+                <a:lumOff val="75000"/>
+              </a:schemeClr>
+            </a:solidFill>
+            <a:round/>
+          </a:ln>
+          <a:effectLst/>
+        </c:spPr>
+        <c:txPr>
+          <a:bodyPr rot="-60000000" spcFirstLastPara="1" vertOverflow="ellipsis" vert="horz" wrap="square" anchor="ctr" anchorCtr="1"/>
+          <a:lstStyle/>
+          <a:p>
+            <a:pPr>
+              <a:defRPr sz="1200" b="0" i="0" u="none" strike="noStrike" kern="1200" baseline="0">
+                <a:solidFill>
+                  <a:schemeClr val="tx1">
+                    <a:lumMod val="65000"/>
+                    <a:lumOff val="35000"/>
+                  </a:schemeClr>
+                </a:solidFill>
+                <a:latin typeface="+mn-lt"/>
+                <a:ea typeface="+mn-ea"/>
+                <a:cs typeface="+mn-cs"/>
+              </a:defRPr>
+            </a:pPr>
+            <a:endParaRPr lang="zh-CN"/>
+          </a:p>
+        </c:txPr>
+        <c:crossAx val="1406283072"/>
+        <c:crosses val="autoZero"/>
+        <c:crossBetween val="midCat"/>
+      </c:valAx>
+      <c:valAx>
+        <c:axId val="1406283072"/>
+        <c:scaling>
+          <c:orientation val="minMax"/>
+        </c:scaling>
+        <c:delete val="0"/>
+        <c:axPos val="l"/>
+        <c:majorGridlines>
+          <c:spPr>
+            <a:ln w="9525" cap="flat" cmpd="sng" algn="ctr">
+              <a:solidFill>
+                <a:schemeClr val="tx1">
+                  <a:lumMod val="15000"/>
+                  <a:lumOff val="85000"/>
+                </a:schemeClr>
+              </a:solidFill>
+              <a:round/>
+            </a:ln>
+            <a:effectLst/>
+          </c:spPr>
+        </c:majorGridlines>
+        <c:title>
+          <c:tx>
+            <c:rich>
+              <a:bodyPr rot="0" spcFirstLastPara="1" vertOverflow="ellipsis" wrap="square" anchor="ctr" anchorCtr="1"/>
+              <a:lstStyle/>
+              <a:p>
+                <a:pPr>
+                  <a:defRPr sz="1400" b="0" i="0" u="none" strike="noStrike" kern="1200" baseline="0">
+                    <a:solidFill>
+                      <a:schemeClr val="tx1">
+                        <a:lumMod val="65000"/>
+                        <a:lumOff val="35000"/>
+                      </a:schemeClr>
+                    </a:solidFill>
+                    <a:latin typeface="+mn-lt"/>
+                    <a:ea typeface="+mn-ea"/>
+                    <a:cs typeface="+mn-cs"/>
+                  </a:defRPr>
+                </a:pPr>
+                <a:r>
+                  <a:rPr lang="en-US" altLang="zh-CN" sz="1400"/>
+                  <a:t>10s</a:t>
+                </a:r>
+                <a:r>
+                  <a:rPr lang="en-US" altLang="zh-CN" sz="1400" baseline="0"/>
+                  <a:t> </a:t>
+                </a:r>
+                <a:r>
+                  <a:rPr lang="en-US" altLang="zh-CN" sz="1400"/>
+                  <a:t>Avg</a:t>
+                </a:r>
+                <a:r>
+                  <a:rPr lang="en-US" altLang="zh-CN" sz="1400" baseline="0"/>
+                  <a:t> of KBM delay </a:t>
+                </a:r>
+                <a:endParaRPr lang="zh-CN" altLang="en-US" sz="1400"/>
+              </a:p>
+            </c:rich>
+          </c:tx>
+          <c:layout/>
+          <c:overlay val="0"/>
+          <c:spPr>
+            <a:noFill/>
+            <a:ln>
+              <a:noFill/>
+            </a:ln>
+            <a:effectLst/>
+          </c:spPr>
+          <c:txPr>
+            <a:bodyPr rot="0" spcFirstLastPara="1" vertOverflow="ellipsis" wrap="square" anchor="ctr" anchorCtr="1"/>
+            <a:lstStyle/>
+            <a:p>
+              <a:pPr>
+                <a:defRPr sz="1400" b="0" i="0" u="none" strike="noStrike" kern="1200" baseline="0">
+                  <a:solidFill>
+                    <a:schemeClr val="tx1">
+                      <a:lumMod val="65000"/>
+                      <a:lumOff val="35000"/>
+                    </a:schemeClr>
+                  </a:solidFill>
+                  <a:latin typeface="+mn-lt"/>
+                  <a:ea typeface="+mn-ea"/>
+                  <a:cs typeface="+mn-cs"/>
+                </a:defRPr>
+              </a:pPr>
+              <a:endParaRPr lang="zh-CN"/>
+            </a:p>
+          </c:txPr>
+        </c:title>
+        <c:numFmt formatCode="General" sourceLinked="1"/>
+        <c:majorTickMark val="none"/>
+        <c:minorTickMark val="none"/>
+        <c:tickLblPos val="nextTo"/>
+        <c:spPr>
+          <a:noFill/>
+          <a:ln w="9525" cap="flat" cmpd="sng" algn="ctr">
+            <a:solidFill>
+              <a:schemeClr val="tx1">
+                <a:lumMod val="25000"/>
+                <a:lumOff val="75000"/>
+              </a:schemeClr>
+            </a:solidFill>
+            <a:round/>
+          </a:ln>
+          <a:effectLst/>
+        </c:spPr>
+        <c:txPr>
+          <a:bodyPr rot="-60000000" spcFirstLastPara="1" vertOverflow="ellipsis" vert="horz" wrap="square" anchor="ctr" anchorCtr="1"/>
+          <a:lstStyle/>
+          <a:p>
+            <a:pPr>
+              <a:defRPr sz="1200" b="0" i="0" u="none" strike="noStrike" kern="1200" baseline="0">
+                <a:solidFill>
+                  <a:schemeClr val="tx1">
+                    <a:lumMod val="65000"/>
+                    <a:lumOff val="35000"/>
+                  </a:schemeClr>
+                </a:solidFill>
+                <a:latin typeface="+mn-lt"/>
+                <a:ea typeface="+mn-ea"/>
+                <a:cs typeface="+mn-cs"/>
+              </a:defRPr>
+            </a:pPr>
+            <a:endParaRPr lang="zh-CN"/>
+          </a:p>
+        </c:txPr>
+        <c:crossAx val="1406286880"/>
+        <c:crosses val="autoZero"/>
+        <c:crossBetween val="midCat"/>
+      </c:valAx>
+      <c:spPr>
+        <a:noFill/>
+        <a:ln>
+          <a:noFill/>
+        </a:ln>
+        <a:effectLst/>
+      </c:spPr>
+    </c:plotArea>
+    <c:plotVisOnly val="1"/>
+    <c:dispBlanksAs val="gap"/>
+    <c:showDLblsOverMax val="0"/>
+  </c:chart>
+  <c:spPr>
+    <a:noFill/>
+    <a:ln>
+      <a:noFill/>
+    </a:ln>
+    <a:effectLst/>
+  </c:spPr>
+  <c:txPr>
+    <a:bodyPr/>
+    <a:lstStyle/>
+    <a:p>
+      <a:pPr>
+        <a:defRPr/>
+      </a:pPr>
+      <a:endParaRPr lang="zh-CN"/>
+    </a:p>
+  </c:txPr>
+  <c:externalData r:id="rId3">
+    <c:autoUpdate val="0"/>
+  </c:externalData>
+</c:chartSpace>
+</file>
+
+<file path=ppt/charts/chart3.xml><?xml version="1.0" encoding="utf-8"?>
+<c:chartSpace xmlns:c="http://schemas.openxmlformats.org/drawingml/2006/chart" xmlns:a="http://schemas.openxmlformats.org/drawingml/2006/main" xmlns:r="http://schemas.openxmlformats.org/officeDocument/2006/relationships">
+  <c:date1904 val="0"/>
+  <c:lang val="zh-CN"/>
+  <c:roundedCorners val="0"/>
+  <mc:AlternateContent xmlns:mc="http://schemas.openxmlformats.org/markup-compatibility/2006">
+    <mc:Choice xmlns:c14="http://schemas.microsoft.com/office/drawing/2007/8/2/chart" Requires="c14">
+      <c14:style val="102"/>
+    </mc:Choice>
+    <mc:Fallback>
+      <c:style val="2"/>
+    </mc:Fallback>
+  </mc:AlternateContent>
+  <c:chart>
+    <c:title>
+      <c:tx>
+        <c:rich>
+          <a:bodyPr rot="0" spcFirstLastPara="1" vertOverflow="ellipsis" vert="horz" wrap="square" anchor="ctr" anchorCtr="1"/>
+          <a:lstStyle/>
+          <a:p>
+            <a:pPr>
+              <a:defRPr sz="1400" b="0" i="0" u="none" strike="noStrike" kern="1200" spc="0" baseline="0">
+                <a:solidFill>
+                  <a:schemeClr val="tx1">
+                    <a:lumMod val="65000"/>
+                    <a:lumOff val="35000"/>
+                  </a:schemeClr>
+                </a:solidFill>
+                <a:latin typeface="+mn-lt"/>
+                <a:ea typeface="+mn-ea"/>
+                <a:cs typeface="+mn-cs"/>
+              </a:defRPr>
+            </a:pPr>
+            <a:r>
+              <a:rPr lang="en-US" altLang="zh-CN" sz="1600" b="1" dirty="0"/>
+              <a:t>Number of seconds from online </a:t>
+            </a:r>
+          </a:p>
+          <a:p>
+            <a:pPr>
+              <a:defRPr/>
+            </a:pPr>
+            <a:r>
+              <a:rPr lang="en-US" altLang="zh-CN" sz="1600" b="1" dirty="0"/>
+              <a:t>vs audio duration</a:t>
+            </a:r>
+            <a:endParaRPr lang="zh-CN" altLang="en-US" sz="1600" b="1" dirty="0"/>
+          </a:p>
+        </c:rich>
+      </c:tx>
+      <c:layout>
+        <c:manualLayout>
+          <c:xMode val="edge"/>
+          <c:yMode val="edge"/>
+          <c:x val="0.30416970794379855"/>
+          <c:y val="2.5157238933600487E-2"/>
+        </c:manualLayout>
+      </c:layout>
+      <c:overlay val="0"/>
+      <c:spPr>
+        <a:noFill/>
+        <a:ln>
+          <a:noFill/>
+        </a:ln>
+        <a:effectLst/>
+      </c:spPr>
+      <c:txPr>
+        <a:bodyPr rot="0" spcFirstLastPara="1" vertOverflow="ellipsis" vert="horz" wrap="square" anchor="ctr" anchorCtr="1"/>
+        <a:lstStyle/>
+        <a:p>
+          <a:pPr>
+            <a:defRPr sz="1400" b="0" i="0" u="none" strike="noStrike" kern="1200" spc="0" baseline="0">
+              <a:solidFill>
+                <a:schemeClr val="tx1">
+                  <a:lumMod val="65000"/>
+                  <a:lumOff val="35000"/>
+                </a:schemeClr>
+              </a:solidFill>
+              <a:latin typeface="+mn-lt"/>
+              <a:ea typeface="+mn-ea"/>
+              <a:cs typeface="+mn-cs"/>
+            </a:defRPr>
+          </a:pPr>
+          <a:endParaRPr lang="zh-CN"/>
+        </a:p>
+      </c:txPr>
+    </c:title>
+    <c:autoTitleDeleted val="0"/>
+    <c:plotArea>
+      <c:layout/>
+      <c:scatterChart>
+        <c:scatterStyle val="lineMarker"/>
+        <c:varyColors val="0"/>
+        <c:ser>
+          <c:idx val="0"/>
+          <c:order val="0"/>
+          <c:spPr>
+            <a:ln w="28575" cap="rnd">
+              <a:noFill/>
+              <a:round/>
+            </a:ln>
+            <a:effectLst/>
+          </c:spPr>
+          <c:marker>
+            <c:symbol val="circle"/>
+            <c:size val="5"/>
+            <c:spPr>
+              <a:solidFill>
+                <a:schemeClr val="accent1"/>
+              </a:solidFill>
+              <a:ln w="9525">
+                <a:solidFill>
+                  <a:schemeClr val="accent1"/>
+                </a:solidFill>
+              </a:ln>
+              <a:effectLst/>
+            </c:spPr>
+          </c:marker>
+          <c:xVal>
+            <c:numRef>
+              <c:f>'[runtime final.xlsx]Sheet3'!$A$1:$A$120</c:f>
+              <c:numCache>
+                <c:formatCode>General</c:formatCode>
+                <c:ptCount val="120"/>
+                <c:pt idx="0">
+                  <c:v>10</c:v>
+                </c:pt>
+                <c:pt idx="1">
+                  <c:v>20</c:v>
+                </c:pt>
+                <c:pt idx="2">
+                  <c:v>30</c:v>
+                </c:pt>
+                <c:pt idx="3">
+                  <c:v>40</c:v>
+                </c:pt>
+                <c:pt idx="4">
+                  <c:v>50</c:v>
+                </c:pt>
+                <c:pt idx="5">
+                  <c:v>60</c:v>
+                </c:pt>
+                <c:pt idx="6">
+                  <c:v>70</c:v>
+                </c:pt>
+                <c:pt idx="7">
+                  <c:v>80</c:v>
+                </c:pt>
+                <c:pt idx="8">
+                  <c:v>90</c:v>
+                </c:pt>
+                <c:pt idx="9">
+                  <c:v>100</c:v>
+                </c:pt>
+                <c:pt idx="10">
+                  <c:v>110</c:v>
+                </c:pt>
+                <c:pt idx="11">
+                  <c:v>120</c:v>
+                </c:pt>
+                <c:pt idx="12">
+                  <c:v>130</c:v>
+                </c:pt>
+                <c:pt idx="13">
+                  <c:v>140</c:v>
+                </c:pt>
+                <c:pt idx="14">
+                  <c:v>150</c:v>
+                </c:pt>
+                <c:pt idx="15">
+                  <c:v>160</c:v>
+                </c:pt>
+                <c:pt idx="16">
+                  <c:v>170</c:v>
+                </c:pt>
+                <c:pt idx="17">
+                  <c:v>180</c:v>
+                </c:pt>
+                <c:pt idx="18">
+                  <c:v>190</c:v>
+                </c:pt>
+                <c:pt idx="19">
+                  <c:v>200</c:v>
+                </c:pt>
+                <c:pt idx="20">
+                  <c:v>210</c:v>
+                </c:pt>
+                <c:pt idx="21">
+                  <c:v>220</c:v>
+                </c:pt>
+                <c:pt idx="22">
+                  <c:v>230</c:v>
+                </c:pt>
+                <c:pt idx="23">
+                  <c:v>240</c:v>
+                </c:pt>
+                <c:pt idx="24">
+                  <c:v>250</c:v>
+                </c:pt>
+                <c:pt idx="25">
+                  <c:v>260</c:v>
+                </c:pt>
+                <c:pt idx="26">
+                  <c:v>270</c:v>
+                </c:pt>
+                <c:pt idx="27">
+                  <c:v>280</c:v>
+                </c:pt>
+                <c:pt idx="28">
+                  <c:v>290</c:v>
+                </c:pt>
+                <c:pt idx="29">
+                  <c:v>300</c:v>
+                </c:pt>
+                <c:pt idx="30">
+                  <c:v>310</c:v>
+                </c:pt>
+                <c:pt idx="31">
+                  <c:v>320</c:v>
+                </c:pt>
+                <c:pt idx="32">
+                  <c:v>330</c:v>
+                </c:pt>
+                <c:pt idx="33">
+                  <c:v>340</c:v>
+                </c:pt>
+                <c:pt idx="34">
+                  <c:v>350</c:v>
+                </c:pt>
+                <c:pt idx="35">
+                  <c:v>360</c:v>
+                </c:pt>
+                <c:pt idx="36">
+                  <c:v>370</c:v>
+                </c:pt>
+                <c:pt idx="37">
+                  <c:v>380</c:v>
+                </c:pt>
+                <c:pt idx="38">
+                  <c:v>390</c:v>
+                </c:pt>
+                <c:pt idx="39">
+                  <c:v>400</c:v>
+                </c:pt>
+                <c:pt idx="40">
+                  <c:v>410</c:v>
+                </c:pt>
+                <c:pt idx="41">
+                  <c:v>420</c:v>
+                </c:pt>
+                <c:pt idx="42">
+                  <c:v>430</c:v>
+                </c:pt>
+                <c:pt idx="43">
+                  <c:v>440</c:v>
+                </c:pt>
+                <c:pt idx="44">
+                  <c:v>450</c:v>
+                </c:pt>
+                <c:pt idx="45">
+                  <c:v>460</c:v>
+                </c:pt>
+                <c:pt idx="46">
+                  <c:v>470</c:v>
+                </c:pt>
+                <c:pt idx="47">
+                  <c:v>480</c:v>
+                </c:pt>
+                <c:pt idx="48">
+                  <c:v>490</c:v>
+                </c:pt>
+                <c:pt idx="49">
+                  <c:v>500</c:v>
+                </c:pt>
+                <c:pt idx="50">
+                  <c:v>510</c:v>
+                </c:pt>
+                <c:pt idx="51">
+                  <c:v>520</c:v>
+                </c:pt>
+                <c:pt idx="52">
+                  <c:v>530</c:v>
+                </c:pt>
+                <c:pt idx="53">
+                  <c:v>540</c:v>
+                </c:pt>
+                <c:pt idx="54">
+                  <c:v>550</c:v>
+                </c:pt>
+                <c:pt idx="55">
+                  <c:v>560</c:v>
+                </c:pt>
+                <c:pt idx="56">
+                  <c:v>570</c:v>
+                </c:pt>
+                <c:pt idx="57">
+                  <c:v>580</c:v>
+                </c:pt>
+                <c:pt idx="58">
+                  <c:v>590</c:v>
+                </c:pt>
+                <c:pt idx="59">
+                  <c:v>600</c:v>
+                </c:pt>
+                <c:pt idx="60">
+                  <c:v>610</c:v>
+                </c:pt>
+                <c:pt idx="61">
+                  <c:v>620</c:v>
+                </c:pt>
+                <c:pt idx="62">
+                  <c:v>630</c:v>
+                </c:pt>
+                <c:pt idx="63">
+                  <c:v>640</c:v>
+                </c:pt>
+                <c:pt idx="64">
+                  <c:v>650</c:v>
+                </c:pt>
+                <c:pt idx="65">
+                  <c:v>660</c:v>
+                </c:pt>
+                <c:pt idx="66">
+                  <c:v>670</c:v>
+                </c:pt>
+                <c:pt idx="67">
+                  <c:v>680</c:v>
+                </c:pt>
+                <c:pt idx="68">
+                  <c:v>690</c:v>
+                </c:pt>
+                <c:pt idx="69">
+                  <c:v>700</c:v>
+                </c:pt>
+                <c:pt idx="70">
+                  <c:v>710</c:v>
+                </c:pt>
+                <c:pt idx="71">
+                  <c:v>720</c:v>
+                </c:pt>
+                <c:pt idx="72">
+                  <c:v>730</c:v>
+                </c:pt>
+                <c:pt idx="73">
+                  <c:v>740</c:v>
+                </c:pt>
+                <c:pt idx="74">
+                  <c:v>750</c:v>
+                </c:pt>
+                <c:pt idx="75">
+                  <c:v>760</c:v>
+                </c:pt>
+                <c:pt idx="76">
+                  <c:v>770</c:v>
+                </c:pt>
+                <c:pt idx="77">
+                  <c:v>780</c:v>
+                </c:pt>
+                <c:pt idx="78">
+                  <c:v>790</c:v>
+                </c:pt>
+                <c:pt idx="79">
+                  <c:v>800</c:v>
+                </c:pt>
+                <c:pt idx="80">
+                  <c:v>810</c:v>
+                </c:pt>
+                <c:pt idx="81">
+                  <c:v>820</c:v>
+                </c:pt>
+                <c:pt idx="82">
+                  <c:v>830</c:v>
+                </c:pt>
+                <c:pt idx="83">
+                  <c:v>840</c:v>
+                </c:pt>
+                <c:pt idx="84">
+                  <c:v>850</c:v>
+                </c:pt>
+                <c:pt idx="85">
+                  <c:v>860</c:v>
+                </c:pt>
+                <c:pt idx="86">
+                  <c:v>870</c:v>
+                </c:pt>
+                <c:pt idx="87">
+                  <c:v>880</c:v>
+                </c:pt>
+                <c:pt idx="88">
+                  <c:v>890</c:v>
+                </c:pt>
+                <c:pt idx="89">
+                  <c:v>900</c:v>
+                </c:pt>
+                <c:pt idx="90">
+                  <c:v>910</c:v>
+                </c:pt>
+                <c:pt idx="91">
+                  <c:v>920</c:v>
+                </c:pt>
+                <c:pt idx="92">
+                  <c:v>930</c:v>
+                </c:pt>
+                <c:pt idx="93">
+                  <c:v>940</c:v>
+                </c:pt>
+                <c:pt idx="94">
+                  <c:v>950</c:v>
+                </c:pt>
+                <c:pt idx="95">
+                  <c:v>960</c:v>
+                </c:pt>
+                <c:pt idx="96">
+                  <c:v>970</c:v>
+                </c:pt>
+                <c:pt idx="97">
+                  <c:v>980</c:v>
+                </c:pt>
+                <c:pt idx="98">
+                  <c:v>990</c:v>
+                </c:pt>
+                <c:pt idx="99">
+                  <c:v>1000</c:v>
+                </c:pt>
+                <c:pt idx="100">
+                  <c:v>1010</c:v>
+                </c:pt>
+                <c:pt idx="101">
+                  <c:v>1020</c:v>
+                </c:pt>
+                <c:pt idx="102">
+                  <c:v>1030</c:v>
+                </c:pt>
+                <c:pt idx="103">
+                  <c:v>1040</c:v>
+                </c:pt>
+                <c:pt idx="104">
+                  <c:v>1050</c:v>
+                </c:pt>
+                <c:pt idx="105">
+                  <c:v>1060</c:v>
+                </c:pt>
+                <c:pt idx="106">
+                  <c:v>1070</c:v>
+                </c:pt>
+                <c:pt idx="107">
+                  <c:v>1080</c:v>
+                </c:pt>
+                <c:pt idx="108">
+                  <c:v>1090</c:v>
+                </c:pt>
+                <c:pt idx="109">
+                  <c:v>1100</c:v>
+                </c:pt>
+                <c:pt idx="110">
+                  <c:v>1110</c:v>
+                </c:pt>
+                <c:pt idx="111">
+                  <c:v>1120</c:v>
+                </c:pt>
+                <c:pt idx="112">
+                  <c:v>1130</c:v>
+                </c:pt>
+                <c:pt idx="113">
+                  <c:v>1140</c:v>
+                </c:pt>
+                <c:pt idx="114">
+                  <c:v>1150</c:v>
+                </c:pt>
+                <c:pt idx="115">
+                  <c:v>1160</c:v>
+                </c:pt>
+                <c:pt idx="116">
+                  <c:v>1170</c:v>
+                </c:pt>
+                <c:pt idx="117">
+                  <c:v>1180</c:v>
+                </c:pt>
+                <c:pt idx="118">
+                  <c:v>1190</c:v>
+                </c:pt>
+                <c:pt idx="119">
+                  <c:v>1200</c:v>
+                </c:pt>
+              </c:numCache>
+            </c:numRef>
+          </c:xVal>
+          <c:yVal>
+            <c:numRef>
+              <c:f>'[runtime final.xlsx]Sheet3'!$C$1:$C$120</c:f>
+              <c:numCache>
+                <c:formatCode>General</c:formatCode>
+                <c:ptCount val="120"/>
+                <c:pt idx="0">
+                  <c:v>0</c:v>
+                </c:pt>
+                <c:pt idx="1">
+                  <c:v>0</c:v>
+                </c:pt>
+                <c:pt idx="2">
+                  <c:v>0</c:v>
+                </c:pt>
+                <c:pt idx="3">
+                  <c:v>0</c:v>
+                </c:pt>
+                <c:pt idx="4">
+                  <c:v>0</c:v>
+                </c:pt>
+                <c:pt idx="5">
+                  <c:v>0</c:v>
+                </c:pt>
+                <c:pt idx="6">
+                  <c:v>0</c:v>
+                </c:pt>
+                <c:pt idx="7">
+                  <c:v>0</c:v>
+                </c:pt>
+                <c:pt idx="8">
+                  <c:v>0</c:v>
+                </c:pt>
+                <c:pt idx="9">
+                  <c:v>0</c:v>
+                </c:pt>
+                <c:pt idx="10">
+                  <c:v>0</c:v>
+                </c:pt>
+                <c:pt idx="11">
+                  <c:v>0</c:v>
+                </c:pt>
+                <c:pt idx="12">
+                  <c:v>0</c:v>
+                </c:pt>
+                <c:pt idx="13">
+                  <c:v>0</c:v>
+                </c:pt>
+                <c:pt idx="14">
+                  <c:v>0</c:v>
+                </c:pt>
+                <c:pt idx="15">
+                  <c:v>0.1</c:v>
+                </c:pt>
+                <c:pt idx="16">
+                  <c:v>0</c:v>
+                </c:pt>
+                <c:pt idx="17">
+                  <c:v>0</c:v>
+                </c:pt>
+                <c:pt idx="18">
+                  <c:v>0</c:v>
+                </c:pt>
+                <c:pt idx="19">
+                  <c:v>0</c:v>
+                </c:pt>
+                <c:pt idx="20">
+                  <c:v>0</c:v>
+                </c:pt>
+                <c:pt idx="21">
+                  <c:v>0</c:v>
+                </c:pt>
+                <c:pt idx="22">
+                  <c:v>0</c:v>
+                </c:pt>
+                <c:pt idx="23">
+                  <c:v>0.1</c:v>
+                </c:pt>
+                <c:pt idx="24">
+                  <c:v>0</c:v>
+                </c:pt>
+                <c:pt idx="25">
+                  <c:v>0.1</c:v>
+                </c:pt>
+                <c:pt idx="26">
+                  <c:v>0.2</c:v>
+                </c:pt>
+                <c:pt idx="27">
+                  <c:v>0.3</c:v>
+                </c:pt>
+                <c:pt idx="28">
+                  <c:v>0.5</c:v>
+                </c:pt>
+                <c:pt idx="29">
+                  <c:v>0.5</c:v>
+                </c:pt>
+                <c:pt idx="30">
+                  <c:v>0.3</c:v>
+                </c:pt>
+                <c:pt idx="31">
+                  <c:v>1</c:v>
+                </c:pt>
+                <c:pt idx="32">
+                  <c:v>1.1000000000000001</c:v>
+                </c:pt>
+                <c:pt idx="33">
+                  <c:v>0.6</c:v>
+                </c:pt>
+                <c:pt idx="34">
+                  <c:v>1.2</c:v>
+                </c:pt>
+                <c:pt idx="35">
+                  <c:v>1</c:v>
+                </c:pt>
+                <c:pt idx="36">
+                  <c:v>1</c:v>
+                </c:pt>
+                <c:pt idx="37">
+                  <c:v>1.2</c:v>
+                </c:pt>
+                <c:pt idx="38">
+                  <c:v>1</c:v>
+                </c:pt>
+                <c:pt idx="39">
+                  <c:v>1.1000000000000001</c:v>
+                </c:pt>
+                <c:pt idx="40">
+                  <c:v>1.3</c:v>
+                </c:pt>
+                <c:pt idx="41">
+                  <c:v>1.1000000000000001</c:v>
+                </c:pt>
+                <c:pt idx="42">
+                  <c:v>1.1000000000000001</c:v>
+                </c:pt>
+                <c:pt idx="43">
+                  <c:v>1.2</c:v>
+                </c:pt>
+                <c:pt idx="44">
+                  <c:v>1.1000000000000001</c:v>
+                </c:pt>
+                <c:pt idx="45">
+                  <c:v>1.5</c:v>
+                </c:pt>
+                <c:pt idx="46">
+                  <c:v>1.1000000000000001</c:v>
+                </c:pt>
+                <c:pt idx="47">
+                  <c:v>1.6</c:v>
+                </c:pt>
+                <c:pt idx="48">
+                  <c:v>1.5</c:v>
+                </c:pt>
+                <c:pt idx="49">
+                  <c:v>1.2</c:v>
+                </c:pt>
+                <c:pt idx="50">
+                  <c:v>1.1000000000000001</c:v>
+                </c:pt>
+                <c:pt idx="51">
+                  <c:v>1.5</c:v>
+                </c:pt>
+                <c:pt idx="52">
+                  <c:v>1.4</c:v>
+                </c:pt>
+                <c:pt idx="53">
+                  <c:v>1.6</c:v>
+                </c:pt>
+                <c:pt idx="54">
+                  <c:v>1.6</c:v>
+                </c:pt>
+                <c:pt idx="55">
+                  <c:v>1.3</c:v>
+                </c:pt>
+                <c:pt idx="56">
+                  <c:v>1.8</c:v>
+                </c:pt>
+                <c:pt idx="57">
+                  <c:v>2.2000000000000002</c:v>
+                </c:pt>
+                <c:pt idx="58">
+                  <c:v>2.4</c:v>
+                </c:pt>
+                <c:pt idx="59">
+                  <c:v>2.8</c:v>
+                </c:pt>
+                <c:pt idx="60">
+                  <c:v>3.5</c:v>
+                </c:pt>
+                <c:pt idx="61">
+                  <c:v>2.5</c:v>
+                </c:pt>
+                <c:pt idx="62">
+                  <c:v>2.4</c:v>
+                </c:pt>
+                <c:pt idx="63">
+                  <c:v>3.1</c:v>
+                </c:pt>
+                <c:pt idx="64">
+                  <c:v>2.8</c:v>
+                </c:pt>
+                <c:pt idx="65">
+                  <c:v>2.8</c:v>
+                </c:pt>
+                <c:pt idx="66">
+                  <c:v>3.3</c:v>
+                </c:pt>
+                <c:pt idx="67">
+                  <c:v>2.6</c:v>
+                </c:pt>
+                <c:pt idx="68">
+                  <c:v>3.5</c:v>
+                </c:pt>
+                <c:pt idx="69">
+                  <c:v>3.1</c:v>
+                </c:pt>
+                <c:pt idx="70">
+                  <c:v>3</c:v>
+                </c:pt>
+                <c:pt idx="71">
+                  <c:v>3.3</c:v>
+                </c:pt>
+                <c:pt idx="72">
+                  <c:v>3.7</c:v>
+                </c:pt>
+                <c:pt idx="73">
+                  <c:v>3.2</c:v>
+                </c:pt>
+                <c:pt idx="74">
+                  <c:v>4.9000000000000004</c:v>
+                </c:pt>
+                <c:pt idx="75">
+                  <c:v>4</c:v>
+                </c:pt>
+                <c:pt idx="76">
+                  <c:v>5.3</c:v>
+                </c:pt>
+                <c:pt idx="77">
+                  <c:v>5.8</c:v>
+                </c:pt>
+                <c:pt idx="78">
+                  <c:v>3.9</c:v>
+                </c:pt>
+                <c:pt idx="79">
+                  <c:v>4.0999999999999996</c:v>
+                </c:pt>
+                <c:pt idx="80">
+                  <c:v>3.4</c:v>
+                </c:pt>
+                <c:pt idx="81">
+                  <c:v>4.7</c:v>
+                </c:pt>
+                <c:pt idx="82">
+                  <c:v>4.5999999999999996</c:v>
+                </c:pt>
+                <c:pt idx="83">
+                  <c:v>5.2</c:v>
+                </c:pt>
+                <c:pt idx="84">
+                  <c:v>4.9000000000000004</c:v>
+                </c:pt>
+                <c:pt idx="85">
+                  <c:v>7.6</c:v>
+                </c:pt>
+                <c:pt idx="86">
+                  <c:v>4.8</c:v>
+                </c:pt>
+                <c:pt idx="87">
+                  <c:v>5.2</c:v>
+                </c:pt>
+                <c:pt idx="88">
+                  <c:v>7.7</c:v>
+                </c:pt>
+                <c:pt idx="89">
+                  <c:v>6.4</c:v>
+                </c:pt>
+                <c:pt idx="90">
+                  <c:v>6</c:v>
+                </c:pt>
+                <c:pt idx="91">
+                  <c:v>6.2</c:v>
+                </c:pt>
+                <c:pt idx="92">
+                  <c:v>7.7</c:v>
+                </c:pt>
+                <c:pt idx="93">
+                  <c:v>5.9</c:v>
+                </c:pt>
+                <c:pt idx="94">
+                  <c:v>4.9000000000000004</c:v>
+                </c:pt>
+                <c:pt idx="95">
+                  <c:v>6.5</c:v>
+                </c:pt>
+                <c:pt idx="96">
+                  <c:v>4.5999999999999996</c:v>
+                </c:pt>
+                <c:pt idx="97">
+                  <c:v>6.3</c:v>
+                </c:pt>
+                <c:pt idx="98">
+                  <c:v>8.9</c:v>
+                </c:pt>
+                <c:pt idx="99">
+                  <c:v>8.6999999999999993</c:v>
+                </c:pt>
+                <c:pt idx="100">
+                  <c:v>7.4</c:v>
+                </c:pt>
+                <c:pt idx="101">
+                  <c:v>9.9</c:v>
+                </c:pt>
+                <c:pt idx="102">
+                  <c:v>7.4</c:v>
+                </c:pt>
+                <c:pt idx="103">
+                  <c:v>9</c:v>
+                </c:pt>
+                <c:pt idx="104">
+                  <c:v>6.6</c:v>
+                </c:pt>
+                <c:pt idx="105">
+                  <c:v>6.6</c:v>
+                </c:pt>
+                <c:pt idx="106">
+                  <c:v>8.1999999999999993</c:v>
+                </c:pt>
+                <c:pt idx="107">
+                  <c:v>8.1</c:v>
+                </c:pt>
+                <c:pt idx="108">
+                  <c:v>9.5</c:v>
+                </c:pt>
+                <c:pt idx="109">
+                  <c:v>7.9</c:v>
+                </c:pt>
+                <c:pt idx="110">
+                  <c:v>7.2</c:v>
+                </c:pt>
+                <c:pt idx="111">
+                  <c:v>9.3000000000000007</c:v>
+                </c:pt>
+                <c:pt idx="112">
+                  <c:v>7</c:v>
+                </c:pt>
+                <c:pt idx="113">
+                  <c:v>6</c:v>
+                </c:pt>
+                <c:pt idx="114">
+                  <c:v>6.9</c:v>
+                </c:pt>
+                <c:pt idx="115">
+                  <c:v>7</c:v>
+                </c:pt>
+                <c:pt idx="116">
+                  <c:v>8.1</c:v>
+                </c:pt>
+                <c:pt idx="117">
+                  <c:v>7.8</c:v>
+                </c:pt>
+                <c:pt idx="118">
+                  <c:v>9.4</c:v>
+                </c:pt>
+                <c:pt idx="119">
+                  <c:v>9.6</c:v>
+                </c:pt>
+              </c:numCache>
+            </c:numRef>
+          </c:yVal>
+          <c:smooth val="0"/>
+        </c:ser>
+        <c:dLbls>
+          <c:showLegendKey val="0"/>
+          <c:showVal val="0"/>
+          <c:showCatName val="0"/>
+          <c:showSerName val="0"/>
+          <c:showPercent val="0"/>
+          <c:showBubbleSize val="0"/>
+        </c:dLbls>
+        <c:axId val="1413218960"/>
+        <c:axId val="1413223856"/>
+      </c:scatterChart>
+      <c:valAx>
+        <c:axId val="1413218960"/>
+        <c:scaling>
+          <c:orientation val="minMax"/>
+        </c:scaling>
+        <c:delete val="0"/>
+        <c:axPos val="b"/>
+        <c:title>
+          <c:tx>
+            <c:rich>
+              <a:bodyPr rot="0" spcFirstLastPara="1" vertOverflow="ellipsis" vert="horz" wrap="square" anchor="ctr" anchorCtr="1"/>
+              <a:lstStyle/>
+              <a:p>
+                <a:pPr>
+                  <a:defRPr sz="1000" b="0" i="0" u="none" strike="noStrike" kern="1200" baseline="0">
+                    <a:solidFill>
+                      <a:schemeClr val="tx1">
+                        <a:lumMod val="65000"/>
+                        <a:lumOff val="35000"/>
+                      </a:schemeClr>
+                    </a:solidFill>
+                    <a:latin typeface="+mn-lt"/>
+                    <a:ea typeface="+mn-ea"/>
+                    <a:cs typeface="+mn-cs"/>
+                  </a:defRPr>
+                </a:pPr>
+                <a:r>
+                  <a:rPr lang="en-US" altLang="zh-CN" sz="1600" dirty="0"/>
+                  <a:t>audio duration (seconds)</a:t>
+                </a:r>
+                <a:endParaRPr lang="zh-CN" altLang="en-US" sz="1600" dirty="0"/>
+              </a:p>
+            </c:rich>
+          </c:tx>
+          <c:layout/>
+          <c:overlay val="0"/>
+          <c:spPr>
+            <a:noFill/>
+            <a:ln>
+              <a:noFill/>
+            </a:ln>
+            <a:effectLst/>
+          </c:spPr>
+          <c:txPr>
+            <a:bodyPr rot="0" spcFirstLastPara="1" vertOverflow="ellipsis" vert="horz" wrap="square" anchor="ctr" anchorCtr="1"/>
+            <a:lstStyle/>
+            <a:p>
+              <a:pPr>
+                <a:defRPr sz="1000" b="0" i="0" u="none" strike="noStrike" kern="1200" baseline="0">
+                  <a:solidFill>
+                    <a:schemeClr val="tx1">
+                      <a:lumMod val="65000"/>
+                      <a:lumOff val="35000"/>
+                    </a:schemeClr>
+                  </a:solidFill>
+                  <a:latin typeface="+mn-lt"/>
+                  <a:ea typeface="+mn-ea"/>
+                  <a:cs typeface="+mn-cs"/>
+                </a:defRPr>
+              </a:pPr>
+              <a:endParaRPr lang="zh-CN"/>
+            </a:p>
+          </c:txPr>
+        </c:title>
+        <c:numFmt formatCode="General" sourceLinked="1"/>
+        <c:majorTickMark val="none"/>
+        <c:minorTickMark val="none"/>
+        <c:tickLblPos val="nextTo"/>
+        <c:spPr>
+          <a:noFill/>
+          <a:ln w="9525" cap="flat" cmpd="sng" algn="ctr">
+            <a:solidFill>
+              <a:schemeClr val="tx1">
+                <a:lumMod val="25000"/>
+                <a:lumOff val="75000"/>
+              </a:schemeClr>
+            </a:solidFill>
+            <a:round/>
+          </a:ln>
+          <a:effectLst/>
+        </c:spPr>
+        <c:txPr>
+          <a:bodyPr rot="-60000000" spcFirstLastPara="1" vertOverflow="ellipsis" vert="horz" wrap="square" anchor="ctr" anchorCtr="1"/>
+          <a:lstStyle/>
+          <a:p>
+            <a:pPr>
+              <a:defRPr sz="1200" b="0" i="0" u="none" strike="noStrike" kern="1200" baseline="0">
+                <a:solidFill>
+                  <a:schemeClr val="tx1">
+                    <a:lumMod val="65000"/>
+                    <a:lumOff val="35000"/>
+                  </a:schemeClr>
+                </a:solidFill>
+                <a:latin typeface="+mn-lt"/>
+                <a:ea typeface="+mn-ea"/>
+                <a:cs typeface="+mn-cs"/>
+              </a:defRPr>
+            </a:pPr>
+            <a:endParaRPr lang="zh-CN"/>
+          </a:p>
+        </c:txPr>
+        <c:crossAx val="1413223856"/>
+        <c:crosses val="autoZero"/>
+        <c:crossBetween val="midCat"/>
+      </c:valAx>
+      <c:valAx>
+        <c:axId val="1413223856"/>
+        <c:scaling>
+          <c:orientation val="minMax"/>
+        </c:scaling>
+        <c:delete val="0"/>
+        <c:axPos val="l"/>
+        <c:majorGridlines>
+          <c:spPr>
+            <a:ln w="9525" cap="flat" cmpd="sng" algn="ctr">
+              <a:solidFill>
+                <a:schemeClr val="tx1">
+                  <a:lumMod val="15000"/>
+                  <a:lumOff val="85000"/>
+                </a:schemeClr>
+              </a:solidFill>
+              <a:round/>
+            </a:ln>
+            <a:effectLst/>
+          </c:spPr>
+        </c:majorGridlines>
+        <c:title>
+          <c:tx>
+            <c:rich>
+              <a:bodyPr rot="0" spcFirstLastPara="1" vertOverflow="ellipsis" wrap="square" anchor="ctr" anchorCtr="1"/>
+              <a:lstStyle/>
+              <a:p>
+                <a:pPr>
+                  <a:defRPr sz="1800" b="0" i="0" u="none" strike="noStrike" kern="1200" baseline="0">
+                    <a:solidFill>
+                      <a:schemeClr val="tx1">
+                        <a:lumMod val="65000"/>
+                        <a:lumOff val="35000"/>
+                      </a:schemeClr>
+                    </a:solidFill>
+                    <a:latin typeface="+mn-lt"/>
+                    <a:ea typeface="+mn-ea"/>
+                    <a:cs typeface="+mn-cs"/>
+                  </a:defRPr>
+                </a:pPr>
+                <a:r>
+                  <a:rPr lang="en-US" altLang="zh-CN" sz="1800" dirty="0"/>
+                  <a:t>number</a:t>
+                </a:r>
+                <a:r>
+                  <a:rPr lang="en-US" altLang="zh-CN" sz="1800" baseline="0" dirty="0"/>
+                  <a:t> of seconds from online</a:t>
+                </a:r>
+              </a:p>
+              <a:p>
+                <a:pPr>
+                  <a:defRPr sz="1800"/>
+                </a:pPr>
+                <a:r>
+                  <a:rPr lang="en-US" altLang="zh-CN" sz="1800" baseline="0" dirty="0"/>
+                  <a:t>(10s </a:t>
+                </a:r>
+                <a:r>
+                  <a:rPr lang="en-US" altLang="zh-CN" sz="1800" baseline="0" dirty="0" err="1"/>
+                  <a:t>Avg</a:t>
+                </a:r>
+                <a:r>
+                  <a:rPr lang="en-US" altLang="zh-CN" sz="1800" baseline="0" dirty="0"/>
+                  <a:t>)</a:t>
+                </a:r>
+              </a:p>
+            </c:rich>
+          </c:tx>
+          <c:layout>
+            <c:manualLayout>
+              <c:xMode val="edge"/>
+              <c:yMode val="edge"/>
+              <c:x val="2.2222222222222223E-2"/>
+              <c:y val="0.36568678915135611"/>
+            </c:manualLayout>
+          </c:layout>
+          <c:overlay val="0"/>
+          <c:spPr>
+            <a:noFill/>
+            <a:ln>
+              <a:noFill/>
+            </a:ln>
+            <a:effectLst/>
+          </c:spPr>
+          <c:txPr>
+            <a:bodyPr rot="0" spcFirstLastPara="1" vertOverflow="ellipsis" wrap="square" anchor="ctr" anchorCtr="1"/>
+            <a:lstStyle/>
+            <a:p>
+              <a:pPr>
+                <a:defRPr sz="1800" b="0" i="0" u="none" strike="noStrike" kern="1200" baseline="0">
+                  <a:solidFill>
+                    <a:schemeClr val="tx1">
+                      <a:lumMod val="65000"/>
+                      <a:lumOff val="35000"/>
+                    </a:schemeClr>
+                  </a:solidFill>
+                  <a:latin typeface="+mn-lt"/>
+                  <a:ea typeface="+mn-ea"/>
+                  <a:cs typeface="+mn-cs"/>
+                </a:defRPr>
+              </a:pPr>
+              <a:endParaRPr lang="zh-CN"/>
+            </a:p>
+          </c:txPr>
+        </c:title>
+        <c:numFmt formatCode="General" sourceLinked="1"/>
+        <c:majorTickMark val="none"/>
+        <c:minorTickMark val="none"/>
+        <c:tickLblPos val="nextTo"/>
+        <c:spPr>
+          <a:noFill/>
+          <a:ln w="9525" cap="flat" cmpd="sng" algn="ctr">
+            <a:solidFill>
+              <a:schemeClr val="tx1">
+                <a:lumMod val="25000"/>
+                <a:lumOff val="75000"/>
+              </a:schemeClr>
+            </a:solidFill>
+            <a:round/>
+          </a:ln>
+          <a:effectLst/>
+        </c:spPr>
+        <c:txPr>
+          <a:bodyPr rot="-60000000" spcFirstLastPara="1" vertOverflow="ellipsis" vert="horz" wrap="square" anchor="ctr" anchorCtr="1"/>
+          <a:lstStyle/>
+          <a:p>
+            <a:pPr>
+              <a:defRPr sz="1200" b="0" i="0" u="none" strike="noStrike" kern="1200" baseline="0">
+                <a:solidFill>
+                  <a:schemeClr val="tx1">
+                    <a:lumMod val="65000"/>
+                    <a:lumOff val="35000"/>
+                  </a:schemeClr>
+                </a:solidFill>
+                <a:latin typeface="+mn-lt"/>
+                <a:ea typeface="+mn-ea"/>
+                <a:cs typeface="+mn-cs"/>
+              </a:defRPr>
+            </a:pPr>
+            <a:endParaRPr lang="zh-CN"/>
+          </a:p>
+        </c:txPr>
+        <c:crossAx val="1413218960"/>
+        <c:crosses val="autoZero"/>
+        <c:crossBetween val="midCat"/>
+      </c:valAx>
+      <c:spPr>
+        <a:noFill/>
+        <a:ln>
+          <a:noFill/>
+        </a:ln>
+        <a:effectLst/>
+      </c:spPr>
+    </c:plotArea>
+    <c:plotVisOnly val="1"/>
+    <c:dispBlanksAs val="gap"/>
+    <c:showDLblsOverMax val="0"/>
+  </c:chart>
+  <c:spPr>
+    <a:noFill/>
+    <a:ln>
+      <a:noFill/>
+    </a:ln>
+    <a:effectLst/>
+  </c:spPr>
+  <c:txPr>
+    <a:bodyPr/>
+    <a:lstStyle/>
+    <a:p>
+      <a:pPr>
+        <a:defRPr/>
+      </a:pPr>
+      <a:endParaRPr lang="zh-CN"/>
+    </a:p>
+  </c:txPr>
+  <c:externalData r:id="rId3">
+    <c:autoUpdate val="0"/>
+  </c:externalData>
+</c:chartSpace>
+</file>
+
+<file path=ppt/charts/colors1.xml><?xml version="1.0" encoding="utf-8"?>
+<cs:colorStyle xmlns:cs="http://schemas.microsoft.com/office/drawing/2012/chartStyle" xmlns:a="http://schemas.openxmlformats.org/drawingml/2006/main" meth="cycle" id="10">
+  <a:schemeClr val="accent1"/>
+  <a:schemeClr val="accent2"/>
+  <a:schemeClr val="accent3"/>
+  <a:schemeClr val="accent4"/>
+  <a:schemeClr val="accent5"/>
+  <a:schemeClr val="accent6"/>
+  <cs:variation/>
+  <cs:variation>
+    <a:lumMod val="60000"/>
+  </cs:variation>
+  <cs:variation>
+    <a:lumMod val="80000"/>
+    <a:lumOff val="20000"/>
+  </cs:variation>
+  <cs:variation>
+    <a:lumMod val="80000"/>
+  </cs:variation>
+  <cs:variation>
+    <a:lumMod val="60000"/>
+    <a:lumOff val="40000"/>
+  </cs:variation>
+  <cs:variation>
+    <a:lumMod val="50000"/>
+  </cs:variation>
+  <cs:variation>
+    <a:lumMod val="70000"/>
+    <a:lumOff val="30000"/>
+  </cs:variation>
+  <cs:variation>
+    <a:lumMod val="70000"/>
+  </cs:variation>
+  <cs:variation>
+    <a:lumMod val="50000"/>
+    <a:lumOff val="50000"/>
+  </cs:variation>
+</cs:colorStyle>
+</file>
+
+<file path=ppt/charts/colors2.xml><?xml version="1.0" encoding="utf-8"?>
+<cs:colorStyle xmlns:cs="http://schemas.microsoft.com/office/drawing/2012/chartStyle" xmlns:a="http://schemas.openxmlformats.org/drawingml/2006/main" meth="cycle" id="10">
+  <a:schemeClr val="accent1"/>
+  <a:schemeClr val="accent2"/>
+  <a:schemeClr val="accent3"/>
+  <a:schemeClr val="accent4"/>
+  <a:schemeClr val="accent5"/>
+  <a:schemeClr val="accent6"/>
+  <cs:variation/>
+  <cs:variation>
+    <a:lumMod val="60000"/>
+  </cs:variation>
+  <cs:variation>
+    <a:lumMod val="80000"/>
+    <a:lumOff val="20000"/>
+  </cs:variation>
+  <cs:variation>
+    <a:lumMod val="80000"/>
+  </cs:variation>
+  <cs:variation>
+    <a:lumMod val="60000"/>
+    <a:lumOff val="40000"/>
+  </cs:variation>
+  <cs:variation>
+    <a:lumMod val="50000"/>
+  </cs:variation>
+  <cs:variation>
+    <a:lumMod val="70000"/>
+    <a:lumOff val="30000"/>
+  </cs:variation>
+  <cs:variation>
+    <a:lumMod val="70000"/>
+  </cs:variation>
+  <cs:variation>
+    <a:lumMod val="50000"/>
+    <a:lumOff val="50000"/>
+  </cs:variation>
+</cs:colorStyle>
+</file>
+
+<file path=ppt/charts/style1.xml><?xml version="1.0" encoding="utf-8"?>
+<cs:chartStyle xmlns:cs="http://schemas.microsoft.com/office/drawing/2012/chartStyle" xmlns:a="http://schemas.openxmlformats.org/drawingml/2006/main" id="240">
+  <cs:axisTitle>
+    <cs:lnRef idx="0"/>
+    <cs:fillRef idx="0"/>
+    <cs:effectRef idx="0"/>
+    <cs:fontRef idx="minor">
+      <a:schemeClr val="tx1">
+        <a:lumMod val="65000"/>
+        <a:lumOff val="35000"/>
+      </a:schemeClr>
+    </cs:fontRef>
+    <cs:defRPr sz="1000" kern="1200"/>
+  </cs:axisTitle>
+  <cs:categoryAxis>
+    <cs:lnRef idx="0"/>
+    <cs:fillRef idx="0"/>
+    <cs:effectRef idx="0"/>
+    <cs:fontRef idx="minor">
+      <a:schemeClr val="tx1">
+        <a:lumMod val="65000"/>
+        <a:lumOff val="35000"/>
+      </a:schemeClr>
+    </cs:fontRef>
+    <cs:spPr>
+      <a:ln w="9525" cap="flat" cmpd="sng" algn="ctr">
+        <a:solidFill>
+          <a:schemeClr val="tx1">
+            <a:lumMod val="25000"/>
+            <a:lumOff val="75000"/>
+          </a:schemeClr>
+        </a:solidFill>
+        <a:round/>
+      </a:ln>
+    </cs:spPr>
+    <cs:defRPr sz="900" kern="1200"/>
+  </cs:categoryAxis>
+  <cs:chartArea mods="allowNoFillOverride allowNoLineOverride">
+    <cs:lnRef idx="0"/>
+    <cs:fillRef idx="0"/>
+    <cs:effectRef idx="0"/>
+    <cs:fontRef idx="minor">
+      <a:schemeClr val="tx1"/>
+    </cs:fontRef>
+    <cs:spPr>
+      <a:solidFill>
+        <a:schemeClr val="bg1"/>
+      </a:solidFill>
+      <a:ln w="9525" cap="flat" cmpd="sng" algn="ctr">
+        <a:solidFill>
+          <a:schemeClr val="tx1">
+            <a:lumMod val="15000"/>
+            <a:lumOff val="85000"/>
+          </a:schemeClr>
+        </a:solidFill>
+        <a:round/>
+      </a:ln>
+    </cs:spPr>
+    <cs:defRPr sz="1000" kern="1200"/>
+  </cs:chartArea>
+  <cs:dataLabel>
+    <cs:lnRef idx="0"/>
+    <cs:fillRef idx="0"/>
+    <cs:effectRef idx="0"/>
+    <cs:fontRef idx="minor">
+      <a:schemeClr val="tx1">
+        <a:lumMod val="75000"/>
+        <a:lumOff val="25000"/>
+      </a:schemeClr>
+    </cs:fontRef>
+    <cs:defRPr sz="900" kern="1200"/>
+  </cs:dataLabel>
+  <cs:dataLabelCallout>
+    <cs:lnRef idx="0"/>
+    <cs:fillRef idx="0"/>
+    <cs:effectRef idx="0"/>
+    <cs:fontRef idx="minor">
+      <a:schemeClr val="dk1">
+        <a:lumMod val="65000"/>
+        <a:lumOff val="35000"/>
+      </a:schemeClr>
+    </cs:fontRef>
+    <cs:spPr>
+      <a:solidFill>
+        <a:schemeClr val="lt1"/>
+      </a:solidFill>
+      <a:ln>
+        <a:solidFill>
+          <a:schemeClr val="dk1">
+            <a:lumMod val="25000"/>
+            <a:lumOff val="75000"/>
+          </a:schemeClr>
+        </a:solidFill>
+      </a:ln>
+    </cs:spPr>
+    <cs:defRPr sz="900" kern="1200"/>
+    <cs:bodyPr rot="0" spcFirstLastPara="1" vertOverflow="clip" horzOverflow="clip" vert="horz" wrap="square" lIns="36576" tIns="18288" rIns="36576" bIns="18288" anchor="ctr" anchorCtr="1">
+      <a:spAutoFit/>
+    </cs:bodyPr>
+  </cs:dataLabelCallout>
+  <cs:dataPoint>
+    <cs:lnRef idx="0"/>
+    <cs:fillRef idx="1">
+      <cs:styleClr val="auto"/>
+    </cs:fillRef>
+    <cs:effectRef idx="0"/>
+    <cs:fontRef idx="minor">
+      <a:schemeClr val="tx1"/>
+    </cs:fontRef>
+  </cs:dataPoint>
+  <cs:dataPoint3D>
+    <cs:lnRef idx="0"/>
+    <cs:fillRef idx="1">
+      <cs:styleClr val="auto"/>
+    </cs:fillRef>
+    <cs:effectRef idx="0"/>
+    <cs:fontRef idx="minor">
+      <a:schemeClr val="tx1"/>
+    </cs:fontRef>
+  </cs:dataPoint3D>
+  <cs:dataPointLine>
+    <cs:lnRef idx="0">
+      <cs:styleClr val="auto"/>
+    </cs:lnRef>
+    <cs:fillRef idx="1"/>
+    <cs:effectRef idx="0"/>
+    <cs:fontRef idx="minor">
+      <a:schemeClr val="tx1"/>
+    </cs:fontRef>
+    <cs:spPr>
+      <a:ln w="19050" cap="rnd">
+        <a:solidFill>
+          <a:schemeClr val="phClr"/>
+        </a:solidFill>
+        <a:round/>
+      </a:ln>
+    </cs:spPr>
+  </cs:dataPointLine>
+  <cs:dataPointMarker>
+    <cs:lnRef idx="0">
+      <cs:styleClr val="auto"/>
+    </cs:lnRef>
+    <cs:fillRef idx="1">
+      <cs:styleClr val="auto"/>
+    </cs:fillRef>
+    <cs:effectRef idx="0"/>
+    <cs:fontRef idx="minor">
+      <a:schemeClr val="tx1"/>
+    </cs:fontRef>
+    <cs:spPr>
+      <a:ln w="9525">
+        <a:solidFill>
+          <a:schemeClr val="phClr"/>
+        </a:solidFill>
+      </a:ln>
+    </cs:spPr>
+  </cs:dataPointMarker>
+  <cs:dataPointMarkerLayout symbol="circle" size="5"/>
+  <cs:dataPointWireframe>
+    <cs:lnRef idx="0">
+      <cs:styleClr val="auto"/>
+    </cs:lnRef>
+    <cs:fillRef idx="0"/>
+    <cs:effectRef idx="0"/>
+    <cs:fontRef idx="minor">
+      <a:schemeClr val="dk1"/>
+    </cs:fontRef>
+    <cs:spPr>
+      <a:ln w="9525" cap="rnd">
+        <a:solidFill>
+          <a:schemeClr val="phClr"/>
+        </a:solidFill>
+        <a:round/>
+      </a:ln>
+    </cs:spPr>
+  </cs:dataPointWireframe>
+  <cs:dataTable>
+    <cs:lnRef idx="0"/>
+    <cs:fillRef idx="0"/>
+    <cs:effectRef idx="0"/>
+    <cs:fontRef idx="minor">
+      <a:schemeClr val="tx1">
+        <a:lumMod val="65000"/>
+        <a:lumOff val="35000"/>
+      </a:schemeClr>
+    </cs:fontRef>
+    <cs:spPr>
+      <a:noFill/>
+      <a:ln w="9525" cap="flat" cmpd="sng" algn="ctr">
+        <a:solidFill>
+          <a:schemeClr val="tx1">
+            <a:lumMod val="15000"/>
+            <a:lumOff val="85000"/>
+          </a:schemeClr>
+        </a:solidFill>
+        <a:round/>
+      </a:ln>
+    </cs:spPr>
+    <cs:defRPr sz="900" kern="1200"/>
+  </cs:dataTable>
+  <cs:downBar>
+    <cs:lnRef idx="0"/>
+    <cs:fillRef idx="0"/>
+    <cs:effectRef idx="0"/>
+    <cs:fontRef idx="minor">
+      <a:schemeClr val="tx1"/>
+    </cs:fontRef>
+    <cs:spPr>
+      <a:solidFill>
+        <a:schemeClr val="dk1">
+          <a:lumMod val="75000"/>
+          <a:lumOff val="25000"/>
+        </a:schemeClr>
+      </a:solidFill>
+      <a:ln w="9525" cap="flat" cmpd="sng" algn="ctr">
+        <a:solidFill>
+          <a:schemeClr val="tx1">
+            <a:lumMod val="65000"/>
+            <a:lumOff val="35000"/>
+          </a:schemeClr>
+        </a:solidFill>
+        <a:round/>
+      </a:ln>
+    </cs:spPr>
+  </cs:downBar>
+  <cs:dropLine>
+    <cs:lnRef idx="0"/>
+    <cs:fillRef idx="0"/>
+    <cs:effectRef idx="0"/>
+    <cs:fontRef idx="minor">
+      <a:schemeClr val="tx1"/>
+    </cs:fontRef>
+    <cs:spPr>
+      <a:ln w="9525" cap="flat" cmpd="sng" algn="ctr">
+        <a:solidFill>
+          <a:schemeClr val="tx1">
+            <a:lumMod val="35000"/>
+            <a:lumOff val="65000"/>
+          </a:schemeClr>
+        </a:solidFill>
+        <a:round/>
+      </a:ln>
+    </cs:spPr>
+  </cs:dropLine>
+  <cs:errorBar>
+    <cs:lnRef idx="0"/>
+    <cs:fillRef idx="0"/>
+    <cs:effectRef idx="0"/>
+    <cs:fontRef idx="minor">
+      <a:schemeClr val="tx1"/>
+    </cs:fontRef>
+    <cs:spPr>
+      <a:ln w="9525" cap="flat" cmpd="sng" algn="ctr">
+        <a:solidFill>
+          <a:schemeClr val="tx1">
+            <a:lumMod val="65000"/>
+            <a:lumOff val="35000"/>
+          </a:schemeClr>
+        </a:solidFill>
+        <a:round/>
+      </a:ln>
+    </cs:spPr>
+  </cs:errorBar>
+  <cs:floor>
+    <cs:lnRef idx="0"/>
+    <cs:fillRef idx="0"/>
+    <cs:effectRef idx="0"/>
+    <cs:fontRef idx="minor">
+      <a:schemeClr val="tx1"/>
+    </cs:fontRef>
+    <cs:spPr>
+      <a:noFill/>
+      <a:ln>
+        <a:noFill/>
+      </a:ln>
+    </cs:spPr>
+  </cs:floor>
+  <cs:gridlineMajor>
+    <cs:lnRef idx="0"/>
+    <cs:fillRef idx="0"/>
+    <cs:effectRef idx="0"/>
+    <cs:fontRef idx="minor">
+      <a:schemeClr val="tx1"/>
+    </cs:fontRef>
+    <cs:spPr>
+      <a:ln w="9525" cap="flat" cmpd="sng" algn="ctr">
+        <a:solidFill>
+          <a:schemeClr val="tx1">
+            <a:lumMod val="15000"/>
+            <a:lumOff val="85000"/>
+          </a:schemeClr>
+        </a:solidFill>
+        <a:round/>
+      </a:ln>
+    </cs:spPr>
+  </cs:gridlineMajor>
+  <cs:gridlineMinor>
+    <cs:lnRef idx="0"/>
+    <cs:fillRef idx="0"/>
+    <cs:effectRef idx="0"/>
+    <cs:fontRef idx="minor">
+      <a:schemeClr val="tx1"/>
+    </cs:fontRef>
+    <cs:spPr>
+      <a:ln w="9525" cap="flat" cmpd="sng" algn="ctr">
+        <a:solidFill>
+          <a:schemeClr val="tx1">
+            <a:lumMod val="5000"/>
+            <a:lumOff val="95000"/>
+          </a:schemeClr>
+        </a:solidFill>
+        <a:round/>
+      </a:ln>
+    </cs:spPr>
+  </cs:gridlineMinor>
+  <cs:hiLoLine>
+    <cs:lnRef idx="0"/>
+    <cs:fillRef idx="0"/>
+    <cs:effectRef idx="0"/>
+    <cs:fontRef idx="minor">
+      <a:schemeClr val="tx1"/>
+    </cs:fontRef>
+    <cs:spPr>
+      <a:ln w="9525" cap="flat" cmpd="sng" algn="ctr">
+        <a:solidFill>
+          <a:schemeClr val="tx1">
+            <a:lumMod val="50000"/>
+            <a:lumOff val="50000"/>
+          </a:schemeClr>
+        </a:solidFill>
+        <a:round/>
+      </a:ln>
+    </cs:spPr>
+  </cs:hiLoLine>
+  <cs:leaderLine>
+    <cs:lnRef idx="0"/>
+    <cs:fillRef idx="0"/>
+    <cs:effectRef idx="0"/>
+    <cs:fontRef idx="minor">
+      <a:schemeClr val="tx1"/>
+    </cs:fontRef>
+    <cs:spPr>
+      <a:ln w="9525" cap="flat" cmpd="sng" algn="ctr">
+        <a:solidFill>
+          <a:schemeClr val="tx1">
+            <a:lumMod val="35000"/>
+            <a:lumOff val="65000"/>
+          </a:schemeClr>
+        </a:solidFill>
+        <a:round/>
+      </a:ln>
+    </cs:spPr>
+  </cs:leaderLine>
+  <cs:legend>
+    <cs:lnRef idx="0"/>
+    <cs:fillRef idx="0"/>
+    <cs:effectRef idx="0"/>
+    <cs:fontRef idx="minor">
+      <a:schemeClr val="tx1">
+        <a:lumMod val="65000"/>
+        <a:lumOff val="35000"/>
+      </a:schemeClr>
+    </cs:fontRef>
+    <cs:defRPr sz="900" kern="1200"/>
+  </cs:legend>
+  <cs:plotArea mods="allowNoFillOverride allowNoLineOverride">
+    <cs:lnRef idx="0"/>
+    <cs:fillRef idx="0"/>
+    <cs:effectRef idx="0"/>
+    <cs:fontRef idx="minor">
+      <a:schemeClr val="tx1"/>
+    </cs:fontRef>
+  </cs:plotArea>
+  <cs:plotArea3D mods="allowNoFillOverride allowNoLineOverride">
+    <cs:lnRef idx="0"/>
+    <cs:fillRef idx="0"/>
+    <cs:effectRef idx="0"/>
+    <cs:fontRef idx="minor">
+      <a:schemeClr val="tx1"/>
+    </cs:fontRef>
+  </cs:plotArea3D>
+  <cs:seriesAxis>
+    <cs:lnRef idx="0"/>
+    <cs:fillRef idx="0"/>
+    <cs:effectRef idx="0"/>
+    <cs:fontRef idx="minor">
+      <a:schemeClr val="tx1">
+        <a:lumMod val="65000"/>
+        <a:lumOff val="35000"/>
+      </a:schemeClr>
+    </cs:fontRef>
+    <cs:defRPr sz="900" kern="1200"/>
+  </cs:seriesAxis>
+  <cs:seriesLine>
+    <cs:lnRef idx="0"/>
+    <cs:fillRef idx="0"/>
+    <cs:effectRef idx="0"/>
+    <cs:fontRef idx="minor">
+      <a:schemeClr val="tx1"/>
+    </cs:fontRef>
+    <cs:spPr>
+      <a:ln w="9525" cap="flat" cmpd="sng" algn="ctr">
+        <a:solidFill>
+          <a:schemeClr val="tx1">
+            <a:lumMod val="35000"/>
+            <a:lumOff val="65000"/>
+          </a:schemeClr>
+        </a:solidFill>
+        <a:round/>
+      </a:ln>
+    </cs:spPr>
+  </cs:seriesLine>
+  <cs:title>
+    <cs:lnRef idx="0"/>
+    <cs:fillRef idx="0"/>
+    <cs:effectRef idx="0"/>
+    <cs:fontRef idx="minor">
+      <a:schemeClr val="tx1">
+        <a:lumMod val="65000"/>
+        <a:lumOff val="35000"/>
+      </a:schemeClr>
+    </cs:fontRef>
+    <cs:defRPr sz="1400" b="0" kern="1200" spc="0" baseline="0"/>
+  </cs:title>
+  <cs:trendline>
+    <cs:lnRef idx="0">
+      <cs:styleClr val="auto"/>
+    </cs:lnRef>
+    <cs:fillRef idx="0"/>
+    <cs:effectRef idx="0"/>
+    <cs:fontRef idx="minor">
+      <a:schemeClr val="tx1"/>
+    </cs:fontRef>
+    <cs:spPr>
+      <a:ln w="19050" cap="rnd">
+        <a:solidFill>
+          <a:schemeClr val="phClr"/>
+        </a:solidFill>
+        <a:prstDash val="sysDot"/>
+      </a:ln>
+    </cs:spPr>
+  </cs:trendline>
+  <cs:trendlineLabel>
+    <cs:lnRef idx="0"/>
+    <cs:fillRef idx="0"/>
+    <cs:effectRef idx="0"/>
+    <cs:fontRef idx="minor">
+      <a:schemeClr val="tx1">
+        <a:lumMod val="65000"/>
+        <a:lumOff val="35000"/>
+      </a:schemeClr>
+    </cs:fontRef>
+    <cs:defRPr sz="900" kern="1200"/>
+  </cs:trendlineLabel>
+  <cs:upBar>
+    <cs:lnRef idx="0"/>
+    <cs:fillRef idx="0"/>
+    <cs:effectRef idx="0"/>
+    <cs:fontRef idx="minor">
+      <a:schemeClr val="tx1"/>
+    </cs:fontRef>
+    <cs:spPr>
+      <a:solidFill>
+        <a:schemeClr val="lt1"/>
+      </a:solidFill>
+      <a:ln w="9525" cap="flat" cmpd="sng" algn="ctr">
+        <a:solidFill>
+          <a:schemeClr val="tx1">
+            <a:lumMod val="65000"/>
+            <a:lumOff val="35000"/>
+          </a:schemeClr>
+        </a:solidFill>
+        <a:round/>
+      </a:ln>
+    </cs:spPr>
+  </cs:upBar>
+  <cs:valueAxis>
+    <cs:lnRef idx="0"/>
+    <cs:fillRef idx="0"/>
+    <cs:effectRef idx="0"/>
+    <cs:fontRef idx="minor">
+      <a:schemeClr val="tx1">
+        <a:lumMod val="65000"/>
+        <a:lumOff val="35000"/>
+      </a:schemeClr>
+    </cs:fontRef>
+    <cs:spPr>
+      <a:ln w="9525" cap="flat" cmpd="sng" algn="ctr">
+        <a:solidFill>
+          <a:schemeClr val="tx1">
+            <a:lumMod val="25000"/>
+            <a:lumOff val="75000"/>
+          </a:schemeClr>
+        </a:solidFill>
+        <a:round/>
+      </a:ln>
+    </cs:spPr>
+    <cs:defRPr sz="900" kern="1200"/>
+  </cs:valueAxis>
+  <cs:wall>
+    <cs:lnRef idx="0"/>
+    <cs:fillRef idx="0"/>
+    <cs:effectRef idx="0"/>
+    <cs:fontRef idx="minor">
+      <a:schemeClr val="tx1"/>
+    </cs:fontRef>
+    <cs:spPr>
+      <a:noFill/>
+      <a:ln>
+        <a:noFill/>
+      </a:ln>
+    </cs:spPr>
+  </cs:wall>
+</cs:chartStyle>
+</file>
+
+<file path=ppt/charts/style2.xml><?xml version="1.0" encoding="utf-8"?>
+<cs:chartStyle xmlns:cs="http://schemas.microsoft.com/office/drawing/2012/chartStyle" xmlns:a="http://schemas.openxmlformats.org/drawingml/2006/main" id="240">
+  <cs:axisTitle>
+    <cs:lnRef idx="0"/>
+    <cs:fillRef idx="0"/>
+    <cs:effectRef idx="0"/>
+    <cs:fontRef idx="minor">
+      <a:schemeClr val="tx1">
+        <a:lumMod val="65000"/>
+        <a:lumOff val="35000"/>
+      </a:schemeClr>
+    </cs:fontRef>
+    <cs:defRPr sz="1000" kern="1200"/>
+  </cs:axisTitle>
+  <cs:categoryAxis>
+    <cs:lnRef idx="0"/>
+    <cs:fillRef idx="0"/>
+    <cs:effectRef idx="0"/>
+    <cs:fontRef idx="minor">
+      <a:schemeClr val="tx1">
+        <a:lumMod val="65000"/>
+        <a:lumOff val="35000"/>
+      </a:schemeClr>
+    </cs:fontRef>
+    <cs:spPr>
+      <a:ln w="9525" cap="flat" cmpd="sng" algn="ctr">
+        <a:solidFill>
+          <a:schemeClr val="tx1">
+            <a:lumMod val="25000"/>
+            <a:lumOff val="75000"/>
+          </a:schemeClr>
+        </a:solidFill>
+        <a:round/>
+      </a:ln>
+    </cs:spPr>
+    <cs:defRPr sz="900" kern="1200"/>
+  </cs:categoryAxis>
+  <cs:chartArea mods="allowNoFillOverride allowNoLineOverride">
+    <cs:lnRef idx="0"/>
+    <cs:fillRef idx="0"/>
+    <cs:effectRef idx="0"/>
+    <cs:fontRef idx="minor">
+      <a:schemeClr val="tx1"/>
+    </cs:fontRef>
+    <cs:spPr>
+      <a:solidFill>
+        <a:schemeClr val="bg1"/>
+      </a:solidFill>
+      <a:ln w="9525" cap="flat" cmpd="sng" algn="ctr">
+        <a:solidFill>
+          <a:schemeClr val="tx1">
+            <a:lumMod val="15000"/>
+            <a:lumOff val="85000"/>
+          </a:schemeClr>
+        </a:solidFill>
+        <a:round/>
+      </a:ln>
+    </cs:spPr>
+    <cs:defRPr sz="1000" kern="1200"/>
+  </cs:chartArea>
+  <cs:dataLabel>
+    <cs:lnRef idx="0"/>
+    <cs:fillRef idx="0"/>
+    <cs:effectRef idx="0"/>
+    <cs:fontRef idx="minor">
+      <a:schemeClr val="tx1">
+        <a:lumMod val="75000"/>
+        <a:lumOff val="25000"/>
+      </a:schemeClr>
+    </cs:fontRef>
+    <cs:defRPr sz="900" kern="1200"/>
+  </cs:dataLabel>
+  <cs:dataLabelCallout>
+    <cs:lnRef idx="0"/>
+    <cs:fillRef idx="0"/>
+    <cs:effectRef idx="0"/>
+    <cs:fontRef idx="minor">
+      <a:schemeClr val="dk1">
+        <a:lumMod val="65000"/>
+        <a:lumOff val="35000"/>
+      </a:schemeClr>
+    </cs:fontRef>
+    <cs:spPr>
+      <a:solidFill>
+        <a:schemeClr val="lt1"/>
+      </a:solidFill>
+      <a:ln>
+        <a:solidFill>
+          <a:schemeClr val="dk1">
+            <a:lumMod val="25000"/>
+            <a:lumOff val="75000"/>
+          </a:schemeClr>
+        </a:solidFill>
+      </a:ln>
+    </cs:spPr>
+    <cs:defRPr sz="900" kern="1200"/>
+    <cs:bodyPr rot="0" spcFirstLastPara="1" vertOverflow="clip" horzOverflow="clip" vert="horz" wrap="square" lIns="36576" tIns="18288" rIns="36576" bIns="18288" anchor="ctr" anchorCtr="1">
+      <a:spAutoFit/>
+    </cs:bodyPr>
+  </cs:dataLabelCallout>
+  <cs:dataPoint>
+    <cs:lnRef idx="0"/>
+    <cs:fillRef idx="1">
+      <cs:styleClr val="auto"/>
+    </cs:fillRef>
+    <cs:effectRef idx="0"/>
+    <cs:fontRef idx="minor">
+      <a:schemeClr val="tx1"/>
+    </cs:fontRef>
+  </cs:dataPoint>
+  <cs:dataPoint3D>
+    <cs:lnRef idx="0"/>
+    <cs:fillRef idx="1">
+      <cs:styleClr val="auto"/>
+    </cs:fillRef>
+    <cs:effectRef idx="0"/>
+    <cs:fontRef idx="minor">
+      <a:schemeClr val="tx1"/>
+    </cs:fontRef>
+  </cs:dataPoint3D>
+  <cs:dataPointLine>
+    <cs:lnRef idx="0">
+      <cs:styleClr val="auto"/>
+    </cs:lnRef>
+    <cs:fillRef idx="1"/>
+    <cs:effectRef idx="0"/>
+    <cs:fontRef idx="minor">
+      <a:schemeClr val="tx1"/>
+    </cs:fontRef>
+    <cs:spPr>
+      <a:ln w="19050" cap="rnd">
+        <a:solidFill>
+          <a:schemeClr val="phClr"/>
+        </a:solidFill>
+        <a:round/>
+      </a:ln>
+    </cs:spPr>
+  </cs:dataPointLine>
+  <cs:dataPointMarker>
+    <cs:lnRef idx="0">
+      <cs:styleClr val="auto"/>
+    </cs:lnRef>
+    <cs:fillRef idx="1">
+      <cs:styleClr val="auto"/>
+    </cs:fillRef>
+    <cs:effectRef idx="0"/>
+    <cs:fontRef idx="minor">
+      <a:schemeClr val="tx1"/>
+    </cs:fontRef>
+    <cs:spPr>
+      <a:ln w="9525">
+        <a:solidFill>
+          <a:schemeClr val="phClr"/>
+        </a:solidFill>
+      </a:ln>
+    </cs:spPr>
+  </cs:dataPointMarker>
+  <cs:dataPointMarkerLayout symbol="circle" size="5"/>
+  <cs:dataPointWireframe>
+    <cs:lnRef idx="0">
+      <cs:styleClr val="auto"/>
+    </cs:lnRef>
+    <cs:fillRef idx="0"/>
+    <cs:effectRef idx="0"/>
+    <cs:fontRef idx="minor">
+      <a:schemeClr val="dk1"/>
+    </cs:fontRef>
+    <cs:spPr>
+      <a:ln w="9525" cap="rnd">
+        <a:solidFill>
+          <a:schemeClr val="phClr"/>
+        </a:solidFill>
+        <a:round/>
+      </a:ln>
+    </cs:spPr>
+  </cs:dataPointWireframe>
+  <cs:dataTable>
+    <cs:lnRef idx="0"/>
+    <cs:fillRef idx="0"/>
+    <cs:effectRef idx="0"/>
+    <cs:fontRef idx="minor">
+      <a:schemeClr val="tx1">
+        <a:lumMod val="65000"/>
+        <a:lumOff val="35000"/>
+      </a:schemeClr>
+    </cs:fontRef>
+    <cs:spPr>
+      <a:noFill/>
+      <a:ln w="9525" cap="flat" cmpd="sng" algn="ctr">
+        <a:solidFill>
+          <a:schemeClr val="tx1">
+            <a:lumMod val="15000"/>
+            <a:lumOff val="85000"/>
+          </a:schemeClr>
+        </a:solidFill>
+        <a:round/>
+      </a:ln>
+    </cs:spPr>
+    <cs:defRPr sz="900" kern="1200"/>
+  </cs:dataTable>
+  <cs:downBar>
+    <cs:lnRef idx="0"/>
+    <cs:fillRef idx="0"/>
+    <cs:effectRef idx="0"/>
+    <cs:fontRef idx="minor">
+      <a:schemeClr val="tx1"/>
+    </cs:fontRef>
+    <cs:spPr>
+      <a:solidFill>
+        <a:schemeClr val="dk1">
+          <a:lumMod val="75000"/>
+          <a:lumOff val="25000"/>
+        </a:schemeClr>
+      </a:solidFill>
+      <a:ln w="9525" cap="flat" cmpd="sng" algn="ctr">
+        <a:solidFill>
+          <a:schemeClr val="tx1">
+            <a:lumMod val="65000"/>
+            <a:lumOff val="35000"/>
+          </a:schemeClr>
+        </a:solidFill>
+        <a:round/>
+      </a:ln>
+    </cs:spPr>
+  </cs:downBar>
+  <cs:dropLine>
+    <cs:lnRef idx="0"/>
+    <cs:fillRef idx="0"/>
+    <cs:effectRef idx="0"/>
+    <cs:fontRef idx="minor">
+      <a:schemeClr val="tx1"/>
+    </cs:fontRef>
+    <cs:spPr>
+      <a:ln w="9525" cap="flat" cmpd="sng" algn="ctr">
+        <a:solidFill>
+          <a:schemeClr val="tx1">
+            <a:lumMod val="35000"/>
+            <a:lumOff val="65000"/>
+          </a:schemeClr>
+        </a:solidFill>
+        <a:round/>
+      </a:ln>
+    </cs:spPr>
+  </cs:dropLine>
+  <cs:errorBar>
+    <cs:lnRef idx="0"/>
+    <cs:fillRef idx="0"/>
+    <cs:effectRef idx="0"/>
+    <cs:fontRef idx="minor">
+      <a:schemeClr val="tx1"/>
+    </cs:fontRef>
+    <cs:spPr>
+      <a:ln w="9525" cap="flat" cmpd="sng" algn="ctr">
+        <a:solidFill>
+          <a:schemeClr val="tx1">
+            <a:lumMod val="65000"/>
+            <a:lumOff val="35000"/>
+          </a:schemeClr>
+        </a:solidFill>
+        <a:round/>
+      </a:ln>
+    </cs:spPr>
+  </cs:errorBar>
+  <cs:floor>
+    <cs:lnRef idx="0"/>
+    <cs:fillRef idx="0"/>
+    <cs:effectRef idx="0"/>
+    <cs:fontRef idx="minor">
+      <a:schemeClr val="tx1"/>
+    </cs:fontRef>
+    <cs:spPr>
+      <a:noFill/>
+      <a:ln>
+        <a:noFill/>
+      </a:ln>
+    </cs:spPr>
+  </cs:floor>
+  <cs:gridlineMajor>
+    <cs:lnRef idx="0"/>
+    <cs:fillRef idx="0"/>
+    <cs:effectRef idx="0"/>
+    <cs:fontRef idx="minor">
+      <a:schemeClr val="tx1"/>
+    </cs:fontRef>
+    <cs:spPr>
+      <a:ln w="9525" cap="flat" cmpd="sng" algn="ctr">
+        <a:solidFill>
+          <a:schemeClr val="tx1">
+            <a:lumMod val="15000"/>
+            <a:lumOff val="85000"/>
+          </a:schemeClr>
+        </a:solidFill>
+        <a:round/>
+      </a:ln>
+    </cs:spPr>
+  </cs:gridlineMajor>
+  <cs:gridlineMinor>
+    <cs:lnRef idx="0"/>
+    <cs:fillRef idx="0"/>
+    <cs:effectRef idx="0"/>
+    <cs:fontRef idx="minor">
+      <a:schemeClr val="tx1"/>
+    </cs:fontRef>
+    <cs:spPr>
+      <a:ln w="9525" cap="flat" cmpd="sng" algn="ctr">
+        <a:solidFill>
+          <a:schemeClr val="tx1">
+            <a:lumMod val="5000"/>
+            <a:lumOff val="95000"/>
+          </a:schemeClr>
+        </a:solidFill>
+        <a:round/>
+      </a:ln>
+    </cs:spPr>
+  </cs:gridlineMinor>
+  <cs:hiLoLine>
+    <cs:lnRef idx="0"/>
+    <cs:fillRef idx="0"/>
+    <cs:effectRef idx="0"/>
+    <cs:fontRef idx="minor">
+      <a:schemeClr val="tx1"/>
+    </cs:fontRef>
+    <cs:spPr>
+      <a:ln w="9525" cap="flat" cmpd="sng" algn="ctr">
+        <a:solidFill>
+          <a:schemeClr val="tx1">
+            <a:lumMod val="50000"/>
+            <a:lumOff val="50000"/>
+          </a:schemeClr>
+        </a:solidFill>
+        <a:round/>
+      </a:ln>
+    </cs:spPr>
+  </cs:hiLoLine>
+  <cs:leaderLine>
+    <cs:lnRef idx="0"/>
+    <cs:fillRef idx="0"/>
+    <cs:effectRef idx="0"/>
+    <cs:fontRef idx="minor">
+      <a:schemeClr val="tx1"/>
+    </cs:fontRef>
+    <cs:spPr>
+      <a:ln w="9525" cap="flat" cmpd="sng" algn="ctr">
+        <a:solidFill>
+          <a:schemeClr val="tx1">
+            <a:lumMod val="35000"/>
+            <a:lumOff val="65000"/>
+          </a:schemeClr>
+        </a:solidFill>
+        <a:round/>
+      </a:ln>
+    </cs:spPr>
+  </cs:leaderLine>
+  <cs:legend>
+    <cs:lnRef idx="0"/>
+    <cs:fillRef idx="0"/>
+    <cs:effectRef idx="0"/>
+    <cs:fontRef idx="minor">
+      <a:schemeClr val="tx1">
+        <a:lumMod val="65000"/>
+        <a:lumOff val="35000"/>
+      </a:schemeClr>
+    </cs:fontRef>
+    <cs:defRPr sz="900" kern="1200"/>
+  </cs:legend>
+  <cs:plotArea mods="allowNoFillOverride allowNoLineOverride">
+    <cs:lnRef idx="0"/>
+    <cs:fillRef idx="0"/>
+    <cs:effectRef idx="0"/>
+    <cs:fontRef idx="minor">
+      <a:schemeClr val="tx1"/>
+    </cs:fontRef>
+  </cs:plotArea>
+  <cs:plotArea3D mods="allowNoFillOverride allowNoLineOverride">
+    <cs:lnRef idx="0"/>
+    <cs:fillRef idx="0"/>
+    <cs:effectRef idx="0"/>
+    <cs:fontRef idx="minor">
+      <a:schemeClr val="tx1"/>
+    </cs:fontRef>
+  </cs:plotArea3D>
+  <cs:seriesAxis>
+    <cs:lnRef idx="0"/>
+    <cs:fillRef idx="0"/>
+    <cs:effectRef idx="0"/>
+    <cs:fontRef idx="minor">
+      <a:schemeClr val="tx1">
+        <a:lumMod val="65000"/>
+        <a:lumOff val="35000"/>
+      </a:schemeClr>
+    </cs:fontRef>
+    <cs:defRPr sz="900" kern="1200"/>
+  </cs:seriesAxis>
+  <cs:seriesLine>
+    <cs:lnRef idx="0"/>
+    <cs:fillRef idx="0"/>
+    <cs:effectRef idx="0"/>
+    <cs:fontRef idx="minor">
+      <a:schemeClr val="tx1"/>
+    </cs:fontRef>
+    <cs:spPr>
+      <a:ln w="9525" cap="flat" cmpd="sng" algn="ctr">
+        <a:solidFill>
+          <a:schemeClr val="tx1">
+            <a:lumMod val="35000"/>
+            <a:lumOff val="65000"/>
+          </a:schemeClr>
+        </a:solidFill>
+        <a:round/>
+      </a:ln>
+    </cs:spPr>
+  </cs:seriesLine>
+  <cs:title>
+    <cs:lnRef idx="0"/>
+    <cs:fillRef idx="0"/>
+    <cs:effectRef idx="0"/>
+    <cs:fontRef idx="minor">
+      <a:schemeClr val="tx1">
+        <a:lumMod val="65000"/>
+        <a:lumOff val="35000"/>
+      </a:schemeClr>
+    </cs:fontRef>
+    <cs:defRPr sz="1400" b="0" kern="1200" spc="0" baseline="0"/>
+  </cs:title>
+  <cs:trendline>
+    <cs:lnRef idx="0">
+      <cs:styleClr val="auto"/>
+    </cs:lnRef>
+    <cs:fillRef idx="0"/>
+    <cs:effectRef idx="0"/>
+    <cs:fontRef idx="minor">
+      <a:schemeClr val="tx1"/>
+    </cs:fontRef>
+    <cs:spPr>
+      <a:ln w="19050" cap="rnd">
+        <a:solidFill>
+          <a:schemeClr val="phClr"/>
+        </a:solidFill>
+        <a:prstDash val="sysDot"/>
+      </a:ln>
+    </cs:spPr>
+  </cs:trendline>
+  <cs:trendlineLabel>
+    <cs:lnRef idx="0"/>
+    <cs:fillRef idx="0"/>
+    <cs:effectRef idx="0"/>
+    <cs:fontRef idx="minor">
+      <a:schemeClr val="tx1">
+        <a:lumMod val="65000"/>
+        <a:lumOff val="35000"/>
+      </a:schemeClr>
+    </cs:fontRef>
+    <cs:defRPr sz="900" kern="1200"/>
+  </cs:trendlineLabel>
+  <cs:upBar>
+    <cs:lnRef idx="0"/>
+    <cs:fillRef idx="0"/>
+    <cs:effectRef idx="0"/>
+    <cs:fontRef idx="minor">
+      <a:schemeClr val="tx1"/>
+    </cs:fontRef>
+    <cs:spPr>
+      <a:solidFill>
+        <a:schemeClr val="lt1"/>
+      </a:solidFill>
+      <a:ln w="9525" cap="flat" cmpd="sng" algn="ctr">
+        <a:solidFill>
+          <a:schemeClr val="tx1">
+            <a:lumMod val="65000"/>
+            <a:lumOff val="35000"/>
+          </a:schemeClr>
+        </a:solidFill>
+        <a:round/>
+      </a:ln>
+    </cs:spPr>
+  </cs:upBar>
+  <cs:valueAxis>
+    <cs:lnRef idx="0"/>
+    <cs:fillRef idx="0"/>
+    <cs:effectRef idx="0"/>
+    <cs:fontRef idx="minor">
+      <a:schemeClr val="tx1">
+        <a:lumMod val="65000"/>
+        <a:lumOff val="35000"/>
+      </a:schemeClr>
+    </cs:fontRef>
+    <cs:spPr>
+      <a:ln w="9525" cap="flat" cmpd="sng" algn="ctr">
+        <a:solidFill>
+          <a:schemeClr val="tx1">
+            <a:lumMod val="25000"/>
+            <a:lumOff val="75000"/>
+          </a:schemeClr>
+        </a:solidFill>
+        <a:round/>
+      </a:ln>
+    </cs:spPr>
+    <cs:defRPr sz="900" kern="1200"/>
+  </cs:valueAxis>
+  <cs:wall>
+    <cs:lnRef idx="0"/>
+    <cs:fillRef idx="0"/>
+    <cs:effectRef idx="0"/>
+    <cs:fontRef idx="minor">
+      <a:schemeClr val="tx1"/>
+    </cs:fontRef>
+    <cs:spPr>
+      <a:noFill/>
+      <a:ln>
+        <a:noFill/>
+      </a:ln>
+    </cs:spPr>
+  </cs:wall>
+</cs:chartStyle>
 </file>
 
 <file path=ppt/notesMasters/notesMaster1.xml><?xml version="1.0" encoding="utf-8"?>
@@ -4154,7 +7582,11 @@
             <a:pPr algn="r"/>
             <a:r>
               <a:rPr lang="en-US" sz="6000" dirty="0" smtClean="0"/>
-              <a:t>Real-time speaker Recognizer</a:t>
+              <a:t>Real-time speaker </a:t>
+            </a:r>
+            <a:r>
+              <a:rPr lang="en-US" altLang="zh-CN" sz="6000" dirty="0"/>
+              <a:t>Recognizer</a:t>
             </a:r>
             <a:endParaRPr lang="en-US" sz="6000" dirty="0"/>
           </a:p>
@@ -4185,22 +7617,14 @@
             <a:pPr algn="r"/>
             <a:r>
               <a:rPr lang="en-US" sz="2400" dirty="0" smtClean="0"/>
-              <a:t>Offline and </a:t>
-            </a:r>
-            <a:r>
-              <a:rPr lang="en-US" sz="2400" dirty="0" smtClean="0"/>
-              <a:t>real-time</a:t>
+              <a:t>Offline and real-time</a:t>
             </a:r>
           </a:p>
           <a:p>
             <a:pPr algn="r"/>
             <a:r>
               <a:rPr lang="en-US" sz="2400" dirty="0" smtClean="0"/>
-              <a:t> </a:t>
-            </a:r>
-            <a:r>
-              <a:rPr lang="en-US" sz="2400" dirty="0" smtClean="0"/>
-              <a:t>speaker diarization system </a:t>
+              <a:t> speaker diarization system </a:t>
             </a:r>
           </a:p>
           <a:p>
@@ -4300,7 +7724,7 @@
         </p:nvSpPr>
         <p:spPr>
           <a:xfrm>
-            <a:off x="457200" y="685800"/>
+            <a:off x="304800" y="190500"/>
             <a:ext cx="7620000" cy="1143000"/>
           </a:xfrm>
         </p:spPr>
@@ -4309,62 +7733,10 @@
           <a:lstStyle/>
           <a:p>
             <a:r>
-              <a:rPr lang="en-US" sz="2800" dirty="0" smtClean="0"/>
-              <a:t>Advantages of the system</a:t>
+              <a:rPr lang="en-US" sz="3600" dirty="0" smtClean="0"/>
+              <a:t>Runtime analysis: offline system</a:t>
             </a:r>
-            <a:endParaRPr lang="en-US" sz="2800" dirty="0"/>
-          </a:p>
-        </p:txBody>
-      </p:sp>
-      <p:sp>
-        <p:nvSpPr>
-          <p:cNvPr id="3" name="Content Placeholder 2"/>
-          <p:cNvSpPr>
-            <a:spLocks noGrp="1"/>
-          </p:cNvSpPr>
-          <p:nvPr>
-            <p:ph idx="1"/>
-          </p:nvPr>
-        </p:nvSpPr>
-        <p:spPr/>
-        <p:txBody>
-          <a:bodyPr/>
-          <a:lstStyle/>
-          <a:p>
-            <a:r>
-              <a:rPr lang="en-US" sz="2400" dirty="0" smtClean="0"/>
-              <a:t>Fast </a:t>
-            </a:r>
-          </a:p>
-          <a:p>
-            <a:r>
-              <a:rPr lang="en-US" sz="2400" dirty="0" smtClean="0"/>
-              <a:t>Require no training data</a:t>
-            </a:r>
-          </a:p>
-          <a:p>
-            <a:r>
-              <a:rPr lang="en-US" sz="2400" dirty="0" smtClean="0"/>
-              <a:t>Domain-robust </a:t>
-            </a:r>
-          </a:p>
-          <a:p>
-            <a:endParaRPr lang="en-US" dirty="0" smtClean="0"/>
-          </a:p>
-          <a:p>
-            <a:endParaRPr lang="en-US" dirty="0"/>
-          </a:p>
-          <a:p>
-            <a:endParaRPr lang="en-US" dirty="0" smtClean="0"/>
-          </a:p>
-          <a:p>
-            <a:r>
-              <a:rPr lang="en-US" dirty="0" smtClean="0"/>
-              <a:t>Offline</a:t>
-            </a:r>
-          </a:p>
-          <a:p>
-            <a:endParaRPr lang="en-US" dirty="0"/>
+            <a:endParaRPr lang="en-US" sz="3600" dirty="0"/>
           </a:p>
         </p:txBody>
       </p:sp>
@@ -4383,7 +7755,7 @@
           <a:bodyPr/>
           <a:lstStyle/>
           <a:p>
-            <a:endParaRPr lang="en-US"/>
+            <a:endParaRPr lang="en-US" dirty="0"/>
           </a:p>
         </p:txBody>
       </p:sp>
@@ -4412,58 +7784,92 @@
       </p:sp>
       <p:sp>
         <p:nvSpPr>
-          <p:cNvPr id="6" name="Title 1"/>
-          <p:cNvSpPr txBox="1">
-            <a:spLocks/>
-          </p:cNvSpPr>
+          <p:cNvPr id="7" name="Rectangle 6"/>
+          <p:cNvSpPr/>
           <p:nvPr/>
         </p:nvSpPr>
         <p:spPr>
           <a:xfrm>
-            <a:off x="609600" y="3200400"/>
-            <a:ext cx="7620000" cy="1143000"/>
+            <a:off x="685800" y="1295400"/>
+            <a:ext cx="7086600" cy="1446550"/>
           </a:xfrm>
           <a:prstGeom prst="rect">
             <a:avLst/>
           </a:prstGeom>
         </p:spPr>
         <p:txBody>
-          <a:bodyPr vert="horz" lIns="91440" tIns="45720" rIns="91440" bIns="45720" rtlCol="0" anchor="ctr">
-            <a:noAutofit/>
+          <a:bodyPr wrap="square">
+            <a:spAutoFit/>
           </a:bodyPr>
-          <a:lstStyle>
-            <a:lvl1pPr algn="l" defTabSz="914400" rtl="0" eaLnBrk="1" latinLnBrk="0" hangingPunct="1">
-              <a:spcBef>
-                <a:spcPct val="0"/>
-              </a:spcBef>
-              <a:buNone/>
-              <a:defRPr sz="4600" kern="1200" cap="none" spc="-100" baseline="0">
-                <a:ln>
-                  <a:noFill/>
-                </a:ln>
-                <a:solidFill>
-                  <a:schemeClr val="tx2"/>
-                </a:solidFill>
-                <a:effectLst/>
-                <a:latin typeface="+mj-lt"/>
-                <a:ea typeface="+mj-ea"/>
-                <a:cs typeface="+mj-cs"/>
-              </a:defRPr>
-            </a:lvl1pPr>
-          </a:lstStyle>
-          <a:p>
+          <a:lstStyle/>
+          <a:p>
+            <a:pPr marL="285750" indent="-285750">
+              <a:buFont typeface="Arial" panose="020B0604020202020204" pitchFamily="34" charset="0"/>
+              <a:buChar char="•"/>
+            </a:pPr>
             <a:r>
-              <a:rPr lang="en-US" sz="2800" dirty="0" smtClean="0"/>
-              <a:t>Disadvantage </a:t>
+              <a:rPr lang="en-US" dirty="0"/>
+              <a:t>Intel® Core™ i5-4200U CPU @ 1.60GHz 2.30GHz </a:t>
             </a:r>
-            <a:endParaRPr lang="en-US" sz="2800" dirty="0"/>
+            <a:r>
+              <a:rPr lang="en-US" dirty="0" smtClean="0"/>
+              <a:t>&amp; Windows 8.1</a:t>
+            </a:r>
+            <a:endParaRPr lang="en-US" dirty="0"/>
+          </a:p>
+          <a:p>
+            <a:pPr marL="285750" indent="-285750">
+              <a:buFont typeface="Arial" panose="020B0604020202020204" pitchFamily="34" charset="0"/>
+              <a:buChar char="•"/>
+            </a:pPr>
+            <a:r>
+              <a:rPr lang="en-US" dirty="0" smtClean="0"/>
+              <a:t>Audio from 1 min – 50 min (with 1 min resolution)</a:t>
+            </a:r>
+          </a:p>
+          <a:p>
+            <a:endParaRPr lang="en-US" dirty="0"/>
+          </a:p>
+          <a:p>
+            <a:r>
+              <a:rPr lang="en-US" sz="1600" i="1" dirty="0"/>
+              <a:t>Real-time factor  = runtime / audio duration </a:t>
+            </a:r>
+          </a:p>
+          <a:p>
+            <a:endParaRPr lang="en-US" dirty="0"/>
           </a:p>
         </p:txBody>
       </p:sp>
+      <p:graphicFrame>
+        <p:nvGraphicFramePr>
+          <p:cNvPr id="9" name="Content Placeholder 5"/>
+          <p:cNvGraphicFramePr>
+            <a:graphicFrameLocks noGrp="1"/>
+          </p:cNvGraphicFramePr>
+          <p:nvPr>
+            <p:ph idx="1"/>
+            <p:extLst>
+              <p:ext uri="{D42A27DB-BD31-4B8C-83A1-F6EECF244321}">
+                <p14:modId xmlns:p14="http://schemas.microsoft.com/office/powerpoint/2010/main" val="1940968689"/>
+              </p:ext>
+            </p:extLst>
+          </p:nvPr>
+        </p:nvGraphicFramePr>
+        <p:xfrm>
+          <a:off x="990600" y="2741950"/>
+          <a:ext cx="5943600" cy="3810000"/>
+        </p:xfrm>
+        <a:graphic>
+          <a:graphicData uri="http://schemas.openxmlformats.org/drawingml/2006/chart">
+            <c:chart xmlns:c="http://schemas.openxmlformats.org/drawingml/2006/chart" xmlns:r="http://schemas.openxmlformats.org/officeDocument/2006/relationships" r:id="rId2"/>
+          </a:graphicData>
+        </a:graphic>
+      </p:graphicFrame>
     </p:spTree>
     <p:extLst>
       <p:ext uri="{BB962C8B-B14F-4D97-AF65-F5344CB8AC3E}">
-        <p14:creationId xmlns:p14="http://schemas.microsoft.com/office/powerpoint/2010/main" val="2300007140"/>
+        <p14:creationId xmlns:p14="http://schemas.microsoft.com/office/powerpoint/2010/main" val="1838985210"/>
       </p:ext>
     </p:extLst>
   </p:cSld>
@@ -4507,21 +7913,15 @@
             <p:ph type="title"/>
           </p:nvPr>
         </p:nvSpPr>
-        <p:spPr>
-          <a:xfrm>
-            <a:off x="304800" y="190500"/>
-            <a:ext cx="7620000" cy="1143000"/>
-          </a:xfrm>
-        </p:spPr>
+        <p:spPr/>
         <p:txBody>
           <a:bodyPr/>
           <a:lstStyle/>
           <a:p>
             <a:r>
-              <a:rPr lang="en-US" sz="3600" dirty="0" smtClean="0"/>
+              <a:rPr lang="en-US" sz="3600" dirty="0"/>
               <a:t>Runtime analysis: offline system</a:t>
             </a:r>
-            <a:endParaRPr lang="en-US" sz="3600" dirty="0"/>
           </a:p>
         </p:txBody>
       </p:sp>
@@ -4540,7 +7940,7 @@
           <a:bodyPr/>
           <a:lstStyle/>
           <a:p>
-            <a:endParaRPr lang="en-US" dirty="0"/>
+            <a:endParaRPr lang="en-US"/>
           </a:p>
         </p:txBody>
       </p:sp>
@@ -4567,191 +7967,6 @@
           </a:p>
         </p:txBody>
       </p:sp>
-      <p:sp>
-        <p:nvSpPr>
-          <p:cNvPr id="7" name="Rectangle 6"/>
-          <p:cNvSpPr/>
-          <p:nvPr/>
-        </p:nvSpPr>
-        <p:spPr>
-          <a:xfrm>
-            <a:off x="685800" y="1295400"/>
-            <a:ext cx="7086600" cy="1446550"/>
-          </a:xfrm>
-          <a:prstGeom prst="rect">
-            <a:avLst/>
-          </a:prstGeom>
-        </p:spPr>
-        <p:txBody>
-          <a:bodyPr wrap="square">
-            <a:spAutoFit/>
-          </a:bodyPr>
-          <a:lstStyle/>
-          <a:p>
-            <a:pPr marL="285750" indent="-285750">
-              <a:buFont typeface="Arial" panose="020B0604020202020204" pitchFamily="34" charset="0"/>
-              <a:buChar char="•"/>
-            </a:pPr>
-            <a:r>
-              <a:rPr lang="en-US" dirty="0"/>
-              <a:t>Intel® Core™ i5-4200U CPU @ 1.60GHz 2.30GHz </a:t>
-            </a:r>
-            <a:r>
-              <a:rPr lang="en-US" dirty="0" smtClean="0"/>
-              <a:t>&amp; Windows 8.1</a:t>
-            </a:r>
-            <a:endParaRPr lang="en-US" dirty="0"/>
-          </a:p>
-          <a:p>
-            <a:pPr marL="285750" indent="-285750">
-              <a:buFont typeface="Arial" panose="020B0604020202020204" pitchFamily="34" charset="0"/>
-              <a:buChar char="•"/>
-            </a:pPr>
-            <a:r>
-              <a:rPr lang="en-US" dirty="0" smtClean="0"/>
-              <a:t>Audio from 1 min – 50 min (with 1 min resolution)</a:t>
-            </a:r>
-          </a:p>
-          <a:p>
-            <a:endParaRPr lang="en-US" dirty="0"/>
-          </a:p>
-          <a:p>
-            <a:r>
-              <a:rPr lang="en-US" sz="1600" i="1" dirty="0"/>
-              <a:t>Real-time factor  = runtime / audio duration </a:t>
-            </a:r>
-          </a:p>
-          <a:p>
-            <a:endParaRPr lang="en-US" dirty="0"/>
-          </a:p>
-        </p:txBody>
-      </p:sp>
-      <p:graphicFrame>
-        <p:nvGraphicFramePr>
-          <p:cNvPr id="9" name="Content Placeholder 5"/>
-          <p:cNvGraphicFramePr>
-            <a:graphicFrameLocks noGrp="1"/>
-          </p:cNvGraphicFramePr>
-          <p:nvPr>
-            <p:ph idx="1"/>
-            <p:extLst>
-              <p:ext uri="{D42A27DB-BD31-4B8C-83A1-F6EECF244321}">
-                <p14:modId xmlns:p14="http://schemas.microsoft.com/office/powerpoint/2010/main" val="676549615"/>
-              </p:ext>
-            </p:extLst>
-          </p:nvPr>
-        </p:nvGraphicFramePr>
-        <p:xfrm>
-          <a:off x="990600" y="2741950"/>
-          <a:ext cx="5943600" cy="3810000"/>
-        </p:xfrm>
-        <a:graphic>
-          <a:graphicData uri="http://schemas.openxmlformats.org/drawingml/2006/chart">
-            <c:chart xmlns:c="http://schemas.openxmlformats.org/drawingml/2006/chart" xmlns:r="http://schemas.openxmlformats.org/officeDocument/2006/relationships" r:id="rId2"/>
-          </a:graphicData>
-        </a:graphic>
-      </p:graphicFrame>
-    </p:spTree>
-    <p:extLst>
-      <p:ext uri="{BB962C8B-B14F-4D97-AF65-F5344CB8AC3E}">
-        <p14:creationId xmlns:p14="http://schemas.microsoft.com/office/powerpoint/2010/main" val="1838985210"/>
-      </p:ext>
-    </p:extLst>
-  </p:cSld>
-  <p:clrMapOvr>
-    <a:masterClrMapping/>
-  </p:clrMapOvr>
-  <p:timing>
-    <p:tnLst>
-      <p:par>
-        <p:cTn id="1" dur="indefinite" restart="never" nodeType="tmRoot"/>
-      </p:par>
-    </p:tnLst>
-  </p:timing>
-</p:sld>
-</file>
-
-<file path=ppt/slides/slide12.xml><?xml version="1.0" encoding="utf-8"?>
-<p:sld xmlns:a="http://schemas.openxmlformats.org/drawingml/2006/main" xmlns:r="http://schemas.openxmlformats.org/officeDocument/2006/relationships" xmlns:p="http://schemas.openxmlformats.org/presentationml/2006/main">
-  <p:cSld>
-    <p:spTree>
-      <p:nvGrpSpPr>
-        <p:cNvPr id="1" name=""/>
-        <p:cNvGrpSpPr/>
-        <p:nvPr/>
-      </p:nvGrpSpPr>
-      <p:grpSpPr>
-        <a:xfrm>
-          <a:off x="0" y="0"/>
-          <a:ext cx="0" cy="0"/>
-          <a:chOff x="0" y="0"/>
-          <a:chExt cx="0" cy="0"/>
-        </a:xfrm>
-      </p:grpSpPr>
-      <p:sp>
-        <p:nvSpPr>
-          <p:cNvPr id="2" name="Title 1"/>
-          <p:cNvSpPr>
-            <a:spLocks noGrp="1"/>
-          </p:cNvSpPr>
-          <p:nvPr>
-            <p:ph type="title"/>
-          </p:nvPr>
-        </p:nvSpPr>
-        <p:spPr/>
-        <p:txBody>
-          <a:bodyPr/>
-          <a:lstStyle/>
-          <a:p>
-            <a:r>
-              <a:rPr lang="en-US" sz="3600" dirty="0"/>
-              <a:t>Runtime analysis: offline system</a:t>
-            </a:r>
-          </a:p>
-        </p:txBody>
-      </p:sp>
-      <p:sp>
-        <p:nvSpPr>
-          <p:cNvPr id="4" name="Footer Placeholder 3"/>
-          <p:cNvSpPr>
-            <a:spLocks noGrp="1"/>
-          </p:cNvSpPr>
-          <p:nvPr>
-            <p:ph type="ftr" sz="quarter" idx="11"/>
-          </p:nvPr>
-        </p:nvSpPr>
-        <p:spPr/>
-        <p:txBody>
-          <a:bodyPr/>
-          <a:lstStyle/>
-          <a:p>
-            <a:endParaRPr lang="en-US"/>
-          </a:p>
-        </p:txBody>
-      </p:sp>
-      <p:sp>
-        <p:nvSpPr>
-          <p:cNvPr id="5" name="Slide Number Placeholder 4"/>
-          <p:cNvSpPr>
-            <a:spLocks noGrp="1"/>
-          </p:cNvSpPr>
-          <p:nvPr>
-            <p:ph type="sldNum" sz="quarter" idx="12"/>
-          </p:nvPr>
-        </p:nvSpPr>
-        <p:spPr/>
-        <p:txBody>
-          <a:bodyPr/>
-          <a:lstStyle/>
-          <a:p>
-            <a:fld id="{0E0E5D40-17DD-4190-869C-D3EB7431A77E}" type="slidenum">
-              <a:rPr lang="en-US" smtClean="0"/>
-              <a:t>12</a:t>
-            </a:fld>
-            <a:endParaRPr lang="en-US"/>
-          </a:p>
-        </p:txBody>
-      </p:sp>
       <p:graphicFrame>
         <p:nvGraphicFramePr>
           <p:cNvPr id="7" name="Content Placeholder 5"/>
@@ -4761,13 +7976,13 @@
           <p:nvPr>
             <p:extLst>
               <p:ext uri="{D42A27DB-BD31-4B8C-83A1-F6EECF244321}">
-                <p14:modId xmlns:p14="http://schemas.microsoft.com/office/powerpoint/2010/main" val="1779983307"/>
+                <p14:modId xmlns:p14="http://schemas.microsoft.com/office/powerpoint/2010/main" val="3601080431"/>
               </p:ext>
             </p:extLst>
           </p:nvPr>
         </p:nvGraphicFramePr>
         <p:xfrm>
-          <a:off x="304800" y="1676400"/>
+          <a:off x="362803" y="1417638"/>
           <a:ext cx="7696200" cy="3787931"/>
         </p:xfrm>
         <a:graphic>
@@ -4821,19 +8036,7 @@
                     <a:p>
                       <a:r>
                         <a:rPr lang="en-US" dirty="0" smtClean="0"/>
-                        <a:t>Runtime </a:t>
-                      </a:r>
-                      <a:r>
-                        <a:rPr lang="en-US" dirty="0" smtClean="0"/>
-                        <a:t>of 10 </a:t>
-                      </a:r>
-                      <a:r>
-                        <a:rPr lang="en-US" dirty="0" smtClean="0"/>
-                        <a:t>min </a:t>
-                      </a:r>
-                      <a:r>
-                        <a:rPr lang="en-US" dirty="0" smtClean="0"/>
-                        <a:t>audio</a:t>
+                        <a:t>Runtime of 10 min audio</a:t>
                       </a:r>
                       <a:endParaRPr lang="en-US" dirty="0"/>
                     </a:p>
@@ -5065,10 +8268,10 @@
                     <a:lstStyle/>
                     <a:p>
                       <a:r>
-                        <a:rPr lang="en-US" dirty="0" smtClean="0"/>
+                        <a:rPr lang="en-US" b="1" dirty="0" smtClean="0"/>
                         <a:t>7.614s</a:t>
                       </a:r>
-                      <a:endParaRPr lang="en-US" dirty="0"/>
+                      <a:endParaRPr lang="en-US" b="1" dirty="0"/>
                     </a:p>
                   </a:txBody>
                   <a:tcPr/>
@@ -5154,7 +8357,7 @@
                     <a:p>
                       <a:r>
                         <a:rPr lang="en-US" dirty="0" smtClean="0"/>
-                        <a:t>2.70s</a:t>
+                        <a:t>2.700s</a:t>
                       </a:r>
                       <a:endParaRPr lang="en-US" dirty="0"/>
                     </a:p>
@@ -5210,6 +8413,73 @@
           </a:graphicData>
         </a:graphic>
       </p:graphicFrame>
+      <p:sp>
+        <p:nvSpPr>
+          <p:cNvPr id="3" name="文本框 2"/>
+          <p:cNvSpPr txBox="1"/>
+          <p:nvPr/>
+        </p:nvSpPr>
+        <p:spPr>
+          <a:xfrm>
+            <a:off x="457199" y="5648960"/>
+            <a:ext cx="7601803" cy="1292662"/>
+          </a:xfrm>
+          <a:prstGeom prst="rect">
+            <a:avLst/>
+          </a:prstGeom>
+          <a:noFill/>
+        </p:spPr>
+        <p:txBody>
+          <a:bodyPr wrap="square" rtlCol="0">
+            <a:spAutoFit/>
+          </a:bodyPr>
+          <a:lstStyle/>
+          <a:p>
+            <a:pPr marL="285750" indent="-285750">
+              <a:buFont typeface="Arial" panose="020B0604020202020204" pitchFamily="34" charset="0"/>
+              <a:buChar char="•"/>
+            </a:pPr>
+            <a:r>
+              <a:rPr lang="en-US" altLang="zh-CN" sz="2000" dirty="0" smtClean="0"/>
+              <a:t>Fast enough for fixed-size recorded audio </a:t>
+            </a:r>
+          </a:p>
+          <a:p>
+            <a:pPr marL="285750" indent="-285750">
+              <a:buFont typeface="Arial" panose="020B0604020202020204" pitchFamily="34" charset="0"/>
+              <a:buChar char="•"/>
+            </a:pPr>
+            <a:r>
+              <a:rPr lang="en-US" altLang="zh-CN" sz="2000" dirty="0" smtClean="0"/>
+              <a:t>Not fast enough for real-time audio stream that new data is </a:t>
+            </a:r>
+            <a:r>
+              <a:rPr lang="en-US" altLang="zh-CN" sz="2000" dirty="0" err="1" smtClean="0"/>
+              <a:t>inputed</a:t>
+            </a:r>
+            <a:endParaRPr lang="en-US" altLang="zh-CN" sz="2000" dirty="0" smtClean="0"/>
+          </a:p>
+          <a:p>
+            <a:r>
+              <a:rPr lang="en-US" altLang="zh-CN" sz="2000" dirty="0" smtClean="0">
+                <a:sym typeface="Wingdings" panose="05000000000000000000" pitchFamily="2" charset="2"/>
+              </a:rPr>
+              <a:t> </a:t>
+            </a:r>
+            <a:r>
+              <a:rPr lang="en-US" altLang="zh-CN" sz="2000" dirty="0" smtClean="0"/>
+              <a:t>Any components can run on new data only?</a:t>
+            </a:r>
+          </a:p>
+          <a:p>
+            <a:pPr marL="285750" indent="-285750">
+              <a:buFont typeface="Arial" panose="020B0604020202020204" pitchFamily="34" charset="0"/>
+              <a:buChar char="•"/>
+            </a:pPr>
+            <a:endParaRPr lang="zh-CN" altLang="en-US" dirty="0"/>
+          </a:p>
+        </p:txBody>
+      </p:sp>
     </p:spTree>
     <p:extLst>
       <p:ext uri="{BB962C8B-B14F-4D97-AF65-F5344CB8AC3E}">
@@ -5230,7 +8500,7 @@
 </p:sld>
 </file>
 
-<file path=ppt/slides/slide13.xml><?xml version="1.0" encoding="utf-8"?>
+<file path=ppt/slides/slide12.xml><?xml version="1.0" encoding="utf-8"?>
 <p:sld xmlns:a="http://schemas.openxmlformats.org/drawingml/2006/main" xmlns:r="http://schemas.openxmlformats.org/officeDocument/2006/relationships" xmlns:p="http://schemas.openxmlformats.org/presentationml/2006/main">
   <p:cSld>
     <p:spTree>
@@ -5269,11 +8539,7 @@
           <a:p>
             <a:r>
               <a:rPr lang="en-US" sz="3600" dirty="0" smtClean="0"/>
-              <a:t>Design of real-time </a:t>
-            </a:r>
-            <a:r>
-              <a:rPr lang="en-US" sz="3600" dirty="0" smtClean="0"/>
-              <a:t>system</a:t>
+              <a:t>Design of real-time system</a:t>
             </a:r>
             <a:endParaRPr lang="en-US" sz="3600" dirty="0"/>
           </a:p>
@@ -5300,7 +8566,7 @@
         </p:blipFill>
         <p:spPr>
           <a:xfrm>
-            <a:off x="404082" y="2901371"/>
+            <a:off x="377671" y="2438266"/>
             <a:ext cx="1135755" cy="874837"/>
           </a:xfrm>
           <a:prstGeom prst="rect">
@@ -5316,7 +8582,7 @@
         </p:nvGrpSpPr>
         <p:grpSpPr>
           <a:xfrm>
-            <a:off x="408525" y="3945978"/>
+            <a:off x="314197" y="4082317"/>
             <a:ext cx="1233410" cy="874837"/>
             <a:chOff x="684167" y="3401436"/>
             <a:chExt cx="1233410" cy="874837"/>
@@ -5390,7 +8656,7 @@
         </p:nvSpPr>
         <p:spPr>
           <a:xfrm>
-            <a:off x="2008725" y="4205631"/>
+            <a:off x="1937705" y="4218895"/>
             <a:ext cx="1137820" cy="861807"/>
           </a:xfrm>
           <a:prstGeom prst="rect">
@@ -5556,7 +8822,7 @@
         </p:nvSpPr>
         <p:spPr>
           <a:xfrm>
-            <a:off x="404082" y="2778279"/>
+            <a:off x="347057" y="2214089"/>
             <a:ext cx="1103939" cy="369332"/>
           </a:xfrm>
           <a:prstGeom prst="rect">
@@ -5586,7 +8852,7 @@
         </p:nvSpPr>
         <p:spPr>
           <a:xfrm>
-            <a:off x="440341" y="4663713"/>
+            <a:off x="341201" y="4811999"/>
             <a:ext cx="1103939" cy="369332"/>
           </a:xfrm>
           <a:prstGeom prst="rect">
@@ -5616,7 +8882,7 @@
         </p:nvSpPr>
         <p:spPr>
           <a:xfrm>
-            <a:off x="2063471" y="2470467"/>
+            <a:off x="1996618" y="2333639"/>
             <a:ext cx="1012054" cy="861807"/>
           </a:xfrm>
           <a:prstGeom prst="rect">
@@ -5768,7 +9034,7 @@
         </p:nvSpPr>
         <p:spPr>
           <a:xfrm>
-            <a:off x="3591909" y="2499647"/>
+            <a:off x="3617063" y="2336913"/>
             <a:ext cx="1676400" cy="861807"/>
           </a:xfrm>
           <a:prstGeom prst="rect">
@@ -5920,8 +9186,8 @@
         </p:nvSpPr>
         <p:spPr>
           <a:xfrm>
-            <a:off x="3608925" y="4174578"/>
-            <a:ext cx="1752600" cy="861807"/>
+            <a:off x="3810598" y="4222234"/>
+            <a:ext cx="1803052" cy="861807"/>
           </a:xfrm>
           <a:prstGeom prst="rect">
             <a:avLst/>
@@ -6072,7 +9338,7 @@
         </p:nvSpPr>
         <p:spPr>
           <a:xfrm>
-            <a:off x="5648570" y="2474571"/>
+            <a:off x="5940392" y="2333639"/>
             <a:ext cx="1100831" cy="861807"/>
           </a:xfrm>
           <a:prstGeom prst="rect">
@@ -6224,7 +9490,7 @@
         </p:nvSpPr>
         <p:spPr>
           <a:xfrm>
-            <a:off x="5632294" y="4150971"/>
+            <a:off x="6033274" y="4218895"/>
             <a:ext cx="1100831" cy="861807"/>
           </a:xfrm>
           <a:prstGeom prst="rect">
@@ -6376,7 +9642,7 @@
         </p:nvSpPr>
         <p:spPr>
           <a:xfrm>
-            <a:off x="7266525" y="3498329"/>
+            <a:off x="7435645" y="3485417"/>
             <a:ext cx="914400" cy="596547"/>
           </a:xfrm>
           <a:prstGeom prst="rect">
@@ -6532,8 +9798,8 @@
         </p:nvCxnSpPr>
         <p:spPr>
           <a:xfrm>
-            <a:off x="3075525" y="2901371"/>
-            <a:ext cx="516384" cy="29180"/>
+            <a:off x="3008672" y="2764543"/>
+            <a:ext cx="608391" cy="3274"/>
           </a:xfrm>
           <a:prstGeom prst="straightConnector1">
             <a:avLst/>
@@ -6572,8 +9838,8 @@
         </p:nvCxnSpPr>
         <p:spPr>
           <a:xfrm flipH="1" flipV="1">
-            <a:off x="2569498" y="3332274"/>
-            <a:ext cx="8137" cy="873357"/>
+            <a:off x="2502645" y="3195446"/>
+            <a:ext cx="3970" cy="1023449"/>
           </a:xfrm>
           <a:prstGeom prst="straightConnector1">
             <a:avLst/>
@@ -6612,8 +9878,8 @@
         </p:nvCxnSpPr>
         <p:spPr>
           <a:xfrm flipV="1">
-            <a:off x="5268309" y="2905475"/>
-            <a:ext cx="380261" cy="25076"/>
+            <a:off x="5293463" y="2764543"/>
+            <a:ext cx="646929" cy="3274"/>
           </a:xfrm>
           <a:prstGeom prst="straightConnector1">
             <a:avLst/>
@@ -6652,8 +9918,8 @@
         </p:nvCxnSpPr>
         <p:spPr>
           <a:xfrm>
-            <a:off x="6749401" y="2905475"/>
-            <a:ext cx="974324" cy="592854"/>
+            <a:off x="7041223" y="2764543"/>
+            <a:ext cx="851622" cy="720874"/>
           </a:xfrm>
           <a:prstGeom prst="straightConnector1">
             <a:avLst/>
@@ -6692,8 +9958,8 @@
         </p:nvCxnSpPr>
         <p:spPr>
           <a:xfrm flipV="1">
-            <a:off x="5361525" y="4581875"/>
-            <a:ext cx="270769" cy="23607"/>
+            <a:off x="5613650" y="4649799"/>
+            <a:ext cx="419624" cy="3339"/>
           </a:xfrm>
           <a:prstGeom prst="straightConnector1">
             <a:avLst/>
@@ -6731,9 +9997,9 @@
           <p:nvPr/>
         </p:nvCxnSpPr>
         <p:spPr>
-          <a:xfrm flipV="1">
-            <a:off x="3146545" y="4605482"/>
-            <a:ext cx="462380" cy="31053"/>
+          <a:xfrm>
+            <a:off x="3075525" y="4649799"/>
+            <a:ext cx="735073" cy="3339"/>
           </a:xfrm>
           <a:prstGeom prst="straightConnector1">
             <a:avLst/>
@@ -6772,8 +10038,8 @@
         </p:nvCxnSpPr>
         <p:spPr>
           <a:xfrm flipV="1">
-            <a:off x="6733125" y="4094876"/>
-            <a:ext cx="990600" cy="486999"/>
+            <a:off x="7134105" y="4081964"/>
+            <a:ext cx="758740" cy="567835"/>
           </a:xfrm>
           <a:prstGeom prst="straightConnector1">
             <a:avLst/>
@@ -6810,8 +10076,8 @@
         </p:nvCxnSpPr>
         <p:spPr>
           <a:xfrm>
-            <a:off x="3075525" y="3338789"/>
-            <a:ext cx="762000" cy="910871"/>
+            <a:off x="2988520" y="3174255"/>
+            <a:ext cx="849005" cy="1075405"/>
           </a:xfrm>
           <a:prstGeom prst="straightConnector1">
             <a:avLst/>
@@ -6846,7 +10112,7 @@
         </p:nvSpPr>
         <p:spPr>
           <a:xfrm>
-            <a:off x="2826580" y="2084119"/>
+            <a:off x="2826580" y="1981200"/>
             <a:ext cx="1259890" cy="369332"/>
           </a:xfrm>
           <a:prstGeom prst="rect">
@@ -6888,7 +10154,7 @@
         </p:nvSpPr>
         <p:spPr>
           <a:xfrm>
-            <a:off x="5652421" y="2084119"/>
+            <a:off x="5953744" y="1938316"/>
             <a:ext cx="1259890" cy="369332"/>
           </a:xfrm>
           <a:prstGeom prst="rect">
@@ -7007,8 +10273,8 @@
         </p:nvSpPr>
         <p:spPr>
           <a:xfrm>
-            <a:off x="1780125" y="1561411"/>
-            <a:ext cx="5334000" cy="1936917"/>
+            <a:off x="1780124" y="1561411"/>
+            <a:ext cx="5417895" cy="1936917"/>
           </a:xfrm>
           <a:prstGeom prst="roundRect">
             <a:avLst/>
@@ -7147,8 +10413,8 @@
         </p:nvSpPr>
         <p:spPr>
           <a:xfrm>
-            <a:off x="1780126" y="3988696"/>
-            <a:ext cx="5334000" cy="1936917"/>
+            <a:off x="1780125" y="3988696"/>
+            <a:ext cx="5486399" cy="1936917"/>
           </a:xfrm>
           <a:prstGeom prst="roundRect">
             <a:avLst/>
@@ -7296,7 +10562,7 @@
           <a:p>
             <a:fld id="{0E0E5D40-17DD-4190-869C-D3EB7431A77E}" type="slidenum">
               <a:rPr lang="en-US" smtClean="0"/>
-              <a:t>13</a:t>
+              <a:t>12</a:t>
             </a:fld>
             <a:endParaRPr lang="en-US"/>
           </a:p>
@@ -7321,10 +10587,2349 @@
           </a:p>
         </p:txBody>
       </p:sp>
+      <p:sp>
+        <p:nvSpPr>
+          <p:cNvPr id="19" name="文本框 18"/>
+          <p:cNvSpPr txBox="1"/>
+          <p:nvPr/>
+        </p:nvSpPr>
+        <p:spPr>
+          <a:xfrm>
+            <a:off x="1679110" y="3559899"/>
+            <a:ext cx="1190597" cy="369332"/>
+          </a:xfrm>
+          <a:prstGeom prst="rect">
+            <a:avLst/>
+          </a:prstGeom>
+          <a:noFill/>
+        </p:spPr>
+        <p:txBody>
+          <a:bodyPr wrap="square" rtlCol="0">
+            <a:spAutoFit/>
+          </a:bodyPr>
+          <a:lstStyle/>
+          <a:p>
+            <a:r>
+              <a:rPr lang="en-US" altLang="zh-CN" dirty="0" smtClean="0"/>
+              <a:t>MFCCs</a:t>
+            </a:r>
+            <a:endParaRPr lang="zh-CN" altLang="en-US" dirty="0"/>
+          </a:p>
+        </p:txBody>
+      </p:sp>
+      <p:sp>
+        <p:nvSpPr>
+          <p:cNvPr id="33" name="文本框 32"/>
+          <p:cNvSpPr txBox="1"/>
+          <p:nvPr/>
+        </p:nvSpPr>
+        <p:spPr>
+          <a:xfrm>
+            <a:off x="3009933" y="4316722"/>
+            <a:ext cx="979992" cy="646331"/>
+          </a:xfrm>
+          <a:prstGeom prst="rect">
+            <a:avLst/>
+          </a:prstGeom>
+          <a:noFill/>
+        </p:spPr>
+        <p:txBody>
+          <a:bodyPr wrap="square" rtlCol="0">
+            <a:spAutoFit/>
+          </a:bodyPr>
+          <a:lstStyle/>
+          <a:p>
+            <a:r>
+              <a:rPr lang="en-US" altLang="zh-CN" dirty="0" smtClean="0"/>
+              <a:t>New</a:t>
+            </a:r>
+          </a:p>
+          <a:p>
+            <a:r>
+              <a:rPr lang="en-US" altLang="zh-CN" dirty="0" smtClean="0"/>
+              <a:t>MFCCs</a:t>
+            </a:r>
+            <a:endParaRPr lang="zh-CN" altLang="en-US" dirty="0"/>
+          </a:p>
+        </p:txBody>
+      </p:sp>
+      <p:sp>
+        <p:nvSpPr>
+          <p:cNvPr id="49" name="文本框 48"/>
+          <p:cNvSpPr txBox="1"/>
+          <p:nvPr/>
+        </p:nvSpPr>
+        <p:spPr>
+          <a:xfrm>
+            <a:off x="3443061" y="3527291"/>
+            <a:ext cx="979992" cy="369332"/>
+          </a:xfrm>
+          <a:prstGeom prst="rect">
+            <a:avLst/>
+          </a:prstGeom>
+          <a:noFill/>
+        </p:spPr>
+        <p:txBody>
+          <a:bodyPr wrap="square" rtlCol="0">
+            <a:spAutoFit/>
+          </a:bodyPr>
+          <a:lstStyle/>
+          <a:p>
+            <a:r>
+              <a:rPr lang="en-US" altLang="zh-CN" dirty="0" smtClean="0"/>
+              <a:t>KBM</a:t>
+            </a:r>
+            <a:endParaRPr lang="zh-CN" altLang="en-US" dirty="0"/>
+          </a:p>
+        </p:txBody>
+      </p:sp>
+      <p:sp>
+        <p:nvSpPr>
+          <p:cNvPr id="50" name="文本框 49"/>
+          <p:cNvSpPr txBox="1"/>
+          <p:nvPr/>
+        </p:nvSpPr>
+        <p:spPr>
+          <a:xfrm>
+            <a:off x="3026431" y="2451488"/>
+            <a:ext cx="979992" cy="369332"/>
+          </a:xfrm>
+          <a:prstGeom prst="rect">
+            <a:avLst/>
+          </a:prstGeom>
+          <a:noFill/>
+        </p:spPr>
+        <p:txBody>
+          <a:bodyPr wrap="square" rtlCol="0">
+            <a:spAutoFit/>
+          </a:bodyPr>
+          <a:lstStyle/>
+          <a:p>
+            <a:r>
+              <a:rPr lang="en-US" altLang="zh-CN" dirty="0" smtClean="0"/>
+              <a:t>KBM</a:t>
+            </a:r>
+            <a:endParaRPr lang="zh-CN" altLang="en-US" dirty="0"/>
+          </a:p>
+        </p:txBody>
+      </p:sp>
+      <p:sp>
+        <p:nvSpPr>
+          <p:cNvPr id="57" name="文本框 56"/>
+          <p:cNvSpPr txBox="1"/>
+          <p:nvPr/>
+        </p:nvSpPr>
+        <p:spPr>
+          <a:xfrm>
+            <a:off x="5330253" y="2398755"/>
+            <a:ext cx="979992" cy="369332"/>
+          </a:xfrm>
+          <a:prstGeom prst="rect">
+            <a:avLst/>
+          </a:prstGeom>
+          <a:noFill/>
+        </p:spPr>
+        <p:txBody>
+          <a:bodyPr wrap="square" rtlCol="0">
+            <a:spAutoFit/>
+          </a:bodyPr>
+          <a:lstStyle/>
+          <a:p>
+            <a:r>
+              <a:rPr lang="en-US" altLang="zh-CN" dirty="0" smtClean="0"/>
+              <a:t>CVs</a:t>
+            </a:r>
+            <a:endParaRPr lang="zh-CN" altLang="en-US" dirty="0"/>
+          </a:p>
+        </p:txBody>
+      </p:sp>
+      <p:sp>
+        <p:nvSpPr>
+          <p:cNvPr id="58" name="文本框 57"/>
+          <p:cNvSpPr txBox="1"/>
+          <p:nvPr/>
+        </p:nvSpPr>
+        <p:spPr>
+          <a:xfrm>
+            <a:off x="5549135" y="4270556"/>
+            <a:ext cx="979992" cy="369332"/>
+          </a:xfrm>
+          <a:prstGeom prst="rect">
+            <a:avLst/>
+          </a:prstGeom>
+          <a:noFill/>
+        </p:spPr>
+        <p:txBody>
+          <a:bodyPr wrap="square" rtlCol="0">
+            <a:spAutoFit/>
+          </a:bodyPr>
+          <a:lstStyle/>
+          <a:p>
+            <a:r>
+              <a:rPr lang="en-US" altLang="zh-CN" dirty="0" smtClean="0"/>
+              <a:t>CVs</a:t>
+            </a:r>
+            <a:endParaRPr lang="zh-CN" altLang="en-US" dirty="0"/>
+          </a:p>
+        </p:txBody>
+      </p:sp>
     </p:spTree>
     <p:extLst>
       <p:ext uri="{BB962C8B-B14F-4D97-AF65-F5344CB8AC3E}">
         <p14:creationId xmlns:p14="http://schemas.microsoft.com/office/powerpoint/2010/main" val="528962051"/>
+      </p:ext>
+    </p:extLst>
+  </p:cSld>
+  <p:clrMapOvr>
+    <a:masterClrMapping/>
+  </p:clrMapOvr>
+  <p:timing>
+    <p:tnLst>
+      <p:par>
+        <p:cTn id="1" dur="indefinite" restart="never" nodeType="tmRoot">
+          <p:childTnLst>
+            <p:seq concurrent="1" nextAc="seek">
+              <p:cTn id="2" dur="indefinite" nodeType="mainSeq">
+                <p:childTnLst>
+                  <p:par>
+                    <p:cTn id="3" fill="hold">
+                      <p:stCondLst>
+                        <p:cond delay="indefinite"/>
+                      </p:stCondLst>
+                      <p:childTnLst>
+                        <p:par>
+                          <p:cTn id="4" fill="hold">
+                            <p:stCondLst>
+                              <p:cond delay="0"/>
+                            </p:stCondLst>
+                            <p:childTnLst>
+                              <p:par>
+                                <p:cTn id="5" presetID="1" presetClass="entr" presetSubtype="0" fill="hold" grpId="0" nodeType="clickEffect">
+                                  <p:stCondLst>
+                                    <p:cond delay="0"/>
+                                  </p:stCondLst>
+                                  <p:childTnLst>
+                                    <p:set>
+                                      <p:cBhvr>
+                                        <p:cTn id="6" dur="1" fill="hold">
+                                          <p:stCondLst>
+                                            <p:cond delay="0"/>
+                                          </p:stCondLst>
+                                        </p:cTn>
+                                        <p:tgtEl>
+                                          <p:spTgt spid="56"/>
+                                        </p:tgtEl>
+                                        <p:attrNameLst>
+                                          <p:attrName>style.visibility</p:attrName>
+                                        </p:attrNameLst>
+                                      </p:cBhvr>
+                                      <p:to>
+                                        <p:strVal val="visible"/>
+                                      </p:to>
+                                    </p:set>
+                                  </p:childTnLst>
+                                </p:cTn>
+                              </p:par>
+                              <p:par>
+                                <p:cTn id="7" presetID="1" presetClass="entr" presetSubtype="0" fill="hold" grpId="0" nodeType="withEffect">
+                                  <p:stCondLst>
+                                    <p:cond delay="0"/>
+                                  </p:stCondLst>
+                                  <p:childTnLst>
+                                    <p:set>
+                                      <p:cBhvr>
+                                        <p:cTn id="8" dur="1" fill="hold">
+                                          <p:stCondLst>
+                                            <p:cond delay="0"/>
+                                          </p:stCondLst>
+                                        </p:cTn>
+                                        <p:tgtEl>
+                                          <p:spTgt spid="54"/>
+                                        </p:tgtEl>
+                                        <p:attrNameLst>
+                                          <p:attrName>style.visibility</p:attrName>
+                                        </p:attrNameLst>
+                                      </p:cBhvr>
+                                      <p:to>
+                                        <p:strVal val="visible"/>
+                                      </p:to>
+                                    </p:set>
+                                  </p:childTnLst>
+                                </p:cTn>
+                              </p:par>
+                              <p:par>
+                                <p:cTn id="9" presetID="1" presetClass="entr" presetSubtype="0" fill="hold" grpId="0" nodeType="withEffect">
+                                  <p:stCondLst>
+                                    <p:cond delay="0"/>
+                                  </p:stCondLst>
+                                  <p:childTnLst>
+                                    <p:set>
+                                      <p:cBhvr>
+                                        <p:cTn id="10" dur="1" fill="hold">
+                                          <p:stCondLst>
+                                            <p:cond delay="0"/>
+                                          </p:stCondLst>
+                                        </p:cTn>
+                                        <p:tgtEl>
+                                          <p:spTgt spid="59"/>
+                                        </p:tgtEl>
+                                        <p:attrNameLst>
+                                          <p:attrName>style.visibility</p:attrName>
+                                        </p:attrNameLst>
+                                      </p:cBhvr>
+                                      <p:to>
+                                        <p:strVal val="visible"/>
+                                      </p:to>
+                                    </p:set>
+                                  </p:childTnLst>
+                                </p:cTn>
+                              </p:par>
+                              <p:par>
+                                <p:cTn id="11" presetID="1" presetClass="entr" presetSubtype="0" fill="hold" grpId="0" nodeType="withEffect">
+                                  <p:stCondLst>
+                                    <p:cond delay="0"/>
+                                  </p:stCondLst>
+                                  <p:childTnLst>
+                                    <p:set>
+                                      <p:cBhvr>
+                                        <p:cTn id="12" dur="1" fill="hold">
+                                          <p:stCondLst>
+                                            <p:cond delay="0"/>
+                                          </p:stCondLst>
+                                        </p:cTn>
+                                        <p:tgtEl>
+                                          <p:spTgt spid="55"/>
+                                        </p:tgtEl>
+                                        <p:attrNameLst>
+                                          <p:attrName>style.visibility</p:attrName>
+                                        </p:attrNameLst>
+                                      </p:cBhvr>
+                                      <p:to>
+                                        <p:strVal val="visible"/>
+                                      </p:to>
+                                    </p:set>
+                                  </p:childTnLst>
+                                </p:cTn>
+                              </p:par>
+                            </p:childTnLst>
+                          </p:cTn>
+                        </p:par>
+                      </p:childTnLst>
+                    </p:cTn>
+                  </p:par>
+                </p:childTnLst>
+              </p:cTn>
+              <p:prevCondLst>
+                <p:cond evt="onPrev" delay="0">
+                  <p:tgtEl>
+                    <p:sldTgt/>
+                  </p:tgtEl>
+                </p:cond>
+              </p:prevCondLst>
+              <p:nextCondLst>
+                <p:cond evt="onNext" delay="0">
+                  <p:tgtEl>
+                    <p:sldTgt/>
+                  </p:tgtEl>
+                </p:cond>
+              </p:nextCondLst>
+            </p:seq>
+          </p:childTnLst>
+        </p:cTn>
+      </p:par>
+    </p:tnLst>
+    <p:bldLst>
+      <p:bldP spid="54" grpId="0"/>
+      <p:bldP spid="55" grpId="0"/>
+      <p:bldP spid="56" grpId="0" animBg="1"/>
+      <p:bldP spid="59" grpId="0" animBg="1"/>
+    </p:bldLst>
+  </p:timing>
+</p:sld>
+</file>
+
+<file path=ppt/slides/slide13.xml><?xml version="1.0" encoding="utf-8"?>
+<p:sld xmlns:a="http://schemas.openxmlformats.org/drawingml/2006/main" xmlns:r="http://schemas.openxmlformats.org/officeDocument/2006/relationships" xmlns:p="http://schemas.openxmlformats.org/presentationml/2006/main">
+  <p:cSld>
+    <p:spTree>
+      <p:nvGrpSpPr>
+        <p:cNvPr id="1" name=""/>
+        <p:cNvGrpSpPr/>
+        <p:nvPr/>
+      </p:nvGrpSpPr>
+      <p:grpSpPr>
+        <a:xfrm>
+          <a:off x="0" y="0"/>
+          <a:ext cx="0" cy="0"/>
+          <a:chOff x="0" y="0"/>
+          <a:chExt cx="0" cy="0"/>
+        </a:xfrm>
+      </p:grpSpPr>
+      <p:pic>
+        <p:nvPicPr>
+          <p:cNvPr id="4" name="图片 5"/>
+          <p:cNvPicPr>
+            <a:picLocks noChangeAspect="1"/>
+          </p:cNvPicPr>
+          <p:nvPr/>
+        </p:nvPicPr>
+        <p:blipFill rotWithShape="1">
+          <a:blip r:embed="rId2">
+            <a:extLst>
+              <a:ext uri="{28A0092B-C50C-407E-A947-70E740481C1C}">
+                <a14:useLocalDpi xmlns:a14="http://schemas.microsoft.com/office/drawing/2010/main" val="0"/>
+              </a:ext>
+            </a:extLst>
+          </a:blip>
+          <a:srcRect r="52245"/>
+          <a:stretch/>
+        </p:blipFill>
+        <p:spPr>
+          <a:xfrm>
+            <a:off x="273947" y="1105455"/>
+            <a:ext cx="1135755" cy="874837"/>
+          </a:xfrm>
+          <a:prstGeom prst="rect">
+            <a:avLst/>
+          </a:prstGeom>
+        </p:spPr>
+      </p:pic>
+      <p:grpSp>
+        <p:nvGrpSpPr>
+          <p:cNvPr id="8" name="Group 7"/>
+          <p:cNvGrpSpPr/>
+          <p:nvPr/>
+        </p:nvGrpSpPr>
+        <p:grpSpPr>
+          <a:xfrm>
+            <a:off x="210473" y="2749506"/>
+            <a:ext cx="1233410" cy="874837"/>
+            <a:chOff x="684167" y="3401436"/>
+            <a:chExt cx="1233410" cy="874837"/>
+          </a:xfrm>
+        </p:grpSpPr>
+        <p:pic>
+          <p:nvPicPr>
+            <p:cNvPr id="6" name="图片 5"/>
+            <p:cNvPicPr>
+              <a:picLocks noChangeAspect="1"/>
+            </p:cNvPicPr>
+            <p:nvPr/>
+          </p:nvPicPr>
+          <p:blipFill rotWithShape="1">
+            <a:blip r:embed="rId2">
+              <a:lum bright="70000" contrast="-70000"/>
+              <a:extLst>
+                <a:ext uri="{28A0092B-C50C-407E-A947-70E740481C1C}">
+                  <a14:useLocalDpi xmlns:a14="http://schemas.microsoft.com/office/drawing/2010/main" val="0"/>
+                </a:ext>
+              </a:extLst>
+            </a:blip>
+            <a:srcRect r="52245"/>
+            <a:stretch/>
+          </p:blipFill>
+          <p:spPr>
+            <a:xfrm>
+              <a:off x="684167" y="3401436"/>
+              <a:ext cx="1135755" cy="874837"/>
+            </a:xfrm>
+            <a:prstGeom prst="rect">
+              <a:avLst/>
+            </a:prstGeom>
+          </p:spPr>
+        </p:pic>
+        <p:pic>
+          <p:nvPicPr>
+            <p:cNvPr id="7" name="图片 5"/>
+            <p:cNvPicPr>
+              <a:picLocks noChangeAspect="1"/>
+            </p:cNvPicPr>
+            <p:nvPr/>
+          </p:nvPicPr>
+          <p:blipFill rotWithShape="1">
+            <a:blip r:embed="rId2">
+              <a:extLst>
+                <a:ext uri="{28A0092B-C50C-407E-A947-70E740481C1C}">
+                  <a14:useLocalDpi xmlns:a14="http://schemas.microsoft.com/office/drawing/2010/main" val="0"/>
+                </a:ext>
+              </a:extLst>
+            </a:blip>
+            <a:srcRect l="47755" r="48139"/>
+            <a:stretch/>
+          </p:blipFill>
+          <p:spPr>
+            <a:xfrm>
+              <a:off x="1819922" y="3401436"/>
+              <a:ext cx="97655" cy="874837"/>
+            </a:xfrm>
+            <a:prstGeom prst="rect">
+              <a:avLst/>
+            </a:prstGeom>
+          </p:spPr>
+        </p:pic>
+      </p:grpSp>
+      <p:sp>
+        <p:nvSpPr>
+          <p:cNvPr id="9" name="Rectangle 8"/>
+          <p:cNvSpPr/>
+          <p:nvPr/>
+        </p:nvSpPr>
+        <p:spPr>
+          <a:xfrm>
+            <a:off x="1833981" y="2886084"/>
+            <a:ext cx="1137820" cy="861807"/>
+          </a:xfrm>
+          <a:prstGeom prst="rect">
+            <a:avLst/>
+          </a:prstGeom>
+          <a:noFill/>
+          <a:ln w="12700">
+            <a:solidFill>
+              <a:schemeClr val="tx1"/>
+            </a:solidFill>
+          </a:ln>
+        </p:spPr>
+        <p:style>
+          <a:lnRef idx="2">
+            <a:schemeClr val="accent1">
+              <a:shade val="50000"/>
+            </a:schemeClr>
+          </a:lnRef>
+          <a:fillRef idx="1">
+            <a:schemeClr val="accent1"/>
+          </a:fillRef>
+          <a:effectRef idx="0">
+            <a:schemeClr val="accent1"/>
+          </a:effectRef>
+          <a:fontRef idx="minor">
+            <a:schemeClr val="lt1"/>
+          </a:fontRef>
+        </p:style>
+        <p:txBody>
+          <a:bodyPr rtlCol="0" anchor="ctr"/>
+          <a:lstStyle>
+            <a:defPPr>
+              <a:defRPr lang="en-US"/>
+            </a:defPPr>
+            <a:lvl1pPr marL="0" algn="l" defTabSz="3291279" rtl="0" eaLnBrk="1" latinLnBrk="0" hangingPunct="1">
+              <a:defRPr sz="6400" kern="1200">
+                <a:solidFill>
+                  <a:schemeClr val="lt1"/>
+                </a:solidFill>
+                <a:latin typeface="+mn-lt"/>
+                <a:ea typeface="+mn-ea"/>
+                <a:cs typeface="+mn-cs"/>
+              </a:defRPr>
+            </a:lvl1pPr>
+            <a:lvl2pPr marL="1645640" algn="l" defTabSz="3291279" rtl="0" eaLnBrk="1" latinLnBrk="0" hangingPunct="1">
+              <a:defRPr sz="6400" kern="1200">
+                <a:solidFill>
+                  <a:schemeClr val="lt1"/>
+                </a:solidFill>
+                <a:latin typeface="+mn-lt"/>
+                <a:ea typeface="+mn-ea"/>
+                <a:cs typeface="+mn-cs"/>
+              </a:defRPr>
+            </a:lvl2pPr>
+            <a:lvl3pPr marL="3291279" algn="l" defTabSz="3291279" rtl="0" eaLnBrk="1" latinLnBrk="0" hangingPunct="1">
+              <a:defRPr sz="6400" kern="1200">
+                <a:solidFill>
+                  <a:schemeClr val="lt1"/>
+                </a:solidFill>
+                <a:latin typeface="+mn-lt"/>
+                <a:ea typeface="+mn-ea"/>
+                <a:cs typeface="+mn-cs"/>
+              </a:defRPr>
+            </a:lvl3pPr>
+            <a:lvl4pPr marL="4936919" algn="l" defTabSz="3291279" rtl="0" eaLnBrk="1" latinLnBrk="0" hangingPunct="1">
+              <a:defRPr sz="6400" kern="1200">
+                <a:solidFill>
+                  <a:schemeClr val="lt1"/>
+                </a:solidFill>
+                <a:latin typeface="+mn-lt"/>
+                <a:ea typeface="+mn-ea"/>
+                <a:cs typeface="+mn-cs"/>
+              </a:defRPr>
+            </a:lvl4pPr>
+            <a:lvl5pPr marL="6582559" algn="l" defTabSz="3291279" rtl="0" eaLnBrk="1" latinLnBrk="0" hangingPunct="1">
+              <a:defRPr sz="6400" kern="1200">
+                <a:solidFill>
+                  <a:schemeClr val="lt1"/>
+                </a:solidFill>
+                <a:latin typeface="+mn-lt"/>
+                <a:ea typeface="+mn-ea"/>
+                <a:cs typeface="+mn-cs"/>
+              </a:defRPr>
+            </a:lvl5pPr>
+            <a:lvl6pPr marL="8228198" algn="l" defTabSz="3291279" rtl="0" eaLnBrk="1" latinLnBrk="0" hangingPunct="1">
+              <a:defRPr sz="6400" kern="1200">
+                <a:solidFill>
+                  <a:schemeClr val="lt1"/>
+                </a:solidFill>
+                <a:latin typeface="+mn-lt"/>
+                <a:ea typeface="+mn-ea"/>
+                <a:cs typeface="+mn-cs"/>
+              </a:defRPr>
+            </a:lvl6pPr>
+            <a:lvl7pPr marL="9873837" algn="l" defTabSz="3291279" rtl="0" eaLnBrk="1" latinLnBrk="0" hangingPunct="1">
+              <a:defRPr sz="6400" kern="1200">
+                <a:solidFill>
+                  <a:schemeClr val="lt1"/>
+                </a:solidFill>
+                <a:latin typeface="+mn-lt"/>
+                <a:ea typeface="+mn-ea"/>
+                <a:cs typeface="+mn-cs"/>
+              </a:defRPr>
+            </a:lvl7pPr>
+            <a:lvl8pPr marL="11519478" algn="l" defTabSz="3291279" rtl="0" eaLnBrk="1" latinLnBrk="0" hangingPunct="1">
+              <a:defRPr sz="6400" kern="1200">
+                <a:solidFill>
+                  <a:schemeClr val="lt1"/>
+                </a:solidFill>
+                <a:latin typeface="+mn-lt"/>
+                <a:ea typeface="+mn-ea"/>
+                <a:cs typeface="+mn-cs"/>
+              </a:defRPr>
+            </a:lvl8pPr>
+            <a:lvl9pPr marL="13165118" algn="l" defTabSz="3291279" rtl="0" eaLnBrk="1" latinLnBrk="0" hangingPunct="1">
+              <a:defRPr sz="6400" kern="1200">
+                <a:solidFill>
+                  <a:schemeClr val="lt1"/>
+                </a:solidFill>
+                <a:latin typeface="+mn-lt"/>
+                <a:ea typeface="+mn-ea"/>
+                <a:cs typeface="+mn-cs"/>
+              </a:defRPr>
+            </a:lvl9pPr>
+          </a:lstStyle>
+          <a:p>
+            <a:pPr algn="ctr"/>
+            <a:r>
+              <a:rPr lang="en-US" sz="1800" dirty="0" smtClean="0">
+                <a:solidFill>
+                  <a:schemeClr val="tx1"/>
+                </a:solidFill>
+              </a:rPr>
+              <a:t>VAD,  </a:t>
+            </a:r>
+          </a:p>
+          <a:p>
+            <a:pPr algn="ctr"/>
+            <a:r>
+              <a:rPr lang="en-US" sz="1800" dirty="0" smtClean="0">
+                <a:solidFill>
+                  <a:schemeClr val="tx1"/>
+                </a:solidFill>
+              </a:rPr>
+              <a:t>Feature </a:t>
+            </a:r>
+            <a:r>
+              <a:rPr lang="en-US" sz="1800" dirty="0">
+                <a:solidFill>
+                  <a:schemeClr val="tx1"/>
+                </a:solidFill>
+              </a:rPr>
+              <a:t>extraction</a:t>
+            </a:r>
+          </a:p>
+        </p:txBody>
+      </p:sp>
+      <p:sp>
+        <p:nvSpPr>
+          <p:cNvPr id="10" name="TextBox 9"/>
+          <p:cNvSpPr txBox="1"/>
+          <p:nvPr/>
+        </p:nvSpPr>
+        <p:spPr>
+          <a:xfrm>
+            <a:off x="243333" y="881278"/>
+            <a:ext cx="1103939" cy="369332"/>
+          </a:xfrm>
+          <a:prstGeom prst="rect">
+            <a:avLst/>
+          </a:prstGeom>
+          <a:noFill/>
+        </p:spPr>
+        <p:txBody>
+          <a:bodyPr wrap="square" rtlCol="0">
+            <a:spAutoFit/>
+          </a:bodyPr>
+          <a:lstStyle/>
+          <a:p>
+            <a:r>
+              <a:rPr lang="en-US" dirty="0" smtClean="0"/>
+              <a:t>All Data</a:t>
+            </a:r>
+            <a:endParaRPr lang="en-US" dirty="0"/>
+          </a:p>
+        </p:txBody>
+      </p:sp>
+      <p:sp>
+        <p:nvSpPr>
+          <p:cNvPr id="11" name="TextBox 10"/>
+          <p:cNvSpPr txBox="1"/>
+          <p:nvPr/>
+        </p:nvSpPr>
+        <p:spPr>
+          <a:xfrm>
+            <a:off x="237477" y="3479188"/>
+            <a:ext cx="1103939" cy="369332"/>
+          </a:xfrm>
+          <a:prstGeom prst="rect">
+            <a:avLst/>
+          </a:prstGeom>
+          <a:noFill/>
+        </p:spPr>
+        <p:txBody>
+          <a:bodyPr wrap="square" rtlCol="0">
+            <a:spAutoFit/>
+          </a:bodyPr>
+          <a:lstStyle/>
+          <a:p>
+            <a:r>
+              <a:rPr lang="en-US" dirty="0" smtClean="0"/>
+              <a:t>New Data</a:t>
+            </a:r>
+            <a:endParaRPr lang="en-US" dirty="0"/>
+          </a:p>
+        </p:txBody>
+      </p:sp>
+      <p:sp>
+        <p:nvSpPr>
+          <p:cNvPr id="12" name="Rectangle 11"/>
+          <p:cNvSpPr/>
+          <p:nvPr/>
+        </p:nvSpPr>
+        <p:spPr>
+          <a:xfrm>
+            <a:off x="1892894" y="1000828"/>
+            <a:ext cx="1012054" cy="861807"/>
+          </a:xfrm>
+          <a:prstGeom prst="rect">
+            <a:avLst/>
+          </a:prstGeom>
+          <a:noFill/>
+          <a:ln w="12700">
+            <a:solidFill>
+              <a:schemeClr val="tx1"/>
+            </a:solidFill>
+          </a:ln>
+        </p:spPr>
+        <p:style>
+          <a:lnRef idx="2">
+            <a:schemeClr val="accent1">
+              <a:shade val="50000"/>
+            </a:schemeClr>
+          </a:lnRef>
+          <a:fillRef idx="1">
+            <a:schemeClr val="accent1"/>
+          </a:fillRef>
+          <a:effectRef idx="0">
+            <a:schemeClr val="accent1"/>
+          </a:effectRef>
+          <a:fontRef idx="minor">
+            <a:schemeClr val="lt1"/>
+          </a:fontRef>
+        </p:style>
+        <p:txBody>
+          <a:bodyPr rtlCol="0" anchor="ctr"/>
+          <a:lstStyle>
+            <a:defPPr>
+              <a:defRPr lang="en-US"/>
+            </a:defPPr>
+            <a:lvl1pPr marL="0" algn="l" defTabSz="3291279" rtl="0" eaLnBrk="1" latinLnBrk="0" hangingPunct="1">
+              <a:defRPr sz="6400" kern="1200">
+                <a:solidFill>
+                  <a:schemeClr val="lt1"/>
+                </a:solidFill>
+                <a:latin typeface="+mn-lt"/>
+                <a:ea typeface="+mn-ea"/>
+                <a:cs typeface="+mn-cs"/>
+              </a:defRPr>
+            </a:lvl1pPr>
+            <a:lvl2pPr marL="1645640" algn="l" defTabSz="3291279" rtl="0" eaLnBrk="1" latinLnBrk="0" hangingPunct="1">
+              <a:defRPr sz="6400" kern="1200">
+                <a:solidFill>
+                  <a:schemeClr val="lt1"/>
+                </a:solidFill>
+                <a:latin typeface="+mn-lt"/>
+                <a:ea typeface="+mn-ea"/>
+                <a:cs typeface="+mn-cs"/>
+              </a:defRPr>
+            </a:lvl2pPr>
+            <a:lvl3pPr marL="3291279" algn="l" defTabSz="3291279" rtl="0" eaLnBrk="1" latinLnBrk="0" hangingPunct="1">
+              <a:defRPr sz="6400" kern="1200">
+                <a:solidFill>
+                  <a:schemeClr val="lt1"/>
+                </a:solidFill>
+                <a:latin typeface="+mn-lt"/>
+                <a:ea typeface="+mn-ea"/>
+                <a:cs typeface="+mn-cs"/>
+              </a:defRPr>
+            </a:lvl3pPr>
+            <a:lvl4pPr marL="4936919" algn="l" defTabSz="3291279" rtl="0" eaLnBrk="1" latinLnBrk="0" hangingPunct="1">
+              <a:defRPr sz="6400" kern="1200">
+                <a:solidFill>
+                  <a:schemeClr val="lt1"/>
+                </a:solidFill>
+                <a:latin typeface="+mn-lt"/>
+                <a:ea typeface="+mn-ea"/>
+                <a:cs typeface="+mn-cs"/>
+              </a:defRPr>
+            </a:lvl4pPr>
+            <a:lvl5pPr marL="6582559" algn="l" defTabSz="3291279" rtl="0" eaLnBrk="1" latinLnBrk="0" hangingPunct="1">
+              <a:defRPr sz="6400" kern="1200">
+                <a:solidFill>
+                  <a:schemeClr val="lt1"/>
+                </a:solidFill>
+                <a:latin typeface="+mn-lt"/>
+                <a:ea typeface="+mn-ea"/>
+                <a:cs typeface="+mn-cs"/>
+              </a:defRPr>
+            </a:lvl5pPr>
+            <a:lvl6pPr marL="8228198" algn="l" defTabSz="3291279" rtl="0" eaLnBrk="1" latinLnBrk="0" hangingPunct="1">
+              <a:defRPr sz="6400" kern="1200">
+                <a:solidFill>
+                  <a:schemeClr val="lt1"/>
+                </a:solidFill>
+                <a:latin typeface="+mn-lt"/>
+                <a:ea typeface="+mn-ea"/>
+                <a:cs typeface="+mn-cs"/>
+              </a:defRPr>
+            </a:lvl6pPr>
+            <a:lvl7pPr marL="9873837" algn="l" defTabSz="3291279" rtl="0" eaLnBrk="1" latinLnBrk="0" hangingPunct="1">
+              <a:defRPr sz="6400" kern="1200">
+                <a:solidFill>
+                  <a:schemeClr val="lt1"/>
+                </a:solidFill>
+                <a:latin typeface="+mn-lt"/>
+                <a:ea typeface="+mn-ea"/>
+                <a:cs typeface="+mn-cs"/>
+              </a:defRPr>
+            </a:lvl7pPr>
+            <a:lvl8pPr marL="11519478" algn="l" defTabSz="3291279" rtl="0" eaLnBrk="1" latinLnBrk="0" hangingPunct="1">
+              <a:defRPr sz="6400" kern="1200">
+                <a:solidFill>
+                  <a:schemeClr val="lt1"/>
+                </a:solidFill>
+                <a:latin typeface="+mn-lt"/>
+                <a:ea typeface="+mn-ea"/>
+                <a:cs typeface="+mn-cs"/>
+              </a:defRPr>
+            </a:lvl8pPr>
+            <a:lvl9pPr marL="13165118" algn="l" defTabSz="3291279" rtl="0" eaLnBrk="1" latinLnBrk="0" hangingPunct="1">
+              <a:defRPr sz="6400" kern="1200">
+                <a:solidFill>
+                  <a:schemeClr val="lt1"/>
+                </a:solidFill>
+                <a:latin typeface="+mn-lt"/>
+                <a:ea typeface="+mn-ea"/>
+                <a:cs typeface="+mn-cs"/>
+              </a:defRPr>
+            </a:lvl9pPr>
+          </a:lstStyle>
+          <a:p>
+            <a:pPr algn="ctr"/>
+            <a:r>
+              <a:rPr lang="en-US" sz="1800" dirty="0" smtClean="0">
+                <a:solidFill>
+                  <a:schemeClr val="tx1"/>
+                </a:solidFill>
+              </a:rPr>
+              <a:t>KBM Training</a:t>
+            </a:r>
+            <a:endParaRPr lang="en-US" sz="1800" dirty="0">
+              <a:solidFill>
+                <a:schemeClr val="tx1"/>
+              </a:solidFill>
+            </a:endParaRPr>
+          </a:p>
+        </p:txBody>
+      </p:sp>
+      <p:sp>
+        <p:nvSpPr>
+          <p:cNvPr id="13" name="Rectangle 12"/>
+          <p:cNvSpPr/>
+          <p:nvPr/>
+        </p:nvSpPr>
+        <p:spPr>
+          <a:xfrm>
+            <a:off x="3513339" y="1004102"/>
+            <a:ext cx="1676400" cy="861807"/>
+          </a:xfrm>
+          <a:prstGeom prst="rect">
+            <a:avLst/>
+          </a:prstGeom>
+          <a:noFill/>
+          <a:ln w="12700">
+            <a:solidFill>
+              <a:schemeClr val="tx1"/>
+            </a:solidFill>
+          </a:ln>
+        </p:spPr>
+        <p:style>
+          <a:lnRef idx="2">
+            <a:schemeClr val="accent1">
+              <a:shade val="50000"/>
+            </a:schemeClr>
+          </a:lnRef>
+          <a:fillRef idx="1">
+            <a:schemeClr val="accent1"/>
+          </a:fillRef>
+          <a:effectRef idx="0">
+            <a:schemeClr val="accent1"/>
+          </a:effectRef>
+          <a:fontRef idx="minor">
+            <a:schemeClr val="lt1"/>
+          </a:fontRef>
+        </p:style>
+        <p:txBody>
+          <a:bodyPr rtlCol="0" anchor="ctr"/>
+          <a:lstStyle>
+            <a:defPPr>
+              <a:defRPr lang="en-US"/>
+            </a:defPPr>
+            <a:lvl1pPr marL="0" algn="l" defTabSz="3291279" rtl="0" eaLnBrk="1" latinLnBrk="0" hangingPunct="1">
+              <a:defRPr sz="6400" kern="1200">
+                <a:solidFill>
+                  <a:schemeClr val="lt1"/>
+                </a:solidFill>
+                <a:latin typeface="+mn-lt"/>
+                <a:ea typeface="+mn-ea"/>
+                <a:cs typeface="+mn-cs"/>
+              </a:defRPr>
+            </a:lvl1pPr>
+            <a:lvl2pPr marL="1645640" algn="l" defTabSz="3291279" rtl="0" eaLnBrk="1" latinLnBrk="0" hangingPunct="1">
+              <a:defRPr sz="6400" kern="1200">
+                <a:solidFill>
+                  <a:schemeClr val="lt1"/>
+                </a:solidFill>
+                <a:latin typeface="+mn-lt"/>
+                <a:ea typeface="+mn-ea"/>
+                <a:cs typeface="+mn-cs"/>
+              </a:defRPr>
+            </a:lvl2pPr>
+            <a:lvl3pPr marL="3291279" algn="l" defTabSz="3291279" rtl="0" eaLnBrk="1" latinLnBrk="0" hangingPunct="1">
+              <a:defRPr sz="6400" kern="1200">
+                <a:solidFill>
+                  <a:schemeClr val="lt1"/>
+                </a:solidFill>
+                <a:latin typeface="+mn-lt"/>
+                <a:ea typeface="+mn-ea"/>
+                <a:cs typeface="+mn-cs"/>
+              </a:defRPr>
+            </a:lvl3pPr>
+            <a:lvl4pPr marL="4936919" algn="l" defTabSz="3291279" rtl="0" eaLnBrk="1" latinLnBrk="0" hangingPunct="1">
+              <a:defRPr sz="6400" kern="1200">
+                <a:solidFill>
+                  <a:schemeClr val="lt1"/>
+                </a:solidFill>
+                <a:latin typeface="+mn-lt"/>
+                <a:ea typeface="+mn-ea"/>
+                <a:cs typeface="+mn-cs"/>
+              </a:defRPr>
+            </a:lvl4pPr>
+            <a:lvl5pPr marL="6582559" algn="l" defTabSz="3291279" rtl="0" eaLnBrk="1" latinLnBrk="0" hangingPunct="1">
+              <a:defRPr sz="6400" kern="1200">
+                <a:solidFill>
+                  <a:schemeClr val="lt1"/>
+                </a:solidFill>
+                <a:latin typeface="+mn-lt"/>
+                <a:ea typeface="+mn-ea"/>
+                <a:cs typeface="+mn-cs"/>
+              </a:defRPr>
+            </a:lvl5pPr>
+            <a:lvl6pPr marL="8228198" algn="l" defTabSz="3291279" rtl="0" eaLnBrk="1" latinLnBrk="0" hangingPunct="1">
+              <a:defRPr sz="6400" kern="1200">
+                <a:solidFill>
+                  <a:schemeClr val="lt1"/>
+                </a:solidFill>
+                <a:latin typeface="+mn-lt"/>
+                <a:ea typeface="+mn-ea"/>
+                <a:cs typeface="+mn-cs"/>
+              </a:defRPr>
+            </a:lvl6pPr>
+            <a:lvl7pPr marL="9873837" algn="l" defTabSz="3291279" rtl="0" eaLnBrk="1" latinLnBrk="0" hangingPunct="1">
+              <a:defRPr sz="6400" kern="1200">
+                <a:solidFill>
+                  <a:schemeClr val="lt1"/>
+                </a:solidFill>
+                <a:latin typeface="+mn-lt"/>
+                <a:ea typeface="+mn-ea"/>
+                <a:cs typeface="+mn-cs"/>
+              </a:defRPr>
+            </a:lvl7pPr>
+            <a:lvl8pPr marL="11519478" algn="l" defTabSz="3291279" rtl="0" eaLnBrk="1" latinLnBrk="0" hangingPunct="1">
+              <a:defRPr sz="6400" kern="1200">
+                <a:solidFill>
+                  <a:schemeClr val="lt1"/>
+                </a:solidFill>
+                <a:latin typeface="+mn-lt"/>
+                <a:ea typeface="+mn-ea"/>
+                <a:cs typeface="+mn-cs"/>
+              </a:defRPr>
+            </a:lvl8pPr>
+            <a:lvl9pPr marL="13165118" algn="l" defTabSz="3291279" rtl="0" eaLnBrk="1" latinLnBrk="0" hangingPunct="1">
+              <a:defRPr sz="6400" kern="1200">
+                <a:solidFill>
+                  <a:schemeClr val="lt1"/>
+                </a:solidFill>
+                <a:latin typeface="+mn-lt"/>
+                <a:ea typeface="+mn-ea"/>
+                <a:cs typeface="+mn-cs"/>
+              </a:defRPr>
+            </a:lvl9pPr>
+          </a:lstStyle>
+          <a:p>
+            <a:pPr algn="ctr"/>
+            <a:r>
+              <a:rPr lang="en-US" sz="1800" dirty="0" smtClean="0">
+                <a:solidFill>
+                  <a:schemeClr val="tx1"/>
+                </a:solidFill>
+              </a:rPr>
+              <a:t>Compute representation for all features</a:t>
+            </a:r>
+            <a:endParaRPr lang="en-US" sz="1800" dirty="0">
+              <a:solidFill>
+                <a:schemeClr val="tx1"/>
+              </a:solidFill>
+            </a:endParaRPr>
+          </a:p>
+        </p:txBody>
+      </p:sp>
+      <p:sp>
+        <p:nvSpPr>
+          <p:cNvPr id="14" name="Rectangle 13"/>
+          <p:cNvSpPr/>
+          <p:nvPr/>
+        </p:nvSpPr>
+        <p:spPr>
+          <a:xfrm>
+            <a:off x="3706874" y="2889423"/>
+            <a:ext cx="1803052" cy="861807"/>
+          </a:xfrm>
+          <a:prstGeom prst="rect">
+            <a:avLst/>
+          </a:prstGeom>
+          <a:noFill/>
+          <a:ln w="12700">
+            <a:solidFill>
+              <a:schemeClr val="tx1"/>
+            </a:solidFill>
+          </a:ln>
+        </p:spPr>
+        <p:style>
+          <a:lnRef idx="2">
+            <a:schemeClr val="accent1">
+              <a:shade val="50000"/>
+            </a:schemeClr>
+          </a:lnRef>
+          <a:fillRef idx="1">
+            <a:schemeClr val="accent1"/>
+          </a:fillRef>
+          <a:effectRef idx="0">
+            <a:schemeClr val="accent1"/>
+          </a:effectRef>
+          <a:fontRef idx="minor">
+            <a:schemeClr val="lt1"/>
+          </a:fontRef>
+        </p:style>
+        <p:txBody>
+          <a:bodyPr rtlCol="0" anchor="ctr"/>
+          <a:lstStyle>
+            <a:defPPr>
+              <a:defRPr lang="en-US"/>
+            </a:defPPr>
+            <a:lvl1pPr marL="0" algn="l" defTabSz="3291279" rtl="0" eaLnBrk="1" latinLnBrk="0" hangingPunct="1">
+              <a:defRPr sz="6400" kern="1200">
+                <a:solidFill>
+                  <a:schemeClr val="lt1"/>
+                </a:solidFill>
+                <a:latin typeface="+mn-lt"/>
+                <a:ea typeface="+mn-ea"/>
+                <a:cs typeface="+mn-cs"/>
+              </a:defRPr>
+            </a:lvl1pPr>
+            <a:lvl2pPr marL="1645640" algn="l" defTabSz="3291279" rtl="0" eaLnBrk="1" latinLnBrk="0" hangingPunct="1">
+              <a:defRPr sz="6400" kern="1200">
+                <a:solidFill>
+                  <a:schemeClr val="lt1"/>
+                </a:solidFill>
+                <a:latin typeface="+mn-lt"/>
+                <a:ea typeface="+mn-ea"/>
+                <a:cs typeface="+mn-cs"/>
+              </a:defRPr>
+            </a:lvl2pPr>
+            <a:lvl3pPr marL="3291279" algn="l" defTabSz="3291279" rtl="0" eaLnBrk="1" latinLnBrk="0" hangingPunct="1">
+              <a:defRPr sz="6400" kern="1200">
+                <a:solidFill>
+                  <a:schemeClr val="lt1"/>
+                </a:solidFill>
+                <a:latin typeface="+mn-lt"/>
+                <a:ea typeface="+mn-ea"/>
+                <a:cs typeface="+mn-cs"/>
+              </a:defRPr>
+            </a:lvl3pPr>
+            <a:lvl4pPr marL="4936919" algn="l" defTabSz="3291279" rtl="0" eaLnBrk="1" latinLnBrk="0" hangingPunct="1">
+              <a:defRPr sz="6400" kern="1200">
+                <a:solidFill>
+                  <a:schemeClr val="lt1"/>
+                </a:solidFill>
+                <a:latin typeface="+mn-lt"/>
+                <a:ea typeface="+mn-ea"/>
+                <a:cs typeface="+mn-cs"/>
+              </a:defRPr>
+            </a:lvl4pPr>
+            <a:lvl5pPr marL="6582559" algn="l" defTabSz="3291279" rtl="0" eaLnBrk="1" latinLnBrk="0" hangingPunct="1">
+              <a:defRPr sz="6400" kern="1200">
+                <a:solidFill>
+                  <a:schemeClr val="lt1"/>
+                </a:solidFill>
+                <a:latin typeface="+mn-lt"/>
+                <a:ea typeface="+mn-ea"/>
+                <a:cs typeface="+mn-cs"/>
+              </a:defRPr>
+            </a:lvl5pPr>
+            <a:lvl6pPr marL="8228198" algn="l" defTabSz="3291279" rtl="0" eaLnBrk="1" latinLnBrk="0" hangingPunct="1">
+              <a:defRPr sz="6400" kern="1200">
+                <a:solidFill>
+                  <a:schemeClr val="lt1"/>
+                </a:solidFill>
+                <a:latin typeface="+mn-lt"/>
+                <a:ea typeface="+mn-ea"/>
+                <a:cs typeface="+mn-cs"/>
+              </a:defRPr>
+            </a:lvl6pPr>
+            <a:lvl7pPr marL="9873837" algn="l" defTabSz="3291279" rtl="0" eaLnBrk="1" latinLnBrk="0" hangingPunct="1">
+              <a:defRPr sz="6400" kern="1200">
+                <a:solidFill>
+                  <a:schemeClr val="lt1"/>
+                </a:solidFill>
+                <a:latin typeface="+mn-lt"/>
+                <a:ea typeface="+mn-ea"/>
+                <a:cs typeface="+mn-cs"/>
+              </a:defRPr>
+            </a:lvl7pPr>
+            <a:lvl8pPr marL="11519478" algn="l" defTabSz="3291279" rtl="0" eaLnBrk="1" latinLnBrk="0" hangingPunct="1">
+              <a:defRPr sz="6400" kern="1200">
+                <a:solidFill>
+                  <a:schemeClr val="lt1"/>
+                </a:solidFill>
+                <a:latin typeface="+mn-lt"/>
+                <a:ea typeface="+mn-ea"/>
+                <a:cs typeface="+mn-cs"/>
+              </a:defRPr>
+            </a:lvl8pPr>
+            <a:lvl9pPr marL="13165118" algn="l" defTabSz="3291279" rtl="0" eaLnBrk="1" latinLnBrk="0" hangingPunct="1">
+              <a:defRPr sz="6400" kern="1200">
+                <a:solidFill>
+                  <a:schemeClr val="lt1"/>
+                </a:solidFill>
+                <a:latin typeface="+mn-lt"/>
+                <a:ea typeface="+mn-ea"/>
+                <a:cs typeface="+mn-cs"/>
+              </a:defRPr>
+            </a:lvl9pPr>
+          </a:lstStyle>
+          <a:p>
+            <a:pPr algn="ctr"/>
+            <a:r>
+              <a:rPr lang="en-US" sz="1800" dirty="0" smtClean="0">
+                <a:solidFill>
+                  <a:schemeClr val="tx1"/>
+                </a:solidFill>
+              </a:rPr>
+              <a:t>Compute representation for new features</a:t>
+            </a:r>
+            <a:endParaRPr lang="en-US" sz="1800" dirty="0">
+              <a:solidFill>
+                <a:schemeClr val="tx1"/>
+              </a:solidFill>
+            </a:endParaRPr>
+          </a:p>
+        </p:txBody>
+      </p:sp>
+      <p:sp>
+        <p:nvSpPr>
+          <p:cNvPr id="15" name="Rectangle 14"/>
+          <p:cNvSpPr/>
+          <p:nvPr/>
+        </p:nvSpPr>
+        <p:spPr>
+          <a:xfrm>
+            <a:off x="5836668" y="1000828"/>
+            <a:ext cx="1100831" cy="861807"/>
+          </a:xfrm>
+          <a:prstGeom prst="rect">
+            <a:avLst/>
+          </a:prstGeom>
+          <a:noFill/>
+          <a:ln w="12700">
+            <a:solidFill>
+              <a:schemeClr val="tx1"/>
+            </a:solidFill>
+          </a:ln>
+        </p:spPr>
+        <p:style>
+          <a:lnRef idx="2">
+            <a:schemeClr val="accent1">
+              <a:shade val="50000"/>
+            </a:schemeClr>
+          </a:lnRef>
+          <a:fillRef idx="1">
+            <a:schemeClr val="accent1"/>
+          </a:fillRef>
+          <a:effectRef idx="0">
+            <a:schemeClr val="accent1"/>
+          </a:effectRef>
+          <a:fontRef idx="minor">
+            <a:schemeClr val="lt1"/>
+          </a:fontRef>
+        </p:style>
+        <p:txBody>
+          <a:bodyPr rtlCol="0" anchor="ctr"/>
+          <a:lstStyle>
+            <a:defPPr>
+              <a:defRPr lang="en-US"/>
+            </a:defPPr>
+            <a:lvl1pPr marL="0" algn="l" defTabSz="3291279" rtl="0" eaLnBrk="1" latinLnBrk="0" hangingPunct="1">
+              <a:defRPr sz="6400" kern="1200">
+                <a:solidFill>
+                  <a:schemeClr val="lt1"/>
+                </a:solidFill>
+                <a:latin typeface="+mn-lt"/>
+                <a:ea typeface="+mn-ea"/>
+                <a:cs typeface="+mn-cs"/>
+              </a:defRPr>
+            </a:lvl1pPr>
+            <a:lvl2pPr marL="1645640" algn="l" defTabSz="3291279" rtl="0" eaLnBrk="1" latinLnBrk="0" hangingPunct="1">
+              <a:defRPr sz="6400" kern="1200">
+                <a:solidFill>
+                  <a:schemeClr val="lt1"/>
+                </a:solidFill>
+                <a:latin typeface="+mn-lt"/>
+                <a:ea typeface="+mn-ea"/>
+                <a:cs typeface="+mn-cs"/>
+              </a:defRPr>
+            </a:lvl2pPr>
+            <a:lvl3pPr marL="3291279" algn="l" defTabSz="3291279" rtl="0" eaLnBrk="1" latinLnBrk="0" hangingPunct="1">
+              <a:defRPr sz="6400" kern="1200">
+                <a:solidFill>
+                  <a:schemeClr val="lt1"/>
+                </a:solidFill>
+                <a:latin typeface="+mn-lt"/>
+                <a:ea typeface="+mn-ea"/>
+                <a:cs typeface="+mn-cs"/>
+              </a:defRPr>
+            </a:lvl3pPr>
+            <a:lvl4pPr marL="4936919" algn="l" defTabSz="3291279" rtl="0" eaLnBrk="1" latinLnBrk="0" hangingPunct="1">
+              <a:defRPr sz="6400" kern="1200">
+                <a:solidFill>
+                  <a:schemeClr val="lt1"/>
+                </a:solidFill>
+                <a:latin typeface="+mn-lt"/>
+                <a:ea typeface="+mn-ea"/>
+                <a:cs typeface="+mn-cs"/>
+              </a:defRPr>
+            </a:lvl4pPr>
+            <a:lvl5pPr marL="6582559" algn="l" defTabSz="3291279" rtl="0" eaLnBrk="1" latinLnBrk="0" hangingPunct="1">
+              <a:defRPr sz="6400" kern="1200">
+                <a:solidFill>
+                  <a:schemeClr val="lt1"/>
+                </a:solidFill>
+                <a:latin typeface="+mn-lt"/>
+                <a:ea typeface="+mn-ea"/>
+                <a:cs typeface="+mn-cs"/>
+              </a:defRPr>
+            </a:lvl5pPr>
+            <a:lvl6pPr marL="8228198" algn="l" defTabSz="3291279" rtl="0" eaLnBrk="1" latinLnBrk="0" hangingPunct="1">
+              <a:defRPr sz="6400" kern="1200">
+                <a:solidFill>
+                  <a:schemeClr val="lt1"/>
+                </a:solidFill>
+                <a:latin typeface="+mn-lt"/>
+                <a:ea typeface="+mn-ea"/>
+                <a:cs typeface="+mn-cs"/>
+              </a:defRPr>
+            </a:lvl6pPr>
+            <a:lvl7pPr marL="9873837" algn="l" defTabSz="3291279" rtl="0" eaLnBrk="1" latinLnBrk="0" hangingPunct="1">
+              <a:defRPr sz="6400" kern="1200">
+                <a:solidFill>
+                  <a:schemeClr val="lt1"/>
+                </a:solidFill>
+                <a:latin typeface="+mn-lt"/>
+                <a:ea typeface="+mn-ea"/>
+                <a:cs typeface="+mn-cs"/>
+              </a:defRPr>
+            </a:lvl7pPr>
+            <a:lvl8pPr marL="11519478" algn="l" defTabSz="3291279" rtl="0" eaLnBrk="1" latinLnBrk="0" hangingPunct="1">
+              <a:defRPr sz="6400" kern="1200">
+                <a:solidFill>
+                  <a:schemeClr val="lt1"/>
+                </a:solidFill>
+                <a:latin typeface="+mn-lt"/>
+                <a:ea typeface="+mn-ea"/>
+                <a:cs typeface="+mn-cs"/>
+              </a:defRPr>
+            </a:lvl8pPr>
+            <a:lvl9pPr marL="13165118" algn="l" defTabSz="3291279" rtl="0" eaLnBrk="1" latinLnBrk="0" hangingPunct="1">
+              <a:defRPr sz="6400" kern="1200">
+                <a:solidFill>
+                  <a:schemeClr val="lt1"/>
+                </a:solidFill>
+                <a:latin typeface="+mn-lt"/>
+                <a:ea typeface="+mn-ea"/>
+                <a:cs typeface="+mn-cs"/>
+              </a:defRPr>
+            </a:lvl9pPr>
+          </a:lstStyle>
+          <a:p>
+            <a:pPr algn="ctr"/>
+            <a:r>
+              <a:rPr lang="en-US" sz="1800" dirty="0" smtClean="0">
+                <a:solidFill>
+                  <a:schemeClr val="tx1"/>
+                </a:solidFill>
+              </a:rPr>
+              <a:t>Offline clustering</a:t>
+            </a:r>
+            <a:endParaRPr lang="en-US" sz="1800" dirty="0">
+              <a:solidFill>
+                <a:schemeClr val="tx1"/>
+              </a:solidFill>
+            </a:endParaRPr>
+          </a:p>
+        </p:txBody>
+      </p:sp>
+      <p:sp>
+        <p:nvSpPr>
+          <p:cNvPr id="16" name="Rectangle 15"/>
+          <p:cNvSpPr/>
+          <p:nvPr/>
+        </p:nvSpPr>
+        <p:spPr>
+          <a:xfrm>
+            <a:off x="5929550" y="2886084"/>
+            <a:ext cx="1100831" cy="861807"/>
+          </a:xfrm>
+          <a:prstGeom prst="rect">
+            <a:avLst/>
+          </a:prstGeom>
+          <a:noFill/>
+          <a:ln w="12700">
+            <a:solidFill>
+              <a:schemeClr val="tx1"/>
+            </a:solidFill>
+          </a:ln>
+        </p:spPr>
+        <p:style>
+          <a:lnRef idx="2">
+            <a:schemeClr val="accent1">
+              <a:shade val="50000"/>
+            </a:schemeClr>
+          </a:lnRef>
+          <a:fillRef idx="1">
+            <a:schemeClr val="accent1"/>
+          </a:fillRef>
+          <a:effectRef idx="0">
+            <a:schemeClr val="accent1"/>
+          </a:effectRef>
+          <a:fontRef idx="minor">
+            <a:schemeClr val="lt1"/>
+          </a:fontRef>
+        </p:style>
+        <p:txBody>
+          <a:bodyPr rtlCol="0" anchor="ctr"/>
+          <a:lstStyle>
+            <a:defPPr>
+              <a:defRPr lang="en-US"/>
+            </a:defPPr>
+            <a:lvl1pPr marL="0" algn="l" defTabSz="3291279" rtl="0" eaLnBrk="1" latinLnBrk="0" hangingPunct="1">
+              <a:defRPr sz="6400" kern="1200">
+                <a:solidFill>
+                  <a:schemeClr val="lt1"/>
+                </a:solidFill>
+                <a:latin typeface="+mn-lt"/>
+                <a:ea typeface="+mn-ea"/>
+                <a:cs typeface="+mn-cs"/>
+              </a:defRPr>
+            </a:lvl1pPr>
+            <a:lvl2pPr marL="1645640" algn="l" defTabSz="3291279" rtl="0" eaLnBrk="1" latinLnBrk="0" hangingPunct="1">
+              <a:defRPr sz="6400" kern="1200">
+                <a:solidFill>
+                  <a:schemeClr val="lt1"/>
+                </a:solidFill>
+                <a:latin typeface="+mn-lt"/>
+                <a:ea typeface="+mn-ea"/>
+                <a:cs typeface="+mn-cs"/>
+              </a:defRPr>
+            </a:lvl2pPr>
+            <a:lvl3pPr marL="3291279" algn="l" defTabSz="3291279" rtl="0" eaLnBrk="1" latinLnBrk="0" hangingPunct="1">
+              <a:defRPr sz="6400" kern="1200">
+                <a:solidFill>
+                  <a:schemeClr val="lt1"/>
+                </a:solidFill>
+                <a:latin typeface="+mn-lt"/>
+                <a:ea typeface="+mn-ea"/>
+                <a:cs typeface="+mn-cs"/>
+              </a:defRPr>
+            </a:lvl3pPr>
+            <a:lvl4pPr marL="4936919" algn="l" defTabSz="3291279" rtl="0" eaLnBrk="1" latinLnBrk="0" hangingPunct="1">
+              <a:defRPr sz="6400" kern="1200">
+                <a:solidFill>
+                  <a:schemeClr val="lt1"/>
+                </a:solidFill>
+                <a:latin typeface="+mn-lt"/>
+                <a:ea typeface="+mn-ea"/>
+                <a:cs typeface="+mn-cs"/>
+              </a:defRPr>
+            </a:lvl4pPr>
+            <a:lvl5pPr marL="6582559" algn="l" defTabSz="3291279" rtl="0" eaLnBrk="1" latinLnBrk="0" hangingPunct="1">
+              <a:defRPr sz="6400" kern="1200">
+                <a:solidFill>
+                  <a:schemeClr val="lt1"/>
+                </a:solidFill>
+                <a:latin typeface="+mn-lt"/>
+                <a:ea typeface="+mn-ea"/>
+                <a:cs typeface="+mn-cs"/>
+              </a:defRPr>
+            </a:lvl5pPr>
+            <a:lvl6pPr marL="8228198" algn="l" defTabSz="3291279" rtl="0" eaLnBrk="1" latinLnBrk="0" hangingPunct="1">
+              <a:defRPr sz="6400" kern="1200">
+                <a:solidFill>
+                  <a:schemeClr val="lt1"/>
+                </a:solidFill>
+                <a:latin typeface="+mn-lt"/>
+                <a:ea typeface="+mn-ea"/>
+                <a:cs typeface="+mn-cs"/>
+              </a:defRPr>
+            </a:lvl6pPr>
+            <a:lvl7pPr marL="9873837" algn="l" defTabSz="3291279" rtl="0" eaLnBrk="1" latinLnBrk="0" hangingPunct="1">
+              <a:defRPr sz="6400" kern="1200">
+                <a:solidFill>
+                  <a:schemeClr val="lt1"/>
+                </a:solidFill>
+                <a:latin typeface="+mn-lt"/>
+                <a:ea typeface="+mn-ea"/>
+                <a:cs typeface="+mn-cs"/>
+              </a:defRPr>
+            </a:lvl7pPr>
+            <a:lvl8pPr marL="11519478" algn="l" defTabSz="3291279" rtl="0" eaLnBrk="1" latinLnBrk="0" hangingPunct="1">
+              <a:defRPr sz="6400" kern="1200">
+                <a:solidFill>
+                  <a:schemeClr val="lt1"/>
+                </a:solidFill>
+                <a:latin typeface="+mn-lt"/>
+                <a:ea typeface="+mn-ea"/>
+                <a:cs typeface="+mn-cs"/>
+              </a:defRPr>
+            </a:lvl8pPr>
+            <a:lvl9pPr marL="13165118" algn="l" defTabSz="3291279" rtl="0" eaLnBrk="1" latinLnBrk="0" hangingPunct="1">
+              <a:defRPr sz="6400" kern="1200">
+                <a:solidFill>
+                  <a:schemeClr val="lt1"/>
+                </a:solidFill>
+                <a:latin typeface="+mn-lt"/>
+                <a:ea typeface="+mn-ea"/>
+                <a:cs typeface="+mn-cs"/>
+              </a:defRPr>
+            </a:lvl9pPr>
+          </a:lstStyle>
+          <a:p>
+            <a:pPr algn="ctr"/>
+            <a:r>
+              <a:rPr lang="en-US" sz="1800" dirty="0" smtClean="0">
+                <a:solidFill>
+                  <a:schemeClr val="tx1"/>
+                </a:solidFill>
+              </a:rPr>
+              <a:t>Online clustering</a:t>
+            </a:r>
+            <a:endParaRPr lang="en-US" sz="1800" dirty="0">
+              <a:solidFill>
+                <a:schemeClr val="tx1"/>
+              </a:solidFill>
+            </a:endParaRPr>
+          </a:p>
+        </p:txBody>
+      </p:sp>
+      <p:sp>
+        <p:nvSpPr>
+          <p:cNvPr id="17" name="Rectangle 16"/>
+          <p:cNvSpPr/>
+          <p:nvPr/>
+        </p:nvSpPr>
+        <p:spPr>
+          <a:xfrm>
+            <a:off x="7331921" y="2152606"/>
+            <a:ext cx="914400" cy="596547"/>
+          </a:xfrm>
+          <a:prstGeom prst="rect">
+            <a:avLst/>
+          </a:prstGeom>
+          <a:noFill/>
+          <a:ln w="12700">
+            <a:solidFill>
+              <a:schemeClr val="tx1"/>
+            </a:solidFill>
+          </a:ln>
+        </p:spPr>
+        <p:style>
+          <a:lnRef idx="2">
+            <a:schemeClr val="accent1">
+              <a:shade val="50000"/>
+            </a:schemeClr>
+          </a:lnRef>
+          <a:fillRef idx="1">
+            <a:schemeClr val="accent1"/>
+          </a:fillRef>
+          <a:effectRef idx="0">
+            <a:schemeClr val="accent1"/>
+          </a:effectRef>
+          <a:fontRef idx="minor">
+            <a:schemeClr val="lt1"/>
+          </a:fontRef>
+        </p:style>
+        <p:txBody>
+          <a:bodyPr rtlCol="0" anchor="ctr"/>
+          <a:lstStyle>
+            <a:defPPr>
+              <a:defRPr lang="en-US"/>
+            </a:defPPr>
+            <a:lvl1pPr marL="0" algn="l" defTabSz="3291279" rtl="0" eaLnBrk="1" latinLnBrk="0" hangingPunct="1">
+              <a:defRPr sz="6400" kern="1200">
+                <a:solidFill>
+                  <a:schemeClr val="lt1"/>
+                </a:solidFill>
+                <a:latin typeface="+mn-lt"/>
+                <a:ea typeface="+mn-ea"/>
+                <a:cs typeface="+mn-cs"/>
+              </a:defRPr>
+            </a:lvl1pPr>
+            <a:lvl2pPr marL="1645640" algn="l" defTabSz="3291279" rtl="0" eaLnBrk="1" latinLnBrk="0" hangingPunct="1">
+              <a:defRPr sz="6400" kern="1200">
+                <a:solidFill>
+                  <a:schemeClr val="lt1"/>
+                </a:solidFill>
+                <a:latin typeface="+mn-lt"/>
+                <a:ea typeface="+mn-ea"/>
+                <a:cs typeface="+mn-cs"/>
+              </a:defRPr>
+            </a:lvl2pPr>
+            <a:lvl3pPr marL="3291279" algn="l" defTabSz="3291279" rtl="0" eaLnBrk="1" latinLnBrk="0" hangingPunct="1">
+              <a:defRPr sz="6400" kern="1200">
+                <a:solidFill>
+                  <a:schemeClr val="lt1"/>
+                </a:solidFill>
+                <a:latin typeface="+mn-lt"/>
+                <a:ea typeface="+mn-ea"/>
+                <a:cs typeface="+mn-cs"/>
+              </a:defRPr>
+            </a:lvl3pPr>
+            <a:lvl4pPr marL="4936919" algn="l" defTabSz="3291279" rtl="0" eaLnBrk="1" latinLnBrk="0" hangingPunct="1">
+              <a:defRPr sz="6400" kern="1200">
+                <a:solidFill>
+                  <a:schemeClr val="lt1"/>
+                </a:solidFill>
+                <a:latin typeface="+mn-lt"/>
+                <a:ea typeface="+mn-ea"/>
+                <a:cs typeface="+mn-cs"/>
+              </a:defRPr>
+            </a:lvl4pPr>
+            <a:lvl5pPr marL="6582559" algn="l" defTabSz="3291279" rtl="0" eaLnBrk="1" latinLnBrk="0" hangingPunct="1">
+              <a:defRPr sz="6400" kern="1200">
+                <a:solidFill>
+                  <a:schemeClr val="lt1"/>
+                </a:solidFill>
+                <a:latin typeface="+mn-lt"/>
+                <a:ea typeface="+mn-ea"/>
+                <a:cs typeface="+mn-cs"/>
+              </a:defRPr>
+            </a:lvl5pPr>
+            <a:lvl6pPr marL="8228198" algn="l" defTabSz="3291279" rtl="0" eaLnBrk="1" latinLnBrk="0" hangingPunct="1">
+              <a:defRPr sz="6400" kern="1200">
+                <a:solidFill>
+                  <a:schemeClr val="lt1"/>
+                </a:solidFill>
+                <a:latin typeface="+mn-lt"/>
+                <a:ea typeface="+mn-ea"/>
+                <a:cs typeface="+mn-cs"/>
+              </a:defRPr>
+            </a:lvl6pPr>
+            <a:lvl7pPr marL="9873837" algn="l" defTabSz="3291279" rtl="0" eaLnBrk="1" latinLnBrk="0" hangingPunct="1">
+              <a:defRPr sz="6400" kern="1200">
+                <a:solidFill>
+                  <a:schemeClr val="lt1"/>
+                </a:solidFill>
+                <a:latin typeface="+mn-lt"/>
+                <a:ea typeface="+mn-ea"/>
+                <a:cs typeface="+mn-cs"/>
+              </a:defRPr>
+            </a:lvl7pPr>
+            <a:lvl8pPr marL="11519478" algn="l" defTabSz="3291279" rtl="0" eaLnBrk="1" latinLnBrk="0" hangingPunct="1">
+              <a:defRPr sz="6400" kern="1200">
+                <a:solidFill>
+                  <a:schemeClr val="lt1"/>
+                </a:solidFill>
+                <a:latin typeface="+mn-lt"/>
+                <a:ea typeface="+mn-ea"/>
+                <a:cs typeface="+mn-cs"/>
+              </a:defRPr>
+            </a:lvl8pPr>
+            <a:lvl9pPr marL="13165118" algn="l" defTabSz="3291279" rtl="0" eaLnBrk="1" latinLnBrk="0" hangingPunct="1">
+              <a:defRPr sz="6400" kern="1200">
+                <a:solidFill>
+                  <a:schemeClr val="lt1"/>
+                </a:solidFill>
+                <a:latin typeface="+mn-lt"/>
+                <a:ea typeface="+mn-ea"/>
+                <a:cs typeface="+mn-cs"/>
+              </a:defRPr>
+            </a:lvl9pPr>
+          </a:lstStyle>
+          <a:p>
+            <a:pPr algn="ctr"/>
+            <a:r>
+              <a:rPr lang="en-US" sz="1800" dirty="0" smtClean="0">
+                <a:solidFill>
+                  <a:schemeClr val="tx1"/>
+                </a:solidFill>
+              </a:rPr>
+              <a:t>Results</a:t>
+            </a:r>
+            <a:endParaRPr lang="en-US" sz="1800" dirty="0">
+              <a:solidFill>
+                <a:schemeClr val="tx1"/>
+              </a:solidFill>
+            </a:endParaRPr>
+          </a:p>
+        </p:txBody>
+      </p:sp>
+      <p:cxnSp>
+        <p:nvCxnSpPr>
+          <p:cNvPr id="18" name="Straight Arrow Connector 17"/>
+          <p:cNvCxnSpPr>
+            <a:cxnSpLocks/>
+            <a:stCxn id="12" idx="3"/>
+            <a:endCxn id="13" idx="1"/>
+          </p:cNvCxnSpPr>
+          <p:nvPr/>
+        </p:nvCxnSpPr>
+        <p:spPr>
+          <a:xfrm>
+            <a:off x="2904948" y="1431732"/>
+            <a:ext cx="608391" cy="3274"/>
+          </a:xfrm>
+          <a:prstGeom prst="straightConnector1">
+            <a:avLst/>
+          </a:prstGeom>
+          <a:ln w="12700">
+            <a:solidFill>
+              <a:schemeClr val="tx1"/>
+            </a:solidFill>
+            <a:tailEnd type="arrow"/>
+          </a:ln>
+        </p:spPr>
+        <p:style>
+          <a:lnRef idx="1">
+            <a:schemeClr val="accent1"/>
+          </a:lnRef>
+          <a:fillRef idx="0">
+            <a:schemeClr val="accent1"/>
+          </a:fillRef>
+          <a:effectRef idx="0">
+            <a:schemeClr val="accent1"/>
+          </a:effectRef>
+          <a:fontRef idx="minor">
+            <a:schemeClr val="tx1"/>
+          </a:fontRef>
+        </p:style>
+      </p:cxnSp>
+      <p:cxnSp>
+        <p:nvCxnSpPr>
+          <p:cNvPr id="21" name="Straight Arrow Connector 20"/>
+          <p:cNvCxnSpPr>
+            <a:cxnSpLocks/>
+            <a:stCxn id="9" idx="0"/>
+            <a:endCxn id="12" idx="2"/>
+          </p:cNvCxnSpPr>
+          <p:nvPr/>
+        </p:nvCxnSpPr>
+        <p:spPr>
+          <a:xfrm flipH="1" flipV="1">
+            <a:off x="2398921" y="1862635"/>
+            <a:ext cx="3970" cy="1023449"/>
+          </a:xfrm>
+          <a:prstGeom prst="straightConnector1">
+            <a:avLst/>
+          </a:prstGeom>
+          <a:ln w="12700">
+            <a:solidFill>
+              <a:schemeClr val="tx1"/>
+            </a:solidFill>
+            <a:tailEnd type="arrow"/>
+          </a:ln>
+        </p:spPr>
+        <p:style>
+          <a:lnRef idx="1">
+            <a:schemeClr val="accent1"/>
+          </a:lnRef>
+          <a:fillRef idx="0">
+            <a:schemeClr val="accent1"/>
+          </a:fillRef>
+          <a:effectRef idx="0">
+            <a:schemeClr val="accent1"/>
+          </a:effectRef>
+          <a:fontRef idx="minor">
+            <a:schemeClr val="tx1"/>
+          </a:fontRef>
+        </p:style>
+      </p:cxnSp>
+      <p:cxnSp>
+        <p:nvCxnSpPr>
+          <p:cNvPr id="24" name="Straight Arrow Connector 23"/>
+          <p:cNvCxnSpPr>
+            <a:cxnSpLocks/>
+            <a:stCxn id="13" idx="3"/>
+            <a:endCxn id="15" idx="1"/>
+          </p:cNvCxnSpPr>
+          <p:nvPr/>
+        </p:nvCxnSpPr>
+        <p:spPr>
+          <a:xfrm flipV="1">
+            <a:off x="5189739" y="1431732"/>
+            <a:ext cx="646929" cy="3274"/>
+          </a:xfrm>
+          <a:prstGeom prst="straightConnector1">
+            <a:avLst/>
+          </a:prstGeom>
+          <a:ln w="12700">
+            <a:solidFill>
+              <a:schemeClr val="tx1"/>
+            </a:solidFill>
+            <a:tailEnd type="arrow"/>
+          </a:ln>
+        </p:spPr>
+        <p:style>
+          <a:lnRef idx="1">
+            <a:schemeClr val="accent1"/>
+          </a:lnRef>
+          <a:fillRef idx="0">
+            <a:schemeClr val="accent1"/>
+          </a:fillRef>
+          <a:effectRef idx="0">
+            <a:schemeClr val="accent1"/>
+          </a:effectRef>
+          <a:fontRef idx="minor">
+            <a:schemeClr val="tx1"/>
+          </a:fontRef>
+        </p:style>
+      </p:cxnSp>
+      <p:cxnSp>
+        <p:nvCxnSpPr>
+          <p:cNvPr id="28" name="Straight Arrow Connector 27"/>
+          <p:cNvCxnSpPr>
+            <a:cxnSpLocks/>
+            <a:stCxn id="15" idx="3"/>
+            <a:endCxn id="17" idx="0"/>
+          </p:cNvCxnSpPr>
+          <p:nvPr/>
+        </p:nvCxnSpPr>
+        <p:spPr>
+          <a:xfrm>
+            <a:off x="6937499" y="1431732"/>
+            <a:ext cx="851622" cy="720874"/>
+          </a:xfrm>
+          <a:prstGeom prst="straightConnector1">
+            <a:avLst/>
+          </a:prstGeom>
+          <a:ln w="12700">
+            <a:solidFill>
+              <a:schemeClr val="tx1"/>
+            </a:solidFill>
+            <a:tailEnd type="arrow"/>
+          </a:ln>
+        </p:spPr>
+        <p:style>
+          <a:lnRef idx="1">
+            <a:schemeClr val="accent1"/>
+          </a:lnRef>
+          <a:fillRef idx="0">
+            <a:schemeClr val="accent1"/>
+          </a:fillRef>
+          <a:effectRef idx="0">
+            <a:schemeClr val="accent1"/>
+          </a:effectRef>
+          <a:fontRef idx="minor">
+            <a:schemeClr val="tx1"/>
+          </a:fontRef>
+        </p:style>
+      </p:cxnSp>
+      <p:cxnSp>
+        <p:nvCxnSpPr>
+          <p:cNvPr id="32" name="Straight Arrow Connector 31"/>
+          <p:cNvCxnSpPr>
+            <a:cxnSpLocks/>
+            <a:stCxn id="14" idx="3"/>
+            <a:endCxn id="16" idx="1"/>
+          </p:cNvCxnSpPr>
+          <p:nvPr/>
+        </p:nvCxnSpPr>
+        <p:spPr>
+          <a:xfrm flipV="1">
+            <a:off x="5509926" y="3316988"/>
+            <a:ext cx="419624" cy="3339"/>
+          </a:xfrm>
+          <a:prstGeom prst="straightConnector1">
+            <a:avLst/>
+          </a:prstGeom>
+          <a:ln w="12700">
+            <a:solidFill>
+              <a:schemeClr val="tx1"/>
+            </a:solidFill>
+            <a:tailEnd type="arrow"/>
+          </a:ln>
+        </p:spPr>
+        <p:style>
+          <a:lnRef idx="1">
+            <a:schemeClr val="accent1"/>
+          </a:lnRef>
+          <a:fillRef idx="0">
+            <a:schemeClr val="accent1"/>
+          </a:fillRef>
+          <a:effectRef idx="0">
+            <a:schemeClr val="accent1"/>
+          </a:effectRef>
+          <a:fontRef idx="minor">
+            <a:schemeClr val="tx1"/>
+          </a:fontRef>
+        </p:style>
+      </p:cxnSp>
+      <p:cxnSp>
+        <p:nvCxnSpPr>
+          <p:cNvPr id="35" name="Straight Arrow Connector 34"/>
+          <p:cNvCxnSpPr>
+            <a:cxnSpLocks/>
+            <a:stCxn id="9" idx="3"/>
+            <a:endCxn id="14" idx="1"/>
+          </p:cNvCxnSpPr>
+          <p:nvPr/>
+        </p:nvCxnSpPr>
+        <p:spPr>
+          <a:xfrm>
+            <a:off x="2971801" y="3316988"/>
+            <a:ext cx="735073" cy="3339"/>
+          </a:xfrm>
+          <a:prstGeom prst="straightConnector1">
+            <a:avLst/>
+          </a:prstGeom>
+          <a:ln w="12700">
+            <a:solidFill>
+              <a:schemeClr val="tx1"/>
+            </a:solidFill>
+            <a:tailEnd type="arrow"/>
+          </a:ln>
+        </p:spPr>
+        <p:style>
+          <a:lnRef idx="1">
+            <a:schemeClr val="accent1"/>
+          </a:lnRef>
+          <a:fillRef idx="0">
+            <a:schemeClr val="accent1"/>
+          </a:fillRef>
+          <a:effectRef idx="0">
+            <a:schemeClr val="accent1"/>
+          </a:effectRef>
+          <a:fontRef idx="minor">
+            <a:schemeClr val="tx1"/>
+          </a:fontRef>
+        </p:style>
+      </p:cxnSp>
+      <p:cxnSp>
+        <p:nvCxnSpPr>
+          <p:cNvPr id="38" name="Straight Arrow Connector 37"/>
+          <p:cNvCxnSpPr>
+            <a:cxnSpLocks/>
+            <a:stCxn id="16" idx="3"/>
+            <a:endCxn id="17" idx="2"/>
+          </p:cNvCxnSpPr>
+          <p:nvPr/>
+        </p:nvCxnSpPr>
+        <p:spPr>
+          <a:xfrm flipV="1">
+            <a:off x="7030381" y="2749153"/>
+            <a:ext cx="758740" cy="567835"/>
+          </a:xfrm>
+          <a:prstGeom prst="straightConnector1">
+            <a:avLst/>
+          </a:prstGeom>
+          <a:ln w="12700">
+            <a:solidFill>
+              <a:schemeClr val="tx1"/>
+            </a:solidFill>
+            <a:tailEnd type="arrow"/>
+          </a:ln>
+        </p:spPr>
+        <p:style>
+          <a:lnRef idx="1">
+            <a:schemeClr val="accent1"/>
+          </a:lnRef>
+          <a:fillRef idx="0">
+            <a:schemeClr val="accent1"/>
+          </a:fillRef>
+          <a:effectRef idx="0">
+            <a:schemeClr val="accent1"/>
+          </a:effectRef>
+          <a:fontRef idx="minor">
+            <a:schemeClr val="tx1"/>
+          </a:fontRef>
+        </p:style>
+      </p:cxnSp>
+      <p:cxnSp>
+        <p:nvCxnSpPr>
+          <p:cNvPr id="41" name="Straight Arrow Connector 40"/>
+          <p:cNvCxnSpPr>
+            <a:cxnSpLocks/>
+          </p:cNvCxnSpPr>
+          <p:nvPr/>
+        </p:nvCxnSpPr>
+        <p:spPr>
+          <a:xfrm>
+            <a:off x="2884796" y="1841444"/>
+            <a:ext cx="849005" cy="1075405"/>
+          </a:xfrm>
+          <a:prstGeom prst="straightConnector1">
+            <a:avLst/>
+          </a:prstGeom>
+          <a:ln w="12700">
+            <a:solidFill>
+              <a:schemeClr val="tx1"/>
+            </a:solidFill>
+            <a:tailEnd type="arrow"/>
+          </a:ln>
+        </p:spPr>
+        <p:style>
+          <a:lnRef idx="1">
+            <a:schemeClr val="accent1"/>
+          </a:lnRef>
+          <a:fillRef idx="0">
+            <a:schemeClr val="accent1"/>
+          </a:fillRef>
+          <a:effectRef idx="0">
+            <a:schemeClr val="accent1"/>
+          </a:effectRef>
+          <a:fontRef idx="minor">
+            <a:schemeClr val="tx1"/>
+          </a:fontRef>
+        </p:style>
+      </p:cxnSp>
+      <p:sp>
+        <p:nvSpPr>
+          <p:cNvPr id="52" name="TextBox 51"/>
+          <p:cNvSpPr txBox="1"/>
+          <p:nvPr/>
+        </p:nvSpPr>
+        <p:spPr>
+          <a:xfrm>
+            <a:off x="2722856" y="648389"/>
+            <a:ext cx="1259890" cy="369332"/>
+          </a:xfrm>
+          <a:prstGeom prst="rect">
+            <a:avLst/>
+          </a:prstGeom>
+          <a:noFill/>
+        </p:spPr>
+        <p:txBody>
+          <a:bodyPr wrap="square" rtlCol="0">
+            <a:spAutoFit/>
+          </a:bodyPr>
+          <a:lstStyle/>
+          <a:p>
+            <a:r>
+              <a:rPr lang="en-US" i="1" dirty="0" smtClean="0">
+                <a:solidFill>
+                  <a:schemeClr val="accent6">
+                    <a:lumMod val="75000"/>
+                  </a:schemeClr>
+                </a:solidFill>
+              </a:rPr>
+              <a:t>Thread 1 </a:t>
+            </a:r>
+            <a:endParaRPr lang="en-US" i="1" dirty="0">
+              <a:solidFill>
+                <a:schemeClr val="accent6">
+                  <a:lumMod val="75000"/>
+                </a:schemeClr>
+              </a:solidFill>
+            </a:endParaRPr>
+          </a:p>
+        </p:txBody>
+      </p:sp>
+      <p:sp>
+        <p:nvSpPr>
+          <p:cNvPr id="53" name="TextBox 52"/>
+          <p:cNvSpPr txBox="1"/>
+          <p:nvPr/>
+        </p:nvSpPr>
+        <p:spPr>
+          <a:xfrm>
+            <a:off x="5850020" y="605505"/>
+            <a:ext cx="1259890" cy="369332"/>
+          </a:xfrm>
+          <a:prstGeom prst="rect">
+            <a:avLst/>
+          </a:prstGeom>
+          <a:noFill/>
+        </p:spPr>
+        <p:txBody>
+          <a:bodyPr wrap="square" rtlCol="0">
+            <a:spAutoFit/>
+          </a:bodyPr>
+          <a:lstStyle/>
+          <a:p>
+            <a:r>
+              <a:rPr lang="en-US" i="1" dirty="0">
+                <a:solidFill>
+                  <a:schemeClr val="accent6">
+                    <a:lumMod val="75000"/>
+                  </a:schemeClr>
+                </a:solidFill>
+              </a:rPr>
+              <a:t>Thread 2 </a:t>
+            </a:r>
+          </a:p>
+        </p:txBody>
+      </p:sp>
+      <p:sp>
+        <p:nvSpPr>
+          <p:cNvPr id="3" name="Slide Number Placeholder 2"/>
+          <p:cNvSpPr>
+            <a:spLocks noGrp="1"/>
+          </p:cNvSpPr>
+          <p:nvPr>
+            <p:ph type="sldNum" sz="quarter" idx="12"/>
+          </p:nvPr>
+        </p:nvSpPr>
+        <p:spPr/>
+        <p:txBody>
+          <a:bodyPr/>
+          <a:lstStyle/>
+          <a:p>
+            <a:fld id="{0E0E5D40-17DD-4190-869C-D3EB7431A77E}" type="slidenum">
+              <a:rPr lang="en-US" smtClean="0"/>
+              <a:t>13</a:t>
+            </a:fld>
+            <a:endParaRPr lang="en-US"/>
+          </a:p>
+        </p:txBody>
+      </p:sp>
+      <p:sp>
+        <p:nvSpPr>
+          <p:cNvPr id="5" name="Footer Placeholder 4"/>
+          <p:cNvSpPr>
+            <a:spLocks noGrp="1"/>
+          </p:cNvSpPr>
+          <p:nvPr>
+            <p:ph type="ftr" sz="quarter" idx="11"/>
+          </p:nvPr>
+        </p:nvSpPr>
+        <p:spPr/>
+        <p:txBody>
+          <a:bodyPr/>
+          <a:lstStyle/>
+          <a:p>
+            <a:endParaRPr lang="en-US"/>
+          </a:p>
+        </p:txBody>
+      </p:sp>
+      <p:sp>
+        <p:nvSpPr>
+          <p:cNvPr id="19" name="文本框 18"/>
+          <p:cNvSpPr txBox="1"/>
+          <p:nvPr/>
+        </p:nvSpPr>
+        <p:spPr>
+          <a:xfrm>
+            <a:off x="1575386" y="2227088"/>
+            <a:ext cx="1190597" cy="369332"/>
+          </a:xfrm>
+          <a:prstGeom prst="rect">
+            <a:avLst/>
+          </a:prstGeom>
+          <a:noFill/>
+        </p:spPr>
+        <p:txBody>
+          <a:bodyPr wrap="square" rtlCol="0">
+            <a:spAutoFit/>
+          </a:bodyPr>
+          <a:lstStyle/>
+          <a:p>
+            <a:r>
+              <a:rPr lang="en-US" altLang="zh-CN" dirty="0" smtClean="0"/>
+              <a:t>MFCCs</a:t>
+            </a:r>
+            <a:endParaRPr lang="zh-CN" altLang="en-US" dirty="0"/>
+          </a:p>
+        </p:txBody>
+      </p:sp>
+      <p:sp>
+        <p:nvSpPr>
+          <p:cNvPr id="33" name="文本框 32"/>
+          <p:cNvSpPr txBox="1"/>
+          <p:nvPr/>
+        </p:nvSpPr>
+        <p:spPr>
+          <a:xfrm>
+            <a:off x="2906209" y="2983911"/>
+            <a:ext cx="979992" cy="646331"/>
+          </a:xfrm>
+          <a:prstGeom prst="rect">
+            <a:avLst/>
+          </a:prstGeom>
+          <a:noFill/>
+        </p:spPr>
+        <p:txBody>
+          <a:bodyPr wrap="square" rtlCol="0">
+            <a:spAutoFit/>
+          </a:bodyPr>
+          <a:lstStyle/>
+          <a:p>
+            <a:r>
+              <a:rPr lang="en-US" altLang="zh-CN" dirty="0" smtClean="0"/>
+              <a:t>New</a:t>
+            </a:r>
+          </a:p>
+          <a:p>
+            <a:r>
+              <a:rPr lang="en-US" altLang="zh-CN" dirty="0" smtClean="0"/>
+              <a:t>MFCCs</a:t>
+            </a:r>
+            <a:endParaRPr lang="zh-CN" altLang="en-US" dirty="0"/>
+          </a:p>
+        </p:txBody>
+      </p:sp>
+      <p:sp>
+        <p:nvSpPr>
+          <p:cNvPr id="49" name="文本框 48"/>
+          <p:cNvSpPr txBox="1"/>
+          <p:nvPr/>
+        </p:nvSpPr>
+        <p:spPr>
+          <a:xfrm>
+            <a:off x="3339337" y="2194480"/>
+            <a:ext cx="979992" cy="369332"/>
+          </a:xfrm>
+          <a:prstGeom prst="rect">
+            <a:avLst/>
+          </a:prstGeom>
+          <a:noFill/>
+        </p:spPr>
+        <p:txBody>
+          <a:bodyPr wrap="square" rtlCol="0">
+            <a:spAutoFit/>
+          </a:bodyPr>
+          <a:lstStyle/>
+          <a:p>
+            <a:r>
+              <a:rPr lang="en-US" altLang="zh-CN" dirty="0" smtClean="0"/>
+              <a:t>KBM</a:t>
+            </a:r>
+            <a:endParaRPr lang="zh-CN" altLang="en-US" dirty="0"/>
+          </a:p>
+        </p:txBody>
+      </p:sp>
+      <p:sp>
+        <p:nvSpPr>
+          <p:cNvPr id="50" name="文本框 49"/>
+          <p:cNvSpPr txBox="1"/>
+          <p:nvPr/>
+        </p:nvSpPr>
+        <p:spPr>
+          <a:xfrm>
+            <a:off x="2922707" y="1118677"/>
+            <a:ext cx="979992" cy="369332"/>
+          </a:xfrm>
+          <a:prstGeom prst="rect">
+            <a:avLst/>
+          </a:prstGeom>
+          <a:noFill/>
+        </p:spPr>
+        <p:txBody>
+          <a:bodyPr wrap="square" rtlCol="0">
+            <a:spAutoFit/>
+          </a:bodyPr>
+          <a:lstStyle/>
+          <a:p>
+            <a:r>
+              <a:rPr lang="en-US" altLang="zh-CN" dirty="0" smtClean="0"/>
+              <a:t>KBM</a:t>
+            </a:r>
+            <a:endParaRPr lang="zh-CN" altLang="en-US" dirty="0"/>
+          </a:p>
+        </p:txBody>
+      </p:sp>
+      <p:sp>
+        <p:nvSpPr>
+          <p:cNvPr id="57" name="文本框 56"/>
+          <p:cNvSpPr txBox="1"/>
+          <p:nvPr/>
+        </p:nvSpPr>
+        <p:spPr>
+          <a:xfrm>
+            <a:off x="5226529" y="1065944"/>
+            <a:ext cx="979992" cy="369332"/>
+          </a:xfrm>
+          <a:prstGeom prst="rect">
+            <a:avLst/>
+          </a:prstGeom>
+          <a:noFill/>
+        </p:spPr>
+        <p:txBody>
+          <a:bodyPr wrap="square" rtlCol="0">
+            <a:spAutoFit/>
+          </a:bodyPr>
+          <a:lstStyle/>
+          <a:p>
+            <a:r>
+              <a:rPr lang="en-US" altLang="zh-CN" dirty="0" smtClean="0"/>
+              <a:t>CVs</a:t>
+            </a:r>
+            <a:endParaRPr lang="zh-CN" altLang="en-US" dirty="0"/>
+          </a:p>
+        </p:txBody>
+      </p:sp>
+      <p:sp>
+        <p:nvSpPr>
+          <p:cNvPr id="58" name="文本框 57"/>
+          <p:cNvSpPr txBox="1"/>
+          <p:nvPr/>
+        </p:nvSpPr>
+        <p:spPr>
+          <a:xfrm>
+            <a:off x="5445411" y="2937745"/>
+            <a:ext cx="979992" cy="369332"/>
+          </a:xfrm>
+          <a:prstGeom prst="rect">
+            <a:avLst/>
+          </a:prstGeom>
+          <a:noFill/>
+        </p:spPr>
+        <p:txBody>
+          <a:bodyPr wrap="square" rtlCol="0">
+            <a:spAutoFit/>
+          </a:bodyPr>
+          <a:lstStyle/>
+          <a:p>
+            <a:r>
+              <a:rPr lang="en-US" altLang="zh-CN" dirty="0" smtClean="0"/>
+              <a:t>CVs</a:t>
+            </a:r>
+            <a:endParaRPr lang="zh-CN" altLang="en-US" dirty="0"/>
+          </a:p>
+        </p:txBody>
+      </p:sp>
+      <p:sp>
+        <p:nvSpPr>
+          <p:cNvPr id="22" name="文本框 21"/>
+          <p:cNvSpPr txBox="1"/>
+          <p:nvPr/>
+        </p:nvSpPr>
+        <p:spPr>
+          <a:xfrm>
+            <a:off x="533399" y="4568217"/>
+            <a:ext cx="7712922" cy="2308324"/>
+          </a:xfrm>
+          <a:prstGeom prst="rect">
+            <a:avLst/>
+          </a:prstGeom>
+          <a:noFill/>
+        </p:spPr>
+        <p:txBody>
+          <a:bodyPr wrap="square" rtlCol="0">
+            <a:spAutoFit/>
+          </a:bodyPr>
+          <a:lstStyle/>
+          <a:p>
+            <a:pPr marL="285750" indent="-285750">
+              <a:buFont typeface="Arial" panose="020B0604020202020204" pitchFamily="34" charset="0"/>
+              <a:buChar char="•"/>
+            </a:pPr>
+            <a:r>
+              <a:rPr lang="en-US" altLang="zh-CN" dirty="0" smtClean="0"/>
+              <a:t>1 thread to run KBM training &amp; compute features representation</a:t>
+            </a:r>
+          </a:p>
+          <a:p>
+            <a:pPr marL="285750" indent="-285750">
+              <a:buFont typeface="Arial" panose="020B0604020202020204" pitchFamily="34" charset="0"/>
+              <a:buChar char="•"/>
+            </a:pPr>
+            <a:r>
+              <a:rPr lang="en-US" altLang="zh-CN" dirty="0" smtClean="0"/>
+              <a:t>1 thread to run offline clustering </a:t>
+            </a:r>
+          </a:p>
+          <a:p>
+            <a:pPr marL="285750" indent="-285750">
+              <a:buFont typeface="Arial" panose="020B0604020202020204" pitchFamily="34" charset="0"/>
+              <a:buChar char="•"/>
+            </a:pPr>
+            <a:endParaRPr lang="en-US" altLang="zh-CN" dirty="0"/>
+          </a:p>
+          <a:p>
+            <a:pPr marL="285750" indent="-285750">
+              <a:buFont typeface="Arial" panose="020B0604020202020204" pitchFamily="34" charset="0"/>
+              <a:buChar char="•"/>
+            </a:pPr>
+            <a:r>
+              <a:rPr lang="en-US" altLang="zh-CN" dirty="0" smtClean="0"/>
+              <a:t>Need 10-15s audio data to train the first KBM </a:t>
+            </a:r>
+            <a:r>
+              <a:rPr lang="en-US" altLang="zh-CN" dirty="0" smtClean="0">
+                <a:sym typeface="Wingdings" panose="05000000000000000000" pitchFamily="2" charset="2"/>
+              </a:rPr>
+              <a:t> No result </a:t>
+            </a:r>
+          </a:p>
+          <a:p>
+            <a:pPr marL="285750" indent="-285750">
+              <a:buFont typeface="Arial" panose="020B0604020202020204" pitchFamily="34" charset="0"/>
+              <a:buChar char="•"/>
+            </a:pPr>
+            <a:r>
+              <a:rPr lang="en-US" altLang="zh-CN" dirty="0" smtClean="0">
+                <a:sym typeface="Wingdings" panose="05000000000000000000" pitchFamily="2" charset="2"/>
+              </a:rPr>
+              <a:t>The used KBM may not be updated for the new data  delay in KBM training</a:t>
+            </a:r>
+          </a:p>
+          <a:p>
+            <a:pPr marL="285750" indent="-285750">
+              <a:buFont typeface="Arial" panose="020B0604020202020204" pitchFamily="34" charset="0"/>
+              <a:buChar char="•"/>
+            </a:pPr>
+            <a:r>
+              <a:rPr lang="en-US" altLang="zh-CN" dirty="0" smtClean="0">
+                <a:sym typeface="Wingdings" panose="05000000000000000000" pitchFamily="2" charset="2"/>
+              </a:rPr>
+              <a:t>The final results are consists of result from offline clustering (major part) and result from online clustering (the most recent seconds)</a:t>
+            </a:r>
+          </a:p>
+          <a:p>
+            <a:pPr marL="285750" indent="-285750">
+              <a:buFont typeface="Arial" panose="020B0604020202020204" pitchFamily="34" charset="0"/>
+              <a:buChar char="•"/>
+            </a:pPr>
+            <a:endParaRPr lang="zh-CN" altLang="en-US" dirty="0"/>
+          </a:p>
+        </p:txBody>
+      </p:sp>
+    </p:spTree>
+    <p:extLst>
+      <p:ext uri="{BB962C8B-B14F-4D97-AF65-F5344CB8AC3E}">
+        <p14:creationId xmlns:p14="http://schemas.microsoft.com/office/powerpoint/2010/main" val="12212089"/>
       </p:ext>
     </p:extLst>
   </p:cSld>
@@ -7368,7 +12973,12 @@
             <p:ph type="title"/>
           </p:nvPr>
         </p:nvSpPr>
-        <p:spPr/>
+        <p:spPr>
+          <a:xfrm>
+            <a:off x="381000" y="37997"/>
+            <a:ext cx="7620000" cy="1143000"/>
+          </a:xfrm>
+        </p:spPr>
         <p:txBody>
           <a:bodyPr/>
           <a:lstStyle/>
@@ -7393,17 +13003,38 @@
         </p:nvSpPr>
         <p:spPr>
           <a:xfrm>
-            <a:off x="421224" y="1535804"/>
+            <a:off x="187198" y="1054390"/>
             <a:ext cx="7620000" cy="4800600"/>
           </a:xfrm>
         </p:spPr>
         <p:txBody>
-          <a:bodyPr/>
+          <a:bodyPr>
+            <a:normAutofit lnSpcReduction="10000"/>
+          </a:bodyPr>
           <a:lstStyle/>
           <a:p>
+            <a:pPr marL="114300" indent="0">
+              <a:buNone/>
+            </a:pPr>
             <a:r>
               <a:rPr lang="en-US" dirty="0" smtClean="0"/>
-              <a:t>Data is fed to the system every 1s</a:t>
+              <a:t>To Simulate the Real-time processing using recorded audio:</a:t>
+            </a:r>
+          </a:p>
+          <a:p>
+            <a:pPr marL="114300" indent="0">
+              <a:buNone/>
+            </a:pPr>
+            <a:endParaRPr lang="en-US" dirty="0" smtClean="0"/>
+          </a:p>
+          <a:p>
+            <a:r>
+              <a:rPr lang="en-US" dirty="0" smtClean="0"/>
+              <a:t>Data </a:t>
+            </a:r>
+            <a:r>
+              <a:rPr lang="en-US" dirty="0" smtClean="0"/>
+              <a:t>is fed to the system every 1s</a:t>
             </a:r>
           </a:p>
           <a:p>
@@ -8072,7 +13703,7 @@
         </p:nvSpPr>
         <p:spPr>
           <a:xfrm>
-            <a:off x="2185414" y="2587082"/>
+            <a:off x="2168398" y="2672717"/>
             <a:ext cx="5334000" cy="1733373"/>
           </a:xfrm>
           <a:prstGeom prst="roundRect">
@@ -8395,6 +14026,377 @@
       </p:grpSpPr>
       <p:sp>
         <p:nvSpPr>
+          <p:cNvPr id="2" name="标题 1"/>
+          <p:cNvSpPr>
+            <a:spLocks noGrp="1"/>
+          </p:cNvSpPr>
+          <p:nvPr>
+            <p:ph type="title"/>
+          </p:nvPr>
+        </p:nvSpPr>
+        <p:spPr>
+          <a:xfrm>
+            <a:off x="433316" y="152400"/>
+            <a:ext cx="7620000" cy="1143000"/>
+          </a:xfrm>
+        </p:spPr>
+        <p:txBody>
+          <a:bodyPr/>
+          <a:lstStyle/>
+          <a:p>
+            <a:r>
+              <a:rPr lang="en-US" altLang="zh-CN" sz="3600" dirty="0" smtClean="0"/>
+              <a:t>Real-time system: KBM delay</a:t>
+            </a:r>
+            <a:endParaRPr lang="zh-CN" altLang="en-US" sz="3600" dirty="0"/>
+          </a:p>
+        </p:txBody>
+      </p:sp>
+      <p:sp>
+        <p:nvSpPr>
+          <p:cNvPr id="3" name="内容占位符 2"/>
+          <p:cNvSpPr>
+            <a:spLocks noGrp="1"/>
+          </p:cNvSpPr>
+          <p:nvPr>
+            <p:ph idx="1"/>
+          </p:nvPr>
+        </p:nvSpPr>
+        <p:spPr>
+          <a:xfrm>
+            <a:off x="433316" y="1143000"/>
+            <a:ext cx="7620000" cy="2286000"/>
+          </a:xfrm>
+        </p:spPr>
+        <p:txBody>
+          <a:bodyPr/>
+          <a:lstStyle/>
+          <a:p>
+            <a:r>
+              <a:rPr lang="en-US" altLang="zh-CN" dirty="0">
+                <a:sym typeface="Wingdings" panose="05000000000000000000" pitchFamily="2" charset="2"/>
+              </a:rPr>
+              <a:t>The used KBM may not be updated for the new data  </a:t>
+            </a:r>
+            <a:r>
+              <a:rPr lang="en-US" altLang="zh-CN" dirty="0" smtClean="0">
+                <a:sym typeface="Wingdings" panose="05000000000000000000" pitchFamily="2" charset="2"/>
+              </a:rPr>
+              <a:t>The acoustic features are not reflective in KBM  delay in detecting new speaker</a:t>
+            </a:r>
+          </a:p>
+          <a:p>
+            <a:endParaRPr lang="en-US" altLang="zh-CN" dirty="0" smtClean="0">
+              <a:sym typeface="Wingdings" panose="05000000000000000000" pitchFamily="2" charset="2"/>
+            </a:endParaRPr>
+          </a:p>
+          <a:p>
+            <a:r>
+              <a:rPr lang="en-US" altLang="zh-CN" dirty="0" smtClean="0">
+                <a:sym typeface="Wingdings" panose="05000000000000000000" pitchFamily="2" charset="2"/>
+              </a:rPr>
+              <a:t>At time t2, if we use KBM that is updated at t1 (t1&lt;= t2), </a:t>
+            </a:r>
+            <a:r>
+              <a:rPr lang="en-US" altLang="zh-CN" dirty="0" err="1" smtClean="0">
+                <a:sym typeface="Wingdings" panose="05000000000000000000" pitchFamily="2" charset="2"/>
+              </a:rPr>
+              <a:t>KBM_delay</a:t>
+            </a:r>
+            <a:r>
+              <a:rPr lang="en-US" altLang="zh-CN" dirty="0" smtClean="0">
+                <a:sym typeface="Wingdings" panose="05000000000000000000" pitchFamily="2" charset="2"/>
+              </a:rPr>
+              <a:t> = t2 – t1</a:t>
+            </a:r>
+            <a:endParaRPr lang="en-US" altLang="zh-CN" dirty="0">
+              <a:sym typeface="Wingdings" panose="05000000000000000000" pitchFamily="2" charset="2"/>
+            </a:endParaRPr>
+          </a:p>
+          <a:p>
+            <a:endParaRPr lang="zh-CN" altLang="en-US" dirty="0"/>
+          </a:p>
+        </p:txBody>
+      </p:sp>
+      <p:sp>
+        <p:nvSpPr>
+          <p:cNvPr id="4" name="页脚占位符 3"/>
+          <p:cNvSpPr>
+            <a:spLocks noGrp="1"/>
+          </p:cNvSpPr>
+          <p:nvPr>
+            <p:ph type="ftr" sz="quarter" idx="11"/>
+          </p:nvPr>
+        </p:nvSpPr>
+        <p:spPr/>
+        <p:txBody>
+          <a:bodyPr/>
+          <a:lstStyle/>
+          <a:p>
+            <a:endParaRPr lang="en-US"/>
+          </a:p>
+        </p:txBody>
+      </p:sp>
+      <p:sp>
+        <p:nvSpPr>
+          <p:cNvPr id="5" name="灯片编号占位符 4"/>
+          <p:cNvSpPr>
+            <a:spLocks noGrp="1"/>
+          </p:cNvSpPr>
+          <p:nvPr>
+            <p:ph type="sldNum" sz="quarter" idx="12"/>
+          </p:nvPr>
+        </p:nvSpPr>
+        <p:spPr/>
+        <p:txBody>
+          <a:bodyPr/>
+          <a:lstStyle/>
+          <a:p>
+            <a:fld id="{0E0E5D40-17DD-4190-869C-D3EB7431A77E}" type="slidenum">
+              <a:rPr lang="en-US" smtClean="0"/>
+              <a:t>15</a:t>
+            </a:fld>
+            <a:endParaRPr lang="en-US"/>
+          </a:p>
+        </p:txBody>
+      </p:sp>
+      <p:graphicFrame>
+        <p:nvGraphicFramePr>
+          <p:cNvPr id="6" name="图表 5"/>
+          <p:cNvGraphicFramePr>
+            <a:graphicFrameLocks/>
+          </p:cNvGraphicFramePr>
+          <p:nvPr>
+            <p:extLst>
+              <p:ext uri="{D42A27DB-BD31-4B8C-83A1-F6EECF244321}">
+                <p14:modId xmlns:p14="http://schemas.microsoft.com/office/powerpoint/2010/main" val="1217588153"/>
+              </p:ext>
+            </p:extLst>
+          </p:nvPr>
+        </p:nvGraphicFramePr>
+        <p:xfrm>
+          <a:off x="914400" y="3581400"/>
+          <a:ext cx="6436436" cy="3124200"/>
+        </p:xfrm>
+        <a:graphic>
+          <a:graphicData uri="http://schemas.openxmlformats.org/drawingml/2006/chart">
+            <c:chart xmlns:c="http://schemas.openxmlformats.org/drawingml/2006/chart" xmlns:r="http://schemas.openxmlformats.org/officeDocument/2006/relationships" r:id="rId2"/>
+          </a:graphicData>
+        </a:graphic>
+      </p:graphicFrame>
+    </p:spTree>
+    <p:extLst>
+      <p:ext uri="{BB962C8B-B14F-4D97-AF65-F5344CB8AC3E}">
+        <p14:creationId xmlns:p14="http://schemas.microsoft.com/office/powerpoint/2010/main" val="3803847934"/>
+      </p:ext>
+    </p:extLst>
+  </p:cSld>
+  <p:clrMapOvr>
+    <a:masterClrMapping/>
+  </p:clrMapOvr>
+  <p:timing>
+    <p:tnLst>
+      <p:par>
+        <p:cTn id="1" dur="indefinite" restart="never" nodeType="tmRoot"/>
+      </p:par>
+    </p:tnLst>
+  </p:timing>
+</p:sld>
+</file>
+
+<file path=ppt/slides/slide16.xml><?xml version="1.0" encoding="utf-8"?>
+<p:sld xmlns:a="http://schemas.openxmlformats.org/drawingml/2006/main" xmlns:r="http://schemas.openxmlformats.org/officeDocument/2006/relationships" xmlns:p="http://schemas.openxmlformats.org/presentationml/2006/main">
+  <p:cSld>
+    <p:spTree>
+      <p:nvGrpSpPr>
+        <p:cNvPr id="1" name=""/>
+        <p:cNvGrpSpPr/>
+        <p:nvPr/>
+      </p:nvGrpSpPr>
+      <p:grpSpPr>
+        <a:xfrm>
+          <a:off x="0" y="0"/>
+          <a:ext cx="0" cy="0"/>
+          <a:chOff x="0" y="0"/>
+          <a:chExt cx="0" cy="0"/>
+        </a:xfrm>
+      </p:grpSpPr>
+      <p:sp>
+        <p:nvSpPr>
+          <p:cNvPr id="2" name="标题 1"/>
+          <p:cNvSpPr>
+            <a:spLocks noGrp="1"/>
+          </p:cNvSpPr>
+          <p:nvPr>
+            <p:ph type="title"/>
+          </p:nvPr>
+        </p:nvSpPr>
+        <p:spPr>
+          <a:xfrm>
+            <a:off x="433316" y="152400"/>
+            <a:ext cx="7620000" cy="1143000"/>
+          </a:xfrm>
+        </p:spPr>
+        <p:txBody>
+          <a:bodyPr/>
+          <a:lstStyle/>
+          <a:p>
+            <a:r>
+              <a:rPr lang="en-US" altLang="zh-CN" sz="3600" dirty="0" smtClean="0"/>
+              <a:t>Real-time system: Online</a:t>
+            </a:r>
+            <a:endParaRPr lang="zh-CN" altLang="en-US" sz="3600" dirty="0"/>
+          </a:p>
+        </p:txBody>
+      </p:sp>
+      <p:sp>
+        <p:nvSpPr>
+          <p:cNvPr id="3" name="内容占位符 2"/>
+          <p:cNvSpPr>
+            <a:spLocks noGrp="1"/>
+          </p:cNvSpPr>
+          <p:nvPr>
+            <p:ph idx="1"/>
+          </p:nvPr>
+        </p:nvSpPr>
+        <p:spPr>
+          <a:xfrm>
+            <a:off x="533400" y="1201003"/>
+            <a:ext cx="7620000" cy="2286000"/>
+          </a:xfrm>
+        </p:spPr>
+        <p:txBody>
+          <a:bodyPr/>
+          <a:lstStyle/>
+          <a:p>
+            <a:r>
+              <a:rPr lang="en-US" altLang="zh-CN" dirty="0" smtClean="0">
+                <a:sym typeface="Wingdings" panose="05000000000000000000" pitchFamily="2" charset="2"/>
+              </a:rPr>
+              <a:t>Results : offline for major data + online for new data</a:t>
+            </a:r>
+          </a:p>
+          <a:p>
+            <a:endParaRPr lang="en-US" altLang="zh-CN" dirty="0" smtClean="0">
+              <a:sym typeface="Wingdings" panose="05000000000000000000" pitchFamily="2" charset="2"/>
+            </a:endParaRPr>
+          </a:p>
+          <a:p>
+            <a:r>
+              <a:rPr lang="en-US" altLang="zh-CN" dirty="0" smtClean="0">
+                <a:sym typeface="Wingdings" panose="05000000000000000000" pitchFamily="2" charset="2"/>
+              </a:rPr>
+              <a:t>How many second of the results are from the online clustering?</a:t>
+            </a:r>
+            <a:endParaRPr lang="zh-CN" altLang="en-US" dirty="0"/>
+          </a:p>
+        </p:txBody>
+      </p:sp>
+      <p:sp>
+        <p:nvSpPr>
+          <p:cNvPr id="4" name="页脚占位符 3"/>
+          <p:cNvSpPr>
+            <a:spLocks noGrp="1"/>
+          </p:cNvSpPr>
+          <p:nvPr>
+            <p:ph type="ftr" sz="quarter" idx="11"/>
+          </p:nvPr>
+        </p:nvSpPr>
+        <p:spPr/>
+        <p:txBody>
+          <a:bodyPr/>
+          <a:lstStyle/>
+          <a:p>
+            <a:endParaRPr lang="en-US"/>
+          </a:p>
+        </p:txBody>
+      </p:sp>
+      <p:sp>
+        <p:nvSpPr>
+          <p:cNvPr id="5" name="灯片编号占位符 4"/>
+          <p:cNvSpPr>
+            <a:spLocks noGrp="1"/>
+          </p:cNvSpPr>
+          <p:nvPr>
+            <p:ph type="sldNum" sz="quarter" idx="12"/>
+          </p:nvPr>
+        </p:nvSpPr>
+        <p:spPr/>
+        <p:txBody>
+          <a:bodyPr/>
+          <a:lstStyle/>
+          <a:p>
+            <a:fld id="{0E0E5D40-17DD-4190-869C-D3EB7431A77E}" type="slidenum">
+              <a:rPr lang="en-US" smtClean="0"/>
+              <a:t>16</a:t>
+            </a:fld>
+            <a:endParaRPr lang="en-US"/>
+          </a:p>
+        </p:txBody>
+      </p:sp>
+      <p:graphicFrame>
+        <p:nvGraphicFramePr>
+          <p:cNvPr id="7" name="图表 6"/>
+          <p:cNvGraphicFramePr>
+            <a:graphicFrameLocks/>
+          </p:cNvGraphicFramePr>
+          <p:nvPr>
+            <p:extLst>
+              <p:ext uri="{D42A27DB-BD31-4B8C-83A1-F6EECF244321}">
+                <p14:modId xmlns:p14="http://schemas.microsoft.com/office/powerpoint/2010/main" val="3744310796"/>
+              </p:ext>
+            </p:extLst>
+          </p:nvPr>
+        </p:nvGraphicFramePr>
+        <p:xfrm>
+          <a:off x="99130" y="2667000"/>
+          <a:ext cx="7597070" cy="4038599"/>
+        </p:xfrm>
+        <a:graphic>
+          <a:graphicData uri="http://schemas.openxmlformats.org/drawingml/2006/chart">
+            <c:chart xmlns:c="http://schemas.openxmlformats.org/drawingml/2006/chart" xmlns:r="http://schemas.openxmlformats.org/officeDocument/2006/relationships" r:id="rId2"/>
+          </a:graphicData>
+        </a:graphic>
+      </p:graphicFrame>
+    </p:spTree>
+    <p:extLst>
+      <p:ext uri="{BB962C8B-B14F-4D97-AF65-F5344CB8AC3E}">
+        <p14:creationId xmlns:p14="http://schemas.microsoft.com/office/powerpoint/2010/main" val="1034615260"/>
+      </p:ext>
+    </p:extLst>
+  </p:cSld>
+  <p:clrMapOvr>
+    <a:masterClrMapping/>
+  </p:clrMapOvr>
+  <p:timing>
+    <p:tnLst>
+      <p:par>
+        <p:cTn id="1" dur="indefinite" restart="never" nodeType="tmRoot"/>
+      </p:par>
+    </p:tnLst>
+  </p:timing>
+</p:sld>
+</file>
+
+<file path=ppt/slides/slide17.xml><?xml version="1.0" encoding="utf-8"?>
+<p:sld xmlns:a="http://schemas.openxmlformats.org/drawingml/2006/main" xmlns:r="http://schemas.openxmlformats.org/officeDocument/2006/relationships" xmlns:p="http://schemas.openxmlformats.org/presentationml/2006/main">
+  <p:cSld>
+    <p:spTree>
+      <p:nvGrpSpPr>
+        <p:cNvPr id="1" name=""/>
+        <p:cNvGrpSpPr/>
+        <p:nvPr/>
+      </p:nvGrpSpPr>
+      <p:grpSpPr>
+        <a:xfrm>
+          <a:off x="0" y="0"/>
+          <a:ext cx="0" cy="0"/>
+          <a:chOff x="0" y="0"/>
+          <a:chExt cx="0" cy="0"/>
+        </a:xfrm>
+      </p:grpSpPr>
+      <p:sp>
+        <p:nvSpPr>
           <p:cNvPr id="2" name="Title 1"/>
           <p:cNvSpPr>
             <a:spLocks noGrp="1"/>
@@ -8437,23 +14439,20 @@
           <a:lstStyle/>
           <a:p>
             <a:r>
-              <a:rPr lang="en-US" smtClean="0"/>
-              <a:t>Build a </a:t>
+              <a:rPr lang="en-US" dirty="0" smtClean="0"/>
+              <a:t>Build a speaker diarization system with visualization and audio player panel </a:t>
+            </a:r>
+          </a:p>
+          <a:p>
+            <a:r>
+              <a:rPr lang="en-US" dirty="0" smtClean="0"/>
+              <a:t>Design and develop a real-time speaker diarization system on the basis of the offline </a:t>
             </a:r>
             <a:r>
               <a:rPr lang="en-US" dirty="0" smtClean="0"/>
-              <a:t>speaker diarization system with visualization and audio player panel </a:t>
-            </a:r>
-          </a:p>
-          <a:p>
-            <a:r>
-              <a:rPr lang="en-US" dirty="0" smtClean="0"/>
-              <a:t>Design and develop a real-time speaker diarization system on the basis of the offline system</a:t>
+              <a:t>system</a:t>
             </a:r>
             <a:endParaRPr lang="en-US" dirty="0" smtClean="0"/>
-          </a:p>
-          <a:p>
-            <a:endParaRPr lang="en-US" dirty="0"/>
           </a:p>
         </p:txBody>
       </p:sp>
@@ -8474,7 +14473,7 @@
           <a:p>
             <a:fld id="{0E0E5D40-17DD-4190-869C-D3EB7431A77E}" type="slidenum">
               <a:rPr lang="en-US" smtClean="0"/>
-              <a:t>15</a:t>
+              <a:t>17</a:t>
             </a:fld>
             <a:endParaRPr lang="en-US"/>
           </a:p>
@@ -8509,7 +14508,7 @@
         </p:nvSpPr>
         <p:spPr>
           <a:xfrm>
-            <a:off x="457200" y="3035300"/>
+            <a:off x="457200" y="2913796"/>
             <a:ext cx="7620000" cy="1143000"/>
           </a:xfrm>
           <a:prstGeom prst="rect">
@@ -8560,7 +14559,7 @@
         <p:spPr>
           <a:xfrm>
             <a:off x="558800" y="3962400"/>
-            <a:ext cx="7620000" cy="2209800"/>
+            <a:ext cx="7747000" cy="2743200"/>
           </a:xfrm>
           <a:prstGeom prst="rect">
             <a:avLst/>
@@ -8737,16 +14736,33 @@
           <a:p>
             <a:r>
               <a:rPr lang="en-US" dirty="0" smtClean="0"/>
-              <a:t>The problem of frequent change of the number of speakers in real time system need to be further solved</a:t>
+              <a:t>The problem of frequent change of the number of speakers in real time system need to be further </a:t>
             </a:r>
-          </a:p>
-          <a:p>
             <a:r>
               <a:rPr lang="en-US" dirty="0" smtClean="0"/>
-              <a:t>KBM training </a:t>
+              <a:t>solved</a:t>
             </a:r>
           </a:p>
           <a:p>
+            <a:r>
+              <a:rPr lang="en-US" altLang="zh-CN" dirty="0" smtClean="0"/>
+              <a:t>Find the better offline &amp; online clustering approach that incorporates previous output </a:t>
+            </a:r>
+            <a:endParaRPr lang="en-US" dirty="0" smtClean="0"/>
+          </a:p>
+          <a:p>
+            <a:r>
+              <a:rPr lang="en-US" dirty="0" smtClean="0"/>
+              <a:t>Parameters of KBM </a:t>
+            </a:r>
+            <a:r>
+              <a:rPr lang="en-US" dirty="0" smtClean="0"/>
+              <a:t>training </a:t>
+            </a:r>
+            <a:r>
+              <a:rPr lang="en-US" dirty="0" smtClean="0"/>
+              <a:t>need be further determined for real-time cases</a:t>
+            </a:r>
             <a:endParaRPr lang="en-US" dirty="0" smtClean="0"/>
           </a:p>
           <a:p>
@@ -8781,7 +14797,7 @@
 </p:sld>
 </file>
 
-<file path=ppt/slides/slide16.xml><?xml version="1.0" encoding="utf-8"?>
+<file path=ppt/slides/slide18.xml><?xml version="1.0" encoding="utf-8"?>
 <p:sld xmlns:a="http://schemas.openxmlformats.org/drawingml/2006/main" xmlns:r="http://schemas.openxmlformats.org/officeDocument/2006/relationships" xmlns:p="http://schemas.openxmlformats.org/presentationml/2006/main">
   <p:cSld>
     <p:spTree>
@@ -8866,7 +14882,7 @@
           <a:p>
             <a:fld id="{0E0E5D40-17DD-4190-869C-D3EB7431A77E}" type="slidenum">
               <a:rPr lang="en-US" smtClean="0"/>
-              <a:t>16</a:t>
+              <a:t>18</a:t>
             </a:fld>
             <a:endParaRPr lang="en-US"/>
           </a:p>
@@ -8956,6 +14972,10 @@
           <a:bodyPr/>
           <a:lstStyle/>
           <a:p>
+            <a:r>
+              <a:rPr lang="en-US" sz="4000" dirty="0" smtClean="0"/>
+              <a:t>Agenda</a:t>
+            </a:r>
             <a:endParaRPr lang="en-US" dirty="0"/>
           </a:p>
         </p:txBody>
@@ -8976,28 +14996,41 @@
           <a:lstStyle/>
           <a:p>
             <a:r>
-              <a:rPr lang="en-US" dirty="0" smtClean="0"/>
+              <a:rPr lang="en-US" sz="2400" dirty="0" smtClean="0"/>
               <a:t>Introduction</a:t>
             </a:r>
           </a:p>
           <a:p>
             <a:r>
-              <a:rPr lang="en-US" dirty="0" smtClean="0"/>
-              <a:t>Problems in existing system</a:t>
+              <a:rPr lang="en-US" sz="2400" dirty="0" smtClean="0"/>
+              <a:t>Literature review: Focus &amp; Gap</a:t>
             </a:r>
-            <a:endParaRPr lang="en-US" dirty="0" smtClean="0"/>
+            <a:endParaRPr lang="en-US" sz="2400" dirty="0" smtClean="0"/>
           </a:p>
           <a:p>
             <a:r>
-              <a:rPr lang="en-US" dirty="0" smtClean="0"/>
+              <a:rPr lang="en-US" sz="2400" dirty="0" smtClean="0"/>
               <a:t>Objectives</a:t>
             </a:r>
           </a:p>
           <a:p>
             <a:r>
-              <a:rPr lang="en-US" dirty="0" smtClean="0"/>
-              <a:t>Scope</a:t>
+              <a:rPr lang="en-US" sz="2400" dirty="0" smtClean="0"/>
+              <a:t>Offline system</a:t>
             </a:r>
+          </a:p>
+          <a:p>
+            <a:r>
+              <a:rPr lang="en-US" sz="2400" dirty="0" smtClean="0"/>
+              <a:t>Real-time system</a:t>
+            </a:r>
+          </a:p>
+          <a:p>
+            <a:r>
+              <a:rPr lang="en-US" sz="2400" dirty="0" smtClean="0"/>
+              <a:t>Runtime analysis</a:t>
+            </a:r>
+            <a:endParaRPr lang="en-US" sz="2400" dirty="0" smtClean="0"/>
           </a:p>
           <a:p>
             <a:endParaRPr lang="en-US" dirty="0"/>
@@ -9191,15 +15224,7 @@
             <a:pPr lvl="2"/>
             <a:r>
               <a:rPr lang="en-US" altLang="zh-CN" dirty="0" smtClean="0"/>
-              <a:t>Access </a:t>
-            </a:r>
-            <a:r>
-              <a:rPr lang="en-US" altLang="zh-CN" dirty="0" smtClean="0"/>
-              <a:t>the </a:t>
-            </a:r>
-            <a:r>
-              <a:rPr lang="en-US" altLang="zh-CN" dirty="0" smtClean="0"/>
-              <a:t>whole audio; </a:t>
+              <a:t>Access the whole audio; </a:t>
             </a:r>
           </a:p>
           <a:p>
@@ -9215,17 +15240,12 @@
               <a:rPr lang="en-US" altLang="zh-CN" dirty="0" smtClean="0"/>
               <a:t>Online: </a:t>
             </a:r>
-            <a:endParaRPr lang="en-US" altLang="zh-CN" dirty="0" smtClean="0"/>
           </a:p>
           <a:p>
             <a:pPr lvl="2"/>
             <a:r>
               <a:rPr lang="en-US" altLang="zh-CN" dirty="0" smtClean="0"/>
-              <a:t>Strict </a:t>
-            </a:r>
-            <a:r>
-              <a:rPr lang="en-US" altLang="zh-CN" dirty="0" smtClean="0"/>
-              <a:t>left-to-right fashion</a:t>
+              <a:t>Strict left-to-right fashion</a:t>
             </a:r>
           </a:p>
           <a:p>
@@ -10219,6 +16239,156 @@
           </a:p>
         </p:txBody>
       </p:sp>
+      <p:sp>
+        <p:nvSpPr>
+          <p:cNvPr id="16" name="文本框 15"/>
+          <p:cNvSpPr txBox="1"/>
+          <p:nvPr/>
+        </p:nvSpPr>
+        <p:spPr>
+          <a:xfrm>
+            <a:off x="4189874" y="3640512"/>
+            <a:ext cx="1385188" cy="338554"/>
+          </a:xfrm>
+          <a:prstGeom prst="rect">
+            <a:avLst/>
+          </a:prstGeom>
+          <a:noFill/>
+        </p:spPr>
+        <p:txBody>
+          <a:bodyPr wrap="square" rtlCol="0">
+            <a:spAutoFit/>
+          </a:bodyPr>
+          <a:lstStyle/>
+          <a:p>
+            <a:r>
+              <a:rPr lang="en-US" altLang="zh-CN" sz="1600" dirty="0" smtClean="0"/>
+              <a:t>Speaker 1</a:t>
+            </a:r>
+            <a:endParaRPr lang="zh-CN" altLang="en-US" sz="1600" dirty="0"/>
+          </a:p>
+        </p:txBody>
+      </p:sp>
+      <p:sp>
+        <p:nvSpPr>
+          <p:cNvPr id="17" name="文本框 16"/>
+          <p:cNvSpPr txBox="1"/>
+          <p:nvPr/>
+        </p:nvSpPr>
+        <p:spPr>
+          <a:xfrm>
+            <a:off x="5495604" y="3640512"/>
+            <a:ext cx="1385188" cy="338554"/>
+          </a:xfrm>
+          <a:prstGeom prst="rect">
+            <a:avLst/>
+          </a:prstGeom>
+          <a:noFill/>
+        </p:spPr>
+        <p:txBody>
+          <a:bodyPr wrap="square" rtlCol="0">
+            <a:spAutoFit/>
+          </a:bodyPr>
+          <a:lstStyle/>
+          <a:p>
+            <a:r>
+              <a:rPr lang="en-US" altLang="zh-CN" sz="1600" dirty="0" smtClean="0"/>
+              <a:t>Speaker 1</a:t>
+            </a:r>
+            <a:endParaRPr lang="zh-CN" altLang="en-US" sz="1600" dirty="0"/>
+          </a:p>
+        </p:txBody>
+      </p:sp>
+      <p:sp>
+        <p:nvSpPr>
+          <p:cNvPr id="18" name="文本框 17"/>
+          <p:cNvSpPr txBox="1"/>
+          <p:nvPr/>
+        </p:nvSpPr>
+        <p:spPr>
+          <a:xfrm>
+            <a:off x="4790180" y="2541385"/>
+            <a:ext cx="1385188" cy="338554"/>
+          </a:xfrm>
+          <a:prstGeom prst="rect">
+            <a:avLst/>
+          </a:prstGeom>
+          <a:noFill/>
+        </p:spPr>
+        <p:txBody>
+          <a:bodyPr wrap="square" rtlCol="0">
+            <a:spAutoFit/>
+          </a:bodyPr>
+          <a:lstStyle/>
+          <a:p>
+            <a:r>
+              <a:rPr lang="en-US" altLang="zh-CN" sz="1600" dirty="0" smtClean="0"/>
+              <a:t>Speaker 2</a:t>
+            </a:r>
+            <a:endParaRPr lang="zh-CN" altLang="en-US" sz="1600" dirty="0"/>
+          </a:p>
+        </p:txBody>
+      </p:sp>
+      <p:sp>
+        <p:nvSpPr>
+          <p:cNvPr id="19" name="文本框 18"/>
+          <p:cNvSpPr txBox="1"/>
+          <p:nvPr/>
+        </p:nvSpPr>
+        <p:spPr>
+          <a:xfrm>
+            <a:off x="6203439" y="2541385"/>
+            <a:ext cx="1385188" cy="338554"/>
+          </a:xfrm>
+          <a:prstGeom prst="rect">
+            <a:avLst/>
+          </a:prstGeom>
+          <a:noFill/>
+        </p:spPr>
+        <p:txBody>
+          <a:bodyPr wrap="square" rtlCol="0">
+            <a:spAutoFit/>
+          </a:bodyPr>
+          <a:lstStyle/>
+          <a:p>
+            <a:r>
+              <a:rPr lang="en-US" altLang="zh-CN" sz="1600" dirty="0" smtClean="0"/>
+              <a:t>Speaker 3</a:t>
+            </a:r>
+            <a:endParaRPr lang="zh-CN" altLang="en-US" sz="1600" dirty="0"/>
+          </a:p>
+        </p:txBody>
+      </p:sp>
+      <p:sp>
+        <p:nvSpPr>
+          <p:cNvPr id="20" name="文本框 19"/>
+          <p:cNvSpPr txBox="1"/>
+          <p:nvPr/>
+        </p:nvSpPr>
+        <p:spPr>
+          <a:xfrm>
+            <a:off x="7159094" y="3640512"/>
+            <a:ext cx="1385188" cy="338554"/>
+          </a:xfrm>
+          <a:prstGeom prst="rect">
+            <a:avLst/>
+          </a:prstGeom>
+          <a:noFill/>
+        </p:spPr>
+        <p:txBody>
+          <a:bodyPr wrap="square" rtlCol="0">
+            <a:spAutoFit/>
+          </a:bodyPr>
+          <a:lstStyle/>
+          <a:p>
+            <a:r>
+              <a:rPr lang="en-US" altLang="zh-CN" sz="1600" dirty="0" smtClean="0"/>
+              <a:t>Speaker 4</a:t>
+            </a:r>
+            <a:endParaRPr lang="zh-CN" altLang="en-US" sz="1600" dirty="0"/>
+          </a:p>
+        </p:txBody>
+      </p:sp>
     </p:spTree>
     <p:extLst>
       <p:ext uri="{BB962C8B-B14F-4D97-AF65-F5344CB8AC3E}">
@@ -10266,16 +16436,21 @@
             <p:ph type="title"/>
           </p:nvPr>
         </p:nvSpPr>
-        <p:spPr/>
+        <p:spPr>
+          <a:xfrm>
+            <a:off x="471985" y="3699279"/>
+            <a:ext cx="7620000" cy="1143000"/>
+          </a:xfrm>
+        </p:spPr>
         <p:txBody>
           <a:bodyPr/>
           <a:lstStyle/>
           <a:p>
             <a:r>
-              <a:rPr lang="en-US" sz="4000" dirty="0" smtClean="0"/>
+              <a:rPr lang="en-US" sz="2400" dirty="0" smtClean="0"/>
               <a:t>Problems in existing system</a:t>
             </a:r>
-            <a:endParaRPr lang="en-US" sz="4000" dirty="0"/>
+            <a:endParaRPr lang="en-US" sz="2400" dirty="0"/>
           </a:p>
         </p:txBody>
       </p:sp>
@@ -10289,52 +16464,86 @@
             <p:ph idx="1"/>
           </p:nvPr>
         </p:nvSpPr>
-        <p:spPr/>
+        <p:spPr>
+          <a:xfrm>
+            <a:off x="464023" y="4655359"/>
+            <a:ext cx="7620000" cy="2152649"/>
+          </a:xfrm>
+        </p:spPr>
         <p:txBody>
-          <a:bodyPr/>
+          <a:bodyPr>
+            <a:normAutofit/>
+          </a:bodyPr>
           <a:lstStyle/>
           <a:p>
             <a:pPr marL="457200" indent="-457200"/>
             <a:r>
-              <a:rPr lang="en-US" altLang="zh-CN" sz="2400" dirty="0"/>
-              <a:t>Lack of real-time </a:t>
+              <a:rPr lang="en-US" altLang="zh-CN" sz="2000" dirty="0"/>
+              <a:t>Lack of </a:t>
             </a:r>
             <a:r>
-              <a:rPr lang="en-US" altLang="zh-CN" sz="2400" dirty="0" smtClean="0"/>
+              <a:rPr lang="en-US" altLang="zh-CN" sz="2000" b="1" i="1" dirty="0"/>
+              <a:t>real-time </a:t>
+            </a:r>
+            <a:r>
+              <a:rPr lang="en-US" altLang="zh-CN" sz="2000" b="1" i="1" dirty="0" smtClean="0"/>
               <a:t>system</a:t>
             </a:r>
           </a:p>
           <a:p>
             <a:pPr marL="457200" indent="-457200"/>
             <a:r>
-              <a:rPr lang="en-US" altLang="zh-CN" sz="2400" dirty="0" smtClean="0"/>
+              <a:rPr lang="en-US" altLang="zh-CN" sz="2000" dirty="0" smtClean="0"/>
               <a:t>Require </a:t>
             </a:r>
             <a:r>
-              <a:rPr lang="en-US" altLang="zh-CN" sz="2400" dirty="0"/>
+              <a:rPr lang="en-US" altLang="zh-CN" sz="2000" dirty="0"/>
               <a:t>Intensive computation &amp; long processing time</a:t>
             </a:r>
           </a:p>
           <a:p>
             <a:pPr marL="457200" indent="-457200"/>
             <a:r>
-              <a:rPr lang="en-US" altLang="zh-CN" sz="2400" dirty="0"/>
-              <a:t>Online clustering performance are much worse than offline clustering</a:t>
+              <a:rPr lang="en-US" altLang="zh-CN" sz="2000" dirty="0"/>
+              <a:t>Online </a:t>
             </a:r>
+            <a:r>
+              <a:rPr lang="en-US" altLang="zh-CN" sz="2000" dirty="0"/>
+              <a:t>diarization performance </a:t>
+            </a:r>
+            <a:r>
+              <a:rPr lang="en-US" altLang="zh-CN" sz="2000" dirty="0"/>
+              <a:t>are </a:t>
+            </a:r>
+            <a:r>
+              <a:rPr lang="en-US" altLang="zh-CN" sz="2000" dirty="0" smtClean="0"/>
+              <a:t>worse </a:t>
+            </a:r>
+            <a:r>
+              <a:rPr lang="en-US" altLang="zh-CN" sz="2000" dirty="0"/>
+              <a:t>than offline </a:t>
+            </a:r>
+            <a:r>
+              <a:rPr lang="en-US" altLang="zh-CN" sz="2000" dirty="0"/>
+              <a:t>diarization</a:t>
+            </a:r>
+            <a:endParaRPr lang="en-US" altLang="zh-CN" sz="2000" dirty="0"/>
           </a:p>
           <a:p>
             <a:pPr marL="457200" indent="-457200"/>
             <a:r>
-              <a:rPr lang="en-US" altLang="zh-CN" sz="2400" dirty="0" smtClean="0"/>
+              <a:rPr lang="en-US" altLang="zh-CN" sz="2000" dirty="0" smtClean="0"/>
               <a:t>Many </a:t>
             </a:r>
             <a:r>
-              <a:rPr lang="en-US" altLang="zh-CN" sz="2400" dirty="0"/>
-              <a:t>system are domain-specific</a:t>
+              <a:rPr lang="en-US" altLang="zh-CN" sz="2000" dirty="0"/>
+              <a:t>system are </a:t>
             </a:r>
-          </a:p>
-          <a:p>
-            <a:endParaRPr lang="en-US" dirty="0"/>
+            <a:r>
+              <a:rPr lang="en-US" altLang="zh-CN" sz="2000" dirty="0" smtClean="0"/>
+              <a:t>domain-specific</a:t>
+            </a:r>
+            <a:endParaRPr lang="en-US" altLang="zh-CN" sz="2000" dirty="0"/>
           </a:p>
         </p:txBody>
       </p:sp>
@@ -10376,7 +16585,327 @@
           <a:bodyPr/>
           <a:lstStyle/>
           <a:p>
-            <a:endParaRPr lang="en-US"/>
+            <a:endParaRPr lang="en-US" dirty="0"/>
+          </a:p>
+        </p:txBody>
+      </p:sp>
+      <p:sp>
+        <p:nvSpPr>
+          <p:cNvPr id="6" name="Title 1"/>
+          <p:cNvSpPr txBox="1">
+            <a:spLocks/>
+          </p:cNvSpPr>
+          <p:nvPr/>
+        </p:nvSpPr>
+        <p:spPr>
+          <a:xfrm>
+            <a:off x="471985" y="1111678"/>
+            <a:ext cx="7620000" cy="1143000"/>
+          </a:xfrm>
+          <a:prstGeom prst="rect">
+            <a:avLst/>
+          </a:prstGeom>
+        </p:spPr>
+        <p:txBody>
+          <a:bodyPr vert="horz" lIns="91440" tIns="45720" rIns="91440" bIns="45720" rtlCol="0" anchor="ctr">
+            <a:noAutofit/>
+          </a:bodyPr>
+          <a:lstStyle>
+            <a:lvl1pPr algn="l" defTabSz="914400" rtl="0" eaLnBrk="1" latinLnBrk="0" hangingPunct="1">
+              <a:spcBef>
+                <a:spcPct val="0"/>
+              </a:spcBef>
+              <a:buNone/>
+              <a:defRPr sz="4600" kern="1200" cap="none" spc="-100" baseline="0">
+                <a:ln>
+                  <a:noFill/>
+                </a:ln>
+                <a:solidFill>
+                  <a:schemeClr val="tx2"/>
+                </a:solidFill>
+                <a:effectLst/>
+                <a:latin typeface="+mj-lt"/>
+                <a:ea typeface="+mj-ea"/>
+                <a:cs typeface="+mj-cs"/>
+              </a:defRPr>
+            </a:lvl1pPr>
+          </a:lstStyle>
+          <a:p>
+            <a:r>
+              <a:rPr lang="en-US" sz="2400" dirty="0" smtClean="0"/>
+              <a:t>Main research direction:</a:t>
+            </a:r>
+            <a:endParaRPr lang="en-US" sz="2400" dirty="0"/>
+          </a:p>
+        </p:txBody>
+      </p:sp>
+      <p:sp>
+        <p:nvSpPr>
+          <p:cNvPr id="7" name="Title 1"/>
+          <p:cNvSpPr txBox="1">
+            <a:spLocks/>
+          </p:cNvSpPr>
+          <p:nvPr/>
+        </p:nvSpPr>
+        <p:spPr>
+          <a:xfrm>
+            <a:off x="471985" y="222548"/>
+            <a:ext cx="7620000" cy="1143000"/>
+          </a:xfrm>
+          <a:prstGeom prst="rect">
+            <a:avLst/>
+          </a:prstGeom>
+        </p:spPr>
+        <p:txBody>
+          <a:bodyPr vert="horz" lIns="91440" tIns="45720" rIns="91440" bIns="45720" rtlCol="0" anchor="ctr">
+            <a:noAutofit/>
+          </a:bodyPr>
+          <a:lstStyle>
+            <a:lvl1pPr algn="l" defTabSz="914400" rtl="0" eaLnBrk="1" latinLnBrk="0" hangingPunct="1">
+              <a:spcBef>
+                <a:spcPct val="0"/>
+              </a:spcBef>
+              <a:buNone/>
+              <a:defRPr sz="4600" kern="1200" cap="none" spc="-100" baseline="0">
+                <a:ln>
+                  <a:noFill/>
+                </a:ln>
+                <a:solidFill>
+                  <a:schemeClr val="tx2"/>
+                </a:solidFill>
+                <a:effectLst/>
+                <a:latin typeface="+mj-lt"/>
+                <a:ea typeface="+mj-ea"/>
+                <a:cs typeface="+mj-cs"/>
+              </a:defRPr>
+            </a:lvl1pPr>
+          </a:lstStyle>
+          <a:p>
+            <a:r>
+              <a:rPr lang="en-US" sz="4000" dirty="0" smtClean="0"/>
+              <a:t>Literature review</a:t>
+            </a:r>
+            <a:endParaRPr lang="en-US" sz="4000" dirty="0"/>
+          </a:p>
+        </p:txBody>
+      </p:sp>
+      <p:sp>
+        <p:nvSpPr>
+          <p:cNvPr id="8" name="Content Placeholder 2"/>
+          <p:cNvSpPr txBox="1">
+            <a:spLocks/>
+          </p:cNvSpPr>
+          <p:nvPr/>
+        </p:nvSpPr>
+        <p:spPr>
+          <a:xfrm>
+            <a:off x="457200" y="2036966"/>
+            <a:ext cx="7620000" cy="1849233"/>
+          </a:xfrm>
+          <a:prstGeom prst="rect">
+            <a:avLst/>
+          </a:prstGeom>
+        </p:spPr>
+        <p:txBody>
+          <a:bodyPr vert="horz" lIns="91440" tIns="45720" rIns="91440" bIns="45720" rtlCol="0">
+            <a:normAutofit fontScale="85000" lnSpcReduction="10000"/>
+          </a:bodyPr>
+          <a:lstStyle>
+            <a:lvl1pPr marL="342900" indent="-228600" algn="l" defTabSz="914400" rtl="0" eaLnBrk="1" latinLnBrk="0" hangingPunct="1">
+              <a:spcBef>
+                <a:spcPct val="20000"/>
+              </a:spcBef>
+              <a:buClr>
+                <a:schemeClr val="accent1"/>
+              </a:buClr>
+              <a:buFont typeface="Arial" pitchFamily="34" charset="0"/>
+              <a:buChar char="•"/>
+              <a:defRPr sz="2200" kern="1200">
+                <a:solidFill>
+                  <a:schemeClr val="tx1"/>
+                </a:solidFill>
+                <a:latin typeface="+mn-lt"/>
+                <a:ea typeface="+mn-ea"/>
+                <a:cs typeface="+mn-cs"/>
+              </a:defRPr>
+            </a:lvl1pPr>
+            <a:lvl2pPr marL="640080" indent="-228600" algn="l" defTabSz="914400" rtl="0" eaLnBrk="1" latinLnBrk="0" hangingPunct="1">
+              <a:spcBef>
+                <a:spcPct val="20000"/>
+              </a:spcBef>
+              <a:buClr>
+                <a:schemeClr val="accent2"/>
+              </a:buClr>
+              <a:buFont typeface="Arial" pitchFamily="34" charset="0"/>
+              <a:buChar char="•"/>
+              <a:defRPr sz="2000" kern="1200">
+                <a:solidFill>
+                  <a:schemeClr val="tx1"/>
+                </a:solidFill>
+                <a:latin typeface="+mn-lt"/>
+                <a:ea typeface="+mn-ea"/>
+                <a:cs typeface="+mn-cs"/>
+              </a:defRPr>
+            </a:lvl2pPr>
+            <a:lvl3pPr marL="1005840" indent="-228600" algn="l" defTabSz="914400" rtl="0" eaLnBrk="1" latinLnBrk="0" hangingPunct="1">
+              <a:spcBef>
+                <a:spcPct val="20000"/>
+              </a:spcBef>
+              <a:buClr>
+                <a:schemeClr val="accent3"/>
+              </a:buClr>
+              <a:buFont typeface="Arial" pitchFamily="34" charset="0"/>
+              <a:buChar char="•"/>
+              <a:defRPr sz="1800" kern="1200">
+                <a:solidFill>
+                  <a:schemeClr val="tx1"/>
+                </a:solidFill>
+                <a:latin typeface="+mn-lt"/>
+                <a:ea typeface="+mn-ea"/>
+                <a:cs typeface="+mn-cs"/>
+              </a:defRPr>
+            </a:lvl3pPr>
+            <a:lvl4pPr marL="1280160" indent="-228600" algn="l" defTabSz="914400" rtl="0" eaLnBrk="1" latinLnBrk="0" hangingPunct="1">
+              <a:spcBef>
+                <a:spcPct val="20000"/>
+              </a:spcBef>
+              <a:buClr>
+                <a:schemeClr val="accent4"/>
+              </a:buClr>
+              <a:buFont typeface="Arial" pitchFamily="34" charset="0"/>
+              <a:buChar char="•"/>
+              <a:defRPr sz="1600" kern="1200">
+                <a:solidFill>
+                  <a:schemeClr val="tx1"/>
+                </a:solidFill>
+                <a:latin typeface="+mn-lt"/>
+                <a:ea typeface="+mn-ea"/>
+                <a:cs typeface="+mn-cs"/>
+              </a:defRPr>
+            </a:lvl4pPr>
+            <a:lvl5pPr marL="1554480" indent="-228600" algn="l" defTabSz="914400" rtl="0" eaLnBrk="1" latinLnBrk="0" hangingPunct="1">
+              <a:spcBef>
+                <a:spcPct val="20000"/>
+              </a:spcBef>
+              <a:buClr>
+                <a:schemeClr val="accent5"/>
+              </a:buClr>
+              <a:buFont typeface="Arial" pitchFamily="34" charset="0"/>
+              <a:buChar char="•"/>
+              <a:defRPr sz="1400" kern="1200" baseline="0">
+                <a:solidFill>
+                  <a:schemeClr val="tx1"/>
+                </a:solidFill>
+                <a:latin typeface="+mn-lt"/>
+                <a:ea typeface="+mn-ea"/>
+                <a:cs typeface="+mn-cs"/>
+              </a:defRPr>
+            </a:lvl5pPr>
+            <a:lvl6pPr marL="1737360" indent="-182880" algn="l" defTabSz="914400" rtl="0" eaLnBrk="1" latinLnBrk="0" hangingPunct="1">
+              <a:spcBef>
+                <a:spcPct val="20000"/>
+              </a:spcBef>
+              <a:buClr>
+                <a:schemeClr val="accent1"/>
+              </a:buClr>
+              <a:buFont typeface="Arial" pitchFamily="34" charset="0"/>
+              <a:buChar char="•"/>
+              <a:defRPr sz="1400" kern="1200" baseline="0">
+                <a:solidFill>
+                  <a:schemeClr val="tx1"/>
+                </a:solidFill>
+                <a:latin typeface="+mn-lt"/>
+                <a:ea typeface="+mn-ea"/>
+                <a:cs typeface="+mn-cs"/>
+              </a:defRPr>
+            </a:lvl6pPr>
+            <a:lvl7pPr marL="1920240" indent="-182880" algn="l" defTabSz="914400" rtl="0" eaLnBrk="1" latinLnBrk="0" hangingPunct="1">
+              <a:spcBef>
+                <a:spcPct val="20000"/>
+              </a:spcBef>
+              <a:buClr>
+                <a:schemeClr val="accent2"/>
+              </a:buClr>
+              <a:buFont typeface="Arial" pitchFamily="34" charset="0"/>
+              <a:buChar char="•"/>
+              <a:defRPr sz="1400" kern="1200">
+                <a:solidFill>
+                  <a:schemeClr val="tx1"/>
+                </a:solidFill>
+                <a:latin typeface="+mn-lt"/>
+                <a:ea typeface="+mn-ea"/>
+                <a:cs typeface="+mn-cs"/>
+              </a:defRPr>
+            </a:lvl7pPr>
+            <a:lvl8pPr marL="2103120" indent="-182880" algn="l" defTabSz="914400" rtl="0" eaLnBrk="1" latinLnBrk="0" hangingPunct="1">
+              <a:spcBef>
+                <a:spcPct val="20000"/>
+              </a:spcBef>
+              <a:buClr>
+                <a:schemeClr val="accent3"/>
+              </a:buClr>
+              <a:buFont typeface="Arial" pitchFamily="34" charset="0"/>
+              <a:buChar char="•"/>
+              <a:defRPr sz="1400" kern="1200">
+                <a:solidFill>
+                  <a:schemeClr val="tx1"/>
+                </a:solidFill>
+                <a:latin typeface="+mn-lt"/>
+                <a:ea typeface="+mn-ea"/>
+                <a:cs typeface="+mn-cs"/>
+              </a:defRPr>
+            </a:lvl8pPr>
+            <a:lvl9pPr marL="2286000" indent="-182880" algn="l" defTabSz="914400" rtl="0" eaLnBrk="1" latinLnBrk="0" hangingPunct="1">
+              <a:spcBef>
+                <a:spcPct val="20000"/>
+              </a:spcBef>
+              <a:buClr>
+                <a:schemeClr val="accent4"/>
+              </a:buClr>
+              <a:buFont typeface="Arial" pitchFamily="34" charset="0"/>
+              <a:buChar char="•"/>
+              <a:defRPr sz="1400" kern="1200">
+                <a:solidFill>
+                  <a:schemeClr val="tx1"/>
+                </a:solidFill>
+                <a:latin typeface="+mn-lt"/>
+                <a:ea typeface="+mn-ea"/>
+                <a:cs typeface="+mn-cs"/>
+              </a:defRPr>
+            </a:lvl9pPr>
+          </a:lstStyle>
+          <a:p>
+            <a:pPr marL="457200" indent="-457200"/>
+            <a:r>
+              <a:rPr lang="en-US" sz="2400" dirty="0" smtClean="0"/>
+              <a:t>3 domains: Telephone conversation, meeting, broadcast news</a:t>
+            </a:r>
+          </a:p>
+          <a:p>
+            <a:pPr marL="457200" indent="-457200"/>
+            <a:r>
+              <a:rPr lang="en-US" sz="2400" dirty="0" smtClean="0"/>
+              <a:t>Aims at improving the accuracy</a:t>
+            </a:r>
+          </a:p>
+          <a:p>
+            <a:pPr marL="457200" indent="-457200"/>
+            <a:r>
+              <a:rPr lang="en-US" sz="2400" dirty="0" smtClean="0"/>
+              <a:t>Offline diarization</a:t>
+            </a:r>
+          </a:p>
+          <a:p>
+            <a:pPr marL="457200" indent="-457200"/>
+            <a:r>
+              <a:rPr lang="en-US" sz="2400" dirty="0" smtClean="0"/>
+              <a:t>Train the model that is effective in speaker recognition, and use to speaker </a:t>
+            </a:r>
+            <a:r>
+              <a:rPr lang="en-US" altLang="zh-CN" sz="2400" dirty="0"/>
+              <a:t>diarization</a:t>
+            </a:r>
+            <a:endParaRPr lang="en-US" sz="2400" dirty="0" smtClean="0"/>
           </a:p>
         </p:txBody>
       </p:sp>
@@ -10433,10 +16962,10 @@
           <a:lstStyle/>
           <a:p>
             <a:r>
-              <a:rPr lang="en-US" dirty="0" smtClean="0"/>
+              <a:rPr lang="en-US" sz="4000" dirty="0" smtClean="0"/>
               <a:t>Objectives</a:t>
             </a:r>
-            <a:endParaRPr lang="en-US" dirty="0"/>
+            <a:endParaRPr lang="en-US" sz="4400" dirty="0"/>
           </a:p>
         </p:txBody>
       </p:sp>
@@ -10450,7 +16979,12 @@
             <p:ph idx="1"/>
           </p:nvPr>
         </p:nvSpPr>
-        <p:spPr/>
+        <p:spPr>
+          <a:xfrm>
+            <a:off x="457200" y="1524000"/>
+            <a:ext cx="7620000" cy="4800600"/>
+          </a:xfrm>
+        </p:spPr>
         <p:txBody>
           <a:bodyPr/>
           <a:lstStyle/>
@@ -10491,13 +17025,13 @@
               <a:t>[Offline Version]: </a:t>
             </a:r>
             <a:r>
-              <a:rPr lang="en-US" sz="2400" dirty="0" smtClean="0">
+              <a:rPr lang="en-US" dirty="0" smtClean="0">
                 <a:latin typeface="Calibri" pitchFamily="34" charset="0"/>
               </a:rPr>
               <a:t>label </a:t>
             </a:r>
             <a:r>
-              <a:rPr lang="en-US" sz="2400" dirty="0">
+              <a:rPr lang="en-US" dirty="0">
                 <a:latin typeface="Calibri" pitchFamily="34" charset="0"/>
               </a:rPr>
               <a:t>the speakers in a recorded audio and visualize the results</a:t>
@@ -10509,34 +17043,22 @@
               <a:rPr lang="en-US" sz="2400" b="1" dirty="0" smtClean="0">
                 <a:latin typeface="Calibri" pitchFamily="34" charset="0"/>
               </a:rPr>
-              <a:t>[</a:t>
+              <a:t>[Real-time Version]: </a:t>
             </a:r>
             <a:r>
-              <a:rPr lang="en-US" sz="2400" b="1" dirty="0" smtClean="0">
-                <a:latin typeface="Calibri" pitchFamily="34" charset="0"/>
-              </a:rPr>
-              <a:t>Real-time </a:t>
-            </a:r>
-            <a:r>
-              <a:rPr lang="en-US" sz="2400" b="1" dirty="0" smtClean="0">
-                <a:latin typeface="Calibri" pitchFamily="34" charset="0"/>
-              </a:rPr>
-              <a:t>Version]: </a:t>
-            </a:r>
-            <a:r>
-              <a:rPr lang="en-US" sz="2400" dirty="0" smtClean="0">
+              <a:rPr lang="en-US" dirty="0" smtClean="0">
                 <a:latin typeface="Calibri" pitchFamily="34" charset="0"/>
               </a:rPr>
               <a:t>generate </a:t>
             </a:r>
             <a:r>
-              <a:rPr lang="en-US" sz="2400" dirty="0">
+              <a:rPr lang="en-US" dirty="0">
                 <a:latin typeface="Calibri" pitchFamily="34" charset="0"/>
               </a:rPr>
               <a:t>outputs as the input is analyzed and correct the earlier output when </a:t>
             </a:r>
             <a:r>
-              <a:rPr lang="en-US" sz="2400" dirty="0" smtClean="0">
+              <a:rPr lang="en-US" dirty="0" smtClean="0">
                 <a:latin typeface="Calibri" pitchFamily="34" charset="0"/>
               </a:rPr>
               <a:t>necessary</a:t>
@@ -10558,7 +17080,7 @@
               </a:buClr>
             </a:pPr>
             <a:r>
-              <a:rPr lang="en-US" sz="2000" dirty="0" smtClean="0">
+              <a:rPr lang="en-US" sz="2200" dirty="0" smtClean="0">
                 <a:latin typeface="Calibri" pitchFamily="34" charset="0"/>
               </a:rPr>
               <a:t>Language-independent;</a:t>
@@ -10571,7 +17093,7 @@
               </a:buClr>
             </a:pPr>
             <a:r>
-              <a:rPr lang="en-US" sz="2000" dirty="0" smtClean="0">
+              <a:rPr lang="en-US" sz="2200" dirty="0" smtClean="0">
                 <a:latin typeface="Calibri" pitchFamily="34" charset="0"/>
               </a:rPr>
               <a:t>domain-robust;</a:t>
@@ -10584,12 +17106,12 @@
               </a:buClr>
             </a:pPr>
             <a:r>
-              <a:rPr lang="en-US" sz="2000" dirty="0" smtClean="0">
+              <a:rPr lang="en-US" sz="2200" dirty="0" smtClean="0">
                 <a:latin typeface="Calibri" pitchFamily="34" charset="0"/>
               </a:rPr>
               <a:t>Platform-independent;</a:t>
             </a:r>
-            <a:endParaRPr lang="en-US" altLang="zh-CN" sz="2000" dirty="0" smtClean="0">
+            <a:endParaRPr lang="en-US" altLang="zh-CN" sz="2200" dirty="0" smtClean="0">
               <a:latin typeface="Calibri" pitchFamily="34" charset="0"/>
             </a:endParaRPr>
           </a:p>
@@ -10600,18 +17122,18 @@
               </a:buClr>
             </a:pPr>
             <a:r>
-              <a:rPr lang="en-US" altLang="zh-CN" sz="2000" dirty="0" smtClean="0">
+              <a:rPr lang="en-US" altLang="zh-CN" sz="2200" dirty="0" smtClean="0">
                 <a:latin typeface="Calibri" pitchFamily="34" charset="0"/>
               </a:rPr>
               <a:t>Do </a:t>
             </a:r>
             <a:r>
-              <a:rPr lang="en-US" altLang="zh-CN" sz="2000" dirty="0">
+              <a:rPr lang="en-US" altLang="zh-CN" sz="2200" dirty="0">
                 <a:latin typeface="Calibri" pitchFamily="34" charset="0"/>
               </a:rPr>
               <a:t>not need prior training</a:t>
             </a:r>
-            <a:endParaRPr lang="en-US" sz="2000" dirty="0">
+            <a:endParaRPr lang="en-US" sz="2200" dirty="0">
               <a:latin typeface="Calibri" pitchFamily="34" charset="0"/>
             </a:endParaRPr>
           </a:p>
@@ -10717,1362 +17239,6 @@
         </p:nvSpPr>
         <p:spPr>
           <a:xfrm>
-            <a:off x="457200" y="274638"/>
-            <a:ext cx="5538927" cy="830839"/>
-          </a:xfrm>
-        </p:spPr>
-        <p:txBody>
-          <a:bodyPr/>
-          <a:lstStyle/>
-          <a:p>
-            <a:r>
-              <a:rPr lang="en-US" sz="4000" dirty="0" smtClean="0"/>
-              <a:t>System workflow</a:t>
-            </a:r>
-            <a:endParaRPr lang="en-US" sz="4000" dirty="0"/>
-          </a:p>
-        </p:txBody>
-      </p:sp>
-      <p:grpSp>
-        <p:nvGrpSpPr>
-          <p:cNvPr id="4" name="Group 3"/>
-          <p:cNvGrpSpPr/>
-          <p:nvPr/>
-        </p:nvGrpSpPr>
-        <p:grpSpPr>
-          <a:xfrm>
-            <a:off x="1203181" y="1533758"/>
-            <a:ext cx="3533488" cy="4806330"/>
-            <a:chOff x="11871248" y="11013859"/>
-            <a:chExt cx="5907962" cy="8036141"/>
-          </a:xfrm>
-        </p:grpSpPr>
-        <p:grpSp>
-          <p:nvGrpSpPr>
-            <p:cNvPr id="5" name="Group 4"/>
-            <p:cNvGrpSpPr/>
-            <p:nvPr/>
-          </p:nvGrpSpPr>
-          <p:grpSpPr>
-            <a:xfrm>
-              <a:off x="11871248" y="11013859"/>
-              <a:ext cx="5907962" cy="5353133"/>
-              <a:chOff x="11871248" y="11013859"/>
-              <a:chExt cx="5907962" cy="5353133"/>
-            </a:xfrm>
-          </p:grpSpPr>
-          <p:sp>
-            <p:nvSpPr>
-              <p:cNvPr id="12" name="Rectangle 11"/>
-              <p:cNvSpPr/>
-              <p:nvPr/>
-            </p:nvSpPr>
-            <p:spPr>
-              <a:xfrm>
-                <a:off x="11871248" y="11443989"/>
-                <a:ext cx="3283190" cy="1440933"/>
-              </a:xfrm>
-              <a:prstGeom prst="rect">
-                <a:avLst/>
-              </a:prstGeom>
-              <a:noFill/>
-              <a:ln w="12700">
-                <a:solidFill>
-                  <a:schemeClr val="tx1"/>
-                </a:solidFill>
-              </a:ln>
-            </p:spPr>
-            <p:style>
-              <a:lnRef idx="2">
-                <a:schemeClr val="accent1">
-                  <a:shade val="50000"/>
-                </a:schemeClr>
-              </a:lnRef>
-              <a:fillRef idx="1">
-                <a:schemeClr val="accent1"/>
-              </a:fillRef>
-              <a:effectRef idx="0">
-                <a:schemeClr val="accent1"/>
-              </a:effectRef>
-              <a:fontRef idx="minor">
-                <a:schemeClr val="lt1"/>
-              </a:fontRef>
-            </p:style>
-            <p:txBody>
-              <a:bodyPr rtlCol="0" anchor="ctr"/>
-              <a:lstStyle>
-                <a:defPPr>
-                  <a:defRPr lang="en-US"/>
-                </a:defPPr>
-                <a:lvl1pPr marL="0" algn="l" defTabSz="3291279" rtl="0" eaLnBrk="1" latinLnBrk="0" hangingPunct="1">
-                  <a:defRPr sz="6400" kern="1200">
-                    <a:solidFill>
-                      <a:schemeClr val="lt1"/>
-                    </a:solidFill>
-                    <a:latin typeface="+mn-lt"/>
-                    <a:ea typeface="+mn-ea"/>
-                    <a:cs typeface="+mn-cs"/>
-                  </a:defRPr>
-                </a:lvl1pPr>
-                <a:lvl2pPr marL="1645640" algn="l" defTabSz="3291279" rtl="0" eaLnBrk="1" latinLnBrk="0" hangingPunct="1">
-                  <a:defRPr sz="6400" kern="1200">
-                    <a:solidFill>
-                      <a:schemeClr val="lt1"/>
-                    </a:solidFill>
-                    <a:latin typeface="+mn-lt"/>
-                    <a:ea typeface="+mn-ea"/>
-                    <a:cs typeface="+mn-cs"/>
-                  </a:defRPr>
-                </a:lvl2pPr>
-                <a:lvl3pPr marL="3291279" algn="l" defTabSz="3291279" rtl="0" eaLnBrk="1" latinLnBrk="0" hangingPunct="1">
-                  <a:defRPr sz="6400" kern="1200">
-                    <a:solidFill>
-                      <a:schemeClr val="lt1"/>
-                    </a:solidFill>
-                    <a:latin typeface="+mn-lt"/>
-                    <a:ea typeface="+mn-ea"/>
-                    <a:cs typeface="+mn-cs"/>
-                  </a:defRPr>
-                </a:lvl3pPr>
-                <a:lvl4pPr marL="4936919" algn="l" defTabSz="3291279" rtl="0" eaLnBrk="1" latinLnBrk="0" hangingPunct="1">
-                  <a:defRPr sz="6400" kern="1200">
-                    <a:solidFill>
-                      <a:schemeClr val="lt1"/>
-                    </a:solidFill>
-                    <a:latin typeface="+mn-lt"/>
-                    <a:ea typeface="+mn-ea"/>
-                    <a:cs typeface="+mn-cs"/>
-                  </a:defRPr>
-                </a:lvl4pPr>
-                <a:lvl5pPr marL="6582559" algn="l" defTabSz="3291279" rtl="0" eaLnBrk="1" latinLnBrk="0" hangingPunct="1">
-                  <a:defRPr sz="6400" kern="1200">
-                    <a:solidFill>
-                      <a:schemeClr val="lt1"/>
-                    </a:solidFill>
-                    <a:latin typeface="+mn-lt"/>
-                    <a:ea typeface="+mn-ea"/>
-                    <a:cs typeface="+mn-cs"/>
-                  </a:defRPr>
-                </a:lvl5pPr>
-                <a:lvl6pPr marL="8228198" algn="l" defTabSz="3291279" rtl="0" eaLnBrk="1" latinLnBrk="0" hangingPunct="1">
-                  <a:defRPr sz="6400" kern="1200">
-                    <a:solidFill>
-                      <a:schemeClr val="lt1"/>
-                    </a:solidFill>
-                    <a:latin typeface="+mn-lt"/>
-                    <a:ea typeface="+mn-ea"/>
-                    <a:cs typeface="+mn-cs"/>
-                  </a:defRPr>
-                </a:lvl6pPr>
-                <a:lvl7pPr marL="9873837" algn="l" defTabSz="3291279" rtl="0" eaLnBrk="1" latinLnBrk="0" hangingPunct="1">
-                  <a:defRPr sz="6400" kern="1200">
-                    <a:solidFill>
-                      <a:schemeClr val="lt1"/>
-                    </a:solidFill>
-                    <a:latin typeface="+mn-lt"/>
-                    <a:ea typeface="+mn-ea"/>
-                    <a:cs typeface="+mn-cs"/>
-                  </a:defRPr>
-                </a:lvl7pPr>
-                <a:lvl8pPr marL="11519478" algn="l" defTabSz="3291279" rtl="0" eaLnBrk="1" latinLnBrk="0" hangingPunct="1">
-                  <a:defRPr sz="6400" kern="1200">
-                    <a:solidFill>
-                      <a:schemeClr val="lt1"/>
-                    </a:solidFill>
-                    <a:latin typeface="+mn-lt"/>
-                    <a:ea typeface="+mn-ea"/>
-                    <a:cs typeface="+mn-cs"/>
-                  </a:defRPr>
-                </a:lvl8pPr>
-                <a:lvl9pPr marL="13165118" algn="l" defTabSz="3291279" rtl="0" eaLnBrk="1" latinLnBrk="0" hangingPunct="1">
-                  <a:defRPr sz="6400" kern="1200">
-                    <a:solidFill>
-                      <a:schemeClr val="lt1"/>
-                    </a:solidFill>
-                    <a:latin typeface="+mn-lt"/>
-                    <a:ea typeface="+mn-ea"/>
-                    <a:cs typeface="+mn-cs"/>
-                  </a:defRPr>
-                </a:lvl9pPr>
-              </a:lstStyle>
-              <a:p>
-                <a:pPr algn="ctr"/>
-                <a:r>
-                  <a:rPr lang="en-US" sz="1800" dirty="0">
-                    <a:solidFill>
-                      <a:schemeClr val="tx1"/>
-                    </a:solidFill>
-                  </a:rPr>
-                  <a:t>Voice Activity Detection,  Feature extraction</a:t>
-                </a:r>
-              </a:p>
-            </p:txBody>
-          </p:sp>
-          <p:sp>
-            <p:nvSpPr>
-              <p:cNvPr id="13" name="Rectangle 12"/>
-              <p:cNvSpPr/>
-              <p:nvPr/>
-            </p:nvSpPr>
-            <p:spPr>
-              <a:xfrm>
-                <a:off x="15670050" y="11478247"/>
-                <a:ext cx="2109160" cy="1371838"/>
-              </a:xfrm>
-              <a:prstGeom prst="rect">
-                <a:avLst/>
-              </a:prstGeom>
-              <a:noFill/>
-              <a:ln w="12700">
-                <a:solidFill>
-                  <a:schemeClr val="tx1"/>
-                </a:solidFill>
-              </a:ln>
-            </p:spPr>
-            <p:style>
-              <a:lnRef idx="2">
-                <a:schemeClr val="accent1">
-                  <a:shade val="50000"/>
-                </a:schemeClr>
-              </a:lnRef>
-              <a:fillRef idx="1">
-                <a:schemeClr val="accent1"/>
-              </a:fillRef>
-              <a:effectRef idx="0">
-                <a:schemeClr val="accent1"/>
-              </a:effectRef>
-              <a:fontRef idx="minor">
-                <a:schemeClr val="lt1"/>
-              </a:fontRef>
-            </p:style>
-            <p:txBody>
-              <a:bodyPr rtlCol="0" anchor="ctr"/>
-              <a:lstStyle>
-                <a:defPPr>
-                  <a:defRPr lang="en-US"/>
-                </a:defPPr>
-                <a:lvl1pPr marL="0" algn="l" defTabSz="3291279" rtl="0" eaLnBrk="1" latinLnBrk="0" hangingPunct="1">
-                  <a:defRPr sz="6400" kern="1200">
-                    <a:solidFill>
-                      <a:schemeClr val="lt1"/>
-                    </a:solidFill>
-                    <a:latin typeface="+mn-lt"/>
-                    <a:ea typeface="+mn-ea"/>
-                    <a:cs typeface="+mn-cs"/>
-                  </a:defRPr>
-                </a:lvl1pPr>
-                <a:lvl2pPr marL="1645640" algn="l" defTabSz="3291279" rtl="0" eaLnBrk="1" latinLnBrk="0" hangingPunct="1">
-                  <a:defRPr sz="6400" kern="1200">
-                    <a:solidFill>
-                      <a:schemeClr val="lt1"/>
-                    </a:solidFill>
-                    <a:latin typeface="+mn-lt"/>
-                    <a:ea typeface="+mn-ea"/>
-                    <a:cs typeface="+mn-cs"/>
-                  </a:defRPr>
-                </a:lvl2pPr>
-                <a:lvl3pPr marL="3291279" algn="l" defTabSz="3291279" rtl="0" eaLnBrk="1" latinLnBrk="0" hangingPunct="1">
-                  <a:defRPr sz="6400" kern="1200">
-                    <a:solidFill>
-                      <a:schemeClr val="lt1"/>
-                    </a:solidFill>
-                    <a:latin typeface="+mn-lt"/>
-                    <a:ea typeface="+mn-ea"/>
-                    <a:cs typeface="+mn-cs"/>
-                  </a:defRPr>
-                </a:lvl3pPr>
-                <a:lvl4pPr marL="4936919" algn="l" defTabSz="3291279" rtl="0" eaLnBrk="1" latinLnBrk="0" hangingPunct="1">
-                  <a:defRPr sz="6400" kern="1200">
-                    <a:solidFill>
-                      <a:schemeClr val="lt1"/>
-                    </a:solidFill>
-                    <a:latin typeface="+mn-lt"/>
-                    <a:ea typeface="+mn-ea"/>
-                    <a:cs typeface="+mn-cs"/>
-                  </a:defRPr>
-                </a:lvl4pPr>
-                <a:lvl5pPr marL="6582559" algn="l" defTabSz="3291279" rtl="0" eaLnBrk="1" latinLnBrk="0" hangingPunct="1">
-                  <a:defRPr sz="6400" kern="1200">
-                    <a:solidFill>
-                      <a:schemeClr val="lt1"/>
-                    </a:solidFill>
-                    <a:latin typeface="+mn-lt"/>
-                    <a:ea typeface="+mn-ea"/>
-                    <a:cs typeface="+mn-cs"/>
-                  </a:defRPr>
-                </a:lvl5pPr>
-                <a:lvl6pPr marL="8228198" algn="l" defTabSz="3291279" rtl="0" eaLnBrk="1" latinLnBrk="0" hangingPunct="1">
-                  <a:defRPr sz="6400" kern="1200">
-                    <a:solidFill>
-                      <a:schemeClr val="lt1"/>
-                    </a:solidFill>
-                    <a:latin typeface="+mn-lt"/>
-                    <a:ea typeface="+mn-ea"/>
-                    <a:cs typeface="+mn-cs"/>
-                  </a:defRPr>
-                </a:lvl6pPr>
-                <a:lvl7pPr marL="9873837" algn="l" defTabSz="3291279" rtl="0" eaLnBrk="1" latinLnBrk="0" hangingPunct="1">
-                  <a:defRPr sz="6400" kern="1200">
-                    <a:solidFill>
-                      <a:schemeClr val="lt1"/>
-                    </a:solidFill>
-                    <a:latin typeface="+mn-lt"/>
-                    <a:ea typeface="+mn-ea"/>
-                    <a:cs typeface="+mn-cs"/>
-                  </a:defRPr>
-                </a:lvl7pPr>
-                <a:lvl8pPr marL="11519478" algn="l" defTabSz="3291279" rtl="0" eaLnBrk="1" latinLnBrk="0" hangingPunct="1">
-                  <a:defRPr sz="6400" kern="1200">
-                    <a:solidFill>
-                      <a:schemeClr val="lt1"/>
-                    </a:solidFill>
-                    <a:latin typeface="+mn-lt"/>
-                    <a:ea typeface="+mn-ea"/>
-                    <a:cs typeface="+mn-cs"/>
-                  </a:defRPr>
-                </a:lvl8pPr>
-                <a:lvl9pPr marL="13165118" algn="l" defTabSz="3291279" rtl="0" eaLnBrk="1" latinLnBrk="0" hangingPunct="1">
-                  <a:defRPr sz="6400" kern="1200">
-                    <a:solidFill>
-                      <a:schemeClr val="lt1"/>
-                    </a:solidFill>
-                    <a:latin typeface="+mn-lt"/>
-                    <a:ea typeface="+mn-ea"/>
-                    <a:cs typeface="+mn-cs"/>
-                  </a:defRPr>
-                </a:lvl9pPr>
-              </a:lstStyle>
-              <a:p>
-                <a:pPr algn="ctr"/>
-                <a:r>
-                  <a:rPr lang="en-US" sz="1800" dirty="0">
-                    <a:solidFill>
-                      <a:schemeClr val="tx1"/>
-                    </a:solidFill>
-                  </a:rPr>
-                  <a:t>KBM Training</a:t>
-                </a:r>
-              </a:p>
-            </p:txBody>
-          </p:sp>
-          <p:sp>
-            <p:nvSpPr>
-              <p:cNvPr id="14" name="Rectangle 13"/>
-              <p:cNvSpPr/>
-              <p:nvPr/>
-            </p:nvSpPr>
-            <p:spPr>
-              <a:xfrm>
-                <a:off x="13316270" y="13686568"/>
-                <a:ext cx="2990531" cy="1126862"/>
-              </a:xfrm>
-              <a:prstGeom prst="rect">
-                <a:avLst/>
-              </a:prstGeom>
-              <a:noFill/>
-              <a:ln w="12700">
-                <a:solidFill>
-                  <a:schemeClr val="tx1"/>
-                </a:solidFill>
-              </a:ln>
-            </p:spPr>
-            <p:style>
-              <a:lnRef idx="2">
-                <a:schemeClr val="accent1">
-                  <a:shade val="50000"/>
-                </a:schemeClr>
-              </a:lnRef>
-              <a:fillRef idx="1">
-                <a:schemeClr val="accent1"/>
-              </a:fillRef>
-              <a:effectRef idx="0">
-                <a:schemeClr val="accent1"/>
-              </a:effectRef>
-              <a:fontRef idx="minor">
-                <a:schemeClr val="lt1"/>
-              </a:fontRef>
-            </p:style>
-            <p:txBody>
-              <a:bodyPr rtlCol="0" anchor="ctr"/>
-              <a:lstStyle>
-                <a:defPPr>
-                  <a:defRPr lang="en-US"/>
-                </a:defPPr>
-                <a:lvl1pPr marL="0" algn="l" defTabSz="3291279" rtl="0" eaLnBrk="1" latinLnBrk="0" hangingPunct="1">
-                  <a:defRPr sz="6400" kern="1200">
-                    <a:solidFill>
-                      <a:schemeClr val="lt1"/>
-                    </a:solidFill>
-                    <a:latin typeface="+mn-lt"/>
-                    <a:ea typeface="+mn-ea"/>
-                    <a:cs typeface="+mn-cs"/>
-                  </a:defRPr>
-                </a:lvl1pPr>
-                <a:lvl2pPr marL="1645640" algn="l" defTabSz="3291279" rtl="0" eaLnBrk="1" latinLnBrk="0" hangingPunct="1">
-                  <a:defRPr sz="6400" kern="1200">
-                    <a:solidFill>
-                      <a:schemeClr val="lt1"/>
-                    </a:solidFill>
-                    <a:latin typeface="+mn-lt"/>
-                    <a:ea typeface="+mn-ea"/>
-                    <a:cs typeface="+mn-cs"/>
-                  </a:defRPr>
-                </a:lvl2pPr>
-                <a:lvl3pPr marL="3291279" algn="l" defTabSz="3291279" rtl="0" eaLnBrk="1" latinLnBrk="0" hangingPunct="1">
-                  <a:defRPr sz="6400" kern="1200">
-                    <a:solidFill>
-                      <a:schemeClr val="lt1"/>
-                    </a:solidFill>
-                    <a:latin typeface="+mn-lt"/>
-                    <a:ea typeface="+mn-ea"/>
-                    <a:cs typeface="+mn-cs"/>
-                  </a:defRPr>
-                </a:lvl3pPr>
-                <a:lvl4pPr marL="4936919" algn="l" defTabSz="3291279" rtl="0" eaLnBrk="1" latinLnBrk="0" hangingPunct="1">
-                  <a:defRPr sz="6400" kern="1200">
-                    <a:solidFill>
-                      <a:schemeClr val="lt1"/>
-                    </a:solidFill>
-                    <a:latin typeface="+mn-lt"/>
-                    <a:ea typeface="+mn-ea"/>
-                    <a:cs typeface="+mn-cs"/>
-                  </a:defRPr>
-                </a:lvl4pPr>
-                <a:lvl5pPr marL="6582559" algn="l" defTabSz="3291279" rtl="0" eaLnBrk="1" latinLnBrk="0" hangingPunct="1">
-                  <a:defRPr sz="6400" kern="1200">
-                    <a:solidFill>
-                      <a:schemeClr val="lt1"/>
-                    </a:solidFill>
-                    <a:latin typeface="+mn-lt"/>
-                    <a:ea typeface="+mn-ea"/>
-                    <a:cs typeface="+mn-cs"/>
-                  </a:defRPr>
-                </a:lvl5pPr>
-                <a:lvl6pPr marL="8228198" algn="l" defTabSz="3291279" rtl="0" eaLnBrk="1" latinLnBrk="0" hangingPunct="1">
-                  <a:defRPr sz="6400" kern="1200">
-                    <a:solidFill>
-                      <a:schemeClr val="lt1"/>
-                    </a:solidFill>
-                    <a:latin typeface="+mn-lt"/>
-                    <a:ea typeface="+mn-ea"/>
-                    <a:cs typeface="+mn-cs"/>
-                  </a:defRPr>
-                </a:lvl6pPr>
-                <a:lvl7pPr marL="9873837" algn="l" defTabSz="3291279" rtl="0" eaLnBrk="1" latinLnBrk="0" hangingPunct="1">
-                  <a:defRPr sz="6400" kern="1200">
-                    <a:solidFill>
-                      <a:schemeClr val="lt1"/>
-                    </a:solidFill>
-                    <a:latin typeface="+mn-lt"/>
-                    <a:ea typeface="+mn-ea"/>
-                    <a:cs typeface="+mn-cs"/>
-                  </a:defRPr>
-                </a:lvl7pPr>
-                <a:lvl8pPr marL="11519478" algn="l" defTabSz="3291279" rtl="0" eaLnBrk="1" latinLnBrk="0" hangingPunct="1">
-                  <a:defRPr sz="6400" kern="1200">
-                    <a:solidFill>
-                      <a:schemeClr val="lt1"/>
-                    </a:solidFill>
-                    <a:latin typeface="+mn-lt"/>
-                    <a:ea typeface="+mn-ea"/>
-                    <a:cs typeface="+mn-cs"/>
-                  </a:defRPr>
-                </a:lvl8pPr>
-                <a:lvl9pPr marL="13165118" algn="l" defTabSz="3291279" rtl="0" eaLnBrk="1" latinLnBrk="0" hangingPunct="1">
-                  <a:defRPr sz="6400" kern="1200">
-                    <a:solidFill>
-                      <a:schemeClr val="lt1"/>
-                    </a:solidFill>
-                    <a:latin typeface="+mn-lt"/>
-                    <a:ea typeface="+mn-ea"/>
-                    <a:cs typeface="+mn-cs"/>
-                  </a:defRPr>
-                </a:lvl9pPr>
-              </a:lstStyle>
-              <a:p>
-                <a:pPr algn="ctr"/>
-                <a:r>
-                  <a:rPr lang="en-US" sz="1800" dirty="0">
-                    <a:solidFill>
-                      <a:schemeClr val="tx1"/>
-                    </a:solidFill>
-                  </a:rPr>
-                  <a:t>Feature </a:t>
-                </a:r>
-                <a:r>
-                  <a:rPr lang="en-US" sz="1800" dirty="0" smtClean="0">
-                    <a:solidFill>
-                      <a:schemeClr val="tx1"/>
-                    </a:solidFill>
-                  </a:rPr>
-                  <a:t>Representation</a:t>
-                </a:r>
-                <a:endParaRPr lang="en-US" sz="1800" dirty="0">
-                  <a:solidFill>
-                    <a:schemeClr val="tx1"/>
-                  </a:solidFill>
-                </a:endParaRPr>
-              </a:p>
-            </p:txBody>
-          </p:sp>
-          <p:cxnSp>
-            <p:nvCxnSpPr>
-              <p:cNvPr id="16" name="Straight Arrow Connector 15"/>
-              <p:cNvCxnSpPr>
-                <a:cxnSpLocks/>
-                <a:stCxn id="12" idx="3"/>
-                <a:endCxn id="13" idx="1"/>
-              </p:cNvCxnSpPr>
-              <p:nvPr/>
-            </p:nvCxnSpPr>
-            <p:spPr>
-              <a:xfrm flipV="1">
-                <a:off x="15154438" y="12164166"/>
-                <a:ext cx="515612" cy="290"/>
-              </a:xfrm>
-              <a:prstGeom prst="straightConnector1">
-                <a:avLst/>
-              </a:prstGeom>
-              <a:ln w="12700">
-                <a:solidFill>
-                  <a:schemeClr val="tx1"/>
-                </a:solidFill>
-                <a:tailEnd type="arrow"/>
-              </a:ln>
-            </p:spPr>
-            <p:style>
-              <a:lnRef idx="1">
-                <a:schemeClr val="accent1"/>
-              </a:lnRef>
-              <a:fillRef idx="0">
-                <a:schemeClr val="accent1"/>
-              </a:fillRef>
-              <a:effectRef idx="0">
-                <a:schemeClr val="accent1"/>
-              </a:effectRef>
-              <a:fontRef idx="minor">
-                <a:schemeClr val="tx1"/>
-              </a:fontRef>
-            </p:style>
-          </p:cxnSp>
-          <p:cxnSp>
-            <p:nvCxnSpPr>
-              <p:cNvPr id="17" name="Straight Arrow Connector 16"/>
-              <p:cNvCxnSpPr>
-                <a:cxnSpLocks/>
-                <a:stCxn id="12" idx="2"/>
-                <a:endCxn id="14" idx="0"/>
-              </p:cNvCxnSpPr>
-              <p:nvPr/>
-            </p:nvCxnSpPr>
-            <p:spPr>
-              <a:xfrm>
-                <a:off x="13512843" y="12884922"/>
-                <a:ext cx="1298693" cy="801646"/>
-              </a:xfrm>
-              <a:prstGeom prst="straightConnector1">
-                <a:avLst/>
-              </a:prstGeom>
-              <a:ln w="12700">
-                <a:solidFill>
-                  <a:schemeClr val="tx1"/>
-                </a:solidFill>
-                <a:tailEnd type="arrow"/>
-              </a:ln>
-            </p:spPr>
-            <p:style>
-              <a:lnRef idx="1">
-                <a:schemeClr val="accent1"/>
-              </a:lnRef>
-              <a:fillRef idx="0">
-                <a:schemeClr val="accent1"/>
-              </a:fillRef>
-              <a:effectRef idx="0">
-                <a:schemeClr val="accent1"/>
-              </a:effectRef>
-              <a:fontRef idx="minor">
-                <a:schemeClr val="tx1"/>
-              </a:fontRef>
-            </p:style>
-          </p:cxnSp>
-          <p:cxnSp>
-            <p:nvCxnSpPr>
-              <p:cNvPr id="18" name="Straight Arrow Connector 17"/>
-              <p:cNvCxnSpPr>
-                <a:cxnSpLocks/>
-                <a:stCxn id="13" idx="2"/>
-                <a:endCxn id="14" idx="0"/>
-              </p:cNvCxnSpPr>
-              <p:nvPr/>
-            </p:nvCxnSpPr>
-            <p:spPr>
-              <a:xfrm flipH="1">
-                <a:off x="14811535" y="12850085"/>
-                <a:ext cx="1913094" cy="836484"/>
-              </a:xfrm>
-              <a:prstGeom prst="straightConnector1">
-                <a:avLst/>
-              </a:prstGeom>
-              <a:ln w="12700">
-                <a:solidFill>
-                  <a:schemeClr val="tx1"/>
-                </a:solidFill>
-                <a:tailEnd type="arrow"/>
-              </a:ln>
-            </p:spPr>
-            <p:style>
-              <a:lnRef idx="1">
-                <a:schemeClr val="accent1"/>
-              </a:lnRef>
-              <a:fillRef idx="0">
-                <a:schemeClr val="accent1"/>
-              </a:fillRef>
-              <a:effectRef idx="0">
-                <a:schemeClr val="accent1"/>
-              </a:effectRef>
-              <a:fontRef idx="minor">
-                <a:schemeClr val="tx1"/>
-              </a:fontRef>
-            </p:style>
-          </p:cxnSp>
-          <p:cxnSp>
-            <p:nvCxnSpPr>
-              <p:cNvPr id="20" name="Straight Arrow Connector 19"/>
-              <p:cNvCxnSpPr>
-                <a:cxnSpLocks/>
-                <a:endCxn id="12" idx="0"/>
-              </p:cNvCxnSpPr>
-              <p:nvPr/>
-            </p:nvCxnSpPr>
-            <p:spPr>
-              <a:xfrm>
-                <a:off x="13490289" y="11013859"/>
-                <a:ext cx="22554" cy="430130"/>
-              </a:xfrm>
-              <a:prstGeom prst="straightConnector1">
-                <a:avLst/>
-              </a:prstGeom>
-              <a:ln w="12700">
-                <a:solidFill>
-                  <a:schemeClr val="tx1"/>
-                </a:solidFill>
-                <a:tailEnd type="arrow"/>
-              </a:ln>
-            </p:spPr>
-            <p:style>
-              <a:lnRef idx="1">
-                <a:schemeClr val="accent1"/>
-              </a:lnRef>
-              <a:fillRef idx="0">
-                <a:schemeClr val="accent1"/>
-              </a:fillRef>
-              <a:effectRef idx="0">
-                <a:schemeClr val="accent1"/>
-              </a:effectRef>
-              <a:fontRef idx="minor">
-                <a:schemeClr val="tx1"/>
-              </a:fontRef>
-            </p:style>
-          </p:cxnSp>
-          <p:sp>
-            <p:nvSpPr>
-              <p:cNvPr id="22" name="Rectangle 21"/>
-              <p:cNvSpPr/>
-              <p:nvPr/>
-            </p:nvSpPr>
-            <p:spPr>
-              <a:xfrm>
-                <a:off x="13792200" y="15240131"/>
-                <a:ext cx="2049423" cy="1126861"/>
-              </a:xfrm>
-              <a:prstGeom prst="rect">
-                <a:avLst/>
-              </a:prstGeom>
-              <a:noFill/>
-              <a:ln w="12700">
-                <a:solidFill>
-                  <a:schemeClr val="tx1"/>
-                </a:solidFill>
-              </a:ln>
-            </p:spPr>
-            <p:style>
-              <a:lnRef idx="2">
-                <a:schemeClr val="accent1">
-                  <a:shade val="50000"/>
-                </a:schemeClr>
-              </a:lnRef>
-              <a:fillRef idx="1">
-                <a:schemeClr val="accent1"/>
-              </a:fillRef>
-              <a:effectRef idx="0">
-                <a:schemeClr val="accent1"/>
-              </a:effectRef>
-              <a:fontRef idx="minor">
-                <a:schemeClr val="lt1"/>
-              </a:fontRef>
-            </p:style>
-            <p:txBody>
-              <a:bodyPr rtlCol="0" anchor="ctr"/>
-              <a:lstStyle>
-                <a:defPPr>
-                  <a:defRPr lang="en-US"/>
-                </a:defPPr>
-                <a:lvl1pPr marL="0" algn="l" defTabSz="3291279" rtl="0" eaLnBrk="1" latinLnBrk="0" hangingPunct="1">
-                  <a:defRPr sz="6400" kern="1200">
-                    <a:solidFill>
-                      <a:schemeClr val="lt1"/>
-                    </a:solidFill>
-                    <a:latin typeface="+mn-lt"/>
-                    <a:ea typeface="+mn-ea"/>
-                    <a:cs typeface="+mn-cs"/>
-                  </a:defRPr>
-                </a:lvl1pPr>
-                <a:lvl2pPr marL="1645640" algn="l" defTabSz="3291279" rtl="0" eaLnBrk="1" latinLnBrk="0" hangingPunct="1">
-                  <a:defRPr sz="6400" kern="1200">
-                    <a:solidFill>
-                      <a:schemeClr val="lt1"/>
-                    </a:solidFill>
-                    <a:latin typeface="+mn-lt"/>
-                    <a:ea typeface="+mn-ea"/>
-                    <a:cs typeface="+mn-cs"/>
-                  </a:defRPr>
-                </a:lvl2pPr>
-                <a:lvl3pPr marL="3291279" algn="l" defTabSz="3291279" rtl="0" eaLnBrk="1" latinLnBrk="0" hangingPunct="1">
-                  <a:defRPr sz="6400" kern="1200">
-                    <a:solidFill>
-                      <a:schemeClr val="lt1"/>
-                    </a:solidFill>
-                    <a:latin typeface="+mn-lt"/>
-                    <a:ea typeface="+mn-ea"/>
-                    <a:cs typeface="+mn-cs"/>
-                  </a:defRPr>
-                </a:lvl3pPr>
-                <a:lvl4pPr marL="4936919" algn="l" defTabSz="3291279" rtl="0" eaLnBrk="1" latinLnBrk="0" hangingPunct="1">
-                  <a:defRPr sz="6400" kern="1200">
-                    <a:solidFill>
-                      <a:schemeClr val="lt1"/>
-                    </a:solidFill>
-                    <a:latin typeface="+mn-lt"/>
-                    <a:ea typeface="+mn-ea"/>
-                    <a:cs typeface="+mn-cs"/>
-                  </a:defRPr>
-                </a:lvl4pPr>
-                <a:lvl5pPr marL="6582559" algn="l" defTabSz="3291279" rtl="0" eaLnBrk="1" latinLnBrk="0" hangingPunct="1">
-                  <a:defRPr sz="6400" kern="1200">
-                    <a:solidFill>
-                      <a:schemeClr val="lt1"/>
-                    </a:solidFill>
-                    <a:latin typeface="+mn-lt"/>
-                    <a:ea typeface="+mn-ea"/>
-                    <a:cs typeface="+mn-cs"/>
-                  </a:defRPr>
-                </a:lvl5pPr>
-                <a:lvl6pPr marL="8228198" algn="l" defTabSz="3291279" rtl="0" eaLnBrk="1" latinLnBrk="0" hangingPunct="1">
-                  <a:defRPr sz="6400" kern="1200">
-                    <a:solidFill>
-                      <a:schemeClr val="lt1"/>
-                    </a:solidFill>
-                    <a:latin typeface="+mn-lt"/>
-                    <a:ea typeface="+mn-ea"/>
-                    <a:cs typeface="+mn-cs"/>
-                  </a:defRPr>
-                </a:lvl6pPr>
-                <a:lvl7pPr marL="9873837" algn="l" defTabSz="3291279" rtl="0" eaLnBrk="1" latinLnBrk="0" hangingPunct="1">
-                  <a:defRPr sz="6400" kern="1200">
-                    <a:solidFill>
-                      <a:schemeClr val="lt1"/>
-                    </a:solidFill>
-                    <a:latin typeface="+mn-lt"/>
-                    <a:ea typeface="+mn-ea"/>
-                    <a:cs typeface="+mn-cs"/>
-                  </a:defRPr>
-                </a:lvl7pPr>
-                <a:lvl8pPr marL="11519478" algn="l" defTabSz="3291279" rtl="0" eaLnBrk="1" latinLnBrk="0" hangingPunct="1">
-                  <a:defRPr sz="6400" kern="1200">
-                    <a:solidFill>
-                      <a:schemeClr val="lt1"/>
-                    </a:solidFill>
-                    <a:latin typeface="+mn-lt"/>
-                    <a:ea typeface="+mn-ea"/>
-                    <a:cs typeface="+mn-cs"/>
-                  </a:defRPr>
-                </a:lvl8pPr>
-                <a:lvl9pPr marL="13165118" algn="l" defTabSz="3291279" rtl="0" eaLnBrk="1" latinLnBrk="0" hangingPunct="1">
-                  <a:defRPr sz="6400" kern="1200">
-                    <a:solidFill>
-                      <a:schemeClr val="lt1"/>
-                    </a:solidFill>
-                    <a:latin typeface="+mn-lt"/>
-                    <a:ea typeface="+mn-ea"/>
-                    <a:cs typeface="+mn-cs"/>
-                  </a:defRPr>
-                </a:lvl9pPr>
-              </a:lstStyle>
-              <a:p>
-                <a:pPr algn="ctr"/>
-                <a:r>
-                  <a:rPr lang="en-US" sz="1800" dirty="0">
-                    <a:solidFill>
-                      <a:schemeClr val="tx1"/>
-                    </a:solidFill>
-                  </a:rPr>
-                  <a:t>Clustering</a:t>
-                </a:r>
-              </a:p>
-            </p:txBody>
-          </p:sp>
-          <p:cxnSp>
-            <p:nvCxnSpPr>
-              <p:cNvPr id="23" name="Straight Arrow Connector 22"/>
-              <p:cNvCxnSpPr>
-                <a:cxnSpLocks/>
-                <a:stCxn id="14" idx="2"/>
-                <a:endCxn id="22" idx="0"/>
-              </p:cNvCxnSpPr>
-              <p:nvPr/>
-            </p:nvCxnSpPr>
-            <p:spPr>
-              <a:xfrm>
-                <a:off x="14811535" y="14813430"/>
-                <a:ext cx="5377" cy="426700"/>
-              </a:xfrm>
-              <a:prstGeom prst="straightConnector1">
-                <a:avLst/>
-              </a:prstGeom>
-              <a:ln w="12700">
-                <a:solidFill>
-                  <a:schemeClr val="tx1"/>
-                </a:solidFill>
-                <a:tailEnd type="arrow"/>
-              </a:ln>
-            </p:spPr>
-            <p:style>
-              <a:lnRef idx="1">
-                <a:schemeClr val="accent1"/>
-              </a:lnRef>
-              <a:fillRef idx="0">
-                <a:schemeClr val="accent1"/>
-              </a:fillRef>
-              <a:effectRef idx="0">
-                <a:schemeClr val="accent1"/>
-              </a:effectRef>
-              <a:fontRef idx="minor">
-                <a:schemeClr val="tx1"/>
-              </a:fontRef>
-            </p:style>
-          </p:cxnSp>
-        </p:grpSp>
-        <p:cxnSp>
-          <p:nvCxnSpPr>
-            <p:cNvPr id="6" name="Straight Arrow Connector 5"/>
-            <p:cNvCxnSpPr>
-              <a:cxnSpLocks/>
-              <a:stCxn id="22" idx="2"/>
-              <a:endCxn id="7" idx="0"/>
-            </p:cNvCxnSpPr>
-            <p:nvPr/>
-          </p:nvCxnSpPr>
-          <p:spPr>
-            <a:xfrm flipH="1">
-              <a:off x="14811535" y="16366992"/>
-              <a:ext cx="5377" cy="505198"/>
-            </a:xfrm>
-            <a:prstGeom prst="straightConnector1">
-              <a:avLst/>
-            </a:prstGeom>
-            <a:ln w="12700">
-              <a:solidFill>
-                <a:schemeClr val="tx1"/>
-              </a:solidFill>
-              <a:tailEnd type="arrow"/>
-            </a:ln>
-          </p:spPr>
-          <p:style>
-            <a:lnRef idx="1">
-              <a:schemeClr val="accent1"/>
-            </a:lnRef>
-            <a:fillRef idx="0">
-              <a:schemeClr val="accent1"/>
-            </a:fillRef>
-            <a:effectRef idx="0">
-              <a:schemeClr val="accent1"/>
-            </a:effectRef>
-            <a:fontRef idx="minor">
-              <a:schemeClr val="tx1"/>
-            </a:fontRef>
-          </p:style>
-        </p:cxnSp>
-        <p:sp>
-          <p:nvSpPr>
-            <p:cNvPr id="7" name="Rectangle 6"/>
-            <p:cNvSpPr/>
-            <p:nvPr/>
-          </p:nvSpPr>
-          <p:spPr>
-            <a:xfrm>
-              <a:off x="13316270" y="16872190"/>
-              <a:ext cx="2990530" cy="881409"/>
-            </a:xfrm>
-            <a:prstGeom prst="rect">
-              <a:avLst/>
-            </a:prstGeom>
-            <a:noFill/>
-            <a:ln w="12700">
-              <a:solidFill>
-                <a:schemeClr val="tx1"/>
-              </a:solidFill>
-            </a:ln>
-          </p:spPr>
-          <p:style>
-            <a:lnRef idx="2">
-              <a:schemeClr val="accent1">
-                <a:shade val="50000"/>
-              </a:schemeClr>
-            </a:lnRef>
-            <a:fillRef idx="1">
-              <a:schemeClr val="accent1"/>
-            </a:fillRef>
-            <a:effectRef idx="0">
-              <a:schemeClr val="accent1"/>
-            </a:effectRef>
-            <a:fontRef idx="minor">
-              <a:schemeClr val="lt1"/>
-            </a:fontRef>
-          </p:style>
-          <p:txBody>
-            <a:bodyPr rtlCol="0" anchor="ctr"/>
-            <a:lstStyle>
-              <a:defPPr>
-                <a:defRPr lang="en-US"/>
-              </a:defPPr>
-              <a:lvl1pPr marL="0" algn="l" defTabSz="3291279" rtl="0" eaLnBrk="1" latinLnBrk="0" hangingPunct="1">
-                <a:defRPr sz="6400" kern="1200">
-                  <a:solidFill>
-                    <a:schemeClr val="lt1"/>
-                  </a:solidFill>
-                  <a:latin typeface="+mn-lt"/>
-                  <a:ea typeface="+mn-ea"/>
-                  <a:cs typeface="+mn-cs"/>
-                </a:defRPr>
-              </a:lvl1pPr>
-              <a:lvl2pPr marL="1645640" algn="l" defTabSz="3291279" rtl="0" eaLnBrk="1" latinLnBrk="0" hangingPunct="1">
-                <a:defRPr sz="6400" kern="1200">
-                  <a:solidFill>
-                    <a:schemeClr val="lt1"/>
-                  </a:solidFill>
-                  <a:latin typeface="+mn-lt"/>
-                  <a:ea typeface="+mn-ea"/>
-                  <a:cs typeface="+mn-cs"/>
-                </a:defRPr>
-              </a:lvl2pPr>
-              <a:lvl3pPr marL="3291279" algn="l" defTabSz="3291279" rtl="0" eaLnBrk="1" latinLnBrk="0" hangingPunct="1">
-                <a:defRPr sz="6400" kern="1200">
-                  <a:solidFill>
-                    <a:schemeClr val="lt1"/>
-                  </a:solidFill>
-                  <a:latin typeface="+mn-lt"/>
-                  <a:ea typeface="+mn-ea"/>
-                  <a:cs typeface="+mn-cs"/>
-                </a:defRPr>
-              </a:lvl3pPr>
-              <a:lvl4pPr marL="4936919" algn="l" defTabSz="3291279" rtl="0" eaLnBrk="1" latinLnBrk="0" hangingPunct="1">
-                <a:defRPr sz="6400" kern="1200">
-                  <a:solidFill>
-                    <a:schemeClr val="lt1"/>
-                  </a:solidFill>
-                  <a:latin typeface="+mn-lt"/>
-                  <a:ea typeface="+mn-ea"/>
-                  <a:cs typeface="+mn-cs"/>
-                </a:defRPr>
-              </a:lvl4pPr>
-              <a:lvl5pPr marL="6582559" algn="l" defTabSz="3291279" rtl="0" eaLnBrk="1" latinLnBrk="0" hangingPunct="1">
-                <a:defRPr sz="6400" kern="1200">
-                  <a:solidFill>
-                    <a:schemeClr val="lt1"/>
-                  </a:solidFill>
-                  <a:latin typeface="+mn-lt"/>
-                  <a:ea typeface="+mn-ea"/>
-                  <a:cs typeface="+mn-cs"/>
-                </a:defRPr>
-              </a:lvl5pPr>
-              <a:lvl6pPr marL="8228198" algn="l" defTabSz="3291279" rtl="0" eaLnBrk="1" latinLnBrk="0" hangingPunct="1">
-                <a:defRPr sz="6400" kern="1200">
-                  <a:solidFill>
-                    <a:schemeClr val="lt1"/>
-                  </a:solidFill>
-                  <a:latin typeface="+mn-lt"/>
-                  <a:ea typeface="+mn-ea"/>
-                  <a:cs typeface="+mn-cs"/>
-                </a:defRPr>
-              </a:lvl6pPr>
-              <a:lvl7pPr marL="9873837" algn="l" defTabSz="3291279" rtl="0" eaLnBrk="1" latinLnBrk="0" hangingPunct="1">
-                <a:defRPr sz="6400" kern="1200">
-                  <a:solidFill>
-                    <a:schemeClr val="lt1"/>
-                  </a:solidFill>
-                  <a:latin typeface="+mn-lt"/>
-                  <a:ea typeface="+mn-ea"/>
-                  <a:cs typeface="+mn-cs"/>
-                </a:defRPr>
-              </a:lvl7pPr>
-              <a:lvl8pPr marL="11519478" algn="l" defTabSz="3291279" rtl="0" eaLnBrk="1" latinLnBrk="0" hangingPunct="1">
-                <a:defRPr sz="6400" kern="1200">
-                  <a:solidFill>
-                    <a:schemeClr val="lt1"/>
-                  </a:solidFill>
-                  <a:latin typeface="+mn-lt"/>
-                  <a:ea typeface="+mn-ea"/>
-                  <a:cs typeface="+mn-cs"/>
-                </a:defRPr>
-              </a:lvl8pPr>
-              <a:lvl9pPr marL="13165118" algn="l" defTabSz="3291279" rtl="0" eaLnBrk="1" latinLnBrk="0" hangingPunct="1">
-                <a:defRPr sz="6400" kern="1200">
-                  <a:solidFill>
-                    <a:schemeClr val="lt1"/>
-                  </a:solidFill>
-                  <a:latin typeface="+mn-lt"/>
-                  <a:ea typeface="+mn-ea"/>
-                  <a:cs typeface="+mn-cs"/>
-                </a:defRPr>
-              </a:lvl9pPr>
-            </a:lstStyle>
-            <a:p>
-              <a:pPr algn="ctr"/>
-              <a:r>
-                <a:rPr lang="en-US" sz="1800" dirty="0" smtClean="0">
-                  <a:solidFill>
-                    <a:schemeClr val="tx1"/>
-                  </a:solidFill>
-                </a:rPr>
-                <a:t>Resegmentation</a:t>
-              </a:r>
-            </a:p>
-            <a:p>
-              <a:pPr algn="ctr"/>
-              <a:r>
-                <a:rPr lang="en-US" sz="1800" dirty="0" smtClean="0">
-                  <a:solidFill>
-                    <a:schemeClr val="tx1"/>
-                  </a:solidFill>
-                </a:rPr>
-                <a:t>(Optional)</a:t>
-              </a:r>
-              <a:endParaRPr lang="en-US" sz="1800" dirty="0">
-                <a:solidFill>
-                  <a:schemeClr val="tx1"/>
-                </a:solidFill>
-              </a:endParaRPr>
-            </a:p>
-          </p:txBody>
-        </p:sp>
-        <p:sp>
-          <p:nvSpPr>
-            <p:cNvPr id="8" name="Rectangle 7"/>
-            <p:cNvSpPr/>
-            <p:nvPr/>
-          </p:nvSpPr>
-          <p:spPr>
-            <a:xfrm>
-              <a:off x="13566648" y="18168591"/>
-              <a:ext cx="2511552" cy="881409"/>
-            </a:xfrm>
-            <a:prstGeom prst="rect">
-              <a:avLst/>
-            </a:prstGeom>
-            <a:noFill/>
-            <a:ln w="12700">
-              <a:solidFill>
-                <a:schemeClr val="tx1"/>
-              </a:solidFill>
-            </a:ln>
-          </p:spPr>
-          <p:style>
-            <a:lnRef idx="2">
-              <a:schemeClr val="accent1">
-                <a:shade val="50000"/>
-              </a:schemeClr>
-            </a:lnRef>
-            <a:fillRef idx="1">
-              <a:schemeClr val="accent1"/>
-            </a:fillRef>
-            <a:effectRef idx="0">
-              <a:schemeClr val="accent1"/>
-            </a:effectRef>
-            <a:fontRef idx="minor">
-              <a:schemeClr val="lt1"/>
-            </a:fontRef>
-          </p:style>
-          <p:txBody>
-            <a:bodyPr rtlCol="0" anchor="ctr"/>
-            <a:lstStyle>
-              <a:defPPr>
-                <a:defRPr lang="en-US"/>
-              </a:defPPr>
-              <a:lvl1pPr marL="0" algn="l" defTabSz="3291279" rtl="0" eaLnBrk="1" latinLnBrk="0" hangingPunct="1">
-                <a:defRPr sz="6400" kern="1200">
-                  <a:solidFill>
-                    <a:schemeClr val="lt1"/>
-                  </a:solidFill>
-                  <a:latin typeface="+mn-lt"/>
-                  <a:ea typeface="+mn-ea"/>
-                  <a:cs typeface="+mn-cs"/>
-                </a:defRPr>
-              </a:lvl1pPr>
-              <a:lvl2pPr marL="1645640" algn="l" defTabSz="3291279" rtl="0" eaLnBrk="1" latinLnBrk="0" hangingPunct="1">
-                <a:defRPr sz="6400" kern="1200">
-                  <a:solidFill>
-                    <a:schemeClr val="lt1"/>
-                  </a:solidFill>
-                  <a:latin typeface="+mn-lt"/>
-                  <a:ea typeface="+mn-ea"/>
-                  <a:cs typeface="+mn-cs"/>
-                </a:defRPr>
-              </a:lvl2pPr>
-              <a:lvl3pPr marL="3291279" algn="l" defTabSz="3291279" rtl="0" eaLnBrk="1" latinLnBrk="0" hangingPunct="1">
-                <a:defRPr sz="6400" kern="1200">
-                  <a:solidFill>
-                    <a:schemeClr val="lt1"/>
-                  </a:solidFill>
-                  <a:latin typeface="+mn-lt"/>
-                  <a:ea typeface="+mn-ea"/>
-                  <a:cs typeface="+mn-cs"/>
-                </a:defRPr>
-              </a:lvl3pPr>
-              <a:lvl4pPr marL="4936919" algn="l" defTabSz="3291279" rtl="0" eaLnBrk="1" latinLnBrk="0" hangingPunct="1">
-                <a:defRPr sz="6400" kern="1200">
-                  <a:solidFill>
-                    <a:schemeClr val="lt1"/>
-                  </a:solidFill>
-                  <a:latin typeface="+mn-lt"/>
-                  <a:ea typeface="+mn-ea"/>
-                  <a:cs typeface="+mn-cs"/>
-                </a:defRPr>
-              </a:lvl4pPr>
-              <a:lvl5pPr marL="6582559" algn="l" defTabSz="3291279" rtl="0" eaLnBrk="1" latinLnBrk="0" hangingPunct="1">
-                <a:defRPr sz="6400" kern="1200">
-                  <a:solidFill>
-                    <a:schemeClr val="lt1"/>
-                  </a:solidFill>
-                  <a:latin typeface="+mn-lt"/>
-                  <a:ea typeface="+mn-ea"/>
-                  <a:cs typeface="+mn-cs"/>
-                </a:defRPr>
-              </a:lvl5pPr>
-              <a:lvl6pPr marL="8228198" algn="l" defTabSz="3291279" rtl="0" eaLnBrk="1" latinLnBrk="0" hangingPunct="1">
-                <a:defRPr sz="6400" kern="1200">
-                  <a:solidFill>
-                    <a:schemeClr val="lt1"/>
-                  </a:solidFill>
-                  <a:latin typeface="+mn-lt"/>
-                  <a:ea typeface="+mn-ea"/>
-                  <a:cs typeface="+mn-cs"/>
-                </a:defRPr>
-              </a:lvl6pPr>
-              <a:lvl7pPr marL="9873837" algn="l" defTabSz="3291279" rtl="0" eaLnBrk="1" latinLnBrk="0" hangingPunct="1">
-                <a:defRPr sz="6400" kern="1200">
-                  <a:solidFill>
-                    <a:schemeClr val="lt1"/>
-                  </a:solidFill>
-                  <a:latin typeface="+mn-lt"/>
-                  <a:ea typeface="+mn-ea"/>
-                  <a:cs typeface="+mn-cs"/>
-                </a:defRPr>
-              </a:lvl7pPr>
-              <a:lvl8pPr marL="11519478" algn="l" defTabSz="3291279" rtl="0" eaLnBrk="1" latinLnBrk="0" hangingPunct="1">
-                <a:defRPr sz="6400" kern="1200">
-                  <a:solidFill>
-                    <a:schemeClr val="lt1"/>
-                  </a:solidFill>
-                  <a:latin typeface="+mn-lt"/>
-                  <a:ea typeface="+mn-ea"/>
-                  <a:cs typeface="+mn-cs"/>
-                </a:defRPr>
-              </a:lvl8pPr>
-              <a:lvl9pPr marL="13165118" algn="l" defTabSz="3291279" rtl="0" eaLnBrk="1" latinLnBrk="0" hangingPunct="1">
-                <a:defRPr sz="6400" kern="1200">
-                  <a:solidFill>
-                    <a:schemeClr val="lt1"/>
-                  </a:solidFill>
-                  <a:latin typeface="+mn-lt"/>
-                  <a:ea typeface="+mn-ea"/>
-                  <a:cs typeface="+mn-cs"/>
-                </a:defRPr>
-              </a:lvl9pPr>
-            </a:lstStyle>
-            <a:p>
-              <a:pPr algn="ctr"/>
-              <a:r>
-                <a:rPr lang="en-US" sz="1800" dirty="0">
-                  <a:solidFill>
-                    <a:schemeClr val="tx1"/>
-                  </a:solidFill>
-                </a:rPr>
-                <a:t>Visualization</a:t>
-              </a:r>
-            </a:p>
-          </p:txBody>
-        </p:sp>
-        <p:cxnSp>
-          <p:nvCxnSpPr>
-            <p:cNvPr id="9" name="Straight Arrow Connector 8"/>
-            <p:cNvCxnSpPr>
-              <a:cxnSpLocks/>
-              <a:stCxn id="7" idx="2"/>
-              <a:endCxn id="8" idx="0"/>
-            </p:cNvCxnSpPr>
-            <p:nvPr/>
-          </p:nvCxnSpPr>
-          <p:spPr>
-            <a:xfrm>
-              <a:off x="14811535" y="17753599"/>
-              <a:ext cx="10889" cy="414992"/>
-            </a:xfrm>
-            <a:prstGeom prst="straightConnector1">
-              <a:avLst/>
-            </a:prstGeom>
-            <a:ln w="12700">
-              <a:solidFill>
-                <a:schemeClr val="tx1"/>
-              </a:solidFill>
-              <a:tailEnd type="arrow"/>
-            </a:ln>
-          </p:spPr>
-          <p:style>
-            <a:lnRef idx="1">
-              <a:schemeClr val="accent1"/>
-            </a:lnRef>
-            <a:fillRef idx="0">
-              <a:schemeClr val="accent1"/>
-            </a:fillRef>
-            <a:effectRef idx="0">
-              <a:schemeClr val="accent1"/>
-            </a:effectRef>
-            <a:fontRef idx="minor">
-              <a:schemeClr val="tx1"/>
-            </a:fontRef>
-          </p:style>
-        </p:cxnSp>
-      </p:grpSp>
-      <p:pic>
-        <p:nvPicPr>
-          <p:cNvPr id="46" name="图片 5"/>
-          <p:cNvPicPr>
-            <a:picLocks noChangeAspect="1"/>
-          </p:cNvPicPr>
-          <p:nvPr/>
-        </p:nvPicPr>
-        <p:blipFill rotWithShape="1">
-          <a:blip r:embed="rId2">
-            <a:extLst>
-              <a:ext uri="{28A0092B-C50C-407E-A947-70E740481C1C}">
-                <a14:useLocalDpi xmlns:a14="http://schemas.microsoft.com/office/drawing/2010/main" val="0"/>
-              </a:ext>
-            </a:extLst>
-          </a:blip>
-          <a:srcRect r="34436"/>
-          <a:stretch/>
-        </p:blipFill>
-        <p:spPr>
-          <a:xfrm>
-            <a:off x="1395912" y="838200"/>
-            <a:ext cx="1423488" cy="798637"/>
-          </a:xfrm>
-          <a:prstGeom prst="rect">
-            <a:avLst/>
-          </a:prstGeom>
-        </p:spPr>
-      </p:pic>
-      <p:sp>
-        <p:nvSpPr>
-          <p:cNvPr id="3" name="Slide Number Placeholder 2"/>
-          <p:cNvSpPr>
-            <a:spLocks noGrp="1"/>
-          </p:cNvSpPr>
-          <p:nvPr>
-            <p:ph type="sldNum" sz="quarter" idx="12"/>
-          </p:nvPr>
-        </p:nvSpPr>
-        <p:spPr/>
-        <p:txBody>
-          <a:bodyPr/>
-          <a:lstStyle/>
-          <a:p>
-            <a:fld id="{0E0E5D40-17DD-4190-869C-D3EB7431A77E}" type="slidenum">
-              <a:rPr lang="en-US" smtClean="0"/>
-              <a:t>6</a:t>
-            </a:fld>
-            <a:endParaRPr lang="en-US"/>
-          </a:p>
-        </p:txBody>
-      </p:sp>
-      <p:sp>
-        <p:nvSpPr>
-          <p:cNvPr id="10" name="Footer Placeholder 9"/>
-          <p:cNvSpPr>
-            <a:spLocks noGrp="1"/>
-          </p:cNvSpPr>
-          <p:nvPr>
-            <p:ph type="ftr" sz="quarter" idx="11"/>
-          </p:nvPr>
-        </p:nvSpPr>
-        <p:spPr/>
-        <p:txBody>
-          <a:bodyPr/>
-          <a:lstStyle/>
-          <a:p>
-            <a:endParaRPr lang="en-US"/>
-          </a:p>
-        </p:txBody>
-      </p:sp>
-    </p:spTree>
-    <p:extLst>
-      <p:ext uri="{BB962C8B-B14F-4D97-AF65-F5344CB8AC3E}">
-        <p14:creationId xmlns:p14="http://schemas.microsoft.com/office/powerpoint/2010/main" val="3905634172"/>
-      </p:ext>
-    </p:extLst>
-  </p:cSld>
-  <p:clrMapOvr>
-    <a:masterClrMapping/>
-  </p:clrMapOvr>
-  <p:timing>
-    <p:tnLst>
-      <p:par>
-        <p:cTn id="1" dur="indefinite" restart="never" nodeType="tmRoot"/>
-      </p:par>
-    </p:tnLst>
-  </p:timing>
-</p:sld>
-</file>
-
-<file path=ppt/slides/slide7.xml><?xml version="1.0" encoding="utf-8"?>
-<p:sld xmlns:a="http://schemas.openxmlformats.org/drawingml/2006/main" xmlns:r="http://schemas.openxmlformats.org/officeDocument/2006/relationships" xmlns:p="http://schemas.openxmlformats.org/presentationml/2006/main">
-  <p:cSld>
-    <p:spTree>
-      <p:nvGrpSpPr>
-        <p:cNvPr id="1" name=""/>
-        <p:cNvGrpSpPr/>
-        <p:nvPr/>
-      </p:nvGrpSpPr>
-      <p:grpSpPr>
-        <a:xfrm>
-          <a:off x="0" y="0"/>
-          <a:ext cx="0" cy="0"/>
-          <a:chOff x="0" y="0"/>
-          <a:chExt cx="0" cy="0"/>
-        </a:xfrm>
-      </p:grpSpPr>
-      <p:sp>
-        <p:nvSpPr>
-          <p:cNvPr id="2" name="Title 1"/>
-          <p:cNvSpPr>
-            <a:spLocks noGrp="1"/>
-          </p:cNvSpPr>
-          <p:nvPr>
-            <p:ph type="title"/>
-          </p:nvPr>
-        </p:nvSpPr>
-        <p:spPr>
-          <a:xfrm>
             <a:off x="381000" y="152400"/>
             <a:ext cx="7620000" cy="1143000"/>
           </a:xfrm>
@@ -12144,7 +17310,7 @@
         </p:nvSpPr>
         <p:spPr>
           <a:xfrm>
-            <a:off x="4876800" y="2209800"/>
+            <a:off x="4724400" y="2139375"/>
             <a:ext cx="3886200" cy="584775"/>
           </a:xfrm>
           <a:prstGeom prst="rect">
@@ -12176,7 +17342,7 @@
         </p:nvSpPr>
         <p:spPr>
           <a:xfrm>
-            <a:off x="4191000" y="4038600"/>
+            <a:off x="3733800" y="4061064"/>
             <a:ext cx="3886200" cy="1354217"/>
           </a:xfrm>
           <a:prstGeom prst="rect">
@@ -12230,7 +17396,7 @@
           <a:p>
             <a:fld id="{0E0E5D40-17DD-4190-869C-D3EB7431A77E}" type="slidenum">
               <a:rPr lang="en-US" smtClean="0"/>
-              <a:t>7</a:t>
+              <a:t>6</a:t>
             </a:fld>
             <a:endParaRPr lang="en-US"/>
           </a:p>
@@ -12275,7 +17441,7 @@
 </p:sld>
 </file>
 
-<file path=ppt/slides/slide8.xml><?xml version="1.0" encoding="utf-8"?>
+<file path=ppt/slides/slide7.xml><?xml version="1.0" encoding="utf-8"?>
 <p:sld xmlns:a="http://schemas.openxmlformats.org/drawingml/2006/main" xmlns:r="http://schemas.openxmlformats.org/officeDocument/2006/relationships" xmlns:p="http://schemas.openxmlformats.org/presentationml/2006/main">
   <p:cSld>
     <p:spTree>
@@ -15104,7 +20270,7 @@
                                   <a:solidFill>
                                     <a:schemeClr val="tx1"/>
                                   </a:solidFill>
-                                  <a:latin typeface="Cambria Math"/>
+                                  <a:latin typeface="Cambria Math" panose="02040503050406030204" pitchFamily="18" charset="0"/>
                                 </a:rPr>
                               </m:ctrlPr>
                             </m:sSubPr>
@@ -15351,7 +20517,7 @@
                                   <a:solidFill>
                                     <a:schemeClr val="tx1"/>
                                   </a:solidFill>
-                                  <a:latin typeface="Cambria Math"/>
+                                  <a:latin typeface="Cambria Math" panose="02040503050406030204" pitchFamily="18" charset="0"/>
                                 </a:rPr>
                               </m:ctrlPr>
                             </m:sSubPr>
@@ -16151,7 +21317,7 @@
           <a:p>
             <a:fld id="{0E0E5D40-17DD-4190-869C-D3EB7431A77E}" type="slidenum">
               <a:rPr lang="en-US" smtClean="0"/>
-              <a:t>8</a:t>
+              <a:t>7</a:t>
             </a:fld>
             <a:endParaRPr lang="en-US"/>
           </a:p>
@@ -16196,7 +21362,7 @@
 </p:sld>
 </file>
 
-<file path=ppt/slides/slide9.xml><?xml version="1.0" encoding="utf-8"?>
+<file path=ppt/slides/slide8.xml><?xml version="1.0" encoding="utf-8"?>
 <p:sld xmlns:a="http://schemas.openxmlformats.org/drawingml/2006/main" xmlns:r="http://schemas.openxmlformats.org/officeDocument/2006/relationships" xmlns:p="http://schemas.openxmlformats.org/presentationml/2006/main">
   <p:cSld>
     <p:spTree>
@@ -17017,7 +22183,7 @@
                                 <m:sSubPr>
                                   <m:ctrlPr>
                                     <a:rPr lang="en-US" altLang="zh-CN" sz="1800" i="1" dirty="0" smtClean="0">
-                                      <a:latin typeface="Cambria Math"/>
+                                      <a:latin typeface="Cambria Math" panose="02040503050406030204" pitchFamily="18" charset="0"/>
                                     </a:rPr>
                                   </m:ctrlPr>
                                 </m:sSubPr>
@@ -24520,7 +29686,7 @@
           <a:p>
             <a:fld id="{0E0E5D40-17DD-4190-869C-D3EB7431A77E}" type="slidenum">
               <a:rPr lang="en-US" smtClean="0"/>
-              <a:t>9</a:t>
+              <a:t>8</a:t>
             </a:fld>
             <a:endParaRPr lang="en-US"/>
           </a:p>
@@ -24575,6 +29741,215 @@
     <p:extLst>
       <p:ext uri="{BB962C8B-B14F-4D97-AF65-F5344CB8AC3E}">
         <p14:creationId xmlns:p14="http://schemas.microsoft.com/office/powerpoint/2010/main" val="2259790792"/>
+      </p:ext>
+    </p:extLst>
+  </p:cSld>
+  <p:clrMapOvr>
+    <a:masterClrMapping/>
+  </p:clrMapOvr>
+  <p:timing>
+    <p:tnLst>
+      <p:par>
+        <p:cTn id="1" dur="indefinite" restart="never" nodeType="tmRoot"/>
+      </p:par>
+    </p:tnLst>
+  </p:timing>
+</p:sld>
+</file>
+
+<file path=ppt/slides/slide9.xml><?xml version="1.0" encoding="utf-8"?>
+<p:sld xmlns:a="http://schemas.openxmlformats.org/drawingml/2006/main" xmlns:r="http://schemas.openxmlformats.org/officeDocument/2006/relationships" xmlns:p="http://schemas.openxmlformats.org/presentationml/2006/main">
+  <p:cSld>
+    <p:spTree>
+      <p:nvGrpSpPr>
+        <p:cNvPr id="1" name=""/>
+        <p:cNvGrpSpPr/>
+        <p:nvPr/>
+      </p:nvGrpSpPr>
+      <p:grpSpPr>
+        <a:xfrm>
+          <a:off x="0" y="0"/>
+          <a:ext cx="0" cy="0"/>
+          <a:chOff x="0" y="0"/>
+          <a:chExt cx="0" cy="0"/>
+        </a:xfrm>
+      </p:grpSpPr>
+      <p:sp>
+        <p:nvSpPr>
+          <p:cNvPr id="2" name="Title 1"/>
+          <p:cNvSpPr>
+            <a:spLocks noGrp="1"/>
+          </p:cNvSpPr>
+          <p:nvPr>
+            <p:ph type="title"/>
+          </p:nvPr>
+        </p:nvSpPr>
+        <p:spPr>
+          <a:xfrm>
+            <a:off x="457200" y="685800"/>
+            <a:ext cx="7620000" cy="1143000"/>
+          </a:xfrm>
+        </p:spPr>
+        <p:txBody>
+          <a:bodyPr/>
+          <a:lstStyle/>
+          <a:p>
+            <a:r>
+              <a:rPr lang="en-US" sz="2800" dirty="0" smtClean="0"/>
+              <a:t>Advantages of the system</a:t>
+            </a:r>
+            <a:endParaRPr lang="en-US" sz="2800" dirty="0"/>
+          </a:p>
+        </p:txBody>
+      </p:sp>
+      <p:sp>
+        <p:nvSpPr>
+          <p:cNvPr id="3" name="Content Placeholder 2"/>
+          <p:cNvSpPr>
+            <a:spLocks noGrp="1"/>
+          </p:cNvSpPr>
+          <p:nvPr>
+            <p:ph idx="1"/>
+          </p:nvPr>
+        </p:nvSpPr>
+        <p:spPr/>
+        <p:txBody>
+          <a:bodyPr/>
+          <a:lstStyle/>
+          <a:p>
+            <a:r>
+              <a:rPr lang="en-US" sz="2400" dirty="0" smtClean="0"/>
+              <a:t>Fast </a:t>
+            </a:r>
+          </a:p>
+          <a:p>
+            <a:r>
+              <a:rPr lang="en-US" sz="2400" dirty="0" smtClean="0"/>
+              <a:t>Require no training data</a:t>
+            </a:r>
+          </a:p>
+          <a:p>
+            <a:r>
+              <a:rPr lang="en-US" sz="2400" dirty="0" smtClean="0"/>
+              <a:t>Domain-robust </a:t>
+            </a:r>
+          </a:p>
+          <a:p>
+            <a:endParaRPr lang="en-US" dirty="0" smtClean="0"/>
+          </a:p>
+          <a:p>
+            <a:endParaRPr lang="en-US" dirty="0"/>
+          </a:p>
+          <a:p>
+            <a:endParaRPr lang="en-US" dirty="0" smtClean="0"/>
+          </a:p>
+          <a:p>
+            <a:r>
+              <a:rPr lang="en-US" sz="2400" dirty="0" smtClean="0"/>
+              <a:t>Offline</a:t>
+            </a:r>
+          </a:p>
+          <a:p>
+            <a:endParaRPr lang="en-US" dirty="0"/>
+          </a:p>
+        </p:txBody>
+      </p:sp>
+      <p:sp>
+        <p:nvSpPr>
+          <p:cNvPr id="4" name="Footer Placeholder 3"/>
+          <p:cNvSpPr>
+            <a:spLocks noGrp="1"/>
+          </p:cNvSpPr>
+          <p:nvPr>
+            <p:ph type="ftr" sz="quarter" idx="11"/>
+          </p:nvPr>
+        </p:nvSpPr>
+        <p:spPr/>
+        <p:txBody>
+          <a:bodyPr/>
+          <a:lstStyle/>
+          <a:p>
+            <a:endParaRPr lang="en-US"/>
+          </a:p>
+        </p:txBody>
+      </p:sp>
+      <p:sp>
+        <p:nvSpPr>
+          <p:cNvPr id="5" name="Slide Number Placeholder 4"/>
+          <p:cNvSpPr>
+            <a:spLocks noGrp="1"/>
+          </p:cNvSpPr>
+          <p:nvPr>
+            <p:ph type="sldNum" sz="quarter" idx="12"/>
+          </p:nvPr>
+        </p:nvSpPr>
+        <p:spPr/>
+        <p:txBody>
+          <a:bodyPr/>
+          <a:lstStyle/>
+          <a:p>
+            <a:fld id="{0E0E5D40-17DD-4190-869C-D3EB7431A77E}" type="slidenum">
+              <a:rPr lang="en-US" smtClean="0"/>
+              <a:t>9</a:t>
+            </a:fld>
+            <a:endParaRPr lang="en-US"/>
+          </a:p>
+        </p:txBody>
+      </p:sp>
+      <p:sp>
+        <p:nvSpPr>
+          <p:cNvPr id="6" name="Title 1"/>
+          <p:cNvSpPr txBox="1">
+            <a:spLocks/>
+          </p:cNvSpPr>
+          <p:nvPr/>
+        </p:nvSpPr>
+        <p:spPr>
+          <a:xfrm>
+            <a:off x="609600" y="3200400"/>
+            <a:ext cx="7620000" cy="1143000"/>
+          </a:xfrm>
+          <a:prstGeom prst="rect">
+            <a:avLst/>
+          </a:prstGeom>
+        </p:spPr>
+        <p:txBody>
+          <a:bodyPr vert="horz" lIns="91440" tIns="45720" rIns="91440" bIns="45720" rtlCol="0" anchor="ctr">
+            <a:noAutofit/>
+          </a:bodyPr>
+          <a:lstStyle>
+            <a:lvl1pPr algn="l" defTabSz="914400" rtl="0" eaLnBrk="1" latinLnBrk="0" hangingPunct="1">
+              <a:spcBef>
+                <a:spcPct val="0"/>
+              </a:spcBef>
+              <a:buNone/>
+              <a:defRPr sz="4600" kern="1200" cap="none" spc="-100" baseline="0">
+                <a:ln>
+                  <a:noFill/>
+                </a:ln>
+                <a:solidFill>
+                  <a:schemeClr val="tx2"/>
+                </a:solidFill>
+                <a:effectLst/>
+                <a:latin typeface="+mj-lt"/>
+                <a:ea typeface="+mj-ea"/>
+                <a:cs typeface="+mj-cs"/>
+              </a:defRPr>
+            </a:lvl1pPr>
+          </a:lstStyle>
+          <a:p>
+            <a:r>
+              <a:rPr lang="en-US" sz="2800" dirty="0" smtClean="0"/>
+              <a:t>Disadvantage </a:t>
+            </a:r>
+            <a:endParaRPr lang="en-US" sz="2800" dirty="0"/>
+          </a:p>
+        </p:txBody>
+      </p:sp>
+    </p:spTree>
+    <p:extLst>
+      <p:ext uri="{BB962C8B-B14F-4D97-AF65-F5344CB8AC3E}">
+        <p14:creationId xmlns:p14="http://schemas.microsoft.com/office/powerpoint/2010/main" val="2300007140"/>
       </p:ext>
     </p:extLst>
   </p:cSld>

--- a/Real-time Speaker Recognizer - Oral Examination.pptx
+++ b/Real-time Speaker Recognizer - Oral Examination.pptx
@@ -5,7 +5,7 @@
     <p:sldMasterId id="2147483720" r:id="rId1"/>
   </p:sldMasterIdLst>
   <p:notesMasterIdLst>
-    <p:notesMasterId r:id="rId20"/>
+    <p:notesMasterId r:id="rId23"/>
   </p:notesMasterIdLst>
   <p:sldIdLst>
     <p:sldId id="256" r:id="rId2"/>
@@ -26,6 +26,9 @@
     <p:sldId id="277" r:id="rId17"/>
     <p:sldId id="265" r:id="rId18"/>
     <p:sldId id="272" r:id="rId19"/>
+    <p:sldId id="278" r:id="rId20"/>
+    <p:sldId id="279" r:id="rId21"/>
+    <p:sldId id="280" r:id="rId22"/>
   </p:sldIdLst>
   <p:sldSz cx="9144000" cy="6858000" type="screen4x3"/>
   <p:notesSz cx="6858000" cy="9144000"/>
@@ -126,7 +129,7 @@
   </p:defaultTextStyle>
   <p:extLst>
     <p:ext uri="{EFAFB233-063F-42B5-8137-9DF3F51BA10A}">
-      <p15:sldGuideLst xmlns:p15="http://schemas.microsoft.com/office/powerpoint/2012/main">
+      <p15:sldGuideLst xmlns:p15="http://schemas.microsoft.com/office/powerpoint/2012/main" xmlns="">
         <p15:guide id="1" orient="horz" pos="2160">
           <p15:clr>
             <a:srgbClr val="A4A3A4"/>
@@ -146,7 +149,7 @@
 <file path=ppt/charts/chart1.xml><?xml version="1.0" encoding="utf-8"?>
 <c:chartSpace xmlns:c="http://schemas.openxmlformats.org/drawingml/2006/chart" xmlns:a="http://schemas.openxmlformats.org/drawingml/2006/main" xmlns:r="http://schemas.openxmlformats.org/officeDocument/2006/relationships">
   <c:date1904 val="0"/>
-  <c:lang val="zh-CN"/>
+  <c:lang val="en-US"/>
   <c:roundedCorners val="0"/>
   <mc:AlternateContent xmlns:mc="http://schemas.openxmlformats.org/markup-compatibility/2006">
     <mc:Choice xmlns:c14="http://schemas.microsoft.com/office/drawing/2007/8/2/chart" Requires="c14">
@@ -535,12 +538,13 @@
           <c:showPercent val="0"/>
           <c:showBubbleSize val="0"/>
         </c:dLbls>
+        <c:marker val="1"/>
         <c:smooth val="0"/>
-        <c:axId val="1142934528"/>
-        <c:axId val="1142930176"/>
+        <c:axId val="335688832"/>
+        <c:axId val="335690752"/>
       </c:lineChart>
       <c:catAx>
-        <c:axId val="1142934528"/>
+        <c:axId val="335688832"/>
         <c:scaling>
           <c:orientation val="minMax"/>
         </c:scaling>
@@ -589,7 +593,7 @@
         <c:majorTickMark val="out"/>
         <c:minorTickMark val="none"/>
         <c:tickLblPos val="nextTo"/>
-        <c:crossAx val="1142930176"/>
+        <c:crossAx val="335690752"/>
         <c:crosses val="autoZero"/>
         <c:auto val="1"/>
         <c:lblAlgn val="ctr"/>
@@ -599,7 +603,7 @@
         <c:noMultiLvlLbl val="0"/>
       </c:catAx>
       <c:valAx>
-        <c:axId val="1142930176"/>
+        <c:axId val="335690752"/>
         <c:scaling>
           <c:orientation val="minMax"/>
         </c:scaling>
@@ -629,7 +633,7 @@
         <c:majorTickMark val="out"/>
         <c:minorTickMark val="none"/>
         <c:tickLblPos val="nextTo"/>
-        <c:crossAx val="1142934528"/>
+        <c:crossAx val="335688832"/>
         <c:crosses val="autoZero"/>
         <c:crossBetween val="between"/>
       </c:valAx>
@@ -650,7 +654,7 @@
       <a:pPr>
         <a:defRPr sz="1800"/>
       </a:pPr>
-      <a:endParaRPr lang="zh-CN"/>
+      <a:endParaRPr lang="en-US"/>
     </a:p>
   </c:txPr>
   <c:externalData r:id="rId1">
@@ -662,7 +666,7 @@
 <file path=ppt/charts/chart2.xml><?xml version="1.0" encoding="utf-8"?>
 <c:chartSpace xmlns:c="http://schemas.openxmlformats.org/drawingml/2006/chart" xmlns:a="http://schemas.openxmlformats.org/drawingml/2006/main" xmlns:r="http://schemas.openxmlformats.org/officeDocument/2006/relationships">
   <c:date1904 val="0"/>
-  <c:lang val="zh-CN"/>
+  <c:lang val="en-US"/>
   <c:roundedCorners val="0"/>
   <mc:AlternateContent xmlns:mc="http://schemas.openxmlformats.org/markup-compatibility/2006">
     <mc:Choice xmlns:c14="http://schemas.microsoft.com/office/drawing/2007/8/2/chart" Requires="c14">
@@ -720,26 +724,6 @@
         </a:ln>
         <a:effectLst/>
       </c:spPr>
-      <c:txPr>
-        <a:bodyPr rot="0" spcFirstLastPara="1" vertOverflow="ellipsis" vert="horz" wrap="square" anchor="ctr" anchorCtr="1"/>
-        <a:lstStyle/>
-        <a:p>
-          <a:pPr>
-            <a:defRPr sz="1600" b="0" i="0" u="none" strike="noStrike" kern="1200" spc="0" baseline="0">
-              <a:solidFill>
-                <a:schemeClr val="tx1">
-                  <a:lumMod val="65000"/>
-                  <a:lumOff val="35000"/>
-                </a:schemeClr>
-              </a:solidFill>
-              <a:latin typeface="+mn-lt"/>
-              <a:ea typeface="+mn-ea"/>
-              <a:cs typeface="+mn-cs"/>
-            </a:defRPr>
-          </a:pPr>
-          <a:endParaRPr lang="zh-CN"/>
-        </a:p>
-      </c:txPr>
     </c:title>
     <c:autoTitleDeleted val="0"/>
     <c:plotArea>
@@ -1520,11 +1504,11 @@
           <c:showPercent val="0"/>
           <c:showBubbleSize val="0"/>
         </c:dLbls>
-        <c:axId val="1406286880"/>
-        <c:axId val="1406283072"/>
+        <c:axId val="339604608"/>
+        <c:axId val="339606912"/>
       </c:scatterChart>
       <c:valAx>
-        <c:axId val="1406286880"/>
+        <c:axId val="339604608"/>
         <c:scaling>
           <c:orientation val="minMax"/>
         </c:scaling>
@@ -1570,26 +1554,6 @@
             </a:ln>
             <a:effectLst/>
           </c:spPr>
-          <c:txPr>
-            <a:bodyPr rot="0" spcFirstLastPara="1" vertOverflow="ellipsis" vert="horz" wrap="square" anchor="ctr" anchorCtr="1"/>
-            <a:lstStyle/>
-            <a:p>
-              <a:pPr>
-                <a:defRPr sz="1600" b="0" i="0" u="none" strike="noStrike" kern="1200" baseline="0">
-                  <a:solidFill>
-                    <a:schemeClr val="tx1">
-                      <a:lumMod val="65000"/>
-                      <a:lumOff val="35000"/>
-                    </a:schemeClr>
-                  </a:solidFill>
-                  <a:latin typeface="+mn-lt"/>
-                  <a:ea typeface="+mn-ea"/>
-                  <a:cs typeface="+mn-cs"/>
-                </a:defRPr>
-              </a:pPr>
-              <a:endParaRPr lang="zh-CN"/>
-            </a:p>
-          </c:txPr>
         </c:title>
         <c:numFmt formatCode="General" sourceLinked="1"/>
         <c:majorTickMark val="none"/>
@@ -1625,15 +1589,15 @@
                 <a:cs typeface="+mn-cs"/>
               </a:defRPr>
             </a:pPr>
-            <a:endParaRPr lang="zh-CN"/>
+            <a:endParaRPr lang="en-US"/>
           </a:p>
         </c:txPr>
-        <c:crossAx val="1406283072"/>
+        <c:crossAx val="339606912"/>
         <c:crosses val="autoZero"/>
         <c:crossBetween val="midCat"/>
       </c:valAx>
       <c:valAx>
-        <c:axId val="1406283072"/>
+        <c:axId val="339606912"/>
         <c:scaling>
           <c:orientation val="minMax"/>
         </c:scaling>
@@ -1701,26 +1665,6 @@
             </a:ln>
             <a:effectLst/>
           </c:spPr>
-          <c:txPr>
-            <a:bodyPr rot="0" spcFirstLastPara="1" vertOverflow="ellipsis" wrap="square" anchor="ctr" anchorCtr="1"/>
-            <a:lstStyle/>
-            <a:p>
-              <a:pPr>
-                <a:defRPr sz="1400" b="0" i="0" u="none" strike="noStrike" kern="1200" baseline="0">
-                  <a:solidFill>
-                    <a:schemeClr val="tx1">
-                      <a:lumMod val="65000"/>
-                      <a:lumOff val="35000"/>
-                    </a:schemeClr>
-                  </a:solidFill>
-                  <a:latin typeface="+mn-lt"/>
-                  <a:ea typeface="+mn-ea"/>
-                  <a:cs typeface="+mn-cs"/>
-                </a:defRPr>
-              </a:pPr>
-              <a:endParaRPr lang="zh-CN"/>
-            </a:p>
-          </c:txPr>
         </c:title>
         <c:numFmt formatCode="General" sourceLinked="1"/>
         <c:majorTickMark val="none"/>
@@ -1756,10 +1700,10 @@
                 <a:cs typeface="+mn-cs"/>
               </a:defRPr>
             </a:pPr>
-            <a:endParaRPr lang="zh-CN"/>
+            <a:endParaRPr lang="en-US"/>
           </a:p>
         </c:txPr>
-        <c:crossAx val="1406286880"/>
+        <c:crossAx val="339604608"/>
         <c:crosses val="autoZero"/>
         <c:crossBetween val="midCat"/>
       </c:valAx>
@@ -1789,10 +1733,10 @@
       <a:pPr>
         <a:defRPr/>
       </a:pPr>
-      <a:endParaRPr lang="zh-CN"/>
+      <a:endParaRPr lang="en-US"/>
     </a:p>
   </c:txPr>
-  <c:externalData r:id="rId3">
+  <c:externalData r:id="rId1">
     <c:autoUpdate val="0"/>
   </c:externalData>
 </c:chartSpace>
@@ -1801,7 +1745,7 @@
 <file path=ppt/charts/chart3.xml><?xml version="1.0" encoding="utf-8"?>
 <c:chartSpace xmlns:c="http://schemas.openxmlformats.org/drawingml/2006/chart" xmlns:a="http://schemas.openxmlformats.org/drawingml/2006/main" xmlns:r="http://schemas.openxmlformats.org/officeDocument/2006/relationships">
   <c:date1904 val="0"/>
-  <c:lang val="zh-CN"/>
+  <c:lang val="en-US"/>
   <c:roundedCorners val="0"/>
   <mc:AlternateContent xmlns:mc="http://schemas.openxmlformats.org/markup-compatibility/2006">
     <mc:Choice xmlns:c14="http://schemas.microsoft.com/office/drawing/2007/8/2/chart" Requires="c14">
@@ -1838,7 +1782,17 @@
           </a:p>
           <a:p>
             <a:pPr>
-              <a:defRPr/>
+              <a:defRPr sz="1400" b="0" i="0" u="none" strike="noStrike" kern="1200" spc="0" baseline="0">
+                <a:solidFill>
+                  <a:schemeClr val="tx1">
+                    <a:lumMod val="65000"/>
+                    <a:lumOff val="35000"/>
+                  </a:schemeClr>
+                </a:solidFill>
+                <a:latin typeface="+mn-lt"/>
+                <a:ea typeface="+mn-ea"/>
+                <a:cs typeface="+mn-cs"/>
+              </a:defRPr>
             </a:pPr>
             <a:r>
               <a:rPr lang="en-US" altLang="zh-CN" sz="1600" b="1" dirty="0"/>
@@ -1864,26 +1818,6 @@
         </a:ln>
         <a:effectLst/>
       </c:spPr>
-      <c:txPr>
-        <a:bodyPr rot="0" spcFirstLastPara="1" vertOverflow="ellipsis" vert="horz" wrap="square" anchor="ctr" anchorCtr="1"/>
-        <a:lstStyle/>
-        <a:p>
-          <a:pPr>
-            <a:defRPr sz="1400" b="0" i="0" u="none" strike="noStrike" kern="1200" spc="0" baseline="0">
-              <a:solidFill>
-                <a:schemeClr val="tx1">
-                  <a:lumMod val="65000"/>
-                  <a:lumOff val="35000"/>
-                </a:schemeClr>
-              </a:solidFill>
-              <a:latin typeface="+mn-lt"/>
-              <a:ea typeface="+mn-ea"/>
-              <a:cs typeface="+mn-cs"/>
-            </a:defRPr>
-          </a:pPr>
-          <a:endParaRPr lang="zh-CN"/>
-        </a:p>
-      </c:txPr>
     </c:title>
     <c:autoTitleDeleted val="0"/>
     <c:plotArea>
@@ -2664,11 +2598,11 @@
           <c:showPercent val="0"/>
           <c:showBubbleSize val="0"/>
         </c:dLbls>
-        <c:axId val="1413218960"/>
-        <c:axId val="1413223856"/>
+        <c:axId val="339928192"/>
+        <c:axId val="339930496"/>
       </c:scatterChart>
       <c:valAx>
-        <c:axId val="1413218960"/>
+        <c:axId val="339928192"/>
         <c:scaling>
           <c:orientation val="minMax"/>
         </c:scaling>
@@ -2710,26 +2644,6 @@
             </a:ln>
             <a:effectLst/>
           </c:spPr>
-          <c:txPr>
-            <a:bodyPr rot="0" spcFirstLastPara="1" vertOverflow="ellipsis" vert="horz" wrap="square" anchor="ctr" anchorCtr="1"/>
-            <a:lstStyle/>
-            <a:p>
-              <a:pPr>
-                <a:defRPr sz="1000" b="0" i="0" u="none" strike="noStrike" kern="1200" baseline="0">
-                  <a:solidFill>
-                    <a:schemeClr val="tx1">
-                      <a:lumMod val="65000"/>
-                      <a:lumOff val="35000"/>
-                    </a:schemeClr>
-                  </a:solidFill>
-                  <a:latin typeface="+mn-lt"/>
-                  <a:ea typeface="+mn-ea"/>
-                  <a:cs typeface="+mn-cs"/>
-                </a:defRPr>
-              </a:pPr>
-              <a:endParaRPr lang="zh-CN"/>
-            </a:p>
-          </c:txPr>
         </c:title>
         <c:numFmt formatCode="General" sourceLinked="1"/>
         <c:majorTickMark val="none"/>
@@ -2765,15 +2679,15 @@
                 <a:cs typeface="+mn-cs"/>
               </a:defRPr>
             </a:pPr>
-            <a:endParaRPr lang="zh-CN"/>
+            <a:endParaRPr lang="en-US"/>
           </a:p>
         </c:txPr>
-        <c:crossAx val="1413223856"/>
+        <c:crossAx val="339930496"/>
         <c:crosses val="autoZero"/>
         <c:crossBetween val="midCat"/>
       </c:valAx>
       <c:valAx>
-        <c:axId val="1413223856"/>
+        <c:axId val="339930496"/>
         <c:scaling>
           <c:orientation val="minMax"/>
         </c:scaling>
@@ -2823,7 +2737,17 @@
               </a:p>
               <a:p>
                 <a:pPr>
-                  <a:defRPr sz="1800"/>
+                  <a:defRPr sz="1800" b="0" i="0" u="none" strike="noStrike" kern="1200" baseline="0">
+                    <a:solidFill>
+                      <a:schemeClr val="tx1">
+                        <a:lumMod val="65000"/>
+                        <a:lumOff val="35000"/>
+                      </a:schemeClr>
+                    </a:solidFill>
+                    <a:latin typeface="+mn-lt"/>
+                    <a:ea typeface="+mn-ea"/>
+                    <a:cs typeface="+mn-cs"/>
+                  </a:defRPr>
                 </a:pPr>
                 <a:r>
                   <a:rPr lang="en-US" altLang="zh-CN" sz="1800" baseline="0" dirty="0"/>
@@ -2856,26 +2780,6 @@
             </a:ln>
             <a:effectLst/>
           </c:spPr>
-          <c:txPr>
-            <a:bodyPr rot="0" spcFirstLastPara="1" vertOverflow="ellipsis" wrap="square" anchor="ctr" anchorCtr="1"/>
-            <a:lstStyle/>
-            <a:p>
-              <a:pPr>
-                <a:defRPr sz="1800" b="0" i="0" u="none" strike="noStrike" kern="1200" baseline="0">
-                  <a:solidFill>
-                    <a:schemeClr val="tx1">
-                      <a:lumMod val="65000"/>
-                      <a:lumOff val="35000"/>
-                    </a:schemeClr>
-                  </a:solidFill>
-                  <a:latin typeface="+mn-lt"/>
-                  <a:ea typeface="+mn-ea"/>
-                  <a:cs typeface="+mn-cs"/>
-                </a:defRPr>
-              </a:pPr>
-              <a:endParaRPr lang="zh-CN"/>
-            </a:p>
-          </c:txPr>
         </c:title>
         <c:numFmt formatCode="General" sourceLinked="1"/>
         <c:majorTickMark val="none"/>
@@ -2911,10 +2815,10 @@
                 <a:cs typeface="+mn-cs"/>
               </a:defRPr>
             </a:pPr>
-            <a:endParaRPr lang="zh-CN"/>
+            <a:endParaRPr lang="en-US"/>
           </a:p>
         </c:txPr>
-        <c:crossAx val="1413218960"/>
+        <c:crossAx val="339928192"/>
         <c:crosses val="autoZero"/>
         <c:crossBetween val="midCat"/>
       </c:valAx>
@@ -2944,10 +2848,10 @@
       <a:pPr>
         <a:defRPr/>
       </a:pPr>
-      <a:endParaRPr lang="zh-CN"/>
+      <a:endParaRPr lang="en-US"/>
     </a:p>
   </c:txPr>
-  <c:externalData r:id="rId3">
+  <c:externalData r:id="rId1">
     <c:autoUpdate val="0"/>
   </c:externalData>
 </c:chartSpace>
@@ -4147,7 +4051,7 @@
           <a:p>
             <a:fld id="{0572248B-88FF-4E8B-A680-85216B74AABA}" type="datetimeFigureOut">
               <a:rPr lang="en-US" smtClean="0"/>
-              <a:t>7/16/2019</a:t>
+              <a:t>7/23/2019</a:t>
             </a:fld>
             <a:endParaRPr lang="en-US"/>
           </a:p>
@@ -4693,7 +4597,7 @@
           <a:p>
             <a:fld id="{EB9598DE-C241-4125-9C71-02C92E0D4256}" type="datetime1">
               <a:rPr lang="en-US" smtClean="0"/>
-              <a:t>7/16/2019</a:t>
+              <a:t>7/23/2019</a:t>
             </a:fld>
             <a:endParaRPr lang="en-US"/>
           </a:p>
@@ -4858,7 +4762,7 @@
           <a:p>
             <a:fld id="{4D1473DA-9EE8-441B-A109-3787F7F7C780}" type="datetime1">
               <a:rPr lang="en-US" smtClean="0"/>
-              <a:t>7/16/2019</a:t>
+              <a:t>7/23/2019</a:t>
             </a:fld>
             <a:endParaRPr lang="en-US"/>
           </a:p>
@@ -5033,7 +4937,7 @@
           <a:p>
             <a:fld id="{15E7ADB2-6FB1-4B3E-9531-07DE93FF3EC7}" type="datetime1">
               <a:rPr lang="en-US" smtClean="0"/>
-              <a:t>7/16/2019</a:t>
+              <a:t>7/23/2019</a:t>
             </a:fld>
             <a:endParaRPr lang="en-US"/>
           </a:p>
@@ -5198,7 +5102,7 @@
           <a:p>
             <a:fld id="{49EC7B83-1FFF-4420-9DA4-CA86233D0905}" type="datetime1">
               <a:rPr lang="en-US" smtClean="0"/>
-              <a:t>7/16/2019</a:t>
+              <a:t>7/23/2019</a:t>
             </a:fld>
             <a:endParaRPr lang="en-US"/>
           </a:p>
@@ -5439,7 +5343,7 @@
           <a:p>
             <a:fld id="{891D4948-1F20-472D-A4B3-9B31296086B0}" type="datetime1">
               <a:rPr lang="en-US" smtClean="0"/>
-              <a:t>7/16/2019</a:t>
+              <a:t>7/23/2019</a:t>
             </a:fld>
             <a:endParaRPr lang="en-US"/>
           </a:p>
@@ -5722,7 +5626,7 @@
           <a:p>
             <a:fld id="{792A755E-C072-4B22-94F2-C8388C96187A}" type="datetime1">
               <a:rPr lang="en-US" smtClean="0"/>
-              <a:t>7/16/2019</a:t>
+              <a:t>7/23/2019</a:t>
             </a:fld>
             <a:endParaRPr lang="en-US"/>
           </a:p>
@@ -6151,7 +6055,7 @@
           <a:p>
             <a:fld id="{5EFDE890-AC38-47A9-9EEB-1D69427143D6}" type="datetime1">
               <a:rPr lang="en-US" smtClean="0"/>
-              <a:t>7/16/2019</a:t>
+              <a:t>7/23/2019</a:t>
             </a:fld>
             <a:endParaRPr lang="en-US"/>
           </a:p>
@@ -6264,7 +6168,7 @@
           <a:p>
             <a:fld id="{8F9D6FF3-0FF0-43A3-8F4B-CA3011187C63}" type="datetime1">
               <a:rPr lang="en-US" smtClean="0"/>
-              <a:t>7/16/2019</a:t>
+              <a:t>7/23/2019</a:t>
             </a:fld>
             <a:endParaRPr lang="en-US"/>
           </a:p>
@@ -6354,7 +6258,7 @@
           <a:p>
             <a:fld id="{B807BB1A-98ED-44C7-8FF9-3CB7E28BF76D}" type="datetime1">
               <a:rPr lang="en-US" smtClean="0"/>
-              <a:t>7/16/2019</a:t>
+              <a:t>7/23/2019</a:t>
             </a:fld>
             <a:endParaRPr lang="en-US"/>
           </a:p>
@@ -6543,7 +6447,7 @@
           <a:p>
             <a:fld id="{25ED97BE-5F2E-4947-817D-F7F39B32E898}" type="datetime1">
               <a:rPr lang="en-US" smtClean="0"/>
-              <a:t>7/16/2019</a:t>
+              <a:t>7/23/2019</a:t>
             </a:fld>
             <a:endParaRPr lang="en-US"/>
           </a:p>
@@ -6861,7 +6765,7 @@
           <a:p>
             <a:fld id="{8A84CEF1-2F32-4494-8A3B-469C0AAD382C}" type="datetime1">
               <a:rPr lang="en-US" smtClean="0"/>
-              <a:t>7/16/2019</a:t>
+              <a:t>7/23/2019</a:t>
             </a:fld>
             <a:endParaRPr lang="en-US"/>
           </a:p>
@@ -7240,7 +7144,7 @@
           <a:p>
             <a:fld id="{535641D2-FA51-4AB4-9FAB-5F16E0F098CA}" type="datetime1">
               <a:rPr lang="en-US" smtClean="0"/>
-              <a:t>7/16/2019</a:t>
+              <a:t>7/23/2019</a:t>
             </a:fld>
             <a:endParaRPr lang="en-US"/>
           </a:p>
@@ -13030,11 +12934,7 @@
           <a:p>
             <a:r>
               <a:rPr lang="en-US" dirty="0" smtClean="0"/>
-              <a:t>Data </a:t>
-            </a:r>
-            <a:r>
-              <a:rPr lang="en-US" dirty="0" smtClean="0"/>
-              <a:t>is fed to the system every 1s</a:t>
+              <a:t>Data is fed to the system every 1s</a:t>
             </a:r>
           </a:p>
           <a:p>
@@ -13090,7 +12990,7 @@
           <a:bodyPr/>
           <a:lstStyle/>
           <a:p>
-            <a:endParaRPr lang="en-US"/>
+            <a:endParaRPr lang="en-US" dirty="0"/>
           </a:p>
         </p:txBody>
       </p:sp>
@@ -13117,876 +13017,939 @@
           </a:p>
         </p:txBody>
       </p:sp>
-      <p:sp>
-        <p:nvSpPr>
-          <p:cNvPr id="6" name="Rectangle 5"/>
-          <p:cNvSpPr/>
+      <p:grpSp>
+        <p:nvGrpSpPr>
+          <p:cNvPr id="16" name="Group 15"/>
+          <p:cNvGrpSpPr/>
           <p:nvPr/>
-        </p:nvSpPr>
-        <p:spPr>
+        </p:nvGrpSpPr>
+        <p:grpSpPr>
           <a:xfrm>
-            <a:off x="2468760" y="3285296"/>
-            <a:ext cx="1012054" cy="861807"/>
+            <a:off x="571130" y="2672717"/>
+            <a:ext cx="6931268" cy="1733373"/>
+            <a:chOff x="571130" y="2672717"/>
+            <a:chExt cx="6931268" cy="1733373"/>
           </a:xfrm>
-          <a:prstGeom prst="rect">
-            <a:avLst/>
-          </a:prstGeom>
-          <a:noFill/>
-          <a:ln w="12700">
-            <a:solidFill>
-              <a:schemeClr val="tx1"/>
-            </a:solidFill>
-          </a:ln>
-        </p:spPr>
-        <p:style>
-          <a:lnRef idx="2">
-            <a:schemeClr val="accent1">
-              <a:shade val="50000"/>
-            </a:schemeClr>
-          </a:lnRef>
-          <a:fillRef idx="1">
-            <a:schemeClr val="accent1"/>
-          </a:fillRef>
-          <a:effectRef idx="0">
-            <a:schemeClr val="accent1"/>
-          </a:effectRef>
-          <a:fontRef idx="minor">
-            <a:schemeClr val="lt1"/>
-          </a:fontRef>
-        </p:style>
-        <p:txBody>
-          <a:bodyPr rtlCol="0" anchor="ctr"/>
-          <a:lstStyle>
-            <a:defPPr>
-              <a:defRPr lang="en-US"/>
-            </a:defPPr>
-            <a:lvl1pPr marL="0" algn="l" defTabSz="3291279" rtl="0" eaLnBrk="1" latinLnBrk="0" hangingPunct="1">
-              <a:defRPr sz="6400" kern="1200">
-                <a:solidFill>
-                  <a:schemeClr val="lt1"/>
-                </a:solidFill>
-                <a:latin typeface="+mn-lt"/>
-                <a:ea typeface="+mn-ea"/>
-                <a:cs typeface="+mn-cs"/>
-              </a:defRPr>
-            </a:lvl1pPr>
-            <a:lvl2pPr marL="1645640" algn="l" defTabSz="3291279" rtl="0" eaLnBrk="1" latinLnBrk="0" hangingPunct="1">
-              <a:defRPr sz="6400" kern="1200">
-                <a:solidFill>
-                  <a:schemeClr val="lt1"/>
-                </a:solidFill>
-                <a:latin typeface="+mn-lt"/>
-                <a:ea typeface="+mn-ea"/>
-                <a:cs typeface="+mn-cs"/>
-              </a:defRPr>
-            </a:lvl2pPr>
-            <a:lvl3pPr marL="3291279" algn="l" defTabSz="3291279" rtl="0" eaLnBrk="1" latinLnBrk="0" hangingPunct="1">
-              <a:defRPr sz="6400" kern="1200">
-                <a:solidFill>
-                  <a:schemeClr val="lt1"/>
-                </a:solidFill>
-                <a:latin typeface="+mn-lt"/>
-                <a:ea typeface="+mn-ea"/>
-                <a:cs typeface="+mn-cs"/>
-              </a:defRPr>
-            </a:lvl3pPr>
-            <a:lvl4pPr marL="4936919" algn="l" defTabSz="3291279" rtl="0" eaLnBrk="1" latinLnBrk="0" hangingPunct="1">
-              <a:defRPr sz="6400" kern="1200">
-                <a:solidFill>
-                  <a:schemeClr val="lt1"/>
-                </a:solidFill>
-                <a:latin typeface="+mn-lt"/>
-                <a:ea typeface="+mn-ea"/>
-                <a:cs typeface="+mn-cs"/>
-              </a:defRPr>
-            </a:lvl4pPr>
-            <a:lvl5pPr marL="6582559" algn="l" defTabSz="3291279" rtl="0" eaLnBrk="1" latinLnBrk="0" hangingPunct="1">
-              <a:defRPr sz="6400" kern="1200">
-                <a:solidFill>
-                  <a:schemeClr val="lt1"/>
-                </a:solidFill>
-                <a:latin typeface="+mn-lt"/>
-                <a:ea typeface="+mn-ea"/>
-                <a:cs typeface="+mn-cs"/>
-              </a:defRPr>
-            </a:lvl5pPr>
-            <a:lvl6pPr marL="8228198" algn="l" defTabSz="3291279" rtl="0" eaLnBrk="1" latinLnBrk="0" hangingPunct="1">
-              <a:defRPr sz="6400" kern="1200">
-                <a:solidFill>
-                  <a:schemeClr val="lt1"/>
-                </a:solidFill>
-                <a:latin typeface="+mn-lt"/>
-                <a:ea typeface="+mn-ea"/>
-                <a:cs typeface="+mn-cs"/>
-              </a:defRPr>
-            </a:lvl6pPr>
-            <a:lvl7pPr marL="9873837" algn="l" defTabSz="3291279" rtl="0" eaLnBrk="1" latinLnBrk="0" hangingPunct="1">
-              <a:defRPr sz="6400" kern="1200">
-                <a:solidFill>
-                  <a:schemeClr val="lt1"/>
-                </a:solidFill>
-                <a:latin typeface="+mn-lt"/>
-                <a:ea typeface="+mn-ea"/>
-                <a:cs typeface="+mn-cs"/>
-              </a:defRPr>
-            </a:lvl7pPr>
-            <a:lvl8pPr marL="11519478" algn="l" defTabSz="3291279" rtl="0" eaLnBrk="1" latinLnBrk="0" hangingPunct="1">
-              <a:defRPr sz="6400" kern="1200">
-                <a:solidFill>
-                  <a:schemeClr val="lt1"/>
-                </a:solidFill>
-                <a:latin typeface="+mn-lt"/>
-                <a:ea typeface="+mn-ea"/>
-                <a:cs typeface="+mn-cs"/>
-              </a:defRPr>
-            </a:lvl8pPr>
-            <a:lvl9pPr marL="13165118" algn="l" defTabSz="3291279" rtl="0" eaLnBrk="1" latinLnBrk="0" hangingPunct="1">
-              <a:defRPr sz="6400" kern="1200">
-                <a:solidFill>
-                  <a:schemeClr val="lt1"/>
-                </a:solidFill>
-                <a:latin typeface="+mn-lt"/>
-                <a:ea typeface="+mn-ea"/>
-                <a:cs typeface="+mn-cs"/>
-              </a:defRPr>
-            </a:lvl9pPr>
-          </a:lstStyle>
-          <a:p>
-            <a:pPr algn="ctr"/>
-            <a:r>
-              <a:rPr lang="en-US" sz="1800" dirty="0" smtClean="0">
+        </p:grpSpPr>
+        <p:sp>
+          <p:nvSpPr>
+            <p:cNvPr id="6" name="Rectangle 5"/>
+            <p:cNvSpPr/>
+            <p:nvPr/>
+          </p:nvSpPr>
+          <p:spPr>
+            <a:xfrm>
+              <a:off x="2468760" y="3285296"/>
+              <a:ext cx="1012054" cy="861807"/>
+            </a:xfrm>
+            <a:prstGeom prst="rect">
+              <a:avLst/>
+            </a:prstGeom>
+            <a:noFill/>
+            <a:ln w="12700">
+              <a:solidFill>
+                <a:schemeClr val="tx1"/>
+              </a:solidFill>
+            </a:ln>
+          </p:spPr>
+          <p:style>
+            <a:lnRef idx="2">
+              <a:schemeClr val="accent1">
+                <a:shade val="50000"/>
+              </a:schemeClr>
+            </a:lnRef>
+            <a:fillRef idx="1">
+              <a:schemeClr val="accent1"/>
+            </a:fillRef>
+            <a:effectRef idx="0">
+              <a:schemeClr val="accent1"/>
+            </a:effectRef>
+            <a:fontRef idx="minor">
+              <a:schemeClr val="lt1"/>
+            </a:fontRef>
+          </p:style>
+          <p:txBody>
+            <a:bodyPr rtlCol="0" anchor="ctr"/>
+            <a:lstStyle>
+              <a:defPPr>
+                <a:defRPr lang="en-US"/>
+              </a:defPPr>
+              <a:lvl1pPr marL="0" algn="l" defTabSz="3291279" rtl="0" eaLnBrk="1" latinLnBrk="0" hangingPunct="1">
+                <a:defRPr sz="6400" kern="1200">
+                  <a:solidFill>
+                    <a:schemeClr val="lt1"/>
+                  </a:solidFill>
+                  <a:latin typeface="+mn-lt"/>
+                  <a:ea typeface="+mn-ea"/>
+                  <a:cs typeface="+mn-cs"/>
+                </a:defRPr>
+              </a:lvl1pPr>
+              <a:lvl2pPr marL="1645640" algn="l" defTabSz="3291279" rtl="0" eaLnBrk="1" latinLnBrk="0" hangingPunct="1">
+                <a:defRPr sz="6400" kern="1200">
+                  <a:solidFill>
+                    <a:schemeClr val="lt1"/>
+                  </a:solidFill>
+                  <a:latin typeface="+mn-lt"/>
+                  <a:ea typeface="+mn-ea"/>
+                  <a:cs typeface="+mn-cs"/>
+                </a:defRPr>
+              </a:lvl2pPr>
+              <a:lvl3pPr marL="3291279" algn="l" defTabSz="3291279" rtl="0" eaLnBrk="1" latinLnBrk="0" hangingPunct="1">
+                <a:defRPr sz="6400" kern="1200">
+                  <a:solidFill>
+                    <a:schemeClr val="lt1"/>
+                  </a:solidFill>
+                  <a:latin typeface="+mn-lt"/>
+                  <a:ea typeface="+mn-ea"/>
+                  <a:cs typeface="+mn-cs"/>
+                </a:defRPr>
+              </a:lvl3pPr>
+              <a:lvl4pPr marL="4936919" algn="l" defTabSz="3291279" rtl="0" eaLnBrk="1" latinLnBrk="0" hangingPunct="1">
+                <a:defRPr sz="6400" kern="1200">
+                  <a:solidFill>
+                    <a:schemeClr val="lt1"/>
+                  </a:solidFill>
+                  <a:latin typeface="+mn-lt"/>
+                  <a:ea typeface="+mn-ea"/>
+                  <a:cs typeface="+mn-cs"/>
+                </a:defRPr>
+              </a:lvl4pPr>
+              <a:lvl5pPr marL="6582559" algn="l" defTabSz="3291279" rtl="0" eaLnBrk="1" latinLnBrk="0" hangingPunct="1">
+                <a:defRPr sz="6400" kern="1200">
+                  <a:solidFill>
+                    <a:schemeClr val="lt1"/>
+                  </a:solidFill>
+                  <a:latin typeface="+mn-lt"/>
+                  <a:ea typeface="+mn-ea"/>
+                  <a:cs typeface="+mn-cs"/>
+                </a:defRPr>
+              </a:lvl5pPr>
+              <a:lvl6pPr marL="8228198" algn="l" defTabSz="3291279" rtl="0" eaLnBrk="1" latinLnBrk="0" hangingPunct="1">
+                <a:defRPr sz="6400" kern="1200">
+                  <a:solidFill>
+                    <a:schemeClr val="lt1"/>
+                  </a:solidFill>
+                  <a:latin typeface="+mn-lt"/>
+                  <a:ea typeface="+mn-ea"/>
+                  <a:cs typeface="+mn-cs"/>
+                </a:defRPr>
+              </a:lvl6pPr>
+              <a:lvl7pPr marL="9873837" algn="l" defTabSz="3291279" rtl="0" eaLnBrk="1" latinLnBrk="0" hangingPunct="1">
+                <a:defRPr sz="6400" kern="1200">
+                  <a:solidFill>
+                    <a:schemeClr val="lt1"/>
+                  </a:solidFill>
+                  <a:latin typeface="+mn-lt"/>
+                  <a:ea typeface="+mn-ea"/>
+                  <a:cs typeface="+mn-cs"/>
+                </a:defRPr>
+              </a:lvl7pPr>
+              <a:lvl8pPr marL="11519478" algn="l" defTabSz="3291279" rtl="0" eaLnBrk="1" latinLnBrk="0" hangingPunct="1">
+                <a:defRPr sz="6400" kern="1200">
+                  <a:solidFill>
+                    <a:schemeClr val="lt1"/>
+                  </a:solidFill>
+                  <a:latin typeface="+mn-lt"/>
+                  <a:ea typeface="+mn-ea"/>
+                  <a:cs typeface="+mn-cs"/>
+                </a:defRPr>
+              </a:lvl8pPr>
+              <a:lvl9pPr marL="13165118" algn="l" defTabSz="3291279" rtl="0" eaLnBrk="1" latinLnBrk="0" hangingPunct="1">
+                <a:defRPr sz="6400" kern="1200">
+                  <a:solidFill>
+                    <a:schemeClr val="lt1"/>
+                  </a:solidFill>
+                  <a:latin typeface="+mn-lt"/>
+                  <a:ea typeface="+mn-ea"/>
+                  <a:cs typeface="+mn-cs"/>
+                </a:defRPr>
+              </a:lvl9pPr>
+            </a:lstStyle>
+            <a:p>
+              <a:pPr algn="ctr"/>
+              <a:r>
+                <a:rPr lang="en-US" sz="1800" dirty="0" smtClean="0">
+                  <a:solidFill>
+                    <a:schemeClr val="tx1"/>
+                  </a:solidFill>
+                </a:rPr>
+                <a:t>1s Data</a:t>
+              </a:r>
+              <a:endParaRPr lang="en-US" sz="1800" dirty="0">
                 <a:solidFill>
                   <a:schemeClr val="tx1"/>
                 </a:solidFill>
-              </a:rPr>
-              <a:t>1s Data</a:t>
-            </a:r>
-            <a:endParaRPr lang="en-US" sz="1800" dirty="0">
+              </a:endParaRPr>
+            </a:p>
+          </p:txBody>
+        </p:sp>
+        <p:sp>
+          <p:nvSpPr>
+            <p:cNvPr id="7" name="Rectangle 6"/>
+            <p:cNvSpPr/>
+            <p:nvPr/>
+          </p:nvSpPr>
+          <p:spPr>
+            <a:xfrm>
+              <a:off x="3997198" y="3285295"/>
+              <a:ext cx="1676400" cy="861807"/>
+            </a:xfrm>
+            <a:prstGeom prst="rect">
+              <a:avLst/>
+            </a:prstGeom>
+            <a:noFill/>
+            <a:ln w="12700">
               <a:solidFill>
                 <a:schemeClr val="tx1"/>
               </a:solidFill>
-            </a:endParaRPr>
-          </a:p>
-        </p:txBody>
-      </p:sp>
-      <p:sp>
-        <p:nvSpPr>
-          <p:cNvPr id="7" name="Rectangle 6"/>
-          <p:cNvSpPr/>
-          <p:nvPr/>
-        </p:nvSpPr>
-        <p:spPr>
-          <a:xfrm>
-            <a:off x="3997198" y="3285295"/>
-            <a:ext cx="1676400" cy="861807"/>
-          </a:xfrm>
-          <a:prstGeom prst="rect">
-            <a:avLst/>
-          </a:prstGeom>
-          <a:noFill/>
-          <a:ln w="12700">
-            <a:solidFill>
-              <a:schemeClr val="tx1"/>
-            </a:solidFill>
-          </a:ln>
-        </p:spPr>
-        <p:style>
-          <a:lnRef idx="2">
-            <a:schemeClr val="accent1">
-              <a:shade val="50000"/>
-            </a:schemeClr>
-          </a:lnRef>
-          <a:fillRef idx="1">
-            <a:schemeClr val="accent1"/>
-          </a:fillRef>
-          <a:effectRef idx="0">
-            <a:schemeClr val="accent1"/>
-          </a:effectRef>
-          <a:fontRef idx="minor">
-            <a:schemeClr val="lt1"/>
-          </a:fontRef>
-        </p:style>
-        <p:txBody>
-          <a:bodyPr rtlCol="0" anchor="ctr"/>
-          <a:lstStyle>
-            <a:defPPr>
-              <a:defRPr lang="en-US"/>
-            </a:defPPr>
-            <a:lvl1pPr marL="0" algn="l" defTabSz="3291279" rtl="0" eaLnBrk="1" latinLnBrk="0" hangingPunct="1">
-              <a:defRPr sz="6400" kern="1200">
-                <a:solidFill>
-                  <a:schemeClr val="lt1"/>
-                </a:solidFill>
-                <a:latin typeface="+mn-lt"/>
-                <a:ea typeface="+mn-ea"/>
-                <a:cs typeface="+mn-cs"/>
-              </a:defRPr>
-            </a:lvl1pPr>
-            <a:lvl2pPr marL="1645640" algn="l" defTabSz="3291279" rtl="0" eaLnBrk="1" latinLnBrk="0" hangingPunct="1">
-              <a:defRPr sz="6400" kern="1200">
-                <a:solidFill>
-                  <a:schemeClr val="lt1"/>
-                </a:solidFill>
-                <a:latin typeface="+mn-lt"/>
-                <a:ea typeface="+mn-ea"/>
-                <a:cs typeface="+mn-cs"/>
-              </a:defRPr>
-            </a:lvl2pPr>
-            <a:lvl3pPr marL="3291279" algn="l" defTabSz="3291279" rtl="0" eaLnBrk="1" latinLnBrk="0" hangingPunct="1">
-              <a:defRPr sz="6400" kern="1200">
-                <a:solidFill>
-                  <a:schemeClr val="lt1"/>
-                </a:solidFill>
-                <a:latin typeface="+mn-lt"/>
-                <a:ea typeface="+mn-ea"/>
-                <a:cs typeface="+mn-cs"/>
-              </a:defRPr>
-            </a:lvl3pPr>
-            <a:lvl4pPr marL="4936919" algn="l" defTabSz="3291279" rtl="0" eaLnBrk="1" latinLnBrk="0" hangingPunct="1">
-              <a:defRPr sz="6400" kern="1200">
-                <a:solidFill>
-                  <a:schemeClr val="lt1"/>
-                </a:solidFill>
-                <a:latin typeface="+mn-lt"/>
-                <a:ea typeface="+mn-ea"/>
-                <a:cs typeface="+mn-cs"/>
-              </a:defRPr>
-            </a:lvl4pPr>
-            <a:lvl5pPr marL="6582559" algn="l" defTabSz="3291279" rtl="0" eaLnBrk="1" latinLnBrk="0" hangingPunct="1">
-              <a:defRPr sz="6400" kern="1200">
-                <a:solidFill>
-                  <a:schemeClr val="lt1"/>
-                </a:solidFill>
-                <a:latin typeface="+mn-lt"/>
-                <a:ea typeface="+mn-ea"/>
-                <a:cs typeface="+mn-cs"/>
-              </a:defRPr>
-            </a:lvl5pPr>
-            <a:lvl6pPr marL="8228198" algn="l" defTabSz="3291279" rtl="0" eaLnBrk="1" latinLnBrk="0" hangingPunct="1">
-              <a:defRPr sz="6400" kern="1200">
-                <a:solidFill>
-                  <a:schemeClr val="lt1"/>
-                </a:solidFill>
-                <a:latin typeface="+mn-lt"/>
-                <a:ea typeface="+mn-ea"/>
-                <a:cs typeface="+mn-cs"/>
-              </a:defRPr>
-            </a:lvl6pPr>
-            <a:lvl7pPr marL="9873837" algn="l" defTabSz="3291279" rtl="0" eaLnBrk="1" latinLnBrk="0" hangingPunct="1">
-              <a:defRPr sz="6400" kern="1200">
-                <a:solidFill>
-                  <a:schemeClr val="lt1"/>
-                </a:solidFill>
-                <a:latin typeface="+mn-lt"/>
-                <a:ea typeface="+mn-ea"/>
-                <a:cs typeface="+mn-cs"/>
-              </a:defRPr>
-            </a:lvl7pPr>
-            <a:lvl8pPr marL="11519478" algn="l" defTabSz="3291279" rtl="0" eaLnBrk="1" latinLnBrk="0" hangingPunct="1">
-              <a:defRPr sz="6400" kern="1200">
-                <a:solidFill>
-                  <a:schemeClr val="lt1"/>
-                </a:solidFill>
-                <a:latin typeface="+mn-lt"/>
-                <a:ea typeface="+mn-ea"/>
-                <a:cs typeface="+mn-cs"/>
-              </a:defRPr>
-            </a:lvl8pPr>
-            <a:lvl9pPr marL="13165118" algn="l" defTabSz="3291279" rtl="0" eaLnBrk="1" latinLnBrk="0" hangingPunct="1">
-              <a:defRPr sz="6400" kern="1200">
-                <a:solidFill>
-                  <a:schemeClr val="lt1"/>
-                </a:solidFill>
-                <a:latin typeface="+mn-lt"/>
-                <a:ea typeface="+mn-ea"/>
-                <a:cs typeface="+mn-cs"/>
-              </a:defRPr>
-            </a:lvl9pPr>
-          </a:lstStyle>
-          <a:p>
-            <a:pPr algn="ctr"/>
-            <a:r>
-              <a:rPr lang="en-US" sz="1800" dirty="0" smtClean="0">
+            </a:ln>
+          </p:spPr>
+          <p:style>
+            <a:lnRef idx="2">
+              <a:schemeClr val="accent1">
+                <a:shade val="50000"/>
+              </a:schemeClr>
+            </a:lnRef>
+            <a:fillRef idx="1">
+              <a:schemeClr val="accent1"/>
+            </a:fillRef>
+            <a:effectRef idx="0">
+              <a:schemeClr val="accent1"/>
+            </a:effectRef>
+            <a:fontRef idx="minor">
+              <a:schemeClr val="lt1"/>
+            </a:fontRef>
+          </p:style>
+          <p:txBody>
+            <a:bodyPr rtlCol="0" anchor="ctr"/>
+            <a:lstStyle>
+              <a:defPPr>
+                <a:defRPr lang="en-US"/>
+              </a:defPPr>
+              <a:lvl1pPr marL="0" algn="l" defTabSz="3291279" rtl="0" eaLnBrk="1" latinLnBrk="0" hangingPunct="1">
+                <a:defRPr sz="6400" kern="1200">
+                  <a:solidFill>
+                    <a:schemeClr val="lt1"/>
+                  </a:solidFill>
+                  <a:latin typeface="+mn-lt"/>
+                  <a:ea typeface="+mn-ea"/>
+                  <a:cs typeface="+mn-cs"/>
+                </a:defRPr>
+              </a:lvl1pPr>
+              <a:lvl2pPr marL="1645640" algn="l" defTabSz="3291279" rtl="0" eaLnBrk="1" latinLnBrk="0" hangingPunct="1">
+                <a:defRPr sz="6400" kern="1200">
+                  <a:solidFill>
+                    <a:schemeClr val="lt1"/>
+                  </a:solidFill>
+                  <a:latin typeface="+mn-lt"/>
+                  <a:ea typeface="+mn-ea"/>
+                  <a:cs typeface="+mn-cs"/>
+                </a:defRPr>
+              </a:lvl2pPr>
+              <a:lvl3pPr marL="3291279" algn="l" defTabSz="3291279" rtl="0" eaLnBrk="1" latinLnBrk="0" hangingPunct="1">
+                <a:defRPr sz="6400" kern="1200">
+                  <a:solidFill>
+                    <a:schemeClr val="lt1"/>
+                  </a:solidFill>
+                  <a:latin typeface="+mn-lt"/>
+                  <a:ea typeface="+mn-ea"/>
+                  <a:cs typeface="+mn-cs"/>
+                </a:defRPr>
+              </a:lvl3pPr>
+              <a:lvl4pPr marL="4936919" algn="l" defTabSz="3291279" rtl="0" eaLnBrk="1" latinLnBrk="0" hangingPunct="1">
+                <a:defRPr sz="6400" kern="1200">
+                  <a:solidFill>
+                    <a:schemeClr val="lt1"/>
+                  </a:solidFill>
+                  <a:latin typeface="+mn-lt"/>
+                  <a:ea typeface="+mn-ea"/>
+                  <a:cs typeface="+mn-cs"/>
+                </a:defRPr>
+              </a:lvl4pPr>
+              <a:lvl5pPr marL="6582559" algn="l" defTabSz="3291279" rtl="0" eaLnBrk="1" latinLnBrk="0" hangingPunct="1">
+                <a:defRPr sz="6400" kern="1200">
+                  <a:solidFill>
+                    <a:schemeClr val="lt1"/>
+                  </a:solidFill>
+                  <a:latin typeface="+mn-lt"/>
+                  <a:ea typeface="+mn-ea"/>
+                  <a:cs typeface="+mn-cs"/>
+                </a:defRPr>
+              </a:lvl5pPr>
+              <a:lvl6pPr marL="8228198" algn="l" defTabSz="3291279" rtl="0" eaLnBrk="1" latinLnBrk="0" hangingPunct="1">
+                <a:defRPr sz="6400" kern="1200">
+                  <a:solidFill>
+                    <a:schemeClr val="lt1"/>
+                  </a:solidFill>
+                  <a:latin typeface="+mn-lt"/>
+                  <a:ea typeface="+mn-ea"/>
+                  <a:cs typeface="+mn-cs"/>
+                </a:defRPr>
+              </a:lvl6pPr>
+              <a:lvl7pPr marL="9873837" algn="l" defTabSz="3291279" rtl="0" eaLnBrk="1" latinLnBrk="0" hangingPunct="1">
+                <a:defRPr sz="6400" kern="1200">
+                  <a:solidFill>
+                    <a:schemeClr val="lt1"/>
+                  </a:solidFill>
+                  <a:latin typeface="+mn-lt"/>
+                  <a:ea typeface="+mn-ea"/>
+                  <a:cs typeface="+mn-cs"/>
+                </a:defRPr>
+              </a:lvl7pPr>
+              <a:lvl8pPr marL="11519478" algn="l" defTabSz="3291279" rtl="0" eaLnBrk="1" latinLnBrk="0" hangingPunct="1">
+                <a:defRPr sz="6400" kern="1200">
+                  <a:solidFill>
+                    <a:schemeClr val="lt1"/>
+                  </a:solidFill>
+                  <a:latin typeface="+mn-lt"/>
+                  <a:ea typeface="+mn-ea"/>
+                  <a:cs typeface="+mn-cs"/>
+                </a:defRPr>
+              </a:lvl8pPr>
+              <a:lvl9pPr marL="13165118" algn="l" defTabSz="3291279" rtl="0" eaLnBrk="1" latinLnBrk="0" hangingPunct="1">
+                <a:defRPr sz="6400" kern="1200">
+                  <a:solidFill>
+                    <a:schemeClr val="lt1"/>
+                  </a:solidFill>
+                  <a:latin typeface="+mn-lt"/>
+                  <a:ea typeface="+mn-ea"/>
+                  <a:cs typeface="+mn-cs"/>
+                </a:defRPr>
+              </a:lvl9pPr>
+            </a:lstStyle>
+            <a:p>
+              <a:pPr algn="ctr"/>
+              <a:r>
+                <a:rPr lang="en-US" sz="1800" dirty="0" smtClean="0">
+                  <a:solidFill>
+                    <a:schemeClr val="tx1"/>
+                  </a:solidFill>
+                </a:rPr>
+                <a:t>Real-time Diarization </a:t>
+              </a:r>
+              <a:r>
+                <a:rPr lang="en-US" sz="1800" dirty="0" smtClean="0">
+                  <a:solidFill>
+                    <a:schemeClr val="tx1"/>
+                  </a:solidFill>
+                </a:rPr>
+                <a:t>system</a:t>
+              </a:r>
+              <a:endParaRPr lang="en-US" sz="1800" dirty="0">
                 <a:solidFill>
                   <a:schemeClr val="tx1"/>
                 </a:solidFill>
-              </a:rPr>
-              <a:t>Diarization system</a:t>
-            </a:r>
-            <a:endParaRPr lang="en-US" sz="1800" dirty="0">
+              </a:endParaRPr>
+            </a:p>
+          </p:txBody>
+        </p:sp>
+        <p:sp>
+          <p:nvSpPr>
+            <p:cNvPr id="8" name="Rectangle 7"/>
+            <p:cNvSpPr/>
+            <p:nvPr/>
+          </p:nvSpPr>
+          <p:spPr>
+            <a:xfrm>
+              <a:off x="6197229" y="3285294"/>
+              <a:ext cx="1100831" cy="861807"/>
+            </a:xfrm>
+            <a:prstGeom prst="rect">
+              <a:avLst/>
+            </a:prstGeom>
+            <a:noFill/>
+            <a:ln w="12700">
               <a:solidFill>
                 <a:schemeClr val="tx1"/>
               </a:solidFill>
-            </a:endParaRPr>
-          </a:p>
-        </p:txBody>
-      </p:sp>
-      <p:sp>
-        <p:nvSpPr>
-          <p:cNvPr id="8" name="Rectangle 7"/>
-          <p:cNvSpPr/>
-          <p:nvPr/>
-        </p:nvSpPr>
-        <p:spPr>
-          <a:xfrm>
-            <a:off x="6197229" y="3285294"/>
-            <a:ext cx="1100831" cy="861807"/>
-          </a:xfrm>
-          <a:prstGeom prst="rect">
-            <a:avLst/>
-          </a:prstGeom>
-          <a:noFill/>
-          <a:ln w="12700">
-            <a:solidFill>
-              <a:schemeClr val="tx1"/>
-            </a:solidFill>
-          </a:ln>
-        </p:spPr>
-        <p:style>
-          <a:lnRef idx="2">
-            <a:schemeClr val="accent1">
-              <a:shade val="50000"/>
-            </a:schemeClr>
-          </a:lnRef>
-          <a:fillRef idx="1">
-            <a:schemeClr val="accent1"/>
-          </a:fillRef>
-          <a:effectRef idx="0">
-            <a:schemeClr val="accent1"/>
-          </a:effectRef>
-          <a:fontRef idx="minor">
-            <a:schemeClr val="lt1"/>
-          </a:fontRef>
-        </p:style>
-        <p:txBody>
-          <a:bodyPr rtlCol="0" anchor="ctr"/>
-          <a:lstStyle>
-            <a:defPPr>
-              <a:defRPr lang="en-US"/>
-            </a:defPPr>
-            <a:lvl1pPr marL="0" algn="l" defTabSz="3291279" rtl="0" eaLnBrk="1" latinLnBrk="0" hangingPunct="1">
-              <a:defRPr sz="6400" kern="1200">
-                <a:solidFill>
-                  <a:schemeClr val="lt1"/>
-                </a:solidFill>
-                <a:latin typeface="+mn-lt"/>
-                <a:ea typeface="+mn-ea"/>
-                <a:cs typeface="+mn-cs"/>
-              </a:defRPr>
-            </a:lvl1pPr>
-            <a:lvl2pPr marL="1645640" algn="l" defTabSz="3291279" rtl="0" eaLnBrk="1" latinLnBrk="0" hangingPunct="1">
-              <a:defRPr sz="6400" kern="1200">
-                <a:solidFill>
-                  <a:schemeClr val="lt1"/>
-                </a:solidFill>
-                <a:latin typeface="+mn-lt"/>
-                <a:ea typeface="+mn-ea"/>
-                <a:cs typeface="+mn-cs"/>
-              </a:defRPr>
-            </a:lvl2pPr>
-            <a:lvl3pPr marL="3291279" algn="l" defTabSz="3291279" rtl="0" eaLnBrk="1" latinLnBrk="0" hangingPunct="1">
-              <a:defRPr sz="6400" kern="1200">
-                <a:solidFill>
-                  <a:schemeClr val="lt1"/>
-                </a:solidFill>
-                <a:latin typeface="+mn-lt"/>
-                <a:ea typeface="+mn-ea"/>
-                <a:cs typeface="+mn-cs"/>
-              </a:defRPr>
-            </a:lvl3pPr>
-            <a:lvl4pPr marL="4936919" algn="l" defTabSz="3291279" rtl="0" eaLnBrk="1" latinLnBrk="0" hangingPunct="1">
-              <a:defRPr sz="6400" kern="1200">
-                <a:solidFill>
-                  <a:schemeClr val="lt1"/>
-                </a:solidFill>
-                <a:latin typeface="+mn-lt"/>
-                <a:ea typeface="+mn-ea"/>
-                <a:cs typeface="+mn-cs"/>
-              </a:defRPr>
-            </a:lvl4pPr>
-            <a:lvl5pPr marL="6582559" algn="l" defTabSz="3291279" rtl="0" eaLnBrk="1" latinLnBrk="0" hangingPunct="1">
-              <a:defRPr sz="6400" kern="1200">
-                <a:solidFill>
-                  <a:schemeClr val="lt1"/>
-                </a:solidFill>
-                <a:latin typeface="+mn-lt"/>
-                <a:ea typeface="+mn-ea"/>
-                <a:cs typeface="+mn-cs"/>
-              </a:defRPr>
-            </a:lvl5pPr>
-            <a:lvl6pPr marL="8228198" algn="l" defTabSz="3291279" rtl="0" eaLnBrk="1" latinLnBrk="0" hangingPunct="1">
-              <a:defRPr sz="6400" kern="1200">
-                <a:solidFill>
-                  <a:schemeClr val="lt1"/>
-                </a:solidFill>
-                <a:latin typeface="+mn-lt"/>
-                <a:ea typeface="+mn-ea"/>
-                <a:cs typeface="+mn-cs"/>
-              </a:defRPr>
-            </a:lvl6pPr>
-            <a:lvl7pPr marL="9873837" algn="l" defTabSz="3291279" rtl="0" eaLnBrk="1" latinLnBrk="0" hangingPunct="1">
-              <a:defRPr sz="6400" kern="1200">
-                <a:solidFill>
-                  <a:schemeClr val="lt1"/>
-                </a:solidFill>
-                <a:latin typeface="+mn-lt"/>
-                <a:ea typeface="+mn-ea"/>
-                <a:cs typeface="+mn-cs"/>
-              </a:defRPr>
-            </a:lvl7pPr>
-            <a:lvl8pPr marL="11519478" algn="l" defTabSz="3291279" rtl="0" eaLnBrk="1" latinLnBrk="0" hangingPunct="1">
-              <a:defRPr sz="6400" kern="1200">
-                <a:solidFill>
-                  <a:schemeClr val="lt1"/>
-                </a:solidFill>
-                <a:latin typeface="+mn-lt"/>
-                <a:ea typeface="+mn-ea"/>
-                <a:cs typeface="+mn-cs"/>
-              </a:defRPr>
-            </a:lvl8pPr>
-            <a:lvl9pPr marL="13165118" algn="l" defTabSz="3291279" rtl="0" eaLnBrk="1" latinLnBrk="0" hangingPunct="1">
-              <a:defRPr sz="6400" kern="1200">
-                <a:solidFill>
-                  <a:schemeClr val="lt1"/>
-                </a:solidFill>
-                <a:latin typeface="+mn-lt"/>
-                <a:ea typeface="+mn-ea"/>
-                <a:cs typeface="+mn-cs"/>
-              </a:defRPr>
-            </a:lvl9pPr>
-          </a:lstStyle>
-          <a:p>
-            <a:pPr algn="ctr"/>
-            <a:r>
-              <a:rPr lang="en-US" sz="1800" dirty="0" smtClean="0">
+            </a:ln>
+          </p:spPr>
+          <p:style>
+            <a:lnRef idx="2">
+              <a:schemeClr val="accent1">
+                <a:shade val="50000"/>
+              </a:schemeClr>
+            </a:lnRef>
+            <a:fillRef idx="1">
+              <a:schemeClr val="accent1"/>
+            </a:fillRef>
+            <a:effectRef idx="0">
+              <a:schemeClr val="accent1"/>
+            </a:effectRef>
+            <a:fontRef idx="minor">
+              <a:schemeClr val="lt1"/>
+            </a:fontRef>
+          </p:style>
+          <p:txBody>
+            <a:bodyPr rtlCol="0" anchor="ctr"/>
+            <a:lstStyle>
+              <a:defPPr>
+                <a:defRPr lang="en-US"/>
+              </a:defPPr>
+              <a:lvl1pPr marL="0" algn="l" defTabSz="3291279" rtl="0" eaLnBrk="1" latinLnBrk="0" hangingPunct="1">
+                <a:defRPr sz="6400" kern="1200">
+                  <a:solidFill>
+                    <a:schemeClr val="lt1"/>
+                  </a:solidFill>
+                  <a:latin typeface="+mn-lt"/>
+                  <a:ea typeface="+mn-ea"/>
+                  <a:cs typeface="+mn-cs"/>
+                </a:defRPr>
+              </a:lvl1pPr>
+              <a:lvl2pPr marL="1645640" algn="l" defTabSz="3291279" rtl="0" eaLnBrk="1" latinLnBrk="0" hangingPunct="1">
+                <a:defRPr sz="6400" kern="1200">
+                  <a:solidFill>
+                    <a:schemeClr val="lt1"/>
+                  </a:solidFill>
+                  <a:latin typeface="+mn-lt"/>
+                  <a:ea typeface="+mn-ea"/>
+                  <a:cs typeface="+mn-cs"/>
+                </a:defRPr>
+              </a:lvl2pPr>
+              <a:lvl3pPr marL="3291279" algn="l" defTabSz="3291279" rtl="0" eaLnBrk="1" latinLnBrk="0" hangingPunct="1">
+                <a:defRPr sz="6400" kern="1200">
+                  <a:solidFill>
+                    <a:schemeClr val="lt1"/>
+                  </a:solidFill>
+                  <a:latin typeface="+mn-lt"/>
+                  <a:ea typeface="+mn-ea"/>
+                  <a:cs typeface="+mn-cs"/>
+                </a:defRPr>
+              </a:lvl3pPr>
+              <a:lvl4pPr marL="4936919" algn="l" defTabSz="3291279" rtl="0" eaLnBrk="1" latinLnBrk="0" hangingPunct="1">
+                <a:defRPr sz="6400" kern="1200">
+                  <a:solidFill>
+                    <a:schemeClr val="lt1"/>
+                  </a:solidFill>
+                  <a:latin typeface="+mn-lt"/>
+                  <a:ea typeface="+mn-ea"/>
+                  <a:cs typeface="+mn-cs"/>
+                </a:defRPr>
+              </a:lvl4pPr>
+              <a:lvl5pPr marL="6582559" algn="l" defTabSz="3291279" rtl="0" eaLnBrk="1" latinLnBrk="0" hangingPunct="1">
+                <a:defRPr sz="6400" kern="1200">
+                  <a:solidFill>
+                    <a:schemeClr val="lt1"/>
+                  </a:solidFill>
+                  <a:latin typeface="+mn-lt"/>
+                  <a:ea typeface="+mn-ea"/>
+                  <a:cs typeface="+mn-cs"/>
+                </a:defRPr>
+              </a:lvl5pPr>
+              <a:lvl6pPr marL="8228198" algn="l" defTabSz="3291279" rtl="0" eaLnBrk="1" latinLnBrk="0" hangingPunct="1">
+                <a:defRPr sz="6400" kern="1200">
+                  <a:solidFill>
+                    <a:schemeClr val="lt1"/>
+                  </a:solidFill>
+                  <a:latin typeface="+mn-lt"/>
+                  <a:ea typeface="+mn-ea"/>
+                  <a:cs typeface="+mn-cs"/>
+                </a:defRPr>
+              </a:lvl6pPr>
+              <a:lvl7pPr marL="9873837" algn="l" defTabSz="3291279" rtl="0" eaLnBrk="1" latinLnBrk="0" hangingPunct="1">
+                <a:defRPr sz="6400" kern="1200">
+                  <a:solidFill>
+                    <a:schemeClr val="lt1"/>
+                  </a:solidFill>
+                  <a:latin typeface="+mn-lt"/>
+                  <a:ea typeface="+mn-ea"/>
+                  <a:cs typeface="+mn-cs"/>
+                </a:defRPr>
+              </a:lvl7pPr>
+              <a:lvl8pPr marL="11519478" algn="l" defTabSz="3291279" rtl="0" eaLnBrk="1" latinLnBrk="0" hangingPunct="1">
+                <a:defRPr sz="6400" kern="1200">
+                  <a:solidFill>
+                    <a:schemeClr val="lt1"/>
+                  </a:solidFill>
+                  <a:latin typeface="+mn-lt"/>
+                  <a:ea typeface="+mn-ea"/>
+                  <a:cs typeface="+mn-cs"/>
+                </a:defRPr>
+              </a:lvl8pPr>
+              <a:lvl9pPr marL="13165118" algn="l" defTabSz="3291279" rtl="0" eaLnBrk="1" latinLnBrk="0" hangingPunct="1">
+                <a:defRPr sz="6400" kern="1200">
+                  <a:solidFill>
+                    <a:schemeClr val="lt1"/>
+                  </a:solidFill>
+                  <a:latin typeface="+mn-lt"/>
+                  <a:ea typeface="+mn-ea"/>
+                  <a:cs typeface="+mn-cs"/>
+                </a:defRPr>
+              </a:lvl9pPr>
+            </a:lstStyle>
+            <a:p>
+              <a:pPr algn="ctr"/>
+              <a:r>
+                <a:rPr lang="en-US" sz="1800" dirty="0" smtClean="0">
+                  <a:solidFill>
+                    <a:schemeClr val="tx1"/>
+                  </a:solidFill>
+                </a:rPr>
+                <a:t>Result</a:t>
+              </a:r>
+              <a:endParaRPr lang="en-US" sz="1800" dirty="0">
                 <a:solidFill>
                   <a:schemeClr val="tx1"/>
                 </a:solidFill>
-              </a:rPr>
-              <a:t>Result</a:t>
-            </a:r>
-            <a:endParaRPr lang="en-US" sz="1800" dirty="0">
+              </a:endParaRPr>
+            </a:p>
+          </p:txBody>
+        </p:sp>
+        <p:cxnSp>
+          <p:nvCxnSpPr>
+            <p:cNvPr id="9" name="Straight Arrow Connector 8"/>
+            <p:cNvCxnSpPr>
+              <a:cxnSpLocks/>
+              <a:stCxn id="6" idx="3"/>
+              <a:endCxn id="7" idx="1"/>
+            </p:cNvCxnSpPr>
+            <p:nvPr/>
+          </p:nvCxnSpPr>
+          <p:spPr>
+            <a:xfrm flipV="1">
+              <a:off x="3480814" y="3716199"/>
+              <a:ext cx="516384" cy="1"/>
+            </a:xfrm>
+            <a:prstGeom prst="straightConnector1">
+              <a:avLst/>
+            </a:prstGeom>
+            <a:ln w="12700">
               <a:solidFill>
                 <a:schemeClr val="tx1"/>
               </a:solidFill>
-            </a:endParaRPr>
-          </a:p>
-        </p:txBody>
-      </p:sp>
-      <p:cxnSp>
-        <p:nvCxnSpPr>
-          <p:cNvPr id="9" name="Straight Arrow Connector 8"/>
-          <p:cNvCxnSpPr>
-            <a:cxnSpLocks/>
-            <a:stCxn id="6" idx="3"/>
-            <a:endCxn id="7" idx="1"/>
-          </p:cNvCxnSpPr>
-          <p:nvPr/>
-        </p:nvCxnSpPr>
-        <p:spPr>
-          <a:xfrm flipV="1">
-            <a:off x="3480814" y="3716199"/>
-            <a:ext cx="516384" cy="1"/>
-          </a:xfrm>
-          <a:prstGeom prst="straightConnector1">
-            <a:avLst/>
-          </a:prstGeom>
-          <a:ln w="12700">
-            <a:solidFill>
+              <a:tailEnd type="arrow"/>
+            </a:ln>
+          </p:spPr>
+          <p:style>
+            <a:lnRef idx="1">
+              <a:schemeClr val="accent1"/>
+            </a:lnRef>
+            <a:fillRef idx="0">
+              <a:schemeClr val="accent1"/>
+            </a:fillRef>
+            <a:effectRef idx="0">
+              <a:schemeClr val="accent1"/>
+            </a:effectRef>
+            <a:fontRef idx="minor">
               <a:schemeClr val="tx1"/>
-            </a:solidFill>
-            <a:tailEnd type="arrow"/>
-          </a:ln>
-        </p:spPr>
-        <p:style>
-          <a:lnRef idx="1">
-            <a:schemeClr val="accent1"/>
-          </a:lnRef>
-          <a:fillRef idx="0">
-            <a:schemeClr val="accent1"/>
-          </a:fillRef>
-          <a:effectRef idx="0">
-            <a:schemeClr val="accent1"/>
-          </a:effectRef>
-          <a:fontRef idx="minor">
-            <a:schemeClr val="tx1"/>
-          </a:fontRef>
-        </p:style>
-      </p:cxnSp>
-      <p:cxnSp>
-        <p:nvCxnSpPr>
-          <p:cNvPr id="10" name="Straight Arrow Connector 9"/>
-          <p:cNvCxnSpPr>
-            <a:cxnSpLocks/>
-            <a:stCxn id="7" idx="3"/>
-            <a:endCxn id="8" idx="1"/>
-          </p:cNvCxnSpPr>
-          <p:nvPr/>
-        </p:nvCxnSpPr>
-        <p:spPr>
-          <a:xfrm flipV="1">
-            <a:off x="5673598" y="3716198"/>
-            <a:ext cx="523631" cy="1"/>
-          </a:xfrm>
-          <a:prstGeom prst="straightConnector1">
-            <a:avLst/>
-          </a:prstGeom>
-          <a:ln w="12700">
-            <a:solidFill>
+            </a:fontRef>
+          </p:style>
+        </p:cxnSp>
+        <p:cxnSp>
+          <p:nvCxnSpPr>
+            <p:cNvPr id="10" name="Straight Arrow Connector 9"/>
+            <p:cNvCxnSpPr>
+              <a:cxnSpLocks/>
+              <a:stCxn id="7" idx="3"/>
+              <a:endCxn id="8" idx="1"/>
+            </p:cNvCxnSpPr>
+            <p:nvPr/>
+          </p:nvCxnSpPr>
+          <p:spPr>
+            <a:xfrm flipV="1">
+              <a:off x="5673598" y="3716198"/>
+              <a:ext cx="523631" cy="1"/>
+            </a:xfrm>
+            <a:prstGeom prst="straightConnector1">
+              <a:avLst/>
+            </a:prstGeom>
+            <a:ln w="12700">
+              <a:solidFill>
+                <a:schemeClr val="tx1"/>
+              </a:solidFill>
+              <a:tailEnd type="arrow"/>
+            </a:ln>
+          </p:spPr>
+          <p:style>
+            <a:lnRef idx="1">
+              <a:schemeClr val="accent1"/>
+            </a:lnRef>
+            <a:fillRef idx="0">
+              <a:schemeClr val="accent1"/>
+            </a:fillRef>
+            <a:effectRef idx="0">
+              <a:schemeClr val="accent1"/>
+            </a:effectRef>
+            <a:fontRef idx="minor">
               <a:schemeClr val="tx1"/>
-            </a:solidFill>
-            <a:tailEnd type="arrow"/>
-          </a:ln>
-        </p:spPr>
-        <p:style>
-          <a:lnRef idx="1">
-            <a:schemeClr val="accent1"/>
-          </a:lnRef>
-          <a:fillRef idx="0">
-            <a:schemeClr val="accent1"/>
-          </a:fillRef>
-          <a:effectRef idx="0">
-            <a:schemeClr val="accent1"/>
-          </a:effectRef>
-          <a:fontRef idx="minor">
-            <a:schemeClr val="tx1"/>
-          </a:fontRef>
-        </p:style>
-      </p:cxnSp>
-      <p:sp>
-        <p:nvSpPr>
-          <p:cNvPr id="13" name="TextBox 12"/>
-          <p:cNvSpPr txBox="1"/>
-          <p:nvPr/>
-        </p:nvSpPr>
-        <p:spPr>
-          <a:xfrm>
-            <a:off x="4388308" y="2772150"/>
-            <a:ext cx="1259890" cy="400110"/>
-          </a:xfrm>
-          <a:prstGeom prst="rect">
-            <a:avLst/>
-          </a:prstGeom>
-          <a:noFill/>
-        </p:spPr>
-        <p:txBody>
-          <a:bodyPr wrap="square" rtlCol="0">
-            <a:spAutoFit/>
-          </a:bodyPr>
-          <a:lstStyle/>
-          <a:p>
-            <a:r>
-              <a:rPr lang="en-US" sz="2000" b="1" dirty="0" smtClean="0">
+            </a:fontRef>
+          </p:style>
+        </p:cxnSp>
+        <p:sp>
+          <p:nvSpPr>
+            <p:cNvPr id="13" name="TextBox 12"/>
+            <p:cNvSpPr txBox="1"/>
+            <p:nvPr/>
+          </p:nvSpPr>
+          <p:spPr>
+            <a:xfrm>
+              <a:off x="4388308" y="2772150"/>
+              <a:ext cx="1259890" cy="400110"/>
+            </a:xfrm>
+            <a:prstGeom prst="rect">
+              <a:avLst/>
+            </a:prstGeom>
+            <a:noFill/>
+          </p:spPr>
+          <p:txBody>
+            <a:bodyPr wrap="square" rtlCol="0">
+              <a:spAutoFit/>
+            </a:bodyPr>
+            <a:lstStyle/>
+            <a:p>
+              <a:r>
+                <a:rPr lang="en-US" sz="2000" b="1" dirty="0" smtClean="0">
+                  <a:solidFill>
+                    <a:schemeClr val="accent2">
+                      <a:lumMod val="75000"/>
+                    </a:schemeClr>
+                  </a:solidFill>
+                </a:rPr>
+                <a:t>Every 1s</a:t>
+              </a:r>
+              <a:endParaRPr lang="en-US" sz="2000" b="1" dirty="0">
                 <a:solidFill>
                   <a:schemeClr val="accent2">
                     <a:lumMod val="75000"/>
                   </a:schemeClr>
                 </a:solidFill>
-              </a:rPr>
-              <a:t>Every 1s</a:t>
-            </a:r>
-            <a:endParaRPr lang="en-US" sz="2000" b="1" dirty="0">
+              </a:endParaRPr>
+            </a:p>
+          </p:txBody>
+        </p:sp>
+        <p:sp>
+          <p:nvSpPr>
+            <p:cNvPr id="14" name="Rounded Rectangle 13"/>
+            <p:cNvSpPr/>
+            <p:nvPr/>
+          </p:nvSpPr>
+          <p:spPr>
+            <a:xfrm>
+              <a:off x="2168398" y="2672717"/>
+              <a:ext cx="5334000" cy="1733373"/>
+            </a:xfrm>
+            <a:prstGeom prst="roundRect">
+              <a:avLst/>
+            </a:prstGeom>
+            <a:noFill/>
+            <a:ln>
               <a:solidFill>
-                <a:schemeClr val="accent2">
-                  <a:lumMod val="75000"/>
-                </a:schemeClr>
+                <a:schemeClr val="accent2"/>
               </a:solidFill>
-            </a:endParaRPr>
-          </a:p>
-        </p:txBody>
-      </p:sp>
-      <p:sp>
-        <p:nvSpPr>
-          <p:cNvPr id="14" name="Rounded Rectangle 13"/>
-          <p:cNvSpPr/>
-          <p:nvPr/>
-        </p:nvSpPr>
-        <p:spPr>
-          <a:xfrm>
-            <a:off x="2168398" y="2672717"/>
-            <a:ext cx="5334000" cy="1733373"/>
-          </a:xfrm>
-          <a:prstGeom prst="roundRect">
-            <a:avLst/>
-          </a:prstGeom>
-          <a:noFill/>
-          <a:ln>
-            <a:solidFill>
-              <a:schemeClr val="accent2"/>
-            </a:solidFill>
-          </a:ln>
-        </p:spPr>
-        <p:style>
-          <a:lnRef idx="2">
-            <a:schemeClr val="accent1">
-              <a:shade val="50000"/>
-            </a:schemeClr>
-          </a:lnRef>
-          <a:fillRef idx="1">
-            <a:schemeClr val="accent1"/>
-          </a:fillRef>
-          <a:effectRef idx="0">
-            <a:schemeClr val="accent1"/>
-          </a:effectRef>
-          <a:fontRef idx="minor">
-            <a:schemeClr val="lt1"/>
-          </a:fontRef>
-        </p:style>
-        <p:txBody>
-          <a:bodyPr rtlCol="0" anchor="ctr"/>
-          <a:lstStyle>
-            <a:defPPr>
-              <a:defRPr lang="en-US"/>
-            </a:defPPr>
-            <a:lvl1pPr marL="0" algn="l" defTabSz="3291279" rtl="0" eaLnBrk="1" latinLnBrk="0" hangingPunct="1">
-              <a:defRPr sz="6400" kern="1200">
-                <a:solidFill>
-                  <a:schemeClr val="lt1"/>
-                </a:solidFill>
-                <a:latin typeface="+mn-lt"/>
-                <a:ea typeface="+mn-ea"/>
-                <a:cs typeface="+mn-cs"/>
-              </a:defRPr>
-            </a:lvl1pPr>
-            <a:lvl2pPr marL="1645640" algn="l" defTabSz="3291279" rtl="0" eaLnBrk="1" latinLnBrk="0" hangingPunct="1">
-              <a:defRPr sz="6400" kern="1200">
-                <a:solidFill>
-                  <a:schemeClr val="lt1"/>
-                </a:solidFill>
-                <a:latin typeface="+mn-lt"/>
-                <a:ea typeface="+mn-ea"/>
-                <a:cs typeface="+mn-cs"/>
-              </a:defRPr>
-            </a:lvl2pPr>
-            <a:lvl3pPr marL="3291279" algn="l" defTabSz="3291279" rtl="0" eaLnBrk="1" latinLnBrk="0" hangingPunct="1">
-              <a:defRPr sz="6400" kern="1200">
-                <a:solidFill>
-                  <a:schemeClr val="lt1"/>
-                </a:solidFill>
-                <a:latin typeface="+mn-lt"/>
-                <a:ea typeface="+mn-ea"/>
-                <a:cs typeface="+mn-cs"/>
-              </a:defRPr>
-            </a:lvl3pPr>
-            <a:lvl4pPr marL="4936919" algn="l" defTabSz="3291279" rtl="0" eaLnBrk="1" latinLnBrk="0" hangingPunct="1">
-              <a:defRPr sz="6400" kern="1200">
-                <a:solidFill>
-                  <a:schemeClr val="lt1"/>
-                </a:solidFill>
-                <a:latin typeface="+mn-lt"/>
-                <a:ea typeface="+mn-ea"/>
-                <a:cs typeface="+mn-cs"/>
-              </a:defRPr>
-            </a:lvl4pPr>
-            <a:lvl5pPr marL="6582559" algn="l" defTabSz="3291279" rtl="0" eaLnBrk="1" latinLnBrk="0" hangingPunct="1">
-              <a:defRPr sz="6400" kern="1200">
-                <a:solidFill>
-                  <a:schemeClr val="lt1"/>
-                </a:solidFill>
-                <a:latin typeface="+mn-lt"/>
-                <a:ea typeface="+mn-ea"/>
-                <a:cs typeface="+mn-cs"/>
-              </a:defRPr>
-            </a:lvl5pPr>
-            <a:lvl6pPr marL="8228198" algn="l" defTabSz="3291279" rtl="0" eaLnBrk="1" latinLnBrk="0" hangingPunct="1">
-              <a:defRPr sz="6400" kern="1200">
-                <a:solidFill>
-                  <a:schemeClr val="lt1"/>
-                </a:solidFill>
-                <a:latin typeface="+mn-lt"/>
-                <a:ea typeface="+mn-ea"/>
-                <a:cs typeface="+mn-cs"/>
-              </a:defRPr>
-            </a:lvl6pPr>
-            <a:lvl7pPr marL="9873837" algn="l" defTabSz="3291279" rtl="0" eaLnBrk="1" latinLnBrk="0" hangingPunct="1">
-              <a:defRPr sz="6400" kern="1200">
-                <a:solidFill>
-                  <a:schemeClr val="lt1"/>
-                </a:solidFill>
-                <a:latin typeface="+mn-lt"/>
-                <a:ea typeface="+mn-ea"/>
-                <a:cs typeface="+mn-cs"/>
-              </a:defRPr>
-            </a:lvl7pPr>
-            <a:lvl8pPr marL="11519478" algn="l" defTabSz="3291279" rtl="0" eaLnBrk="1" latinLnBrk="0" hangingPunct="1">
-              <a:defRPr sz="6400" kern="1200">
-                <a:solidFill>
-                  <a:schemeClr val="lt1"/>
-                </a:solidFill>
-                <a:latin typeface="+mn-lt"/>
-                <a:ea typeface="+mn-ea"/>
-                <a:cs typeface="+mn-cs"/>
-              </a:defRPr>
-            </a:lvl8pPr>
-            <a:lvl9pPr marL="13165118" algn="l" defTabSz="3291279" rtl="0" eaLnBrk="1" latinLnBrk="0" hangingPunct="1">
-              <a:defRPr sz="6400" kern="1200">
-                <a:solidFill>
-                  <a:schemeClr val="lt1"/>
-                </a:solidFill>
-                <a:latin typeface="+mn-lt"/>
-                <a:ea typeface="+mn-ea"/>
-                <a:cs typeface="+mn-cs"/>
-              </a:defRPr>
-            </a:lvl9pPr>
-          </a:lstStyle>
-          <a:p>
-            <a:pPr algn="ctr"/>
-            <a:endParaRPr lang="en-US" sz="1800"/>
-          </a:p>
-        </p:txBody>
-      </p:sp>
-      <p:sp>
-        <p:nvSpPr>
-          <p:cNvPr id="20" name="Rectangle 19"/>
-          <p:cNvSpPr/>
-          <p:nvPr/>
-        </p:nvSpPr>
-        <p:spPr>
-          <a:xfrm>
-            <a:off x="571130" y="3277900"/>
-            <a:ext cx="1143000" cy="861807"/>
-          </a:xfrm>
-          <a:prstGeom prst="rect">
-            <a:avLst/>
-          </a:prstGeom>
-          <a:noFill/>
-          <a:ln w="12700">
-            <a:solidFill>
-              <a:schemeClr val="tx1"/>
-            </a:solidFill>
-          </a:ln>
-        </p:spPr>
-        <p:style>
-          <a:lnRef idx="2">
-            <a:schemeClr val="accent1">
-              <a:shade val="50000"/>
-            </a:schemeClr>
-          </a:lnRef>
-          <a:fillRef idx="1">
-            <a:schemeClr val="accent1"/>
-          </a:fillRef>
-          <a:effectRef idx="0">
-            <a:schemeClr val="accent1"/>
-          </a:effectRef>
-          <a:fontRef idx="minor">
-            <a:schemeClr val="lt1"/>
-          </a:fontRef>
-        </p:style>
-        <p:txBody>
-          <a:bodyPr rtlCol="0" anchor="ctr"/>
-          <a:lstStyle>
-            <a:defPPr>
-              <a:defRPr lang="en-US"/>
-            </a:defPPr>
-            <a:lvl1pPr marL="0" algn="l" defTabSz="3291279" rtl="0" eaLnBrk="1" latinLnBrk="0" hangingPunct="1">
-              <a:defRPr sz="6400" kern="1200">
-                <a:solidFill>
-                  <a:schemeClr val="lt1"/>
-                </a:solidFill>
-                <a:latin typeface="+mn-lt"/>
-                <a:ea typeface="+mn-ea"/>
-                <a:cs typeface="+mn-cs"/>
-              </a:defRPr>
-            </a:lvl1pPr>
-            <a:lvl2pPr marL="1645640" algn="l" defTabSz="3291279" rtl="0" eaLnBrk="1" latinLnBrk="0" hangingPunct="1">
-              <a:defRPr sz="6400" kern="1200">
-                <a:solidFill>
-                  <a:schemeClr val="lt1"/>
-                </a:solidFill>
-                <a:latin typeface="+mn-lt"/>
-                <a:ea typeface="+mn-ea"/>
-                <a:cs typeface="+mn-cs"/>
-              </a:defRPr>
-            </a:lvl2pPr>
-            <a:lvl3pPr marL="3291279" algn="l" defTabSz="3291279" rtl="0" eaLnBrk="1" latinLnBrk="0" hangingPunct="1">
-              <a:defRPr sz="6400" kern="1200">
-                <a:solidFill>
-                  <a:schemeClr val="lt1"/>
-                </a:solidFill>
-                <a:latin typeface="+mn-lt"/>
-                <a:ea typeface="+mn-ea"/>
-                <a:cs typeface="+mn-cs"/>
-              </a:defRPr>
-            </a:lvl3pPr>
-            <a:lvl4pPr marL="4936919" algn="l" defTabSz="3291279" rtl="0" eaLnBrk="1" latinLnBrk="0" hangingPunct="1">
-              <a:defRPr sz="6400" kern="1200">
-                <a:solidFill>
-                  <a:schemeClr val="lt1"/>
-                </a:solidFill>
-                <a:latin typeface="+mn-lt"/>
-                <a:ea typeface="+mn-ea"/>
-                <a:cs typeface="+mn-cs"/>
-              </a:defRPr>
-            </a:lvl4pPr>
-            <a:lvl5pPr marL="6582559" algn="l" defTabSz="3291279" rtl="0" eaLnBrk="1" latinLnBrk="0" hangingPunct="1">
-              <a:defRPr sz="6400" kern="1200">
-                <a:solidFill>
-                  <a:schemeClr val="lt1"/>
-                </a:solidFill>
-                <a:latin typeface="+mn-lt"/>
-                <a:ea typeface="+mn-ea"/>
-                <a:cs typeface="+mn-cs"/>
-              </a:defRPr>
-            </a:lvl5pPr>
-            <a:lvl6pPr marL="8228198" algn="l" defTabSz="3291279" rtl="0" eaLnBrk="1" latinLnBrk="0" hangingPunct="1">
-              <a:defRPr sz="6400" kern="1200">
-                <a:solidFill>
-                  <a:schemeClr val="lt1"/>
-                </a:solidFill>
-                <a:latin typeface="+mn-lt"/>
-                <a:ea typeface="+mn-ea"/>
-                <a:cs typeface="+mn-cs"/>
-              </a:defRPr>
-            </a:lvl6pPr>
-            <a:lvl7pPr marL="9873837" algn="l" defTabSz="3291279" rtl="0" eaLnBrk="1" latinLnBrk="0" hangingPunct="1">
-              <a:defRPr sz="6400" kern="1200">
-                <a:solidFill>
-                  <a:schemeClr val="lt1"/>
-                </a:solidFill>
-                <a:latin typeface="+mn-lt"/>
-                <a:ea typeface="+mn-ea"/>
-                <a:cs typeface="+mn-cs"/>
-              </a:defRPr>
-            </a:lvl7pPr>
-            <a:lvl8pPr marL="11519478" algn="l" defTabSz="3291279" rtl="0" eaLnBrk="1" latinLnBrk="0" hangingPunct="1">
-              <a:defRPr sz="6400" kern="1200">
-                <a:solidFill>
-                  <a:schemeClr val="lt1"/>
-                </a:solidFill>
-                <a:latin typeface="+mn-lt"/>
-                <a:ea typeface="+mn-ea"/>
-                <a:cs typeface="+mn-cs"/>
-              </a:defRPr>
-            </a:lvl8pPr>
-            <a:lvl9pPr marL="13165118" algn="l" defTabSz="3291279" rtl="0" eaLnBrk="1" latinLnBrk="0" hangingPunct="1">
-              <a:defRPr sz="6400" kern="1200">
-                <a:solidFill>
-                  <a:schemeClr val="lt1"/>
-                </a:solidFill>
-                <a:latin typeface="+mn-lt"/>
-                <a:ea typeface="+mn-ea"/>
-                <a:cs typeface="+mn-cs"/>
-              </a:defRPr>
-            </a:lvl9pPr>
-          </a:lstStyle>
-          <a:p>
-            <a:pPr algn="ctr"/>
-            <a:r>
-              <a:rPr lang="en-US" sz="1800" dirty="0" smtClean="0">
+            </a:ln>
+          </p:spPr>
+          <p:style>
+            <a:lnRef idx="2">
+              <a:schemeClr val="accent1">
+                <a:shade val="50000"/>
+              </a:schemeClr>
+            </a:lnRef>
+            <a:fillRef idx="1">
+              <a:schemeClr val="accent1"/>
+            </a:fillRef>
+            <a:effectRef idx="0">
+              <a:schemeClr val="accent1"/>
+            </a:effectRef>
+            <a:fontRef idx="minor">
+              <a:schemeClr val="lt1"/>
+            </a:fontRef>
+          </p:style>
+          <p:txBody>
+            <a:bodyPr rtlCol="0" anchor="ctr"/>
+            <a:lstStyle>
+              <a:defPPr>
+                <a:defRPr lang="en-US"/>
+              </a:defPPr>
+              <a:lvl1pPr marL="0" algn="l" defTabSz="3291279" rtl="0" eaLnBrk="1" latinLnBrk="0" hangingPunct="1">
+                <a:defRPr sz="6400" kern="1200">
+                  <a:solidFill>
+                    <a:schemeClr val="lt1"/>
+                  </a:solidFill>
+                  <a:latin typeface="+mn-lt"/>
+                  <a:ea typeface="+mn-ea"/>
+                  <a:cs typeface="+mn-cs"/>
+                </a:defRPr>
+              </a:lvl1pPr>
+              <a:lvl2pPr marL="1645640" algn="l" defTabSz="3291279" rtl="0" eaLnBrk="1" latinLnBrk="0" hangingPunct="1">
+                <a:defRPr sz="6400" kern="1200">
+                  <a:solidFill>
+                    <a:schemeClr val="lt1"/>
+                  </a:solidFill>
+                  <a:latin typeface="+mn-lt"/>
+                  <a:ea typeface="+mn-ea"/>
+                  <a:cs typeface="+mn-cs"/>
+                </a:defRPr>
+              </a:lvl2pPr>
+              <a:lvl3pPr marL="3291279" algn="l" defTabSz="3291279" rtl="0" eaLnBrk="1" latinLnBrk="0" hangingPunct="1">
+                <a:defRPr sz="6400" kern="1200">
+                  <a:solidFill>
+                    <a:schemeClr val="lt1"/>
+                  </a:solidFill>
+                  <a:latin typeface="+mn-lt"/>
+                  <a:ea typeface="+mn-ea"/>
+                  <a:cs typeface="+mn-cs"/>
+                </a:defRPr>
+              </a:lvl3pPr>
+              <a:lvl4pPr marL="4936919" algn="l" defTabSz="3291279" rtl="0" eaLnBrk="1" latinLnBrk="0" hangingPunct="1">
+                <a:defRPr sz="6400" kern="1200">
+                  <a:solidFill>
+                    <a:schemeClr val="lt1"/>
+                  </a:solidFill>
+                  <a:latin typeface="+mn-lt"/>
+                  <a:ea typeface="+mn-ea"/>
+                  <a:cs typeface="+mn-cs"/>
+                </a:defRPr>
+              </a:lvl4pPr>
+              <a:lvl5pPr marL="6582559" algn="l" defTabSz="3291279" rtl="0" eaLnBrk="1" latinLnBrk="0" hangingPunct="1">
+                <a:defRPr sz="6400" kern="1200">
+                  <a:solidFill>
+                    <a:schemeClr val="lt1"/>
+                  </a:solidFill>
+                  <a:latin typeface="+mn-lt"/>
+                  <a:ea typeface="+mn-ea"/>
+                  <a:cs typeface="+mn-cs"/>
+                </a:defRPr>
+              </a:lvl5pPr>
+              <a:lvl6pPr marL="8228198" algn="l" defTabSz="3291279" rtl="0" eaLnBrk="1" latinLnBrk="0" hangingPunct="1">
+                <a:defRPr sz="6400" kern="1200">
+                  <a:solidFill>
+                    <a:schemeClr val="lt1"/>
+                  </a:solidFill>
+                  <a:latin typeface="+mn-lt"/>
+                  <a:ea typeface="+mn-ea"/>
+                  <a:cs typeface="+mn-cs"/>
+                </a:defRPr>
+              </a:lvl6pPr>
+              <a:lvl7pPr marL="9873837" algn="l" defTabSz="3291279" rtl="0" eaLnBrk="1" latinLnBrk="0" hangingPunct="1">
+                <a:defRPr sz="6400" kern="1200">
+                  <a:solidFill>
+                    <a:schemeClr val="lt1"/>
+                  </a:solidFill>
+                  <a:latin typeface="+mn-lt"/>
+                  <a:ea typeface="+mn-ea"/>
+                  <a:cs typeface="+mn-cs"/>
+                </a:defRPr>
+              </a:lvl7pPr>
+              <a:lvl8pPr marL="11519478" algn="l" defTabSz="3291279" rtl="0" eaLnBrk="1" latinLnBrk="0" hangingPunct="1">
+                <a:defRPr sz="6400" kern="1200">
+                  <a:solidFill>
+                    <a:schemeClr val="lt1"/>
+                  </a:solidFill>
+                  <a:latin typeface="+mn-lt"/>
+                  <a:ea typeface="+mn-ea"/>
+                  <a:cs typeface="+mn-cs"/>
+                </a:defRPr>
+              </a:lvl8pPr>
+              <a:lvl9pPr marL="13165118" algn="l" defTabSz="3291279" rtl="0" eaLnBrk="1" latinLnBrk="0" hangingPunct="1">
+                <a:defRPr sz="6400" kern="1200">
+                  <a:solidFill>
+                    <a:schemeClr val="lt1"/>
+                  </a:solidFill>
+                  <a:latin typeface="+mn-lt"/>
+                  <a:ea typeface="+mn-ea"/>
+                  <a:cs typeface="+mn-cs"/>
+                </a:defRPr>
+              </a:lvl9pPr>
+            </a:lstStyle>
+            <a:p>
+              <a:pPr algn="ctr"/>
+              <a:endParaRPr lang="en-US" sz="1800"/>
+            </a:p>
+          </p:txBody>
+        </p:sp>
+        <p:sp>
+          <p:nvSpPr>
+            <p:cNvPr id="20" name="Rectangle 19"/>
+            <p:cNvSpPr/>
+            <p:nvPr/>
+          </p:nvSpPr>
+          <p:spPr>
+            <a:xfrm>
+              <a:off x="571130" y="3108499"/>
+              <a:ext cx="1143000" cy="861807"/>
+            </a:xfrm>
+            <a:prstGeom prst="rect">
+              <a:avLst/>
+            </a:prstGeom>
+            <a:noFill/>
+            <a:ln w="12700">
+              <a:solidFill>
+                <a:schemeClr val="tx1"/>
+              </a:solidFill>
+            </a:ln>
+          </p:spPr>
+          <p:style>
+            <a:lnRef idx="2">
+              <a:schemeClr val="accent1">
+                <a:shade val="50000"/>
+              </a:schemeClr>
+            </a:lnRef>
+            <a:fillRef idx="1">
+              <a:schemeClr val="accent1"/>
+            </a:fillRef>
+            <a:effectRef idx="0">
+              <a:schemeClr val="accent1"/>
+            </a:effectRef>
+            <a:fontRef idx="minor">
+              <a:schemeClr val="lt1"/>
+            </a:fontRef>
+          </p:style>
+          <p:txBody>
+            <a:bodyPr rtlCol="0" anchor="ctr"/>
+            <a:lstStyle>
+              <a:defPPr>
+                <a:defRPr lang="en-US"/>
+              </a:defPPr>
+              <a:lvl1pPr marL="0" algn="l" defTabSz="3291279" rtl="0" eaLnBrk="1" latinLnBrk="0" hangingPunct="1">
+                <a:defRPr sz="6400" kern="1200">
+                  <a:solidFill>
+                    <a:schemeClr val="lt1"/>
+                  </a:solidFill>
+                  <a:latin typeface="+mn-lt"/>
+                  <a:ea typeface="+mn-ea"/>
+                  <a:cs typeface="+mn-cs"/>
+                </a:defRPr>
+              </a:lvl1pPr>
+              <a:lvl2pPr marL="1645640" algn="l" defTabSz="3291279" rtl="0" eaLnBrk="1" latinLnBrk="0" hangingPunct="1">
+                <a:defRPr sz="6400" kern="1200">
+                  <a:solidFill>
+                    <a:schemeClr val="lt1"/>
+                  </a:solidFill>
+                  <a:latin typeface="+mn-lt"/>
+                  <a:ea typeface="+mn-ea"/>
+                  <a:cs typeface="+mn-cs"/>
+                </a:defRPr>
+              </a:lvl2pPr>
+              <a:lvl3pPr marL="3291279" algn="l" defTabSz="3291279" rtl="0" eaLnBrk="1" latinLnBrk="0" hangingPunct="1">
+                <a:defRPr sz="6400" kern="1200">
+                  <a:solidFill>
+                    <a:schemeClr val="lt1"/>
+                  </a:solidFill>
+                  <a:latin typeface="+mn-lt"/>
+                  <a:ea typeface="+mn-ea"/>
+                  <a:cs typeface="+mn-cs"/>
+                </a:defRPr>
+              </a:lvl3pPr>
+              <a:lvl4pPr marL="4936919" algn="l" defTabSz="3291279" rtl="0" eaLnBrk="1" latinLnBrk="0" hangingPunct="1">
+                <a:defRPr sz="6400" kern="1200">
+                  <a:solidFill>
+                    <a:schemeClr val="lt1"/>
+                  </a:solidFill>
+                  <a:latin typeface="+mn-lt"/>
+                  <a:ea typeface="+mn-ea"/>
+                  <a:cs typeface="+mn-cs"/>
+                </a:defRPr>
+              </a:lvl4pPr>
+              <a:lvl5pPr marL="6582559" algn="l" defTabSz="3291279" rtl="0" eaLnBrk="1" latinLnBrk="0" hangingPunct="1">
+                <a:defRPr sz="6400" kern="1200">
+                  <a:solidFill>
+                    <a:schemeClr val="lt1"/>
+                  </a:solidFill>
+                  <a:latin typeface="+mn-lt"/>
+                  <a:ea typeface="+mn-ea"/>
+                  <a:cs typeface="+mn-cs"/>
+                </a:defRPr>
+              </a:lvl5pPr>
+              <a:lvl6pPr marL="8228198" algn="l" defTabSz="3291279" rtl="0" eaLnBrk="1" latinLnBrk="0" hangingPunct="1">
+                <a:defRPr sz="6400" kern="1200">
+                  <a:solidFill>
+                    <a:schemeClr val="lt1"/>
+                  </a:solidFill>
+                  <a:latin typeface="+mn-lt"/>
+                  <a:ea typeface="+mn-ea"/>
+                  <a:cs typeface="+mn-cs"/>
+                </a:defRPr>
+              </a:lvl6pPr>
+              <a:lvl7pPr marL="9873837" algn="l" defTabSz="3291279" rtl="0" eaLnBrk="1" latinLnBrk="0" hangingPunct="1">
+                <a:defRPr sz="6400" kern="1200">
+                  <a:solidFill>
+                    <a:schemeClr val="lt1"/>
+                  </a:solidFill>
+                  <a:latin typeface="+mn-lt"/>
+                  <a:ea typeface="+mn-ea"/>
+                  <a:cs typeface="+mn-cs"/>
+                </a:defRPr>
+              </a:lvl7pPr>
+              <a:lvl8pPr marL="11519478" algn="l" defTabSz="3291279" rtl="0" eaLnBrk="1" latinLnBrk="0" hangingPunct="1">
+                <a:defRPr sz="6400" kern="1200">
+                  <a:solidFill>
+                    <a:schemeClr val="lt1"/>
+                  </a:solidFill>
+                  <a:latin typeface="+mn-lt"/>
+                  <a:ea typeface="+mn-ea"/>
+                  <a:cs typeface="+mn-cs"/>
+                </a:defRPr>
+              </a:lvl8pPr>
+              <a:lvl9pPr marL="13165118" algn="l" defTabSz="3291279" rtl="0" eaLnBrk="1" latinLnBrk="0" hangingPunct="1">
+                <a:defRPr sz="6400" kern="1200">
+                  <a:solidFill>
+                    <a:schemeClr val="lt1"/>
+                  </a:solidFill>
+                  <a:latin typeface="+mn-lt"/>
+                  <a:ea typeface="+mn-ea"/>
+                  <a:cs typeface="+mn-cs"/>
+                </a:defRPr>
+              </a:lvl9pPr>
+            </a:lstStyle>
+            <a:p>
+              <a:pPr algn="ctr"/>
+              <a:r>
+                <a:rPr lang="en-US" sz="1800" dirty="0" smtClean="0">
+                  <a:solidFill>
+                    <a:schemeClr val="tx1"/>
+                  </a:solidFill>
+                </a:rPr>
+                <a:t>Recorded audio</a:t>
+              </a:r>
+              <a:endParaRPr lang="en-US" sz="1800" dirty="0">
                 <a:solidFill>
                   <a:schemeClr val="tx1"/>
                 </a:solidFill>
-              </a:rPr>
-              <a:t>Recorded audio</a:t>
-            </a:r>
-            <a:endParaRPr lang="en-US" sz="1800" dirty="0">
+              </a:endParaRPr>
+            </a:p>
+          </p:txBody>
+        </p:sp>
+        <p:cxnSp>
+          <p:nvCxnSpPr>
+            <p:cNvPr id="12" name="Straight Arrow Connector 11"/>
+            <p:cNvCxnSpPr>
+              <a:stCxn id="20" idx="3"/>
+              <a:endCxn id="14" idx="1"/>
+            </p:cNvCxnSpPr>
+            <p:nvPr/>
+          </p:nvCxnSpPr>
+          <p:spPr>
+            <a:xfrm>
+              <a:off x="1714130" y="3539403"/>
+              <a:ext cx="454268" cy="1"/>
+            </a:xfrm>
+            <a:prstGeom prst="straightConnector1">
+              <a:avLst/>
+            </a:prstGeom>
+            <a:ln>
               <a:solidFill>
                 <a:schemeClr val="tx1"/>
               </a:solidFill>
-            </a:endParaRPr>
-          </a:p>
-        </p:txBody>
-      </p:sp>
+              <a:prstDash val="dash"/>
+              <a:tailEnd type="arrow"/>
+            </a:ln>
+          </p:spPr>
+          <p:style>
+            <a:lnRef idx="1">
+              <a:schemeClr val="accent1"/>
+            </a:lnRef>
+            <a:fillRef idx="0">
+              <a:schemeClr val="accent1"/>
+            </a:fillRef>
+            <a:effectRef idx="0">
+              <a:schemeClr val="accent1"/>
+            </a:effectRef>
+            <a:fontRef idx="minor">
+              <a:schemeClr val="tx1"/>
+            </a:fontRef>
+          </p:style>
+        </p:cxnSp>
+      </p:grpSp>
     </p:spTree>
     <p:extLst>
       <p:ext uri="{BB962C8B-B14F-4D97-AF65-F5344CB8AC3E}">
@@ -14446,13 +14409,8 @@
           <a:p>
             <a:r>
               <a:rPr lang="en-US" dirty="0" smtClean="0"/>
-              <a:t>Design and develop a real-time speaker diarization system on the basis of the offline </a:t>
+              <a:t>Design and develop a real-time speaker diarization system on the basis of the offline system</a:t>
             </a:r>
-            <a:r>
-              <a:rPr lang="en-US" dirty="0" smtClean="0"/>
-              <a:t>system</a:t>
-            </a:r>
-            <a:endParaRPr lang="en-US" dirty="0" smtClean="0"/>
           </a:p>
         </p:txBody>
       </p:sp>
@@ -14736,11 +14694,7 @@
           <a:p>
             <a:r>
               <a:rPr lang="en-US" dirty="0" smtClean="0"/>
-              <a:t>The problem of frequent change of the number of speakers in real time system need to be further </a:t>
-            </a:r>
-            <a:r>
-              <a:rPr lang="en-US" dirty="0" smtClean="0"/>
-              <a:t>solved</a:t>
+              <a:t>The problem of frequent change of the number of speakers in real time system need to be further solved</a:t>
             </a:r>
           </a:p>
           <a:p>
@@ -14753,17 +14707,8 @@
           <a:p>
             <a:r>
               <a:rPr lang="en-US" dirty="0" smtClean="0"/>
-              <a:t>Parameters of KBM </a:t>
+              <a:t>Parameters of KBM training need be further determined for real-time cases</a:t>
             </a:r>
-            <a:r>
-              <a:rPr lang="en-US" dirty="0" smtClean="0"/>
-              <a:t>training </a:t>
-            </a:r>
-            <a:r>
-              <a:rPr lang="en-US" dirty="0" smtClean="0"/>
-              <a:t>need be further determined for real-time cases</a:t>
-            </a:r>
-            <a:endParaRPr lang="en-US" dirty="0" smtClean="0"/>
           </a:p>
           <a:p>
             <a:pPr lvl="0"/>
@@ -14940,6 +14885,1049 @@
 </p:sld>
 </file>
 
+<file path=ppt/slides/slide19.xml><?xml version="1.0" encoding="utf-8"?>
+<p:sld xmlns:a="http://schemas.openxmlformats.org/drawingml/2006/main" xmlns:r="http://schemas.openxmlformats.org/officeDocument/2006/relationships" xmlns:p="http://schemas.openxmlformats.org/presentationml/2006/main">
+  <p:cSld>
+    <p:spTree>
+      <p:nvGrpSpPr>
+        <p:cNvPr id="1" name=""/>
+        <p:cNvGrpSpPr/>
+        <p:nvPr/>
+      </p:nvGrpSpPr>
+      <p:grpSpPr>
+        <a:xfrm>
+          <a:off x="0" y="0"/>
+          <a:ext cx="0" cy="0"/>
+          <a:chOff x="0" y="0"/>
+          <a:chExt cx="0" cy="0"/>
+        </a:xfrm>
+      </p:grpSpPr>
+      <p:sp>
+        <p:nvSpPr>
+          <p:cNvPr id="2" name="Title 1"/>
+          <p:cNvSpPr>
+            <a:spLocks noGrp="1"/>
+          </p:cNvSpPr>
+          <p:nvPr>
+            <p:ph type="title"/>
+          </p:nvPr>
+        </p:nvSpPr>
+        <p:spPr/>
+        <p:txBody>
+          <a:bodyPr/>
+          <a:lstStyle/>
+          <a:p>
+            <a:endParaRPr lang="en-US" dirty="0"/>
+          </a:p>
+        </p:txBody>
+      </p:sp>
+      <p:sp>
+        <p:nvSpPr>
+          <p:cNvPr id="3" name="Content Placeholder 2"/>
+          <p:cNvSpPr>
+            <a:spLocks noGrp="1"/>
+          </p:cNvSpPr>
+          <p:nvPr>
+            <p:ph idx="1"/>
+          </p:nvPr>
+        </p:nvSpPr>
+        <p:spPr/>
+        <p:txBody>
+          <a:bodyPr/>
+          <a:lstStyle/>
+          <a:p>
+            <a:endParaRPr lang="en-US" dirty="0"/>
+          </a:p>
+        </p:txBody>
+      </p:sp>
+      <p:sp>
+        <p:nvSpPr>
+          <p:cNvPr id="4" name="Footer Placeholder 3"/>
+          <p:cNvSpPr>
+            <a:spLocks noGrp="1"/>
+          </p:cNvSpPr>
+          <p:nvPr>
+            <p:ph type="ftr" sz="quarter" idx="11"/>
+          </p:nvPr>
+        </p:nvSpPr>
+        <p:spPr/>
+        <p:txBody>
+          <a:bodyPr/>
+          <a:lstStyle/>
+          <a:p>
+            <a:endParaRPr lang="en-US"/>
+          </a:p>
+        </p:txBody>
+      </p:sp>
+      <p:sp>
+        <p:nvSpPr>
+          <p:cNvPr id="5" name="Slide Number Placeholder 4"/>
+          <p:cNvSpPr>
+            <a:spLocks noGrp="1"/>
+          </p:cNvSpPr>
+          <p:nvPr>
+            <p:ph type="sldNum" sz="quarter" idx="12"/>
+          </p:nvPr>
+        </p:nvSpPr>
+        <p:spPr/>
+        <p:txBody>
+          <a:bodyPr/>
+          <a:lstStyle/>
+          <a:p>
+            <a:fld id="{0E0E5D40-17DD-4190-869C-D3EB7431A77E}" type="slidenum">
+              <a:rPr lang="en-US" smtClean="0"/>
+              <a:t>19</a:t>
+            </a:fld>
+            <a:endParaRPr lang="en-US"/>
+          </a:p>
+        </p:txBody>
+      </p:sp>
+      <p:grpSp>
+        <p:nvGrpSpPr>
+          <p:cNvPr id="6" name="Group 5"/>
+          <p:cNvGrpSpPr/>
+          <p:nvPr/>
+        </p:nvGrpSpPr>
+        <p:grpSpPr>
+          <a:xfrm>
+            <a:off x="571130" y="2672717"/>
+            <a:ext cx="6931268" cy="1733373"/>
+            <a:chOff x="571130" y="2672717"/>
+            <a:chExt cx="6931268" cy="1733373"/>
+          </a:xfrm>
+        </p:grpSpPr>
+        <p:sp>
+          <p:nvSpPr>
+            <p:cNvPr id="7" name="Rectangle 6"/>
+            <p:cNvSpPr/>
+            <p:nvPr/>
+          </p:nvSpPr>
+          <p:spPr>
+            <a:xfrm>
+              <a:off x="2468760" y="3285296"/>
+              <a:ext cx="1012054" cy="861807"/>
+            </a:xfrm>
+            <a:prstGeom prst="rect">
+              <a:avLst/>
+            </a:prstGeom>
+            <a:noFill/>
+            <a:ln w="12700">
+              <a:solidFill>
+                <a:schemeClr val="tx1"/>
+              </a:solidFill>
+            </a:ln>
+          </p:spPr>
+          <p:style>
+            <a:lnRef idx="2">
+              <a:schemeClr val="accent1">
+                <a:shade val="50000"/>
+              </a:schemeClr>
+            </a:lnRef>
+            <a:fillRef idx="1">
+              <a:schemeClr val="accent1"/>
+            </a:fillRef>
+            <a:effectRef idx="0">
+              <a:schemeClr val="accent1"/>
+            </a:effectRef>
+            <a:fontRef idx="minor">
+              <a:schemeClr val="lt1"/>
+            </a:fontRef>
+          </p:style>
+          <p:txBody>
+            <a:bodyPr rtlCol="0" anchor="ctr"/>
+            <a:lstStyle>
+              <a:defPPr>
+                <a:defRPr lang="en-US"/>
+              </a:defPPr>
+              <a:lvl1pPr marL="0" algn="l" defTabSz="3291279" rtl="0" eaLnBrk="1" latinLnBrk="0" hangingPunct="1">
+                <a:defRPr sz="6400" kern="1200">
+                  <a:solidFill>
+                    <a:schemeClr val="lt1"/>
+                  </a:solidFill>
+                  <a:latin typeface="+mn-lt"/>
+                  <a:ea typeface="+mn-ea"/>
+                  <a:cs typeface="+mn-cs"/>
+                </a:defRPr>
+              </a:lvl1pPr>
+              <a:lvl2pPr marL="1645640" algn="l" defTabSz="3291279" rtl="0" eaLnBrk="1" latinLnBrk="0" hangingPunct="1">
+                <a:defRPr sz="6400" kern="1200">
+                  <a:solidFill>
+                    <a:schemeClr val="lt1"/>
+                  </a:solidFill>
+                  <a:latin typeface="+mn-lt"/>
+                  <a:ea typeface="+mn-ea"/>
+                  <a:cs typeface="+mn-cs"/>
+                </a:defRPr>
+              </a:lvl2pPr>
+              <a:lvl3pPr marL="3291279" algn="l" defTabSz="3291279" rtl="0" eaLnBrk="1" latinLnBrk="0" hangingPunct="1">
+                <a:defRPr sz="6400" kern="1200">
+                  <a:solidFill>
+                    <a:schemeClr val="lt1"/>
+                  </a:solidFill>
+                  <a:latin typeface="+mn-lt"/>
+                  <a:ea typeface="+mn-ea"/>
+                  <a:cs typeface="+mn-cs"/>
+                </a:defRPr>
+              </a:lvl3pPr>
+              <a:lvl4pPr marL="4936919" algn="l" defTabSz="3291279" rtl="0" eaLnBrk="1" latinLnBrk="0" hangingPunct="1">
+                <a:defRPr sz="6400" kern="1200">
+                  <a:solidFill>
+                    <a:schemeClr val="lt1"/>
+                  </a:solidFill>
+                  <a:latin typeface="+mn-lt"/>
+                  <a:ea typeface="+mn-ea"/>
+                  <a:cs typeface="+mn-cs"/>
+                </a:defRPr>
+              </a:lvl4pPr>
+              <a:lvl5pPr marL="6582559" algn="l" defTabSz="3291279" rtl="0" eaLnBrk="1" latinLnBrk="0" hangingPunct="1">
+                <a:defRPr sz="6400" kern="1200">
+                  <a:solidFill>
+                    <a:schemeClr val="lt1"/>
+                  </a:solidFill>
+                  <a:latin typeface="+mn-lt"/>
+                  <a:ea typeface="+mn-ea"/>
+                  <a:cs typeface="+mn-cs"/>
+                </a:defRPr>
+              </a:lvl5pPr>
+              <a:lvl6pPr marL="8228198" algn="l" defTabSz="3291279" rtl="0" eaLnBrk="1" latinLnBrk="0" hangingPunct="1">
+                <a:defRPr sz="6400" kern="1200">
+                  <a:solidFill>
+                    <a:schemeClr val="lt1"/>
+                  </a:solidFill>
+                  <a:latin typeface="+mn-lt"/>
+                  <a:ea typeface="+mn-ea"/>
+                  <a:cs typeface="+mn-cs"/>
+                </a:defRPr>
+              </a:lvl6pPr>
+              <a:lvl7pPr marL="9873837" algn="l" defTabSz="3291279" rtl="0" eaLnBrk="1" latinLnBrk="0" hangingPunct="1">
+                <a:defRPr sz="6400" kern="1200">
+                  <a:solidFill>
+                    <a:schemeClr val="lt1"/>
+                  </a:solidFill>
+                  <a:latin typeface="+mn-lt"/>
+                  <a:ea typeface="+mn-ea"/>
+                  <a:cs typeface="+mn-cs"/>
+                </a:defRPr>
+              </a:lvl7pPr>
+              <a:lvl8pPr marL="11519478" algn="l" defTabSz="3291279" rtl="0" eaLnBrk="1" latinLnBrk="0" hangingPunct="1">
+                <a:defRPr sz="6400" kern="1200">
+                  <a:solidFill>
+                    <a:schemeClr val="lt1"/>
+                  </a:solidFill>
+                  <a:latin typeface="+mn-lt"/>
+                  <a:ea typeface="+mn-ea"/>
+                  <a:cs typeface="+mn-cs"/>
+                </a:defRPr>
+              </a:lvl8pPr>
+              <a:lvl9pPr marL="13165118" algn="l" defTabSz="3291279" rtl="0" eaLnBrk="1" latinLnBrk="0" hangingPunct="1">
+                <a:defRPr sz="6400" kern="1200">
+                  <a:solidFill>
+                    <a:schemeClr val="lt1"/>
+                  </a:solidFill>
+                  <a:latin typeface="+mn-lt"/>
+                  <a:ea typeface="+mn-ea"/>
+                  <a:cs typeface="+mn-cs"/>
+                </a:defRPr>
+              </a:lvl9pPr>
+            </a:lstStyle>
+            <a:p>
+              <a:pPr algn="ctr"/>
+              <a:r>
+                <a:rPr lang="en-US" sz="1800" dirty="0" smtClean="0">
+                  <a:solidFill>
+                    <a:schemeClr val="tx1"/>
+                  </a:solidFill>
+                </a:rPr>
+                <a:t>1s Data</a:t>
+              </a:r>
+              <a:endParaRPr lang="en-US" sz="1800" dirty="0">
+                <a:solidFill>
+                  <a:schemeClr val="tx1"/>
+                </a:solidFill>
+              </a:endParaRPr>
+            </a:p>
+          </p:txBody>
+        </p:sp>
+        <p:sp>
+          <p:nvSpPr>
+            <p:cNvPr id="8" name="Rectangle 7"/>
+            <p:cNvSpPr/>
+            <p:nvPr/>
+          </p:nvSpPr>
+          <p:spPr>
+            <a:xfrm>
+              <a:off x="3997198" y="3285295"/>
+              <a:ext cx="1676400" cy="861807"/>
+            </a:xfrm>
+            <a:prstGeom prst="rect">
+              <a:avLst/>
+            </a:prstGeom>
+            <a:noFill/>
+            <a:ln w="12700">
+              <a:solidFill>
+                <a:schemeClr val="tx1"/>
+              </a:solidFill>
+            </a:ln>
+          </p:spPr>
+          <p:style>
+            <a:lnRef idx="2">
+              <a:schemeClr val="accent1">
+                <a:shade val="50000"/>
+              </a:schemeClr>
+            </a:lnRef>
+            <a:fillRef idx="1">
+              <a:schemeClr val="accent1"/>
+            </a:fillRef>
+            <a:effectRef idx="0">
+              <a:schemeClr val="accent1"/>
+            </a:effectRef>
+            <a:fontRef idx="minor">
+              <a:schemeClr val="lt1"/>
+            </a:fontRef>
+          </p:style>
+          <p:txBody>
+            <a:bodyPr rtlCol="0" anchor="ctr"/>
+            <a:lstStyle>
+              <a:defPPr>
+                <a:defRPr lang="en-US"/>
+              </a:defPPr>
+              <a:lvl1pPr marL="0" algn="l" defTabSz="3291279" rtl="0" eaLnBrk="1" latinLnBrk="0" hangingPunct="1">
+                <a:defRPr sz="6400" kern="1200">
+                  <a:solidFill>
+                    <a:schemeClr val="lt1"/>
+                  </a:solidFill>
+                  <a:latin typeface="+mn-lt"/>
+                  <a:ea typeface="+mn-ea"/>
+                  <a:cs typeface="+mn-cs"/>
+                </a:defRPr>
+              </a:lvl1pPr>
+              <a:lvl2pPr marL="1645640" algn="l" defTabSz="3291279" rtl="0" eaLnBrk="1" latinLnBrk="0" hangingPunct="1">
+                <a:defRPr sz="6400" kern="1200">
+                  <a:solidFill>
+                    <a:schemeClr val="lt1"/>
+                  </a:solidFill>
+                  <a:latin typeface="+mn-lt"/>
+                  <a:ea typeface="+mn-ea"/>
+                  <a:cs typeface="+mn-cs"/>
+                </a:defRPr>
+              </a:lvl2pPr>
+              <a:lvl3pPr marL="3291279" algn="l" defTabSz="3291279" rtl="0" eaLnBrk="1" latinLnBrk="0" hangingPunct="1">
+                <a:defRPr sz="6400" kern="1200">
+                  <a:solidFill>
+                    <a:schemeClr val="lt1"/>
+                  </a:solidFill>
+                  <a:latin typeface="+mn-lt"/>
+                  <a:ea typeface="+mn-ea"/>
+                  <a:cs typeface="+mn-cs"/>
+                </a:defRPr>
+              </a:lvl3pPr>
+              <a:lvl4pPr marL="4936919" algn="l" defTabSz="3291279" rtl="0" eaLnBrk="1" latinLnBrk="0" hangingPunct="1">
+                <a:defRPr sz="6400" kern="1200">
+                  <a:solidFill>
+                    <a:schemeClr val="lt1"/>
+                  </a:solidFill>
+                  <a:latin typeface="+mn-lt"/>
+                  <a:ea typeface="+mn-ea"/>
+                  <a:cs typeface="+mn-cs"/>
+                </a:defRPr>
+              </a:lvl4pPr>
+              <a:lvl5pPr marL="6582559" algn="l" defTabSz="3291279" rtl="0" eaLnBrk="1" latinLnBrk="0" hangingPunct="1">
+                <a:defRPr sz="6400" kern="1200">
+                  <a:solidFill>
+                    <a:schemeClr val="lt1"/>
+                  </a:solidFill>
+                  <a:latin typeface="+mn-lt"/>
+                  <a:ea typeface="+mn-ea"/>
+                  <a:cs typeface="+mn-cs"/>
+                </a:defRPr>
+              </a:lvl5pPr>
+              <a:lvl6pPr marL="8228198" algn="l" defTabSz="3291279" rtl="0" eaLnBrk="1" latinLnBrk="0" hangingPunct="1">
+                <a:defRPr sz="6400" kern="1200">
+                  <a:solidFill>
+                    <a:schemeClr val="lt1"/>
+                  </a:solidFill>
+                  <a:latin typeface="+mn-lt"/>
+                  <a:ea typeface="+mn-ea"/>
+                  <a:cs typeface="+mn-cs"/>
+                </a:defRPr>
+              </a:lvl6pPr>
+              <a:lvl7pPr marL="9873837" algn="l" defTabSz="3291279" rtl="0" eaLnBrk="1" latinLnBrk="0" hangingPunct="1">
+                <a:defRPr sz="6400" kern="1200">
+                  <a:solidFill>
+                    <a:schemeClr val="lt1"/>
+                  </a:solidFill>
+                  <a:latin typeface="+mn-lt"/>
+                  <a:ea typeface="+mn-ea"/>
+                  <a:cs typeface="+mn-cs"/>
+                </a:defRPr>
+              </a:lvl7pPr>
+              <a:lvl8pPr marL="11519478" algn="l" defTabSz="3291279" rtl="0" eaLnBrk="1" latinLnBrk="0" hangingPunct="1">
+                <a:defRPr sz="6400" kern="1200">
+                  <a:solidFill>
+                    <a:schemeClr val="lt1"/>
+                  </a:solidFill>
+                  <a:latin typeface="+mn-lt"/>
+                  <a:ea typeface="+mn-ea"/>
+                  <a:cs typeface="+mn-cs"/>
+                </a:defRPr>
+              </a:lvl8pPr>
+              <a:lvl9pPr marL="13165118" algn="l" defTabSz="3291279" rtl="0" eaLnBrk="1" latinLnBrk="0" hangingPunct="1">
+                <a:defRPr sz="6400" kern="1200">
+                  <a:solidFill>
+                    <a:schemeClr val="lt1"/>
+                  </a:solidFill>
+                  <a:latin typeface="+mn-lt"/>
+                  <a:ea typeface="+mn-ea"/>
+                  <a:cs typeface="+mn-cs"/>
+                </a:defRPr>
+              </a:lvl9pPr>
+            </a:lstStyle>
+            <a:p>
+              <a:pPr algn="ctr"/>
+              <a:r>
+                <a:rPr lang="en-US" sz="1800" dirty="0" smtClean="0">
+                  <a:solidFill>
+                    <a:schemeClr val="tx1"/>
+                  </a:solidFill>
+                </a:rPr>
+                <a:t>Real-time diarization </a:t>
+              </a:r>
+              <a:r>
+                <a:rPr lang="en-US" sz="1800" dirty="0" smtClean="0">
+                  <a:solidFill>
+                    <a:schemeClr val="tx1"/>
+                  </a:solidFill>
+                </a:rPr>
+                <a:t>system</a:t>
+              </a:r>
+              <a:endParaRPr lang="en-US" sz="1800" dirty="0">
+                <a:solidFill>
+                  <a:schemeClr val="tx1"/>
+                </a:solidFill>
+              </a:endParaRPr>
+            </a:p>
+          </p:txBody>
+        </p:sp>
+        <p:sp>
+          <p:nvSpPr>
+            <p:cNvPr id="9" name="Rectangle 8"/>
+            <p:cNvSpPr/>
+            <p:nvPr/>
+          </p:nvSpPr>
+          <p:spPr>
+            <a:xfrm>
+              <a:off x="6197229" y="3285294"/>
+              <a:ext cx="1100831" cy="861807"/>
+            </a:xfrm>
+            <a:prstGeom prst="rect">
+              <a:avLst/>
+            </a:prstGeom>
+            <a:noFill/>
+            <a:ln w="12700">
+              <a:solidFill>
+                <a:schemeClr val="tx1"/>
+              </a:solidFill>
+            </a:ln>
+          </p:spPr>
+          <p:style>
+            <a:lnRef idx="2">
+              <a:schemeClr val="accent1">
+                <a:shade val="50000"/>
+              </a:schemeClr>
+            </a:lnRef>
+            <a:fillRef idx="1">
+              <a:schemeClr val="accent1"/>
+            </a:fillRef>
+            <a:effectRef idx="0">
+              <a:schemeClr val="accent1"/>
+            </a:effectRef>
+            <a:fontRef idx="minor">
+              <a:schemeClr val="lt1"/>
+            </a:fontRef>
+          </p:style>
+          <p:txBody>
+            <a:bodyPr rtlCol="0" anchor="ctr"/>
+            <a:lstStyle>
+              <a:defPPr>
+                <a:defRPr lang="en-US"/>
+              </a:defPPr>
+              <a:lvl1pPr marL="0" algn="l" defTabSz="3291279" rtl="0" eaLnBrk="1" latinLnBrk="0" hangingPunct="1">
+                <a:defRPr sz="6400" kern="1200">
+                  <a:solidFill>
+                    <a:schemeClr val="lt1"/>
+                  </a:solidFill>
+                  <a:latin typeface="+mn-lt"/>
+                  <a:ea typeface="+mn-ea"/>
+                  <a:cs typeface="+mn-cs"/>
+                </a:defRPr>
+              </a:lvl1pPr>
+              <a:lvl2pPr marL="1645640" algn="l" defTabSz="3291279" rtl="0" eaLnBrk="1" latinLnBrk="0" hangingPunct="1">
+                <a:defRPr sz="6400" kern="1200">
+                  <a:solidFill>
+                    <a:schemeClr val="lt1"/>
+                  </a:solidFill>
+                  <a:latin typeface="+mn-lt"/>
+                  <a:ea typeface="+mn-ea"/>
+                  <a:cs typeface="+mn-cs"/>
+                </a:defRPr>
+              </a:lvl2pPr>
+              <a:lvl3pPr marL="3291279" algn="l" defTabSz="3291279" rtl="0" eaLnBrk="1" latinLnBrk="0" hangingPunct="1">
+                <a:defRPr sz="6400" kern="1200">
+                  <a:solidFill>
+                    <a:schemeClr val="lt1"/>
+                  </a:solidFill>
+                  <a:latin typeface="+mn-lt"/>
+                  <a:ea typeface="+mn-ea"/>
+                  <a:cs typeface="+mn-cs"/>
+                </a:defRPr>
+              </a:lvl3pPr>
+              <a:lvl4pPr marL="4936919" algn="l" defTabSz="3291279" rtl="0" eaLnBrk="1" latinLnBrk="0" hangingPunct="1">
+                <a:defRPr sz="6400" kern="1200">
+                  <a:solidFill>
+                    <a:schemeClr val="lt1"/>
+                  </a:solidFill>
+                  <a:latin typeface="+mn-lt"/>
+                  <a:ea typeface="+mn-ea"/>
+                  <a:cs typeface="+mn-cs"/>
+                </a:defRPr>
+              </a:lvl4pPr>
+              <a:lvl5pPr marL="6582559" algn="l" defTabSz="3291279" rtl="0" eaLnBrk="1" latinLnBrk="0" hangingPunct="1">
+                <a:defRPr sz="6400" kern="1200">
+                  <a:solidFill>
+                    <a:schemeClr val="lt1"/>
+                  </a:solidFill>
+                  <a:latin typeface="+mn-lt"/>
+                  <a:ea typeface="+mn-ea"/>
+                  <a:cs typeface="+mn-cs"/>
+                </a:defRPr>
+              </a:lvl5pPr>
+              <a:lvl6pPr marL="8228198" algn="l" defTabSz="3291279" rtl="0" eaLnBrk="1" latinLnBrk="0" hangingPunct="1">
+                <a:defRPr sz="6400" kern="1200">
+                  <a:solidFill>
+                    <a:schemeClr val="lt1"/>
+                  </a:solidFill>
+                  <a:latin typeface="+mn-lt"/>
+                  <a:ea typeface="+mn-ea"/>
+                  <a:cs typeface="+mn-cs"/>
+                </a:defRPr>
+              </a:lvl6pPr>
+              <a:lvl7pPr marL="9873837" algn="l" defTabSz="3291279" rtl="0" eaLnBrk="1" latinLnBrk="0" hangingPunct="1">
+                <a:defRPr sz="6400" kern="1200">
+                  <a:solidFill>
+                    <a:schemeClr val="lt1"/>
+                  </a:solidFill>
+                  <a:latin typeface="+mn-lt"/>
+                  <a:ea typeface="+mn-ea"/>
+                  <a:cs typeface="+mn-cs"/>
+                </a:defRPr>
+              </a:lvl7pPr>
+              <a:lvl8pPr marL="11519478" algn="l" defTabSz="3291279" rtl="0" eaLnBrk="1" latinLnBrk="0" hangingPunct="1">
+                <a:defRPr sz="6400" kern="1200">
+                  <a:solidFill>
+                    <a:schemeClr val="lt1"/>
+                  </a:solidFill>
+                  <a:latin typeface="+mn-lt"/>
+                  <a:ea typeface="+mn-ea"/>
+                  <a:cs typeface="+mn-cs"/>
+                </a:defRPr>
+              </a:lvl8pPr>
+              <a:lvl9pPr marL="13165118" algn="l" defTabSz="3291279" rtl="0" eaLnBrk="1" latinLnBrk="0" hangingPunct="1">
+                <a:defRPr sz="6400" kern="1200">
+                  <a:solidFill>
+                    <a:schemeClr val="lt1"/>
+                  </a:solidFill>
+                  <a:latin typeface="+mn-lt"/>
+                  <a:ea typeface="+mn-ea"/>
+                  <a:cs typeface="+mn-cs"/>
+                </a:defRPr>
+              </a:lvl9pPr>
+            </a:lstStyle>
+            <a:p>
+              <a:pPr algn="ctr"/>
+              <a:r>
+                <a:rPr lang="en-US" sz="1800" dirty="0" smtClean="0">
+                  <a:solidFill>
+                    <a:schemeClr val="tx1"/>
+                  </a:solidFill>
+                </a:rPr>
+                <a:t>Result</a:t>
+              </a:r>
+              <a:endParaRPr lang="en-US" sz="1800" dirty="0">
+                <a:solidFill>
+                  <a:schemeClr val="tx1"/>
+                </a:solidFill>
+              </a:endParaRPr>
+            </a:p>
+          </p:txBody>
+        </p:sp>
+        <p:cxnSp>
+          <p:nvCxnSpPr>
+            <p:cNvPr id="10" name="Straight Arrow Connector 9"/>
+            <p:cNvCxnSpPr>
+              <a:cxnSpLocks/>
+              <a:stCxn id="7" idx="3"/>
+              <a:endCxn id="8" idx="1"/>
+            </p:cNvCxnSpPr>
+            <p:nvPr/>
+          </p:nvCxnSpPr>
+          <p:spPr>
+            <a:xfrm flipV="1">
+              <a:off x="3480814" y="3716199"/>
+              <a:ext cx="516384" cy="1"/>
+            </a:xfrm>
+            <a:prstGeom prst="straightConnector1">
+              <a:avLst/>
+            </a:prstGeom>
+            <a:ln w="12700">
+              <a:solidFill>
+                <a:schemeClr val="tx1"/>
+              </a:solidFill>
+              <a:tailEnd type="arrow"/>
+            </a:ln>
+          </p:spPr>
+          <p:style>
+            <a:lnRef idx="1">
+              <a:schemeClr val="accent1"/>
+            </a:lnRef>
+            <a:fillRef idx="0">
+              <a:schemeClr val="accent1"/>
+            </a:fillRef>
+            <a:effectRef idx="0">
+              <a:schemeClr val="accent1"/>
+            </a:effectRef>
+            <a:fontRef idx="minor">
+              <a:schemeClr val="tx1"/>
+            </a:fontRef>
+          </p:style>
+        </p:cxnSp>
+        <p:cxnSp>
+          <p:nvCxnSpPr>
+            <p:cNvPr id="11" name="Straight Arrow Connector 10"/>
+            <p:cNvCxnSpPr>
+              <a:cxnSpLocks/>
+              <a:stCxn id="8" idx="3"/>
+              <a:endCxn id="9" idx="1"/>
+            </p:cNvCxnSpPr>
+            <p:nvPr/>
+          </p:nvCxnSpPr>
+          <p:spPr>
+            <a:xfrm flipV="1">
+              <a:off x="5673598" y="3716198"/>
+              <a:ext cx="523631" cy="1"/>
+            </a:xfrm>
+            <a:prstGeom prst="straightConnector1">
+              <a:avLst/>
+            </a:prstGeom>
+            <a:ln w="12700">
+              <a:solidFill>
+                <a:schemeClr val="tx1"/>
+              </a:solidFill>
+              <a:tailEnd type="arrow"/>
+            </a:ln>
+          </p:spPr>
+          <p:style>
+            <a:lnRef idx="1">
+              <a:schemeClr val="accent1"/>
+            </a:lnRef>
+            <a:fillRef idx="0">
+              <a:schemeClr val="accent1"/>
+            </a:fillRef>
+            <a:effectRef idx="0">
+              <a:schemeClr val="accent1"/>
+            </a:effectRef>
+            <a:fontRef idx="minor">
+              <a:schemeClr val="tx1"/>
+            </a:fontRef>
+          </p:style>
+        </p:cxnSp>
+        <p:sp>
+          <p:nvSpPr>
+            <p:cNvPr id="12" name="TextBox 11"/>
+            <p:cNvSpPr txBox="1"/>
+            <p:nvPr/>
+          </p:nvSpPr>
+          <p:spPr>
+            <a:xfrm>
+              <a:off x="4388308" y="2772150"/>
+              <a:ext cx="1259890" cy="400110"/>
+            </a:xfrm>
+            <a:prstGeom prst="rect">
+              <a:avLst/>
+            </a:prstGeom>
+            <a:noFill/>
+          </p:spPr>
+          <p:txBody>
+            <a:bodyPr wrap="square" rtlCol="0">
+              <a:spAutoFit/>
+            </a:bodyPr>
+            <a:lstStyle/>
+            <a:p>
+              <a:r>
+                <a:rPr lang="en-US" sz="2000" b="1" dirty="0" smtClean="0">
+                  <a:solidFill>
+                    <a:schemeClr val="accent2">
+                      <a:lumMod val="75000"/>
+                    </a:schemeClr>
+                  </a:solidFill>
+                </a:rPr>
+                <a:t>Every 1s</a:t>
+              </a:r>
+              <a:endParaRPr lang="en-US" sz="2000" b="1" dirty="0">
+                <a:solidFill>
+                  <a:schemeClr val="accent2">
+                    <a:lumMod val="75000"/>
+                  </a:schemeClr>
+                </a:solidFill>
+              </a:endParaRPr>
+            </a:p>
+          </p:txBody>
+        </p:sp>
+        <p:sp>
+          <p:nvSpPr>
+            <p:cNvPr id="13" name="Rounded Rectangle 12"/>
+            <p:cNvSpPr/>
+            <p:nvPr/>
+          </p:nvSpPr>
+          <p:spPr>
+            <a:xfrm>
+              <a:off x="2168398" y="2672717"/>
+              <a:ext cx="5334000" cy="1733373"/>
+            </a:xfrm>
+            <a:prstGeom prst="roundRect">
+              <a:avLst/>
+            </a:prstGeom>
+            <a:noFill/>
+            <a:ln>
+              <a:solidFill>
+                <a:schemeClr val="accent2"/>
+              </a:solidFill>
+            </a:ln>
+          </p:spPr>
+          <p:style>
+            <a:lnRef idx="2">
+              <a:schemeClr val="accent1">
+                <a:shade val="50000"/>
+              </a:schemeClr>
+            </a:lnRef>
+            <a:fillRef idx="1">
+              <a:schemeClr val="accent1"/>
+            </a:fillRef>
+            <a:effectRef idx="0">
+              <a:schemeClr val="accent1"/>
+            </a:effectRef>
+            <a:fontRef idx="minor">
+              <a:schemeClr val="lt1"/>
+            </a:fontRef>
+          </p:style>
+          <p:txBody>
+            <a:bodyPr rtlCol="0" anchor="ctr"/>
+            <a:lstStyle>
+              <a:defPPr>
+                <a:defRPr lang="en-US"/>
+              </a:defPPr>
+              <a:lvl1pPr marL="0" algn="l" defTabSz="3291279" rtl="0" eaLnBrk="1" latinLnBrk="0" hangingPunct="1">
+                <a:defRPr sz="6400" kern="1200">
+                  <a:solidFill>
+                    <a:schemeClr val="lt1"/>
+                  </a:solidFill>
+                  <a:latin typeface="+mn-lt"/>
+                  <a:ea typeface="+mn-ea"/>
+                  <a:cs typeface="+mn-cs"/>
+                </a:defRPr>
+              </a:lvl1pPr>
+              <a:lvl2pPr marL="1645640" algn="l" defTabSz="3291279" rtl="0" eaLnBrk="1" latinLnBrk="0" hangingPunct="1">
+                <a:defRPr sz="6400" kern="1200">
+                  <a:solidFill>
+                    <a:schemeClr val="lt1"/>
+                  </a:solidFill>
+                  <a:latin typeface="+mn-lt"/>
+                  <a:ea typeface="+mn-ea"/>
+                  <a:cs typeface="+mn-cs"/>
+                </a:defRPr>
+              </a:lvl2pPr>
+              <a:lvl3pPr marL="3291279" algn="l" defTabSz="3291279" rtl="0" eaLnBrk="1" latinLnBrk="0" hangingPunct="1">
+                <a:defRPr sz="6400" kern="1200">
+                  <a:solidFill>
+                    <a:schemeClr val="lt1"/>
+                  </a:solidFill>
+                  <a:latin typeface="+mn-lt"/>
+                  <a:ea typeface="+mn-ea"/>
+                  <a:cs typeface="+mn-cs"/>
+                </a:defRPr>
+              </a:lvl3pPr>
+              <a:lvl4pPr marL="4936919" algn="l" defTabSz="3291279" rtl="0" eaLnBrk="1" latinLnBrk="0" hangingPunct="1">
+                <a:defRPr sz="6400" kern="1200">
+                  <a:solidFill>
+                    <a:schemeClr val="lt1"/>
+                  </a:solidFill>
+                  <a:latin typeface="+mn-lt"/>
+                  <a:ea typeface="+mn-ea"/>
+                  <a:cs typeface="+mn-cs"/>
+                </a:defRPr>
+              </a:lvl4pPr>
+              <a:lvl5pPr marL="6582559" algn="l" defTabSz="3291279" rtl="0" eaLnBrk="1" latinLnBrk="0" hangingPunct="1">
+                <a:defRPr sz="6400" kern="1200">
+                  <a:solidFill>
+                    <a:schemeClr val="lt1"/>
+                  </a:solidFill>
+                  <a:latin typeface="+mn-lt"/>
+                  <a:ea typeface="+mn-ea"/>
+                  <a:cs typeface="+mn-cs"/>
+                </a:defRPr>
+              </a:lvl5pPr>
+              <a:lvl6pPr marL="8228198" algn="l" defTabSz="3291279" rtl="0" eaLnBrk="1" latinLnBrk="0" hangingPunct="1">
+                <a:defRPr sz="6400" kern="1200">
+                  <a:solidFill>
+                    <a:schemeClr val="lt1"/>
+                  </a:solidFill>
+                  <a:latin typeface="+mn-lt"/>
+                  <a:ea typeface="+mn-ea"/>
+                  <a:cs typeface="+mn-cs"/>
+                </a:defRPr>
+              </a:lvl6pPr>
+              <a:lvl7pPr marL="9873837" algn="l" defTabSz="3291279" rtl="0" eaLnBrk="1" latinLnBrk="0" hangingPunct="1">
+                <a:defRPr sz="6400" kern="1200">
+                  <a:solidFill>
+                    <a:schemeClr val="lt1"/>
+                  </a:solidFill>
+                  <a:latin typeface="+mn-lt"/>
+                  <a:ea typeface="+mn-ea"/>
+                  <a:cs typeface="+mn-cs"/>
+                </a:defRPr>
+              </a:lvl7pPr>
+              <a:lvl8pPr marL="11519478" algn="l" defTabSz="3291279" rtl="0" eaLnBrk="1" latinLnBrk="0" hangingPunct="1">
+                <a:defRPr sz="6400" kern="1200">
+                  <a:solidFill>
+                    <a:schemeClr val="lt1"/>
+                  </a:solidFill>
+                  <a:latin typeface="+mn-lt"/>
+                  <a:ea typeface="+mn-ea"/>
+                  <a:cs typeface="+mn-cs"/>
+                </a:defRPr>
+              </a:lvl8pPr>
+              <a:lvl9pPr marL="13165118" algn="l" defTabSz="3291279" rtl="0" eaLnBrk="1" latinLnBrk="0" hangingPunct="1">
+                <a:defRPr sz="6400" kern="1200">
+                  <a:solidFill>
+                    <a:schemeClr val="lt1"/>
+                  </a:solidFill>
+                  <a:latin typeface="+mn-lt"/>
+                  <a:ea typeface="+mn-ea"/>
+                  <a:cs typeface="+mn-cs"/>
+                </a:defRPr>
+              </a:lvl9pPr>
+            </a:lstStyle>
+            <a:p>
+              <a:pPr algn="ctr"/>
+              <a:endParaRPr lang="en-US" sz="1800"/>
+            </a:p>
+          </p:txBody>
+        </p:sp>
+        <p:sp>
+          <p:nvSpPr>
+            <p:cNvPr id="14" name="Rectangle 13"/>
+            <p:cNvSpPr/>
+            <p:nvPr/>
+          </p:nvSpPr>
+          <p:spPr>
+            <a:xfrm>
+              <a:off x="571130" y="3108499"/>
+              <a:ext cx="1143000" cy="861807"/>
+            </a:xfrm>
+            <a:prstGeom prst="rect">
+              <a:avLst/>
+            </a:prstGeom>
+            <a:noFill/>
+            <a:ln w="12700">
+              <a:solidFill>
+                <a:schemeClr val="tx1"/>
+              </a:solidFill>
+            </a:ln>
+          </p:spPr>
+          <p:style>
+            <a:lnRef idx="2">
+              <a:schemeClr val="accent1">
+                <a:shade val="50000"/>
+              </a:schemeClr>
+            </a:lnRef>
+            <a:fillRef idx="1">
+              <a:schemeClr val="accent1"/>
+            </a:fillRef>
+            <a:effectRef idx="0">
+              <a:schemeClr val="accent1"/>
+            </a:effectRef>
+            <a:fontRef idx="minor">
+              <a:schemeClr val="lt1"/>
+            </a:fontRef>
+          </p:style>
+          <p:txBody>
+            <a:bodyPr rtlCol="0" anchor="ctr"/>
+            <a:lstStyle>
+              <a:defPPr>
+                <a:defRPr lang="en-US"/>
+              </a:defPPr>
+              <a:lvl1pPr marL="0" algn="l" defTabSz="3291279" rtl="0" eaLnBrk="1" latinLnBrk="0" hangingPunct="1">
+                <a:defRPr sz="6400" kern="1200">
+                  <a:solidFill>
+                    <a:schemeClr val="lt1"/>
+                  </a:solidFill>
+                  <a:latin typeface="+mn-lt"/>
+                  <a:ea typeface="+mn-ea"/>
+                  <a:cs typeface="+mn-cs"/>
+                </a:defRPr>
+              </a:lvl1pPr>
+              <a:lvl2pPr marL="1645640" algn="l" defTabSz="3291279" rtl="0" eaLnBrk="1" latinLnBrk="0" hangingPunct="1">
+                <a:defRPr sz="6400" kern="1200">
+                  <a:solidFill>
+                    <a:schemeClr val="lt1"/>
+                  </a:solidFill>
+                  <a:latin typeface="+mn-lt"/>
+                  <a:ea typeface="+mn-ea"/>
+                  <a:cs typeface="+mn-cs"/>
+                </a:defRPr>
+              </a:lvl2pPr>
+              <a:lvl3pPr marL="3291279" algn="l" defTabSz="3291279" rtl="0" eaLnBrk="1" latinLnBrk="0" hangingPunct="1">
+                <a:defRPr sz="6400" kern="1200">
+                  <a:solidFill>
+                    <a:schemeClr val="lt1"/>
+                  </a:solidFill>
+                  <a:latin typeface="+mn-lt"/>
+                  <a:ea typeface="+mn-ea"/>
+                  <a:cs typeface="+mn-cs"/>
+                </a:defRPr>
+              </a:lvl3pPr>
+              <a:lvl4pPr marL="4936919" algn="l" defTabSz="3291279" rtl="0" eaLnBrk="1" latinLnBrk="0" hangingPunct="1">
+                <a:defRPr sz="6400" kern="1200">
+                  <a:solidFill>
+                    <a:schemeClr val="lt1"/>
+                  </a:solidFill>
+                  <a:latin typeface="+mn-lt"/>
+                  <a:ea typeface="+mn-ea"/>
+                  <a:cs typeface="+mn-cs"/>
+                </a:defRPr>
+              </a:lvl4pPr>
+              <a:lvl5pPr marL="6582559" algn="l" defTabSz="3291279" rtl="0" eaLnBrk="1" latinLnBrk="0" hangingPunct="1">
+                <a:defRPr sz="6400" kern="1200">
+                  <a:solidFill>
+                    <a:schemeClr val="lt1"/>
+                  </a:solidFill>
+                  <a:latin typeface="+mn-lt"/>
+                  <a:ea typeface="+mn-ea"/>
+                  <a:cs typeface="+mn-cs"/>
+                </a:defRPr>
+              </a:lvl5pPr>
+              <a:lvl6pPr marL="8228198" algn="l" defTabSz="3291279" rtl="0" eaLnBrk="1" latinLnBrk="0" hangingPunct="1">
+                <a:defRPr sz="6400" kern="1200">
+                  <a:solidFill>
+                    <a:schemeClr val="lt1"/>
+                  </a:solidFill>
+                  <a:latin typeface="+mn-lt"/>
+                  <a:ea typeface="+mn-ea"/>
+                  <a:cs typeface="+mn-cs"/>
+                </a:defRPr>
+              </a:lvl6pPr>
+              <a:lvl7pPr marL="9873837" algn="l" defTabSz="3291279" rtl="0" eaLnBrk="1" latinLnBrk="0" hangingPunct="1">
+                <a:defRPr sz="6400" kern="1200">
+                  <a:solidFill>
+                    <a:schemeClr val="lt1"/>
+                  </a:solidFill>
+                  <a:latin typeface="+mn-lt"/>
+                  <a:ea typeface="+mn-ea"/>
+                  <a:cs typeface="+mn-cs"/>
+                </a:defRPr>
+              </a:lvl7pPr>
+              <a:lvl8pPr marL="11519478" algn="l" defTabSz="3291279" rtl="0" eaLnBrk="1" latinLnBrk="0" hangingPunct="1">
+                <a:defRPr sz="6400" kern="1200">
+                  <a:solidFill>
+                    <a:schemeClr val="lt1"/>
+                  </a:solidFill>
+                  <a:latin typeface="+mn-lt"/>
+                  <a:ea typeface="+mn-ea"/>
+                  <a:cs typeface="+mn-cs"/>
+                </a:defRPr>
+              </a:lvl8pPr>
+              <a:lvl9pPr marL="13165118" algn="l" defTabSz="3291279" rtl="0" eaLnBrk="1" latinLnBrk="0" hangingPunct="1">
+                <a:defRPr sz="6400" kern="1200">
+                  <a:solidFill>
+                    <a:schemeClr val="lt1"/>
+                  </a:solidFill>
+                  <a:latin typeface="+mn-lt"/>
+                  <a:ea typeface="+mn-ea"/>
+                  <a:cs typeface="+mn-cs"/>
+                </a:defRPr>
+              </a:lvl9pPr>
+            </a:lstStyle>
+            <a:p>
+              <a:pPr algn="ctr"/>
+              <a:r>
+                <a:rPr lang="en-US" sz="1800" dirty="0" smtClean="0">
+                  <a:solidFill>
+                    <a:schemeClr val="tx1"/>
+                  </a:solidFill>
+                </a:rPr>
+                <a:t>Recorded audio</a:t>
+              </a:r>
+              <a:endParaRPr lang="en-US" sz="1800" dirty="0">
+                <a:solidFill>
+                  <a:schemeClr val="tx1"/>
+                </a:solidFill>
+              </a:endParaRPr>
+            </a:p>
+          </p:txBody>
+        </p:sp>
+        <p:cxnSp>
+          <p:nvCxnSpPr>
+            <p:cNvPr id="15" name="Straight Arrow Connector 14"/>
+            <p:cNvCxnSpPr>
+              <a:stCxn id="14" idx="3"/>
+              <a:endCxn id="13" idx="1"/>
+            </p:cNvCxnSpPr>
+            <p:nvPr/>
+          </p:nvCxnSpPr>
+          <p:spPr>
+            <a:xfrm>
+              <a:off x="1714130" y="3539403"/>
+              <a:ext cx="454268" cy="1"/>
+            </a:xfrm>
+            <a:prstGeom prst="straightConnector1">
+              <a:avLst/>
+            </a:prstGeom>
+            <a:ln>
+              <a:solidFill>
+                <a:schemeClr val="tx1"/>
+              </a:solidFill>
+              <a:prstDash val="dash"/>
+              <a:tailEnd type="arrow"/>
+            </a:ln>
+          </p:spPr>
+          <p:style>
+            <a:lnRef idx="1">
+              <a:schemeClr val="accent1"/>
+            </a:lnRef>
+            <a:fillRef idx="0">
+              <a:schemeClr val="accent1"/>
+            </a:fillRef>
+            <a:effectRef idx="0">
+              <a:schemeClr val="accent1"/>
+            </a:effectRef>
+            <a:fontRef idx="minor">
+              <a:schemeClr val="tx1"/>
+            </a:fontRef>
+          </p:style>
+        </p:cxnSp>
+      </p:grpSp>
+    </p:spTree>
+    <p:extLst>
+      <p:ext uri="{BB962C8B-B14F-4D97-AF65-F5344CB8AC3E}">
+        <p14:creationId xmlns:p14="http://schemas.microsoft.com/office/powerpoint/2010/main" val="2771354913"/>
+      </p:ext>
+    </p:extLst>
+  </p:cSld>
+  <p:clrMapOvr>
+    <a:masterClrMapping/>
+  </p:clrMapOvr>
+</p:sld>
+</file>
+
 <file path=ppt/slides/slide2.xml><?xml version="1.0" encoding="utf-8"?>
 <p:sld xmlns:a="http://schemas.openxmlformats.org/drawingml/2006/main" xmlns:r="http://schemas.openxmlformats.org/officeDocument/2006/relationships" xmlns:p="http://schemas.openxmlformats.org/presentationml/2006/main">
   <p:cSld>
@@ -15005,7 +15993,6 @@
               <a:rPr lang="en-US" sz="2400" dirty="0" smtClean="0"/>
               <a:t>Literature review: Focus &amp; Gap</a:t>
             </a:r>
-            <a:endParaRPr lang="en-US" sz="2400" dirty="0" smtClean="0"/>
           </a:p>
           <a:p>
             <a:r>
@@ -15030,7 +16017,6 @@
               <a:rPr lang="en-US" sz="2400" dirty="0" smtClean="0"/>
               <a:t>Runtime analysis</a:t>
             </a:r>
-            <a:endParaRPr lang="en-US" sz="2400" dirty="0" smtClean="0"/>
           </a:p>
           <a:p>
             <a:endParaRPr lang="en-US" dirty="0"/>
@@ -15096,6 +16082,2681 @@
       </p:par>
     </p:tnLst>
   </p:timing>
+</p:sld>
+</file>
+
+<file path=ppt/slides/slide20.xml><?xml version="1.0" encoding="utf-8"?>
+<p:sld xmlns:a="http://schemas.openxmlformats.org/drawingml/2006/main" xmlns:r="http://schemas.openxmlformats.org/officeDocument/2006/relationships" xmlns:p="http://schemas.openxmlformats.org/presentationml/2006/main">
+  <p:cSld>
+    <p:spTree>
+      <p:nvGrpSpPr>
+        <p:cNvPr id="1" name=""/>
+        <p:cNvGrpSpPr/>
+        <p:nvPr/>
+      </p:nvGrpSpPr>
+      <p:grpSpPr>
+        <a:xfrm>
+          <a:off x="0" y="0"/>
+          <a:ext cx="0" cy="0"/>
+          <a:chOff x="0" y="0"/>
+          <a:chExt cx="0" cy="0"/>
+        </a:xfrm>
+      </p:grpSpPr>
+      <p:sp>
+        <p:nvSpPr>
+          <p:cNvPr id="4" name="Footer Placeholder 3"/>
+          <p:cNvSpPr>
+            <a:spLocks noGrp="1"/>
+          </p:cNvSpPr>
+          <p:nvPr>
+            <p:ph type="ftr" sz="quarter" idx="11"/>
+          </p:nvPr>
+        </p:nvSpPr>
+        <p:spPr>
+          <a:xfrm rot="16200000">
+            <a:off x="7678635" y="3957036"/>
+            <a:ext cx="2150310" cy="332237"/>
+          </a:xfrm>
+        </p:spPr>
+        <p:txBody>
+          <a:bodyPr/>
+          <a:lstStyle/>
+          <a:p>
+            <a:endParaRPr lang="en-US" dirty="0"/>
+          </a:p>
+        </p:txBody>
+      </p:sp>
+      <p:sp>
+        <p:nvSpPr>
+          <p:cNvPr id="5" name="Slide Number Placeholder 4"/>
+          <p:cNvSpPr>
+            <a:spLocks noGrp="1"/>
+          </p:cNvSpPr>
+          <p:nvPr>
+            <p:ph type="sldNum" sz="quarter" idx="12"/>
+          </p:nvPr>
+        </p:nvSpPr>
+        <p:spPr>
+          <a:xfrm>
+            <a:off x="8531788" y="5648960"/>
+            <a:ext cx="498355" cy="359923"/>
+          </a:xfrm>
+        </p:spPr>
+        <p:txBody>
+          <a:bodyPr/>
+          <a:lstStyle/>
+          <a:p>
+            <a:fld id="{0E0E5D40-17DD-4190-869C-D3EB7431A77E}" type="slidenum">
+              <a:rPr lang="en-US" smtClean="0"/>
+              <a:t>20</a:t>
+            </a:fld>
+            <a:endParaRPr lang="en-US"/>
+          </a:p>
+        </p:txBody>
+      </p:sp>
+      <p:grpSp>
+        <p:nvGrpSpPr>
+          <p:cNvPr id="32" name="Group 31"/>
+          <p:cNvGrpSpPr/>
+          <p:nvPr/>
+        </p:nvGrpSpPr>
+        <p:grpSpPr>
+          <a:xfrm>
+            <a:off x="2044421" y="705748"/>
+            <a:ext cx="3923558" cy="3376931"/>
+            <a:chOff x="4224828" y="199839"/>
+            <a:chExt cx="4319454" cy="3717672"/>
+          </a:xfrm>
+        </p:grpSpPr>
+        <p:pic>
+          <p:nvPicPr>
+            <p:cNvPr id="6" name="图片 5"/>
+            <p:cNvPicPr>
+              <a:picLocks noChangeAspect="1"/>
+            </p:cNvPicPr>
+            <p:nvPr/>
+          </p:nvPicPr>
+          <p:blipFill rotWithShape="1">
+            <a:blip r:embed="rId2">
+              <a:extLst>
+                <a:ext uri="{28A0092B-C50C-407E-A947-70E740481C1C}">
+                  <a14:useLocalDpi xmlns:a14="http://schemas.microsoft.com/office/drawing/2010/main" val="0"/>
+                </a:ext>
+              </a:extLst>
+            </a:blip>
+            <a:srcRect b="24310"/>
+            <a:stretch/>
+          </p:blipFill>
+          <p:spPr>
+            <a:xfrm>
+              <a:off x="4378674" y="199839"/>
+              <a:ext cx="3416791" cy="966351"/>
+            </a:xfrm>
+            <a:prstGeom prst="rect">
+              <a:avLst/>
+            </a:prstGeom>
+          </p:spPr>
+        </p:pic>
+        <p:grpSp>
+          <p:nvGrpSpPr>
+            <p:cNvPr id="7" name="Group 6"/>
+            <p:cNvGrpSpPr/>
+            <p:nvPr/>
+          </p:nvGrpSpPr>
+          <p:grpSpPr>
+            <a:xfrm>
+              <a:off x="4363599" y="2606595"/>
+              <a:ext cx="3431869" cy="1262389"/>
+              <a:chOff x="3129040" y="8895945"/>
+              <a:chExt cx="5774190" cy="2123997"/>
+            </a:xfrm>
+          </p:grpSpPr>
+          <p:grpSp>
+            <p:nvGrpSpPr>
+              <p:cNvPr id="8" name="组合 30"/>
+              <p:cNvGrpSpPr/>
+              <p:nvPr/>
+            </p:nvGrpSpPr>
+            <p:grpSpPr>
+              <a:xfrm>
+                <a:off x="3200400" y="9355846"/>
+                <a:ext cx="5702828" cy="1232352"/>
+                <a:chOff x="304800" y="14630400"/>
+                <a:chExt cx="14926877" cy="3225625"/>
+              </a:xfrm>
+            </p:grpSpPr>
+            <p:sp>
+              <p:nvSpPr>
+                <p:cNvPr id="10" name="矩形 37"/>
+                <p:cNvSpPr/>
+                <p:nvPr/>
+              </p:nvSpPr>
+              <p:spPr>
+                <a:xfrm>
+                  <a:off x="304800" y="14630400"/>
+                  <a:ext cx="1990279" cy="3225625"/>
+                </a:xfrm>
+                <a:prstGeom prst="rect">
+                  <a:avLst/>
+                </a:prstGeom>
+                <a:solidFill>
+                  <a:srgbClr val="0070C0">
+                    <a:alpha val="30000"/>
+                  </a:srgbClr>
+                </a:solidFill>
+                <a:ln>
+                  <a:noFill/>
+                </a:ln>
+              </p:spPr>
+              <p:style>
+                <a:lnRef idx="2">
+                  <a:schemeClr val="accent1">
+                    <a:shade val="50000"/>
+                  </a:schemeClr>
+                </a:lnRef>
+                <a:fillRef idx="1">
+                  <a:schemeClr val="accent1"/>
+                </a:fillRef>
+                <a:effectRef idx="0">
+                  <a:schemeClr val="accent1"/>
+                </a:effectRef>
+                <a:fontRef idx="minor">
+                  <a:schemeClr val="lt1"/>
+                </a:fontRef>
+              </p:style>
+              <p:txBody>
+                <a:bodyPr rtlCol="0" anchor="ctr"/>
+                <a:lstStyle>
+                  <a:defPPr>
+                    <a:defRPr lang="en-US"/>
+                  </a:defPPr>
+                  <a:lvl1pPr marL="0" algn="l" defTabSz="3291279" rtl="0" eaLnBrk="1" latinLnBrk="0" hangingPunct="1">
+                    <a:defRPr sz="6400" kern="1200">
+                      <a:solidFill>
+                        <a:schemeClr val="lt1"/>
+                      </a:solidFill>
+                      <a:latin typeface="+mn-lt"/>
+                      <a:ea typeface="+mn-ea"/>
+                      <a:cs typeface="+mn-cs"/>
+                    </a:defRPr>
+                  </a:lvl1pPr>
+                  <a:lvl2pPr marL="1645640" algn="l" defTabSz="3291279" rtl="0" eaLnBrk="1" latinLnBrk="0" hangingPunct="1">
+                    <a:defRPr sz="6400" kern="1200">
+                      <a:solidFill>
+                        <a:schemeClr val="lt1"/>
+                      </a:solidFill>
+                      <a:latin typeface="+mn-lt"/>
+                      <a:ea typeface="+mn-ea"/>
+                      <a:cs typeface="+mn-cs"/>
+                    </a:defRPr>
+                  </a:lvl2pPr>
+                  <a:lvl3pPr marL="3291279" algn="l" defTabSz="3291279" rtl="0" eaLnBrk="1" latinLnBrk="0" hangingPunct="1">
+                    <a:defRPr sz="6400" kern="1200">
+                      <a:solidFill>
+                        <a:schemeClr val="lt1"/>
+                      </a:solidFill>
+                      <a:latin typeface="+mn-lt"/>
+                      <a:ea typeface="+mn-ea"/>
+                      <a:cs typeface="+mn-cs"/>
+                    </a:defRPr>
+                  </a:lvl3pPr>
+                  <a:lvl4pPr marL="4936919" algn="l" defTabSz="3291279" rtl="0" eaLnBrk="1" latinLnBrk="0" hangingPunct="1">
+                    <a:defRPr sz="6400" kern="1200">
+                      <a:solidFill>
+                        <a:schemeClr val="lt1"/>
+                      </a:solidFill>
+                      <a:latin typeface="+mn-lt"/>
+                      <a:ea typeface="+mn-ea"/>
+                      <a:cs typeface="+mn-cs"/>
+                    </a:defRPr>
+                  </a:lvl4pPr>
+                  <a:lvl5pPr marL="6582559" algn="l" defTabSz="3291279" rtl="0" eaLnBrk="1" latinLnBrk="0" hangingPunct="1">
+                    <a:defRPr sz="6400" kern="1200">
+                      <a:solidFill>
+                        <a:schemeClr val="lt1"/>
+                      </a:solidFill>
+                      <a:latin typeface="+mn-lt"/>
+                      <a:ea typeface="+mn-ea"/>
+                      <a:cs typeface="+mn-cs"/>
+                    </a:defRPr>
+                  </a:lvl5pPr>
+                  <a:lvl6pPr marL="8228198" algn="l" defTabSz="3291279" rtl="0" eaLnBrk="1" latinLnBrk="0" hangingPunct="1">
+                    <a:defRPr sz="6400" kern="1200">
+                      <a:solidFill>
+                        <a:schemeClr val="lt1"/>
+                      </a:solidFill>
+                      <a:latin typeface="+mn-lt"/>
+                      <a:ea typeface="+mn-ea"/>
+                      <a:cs typeface="+mn-cs"/>
+                    </a:defRPr>
+                  </a:lvl6pPr>
+                  <a:lvl7pPr marL="9873837" algn="l" defTabSz="3291279" rtl="0" eaLnBrk="1" latinLnBrk="0" hangingPunct="1">
+                    <a:defRPr sz="6400" kern="1200">
+                      <a:solidFill>
+                        <a:schemeClr val="lt1"/>
+                      </a:solidFill>
+                      <a:latin typeface="+mn-lt"/>
+                      <a:ea typeface="+mn-ea"/>
+                      <a:cs typeface="+mn-cs"/>
+                    </a:defRPr>
+                  </a:lvl7pPr>
+                  <a:lvl8pPr marL="11519478" algn="l" defTabSz="3291279" rtl="0" eaLnBrk="1" latinLnBrk="0" hangingPunct="1">
+                    <a:defRPr sz="6400" kern="1200">
+                      <a:solidFill>
+                        <a:schemeClr val="lt1"/>
+                      </a:solidFill>
+                      <a:latin typeface="+mn-lt"/>
+                      <a:ea typeface="+mn-ea"/>
+                      <a:cs typeface="+mn-cs"/>
+                    </a:defRPr>
+                  </a:lvl8pPr>
+                  <a:lvl9pPr marL="13165118" algn="l" defTabSz="3291279" rtl="0" eaLnBrk="1" latinLnBrk="0" hangingPunct="1">
+                    <a:defRPr sz="6400" kern="1200">
+                      <a:solidFill>
+                        <a:schemeClr val="lt1"/>
+                      </a:solidFill>
+                      <a:latin typeface="+mn-lt"/>
+                      <a:ea typeface="+mn-ea"/>
+                      <a:cs typeface="+mn-cs"/>
+                    </a:defRPr>
+                  </a:lvl9pPr>
+                </a:lstStyle>
+                <a:p>
+                  <a:pPr algn="ctr"/>
+                  <a:endParaRPr lang="zh-CN" altLang="en-US"/>
+                </a:p>
+              </p:txBody>
+            </p:sp>
+            <p:sp>
+              <p:nvSpPr>
+                <p:cNvPr id="11" name="矩形 38"/>
+                <p:cNvSpPr/>
+                <p:nvPr/>
+              </p:nvSpPr>
+              <p:spPr>
+                <a:xfrm>
+                  <a:off x="2353121" y="14630400"/>
+                  <a:ext cx="3285679" cy="3225625"/>
+                </a:xfrm>
+                <a:prstGeom prst="rect">
+                  <a:avLst/>
+                </a:prstGeom>
+                <a:solidFill>
+                  <a:srgbClr val="FF0000">
+                    <a:alpha val="30000"/>
+                  </a:srgbClr>
+                </a:solidFill>
+                <a:ln>
+                  <a:noFill/>
+                </a:ln>
+              </p:spPr>
+              <p:style>
+                <a:lnRef idx="2">
+                  <a:schemeClr val="accent1">
+                    <a:shade val="50000"/>
+                  </a:schemeClr>
+                </a:lnRef>
+                <a:fillRef idx="1">
+                  <a:schemeClr val="accent1"/>
+                </a:fillRef>
+                <a:effectRef idx="0">
+                  <a:schemeClr val="accent1"/>
+                </a:effectRef>
+                <a:fontRef idx="minor">
+                  <a:schemeClr val="lt1"/>
+                </a:fontRef>
+              </p:style>
+              <p:txBody>
+                <a:bodyPr rtlCol="0" anchor="ctr"/>
+                <a:lstStyle>
+                  <a:defPPr>
+                    <a:defRPr lang="en-US"/>
+                  </a:defPPr>
+                  <a:lvl1pPr marL="0" algn="l" defTabSz="3291279" rtl="0" eaLnBrk="1" latinLnBrk="0" hangingPunct="1">
+                    <a:defRPr sz="6400" kern="1200">
+                      <a:solidFill>
+                        <a:schemeClr val="lt1"/>
+                      </a:solidFill>
+                      <a:latin typeface="+mn-lt"/>
+                      <a:ea typeface="+mn-ea"/>
+                      <a:cs typeface="+mn-cs"/>
+                    </a:defRPr>
+                  </a:lvl1pPr>
+                  <a:lvl2pPr marL="1645640" algn="l" defTabSz="3291279" rtl="0" eaLnBrk="1" latinLnBrk="0" hangingPunct="1">
+                    <a:defRPr sz="6400" kern="1200">
+                      <a:solidFill>
+                        <a:schemeClr val="lt1"/>
+                      </a:solidFill>
+                      <a:latin typeface="+mn-lt"/>
+                      <a:ea typeface="+mn-ea"/>
+                      <a:cs typeface="+mn-cs"/>
+                    </a:defRPr>
+                  </a:lvl2pPr>
+                  <a:lvl3pPr marL="3291279" algn="l" defTabSz="3291279" rtl="0" eaLnBrk="1" latinLnBrk="0" hangingPunct="1">
+                    <a:defRPr sz="6400" kern="1200">
+                      <a:solidFill>
+                        <a:schemeClr val="lt1"/>
+                      </a:solidFill>
+                      <a:latin typeface="+mn-lt"/>
+                      <a:ea typeface="+mn-ea"/>
+                      <a:cs typeface="+mn-cs"/>
+                    </a:defRPr>
+                  </a:lvl3pPr>
+                  <a:lvl4pPr marL="4936919" algn="l" defTabSz="3291279" rtl="0" eaLnBrk="1" latinLnBrk="0" hangingPunct="1">
+                    <a:defRPr sz="6400" kern="1200">
+                      <a:solidFill>
+                        <a:schemeClr val="lt1"/>
+                      </a:solidFill>
+                      <a:latin typeface="+mn-lt"/>
+                      <a:ea typeface="+mn-ea"/>
+                      <a:cs typeface="+mn-cs"/>
+                    </a:defRPr>
+                  </a:lvl4pPr>
+                  <a:lvl5pPr marL="6582559" algn="l" defTabSz="3291279" rtl="0" eaLnBrk="1" latinLnBrk="0" hangingPunct="1">
+                    <a:defRPr sz="6400" kern="1200">
+                      <a:solidFill>
+                        <a:schemeClr val="lt1"/>
+                      </a:solidFill>
+                      <a:latin typeface="+mn-lt"/>
+                      <a:ea typeface="+mn-ea"/>
+                      <a:cs typeface="+mn-cs"/>
+                    </a:defRPr>
+                  </a:lvl5pPr>
+                  <a:lvl6pPr marL="8228198" algn="l" defTabSz="3291279" rtl="0" eaLnBrk="1" latinLnBrk="0" hangingPunct="1">
+                    <a:defRPr sz="6400" kern="1200">
+                      <a:solidFill>
+                        <a:schemeClr val="lt1"/>
+                      </a:solidFill>
+                      <a:latin typeface="+mn-lt"/>
+                      <a:ea typeface="+mn-ea"/>
+                      <a:cs typeface="+mn-cs"/>
+                    </a:defRPr>
+                  </a:lvl6pPr>
+                  <a:lvl7pPr marL="9873837" algn="l" defTabSz="3291279" rtl="0" eaLnBrk="1" latinLnBrk="0" hangingPunct="1">
+                    <a:defRPr sz="6400" kern="1200">
+                      <a:solidFill>
+                        <a:schemeClr val="lt1"/>
+                      </a:solidFill>
+                      <a:latin typeface="+mn-lt"/>
+                      <a:ea typeface="+mn-ea"/>
+                      <a:cs typeface="+mn-cs"/>
+                    </a:defRPr>
+                  </a:lvl7pPr>
+                  <a:lvl8pPr marL="11519478" algn="l" defTabSz="3291279" rtl="0" eaLnBrk="1" latinLnBrk="0" hangingPunct="1">
+                    <a:defRPr sz="6400" kern="1200">
+                      <a:solidFill>
+                        <a:schemeClr val="lt1"/>
+                      </a:solidFill>
+                      <a:latin typeface="+mn-lt"/>
+                      <a:ea typeface="+mn-ea"/>
+                      <a:cs typeface="+mn-cs"/>
+                    </a:defRPr>
+                  </a:lvl8pPr>
+                  <a:lvl9pPr marL="13165118" algn="l" defTabSz="3291279" rtl="0" eaLnBrk="1" latinLnBrk="0" hangingPunct="1">
+                    <a:defRPr sz="6400" kern="1200">
+                      <a:solidFill>
+                        <a:schemeClr val="lt1"/>
+                      </a:solidFill>
+                      <a:latin typeface="+mn-lt"/>
+                      <a:ea typeface="+mn-ea"/>
+                      <a:cs typeface="+mn-cs"/>
+                    </a:defRPr>
+                  </a:lvl9pPr>
+                </a:lstStyle>
+                <a:p>
+                  <a:pPr algn="ctr"/>
+                  <a:endParaRPr lang="zh-CN" altLang="en-US"/>
+                </a:p>
+              </p:txBody>
+            </p:sp>
+            <p:sp>
+              <p:nvSpPr>
+                <p:cNvPr id="12" name="矩形 39"/>
+                <p:cNvSpPr/>
+                <p:nvPr/>
+              </p:nvSpPr>
+              <p:spPr>
+                <a:xfrm>
+                  <a:off x="5705921" y="14630400"/>
+                  <a:ext cx="2447479" cy="3225625"/>
+                </a:xfrm>
+                <a:prstGeom prst="rect">
+                  <a:avLst/>
+                </a:prstGeom>
+                <a:solidFill>
+                  <a:srgbClr val="0070C0">
+                    <a:alpha val="30000"/>
+                  </a:srgbClr>
+                </a:solidFill>
+                <a:ln>
+                  <a:noFill/>
+                </a:ln>
+              </p:spPr>
+              <p:style>
+                <a:lnRef idx="2">
+                  <a:schemeClr val="accent1">
+                    <a:shade val="50000"/>
+                  </a:schemeClr>
+                </a:lnRef>
+                <a:fillRef idx="1">
+                  <a:schemeClr val="accent1"/>
+                </a:fillRef>
+                <a:effectRef idx="0">
+                  <a:schemeClr val="accent1"/>
+                </a:effectRef>
+                <a:fontRef idx="minor">
+                  <a:schemeClr val="lt1"/>
+                </a:fontRef>
+              </p:style>
+              <p:txBody>
+                <a:bodyPr rtlCol="0" anchor="ctr"/>
+                <a:lstStyle>
+                  <a:defPPr>
+                    <a:defRPr lang="en-US"/>
+                  </a:defPPr>
+                  <a:lvl1pPr marL="0" algn="l" defTabSz="3291279" rtl="0" eaLnBrk="1" latinLnBrk="0" hangingPunct="1">
+                    <a:defRPr sz="6400" kern="1200">
+                      <a:solidFill>
+                        <a:schemeClr val="lt1"/>
+                      </a:solidFill>
+                      <a:latin typeface="+mn-lt"/>
+                      <a:ea typeface="+mn-ea"/>
+                      <a:cs typeface="+mn-cs"/>
+                    </a:defRPr>
+                  </a:lvl1pPr>
+                  <a:lvl2pPr marL="1645640" algn="l" defTabSz="3291279" rtl="0" eaLnBrk="1" latinLnBrk="0" hangingPunct="1">
+                    <a:defRPr sz="6400" kern="1200">
+                      <a:solidFill>
+                        <a:schemeClr val="lt1"/>
+                      </a:solidFill>
+                      <a:latin typeface="+mn-lt"/>
+                      <a:ea typeface="+mn-ea"/>
+                      <a:cs typeface="+mn-cs"/>
+                    </a:defRPr>
+                  </a:lvl2pPr>
+                  <a:lvl3pPr marL="3291279" algn="l" defTabSz="3291279" rtl="0" eaLnBrk="1" latinLnBrk="0" hangingPunct="1">
+                    <a:defRPr sz="6400" kern="1200">
+                      <a:solidFill>
+                        <a:schemeClr val="lt1"/>
+                      </a:solidFill>
+                      <a:latin typeface="+mn-lt"/>
+                      <a:ea typeface="+mn-ea"/>
+                      <a:cs typeface="+mn-cs"/>
+                    </a:defRPr>
+                  </a:lvl3pPr>
+                  <a:lvl4pPr marL="4936919" algn="l" defTabSz="3291279" rtl="0" eaLnBrk="1" latinLnBrk="0" hangingPunct="1">
+                    <a:defRPr sz="6400" kern="1200">
+                      <a:solidFill>
+                        <a:schemeClr val="lt1"/>
+                      </a:solidFill>
+                      <a:latin typeface="+mn-lt"/>
+                      <a:ea typeface="+mn-ea"/>
+                      <a:cs typeface="+mn-cs"/>
+                    </a:defRPr>
+                  </a:lvl4pPr>
+                  <a:lvl5pPr marL="6582559" algn="l" defTabSz="3291279" rtl="0" eaLnBrk="1" latinLnBrk="0" hangingPunct="1">
+                    <a:defRPr sz="6400" kern="1200">
+                      <a:solidFill>
+                        <a:schemeClr val="lt1"/>
+                      </a:solidFill>
+                      <a:latin typeface="+mn-lt"/>
+                      <a:ea typeface="+mn-ea"/>
+                      <a:cs typeface="+mn-cs"/>
+                    </a:defRPr>
+                  </a:lvl5pPr>
+                  <a:lvl6pPr marL="8228198" algn="l" defTabSz="3291279" rtl="0" eaLnBrk="1" latinLnBrk="0" hangingPunct="1">
+                    <a:defRPr sz="6400" kern="1200">
+                      <a:solidFill>
+                        <a:schemeClr val="lt1"/>
+                      </a:solidFill>
+                      <a:latin typeface="+mn-lt"/>
+                      <a:ea typeface="+mn-ea"/>
+                      <a:cs typeface="+mn-cs"/>
+                    </a:defRPr>
+                  </a:lvl6pPr>
+                  <a:lvl7pPr marL="9873837" algn="l" defTabSz="3291279" rtl="0" eaLnBrk="1" latinLnBrk="0" hangingPunct="1">
+                    <a:defRPr sz="6400" kern="1200">
+                      <a:solidFill>
+                        <a:schemeClr val="lt1"/>
+                      </a:solidFill>
+                      <a:latin typeface="+mn-lt"/>
+                      <a:ea typeface="+mn-ea"/>
+                      <a:cs typeface="+mn-cs"/>
+                    </a:defRPr>
+                  </a:lvl7pPr>
+                  <a:lvl8pPr marL="11519478" algn="l" defTabSz="3291279" rtl="0" eaLnBrk="1" latinLnBrk="0" hangingPunct="1">
+                    <a:defRPr sz="6400" kern="1200">
+                      <a:solidFill>
+                        <a:schemeClr val="lt1"/>
+                      </a:solidFill>
+                      <a:latin typeface="+mn-lt"/>
+                      <a:ea typeface="+mn-ea"/>
+                      <a:cs typeface="+mn-cs"/>
+                    </a:defRPr>
+                  </a:lvl8pPr>
+                  <a:lvl9pPr marL="13165118" algn="l" defTabSz="3291279" rtl="0" eaLnBrk="1" latinLnBrk="0" hangingPunct="1">
+                    <a:defRPr sz="6400" kern="1200">
+                      <a:solidFill>
+                        <a:schemeClr val="lt1"/>
+                      </a:solidFill>
+                      <a:latin typeface="+mn-lt"/>
+                      <a:ea typeface="+mn-ea"/>
+                      <a:cs typeface="+mn-cs"/>
+                    </a:defRPr>
+                  </a:lvl9pPr>
+                </a:lstStyle>
+                <a:p>
+                  <a:pPr algn="ctr"/>
+                  <a:endParaRPr lang="zh-CN" altLang="en-US"/>
+                </a:p>
+              </p:txBody>
+            </p:sp>
+            <p:sp>
+              <p:nvSpPr>
+                <p:cNvPr id="13" name="矩形 40"/>
+                <p:cNvSpPr/>
+                <p:nvPr/>
+              </p:nvSpPr>
+              <p:spPr>
+                <a:xfrm>
+                  <a:off x="8220521" y="14630400"/>
+                  <a:ext cx="4504879" cy="3225625"/>
+                </a:xfrm>
+                <a:prstGeom prst="rect">
+                  <a:avLst/>
+                </a:prstGeom>
+                <a:solidFill>
+                  <a:srgbClr val="92D050">
+                    <a:alpha val="30000"/>
+                  </a:srgbClr>
+                </a:solidFill>
+                <a:ln>
+                  <a:noFill/>
+                </a:ln>
+              </p:spPr>
+              <p:style>
+                <a:lnRef idx="2">
+                  <a:schemeClr val="accent1">
+                    <a:shade val="50000"/>
+                  </a:schemeClr>
+                </a:lnRef>
+                <a:fillRef idx="1">
+                  <a:schemeClr val="accent1"/>
+                </a:fillRef>
+                <a:effectRef idx="0">
+                  <a:schemeClr val="accent1"/>
+                </a:effectRef>
+                <a:fontRef idx="minor">
+                  <a:schemeClr val="lt1"/>
+                </a:fontRef>
+              </p:style>
+              <p:txBody>
+                <a:bodyPr rtlCol="0" anchor="ctr"/>
+                <a:lstStyle>
+                  <a:defPPr>
+                    <a:defRPr lang="en-US"/>
+                  </a:defPPr>
+                  <a:lvl1pPr marL="0" algn="l" defTabSz="3291279" rtl="0" eaLnBrk="1" latinLnBrk="0" hangingPunct="1">
+                    <a:defRPr sz="6400" kern="1200">
+                      <a:solidFill>
+                        <a:schemeClr val="lt1"/>
+                      </a:solidFill>
+                      <a:latin typeface="+mn-lt"/>
+                      <a:ea typeface="+mn-ea"/>
+                      <a:cs typeface="+mn-cs"/>
+                    </a:defRPr>
+                  </a:lvl1pPr>
+                  <a:lvl2pPr marL="1645640" algn="l" defTabSz="3291279" rtl="0" eaLnBrk="1" latinLnBrk="0" hangingPunct="1">
+                    <a:defRPr sz="6400" kern="1200">
+                      <a:solidFill>
+                        <a:schemeClr val="lt1"/>
+                      </a:solidFill>
+                      <a:latin typeface="+mn-lt"/>
+                      <a:ea typeface="+mn-ea"/>
+                      <a:cs typeface="+mn-cs"/>
+                    </a:defRPr>
+                  </a:lvl2pPr>
+                  <a:lvl3pPr marL="3291279" algn="l" defTabSz="3291279" rtl="0" eaLnBrk="1" latinLnBrk="0" hangingPunct="1">
+                    <a:defRPr sz="6400" kern="1200">
+                      <a:solidFill>
+                        <a:schemeClr val="lt1"/>
+                      </a:solidFill>
+                      <a:latin typeface="+mn-lt"/>
+                      <a:ea typeface="+mn-ea"/>
+                      <a:cs typeface="+mn-cs"/>
+                    </a:defRPr>
+                  </a:lvl3pPr>
+                  <a:lvl4pPr marL="4936919" algn="l" defTabSz="3291279" rtl="0" eaLnBrk="1" latinLnBrk="0" hangingPunct="1">
+                    <a:defRPr sz="6400" kern="1200">
+                      <a:solidFill>
+                        <a:schemeClr val="lt1"/>
+                      </a:solidFill>
+                      <a:latin typeface="+mn-lt"/>
+                      <a:ea typeface="+mn-ea"/>
+                      <a:cs typeface="+mn-cs"/>
+                    </a:defRPr>
+                  </a:lvl4pPr>
+                  <a:lvl5pPr marL="6582559" algn="l" defTabSz="3291279" rtl="0" eaLnBrk="1" latinLnBrk="0" hangingPunct="1">
+                    <a:defRPr sz="6400" kern="1200">
+                      <a:solidFill>
+                        <a:schemeClr val="lt1"/>
+                      </a:solidFill>
+                      <a:latin typeface="+mn-lt"/>
+                      <a:ea typeface="+mn-ea"/>
+                      <a:cs typeface="+mn-cs"/>
+                    </a:defRPr>
+                  </a:lvl5pPr>
+                  <a:lvl6pPr marL="8228198" algn="l" defTabSz="3291279" rtl="0" eaLnBrk="1" latinLnBrk="0" hangingPunct="1">
+                    <a:defRPr sz="6400" kern="1200">
+                      <a:solidFill>
+                        <a:schemeClr val="lt1"/>
+                      </a:solidFill>
+                      <a:latin typeface="+mn-lt"/>
+                      <a:ea typeface="+mn-ea"/>
+                      <a:cs typeface="+mn-cs"/>
+                    </a:defRPr>
+                  </a:lvl6pPr>
+                  <a:lvl7pPr marL="9873837" algn="l" defTabSz="3291279" rtl="0" eaLnBrk="1" latinLnBrk="0" hangingPunct="1">
+                    <a:defRPr sz="6400" kern="1200">
+                      <a:solidFill>
+                        <a:schemeClr val="lt1"/>
+                      </a:solidFill>
+                      <a:latin typeface="+mn-lt"/>
+                      <a:ea typeface="+mn-ea"/>
+                      <a:cs typeface="+mn-cs"/>
+                    </a:defRPr>
+                  </a:lvl7pPr>
+                  <a:lvl8pPr marL="11519478" algn="l" defTabSz="3291279" rtl="0" eaLnBrk="1" latinLnBrk="0" hangingPunct="1">
+                    <a:defRPr sz="6400" kern="1200">
+                      <a:solidFill>
+                        <a:schemeClr val="lt1"/>
+                      </a:solidFill>
+                      <a:latin typeface="+mn-lt"/>
+                      <a:ea typeface="+mn-ea"/>
+                      <a:cs typeface="+mn-cs"/>
+                    </a:defRPr>
+                  </a:lvl8pPr>
+                  <a:lvl9pPr marL="13165118" algn="l" defTabSz="3291279" rtl="0" eaLnBrk="1" latinLnBrk="0" hangingPunct="1">
+                    <a:defRPr sz="6400" kern="1200">
+                      <a:solidFill>
+                        <a:schemeClr val="lt1"/>
+                      </a:solidFill>
+                      <a:latin typeface="+mn-lt"/>
+                      <a:ea typeface="+mn-ea"/>
+                      <a:cs typeface="+mn-cs"/>
+                    </a:defRPr>
+                  </a:lvl9pPr>
+                </a:lstStyle>
+                <a:p>
+                  <a:pPr algn="ctr"/>
+                  <a:endParaRPr lang="zh-CN" altLang="en-US"/>
+                </a:p>
+              </p:txBody>
+            </p:sp>
+            <p:sp>
+              <p:nvSpPr>
+                <p:cNvPr id="14" name="矩形 41"/>
+                <p:cNvSpPr/>
+                <p:nvPr/>
+              </p:nvSpPr>
+              <p:spPr>
+                <a:xfrm>
+                  <a:off x="12792521" y="14630400"/>
+                  <a:ext cx="2439156" cy="3225625"/>
+                </a:xfrm>
+                <a:prstGeom prst="rect">
+                  <a:avLst/>
+                </a:prstGeom>
+                <a:solidFill>
+                  <a:schemeClr val="tx1">
+                    <a:lumMod val="75000"/>
+                    <a:lumOff val="25000"/>
+                    <a:alpha val="30000"/>
+                  </a:schemeClr>
+                </a:solidFill>
+                <a:ln>
+                  <a:noFill/>
+                </a:ln>
+              </p:spPr>
+              <p:style>
+                <a:lnRef idx="2">
+                  <a:schemeClr val="accent1">
+                    <a:shade val="50000"/>
+                  </a:schemeClr>
+                </a:lnRef>
+                <a:fillRef idx="1">
+                  <a:schemeClr val="accent1"/>
+                </a:fillRef>
+                <a:effectRef idx="0">
+                  <a:schemeClr val="accent1"/>
+                </a:effectRef>
+                <a:fontRef idx="minor">
+                  <a:schemeClr val="lt1"/>
+                </a:fontRef>
+              </p:style>
+              <p:txBody>
+                <a:bodyPr rtlCol="0" anchor="ctr"/>
+                <a:lstStyle>
+                  <a:defPPr>
+                    <a:defRPr lang="en-US"/>
+                  </a:defPPr>
+                  <a:lvl1pPr marL="0" algn="l" defTabSz="3291279" rtl="0" eaLnBrk="1" latinLnBrk="0" hangingPunct="1">
+                    <a:defRPr sz="6400" kern="1200">
+                      <a:solidFill>
+                        <a:schemeClr val="lt1"/>
+                      </a:solidFill>
+                      <a:latin typeface="+mn-lt"/>
+                      <a:ea typeface="+mn-ea"/>
+                      <a:cs typeface="+mn-cs"/>
+                    </a:defRPr>
+                  </a:lvl1pPr>
+                  <a:lvl2pPr marL="1645640" algn="l" defTabSz="3291279" rtl="0" eaLnBrk="1" latinLnBrk="0" hangingPunct="1">
+                    <a:defRPr sz="6400" kern="1200">
+                      <a:solidFill>
+                        <a:schemeClr val="lt1"/>
+                      </a:solidFill>
+                      <a:latin typeface="+mn-lt"/>
+                      <a:ea typeface="+mn-ea"/>
+                      <a:cs typeface="+mn-cs"/>
+                    </a:defRPr>
+                  </a:lvl2pPr>
+                  <a:lvl3pPr marL="3291279" algn="l" defTabSz="3291279" rtl="0" eaLnBrk="1" latinLnBrk="0" hangingPunct="1">
+                    <a:defRPr sz="6400" kern="1200">
+                      <a:solidFill>
+                        <a:schemeClr val="lt1"/>
+                      </a:solidFill>
+                      <a:latin typeface="+mn-lt"/>
+                      <a:ea typeface="+mn-ea"/>
+                      <a:cs typeface="+mn-cs"/>
+                    </a:defRPr>
+                  </a:lvl3pPr>
+                  <a:lvl4pPr marL="4936919" algn="l" defTabSz="3291279" rtl="0" eaLnBrk="1" latinLnBrk="0" hangingPunct="1">
+                    <a:defRPr sz="6400" kern="1200">
+                      <a:solidFill>
+                        <a:schemeClr val="lt1"/>
+                      </a:solidFill>
+                      <a:latin typeface="+mn-lt"/>
+                      <a:ea typeface="+mn-ea"/>
+                      <a:cs typeface="+mn-cs"/>
+                    </a:defRPr>
+                  </a:lvl4pPr>
+                  <a:lvl5pPr marL="6582559" algn="l" defTabSz="3291279" rtl="0" eaLnBrk="1" latinLnBrk="0" hangingPunct="1">
+                    <a:defRPr sz="6400" kern="1200">
+                      <a:solidFill>
+                        <a:schemeClr val="lt1"/>
+                      </a:solidFill>
+                      <a:latin typeface="+mn-lt"/>
+                      <a:ea typeface="+mn-ea"/>
+                      <a:cs typeface="+mn-cs"/>
+                    </a:defRPr>
+                  </a:lvl5pPr>
+                  <a:lvl6pPr marL="8228198" algn="l" defTabSz="3291279" rtl="0" eaLnBrk="1" latinLnBrk="0" hangingPunct="1">
+                    <a:defRPr sz="6400" kern="1200">
+                      <a:solidFill>
+                        <a:schemeClr val="lt1"/>
+                      </a:solidFill>
+                      <a:latin typeface="+mn-lt"/>
+                      <a:ea typeface="+mn-ea"/>
+                      <a:cs typeface="+mn-cs"/>
+                    </a:defRPr>
+                  </a:lvl6pPr>
+                  <a:lvl7pPr marL="9873837" algn="l" defTabSz="3291279" rtl="0" eaLnBrk="1" latinLnBrk="0" hangingPunct="1">
+                    <a:defRPr sz="6400" kern="1200">
+                      <a:solidFill>
+                        <a:schemeClr val="lt1"/>
+                      </a:solidFill>
+                      <a:latin typeface="+mn-lt"/>
+                      <a:ea typeface="+mn-ea"/>
+                      <a:cs typeface="+mn-cs"/>
+                    </a:defRPr>
+                  </a:lvl7pPr>
+                  <a:lvl8pPr marL="11519478" algn="l" defTabSz="3291279" rtl="0" eaLnBrk="1" latinLnBrk="0" hangingPunct="1">
+                    <a:defRPr sz="6400" kern="1200">
+                      <a:solidFill>
+                        <a:schemeClr val="lt1"/>
+                      </a:solidFill>
+                      <a:latin typeface="+mn-lt"/>
+                      <a:ea typeface="+mn-ea"/>
+                      <a:cs typeface="+mn-cs"/>
+                    </a:defRPr>
+                  </a:lvl8pPr>
+                  <a:lvl9pPr marL="13165118" algn="l" defTabSz="3291279" rtl="0" eaLnBrk="1" latinLnBrk="0" hangingPunct="1">
+                    <a:defRPr sz="6400" kern="1200">
+                      <a:solidFill>
+                        <a:schemeClr val="lt1"/>
+                      </a:solidFill>
+                      <a:latin typeface="+mn-lt"/>
+                      <a:ea typeface="+mn-ea"/>
+                      <a:cs typeface="+mn-cs"/>
+                    </a:defRPr>
+                  </a:lvl9pPr>
+                </a:lstStyle>
+                <a:p>
+                  <a:pPr algn="ctr"/>
+                  <a:endParaRPr lang="zh-CN" altLang="en-US"/>
+                </a:p>
+              </p:txBody>
+            </p:sp>
+          </p:grpSp>
+          <p:pic>
+            <p:nvPicPr>
+              <p:cNvPr id="9" name="图片 42"/>
+              <p:cNvPicPr>
+                <a:picLocks noChangeAspect="1"/>
+              </p:cNvPicPr>
+              <p:nvPr/>
+            </p:nvPicPr>
+            <p:blipFill>
+              <a:blip r:embed="rId2">
+                <a:extLst>
+                  <a:ext uri="{28A0092B-C50C-407E-A947-70E740481C1C}">
+                    <a14:useLocalDpi xmlns:a14="http://schemas.microsoft.com/office/drawing/2010/main" val="0"/>
+                  </a:ext>
+                </a:extLst>
+              </a:blip>
+              <a:stretch>
+                <a:fillRect/>
+              </a:stretch>
+            </p:blipFill>
+            <p:spPr>
+              <a:xfrm>
+                <a:off x="3129040" y="8895945"/>
+                <a:ext cx="5774190" cy="2123997"/>
+              </a:xfrm>
+              <a:prstGeom prst="rect">
+                <a:avLst/>
+              </a:prstGeom>
+            </p:spPr>
+          </p:pic>
+        </p:grpSp>
+        <p:sp>
+          <p:nvSpPr>
+            <p:cNvPr id="16" name="文本框 15"/>
+            <p:cNvSpPr txBox="1"/>
+            <p:nvPr/>
+          </p:nvSpPr>
+          <p:spPr>
+            <a:xfrm>
+              <a:off x="4224828" y="3640512"/>
+              <a:ext cx="1385188" cy="276999"/>
+            </a:xfrm>
+            <a:prstGeom prst="rect">
+              <a:avLst/>
+            </a:prstGeom>
+            <a:noFill/>
+          </p:spPr>
+          <p:txBody>
+            <a:bodyPr wrap="square" rtlCol="0">
+              <a:spAutoFit/>
+            </a:bodyPr>
+            <a:lstStyle/>
+            <a:p>
+              <a:r>
+                <a:rPr lang="en-US" altLang="zh-CN" sz="1200" dirty="0" smtClean="0"/>
+                <a:t>Speaker 1</a:t>
+              </a:r>
+              <a:endParaRPr lang="zh-CN" altLang="en-US" sz="1200" dirty="0"/>
+            </a:p>
+          </p:txBody>
+        </p:sp>
+        <p:sp>
+          <p:nvSpPr>
+            <p:cNvPr id="17" name="文本框 16"/>
+            <p:cNvSpPr txBox="1"/>
+            <p:nvPr/>
+          </p:nvSpPr>
+          <p:spPr>
+            <a:xfrm>
+              <a:off x="5495604" y="3640512"/>
+              <a:ext cx="1385188" cy="276999"/>
+            </a:xfrm>
+            <a:prstGeom prst="rect">
+              <a:avLst/>
+            </a:prstGeom>
+            <a:noFill/>
+          </p:spPr>
+          <p:txBody>
+            <a:bodyPr wrap="square" rtlCol="0">
+              <a:spAutoFit/>
+            </a:bodyPr>
+            <a:lstStyle/>
+            <a:p>
+              <a:r>
+                <a:rPr lang="en-US" altLang="zh-CN" sz="1200" dirty="0" smtClean="0"/>
+                <a:t>Speaker 1</a:t>
+              </a:r>
+              <a:endParaRPr lang="zh-CN" altLang="en-US" sz="1200" dirty="0"/>
+            </a:p>
+          </p:txBody>
+        </p:sp>
+        <p:sp>
+          <p:nvSpPr>
+            <p:cNvPr id="18" name="文本框 17"/>
+            <p:cNvSpPr txBox="1"/>
+            <p:nvPr/>
+          </p:nvSpPr>
+          <p:spPr>
+            <a:xfrm>
+              <a:off x="4790180" y="2541385"/>
+              <a:ext cx="1385188" cy="276999"/>
+            </a:xfrm>
+            <a:prstGeom prst="rect">
+              <a:avLst/>
+            </a:prstGeom>
+            <a:noFill/>
+          </p:spPr>
+          <p:txBody>
+            <a:bodyPr wrap="square" rtlCol="0">
+              <a:spAutoFit/>
+            </a:bodyPr>
+            <a:lstStyle/>
+            <a:p>
+              <a:r>
+                <a:rPr lang="en-US" altLang="zh-CN" sz="1200" dirty="0" smtClean="0"/>
+                <a:t>Speaker 2</a:t>
+              </a:r>
+              <a:endParaRPr lang="zh-CN" altLang="en-US" sz="1200" dirty="0"/>
+            </a:p>
+          </p:txBody>
+        </p:sp>
+        <p:sp>
+          <p:nvSpPr>
+            <p:cNvPr id="19" name="文本框 18"/>
+            <p:cNvSpPr txBox="1"/>
+            <p:nvPr/>
+          </p:nvSpPr>
+          <p:spPr>
+            <a:xfrm>
+              <a:off x="6203439" y="2541384"/>
+              <a:ext cx="1385188" cy="276999"/>
+            </a:xfrm>
+            <a:prstGeom prst="rect">
+              <a:avLst/>
+            </a:prstGeom>
+            <a:noFill/>
+          </p:spPr>
+          <p:txBody>
+            <a:bodyPr wrap="square" rtlCol="0">
+              <a:spAutoFit/>
+            </a:bodyPr>
+            <a:lstStyle/>
+            <a:p>
+              <a:r>
+                <a:rPr lang="en-US" altLang="zh-CN" sz="1200" dirty="0" smtClean="0"/>
+                <a:t>Speaker 3</a:t>
+              </a:r>
+              <a:endParaRPr lang="zh-CN" altLang="en-US" sz="1200" dirty="0"/>
+            </a:p>
+          </p:txBody>
+        </p:sp>
+        <p:sp>
+          <p:nvSpPr>
+            <p:cNvPr id="20" name="文本框 19"/>
+            <p:cNvSpPr txBox="1"/>
+            <p:nvPr/>
+          </p:nvSpPr>
+          <p:spPr>
+            <a:xfrm>
+              <a:off x="7159094" y="3640511"/>
+              <a:ext cx="1385188" cy="276999"/>
+            </a:xfrm>
+            <a:prstGeom prst="rect">
+              <a:avLst/>
+            </a:prstGeom>
+            <a:noFill/>
+          </p:spPr>
+          <p:txBody>
+            <a:bodyPr wrap="square" rtlCol="0">
+              <a:spAutoFit/>
+            </a:bodyPr>
+            <a:lstStyle/>
+            <a:p>
+              <a:r>
+                <a:rPr lang="en-US" altLang="zh-CN" sz="1200" dirty="0" smtClean="0"/>
+                <a:t>Speaker 4</a:t>
+              </a:r>
+              <a:endParaRPr lang="zh-CN" altLang="en-US" sz="1200" dirty="0"/>
+            </a:p>
+          </p:txBody>
+        </p:sp>
+        <p:sp>
+          <p:nvSpPr>
+            <p:cNvPr id="21" name="TextBox 20"/>
+            <p:cNvSpPr txBox="1"/>
+            <p:nvPr/>
+          </p:nvSpPr>
+          <p:spPr>
+            <a:xfrm>
+              <a:off x="4601170" y="1676400"/>
+              <a:ext cx="2971800" cy="276999"/>
+            </a:xfrm>
+            <a:prstGeom prst="rect">
+              <a:avLst/>
+            </a:prstGeom>
+            <a:ln>
+              <a:noFill/>
+            </a:ln>
+          </p:spPr>
+          <p:style>
+            <a:lnRef idx="2">
+              <a:schemeClr val="dk1"/>
+            </a:lnRef>
+            <a:fillRef idx="1">
+              <a:schemeClr val="lt1"/>
+            </a:fillRef>
+            <a:effectRef idx="0">
+              <a:schemeClr val="dk1"/>
+            </a:effectRef>
+            <a:fontRef idx="minor">
+              <a:schemeClr val="dk1"/>
+            </a:fontRef>
+          </p:style>
+          <p:txBody>
+            <a:bodyPr wrap="square" rtlCol="0">
+              <a:spAutoFit/>
+            </a:bodyPr>
+            <a:lstStyle/>
+            <a:p>
+              <a:pPr algn="ctr"/>
+              <a:r>
+                <a:rPr lang="en-US" sz="1200" dirty="0" smtClean="0"/>
+                <a:t>Speaker diarization system</a:t>
+              </a:r>
+            </a:p>
+          </p:txBody>
+        </p:sp>
+        <p:cxnSp>
+          <p:nvCxnSpPr>
+            <p:cNvPr id="26" name="Straight Arrow Connector 25"/>
+            <p:cNvCxnSpPr>
+              <a:stCxn id="6" idx="2"/>
+              <a:endCxn id="21" idx="0"/>
+            </p:cNvCxnSpPr>
+            <p:nvPr/>
+          </p:nvCxnSpPr>
+          <p:spPr>
+            <a:xfrm>
+              <a:off x="6087070" y="1166190"/>
+              <a:ext cx="0" cy="510210"/>
+            </a:xfrm>
+            <a:prstGeom prst="straightConnector1">
+              <a:avLst/>
+            </a:prstGeom>
+            <a:ln w="9525">
+              <a:solidFill>
+                <a:srgbClr val="000000"/>
+              </a:solidFill>
+              <a:tailEnd type="arrow"/>
+            </a:ln>
+          </p:spPr>
+          <p:style>
+            <a:lnRef idx="1">
+              <a:schemeClr val="dk1"/>
+            </a:lnRef>
+            <a:fillRef idx="0">
+              <a:schemeClr val="dk1"/>
+            </a:fillRef>
+            <a:effectRef idx="0">
+              <a:schemeClr val="dk1"/>
+            </a:effectRef>
+            <a:fontRef idx="minor">
+              <a:schemeClr val="tx1"/>
+            </a:fontRef>
+          </p:style>
+        </p:cxnSp>
+        <p:cxnSp>
+          <p:nvCxnSpPr>
+            <p:cNvPr id="28" name="Straight Arrow Connector 27"/>
+            <p:cNvCxnSpPr/>
+            <p:nvPr/>
+          </p:nvCxnSpPr>
+          <p:spPr>
+            <a:xfrm flipH="1">
+              <a:off x="6087071" y="2107320"/>
+              <a:ext cx="7537" cy="434066"/>
+            </a:xfrm>
+            <a:prstGeom prst="straightConnector1">
+              <a:avLst/>
+            </a:prstGeom>
+            <a:ln w="9525">
+              <a:solidFill>
+                <a:srgbClr val="000000"/>
+              </a:solidFill>
+              <a:tailEnd type="arrow"/>
+            </a:ln>
+          </p:spPr>
+          <p:style>
+            <a:lnRef idx="1">
+              <a:schemeClr val="dk1"/>
+            </a:lnRef>
+            <a:fillRef idx="0">
+              <a:schemeClr val="dk1"/>
+            </a:fillRef>
+            <a:effectRef idx="0">
+              <a:schemeClr val="dk1"/>
+            </a:effectRef>
+            <a:fontRef idx="minor">
+              <a:schemeClr val="tx1"/>
+            </a:fontRef>
+          </p:style>
+        </p:cxnSp>
+      </p:grpSp>
+    </p:spTree>
+    <p:extLst>
+      <p:ext uri="{BB962C8B-B14F-4D97-AF65-F5344CB8AC3E}">
+        <p14:creationId xmlns:p14="http://schemas.microsoft.com/office/powerpoint/2010/main" val="3929981115"/>
+      </p:ext>
+    </p:extLst>
+  </p:cSld>
+  <p:clrMapOvr>
+    <a:masterClrMapping/>
+  </p:clrMapOvr>
+</p:sld>
+</file>
+
+<file path=ppt/slides/slide21.xml><?xml version="1.0" encoding="utf-8"?>
+<p:sld xmlns:a="http://schemas.openxmlformats.org/drawingml/2006/main" xmlns:r="http://schemas.openxmlformats.org/officeDocument/2006/relationships" xmlns:p="http://schemas.openxmlformats.org/presentationml/2006/main">
+  <p:cSld>
+    <p:spTree>
+      <p:nvGrpSpPr>
+        <p:cNvPr id="1" name=""/>
+        <p:cNvGrpSpPr/>
+        <p:nvPr/>
+      </p:nvGrpSpPr>
+      <p:grpSpPr>
+        <a:xfrm>
+          <a:off x="0" y="0"/>
+          <a:ext cx="0" cy="0"/>
+          <a:chOff x="0" y="0"/>
+          <a:chExt cx="0" cy="0"/>
+        </a:xfrm>
+      </p:grpSpPr>
+      <p:sp>
+        <p:nvSpPr>
+          <p:cNvPr id="4" name="Footer Placeholder 3"/>
+          <p:cNvSpPr>
+            <a:spLocks noGrp="1"/>
+          </p:cNvSpPr>
+          <p:nvPr>
+            <p:ph type="ftr" sz="quarter" idx="11"/>
+          </p:nvPr>
+        </p:nvSpPr>
+        <p:spPr/>
+        <p:txBody>
+          <a:bodyPr/>
+          <a:lstStyle/>
+          <a:p>
+            <a:endParaRPr lang="en-US"/>
+          </a:p>
+        </p:txBody>
+      </p:sp>
+      <p:sp>
+        <p:nvSpPr>
+          <p:cNvPr id="5" name="Slide Number Placeholder 4"/>
+          <p:cNvSpPr>
+            <a:spLocks noGrp="1"/>
+          </p:cNvSpPr>
+          <p:nvPr>
+            <p:ph type="sldNum" sz="quarter" idx="12"/>
+          </p:nvPr>
+        </p:nvSpPr>
+        <p:spPr/>
+        <p:txBody>
+          <a:bodyPr/>
+          <a:lstStyle/>
+          <a:p>
+            <a:fld id="{0E0E5D40-17DD-4190-869C-D3EB7431A77E}" type="slidenum">
+              <a:rPr lang="en-US" smtClean="0"/>
+              <a:t>21</a:t>
+            </a:fld>
+            <a:endParaRPr lang="en-US"/>
+          </a:p>
+        </p:txBody>
+      </p:sp>
+      <p:grpSp>
+        <p:nvGrpSpPr>
+          <p:cNvPr id="34" name="Group 33"/>
+          <p:cNvGrpSpPr/>
+          <p:nvPr/>
+        </p:nvGrpSpPr>
+        <p:grpSpPr>
+          <a:xfrm>
+            <a:off x="723900" y="1219200"/>
+            <a:ext cx="5266861" cy="1146686"/>
+            <a:chOff x="713607" y="990600"/>
+            <a:chExt cx="5266861" cy="1146686"/>
+          </a:xfrm>
+        </p:grpSpPr>
+        <p:grpSp>
+          <p:nvGrpSpPr>
+            <p:cNvPr id="17" name="Group 16"/>
+            <p:cNvGrpSpPr/>
+            <p:nvPr/>
+          </p:nvGrpSpPr>
+          <p:grpSpPr>
+            <a:xfrm>
+              <a:off x="713607" y="990600"/>
+              <a:ext cx="5266861" cy="1146686"/>
+              <a:chOff x="3200400" y="8880771"/>
+              <a:chExt cx="5702828" cy="2123997"/>
+            </a:xfrm>
+          </p:grpSpPr>
+          <p:pic>
+            <p:nvPicPr>
+              <p:cNvPr id="27" name="图片 42"/>
+              <p:cNvPicPr>
+                <a:picLocks noChangeAspect="1"/>
+              </p:cNvPicPr>
+              <p:nvPr/>
+            </p:nvPicPr>
+            <p:blipFill>
+              <a:blip r:embed="rId2">
+                <a:extLst>
+                  <a:ext uri="{28A0092B-C50C-407E-A947-70E740481C1C}">
+                    <a14:useLocalDpi xmlns:a14="http://schemas.microsoft.com/office/drawing/2010/main" val="0"/>
+                  </a:ext>
+                </a:extLst>
+              </a:blip>
+              <a:stretch>
+                <a:fillRect/>
+              </a:stretch>
+            </p:blipFill>
+            <p:spPr>
+              <a:xfrm>
+                <a:off x="3211545" y="8880771"/>
+                <a:ext cx="5691683" cy="2123997"/>
+              </a:xfrm>
+              <a:prstGeom prst="rect">
+                <a:avLst/>
+              </a:prstGeom>
+            </p:spPr>
+          </p:pic>
+          <p:grpSp>
+            <p:nvGrpSpPr>
+              <p:cNvPr id="26" name="组合 30"/>
+              <p:cNvGrpSpPr/>
+              <p:nvPr/>
+            </p:nvGrpSpPr>
+            <p:grpSpPr>
+              <a:xfrm>
+                <a:off x="3200400" y="9355846"/>
+                <a:ext cx="5702828" cy="1232352"/>
+                <a:chOff x="304800" y="14630400"/>
+                <a:chExt cx="14926875" cy="3225625"/>
+              </a:xfrm>
+            </p:grpSpPr>
+            <p:sp>
+              <p:nvSpPr>
+                <p:cNvPr id="28" name="矩形 37"/>
+                <p:cNvSpPr/>
+                <p:nvPr/>
+              </p:nvSpPr>
+              <p:spPr>
+                <a:xfrm>
+                  <a:off x="304800" y="14630400"/>
+                  <a:ext cx="1990279" cy="3225625"/>
+                </a:xfrm>
+                <a:prstGeom prst="rect">
+                  <a:avLst/>
+                </a:prstGeom>
+                <a:solidFill>
+                  <a:srgbClr val="0070C0">
+                    <a:alpha val="30000"/>
+                  </a:srgbClr>
+                </a:solidFill>
+                <a:ln>
+                  <a:noFill/>
+                </a:ln>
+              </p:spPr>
+              <p:style>
+                <a:lnRef idx="2">
+                  <a:schemeClr val="accent1">
+                    <a:shade val="50000"/>
+                  </a:schemeClr>
+                </a:lnRef>
+                <a:fillRef idx="1">
+                  <a:schemeClr val="accent1"/>
+                </a:fillRef>
+                <a:effectRef idx="0">
+                  <a:schemeClr val="accent1"/>
+                </a:effectRef>
+                <a:fontRef idx="minor">
+                  <a:schemeClr val="lt1"/>
+                </a:fontRef>
+              </p:style>
+              <p:txBody>
+                <a:bodyPr rtlCol="0" anchor="ctr"/>
+                <a:lstStyle>
+                  <a:defPPr>
+                    <a:defRPr lang="en-US"/>
+                  </a:defPPr>
+                  <a:lvl1pPr marL="0" algn="l" defTabSz="3291279" rtl="0" eaLnBrk="1" latinLnBrk="0" hangingPunct="1">
+                    <a:defRPr sz="6400" kern="1200">
+                      <a:solidFill>
+                        <a:schemeClr val="lt1"/>
+                      </a:solidFill>
+                      <a:latin typeface="+mn-lt"/>
+                      <a:ea typeface="+mn-ea"/>
+                      <a:cs typeface="+mn-cs"/>
+                    </a:defRPr>
+                  </a:lvl1pPr>
+                  <a:lvl2pPr marL="1645640" algn="l" defTabSz="3291279" rtl="0" eaLnBrk="1" latinLnBrk="0" hangingPunct="1">
+                    <a:defRPr sz="6400" kern="1200">
+                      <a:solidFill>
+                        <a:schemeClr val="lt1"/>
+                      </a:solidFill>
+                      <a:latin typeface="+mn-lt"/>
+                      <a:ea typeface="+mn-ea"/>
+                      <a:cs typeface="+mn-cs"/>
+                    </a:defRPr>
+                  </a:lvl2pPr>
+                  <a:lvl3pPr marL="3291279" algn="l" defTabSz="3291279" rtl="0" eaLnBrk="1" latinLnBrk="0" hangingPunct="1">
+                    <a:defRPr sz="6400" kern="1200">
+                      <a:solidFill>
+                        <a:schemeClr val="lt1"/>
+                      </a:solidFill>
+                      <a:latin typeface="+mn-lt"/>
+                      <a:ea typeface="+mn-ea"/>
+                      <a:cs typeface="+mn-cs"/>
+                    </a:defRPr>
+                  </a:lvl3pPr>
+                  <a:lvl4pPr marL="4936919" algn="l" defTabSz="3291279" rtl="0" eaLnBrk="1" latinLnBrk="0" hangingPunct="1">
+                    <a:defRPr sz="6400" kern="1200">
+                      <a:solidFill>
+                        <a:schemeClr val="lt1"/>
+                      </a:solidFill>
+                      <a:latin typeface="+mn-lt"/>
+                      <a:ea typeface="+mn-ea"/>
+                      <a:cs typeface="+mn-cs"/>
+                    </a:defRPr>
+                  </a:lvl4pPr>
+                  <a:lvl5pPr marL="6582559" algn="l" defTabSz="3291279" rtl="0" eaLnBrk="1" latinLnBrk="0" hangingPunct="1">
+                    <a:defRPr sz="6400" kern="1200">
+                      <a:solidFill>
+                        <a:schemeClr val="lt1"/>
+                      </a:solidFill>
+                      <a:latin typeface="+mn-lt"/>
+                      <a:ea typeface="+mn-ea"/>
+                      <a:cs typeface="+mn-cs"/>
+                    </a:defRPr>
+                  </a:lvl5pPr>
+                  <a:lvl6pPr marL="8228198" algn="l" defTabSz="3291279" rtl="0" eaLnBrk="1" latinLnBrk="0" hangingPunct="1">
+                    <a:defRPr sz="6400" kern="1200">
+                      <a:solidFill>
+                        <a:schemeClr val="lt1"/>
+                      </a:solidFill>
+                      <a:latin typeface="+mn-lt"/>
+                      <a:ea typeface="+mn-ea"/>
+                      <a:cs typeface="+mn-cs"/>
+                    </a:defRPr>
+                  </a:lvl6pPr>
+                  <a:lvl7pPr marL="9873837" algn="l" defTabSz="3291279" rtl="0" eaLnBrk="1" latinLnBrk="0" hangingPunct="1">
+                    <a:defRPr sz="6400" kern="1200">
+                      <a:solidFill>
+                        <a:schemeClr val="lt1"/>
+                      </a:solidFill>
+                      <a:latin typeface="+mn-lt"/>
+                      <a:ea typeface="+mn-ea"/>
+                      <a:cs typeface="+mn-cs"/>
+                    </a:defRPr>
+                  </a:lvl7pPr>
+                  <a:lvl8pPr marL="11519478" algn="l" defTabSz="3291279" rtl="0" eaLnBrk="1" latinLnBrk="0" hangingPunct="1">
+                    <a:defRPr sz="6400" kern="1200">
+                      <a:solidFill>
+                        <a:schemeClr val="lt1"/>
+                      </a:solidFill>
+                      <a:latin typeface="+mn-lt"/>
+                      <a:ea typeface="+mn-ea"/>
+                      <a:cs typeface="+mn-cs"/>
+                    </a:defRPr>
+                  </a:lvl8pPr>
+                  <a:lvl9pPr marL="13165118" algn="l" defTabSz="3291279" rtl="0" eaLnBrk="1" latinLnBrk="0" hangingPunct="1">
+                    <a:defRPr sz="6400" kern="1200">
+                      <a:solidFill>
+                        <a:schemeClr val="lt1"/>
+                      </a:solidFill>
+                      <a:latin typeface="+mn-lt"/>
+                      <a:ea typeface="+mn-ea"/>
+                      <a:cs typeface="+mn-cs"/>
+                    </a:defRPr>
+                  </a:lvl9pPr>
+                </a:lstStyle>
+                <a:p>
+                  <a:pPr algn="ctr"/>
+                  <a:endParaRPr lang="zh-CN" altLang="en-US"/>
+                </a:p>
+              </p:txBody>
+            </p:sp>
+            <p:sp>
+              <p:nvSpPr>
+                <p:cNvPr id="29" name="矩形 38"/>
+                <p:cNvSpPr/>
+                <p:nvPr/>
+              </p:nvSpPr>
+              <p:spPr>
+                <a:xfrm>
+                  <a:off x="2353121" y="14630400"/>
+                  <a:ext cx="3285679" cy="3225625"/>
+                </a:xfrm>
+                <a:prstGeom prst="rect">
+                  <a:avLst/>
+                </a:prstGeom>
+                <a:solidFill>
+                  <a:srgbClr val="FF0000">
+                    <a:alpha val="30000"/>
+                  </a:srgbClr>
+                </a:solidFill>
+                <a:ln>
+                  <a:noFill/>
+                </a:ln>
+              </p:spPr>
+              <p:style>
+                <a:lnRef idx="2">
+                  <a:schemeClr val="accent1">
+                    <a:shade val="50000"/>
+                  </a:schemeClr>
+                </a:lnRef>
+                <a:fillRef idx="1">
+                  <a:schemeClr val="accent1"/>
+                </a:fillRef>
+                <a:effectRef idx="0">
+                  <a:schemeClr val="accent1"/>
+                </a:effectRef>
+                <a:fontRef idx="minor">
+                  <a:schemeClr val="lt1"/>
+                </a:fontRef>
+              </p:style>
+              <p:txBody>
+                <a:bodyPr rtlCol="0" anchor="ctr"/>
+                <a:lstStyle>
+                  <a:defPPr>
+                    <a:defRPr lang="en-US"/>
+                  </a:defPPr>
+                  <a:lvl1pPr marL="0" algn="l" defTabSz="3291279" rtl="0" eaLnBrk="1" latinLnBrk="0" hangingPunct="1">
+                    <a:defRPr sz="6400" kern="1200">
+                      <a:solidFill>
+                        <a:schemeClr val="lt1"/>
+                      </a:solidFill>
+                      <a:latin typeface="+mn-lt"/>
+                      <a:ea typeface="+mn-ea"/>
+                      <a:cs typeface="+mn-cs"/>
+                    </a:defRPr>
+                  </a:lvl1pPr>
+                  <a:lvl2pPr marL="1645640" algn="l" defTabSz="3291279" rtl="0" eaLnBrk="1" latinLnBrk="0" hangingPunct="1">
+                    <a:defRPr sz="6400" kern="1200">
+                      <a:solidFill>
+                        <a:schemeClr val="lt1"/>
+                      </a:solidFill>
+                      <a:latin typeface="+mn-lt"/>
+                      <a:ea typeface="+mn-ea"/>
+                      <a:cs typeface="+mn-cs"/>
+                    </a:defRPr>
+                  </a:lvl2pPr>
+                  <a:lvl3pPr marL="3291279" algn="l" defTabSz="3291279" rtl="0" eaLnBrk="1" latinLnBrk="0" hangingPunct="1">
+                    <a:defRPr sz="6400" kern="1200">
+                      <a:solidFill>
+                        <a:schemeClr val="lt1"/>
+                      </a:solidFill>
+                      <a:latin typeface="+mn-lt"/>
+                      <a:ea typeface="+mn-ea"/>
+                      <a:cs typeface="+mn-cs"/>
+                    </a:defRPr>
+                  </a:lvl3pPr>
+                  <a:lvl4pPr marL="4936919" algn="l" defTabSz="3291279" rtl="0" eaLnBrk="1" latinLnBrk="0" hangingPunct="1">
+                    <a:defRPr sz="6400" kern="1200">
+                      <a:solidFill>
+                        <a:schemeClr val="lt1"/>
+                      </a:solidFill>
+                      <a:latin typeface="+mn-lt"/>
+                      <a:ea typeface="+mn-ea"/>
+                      <a:cs typeface="+mn-cs"/>
+                    </a:defRPr>
+                  </a:lvl4pPr>
+                  <a:lvl5pPr marL="6582559" algn="l" defTabSz="3291279" rtl="0" eaLnBrk="1" latinLnBrk="0" hangingPunct="1">
+                    <a:defRPr sz="6400" kern="1200">
+                      <a:solidFill>
+                        <a:schemeClr val="lt1"/>
+                      </a:solidFill>
+                      <a:latin typeface="+mn-lt"/>
+                      <a:ea typeface="+mn-ea"/>
+                      <a:cs typeface="+mn-cs"/>
+                    </a:defRPr>
+                  </a:lvl5pPr>
+                  <a:lvl6pPr marL="8228198" algn="l" defTabSz="3291279" rtl="0" eaLnBrk="1" latinLnBrk="0" hangingPunct="1">
+                    <a:defRPr sz="6400" kern="1200">
+                      <a:solidFill>
+                        <a:schemeClr val="lt1"/>
+                      </a:solidFill>
+                      <a:latin typeface="+mn-lt"/>
+                      <a:ea typeface="+mn-ea"/>
+                      <a:cs typeface="+mn-cs"/>
+                    </a:defRPr>
+                  </a:lvl6pPr>
+                  <a:lvl7pPr marL="9873837" algn="l" defTabSz="3291279" rtl="0" eaLnBrk="1" latinLnBrk="0" hangingPunct="1">
+                    <a:defRPr sz="6400" kern="1200">
+                      <a:solidFill>
+                        <a:schemeClr val="lt1"/>
+                      </a:solidFill>
+                      <a:latin typeface="+mn-lt"/>
+                      <a:ea typeface="+mn-ea"/>
+                      <a:cs typeface="+mn-cs"/>
+                    </a:defRPr>
+                  </a:lvl7pPr>
+                  <a:lvl8pPr marL="11519478" algn="l" defTabSz="3291279" rtl="0" eaLnBrk="1" latinLnBrk="0" hangingPunct="1">
+                    <a:defRPr sz="6400" kern="1200">
+                      <a:solidFill>
+                        <a:schemeClr val="lt1"/>
+                      </a:solidFill>
+                      <a:latin typeface="+mn-lt"/>
+                      <a:ea typeface="+mn-ea"/>
+                      <a:cs typeface="+mn-cs"/>
+                    </a:defRPr>
+                  </a:lvl8pPr>
+                  <a:lvl9pPr marL="13165118" algn="l" defTabSz="3291279" rtl="0" eaLnBrk="1" latinLnBrk="0" hangingPunct="1">
+                    <a:defRPr sz="6400" kern="1200">
+                      <a:solidFill>
+                        <a:schemeClr val="lt1"/>
+                      </a:solidFill>
+                      <a:latin typeface="+mn-lt"/>
+                      <a:ea typeface="+mn-ea"/>
+                      <a:cs typeface="+mn-cs"/>
+                    </a:defRPr>
+                  </a:lvl9pPr>
+                </a:lstStyle>
+                <a:p>
+                  <a:pPr algn="ctr"/>
+                  <a:endParaRPr lang="zh-CN" altLang="en-US"/>
+                </a:p>
+              </p:txBody>
+            </p:sp>
+            <p:sp>
+              <p:nvSpPr>
+                <p:cNvPr id="30" name="矩形 39"/>
+                <p:cNvSpPr/>
+                <p:nvPr/>
+              </p:nvSpPr>
+              <p:spPr>
+                <a:xfrm>
+                  <a:off x="5705921" y="14630400"/>
+                  <a:ext cx="2294608" cy="3225625"/>
+                </a:xfrm>
+                <a:prstGeom prst="rect">
+                  <a:avLst/>
+                </a:prstGeom>
+                <a:solidFill>
+                  <a:srgbClr val="0070C0">
+                    <a:alpha val="30000"/>
+                  </a:srgbClr>
+                </a:solidFill>
+                <a:ln>
+                  <a:noFill/>
+                </a:ln>
+              </p:spPr>
+              <p:style>
+                <a:lnRef idx="2">
+                  <a:schemeClr val="accent1">
+                    <a:shade val="50000"/>
+                  </a:schemeClr>
+                </a:lnRef>
+                <a:fillRef idx="1">
+                  <a:schemeClr val="accent1"/>
+                </a:fillRef>
+                <a:effectRef idx="0">
+                  <a:schemeClr val="accent1"/>
+                </a:effectRef>
+                <a:fontRef idx="minor">
+                  <a:schemeClr val="lt1"/>
+                </a:fontRef>
+              </p:style>
+              <p:txBody>
+                <a:bodyPr rtlCol="0" anchor="ctr"/>
+                <a:lstStyle>
+                  <a:defPPr>
+                    <a:defRPr lang="en-US"/>
+                  </a:defPPr>
+                  <a:lvl1pPr marL="0" algn="l" defTabSz="3291279" rtl="0" eaLnBrk="1" latinLnBrk="0" hangingPunct="1">
+                    <a:defRPr sz="6400" kern="1200">
+                      <a:solidFill>
+                        <a:schemeClr val="lt1"/>
+                      </a:solidFill>
+                      <a:latin typeface="+mn-lt"/>
+                      <a:ea typeface="+mn-ea"/>
+                      <a:cs typeface="+mn-cs"/>
+                    </a:defRPr>
+                  </a:lvl1pPr>
+                  <a:lvl2pPr marL="1645640" algn="l" defTabSz="3291279" rtl="0" eaLnBrk="1" latinLnBrk="0" hangingPunct="1">
+                    <a:defRPr sz="6400" kern="1200">
+                      <a:solidFill>
+                        <a:schemeClr val="lt1"/>
+                      </a:solidFill>
+                      <a:latin typeface="+mn-lt"/>
+                      <a:ea typeface="+mn-ea"/>
+                      <a:cs typeface="+mn-cs"/>
+                    </a:defRPr>
+                  </a:lvl2pPr>
+                  <a:lvl3pPr marL="3291279" algn="l" defTabSz="3291279" rtl="0" eaLnBrk="1" latinLnBrk="0" hangingPunct="1">
+                    <a:defRPr sz="6400" kern="1200">
+                      <a:solidFill>
+                        <a:schemeClr val="lt1"/>
+                      </a:solidFill>
+                      <a:latin typeface="+mn-lt"/>
+                      <a:ea typeface="+mn-ea"/>
+                      <a:cs typeface="+mn-cs"/>
+                    </a:defRPr>
+                  </a:lvl3pPr>
+                  <a:lvl4pPr marL="4936919" algn="l" defTabSz="3291279" rtl="0" eaLnBrk="1" latinLnBrk="0" hangingPunct="1">
+                    <a:defRPr sz="6400" kern="1200">
+                      <a:solidFill>
+                        <a:schemeClr val="lt1"/>
+                      </a:solidFill>
+                      <a:latin typeface="+mn-lt"/>
+                      <a:ea typeface="+mn-ea"/>
+                      <a:cs typeface="+mn-cs"/>
+                    </a:defRPr>
+                  </a:lvl4pPr>
+                  <a:lvl5pPr marL="6582559" algn="l" defTabSz="3291279" rtl="0" eaLnBrk="1" latinLnBrk="0" hangingPunct="1">
+                    <a:defRPr sz="6400" kern="1200">
+                      <a:solidFill>
+                        <a:schemeClr val="lt1"/>
+                      </a:solidFill>
+                      <a:latin typeface="+mn-lt"/>
+                      <a:ea typeface="+mn-ea"/>
+                      <a:cs typeface="+mn-cs"/>
+                    </a:defRPr>
+                  </a:lvl5pPr>
+                  <a:lvl6pPr marL="8228198" algn="l" defTabSz="3291279" rtl="0" eaLnBrk="1" latinLnBrk="0" hangingPunct="1">
+                    <a:defRPr sz="6400" kern="1200">
+                      <a:solidFill>
+                        <a:schemeClr val="lt1"/>
+                      </a:solidFill>
+                      <a:latin typeface="+mn-lt"/>
+                      <a:ea typeface="+mn-ea"/>
+                      <a:cs typeface="+mn-cs"/>
+                    </a:defRPr>
+                  </a:lvl6pPr>
+                  <a:lvl7pPr marL="9873837" algn="l" defTabSz="3291279" rtl="0" eaLnBrk="1" latinLnBrk="0" hangingPunct="1">
+                    <a:defRPr sz="6400" kern="1200">
+                      <a:solidFill>
+                        <a:schemeClr val="lt1"/>
+                      </a:solidFill>
+                      <a:latin typeface="+mn-lt"/>
+                      <a:ea typeface="+mn-ea"/>
+                      <a:cs typeface="+mn-cs"/>
+                    </a:defRPr>
+                  </a:lvl7pPr>
+                  <a:lvl8pPr marL="11519478" algn="l" defTabSz="3291279" rtl="0" eaLnBrk="1" latinLnBrk="0" hangingPunct="1">
+                    <a:defRPr sz="6400" kern="1200">
+                      <a:solidFill>
+                        <a:schemeClr val="lt1"/>
+                      </a:solidFill>
+                      <a:latin typeface="+mn-lt"/>
+                      <a:ea typeface="+mn-ea"/>
+                      <a:cs typeface="+mn-cs"/>
+                    </a:defRPr>
+                  </a:lvl8pPr>
+                  <a:lvl9pPr marL="13165118" algn="l" defTabSz="3291279" rtl="0" eaLnBrk="1" latinLnBrk="0" hangingPunct="1">
+                    <a:defRPr sz="6400" kern="1200">
+                      <a:solidFill>
+                        <a:schemeClr val="lt1"/>
+                      </a:solidFill>
+                      <a:latin typeface="+mn-lt"/>
+                      <a:ea typeface="+mn-ea"/>
+                      <a:cs typeface="+mn-cs"/>
+                    </a:defRPr>
+                  </a:lvl9pPr>
+                </a:lstStyle>
+                <a:p>
+                  <a:pPr algn="ctr"/>
+                  <a:endParaRPr lang="zh-CN" altLang="en-US"/>
+                </a:p>
+              </p:txBody>
+            </p:sp>
+            <p:sp>
+              <p:nvSpPr>
+                <p:cNvPr id="31" name="矩形 40"/>
+                <p:cNvSpPr/>
+                <p:nvPr/>
+              </p:nvSpPr>
+              <p:spPr>
+                <a:xfrm>
+                  <a:off x="8081354" y="14630400"/>
+                  <a:ext cx="2371526" cy="3225625"/>
+                </a:xfrm>
+                <a:prstGeom prst="rect">
+                  <a:avLst/>
+                </a:prstGeom>
+                <a:solidFill>
+                  <a:srgbClr val="92D050">
+                    <a:alpha val="30000"/>
+                  </a:srgbClr>
+                </a:solidFill>
+                <a:ln>
+                  <a:noFill/>
+                </a:ln>
+              </p:spPr>
+              <p:style>
+                <a:lnRef idx="2">
+                  <a:schemeClr val="accent1">
+                    <a:shade val="50000"/>
+                  </a:schemeClr>
+                </a:lnRef>
+                <a:fillRef idx="1">
+                  <a:schemeClr val="accent1"/>
+                </a:fillRef>
+                <a:effectRef idx="0">
+                  <a:schemeClr val="accent1"/>
+                </a:effectRef>
+                <a:fontRef idx="minor">
+                  <a:schemeClr val="lt1"/>
+                </a:fontRef>
+              </p:style>
+              <p:txBody>
+                <a:bodyPr rtlCol="0" anchor="ctr"/>
+                <a:lstStyle>
+                  <a:defPPr>
+                    <a:defRPr lang="en-US"/>
+                  </a:defPPr>
+                  <a:lvl1pPr marL="0" algn="l" defTabSz="3291279" rtl="0" eaLnBrk="1" latinLnBrk="0" hangingPunct="1">
+                    <a:defRPr sz="6400" kern="1200">
+                      <a:solidFill>
+                        <a:schemeClr val="lt1"/>
+                      </a:solidFill>
+                      <a:latin typeface="+mn-lt"/>
+                      <a:ea typeface="+mn-ea"/>
+                      <a:cs typeface="+mn-cs"/>
+                    </a:defRPr>
+                  </a:lvl1pPr>
+                  <a:lvl2pPr marL="1645640" algn="l" defTabSz="3291279" rtl="0" eaLnBrk="1" latinLnBrk="0" hangingPunct="1">
+                    <a:defRPr sz="6400" kern="1200">
+                      <a:solidFill>
+                        <a:schemeClr val="lt1"/>
+                      </a:solidFill>
+                      <a:latin typeface="+mn-lt"/>
+                      <a:ea typeface="+mn-ea"/>
+                      <a:cs typeface="+mn-cs"/>
+                    </a:defRPr>
+                  </a:lvl2pPr>
+                  <a:lvl3pPr marL="3291279" algn="l" defTabSz="3291279" rtl="0" eaLnBrk="1" latinLnBrk="0" hangingPunct="1">
+                    <a:defRPr sz="6400" kern="1200">
+                      <a:solidFill>
+                        <a:schemeClr val="lt1"/>
+                      </a:solidFill>
+                      <a:latin typeface="+mn-lt"/>
+                      <a:ea typeface="+mn-ea"/>
+                      <a:cs typeface="+mn-cs"/>
+                    </a:defRPr>
+                  </a:lvl3pPr>
+                  <a:lvl4pPr marL="4936919" algn="l" defTabSz="3291279" rtl="0" eaLnBrk="1" latinLnBrk="0" hangingPunct="1">
+                    <a:defRPr sz="6400" kern="1200">
+                      <a:solidFill>
+                        <a:schemeClr val="lt1"/>
+                      </a:solidFill>
+                      <a:latin typeface="+mn-lt"/>
+                      <a:ea typeface="+mn-ea"/>
+                      <a:cs typeface="+mn-cs"/>
+                    </a:defRPr>
+                  </a:lvl4pPr>
+                  <a:lvl5pPr marL="6582559" algn="l" defTabSz="3291279" rtl="0" eaLnBrk="1" latinLnBrk="0" hangingPunct="1">
+                    <a:defRPr sz="6400" kern="1200">
+                      <a:solidFill>
+                        <a:schemeClr val="lt1"/>
+                      </a:solidFill>
+                      <a:latin typeface="+mn-lt"/>
+                      <a:ea typeface="+mn-ea"/>
+                      <a:cs typeface="+mn-cs"/>
+                    </a:defRPr>
+                  </a:lvl5pPr>
+                  <a:lvl6pPr marL="8228198" algn="l" defTabSz="3291279" rtl="0" eaLnBrk="1" latinLnBrk="0" hangingPunct="1">
+                    <a:defRPr sz="6400" kern="1200">
+                      <a:solidFill>
+                        <a:schemeClr val="lt1"/>
+                      </a:solidFill>
+                      <a:latin typeface="+mn-lt"/>
+                      <a:ea typeface="+mn-ea"/>
+                      <a:cs typeface="+mn-cs"/>
+                    </a:defRPr>
+                  </a:lvl6pPr>
+                  <a:lvl7pPr marL="9873837" algn="l" defTabSz="3291279" rtl="0" eaLnBrk="1" latinLnBrk="0" hangingPunct="1">
+                    <a:defRPr sz="6400" kern="1200">
+                      <a:solidFill>
+                        <a:schemeClr val="lt1"/>
+                      </a:solidFill>
+                      <a:latin typeface="+mn-lt"/>
+                      <a:ea typeface="+mn-ea"/>
+                      <a:cs typeface="+mn-cs"/>
+                    </a:defRPr>
+                  </a:lvl7pPr>
+                  <a:lvl8pPr marL="11519478" algn="l" defTabSz="3291279" rtl="0" eaLnBrk="1" latinLnBrk="0" hangingPunct="1">
+                    <a:defRPr sz="6400" kern="1200">
+                      <a:solidFill>
+                        <a:schemeClr val="lt1"/>
+                      </a:solidFill>
+                      <a:latin typeface="+mn-lt"/>
+                      <a:ea typeface="+mn-ea"/>
+                      <a:cs typeface="+mn-cs"/>
+                    </a:defRPr>
+                  </a:lvl8pPr>
+                  <a:lvl9pPr marL="13165118" algn="l" defTabSz="3291279" rtl="0" eaLnBrk="1" latinLnBrk="0" hangingPunct="1">
+                    <a:defRPr sz="6400" kern="1200">
+                      <a:solidFill>
+                        <a:schemeClr val="lt1"/>
+                      </a:solidFill>
+                      <a:latin typeface="+mn-lt"/>
+                      <a:ea typeface="+mn-ea"/>
+                      <a:cs typeface="+mn-cs"/>
+                    </a:defRPr>
+                  </a:lvl9pPr>
+                </a:lstStyle>
+                <a:p>
+                  <a:pPr algn="ctr"/>
+                  <a:endParaRPr lang="zh-CN" altLang="en-US"/>
+                </a:p>
+              </p:txBody>
+            </p:sp>
+            <p:sp>
+              <p:nvSpPr>
+                <p:cNvPr id="32" name="矩形 41"/>
+                <p:cNvSpPr/>
+                <p:nvPr/>
+              </p:nvSpPr>
+              <p:spPr>
+                <a:xfrm>
+                  <a:off x="12792519" y="14630400"/>
+                  <a:ext cx="2439156" cy="3225625"/>
+                </a:xfrm>
+                <a:prstGeom prst="rect">
+                  <a:avLst/>
+                </a:prstGeom>
+                <a:solidFill>
+                  <a:schemeClr val="tx1">
+                    <a:lumMod val="75000"/>
+                    <a:lumOff val="25000"/>
+                    <a:alpha val="30000"/>
+                  </a:schemeClr>
+                </a:solidFill>
+                <a:ln>
+                  <a:noFill/>
+                </a:ln>
+              </p:spPr>
+              <p:style>
+                <a:lnRef idx="2">
+                  <a:schemeClr val="accent1">
+                    <a:shade val="50000"/>
+                  </a:schemeClr>
+                </a:lnRef>
+                <a:fillRef idx="1">
+                  <a:schemeClr val="accent1"/>
+                </a:fillRef>
+                <a:effectRef idx="0">
+                  <a:schemeClr val="accent1"/>
+                </a:effectRef>
+                <a:fontRef idx="minor">
+                  <a:schemeClr val="lt1"/>
+                </a:fontRef>
+              </p:style>
+              <p:txBody>
+                <a:bodyPr rtlCol="0" anchor="ctr"/>
+                <a:lstStyle>
+                  <a:defPPr>
+                    <a:defRPr lang="en-US"/>
+                  </a:defPPr>
+                  <a:lvl1pPr marL="0" algn="l" defTabSz="3291279" rtl="0" eaLnBrk="1" latinLnBrk="0" hangingPunct="1">
+                    <a:defRPr sz="6400" kern="1200">
+                      <a:solidFill>
+                        <a:schemeClr val="lt1"/>
+                      </a:solidFill>
+                      <a:latin typeface="+mn-lt"/>
+                      <a:ea typeface="+mn-ea"/>
+                      <a:cs typeface="+mn-cs"/>
+                    </a:defRPr>
+                  </a:lvl1pPr>
+                  <a:lvl2pPr marL="1645640" algn="l" defTabSz="3291279" rtl="0" eaLnBrk="1" latinLnBrk="0" hangingPunct="1">
+                    <a:defRPr sz="6400" kern="1200">
+                      <a:solidFill>
+                        <a:schemeClr val="lt1"/>
+                      </a:solidFill>
+                      <a:latin typeface="+mn-lt"/>
+                      <a:ea typeface="+mn-ea"/>
+                      <a:cs typeface="+mn-cs"/>
+                    </a:defRPr>
+                  </a:lvl2pPr>
+                  <a:lvl3pPr marL="3291279" algn="l" defTabSz="3291279" rtl="0" eaLnBrk="1" latinLnBrk="0" hangingPunct="1">
+                    <a:defRPr sz="6400" kern="1200">
+                      <a:solidFill>
+                        <a:schemeClr val="lt1"/>
+                      </a:solidFill>
+                      <a:latin typeface="+mn-lt"/>
+                      <a:ea typeface="+mn-ea"/>
+                      <a:cs typeface="+mn-cs"/>
+                    </a:defRPr>
+                  </a:lvl3pPr>
+                  <a:lvl4pPr marL="4936919" algn="l" defTabSz="3291279" rtl="0" eaLnBrk="1" latinLnBrk="0" hangingPunct="1">
+                    <a:defRPr sz="6400" kern="1200">
+                      <a:solidFill>
+                        <a:schemeClr val="lt1"/>
+                      </a:solidFill>
+                      <a:latin typeface="+mn-lt"/>
+                      <a:ea typeface="+mn-ea"/>
+                      <a:cs typeface="+mn-cs"/>
+                    </a:defRPr>
+                  </a:lvl4pPr>
+                  <a:lvl5pPr marL="6582559" algn="l" defTabSz="3291279" rtl="0" eaLnBrk="1" latinLnBrk="0" hangingPunct="1">
+                    <a:defRPr sz="6400" kern="1200">
+                      <a:solidFill>
+                        <a:schemeClr val="lt1"/>
+                      </a:solidFill>
+                      <a:latin typeface="+mn-lt"/>
+                      <a:ea typeface="+mn-ea"/>
+                      <a:cs typeface="+mn-cs"/>
+                    </a:defRPr>
+                  </a:lvl5pPr>
+                  <a:lvl6pPr marL="8228198" algn="l" defTabSz="3291279" rtl="0" eaLnBrk="1" latinLnBrk="0" hangingPunct="1">
+                    <a:defRPr sz="6400" kern="1200">
+                      <a:solidFill>
+                        <a:schemeClr val="lt1"/>
+                      </a:solidFill>
+                      <a:latin typeface="+mn-lt"/>
+                      <a:ea typeface="+mn-ea"/>
+                      <a:cs typeface="+mn-cs"/>
+                    </a:defRPr>
+                  </a:lvl6pPr>
+                  <a:lvl7pPr marL="9873837" algn="l" defTabSz="3291279" rtl="0" eaLnBrk="1" latinLnBrk="0" hangingPunct="1">
+                    <a:defRPr sz="6400" kern="1200">
+                      <a:solidFill>
+                        <a:schemeClr val="lt1"/>
+                      </a:solidFill>
+                      <a:latin typeface="+mn-lt"/>
+                      <a:ea typeface="+mn-ea"/>
+                      <a:cs typeface="+mn-cs"/>
+                    </a:defRPr>
+                  </a:lvl7pPr>
+                  <a:lvl8pPr marL="11519478" algn="l" defTabSz="3291279" rtl="0" eaLnBrk="1" latinLnBrk="0" hangingPunct="1">
+                    <a:defRPr sz="6400" kern="1200">
+                      <a:solidFill>
+                        <a:schemeClr val="lt1"/>
+                      </a:solidFill>
+                      <a:latin typeface="+mn-lt"/>
+                      <a:ea typeface="+mn-ea"/>
+                      <a:cs typeface="+mn-cs"/>
+                    </a:defRPr>
+                  </a:lvl8pPr>
+                  <a:lvl9pPr marL="13165118" algn="l" defTabSz="3291279" rtl="0" eaLnBrk="1" latinLnBrk="0" hangingPunct="1">
+                    <a:defRPr sz="6400" kern="1200">
+                      <a:solidFill>
+                        <a:schemeClr val="lt1"/>
+                      </a:solidFill>
+                      <a:latin typeface="+mn-lt"/>
+                      <a:ea typeface="+mn-ea"/>
+                      <a:cs typeface="+mn-cs"/>
+                    </a:defRPr>
+                  </a:lvl9pPr>
+                </a:lstStyle>
+                <a:p>
+                  <a:pPr algn="ctr"/>
+                  <a:endParaRPr lang="zh-CN" altLang="en-US"/>
+                </a:p>
+              </p:txBody>
+            </p:sp>
+          </p:grpSp>
+        </p:grpSp>
+        <p:sp>
+          <p:nvSpPr>
+            <p:cNvPr id="33" name="矩形 39"/>
+            <p:cNvSpPr/>
+            <p:nvPr/>
+          </p:nvSpPr>
+          <p:spPr>
+            <a:xfrm>
+              <a:off x="4368812" y="1238888"/>
+              <a:ext cx="736589" cy="665312"/>
+            </a:xfrm>
+            <a:prstGeom prst="rect">
+              <a:avLst/>
+            </a:prstGeom>
+            <a:solidFill>
+              <a:srgbClr val="0070C0">
+                <a:alpha val="30000"/>
+              </a:srgbClr>
+            </a:solidFill>
+            <a:ln>
+              <a:noFill/>
+            </a:ln>
+          </p:spPr>
+          <p:style>
+            <a:lnRef idx="2">
+              <a:schemeClr val="accent1">
+                <a:shade val="50000"/>
+              </a:schemeClr>
+            </a:lnRef>
+            <a:fillRef idx="1">
+              <a:schemeClr val="accent1"/>
+            </a:fillRef>
+            <a:effectRef idx="0">
+              <a:schemeClr val="accent1"/>
+            </a:effectRef>
+            <a:fontRef idx="minor">
+              <a:schemeClr val="lt1"/>
+            </a:fontRef>
+          </p:style>
+          <p:txBody>
+            <a:bodyPr rtlCol="0" anchor="ctr"/>
+            <a:lstStyle>
+              <a:defPPr>
+                <a:defRPr lang="en-US"/>
+              </a:defPPr>
+              <a:lvl1pPr marL="0" algn="l" defTabSz="3291279" rtl="0" eaLnBrk="1" latinLnBrk="0" hangingPunct="1">
+                <a:defRPr sz="6400" kern="1200">
+                  <a:solidFill>
+                    <a:schemeClr val="lt1"/>
+                  </a:solidFill>
+                  <a:latin typeface="+mn-lt"/>
+                  <a:ea typeface="+mn-ea"/>
+                  <a:cs typeface="+mn-cs"/>
+                </a:defRPr>
+              </a:lvl1pPr>
+              <a:lvl2pPr marL="1645640" algn="l" defTabSz="3291279" rtl="0" eaLnBrk="1" latinLnBrk="0" hangingPunct="1">
+                <a:defRPr sz="6400" kern="1200">
+                  <a:solidFill>
+                    <a:schemeClr val="lt1"/>
+                  </a:solidFill>
+                  <a:latin typeface="+mn-lt"/>
+                  <a:ea typeface="+mn-ea"/>
+                  <a:cs typeface="+mn-cs"/>
+                </a:defRPr>
+              </a:lvl2pPr>
+              <a:lvl3pPr marL="3291279" algn="l" defTabSz="3291279" rtl="0" eaLnBrk="1" latinLnBrk="0" hangingPunct="1">
+                <a:defRPr sz="6400" kern="1200">
+                  <a:solidFill>
+                    <a:schemeClr val="lt1"/>
+                  </a:solidFill>
+                  <a:latin typeface="+mn-lt"/>
+                  <a:ea typeface="+mn-ea"/>
+                  <a:cs typeface="+mn-cs"/>
+                </a:defRPr>
+              </a:lvl3pPr>
+              <a:lvl4pPr marL="4936919" algn="l" defTabSz="3291279" rtl="0" eaLnBrk="1" latinLnBrk="0" hangingPunct="1">
+                <a:defRPr sz="6400" kern="1200">
+                  <a:solidFill>
+                    <a:schemeClr val="lt1"/>
+                  </a:solidFill>
+                  <a:latin typeface="+mn-lt"/>
+                  <a:ea typeface="+mn-ea"/>
+                  <a:cs typeface="+mn-cs"/>
+                </a:defRPr>
+              </a:lvl4pPr>
+              <a:lvl5pPr marL="6582559" algn="l" defTabSz="3291279" rtl="0" eaLnBrk="1" latinLnBrk="0" hangingPunct="1">
+                <a:defRPr sz="6400" kern="1200">
+                  <a:solidFill>
+                    <a:schemeClr val="lt1"/>
+                  </a:solidFill>
+                  <a:latin typeface="+mn-lt"/>
+                  <a:ea typeface="+mn-ea"/>
+                  <a:cs typeface="+mn-cs"/>
+                </a:defRPr>
+              </a:lvl5pPr>
+              <a:lvl6pPr marL="8228198" algn="l" defTabSz="3291279" rtl="0" eaLnBrk="1" latinLnBrk="0" hangingPunct="1">
+                <a:defRPr sz="6400" kern="1200">
+                  <a:solidFill>
+                    <a:schemeClr val="lt1"/>
+                  </a:solidFill>
+                  <a:latin typeface="+mn-lt"/>
+                  <a:ea typeface="+mn-ea"/>
+                  <a:cs typeface="+mn-cs"/>
+                </a:defRPr>
+              </a:lvl6pPr>
+              <a:lvl7pPr marL="9873837" algn="l" defTabSz="3291279" rtl="0" eaLnBrk="1" latinLnBrk="0" hangingPunct="1">
+                <a:defRPr sz="6400" kern="1200">
+                  <a:solidFill>
+                    <a:schemeClr val="lt1"/>
+                  </a:solidFill>
+                  <a:latin typeface="+mn-lt"/>
+                  <a:ea typeface="+mn-ea"/>
+                  <a:cs typeface="+mn-cs"/>
+                </a:defRPr>
+              </a:lvl7pPr>
+              <a:lvl8pPr marL="11519478" algn="l" defTabSz="3291279" rtl="0" eaLnBrk="1" latinLnBrk="0" hangingPunct="1">
+                <a:defRPr sz="6400" kern="1200">
+                  <a:solidFill>
+                    <a:schemeClr val="lt1"/>
+                  </a:solidFill>
+                  <a:latin typeface="+mn-lt"/>
+                  <a:ea typeface="+mn-ea"/>
+                  <a:cs typeface="+mn-cs"/>
+                </a:defRPr>
+              </a:lvl8pPr>
+              <a:lvl9pPr marL="13165118" algn="l" defTabSz="3291279" rtl="0" eaLnBrk="1" latinLnBrk="0" hangingPunct="1">
+                <a:defRPr sz="6400" kern="1200">
+                  <a:solidFill>
+                    <a:schemeClr val="lt1"/>
+                  </a:solidFill>
+                  <a:latin typeface="+mn-lt"/>
+                  <a:ea typeface="+mn-ea"/>
+                  <a:cs typeface="+mn-cs"/>
+                </a:defRPr>
+              </a:lvl9pPr>
+            </a:lstStyle>
+            <a:p>
+              <a:pPr algn="ctr"/>
+              <a:endParaRPr lang="zh-CN" altLang="en-US"/>
+            </a:p>
+          </p:txBody>
+        </p:sp>
+      </p:grpSp>
+      <p:sp>
+        <p:nvSpPr>
+          <p:cNvPr id="35" name="TextBox 34"/>
+          <p:cNvSpPr txBox="1"/>
+          <p:nvPr/>
+        </p:nvSpPr>
+        <p:spPr>
+          <a:xfrm>
+            <a:off x="1426158" y="2743200"/>
+            <a:ext cx="2057400" cy="276999"/>
+          </a:xfrm>
+          <a:prstGeom prst="rect">
+            <a:avLst/>
+          </a:prstGeom>
+          <a:noFill/>
+        </p:spPr>
+        <p:txBody>
+          <a:bodyPr wrap="square" rtlCol="0">
+            <a:spAutoFit/>
+          </a:bodyPr>
+          <a:lstStyle/>
+          <a:p>
+            <a:r>
+              <a:rPr lang="en-US" sz="1200" dirty="0" smtClean="0"/>
+              <a:t>Labels from offline clustering</a:t>
+            </a:r>
+            <a:endParaRPr lang="en-US" sz="1200" dirty="0"/>
+          </a:p>
+        </p:txBody>
+      </p:sp>
+      <p:sp>
+        <p:nvSpPr>
+          <p:cNvPr id="38" name="TextBox 37"/>
+          <p:cNvSpPr txBox="1"/>
+          <p:nvPr/>
+        </p:nvSpPr>
+        <p:spPr>
+          <a:xfrm>
+            <a:off x="4572002" y="2743200"/>
+            <a:ext cx="1371598" cy="461665"/>
+          </a:xfrm>
+          <a:prstGeom prst="rect">
+            <a:avLst/>
+          </a:prstGeom>
+          <a:noFill/>
+        </p:spPr>
+        <p:txBody>
+          <a:bodyPr wrap="square" rtlCol="0">
+            <a:spAutoFit/>
+          </a:bodyPr>
+          <a:lstStyle/>
+          <a:p>
+            <a:r>
+              <a:rPr lang="en-US" sz="1200" dirty="0" smtClean="0"/>
+              <a:t>Labels from online</a:t>
+            </a:r>
+          </a:p>
+          <a:p>
+            <a:r>
+              <a:rPr lang="en-US" sz="1200" dirty="0" smtClean="0"/>
+              <a:t>clustering</a:t>
+            </a:r>
+            <a:endParaRPr lang="en-US" sz="1200" dirty="0"/>
+          </a:p>
+        </p:txBody>
+      </p:sp>
+      <p:grpSp>
+        <p:nvGrpSpPr>
+          <p:cNvPr id="37" name="Group 36"/>
+          <p:cNvGrpSpPr/>
+          <p:nvPr/>
+        </p:nvGrpSpPr>
+        <p:grpSpPr>
+          <a:xfrm>
+            <a:off x="457200" y="2133600"/>
+            <a:ext cx="5943600" cy="446851"/>
+            <a:chOff x="381000" y="2479229"/>
+            <a:chExt cx="5943600" cy="446851"/>
+          </a:xfrm>
+        </p:grpSpPr>
+        <p:grpSp>
+          <p:nvGrpSpPr>
+            <p:cNvPr id="36" name="Group 35"/>
+            <p:cNvGrpSpPr/>
+            <p:nvPr/>
+          </p:nvGrpSpPr>
+          <p:grpSpPr>
+            <a:xfrm>
+              <a:off x="723900" y="2788920"/>
+              <a:ext cx="5143500" cy="137160"/>
+              <a:chOff x="723900" y="2948940"/>
+              <a:chExt cx="5143500" cy="137160"/>
+            </a:xfrm>
+          </p:grpSpPr>
+          <p:sp>
+            <p:nvSpPr>
+              <p:cNvPr id="7" name="Left Bracket 6"/>
+              <p:cNvSpPr/>
+              <p:nvPr/>
+            </p:nvSpPr>
+            <p:spPr>
+              <a:xfrm rot="16200000">
+                <a:off x="2465071" y="1207769"/>
+                <a:ext cx="137160" cy="3619502"/>
+              </a:xfrm>
+              <a:prstGeom prst="leftBracket">
+                <a:avLst/>
+              </a:prstGeom>
+              <a:ln w="19050">
+                <a:solidFill>
+                  <a:srgbClr val="000000"/>
+                </a:solidFill>
+              </a:ln>
+            </p:spPr>
+            <p:style>
+              <a:lnRef idx="1">
+                <a:schemeClr val="accent1"/>
+              </a:lnRef>
+              <a:fillRef idx="0">
+                <a:schemeClr val="accent1"/>
+              </a:fillRef>
+              <a:effectRef idx="0">
+                <a:schemeClr val="accent1"/>
+              </a:effectRef>
+              <a:fontRef idx="minor">
+                <a:schemeClr val="tx1"/>
+              </a:fontRef>
+            </p:style>
+            <p:txBody>
+              <a:bodyPr rtlCol="0" anchor="ctr"/>
+              <a:lstStyle/>
+              <a:p>
+                <a:pPr algn="ctr"/>
+                <a:endParaRPr lang="en-US"/>
+              </a:p>
+            </p:txBody>
+          </p:sp>
+          <p:sp>
+            <p:nvSpPr>
+              <p:cNvPr id="8" name="Left Bracket 7"/>
+              <p:cNvSpPr/>
+              <p:nvPr/>
+            </p:nvSpPr>
+            <p:spPr>
+              <a:xfrm rot="16200000">
+                <a:off x="5036821" y="2255521"/>
+                <a:ext cx="137160" cy="1523998"/>
+              </a:xfrm>
+              <a:prstGeom prst="leftBracket">
+                <a:avLst/>
+              </a:prstGeom>
+              <a:ln w="19050">
+                <a:solidFill>
+                  <a:srgbClr val="000000"/>
+                </a:solidFill>
+              </a:ln>
+            </p:spPr>
+            <p:style>
+              <a:lnRef idx="1">
+                <a:schemeClr val="accent1"/>
+              </a:lnRef>
+              <a:fillRef idx="0">
+                <a:schemeClr val="accent1"/>
+              </a:fillRef>
+              <a:effectRef idx="0">
+                <a:schemeClr val="accent1"/>
+              </a:effectRef>
+              <a:fontRef idx="minor">
+                <a:schemeClr val="tx1"/>
+              </a:fontRef>
+            </p:style>
+            <p:txBody>
+              <a:bodyPr rtlCol="0" anchor="ctr"/>
+              <a:lstStyle/>
+              <a:p>
+                <a:pPr algn="ctr"/>
+                <a:endParaRPr lang="en-US"/>
+              </a:p>
+            </p:txBody>
+          </p:sp>
+        </p:grpSp>
+        <mc:AlternateContent xmlns:mc="http://schemas.openxmlformats.org/markup-compatibility/2006">
+          <mc:Choice xmlns:a14="http://schemas.microsoft.com/office/drawing/2010/main" Requires="a14">
+            <p:sp>
+              <p:nvSpPr>
+                <p:cNvPr id="9" name="TextBox 8"/>
+                <p:cNvSpPr txBox="1"/>
+                <p:nvPr/>
+              </p:nvSpPr>
+              <p:spPr>
+                <a:xfrm>
+                  <a:off x="3886202" y="2488165"/>
+                  <a:ext cx="914400" cy="276999"/>
+                </a:xfrm>
+                <a:prstGeom prst="rect">
+                  <a:avLst/>
+                </a:prstGeom>
+                <a:noFill/>
+              </p:spPr>
+              <p:txBody>
+                <a:bodyPr wrap="square" rtlCol="0">
+                  <a:spAutoFit/>
+                </a:bodyPr>
+                <a:lstStyle/>
+                <a:p>
+                  <a14:m>
+                    <m:oMathPara xmlns:m="http://schemas.openxmlformats.org/officeDocument/2006/math">
+                      <m:oMathParaPr>
+                        <m:jc m:val="centerGroup"/>
+                      </m:oMathParaPr>
+                      <m:oMath xmlns:m="http://schemas.openxmlformats.org/officeDocument/2006/math">
+                        <m:r>
+                          <a:rPr lang="en-US" sz="1200" b="0" i="1" smtClean="0">
+                            <a:latin typeface="Cambria Math"/>
+                          </a:rPr>
+                          <m:t>𝑇</m:t>
+                        </m:r>
+                        <m:r>
+                          <a:rPr lang="en-US" sz="1200" i="1" smtClean="0">
+                            <a:latin typeface="Cambria Math"/>
+                          </a:rPr>
+                          <m:t>=</m:t>
+                        </m:r>
+                        <m:sSub>
+                          <m:sSubPr>
+                            <m:ctrlPr>
+                              <a:rPr lang="en-US" sz="1200" b="0" i="1" smtClean="0">
+                                <a:latin typeface="Cambria Math"/>
+                              </a:rPr>
+                            </m:ctrlPr>
+                          </m:sSubPr>
+                          <m:e>
+                            <m:r>
+                              <a:rPr lang="en-US" sz="1200" b="0" i="1" smtClean="0">
+                                <a:latin typeface="Cambria Math"/>
+                              </a:rPr>
+                              <m:t>𝑡</m:t>
+                            </m:r>
+                          </m:e>
+                          <m:sub>
+                            <m:r>
+                              <a:rPr lang="en-US" sz="1200" b="0" i="1" smtClean="0">
+                                <a:latin typeface="Cambria Math"/>
+                              </a:rPr>
+                              <m:t>1</m:t>
+                            </m:r>
+                          </m:sub>
+                        </m:sSub>
+                      </m:oMath>
+                    </m:oMathPara>
+                  </a14:m>
+                  <a:endParaRPr lang="en-US" sz="1200" dirty="0"/>
+                </a:p>
+              </p:txBody>
+            </p:sp>
+          </mc:Choice>
+          <mc:Fallback>
+            <p:sp>
+              <p:nvSpPr>
+                <p:cNvPr id="9" name="TextBox 8"/>
+                <p:cNvSpPr txBox="1">
+                  <a:spLocks noRot="1" noChangeAspect="1" noMove="1" noResize="1" noEditPoints="1" noAdjustHandles="1" noChangeArrowheads="1" noChangeShapeType="1" noTextEdit="1"/>
+                </p:cNvSpPr>
+                <p:nvPr/>
+              </p:nvSpPr>
+              <p:spPr>
+                <a:xfrm>
+                  <a:off x="3886202" y="2488165"/>
+                  <a:ext cx="914400" cy="276999"/>
+                </a:xfrm>
+                <a:prstGeom prst="rect">
+                  <a:avLst/>
+                </a:prstGeom>
+                <a:blipFill rotWithShape="1">
+                  <a:blip r:embed="rId3"/>
+                  <a:stretch>
+                    <a:fillRect/>
+                  </a:stretch>
+                </a:blipFill>
+              </p:spPr>
+              <p:txBody>
+                <a:bodyPr/>
+                <a:lstStyle/>
+                <a:p>
+                  <a:r>
+                    <a:rPr lang="en-US">
+                      <a:noFill/>
+                    </a:rPr>
+                    <a:t> </a:t>
+                  </a:r>
+                </a:p>
+              </p:txBody>
+            </p:sp>
+          </mc:Fallback>
+        </mc:AlternateContent>
+        <mc:AlternateContent xmlns:mc="http://schemas.openxmlformats.org/markup-compatibility/2006">
+          <mc:Choice xmlns:a14="http://schemas.microsoft.com/office/drawing/2010/main" Requires="a14">
+            <p:sp>
+              <p:nvSpPr>
+                <p:cNvPr id="10" name="TextBox 9"/>
+                <p:cNvSpPr txBox="1"/>
+                <p:nvPr/>
+              </p:nvSpPr>
+              <p:spPr>
+                <a:xfrm>
+                  <a:off x="381000" y="2479229"/>
+                  <a:ext cx="914400" cy="276999"/>
+                </a:xfrm>
+                <a:prstGeom prst="rect">
+                  <a:avLst/>
+                </a:prstGeom>
+                <a:noFill/>
+              </p:spPr>
+              <p:txBody>
+                <a:bodyPr wrap="square" rtlCol="0">
+                  <a:spAutoFit/>
+                </a:bodyPr>
+                <a:lstStyle/>
+                <a:p>
+                  <a14:m>
+                    <m:oMathPara xmlns:m="http://schemas.openxmlformats.org/officeDocument/2006/math">
+                      <m:oMathParaPr>
+                        <m:jc m:val="centerGroup"/>
+                      </m:oMathParaPr>
+                      <m:oMath xmlns:m="http://schemas.openxmlformats.org/officeDocument/2006/math">
+                        <m:r>
+                          <a:rPr lang="en-US" sz="1200" b="0" i="1" smtClean="0">
+                            <a:latin typeface="Cambria Math"/>
+                          </a:rPr>
+                          <m:t>𝑇</m:t>
+                        </m:r>
+                        <m:r>
+                          <a:rPr lang="en-US" sz="1200" i="1" smtClean="0">
+                            <a:latin typeface="Cambria Math"/>
+                          </a:rPr>
+                          <m:t>=</m:t>
+                        </m:r>
+                        <m:r>
+                          <a:rPr lang="en-US" sz="1200" b="0" i="1" smtClean="0">
+                            <a:latin typeface="Cambria Math"/>
+                          </a:rPr>
+                          <m:t>0</m:t>
+                        </m:r>
+                      </m:oMath>
+                    </m:oMathPara>
+                  </a14:m>
+                  <a:endParaRPr lang="en-US" sz="1200" dirty="0"/>
+                </a:p>
+              </p:txBody>
+            </p:sp>
+          </mc:Choice>
+          <mc:Fallback>
+            <p:sp>
+              <p:nvSpPr>
+                <p:cNvPr id="10" name="TextBox 9"/>
+                <p:cNvSpPr txBox="1">
+                  <a:spLocks noRot="1" noChangeAspect="1" noMove="1" noResize="1" noEditPoints="1" noAdjustHandles="1" noChangeArrowheads="1" noChangeShapeType="1" noTextEdit="1"/>
+                </p:cNvSpPr>
+                <p:nvPr/>
+              </p:nvSpPr>
+              <p:spPr>
+                <a:xfrm>
+                  <a:off x="381000" y="2479229"/>
+                  <a:ext cx="914400" cy="276999"/>
+                </a:xfrm>
+                <a:prstGeom prst="rect">
+                  <a:avLst/>
+                </a:prstGeom>
+                <a:blipFill rotWithShape="1">
+                  <a:blip r:embed="rId4"/>
+                  <a:stretch>
+                    <a:fillRect/>
+                  </a:stretch>
+                </a:blipFill>
+              </p:spPr>
+              <p:txBody>
+                <a:bodyPr/>
+                <a:lstStyle/>
+                <a:p>
+                  <a:r>
+                    <a:rPr lang="en-US">
+                      <a:noFill/>
+                    </a:rPr>
+                    <a:t> </a:t>
+                  </a:r>
+                </a:p>
+              </p:txBody>
+            </p:sp>
+          </mc:Fallback>
+        </mc:AlternateContent>
+        <mc:AlternateContent xmlns:mc="http://schemas.openxmlformats.org/markup-compatibility/2006">
+          <mc:Choice xmlns:a14="http://schemas.microsoft.com/office/drawing/2010/main" Requires="a14">
+            <p:sp>
+              <p:nvSpPr>
+                <p:cNvPr id="11" name="TextBox 10"/>
+                <p:cNvSpPr txBox="1"/>
+                <p:nvPr/>
+              </p:nvSpPr>
+              <p:spPr>
+                <a:xfrm>
+                  <a:off x="5410200" y="2479229"/>
+                  <a:ext cx="914400" cy="276999"/>
+                </a:xfrm>
+                <a:prstGeom prst="rect">
+                  <a:avLst/>
+                </a:prstGeom>
+                <a:noFill/>
+              </p:spPr>
+              <p:txBody>
+                <a:bodyPr wrap="square" rtlCol="0">
+                  <a:spAutoFit/>
+                </a:bodyPr>
+                <a:lstStyle/>
+                <a:p>
+                  <a14:m>
+                    <m:oMathPara xmlns:m="http://schemas.openxmlformats.org/officeDocument/2006/math">
+                      <m:oMathParaPr>
+                        <m:jc m:val="centerGroup"/>
+                      </m:oMathParaPr>
+                      <m:oMath xmlns:m="http://schemas.openxmlformats.org/officeDocument/2006/math">
+                        <m:r>
+                          <a:rPr lang="en-US" sz="1200" b="0" i="1" smtClean="0">
+                            <a:latin typeface="Cambria Math"/>
+                          </a:rPr>
+                          <m:t>𝑇</m:t>
+                        </m:r>
+                        <m:r>
+                          <a:rPr lang="en-US" sz="1200" i="1" smtClean="0">
+                            <a:latin typeface="Cambria Math"/>
+                          </a:rPr>
+                          <m:t>=</m:t>
+                        </m:r>
+                        <m:sSub>
+                          <m:sSubPr>
+                            <m:ctrlPr>
+                              <a:rPr lang="en-US" sz="1200" b="0" i="1" smtClean="0">
+                                <a:latin typeface="Cambria Math"/>
+                              </a:rPr>
+                            </m:ctrlPr>
+                          </m:sSubPr>
+                          <m:e>
+                            <m:r>
+                              <a:rPr lang="en-US" sz="1200" b="0" i="1" smtClean="0">
+                                <a:latin typeface="Cambria Math"/>
+                              </a:rPr>
+                              <m:t>𝑡</m:t>
+                            </m:r>
+                          </m:e>
+                          <m:sub>
+                            <m:r>
+                              <a:rPr lang="en-US" sz="1200" b="0" i="1" smtClean="0">
+                                <a:latin typeface="Cambria Math"/>
+                              </a:rPr>
+                              <m:t>2</m:t>
+                            </m:r>
+                          </m:sub>
+                        </m:sSub>
+                      </m:oMath>
+                    </m:oMathPara>
+                  </a14:m>
+                  <a:endParaRPr lang="en-US" sz="1200" dirty="0"/>
+                </a:p>
+              </p:txBody>
+            </p:sp>
+          </mc:Choice>
+          <mc:Fallback>
+            <p:sp>
+              <p:nvSpPr>
+                <p:cNvPr id="11" name="TextBox 10"/>
+                <p:cNvSpPr txBox="1">
+                  <a:spLocks noRot="1" noChangeAspect="1" noMove="1" noResize="1" noEditPoints="1" noAdjustHandles="1" noChangeArrowheads="1" noChangeShapeType="1" noTextEdit="1"/>
+                </p:cNvSpPr>
+                <p:nvPr/>
+              </p:nvSpPr>
+              <p:spPr>
+                <a:xfrm>
+                  <a:off x="5410200" y="2479229"/>
+                  <a:ext cx="914400" cy="276999"/>
+                </a:xfrm>
+                <a:prstGeom prst="rect">
+                  <a:avLst/>
+                </a:prstGeom>
+                <a:blipFill rotWithShape="1">
+                  <a:blip r:embed="rId5"/>
+                  <a:stretch>
+                    <a:fillRect/>
+                  </a:stretch>
+                </a:blipFill>
+              </p:spPr>
+              <p:txBody>
+                <a:bodyPr/>
+                <a:lstStyle/>
+                <a:p>
+                  <a:r>
+                    <a:rPr lang="en-US">
+                      <a:noFill/>
+                    </a:rPr>
+                    <a:t> </a:t>
+                  </a:r>
+                </a:p>
+              </p:txBody>
+            </p:sp>
+          </mc:Fallback>
+        </mc:AlternateContent>
+      </p:grpSp>
+    </p:spTree>
+    <p:extLst>
+      <p:ext uri="{BB962C8B-B14F-4D97-AF65-F5344CB8AC3E}">
+        <p14:creationId xmlns:p14="http://schemas.microsoft.com/office/powerpoint/2010/main" val="844584175"/>
+      </p:ext>
+    </p:extLst>
+  </p:cSld>
+  <p:clrMapOvr>
+    <a:masterClrMapping/>
+  </p:clrMapOvr>
 </p:sld>
 </file>
 
@@ -16505,15 +20166,7 @@
             <a:pPr marL="457200" indent="-457200"/>
             <a:r>
               <a:rPr lang="en-US" altLang="zh-CN" sz="2000" dirty="0"/>
-              <a:t>Online </a:t>
-            </a:r>
-            <a:r>
-              <a:rPr lang="en-US" altLang="zh-CN" sz="2000" dirty="0"/>
-              <a:t>diarization performance </a:t>
-            </a:r>
-            <a:r>
-              <a:rPr lang="en-US" altLang="zh-CN" sz="2000" dirty="0"/>
-              <a:t>are </a:t>
+              <a:t>Online diarization performance are </a:t>
             </a:r>
             <a:r>
               <a:rPr lang="en-US" altLang="zh-CN" sz="2000" dirty="0" smtClean="0"/>
@@ -16521,13 +20174,8 @@
             </a:r>
             <a:r>
               <a:rPr lang="en-US" altLang="zh-CN" sz="2000" dirty="0"/>
-              <a:t>than offline </a:t>
+              <a:t>than offline diarization</a:t>
             </a:r>
-            <a:r>
-              <a:rPr lang="en-US" altLang="zh-CN" sz="2000" dirty="0"/>
-              <a:t>diarization</a:t>
-            </a:r>
-            <a:endParaRPr lang="en-US" altLang="zh-CN" sz="2000" dirty="0"/>
           </a:p>
           <a:p>
             <a:pPr marL="457200" indent="-457200"/>
@@ -20270,7 +23918,7 @@
                                   <a:solidFill>
                                     <a:schemeClr val="tx1"/>
                                   </a:solidFill>
-                                  <a:latin typeface="Cambria Math" panose="02040503050406030204" pitchFamily="18" charset="0"/>
+                                  <a:latin typeface="Cambria Math"/>
                                 </a:rPr>
                               </m:ctrlPr>
                             </m:sSubPr>
@@ -20517,7 +24165,7 @@
                                   <a:solidFill>
                                     <a:schemeClr val="tx1"/>
                                   </a:solidFill>
-                                  <a:latin typeface="Cambria Math" panose="02040503050406030204" pitchFamily="18" charset="0"/>
+                                  <a:latin typeface="Cambria Math"/>
                                 </a:rPr>
                               </m:ctrlPr>
                             </m:sSubPr>
@@ -22183,7 +25831,7 @@
                                 <m:sSubPr>
                                   <m:ctrlPr>
                                     <a:rPr lang="en-US" altLang="zh-CN" sz="1800" i="1" dirty="0" smtClean="0">
-                                      <a:latin typeface="Cambria Math" panose="02040503050406030204" pitchFamily="18" charset="0"/>
+                                      <a:latin typeface="Cambria Math"/>
                                     </a:rPr>
                                   </m:ctrlPr>
                                 </m:sSubPr>
